--- a/Pravin Kumar/Vehicle Loan Default Prediction.pptx
+++ b/Pravin Kumar/Vehicle Loan Default Prediction.pptx
@@ -3791,7 +3791,7 @@
                   <a:srgbClr val="FF0000"/>
                 </a:solidFill>
               </a:rPr>
-              <a:t>Viswanath Kannan</a:t>
+              <a:t>Vishwanath Kannan</a:t>
             </a:r>
           </a:p>
           <a:p>
@@ -4160,7 +4160,7 @@
                   <a:srgbClr val="0055A0"/>
                 </a:solidFill>
               </a:rPr>
-              <a:t>Define the technology and business problem you have solved</a:t>
+              <a:t>The objective of this project is to predict whether it will be Payment default in the ﬁrst EMI on Vehicle Loan on due date or not using the Loan Default Prediction Dataset from Kaggle.</a:t>
             </a:r>
           </a:p>
           <a:p>
@@ -4169,12 +4169,12 @@
               <a:buChar char="Ø"/>
             </a:pPr>
             <a:r>
-              <a:rPr lang="en-IN" sz="2400" dirty="0">
+              <a:rPr lang="en-US" sz="2400" dirty="0">
                 <a:solidFill>
                   <a:srgbClr val="0055A0"/>
                 </a:solidFill>
               </a:rPr>
-              <a:t>Why it is important problem</a:t>
+              <a:t>Finding out the critical features that to help him/the company to evaluating the probability of default of the customer</a:t>
             </a:r>
           </a:p>
           <a:p>
@@ -4182,28 +4182,22 @@
               <a:buFont typeface="Wingdings" panose="05000000000000000000" pitchFamily="2" charset="2"/>
               <a:buChar char="Ø"/>
             </a:pPr>
-            <a:r>
-              <a:rPr lang="en-IN" sz="2400" dirty="0">
-                <a:solidFill>
-                  <a:srgbClr val="0055A0"/>
-                </a:solidFill>
-              </a:rPr>
-              <a:t>What are the value additions you planned</a:t>
-            </a:r>
+            <a:endParaRPr lang="en-IN" sz="2400" dirty="0">
+              <a:solidFill>
+                <a:srgbClr val="0055A0"/>
+              </a:solidFill>
+            </a:endParaRPr>
           </a:p>
           <a:p>
             <a:pPr marL="342900" indent="-342900" algn="l">
               <a:buFont typeface="Wingdings" panose="05000000000000000000" pitchFamily="2" charset="2"/>
               <a:buChar char="Ø"/>
             </a:pPr>
-            <a:r>
-              <a:rPr lang="en-IN" sz="2400" dirty="0">
-                <a:solidFill>
-                  <a:srgbClr val="0055A0"/>
-                </a:solidFill>
-              </a:rPr>
-              <a:t>Tentative time: 7 minutes</a:t>
-            </a:r>
+            <a:endParaRPr lang="en-IN" sz="2400" dirty="0">
+              <a:solidFill>
+                <a:srgbClr val="0055A0"/>
+              </a:solidFill>
+            </a:endParaRPr>
           </a:p>
         </p:txBody>
       </p:sp>
@@ -4335,104 +4329,6 @@
                                           <p:spTgt spid="30">
                                             <p:txEl>
                                               <p:pRg st="1" end="1"/>
-                                            </p:txEl>
-                                          </p:spTgt>
-                                        </p:tgtEl>
-                                        <p:attrNameLst>
-                                          <p:attrName>style.visibility</p:attrName>
-                                        </p:attrNameLst>
-                                      </p:cBhvr>
-                                      <p:to>
-                                        <p:strVal val="visible"/>
-                                      </p:to>
-                                    </p:set>
-                                  </p:childTnLst>
-                                </p:cTn>
-                              </p:par>
-                            </p:childTnLst>
-                          </p:cTn>
-                        </p:par>
-                      </p:childTnLst>
-                    </p:cTn>
-                  </p:par>
-                  <p:par>
-                    <p:cTn id="11" fill="hold">
-                      <p:stCondLst>
-                        <p:cond delay="indefinite"/>
-                      </p:stCondLst>
-                      <p:childTnLst>
-                        <p:par>
-                          <p:cTn id="12" fill="hold">
-                            <p:stCondLst>
-                              <p:cond delay="0"/>
-                            </p:stCondLst>
-                            <p:childTnLst>
-                              <p:par>
-                                <p:cTn id="13" presetID="1" presetClass="entr" presetSubtype="0" fill="hold" nodeType="clickEffect">
-                                  <p:stCondLst>
-                                    <p:cond delay="0"/>
-                                  </p:stCondLst>
-                                  <p:childTnLst>
-                                    <p:set>
-                                      <p:cBhvr>
-                                        <p:cTn id="14" dur="1" fill="hold">
-                                          <p:stCondLst>
-                                            <p:cond delay="0"/>
-                                          </p:stCondLst>
-                                        </p:cTn>
-                                        <p:tgtEl>
-                                          <p:spTgt spid="30">
-                                            <p:txEl>
-                                              <p:pRg st="2" end="2"/>
-                                            </p:txEl>
-                                          </p:spTgt>
-                                        </p:tgtEl>
-                                        <p:attrNameLst>
-                                          <p:attrName>style.visibility</p:attrName>
-                                        </p:attrNameLst>
-                                      </p:cBhvr>
-                                      <p:to>
-                                        <p:strVal val="visible"/>
-                                      </p:to>
-                                    </p:set>
-                                  </p:childTnLst>
-                                </p:cTn>
-                              </p:par>
-                            </p:childTnLst>
-                          </p:cTn>
-                        </p:par>
-                      </p:childTnLst>
-                    </p:cTn>
-                  </p:par>
-                  <p:par>
-                    <p:cTn id="15" fill="hold">
-                      <p:stCondLst>
-                        <p:cond delay="indefinite"/>
-                      </p:stCondLst>
-                      <p:childTnLst>
-                        <p:par>
-                          <p:cTn id="16" fill="hold">
-                            <p:stCondLst>
-                              <p:cond delay="0"/>
-                            </p:stCondLst>
-                            <p:childTnLst>
-                              <p:par>
-                                <p:cTn id="17" presetID="1" presetClass="entr" presetSubtype="0" fill="hold" nodeType="clickEffect">
-                                  <p:stCondLst>
-                                    <p:cond delay="0"/>
-                                  </p:stCondLst>
-                                  <p:childTnLst>
-                                    <p:set>
-                                      <p:cBhvr>
-                                        <p:cTn id="18" dur="1" fill="hold">
-                                          <p:stCondLst>
-                                            <p:cond delay="0"/>
-                                          </p:stCondLst>
-                                        </p:cTn>
-                                        <p:tgtEl>
-                                          <p:spTgt spid="30">
-                                            <p:txEl>
-                                              <p:pRg st="3" end="3"/>
                                             </p:txEl>
                                           </p:spTgt>
                                         </p:tgtEl>

--- a/Pravin Kumar/Vehicle Loan Default Prediction.pptx
+++ b/Pravin Kumar/Vehicle Loan Default Prediction.pptx
@@ -224,7 +224,7 @@
           <a:p>
             <a:fld id="{CA38C360-1451-4FAC-96AE-AED9435A5117}" type="datetimeFigureOut">
               <a:rPr lang="en-US" smtClean="0"/>
-              <a:t>1/7/2020</a:t>
+              <a:t>1/8/2020</a:t>
             </a:fld>
             <a:endParaRPr lang="en-US"/>
           </a:p>
@@ -670,7 +670,7 @@
           <a:p>
             <a:fld id="{A2D47140-E761-4776-BB05-B90A68E34D64}" type="datetimeFigureOut">
               <a:rPr lang="en-US" smtClean="0"/>
-              <a:t>1/7/2020</a:t>
+              <a:t>1/8/2020</a:t>
             </a:fld>
             <a:endParaRPr lang="en-US"/>
           </a:p>
@@ -838,7 +838,7 @@
           <a:p>
             <a:fld id="{A2D47140-E761-4776-BB05-B90A68E34D64}" type="datetimeFigureOut">
               <a:rPr lang="en-US" smtClean="0"/>
-              <a:t>1/7/2020</a:t>
+              <a:t>1/8/2020</a:t>
             </a:fld>
             <a:endParaRPr lang="en-US"/>
           </a:p>
@@ -1016,7 +1016,7 @@
           <a:p>
             <a:fld id="{A2D47140-E761-4776-BB05-B90A68E34D64}" type="datetimeFigureOut">
               <a:rPr lang="en-US" smtClean="0"/>
-              <a:t>1/7/2020</a:t>
+              <a:t>1/8/2020</a:t>
             </a:fld>
             <a:endParaRPr lang="en-US"/>
           </a:p>
@@ -1184,7 +1184,7 @@
           <a:p>
             <a:fld id="{A2D47140-E761-4776-BB05-B90A68E34D64}" type="datetimeFigureOut">
               <a:rPr lang="en-US" smtClean="0"/>
-              <a:t>1/7/2020</a:t>
+              <a:t>1/8/2020</a:t>
             </a:fld>
             <a:endParaRPr lang="en-US"/>
           </a:p>
@@ -1429,7 +1429,7 @@
           <a:p>
             <a:fld id="{A2D47140-E761-4776-BB05-B90A68E34D64}" type="datetimeFigureOut">
               <a:rPr lang="en-US" smtClean="0"/>
-              <a:t>1/7/2020</a:t>
+              <a:t>1/8/2020</a:t>
             </a:fld>
             <a:endParaRPr lang="en-US"/>
           </a:p>
@@ -1714,7 +1714,7 @@
           <a:p>
             <a:fld id="{A2D47140-E761-4776-BB05-B90A68E34D64}" type="datetimeFigureOut">
               <a:rPr lang="en-US" smtClean="0"/>
-              <a:t>1/7/2020</a:t>
+              <a:t>1/8/2020</a:t>
             </a:fld>
             <a:endParaRPr lang="en-US"/>
           </a:p>
@@ -2133,7 +2133,7 @@
           <a:p>
             <a:fld id="{A2D47140-E761-4776-BB05-B90A68E34D64}" type="datetimeFigureOut">
               <a:rPr lang="en-US" smtClean="0"/>
-              <a:t>1/7/2020</a:t>
+              <a:t>1/8/2020</a:t>
             </a:fld>
             <a:endParaRPr lang="en-US"/>
           </a:p>
@@ -2250,7 +2250,7 @@
           <a:p>
             <a:fld id="{A2D47140-E761-4776-BB05-B90A68E34D64}" type="datetimeFigureOut">
               <a:rPr lang="en-US" smtClean="0"/>
-              <a:t>1/7/2020</a:t>
+              <a:t>1/8/2020</a:t>
             </a:fld>
             <a:endParaRPr lang="en-US"/>
           </a:p>
@@ -2345,7 +2345,7 @@
           <a:p>
             <a:fld id="{A2D47140-E761-4776-BB05-B90A68E34D64}" type="datetimeFigureOut">
               <a:rPr lang="en-US" smtClean="0"/>
-              <a:t>1/7/2020</a:t>
+              <a:t>1/8/2020</a:t>
             </a:fld>
             <a:endParaRPr lang="en-US"/>
           </a:p>
@@ -2620,7 +2620,7 @@
           <a:p>
             <a:fld id="{A2D47140-E761-4776-BB05-B90A68E34D64}" type="datetimeFigureOut">
               <a:rPr lang="en-US" smtClean="0"/>
-              <a:t>1/7/2020</a:t>
+              <a:t>1/8/2020</a:t>
             </a:fld>
             <a:endParaRPr lang="en-US"/>
           </a:p>
@@ -2872,7 +2872,7 @@
           <a:p>
             <a:fld id="{A2D47140-E761-4776-BB05-B90A68E34D64}" type="datetimeFigureOut">
               <a:rPr lang="en-US" smtClean="0"/>
-              <a:t>1/7/2020</a:t>
+              <a:t>1/8/2020</a:t>
             </a:fld>
             <a:endParaRPr lang="en-US"/>
           </a:p>
@@ -3083,7 +3083,7 @@
           <a:p>
             <a:fld id="{A2D47140-E761-4776-BB05-B90A68E34D64}" type="datetimeFigureOut">
               <a:rPr lang="en-US" smtClean="0"/>
-              <a:t>1/7/2020</a:t>
+              <a:t>1/8/2020</a:t>
             </a:fld>
             <a:endParaRPr lang="en-US"/>
           </a:p>
@@ -3733,7 +3733,7 @@
         </p:nvSpPr>
         <p:spPr>
           <a:xfrm>
-            <a:off x="990600" y="3025914"/>
+            <a:off x="1068404" y="3286780"/>
             <a:ext cx="8030570" cy="523220"/>
           </a:xfrm>
           <a:prstGeom prst="rect">
@@ -3747,12 +3747,11 @@
           </a:bodyPr>
           <a:lstStyle/>
           <a:p>
-            <a:pPr algn="ctr"/>
-            <a:r>
-              <a:rPr lang="en-US" sz="2800"/>
+            <a:pPr algn="r"/>
+            <a:r>
+              <a:rPr lang="en-US" sz="2800" dirty="0"/>
               <a:t>Team Details</a:t>
             </a:r>
-            <a:endParaRPr lang="en-US" sz="2800" dirty="0"/>
           </a:p>
         </p:txBody>
       </p:sp>
@@ -3784,7 +3783,7 @@
           </a:bodyPr>
           <a:lstStyle/>
           <a:p>
-            <a:pPr algn="ctr"/>
+            <a:pPr algn="r"/>
             <a:r>
               <a:rPr lang="en-US" sz="2000" dirty="0">
                 <a:solidFill>
@@ -3795,7 +3794,7 @@
             </a:r>
           </a:p>
           <a:p>
-            <a:pPr algn="ctr"/>
+            <a:pPr algn="r"/>
             <a:r>
               <a:rPr lang="en-US" sz="2000" dirty="0">
                 <a:solidFill>
@@ -3806,7 +3805,7 @@
             </a:r>
           </a:p>
           <a:p>
-            <a:pPr algn="ctr"/>
+            <a:pPr algn="r"/>
             <a:r>
               <a:rPr lang="en-US" sz="2000" dirty="0">
                 <a:solidFill>
@@ -3817,7 +3816,7 @@
             </a:r>
           </a:p>
           <a:p>
-            <a:pPr algn="ctr"/>
+            <a:pPr algn="r"/>
             <a:r>
               <a:rPr lang="en-US" sz="2000" dirty="0">
                 <a:solidFill>
@@ -3828,7 +3827,7 @@
             </a:r>
           </a:p>
           <a:p>
-            <a:pPr algn="ctr"/>
+            <a:pPr algn="r"/>
             <a:r>
               <a:rPr lang="en-US" sz="2000" dirty="0">
                 <a:solidFill>
@@ -3839,7 +3838,7 @@
             </a:r>
           </a:p>
           <a:p>
-            <a:pPr algn="ctr"/>
+            <a:pPr algn="r"/>
             <a:r>
               <a:rPr lang="en-US" sz="2000" dirty="0">
                 <a:solidFill>

--- a/Pravin Kumar/Vehicle Loan Default Prediction.pptx
+++ b/Pravin Kumar/Vehicle Loan Default Prediction.pptx
@@ -5,14 +5,19 @@
     <p:sldMasterId id="2147483648" r:id="rId1"/>
   </p:sldMasterIdLst>
   <p:notesMasterIdLst>
-    <p:notesMasterId r:id="rId7"/>
+    <p:notesMasterId r:id="rId12"/>
   </p:notesMasterIdLst>
   <p:sldIdLst>
     <p:sldId id="328" r:id="rId2"/>
     <p:sldId id="329" r:id="rId3"/>
-    <p:sldId id="330" r:id="rId4"/>
-    <p:sldId id="331" r:id="rId5"/>
-    <p:sldId id="263" r:id="rId6"/>
+    <p:sldId id="332" r:id="rId4"/>
+    <p:sldId id="333" r:id="rId5"/>
+    <p:sldId id="330" r:id="rId6"/>
+    <p:sldId id="334" r:id="rId7"/>
+    <p:sldId id="331" r:id="rId8"/>
+    <p:sldId id="335" r:id="rId9"/>
+    <p:sldId id="336" r:id="rId10"/>
+    <p:sldId id="263" r:id="rId11"/>
   </p:sldIdLst>
   <p:sldSz cx="9144000" cy="6858000" type="screen4x3"/>
   <p:notesSz cx="6858000" cy="9144000"/>
@@ -3863,6 +3868,325 @@
 </p:sld>
 </file>
 
+<file path=ppt/slides/slide10.xml><?xml version="1.0" encoding="utf-8"?>
+<p:sld xmlns:a="http://schemas.openxmlformats.org/drawingml/2006/main" xmlns:r="http://schemas.openxmlformats.org/officeDocument/2006/relationships" xmlns:p="http://schemas.openxmlformats.org/presentationml/2006/main">
+  <p:cSld>
+    <p:spTree>
+      <p:nvGrpSpPr>
+        <p:cNvPr id="1" name=""/>
+        <p:cNvGrpSpPr/>
+        <p:nvPr/>
+      </p:nvGrpSpPr>
+      <p:grpSpPr>
+        <a:xfrm>
+          <a:off x="0" y="0"/>
+          <a:ext cx="0" cy="0"/>
+          <a:chOff x="0" y="0"/>
+          <a:chExt cx="0" cy="0"/>
+        </a:xfrm>
+      </p:grpSpPr>
+      <p:sp>
+        <p:nvSpPr>
+          <p:cNvPr id="4" name="Round Diagonal Corner Rectangle 3"/>
+          <p:cNvSpPr/>
+          <p:nvPr/>
+        </p:nvSpPr>
+        <p:spPr>
+          <a:xfrm>
+            <a:off x="45026" y="58880"/>
+            <a:ext cx="206087" cy="2209800"/>
+          </a:xfrm>
+          <a:prstGeom prst="round2DiagRect">
+            <a:avLst/>
+          </a:prstGeom>
+          <a:solidFill>
+            <a:srgbClr val="0070C0"/>
+          </a:solidFill>
+          <a:ln>
+            <a:solidFill>
+              <a:srgbClr val="0070C0"/>
+            </a:solidFill>
+          </a:ln>
+        </p:spPr>
+        <p:style>
+          <a:lnRef idx="2">
+            <a:schemeClr val="accent3"/>
+          </a:lnRef>
+          <a:fillRef idx="1">
+            <a:schemeClr val="lt1"/>
+          </a:fillRef>
+          <a:effectRef idx="0">
+            <a:schemeClr val="accent3"/>
+          </a:effectRef>
+          <a:fontRef idx="minor">
+            <a:schemeClr val="dk1"/>
+          </a:fontRef>
+        </p:style>
+        <p:txBody>
+          <a:bodyPr rtlCol="0" anchor="ctr"/>
+          <a:lstStyle/>
+          <a:p>
+            <a:pPr algn="ctr"/>
+            <a:endParaRPr lang="en-US"/>
+          </a:p>
+        </p:txBody>
+      </p:sp>
+      <p:sp>
+        <p:nvSpPr>
+          <p:cNvPr id="5" name="Round Diagonal Corner Rectangle 4"/>
+          <p:cNvSpPr/>
+          <p:nvPr/>
+        </p:nvSpPr>
+        <p:spPr>
+          <a:xfrm>
+            <a:off x="45026" y="2313700"/>
+            <a:ext cx="206087" cy="4461170"/>
+          </a:xfrm>
+          <a:prstGeom prst="round2DiagRect">
+            <a:avLst/>
+          </a:prstGeom>
+          <a:solidFill>
+            <a:srgbClr val="00B0F0"/>
+          </a:solidFill>
+          <a:ln>
+            <a:solidFill>
+              <a:srgbClr val="00B0F0"/>
+            </a:solidFill>
+          </a:ln>
+        </p:spPr>
+        <p:style>
+          <a:lnRef idx="2">
+            <a:schemeClr val="accent3"/>
+          </a:lnRef>
+          <a:fillRef idx="1">
+            <a:schemeClr val="lt1"/>
+          </a:fillRef>
+          <a:effectRef idx="0">
+            <a:schemeClr val="accent3"/>
+          </a:effectRef>
+          <a:fontRef idx="minor">
+            <a:schemeClr val="dk1"/>
+          </a:fontRef>
+        </p:style>
+        <p:txBody>
+          <a:bodyPr rtlCol="0" anchor="ctr"/>
+          <a:lstStyle/>
+          <a:p>
+            <a:pPr algn="ctr"/>
+            <a:endParaRPr lang="en-US"/>
+          </a:p>
+        </p:txBody>
+      </p:sp>
+      <p:sp>
+        <p:nvSpPr>
+          <p:cNvPr id="9" name="Content Placeholder 2"/>
+          <p:cNvSpPr txBox="1">
+            <a:spLocks/>
+          </p:cNvSpPr>
+          <p:nvPr/>
+        </p:nvSpPr>
+        <p:spPr>
+          <a:xfrm>
+            <a:off x="3042062" y="1958439"/>
+            <a:ext cx="4730338" cy="1546761"/>
+          </a:xfrm>
+          <a:prstGeom prst="rect">
+            <a:avLst/>
+          </a:prstGeom>
+        </p:spPr>
+        <p:txBody>
+          <a:bodyPr vert="horz" lIns="91440" tIns="45720" rIns="91440" bIns="45720" rtlCol="0">
+            <a:normAutofit/>
+          </a:bodyPr>
+          <a:lstStyle>
+            <a:lvl1pPr marL="0" indent="0" algn="ctr" defTabSz="914400" rtl="0" eaLnBrk="1" latinLnBrk="0" hangingPunct="1">
+              <a:spcBef>
+                <a:spcPct val="20000"/>
+              </a:spcBef>
+              <a:buFont typeface="Arial" panose="020B0604020202020204" pitchFamily="34" charset="0"/>
+              <a:buNone/>
+              <a:defRPr sz="3200" kern="1200">
+                <a:solidFill>
+                  <a:schemeClr val="tx1">
+                    <a:tint val="75000"/>
+                  </a:schemeClr>
+                </a:solidFill>
+                <a:latin typeface="+mn-lt"/>
+                <a:ea typeface="+mn-ea"/>
+                <a:cs typeface="+mn-cs"/>
+              </a:defRPr>
+            </a:lvl1pPr>
+            <a:lvl2pPr marL="457200" indent="0" algn="ctr" defTabSz="914400" rtl="0" eaLnBrk="1" latinLnBrk="0" hangingPunct="1">
+              <a:spcBef>
+                <a:spcPct val="20000"/>
+              </a:spcBef>
+              <a:buFont typeface="Arial" panose="020B0604020202020204" pitchFamily="34" charset="0"/>
+              <a:buNone/>
+              <a:defRPr sz="2800" kern="1200">
+                <a:solidFill>
+                  <a:schemeClr val="tx1">
+                    <a:tint val="75000"/>
+                  </a:schemeClr>
+                </a:solidFill>
+                <a:latin typeface="+mn-lt"/>
+                <a:ea typeface="+mn-ea"/>
+                <a:cs typeface="+mn-cs"/>
+              </a:defRPr>
+            </a:lvl2pPr>
+            <a:lvl3pPr marL="914400" indent="0" algn="ctr" defTabSz="914400" rtl="0" eaLnBrk="1" latinLnBrk="0" hangingPunct="1">
+              <a:spcBef>
+                <a:spcPct val="20000"/>
+              </a:spcBef>
+              <a:buFont typeface="Arial" panose="020B0604020202020204" pitchFamily="34" charset="0"/>
+              <a:buNone/>
+              <a:defRPr sz="2400" kern="1200">
+                <a:solidFill>
+                  <a:schemeClr val="tx1">
+                    <a:tint val="75000"/>
+                  </a:schemeClr>
+                </a:solidFill>
+                <a:latin typeface="+mn-lt"/>
+                <a:ea typeface="+mn-ea"/>
+                <a:cs typeface="+mn-cs"/>
+              </a:defRPr>
+            </a:lvl3pPr>
+            <a:lvl4pPr marL="1371600" indent="0" algn="ctr" defTabSz="914400" rtl="0" eaLnBrk="1" latinLnBrk="0" hangingPunct="1">
+              <a:spcBef>
+                <a:spcPct val="20000"/>
+              </a:spcBef>
+              <a:buFont typeface="Arial" panose="020B0604020202020204" pitchFamily="34" charset="0"/>
+              <a:buNone/>
+              <a:defRPr sz="2000" kern="1200">
+                <a:solidFill>
+                  <a:schemeClr val="tx1">
+                    <a:tint val="75000"/>
+                  </a:schemeClr>
+                </a:solidFill>
+                <a:latin typeface="+mn-lt"/>
+                <a:ea typeface="+mn-ea"/>
+                <a:cs typeface="+mn-cs"/>
+              </a:defRPr>
+            </a:lvl4pPr>
+            <a:lvl5pPr marL="1828800" indent="0" algn="ctr" defTabSz="914400" rtl="0" eaLnBrk="1" latinLnBrk="0" hangingPunct="1">
+              <a:spcBef>
+                <a:spcPct val="20000"/>
+              </a:spcBef>
+              <a:buFont typeface="Arial" panose="020B0604020202020204" pitchFamily="34" charset="0"/>
+              <a:buNone/>
+              <a:defRPr sz="2000" kern="1200">
+                <a:solidFill>
+                  <a:schemeClr val="tx1">
+                    <a:tint val="75000"/>
+                  </a:schemeClr>
+                </a:solidFill>
+                <a:latin typeface="+mn-lt"/>
+                <a:ea typeface="+mn-ea"/>
+                <a:cs typeface="+mn-cs"/>
+              </a:defRPr>
+            </a:lvl5pPr>
+            <a:lvl6pPr marL="2286000" indent="0" algn="ctr" defTabSz="914400" rtl="0" eaLnBrk="1" latinLnBrk="0" hangingPunct="1">
+              <a:spcBef>
+                <a:spcPct val="20000"/>
+              </a:spcBef>
+              <a:buFont typeface="Arial" panose="020B0604020202020204" pitchFamily="34" charset="0"/>
+              <a:buNone/>
+              <a:defRPr sz="2000" kern="1200">
+                <a:solidFill>
+                  <a:schemeClr val="tx1">
+                    <a:tint val="75000"/>
+                  </a:schemeClr>
+                </a:solidFill>
+                <a:latin typeface="+mn-lt"/>
+                <a:ea typeface="+mn-ea"/>
+                <a:cs typeface="+mn-cs"/>
+              </a:defRPr>
+            </a:lvl6pPr>
+            <a:lvl7pPr marL="2743200" indent="0" algn="ctr" defTabSz="914400" rtl="0" eaLnBrk="1" latinLnBrk="0" hangingPunct="1">
+              <a:spcBef>
+                <a:spcPct val="20000"/>
+              </a:spcBef>
+              <a:buFont typeface="Arial" panose="020B0604020202020204" pitchFamily="34" charset="0"/>
+              <a:buNone/>
+              <a:defRPr sz="2000" kern="1200">
+                <a:solidFill>
+                  <a:schemeClr val="tx1">
+                    <a:tint val="75000"/>
+                  </a:schemeClr>
+                </a:solidFill>
+                <a:latin typeface="+mn-lt"/>
+                <a:ea typeface="+mn-ea"/>
+                <a:cs typeface="+mn-cs"/>
+              </a:defRPr>
+            </a:lvl7pPr>
+            <a:lvl8pPr marL="3200400" indent="0" algn="ctr" defTabSz="914400" rtl="0" eaLnBrk="1" latinLnBrk="0" hangingPunct="1">
+              <a:spcBef>
+                <a:spcPct val="20000"/>
+              </a:spcBef>
+              <a:buFont typeface="Arial" panose="020B0604020202020204" pitchFamily="34" charset="0"/>
+              <a:buNone/>
+              <a:defRPr sz="2000" kern="1200">
+                <a:solidFill>
+                  <a:schemeClr val="tx1">
+                    <a:tint val="75000"/>
+                  </a:schemeClr>
+                </a:solidFill>
+                <a:latin typeface="+mn-lt"/>
+                <a:ea typeface="+mn-ea"/>
+                <a:cs typeface="+mn-cs"/>
+              </a:defRPr>
+            </a:lvl8pPr>
+            <a:lvl9pPr marL="3657600" indent="0" algn="ctr" defTabSz="914400" rtl="0" eaLnBrk="1" latinLnBrk="0" hangingPunct="1">
+              <a:spcBef>
+                <a:spcPct val="20000"/>
+              </a:spcBef>
+              <a:buFont typeface="Arial" panose="020B0604020202020204" pitchFamily="34" charset="0"/>
+              <a:buNone/>
+              <a:defRPr sz="2000" kern="1200">
+                <a:solidFill>
+                  <a:schemeClr val="tx1">
+                    <a:tint val="75000"/>
+                  </a:schemeClr>
+                </a:solidFill>
+                <a:latin typeface="+mn-lt"/>
+                <a:ea typeface="+mn-ea"/>
+                <a:cs typeface="+mn-cs"/>
+              </a:defRPr>
+            </a:lvl9pPr>
+          </a:lstStyle>
+          <a:p>
+            <a:pPr lvl="1" algn="l"/>
+            <a:endParaRPr lang="en-IN" sz="4000" dirty="0">
+              <a:solidFill>
+                <a:srgbClr val="0055A0"/>
+              </a:solidFill>
+            </a:endParaRPr>
+          </a:p>
+          <a:p>
+            <a:pPr lvl="1" algn="l"/>
+            <a:r>
+              <a:rPr lang="en-IN" sz="4000" dirty="0">
+                <a:solidFill>
+                  <a:srgbClr val="0055A0"/>
+                </a:solidFill>
+              </a:rPr>
+              <a:t>Thanks!</a:t>
+            </a:r>
+          </a:p>
+        </p:txBody>
+      </p:sp>
+    </p:spTree>
+    <p:extLst>
+      <p:ext uri="{BB962C8B-B14F-4D97-AF65-F5344CB8AC3E}">
+        <p14:creationId xmlns:p14="http://schemas.microsoft.com/office/powerpoint/2010/main" val="3724216054"/>
+      </p:ext>
+    </p:extLst>
+  </p:cSld>
+  <p:clrMapOvr>
+    <a:masterClrMapping/>
+  </p:clrMapOvr>
+</p:sld>
+</file>
+
 <file path=ppt/slides/slide2.xml><?xml version="1.0" encoding="utf-8"?>
 <p:sld xmlns:a="http://schemas.openxmlformats.org/drawingml/2006/main" xmlns:r="http://schemas.openxmlformats.org/officeDocument/2006/relationships" xmlns:p="http://schemas.openxmlformats.org/presentationml/2006/main">
   <p:cSld>
@@ -4374,6 +4698,166 @@
 </file>
 
 <file path=ppt/slides/slide3.xml><?xml version="1.0" encoding="utf-8"?>
+<p:sld xmlns:a="http://schemas.openxmlformats.org/drawingml/2006/main" xmlns:r="http://schemas.openxmlformats.org/officeDocument/2006/relationships" xmlns:p="http://schemas.openxmlformats.org/presentationml/2006/main">
+  <p:cSld>
+    <p:spTree>
+      <p:nvGrpSpPr>
+        <p:cNvPr id="1" name=""/>
+        <p:cNvGrpSpPr/>
+        <p:nvPr/>
+      </p:nvGrpSpPr>
+      <p:grpSpPr>
+        <a:xfrm>
+          <a:off x="0" y="0"/>
+          <a:ext cx="0" cy="0"/>
+          <a:chOff x="0" y="0"/>
+          <a:chExt cx="0" cy="0"/>
+        </a:xfrm>
+      </p:grpSpPr>
+      <p:sp>
+        <p:nvSpPr>
+          <p:cNvPr id="2" name="Title 1">
+            <a:extLst>
+              <a:ext uri="{FF2B5EF4-FFF2-40B4-BE49-F238E27FC236}">
+                <a16:creationId xmlns:a16="http://schemas.microsoft.com/office/drawing/2014/main" id="{543925F3-AEA9-4425-BE85-A907329B807D}"/>
+              </a:ext>
+            </a:extLst>
+          </p:cNvPr>
+          <p:cNvSpPr>
+            <a:spLocks noGrp="1"/>
+          </p:cNvSpPr>
+          <p:nvPr>
+            <p:ph type="title"/>
+          </p:nvPr>
+        </p:nvSpPr>
+        <p:spPr/>
+        <p:txBody>
+          <a:bodyPr/>
+          <a:lstStyle/>
+          <a:p>
+            <a:endParaRPr lang="en-US"/>
+          </a:p>
+        </p:txBody>
+      </p:sp>
+      <p:sp>
+        <p:nvSpPr>
+          <p:cNvPr id="3" name="Content Placeholder 2">
+            <a:extLst>
+              <a:ext uri="{FF2B5EF4-FFF2-40B4-BE49-F238E27FC236}">
+                <a16:creationId xmlns:a16="http://schemas.microsoft.com/office/drawing/2014/main" id="{58171DD3-3E42-48DF-95D4-3408C189D523}"/>
+              </a:ext>
+            </a:extLst>
+          </p:cNvPr>
+          <p:cNvSpPr>
+            <a:spLocks noGrp="1"/>
+          </p:cNvSpPr>
+          <p:nvPr>
+            <p:ph idx="1"/>
+          </p:nvPr>
+        </p:nvSpPr>
+        <p:spPr/>
+        <p:txBody>
+          <a:bodyPr/>
+          <a:lstStyle/>
+          <a:p>
+            <a:endParaRPr lang="en-US"/>
+          </a:p>
+        </p:txBody>
+      </p:sp>
+    </p:spTree>
+    <p:extLst>
+      <p:ext uri="{BB962C8B-B14F-4D97-AF65-F5344CB8AC3E}">
+        <p14:creationId xmlns:p14="http://schemas.microsoft.com/office/powerpoint/2010/main" val="3561413167"/>
+      </p:ext>
+    </p:extLst>
+  </p:cSld>
+  <p:clrMapOvr>
+    <a:masterClrMapping/>
+  </p:clrMapOvr>
+</p:sld>
+</file>
+
+<file path=ppt/slides/slide4.xml><?xml version="1.0" encoding="utf-8"?>
+<p:sld xmlns:a="http://schemas.openxmlformats.org/drawingml/2006/main" xmlns:r="http://schemas.openxmlformats.org/officeDocument/2006/relationships" xmlns:p="http://schemas.openxmlformats.org/presentationml/2006/main">
+  <p:cSld>
+    <p:spTree>
+      <p:nvGrpSpPr>
+        <p:cNvPr id="1" name=""/>
+        <p:cNvGrpSpPr/>
+        <p:nvPr/>
+      </p:nvGrpSpPr>
+      <p:grpSpPr>
+        <a:xfrm>
+          <a:off x="0" y="0"/>
+          <a:ext cx="0" cy="0"/>
+          <a:chOff x="0" y="0"/>
+          <a:chExt cx="0" cy="0"/>
+        </a:xfrm>
+      </p:grpSpPr>
+      <p:sp>
+        <p:nvSpPr>
+          <p:cNvPr id="2" name="Title 1">
+            <a:extLst>
+              <a:ext uri="{FF2B5EF4-FFF2-40B4-BE49-F238E27FC236}">
+                <a16:creationId xmlns:a16="http://schemas.microsoft.com/office/drawing/2014/main" id="{E9542EDD-DD0D-4B59-816D-B4BDD445A2AC}"/>
+              </a:ext>
+            </a:extLst>
+          </p:cNvPr>
+          <p:cNvSpPr>
+            <a:spLocks noGrp="1"/>
+          </p:cNvSpPr>
+          <p:nvPr>
+            <p:ph type="title"/>
+          </p:nvPr>
+        </p:nvSpPr>
+        <p:spPr/>
+        <p:txBody>
+          <a:bodyPr/>
+          <a:lstStyle/>
+          <a:p>
+            <a:endParaRPr lang="en-US"/>
+          </a:p>
+        </p:txBody>
+      </p:sp>
+      <p:sp>
+        <p:nvSpPr>
+          <p:cNvPr id="3" name="Content Placeholder 2">
+            <a:extLst>
+              <a:ext uri="{FF2B5EF4-FFF2-40B4-BE49-F238E27FC236}">
+                <a16:creationId xmlns:a16="http://schemas.microsoft.com/office/drawing/2014/main" id="{80437BBC-4056-4081-B0BD-F5B6B2E3CC4F}"/>
+              </a:ext>
+            </a:extLst>
+          </p:cNvPr>
+          <p:cNvSpPr>
+            <a:spLocks noGrp="1"/>
+          </p:cNvSpPr>
+          <p:nvPr>
+            <p:ph idx="1"/>
+          </p:nvPr>
+        </p:nvSpPr>
+        <p:spPr/>
+        <p:txBody>
+          <a:bodyPr/>
+          <a:lstStyle/>
+          <a:p>
+            <a:endParaRPr lang="en-US"/>
+          </a:p>
+        </p:txBody>
+      </p:sp>
+    </p:spTree>
+    <p:extLst>
+      <p:ext uri="{BB962C8B-B14F-4D97-AF65-F5344CB8AC3E}">
+        <p14:creationId xmlns:p14="http://schemas.microsoft.com/office/powerpoint/2010/main" val="2221598392"/>
+      </p:ext>
+    </p:extLst>
+  </p:cSld>
+  <p:clrMapOvr>
+    <a:masterClrMapping/>
+  </p:clrMapOvr>
+</p:sld>
+</file>
+
+<file path=ppt/slides/slide5.xml><?xml version="1.0" encoding="utf-8"?>
 <p:sld xmlns:a="http://schemas.openxmlformats.org/drawingml/2006/main" xmlns:r="http://schemas.openxmlformats.org/officeDocument/2006/relationships" xmlns:p="http://schemas.openxmlformats.org/presentationml/2006/main">
   <p:cSld>
     <p:spTree>
@@ -5050,7 +5534,87 @@
 </p:sld>
 </file>
 
-<file path=ppt/slides/slide4.xml><?xml version="1.0" encoding="utf-8"?>
+<file path=ppt/slides/slide6.xml><?xml version="1.0" encoding="utf-8"?>
+<p:sld xmlns:a="http://schemas.openxmlformats.org/drawingml/2006/main" xmlns:r="http://schemas.openxmlformats.org/officeDocument/2006/relationships" xmlns:p="http://schemas.openxmlformats.org/presentationml/2006/main">
+  <p:cSld>
+    <p:spTree>
+      <p:nvGrpSpPr>
+        <p:cNvPr id="1" name=""/>
+        <p:cNvGrpSpPr/>
+        <p:nvPr/>
+      </p:nvGrpSpPr>
+      <p:grpSpPr>
+        <a:xfrm>
+          <a:off x="0" y="0"/>
+          <a:ext cx="0" cy="0"/>
+          <a:chOff x="0" y="0"/>
+          <a:chExt cx="0" cy="0"/>
+        </a:xfrm>
+      </p:grpSpPr>
+      <p:sp>
+        <p:nvSpPr>
+          <p:cNvPr id="2" name="Title 1">
+            <a:extLst>
+              <a:ext uri="{FF2B5EF4-FFF2-40B4-BE49-F238E27FC236}">
+                <a16:creationId xmlns:a16="http://schemas.microsoft.com/office/drawing/2014/main" id="{EB10B0E3-1E86-4F05-BFFE-8F51202448A9}"/>
+              </a:ext>
+            </a:extLst>
+          </p:cNvPr>
+          <p:cNvSpPr>
+            <a:spLocks noGrp="1"/>
+          </p:cNvSpPr>
+          <p:nvPr>
+            <p:ph type="title"/>
+          </p:nvPr>
+        </p:nvSpPr>
+        <p:spPr/>
+        <p:txBody>
+          <a:bodyPr/>
+          <a:lstStyle/>
+          <a:p>
+            <a:endParaRPr lang="en-US"/>
+          </a:p>
+        </p:txBody>
+      </p:sp>
+      <p:sp>
+        <p:nvSpPr>
+          <p:cNvPr id="3" name="Content Placeholder 2">
+            <a:extLst>
+              <a:ext uri="{FF2B5EF4-FFF2-40B4-BE49-F238E27FC236}">
+                <a16:creationId xmlns:a16="http://schemas.microsoft.com/office/drawing/2014/main" id="{A293D2A9-1E06-4D1B-8150-7CF55B09A846}"/>
+              </a:ext>
+            </a:extLst>
+          </p:cNvPr>
+          <p:cNvSpPr>
+            <a:spLocks noGrp="1"/>
+          </p:cNvSpPr>
+          <p:nvPr>
+            <p:ph idx="1"/>
+          </p:nvPr>
+        </p:nvSpPr>
+        <p:spPr/>
+        <p:txBody>
+          <a:bodyPr/>
+          <a:lstStyle/>
+          <a:p>
+            <a:endParaRPr lang="en-US"/>
+          </a:p>
+        </p:txBody>
+      </p:sp>
+    </p:spTree>
+    <p:extLst>
+      <p:ext uri="{BB962C8B-B14F-4D97-AF65-F5344CB8AC3E}">
+        <p14:creationId xmlns:p14="http://schemas.microsoft.com/office/powerpoint/2010/main" val="942022588"/>
+      </p:ext>
+    </p:extLst>
+  </p:cSld>
+  <p:clrMapOvr>
+    <a:masterClrMapping/>
+  </p:clrMapOvr>
+</p:sld>
+</file>
+
+<file path=ppt/slides/slide7.xml><?xml version="1.0" encoding="utf-8"?>
 <p:sld xmlns:a="http://schemas.openxmlformats.org/drawingml/2006/main" xmlns:r="http://schemas.openxmlformats.org/officeDocument/2006/relationships" xmlns:p="http://schemas.openxmlformats.org/presentationml/2006/main">
   <p:cSld>
     <p:spTree>
@@ -5869,7 +6433,7 @@
 </p:sld>
 </file>
 
-<file path=ppt/slides/slide5.xml><?xml version="1.0" encoding="utf-8"?>
+<file path=ppt/slides/slide8.xml><?xml version="1.0" encoding="utf-8"?>
 <p:sld xmlns:a="http://schemas.openxmlformats.org/drawingml/2006/main" xmlns:r="http://schemas.openxmlformats.org/officeDocument/2006/relationships" xmlns:p="http://schemas.openxmlformats.org/presentationml/2006/main">
   <p:cSld>
     <p:spTree>
@@ -5888,297 +6452,138 @@
       </p:grpSpPr>
       <p:sp>
         <p:nvSpPr>
-          <p:cNvPr id="4" name="Round Diagonal Corner Rectangle 3"/>
-          <p:cNvSpPr/>
-          <p:nvPr/>
-        </p:nvSpPr>
-        <p:spPr>
-          <a:xfrm>
-            <a:off x="45026" y="58880"/>
-            <a:ext cx="206087" cy="2209800"/>
-          </a:xfrm>
-          <a:prstGeom prst="round2DiagRect">
-            <a:avLst/>
-          </a:prstGeom>
-          <a:solidFill>
-            <a:srgbClr val="0070C0"/>
-          </a:solidFill>
-          <a:ln>
-            <a:solidFill>
-              <a:srgbClr val="0070C0"/>
-            </a:solidFill>
-          </a:ln>
-        </p:spPr>
-        <p:style>
-          <a:lnRef idx="2">
-            <a:schemeClr val="accent3"/>
-          </a:lnRef>
-          <a:fillRef idx="1">
-            <a:schemeClr val="lt1"/>
-          </a:fillRef>
-          <a:effectRef idx="0">
-            <a:schemeClr val="accent3"/>
-          </a:effectRef>
-          <a:fontRef idx="minor">
-            <a:schemeClr val="dk1"/>
-          </a:fontRef>
-        </p:style>
-        <p:txBody>
-          <a:bodyPr rtlCol="0" anchor="ctr"/>
-          <a:lstStyle/>
-          <a:p>
-            <a:pPr algn="ctr"/>
+          <p:cNvPr id="2" name="Title 1">
+            <a:extLst>
+              <a:ext uri="{FF2B5EF4-FFF2-40B4-BE49-F238E27FC236}">
+                <a16:creationId xmlns:a16="http://schemas.microsoft.com/office/drawing/2014/main" id="{B6CDA166-D565-4795-B1AA-87976669D899}"/>
+              </a:ext>
+            </a:extLst>
+          </p:cNvPr>
+          <p:cNvSpPr>
+            <a:spLocks noGrp="1"/>
+          </p:cNvSpPr>
+          <p:nvPr>
+            <p:ph type="title"/>
+          </p:nvPr>
+        </p:nvSpPr>
+        <p:spPr/>
+        <p:txBody>
+          <a:bodyPr/>
+          <a:lstStyle/>
+          <a:p>
             <a:endParaRPr lang="en-US"/>
           </a:p>
         </p:txBody>
       </p:sp>
       <p:sp>
         <p:nvSpPr>
-          <p:cNvPr id="5" name="Round Diagonal Corner Rectangle 4"/>
-          <p:cNvSpPr/>
-          <p:nvPr/>
-        </p:nvSpPr>
-        <p:spPr>
-          <a:xfrm>
-            <a:off x="45026" y="2313700"/>
-            <a:ext cx="206087" cy="4461170"/>
-          </a:xfrm>
-          <a:prstGeom prst="round2DiagRect">
-            <a:avLst/>
-          </a:prstGeom>
-          <a:solidFill>
-            <a:srgbClr val="00B0F0"/>
-          </a:solidFill>
-          <a:ln>
-            <a:solidFill>
-              <a:srgbClr val="00B0F0"/>
-            </a:solidFill>
-          </a:ln>
-        </p:spPr>
-        <p:style>
-          <a:lnRef idx="2">
-            <a:schemeClr val="accent3"/>
-          </a:lnRef>
-          <a:fillRef idx="1">
-            <a:schemeClr val="lt1"/>
-          </a:fillRef>
-          <a:effectRef idx="0">
-            <a:schemeClr val="accent3"/>
-          </a:effectRef>
-          <a:fontRef idx="minor">
-            <a:schemeClr val="dk1"/>
-          </a:fontRef>
-        </p:style>
-        <p:txBody>
-          <a:bodyPr rtlCol="0" anchor="ctr"/>
-          <a:lstStyle/>
-          <a:p>
-            <a:pPr algn="ctr"/>
+          <p:cNvPr id="3" name="Content Placeholder 2">
+            <a:extLst>
+              <a:ext uri="{FF2B5EF4-FFF2-40B4-BE49-F238E27FC236}">
+                <a16:creationId xmlns:a16="http://schemas.microsoft.com/office/drawing/2014/main" id="{1AD90108-7148-4F1B-A063-C3F518C6EC3F}"/>
+              </a:ext>
+            </a:extLst>
+          </p:cNvPr>
+          <p:cNvSpPr>
+            <a:spLocks noGrp="1"/>
+          </p:cNvSpPr>
+          <p:nvPr>
+            <p:ph idx="1"/>
+          </p:nvPr>
+        </p:nvSpPr>
+        <p:spPr/>
+        <p:txBody>
+          <a:bodyPr/>
+          <a:lstStyle/>
+          <a:p>
             <a:endParaRPr lang="en-US"/>
-          </a:p>
-        </p:txBody>
-      </p:sp>
-      <p:sp>
-        <p:nvSpPr>
-          <p:cNvPr id="9" name="Content Placeholder 2"/>
-          <p:cNvSpPr txBox="1">
-            <a:spLocks/>
-          </p:cNvSpPr>
-          <p:nvPr/>
-        </p:nvSpPr>
-        <p:spPr>
-          <a:xfrm>
-            <a:off x="3042062" y="1958439"/>
-            <a:ext cx="4730338" cy="1546761"/>
-          </a:xfrm>
-          <a:prstGeom prst="rect">
-            <a:avLst/>
-          </a:prstGeom>
-        </p:spPr>
-        <p:txBody>
-          <a:bodyPr vert="horz" lIns="91440" tIns="45720" rIns="91440" bIns="45720" rtlCol="0">
-            <a:normAutofit/>
-          </a:bodyPr>
-          <a:lstStyle>
-            <a:lvl1pPr marL="0" indent="0" algn="ctr" defTabSz="914400" rtl="0" eaLnBrk="1" latinLnBrk="0" hangingPunct="1">
-              <a:spcBef>
-                <a:spcPct val="20000"/>
-              </a:spcBef>
-              <a:buFont typeface="Arial" panose="020B0604020202020204" pitchFamily="34" charset="0"/>
-              <a:buNone/>
-              <a:defRPr sz="3200" kern="1200">
-                <a:solidFill>
-                  <a:schemeClr val="tx1">
-                    <a:tint val="75000"/>
-                  </a:schemeClr>
-                </a:solidFill>
-                <a:latin typeface="+mn-lt"/>
-                <a:ea typeface="+mn-ea"/>
-                <a:cs typeface="+mn-cs"/>
-              </a:defRPr>
-            </a:lvl1pPr>
-            <a:lvl2pPr marL="457200" indent="0" algn="ctr" defTabSz="914400" rtl="0" eaLnBrk="1" latinLnBrk="0" hangingPunct="1">
-              <a:spcBef>
-                <a:spcPct val="20000"/>
-              </a:spcBef>
-              <a:buFont typeface="Arial" panose="020B0604020202020204" pitchFamily="34" charset="0"/>
-              <a:buNone/>
-              <a:defRPr sz="2800" kern="1200">
-                <a:solidFill>
-                  <a:schemeClr val="tx1">
-                    <a:tint val="75000"/>
-                  </a:schemeClr>
-                </a:solidFill>
-                <a:latin typeface="+mn-lt"/>
-                <a:ea typeface="+mn-ea"/>
-                <a:cs typeface="+mn-cs"/>
-              </a:defRPr>
-            </a:lvl2pPr>
-            <a:lvl3pPr marL="914400" indent="0" algn="ctr" defTabSz="914400" rtl="0" eaLnBrk="1" latinLnBrk="0" hangingPunct="1">
-              <a:spcBef>
-                <a:spcPct val="20000"/>
-              </a:spcBef>
-              <a:buFont typeface="Arial" panose="020B0604020202020204" pitchFamily="34" charset="0"/>
-              <a:buNone/>
-              <a:defRPr sz="2400" kern="1200">
-                <a:solidFill>
-                  <a:schemeClr val="tx1">
-                    <a:tint val="75000"/>
-                  </a:schemeClr>
-                </a:solidFill>
-                <a:latin typeface="+mn-lt"/>
-                <a:ea typeface="+mn-ea"/>
-                <a:cs typeface="+mn-cs"/>
-              </a:defRPr>
-            </a:lvl3pPr>
-            <a:lvl4pPr marL="1371600" indent="0" algn="ctr" defTabSz="914400" rtl="0" eaLnBrk="1" latinLnBrk="0" hangingPunct="1">
-              <a:spcBef>
-                <a:spcPct val="20000"/>
-              </a:spcBef>
-              <a:buFont typeface="Arial" panose="020B0604020202020204" pitchFamily="34" charset="0"/>
-              <a:buNone/>
-              <a:defRPr sz="2000" kern="1200">
-                <a:solidFill>
-                  <a:schemeClr val="tx1">
-                    <a:tint val="75000"/>
-                  </a:schemeClr>
-                </a:solidFill>
-                <a:latin typeface="+mn-lt"/>
-                <a:ea typeface="+mn-ea"/>
-                <a:cs typeface="+mn-cs"/>
-              </a:defRPr>
-            </a:lvl4pPr>
-            <a:lvl5pPr marL="1828800" indent="0" algn="ctr" defTabSz="914400" rtl="0" eaLnBrk="1" latinLnBrk="0" hangingPunct="1">
-              <a:spcBef>
-                <a:spcPct val="20000"/>
-              </a:spcBef>
-              <a:buFont typeface="Arial" panose="020B0604020202020204" pitchFamily="34" charset="0"/>
-              <a:buNone/>
-              <a:defRPr sz="2000" kern="1200">
-                <a:solidFill>
-                  <a:schemeClr val="tx1">
-                    <a:tint val="75000"/>
-                  </a:schemeClr>
-                </a:solidFill>
-                <a:latin typeface="+mn-lt"/>
-                <a:ea typeface="+mn-ea"/>
-                <a:cs typeface="+mn-cs"/>
-              </a:defRPr>
-            </a:lvl5pPr>
-            <a:lvl6pPr marL="2286000" indent="0" algn="ctr" defTabSz="914400" rtl="0" eaLnBrk="1" latinLnBrk="0" hangingPunct="1">
-              <a:spcBef>
-                <a:spcPct val="20000"/>
-              </a:spcBef>
-              <a:buFont typeface="Arial" panose="020B0604020202020204" pitchFamily="34" charset="0"/>
-              <a:buNone/>
-              <a:defRPr sz="2000" kern="1200">
-                <a:solidFill>
-                  <a:schemeClr val="tx1">
-                    <a:tint val="75000"/>
-                  </a:schemeClr>
-                </a:solidFill>
-                <a:latin typeface="+mn-lt"/>
-                <a:ea typeface="+mn-ea"/>
-                <a:cs typeface="+mn-cs"/>
-              </a:defRPr>
-            </a:lvl6pPr>
-            <a:lvl7pPr marL="2743200" indent="0" algn="ctr" defTabSz="914400" rtl="0" eaLnBrk="1" latinLnBrk="0" hangingPunct="1">
-              <a:spcBef>
-                <a:spcPct val="20000"/>
-              </a:spcBef>
-              <a:buFont typeface="Arial" panose="020B0604020202020204" pitchFamily="34" charset="0"/>
-              <a:buNone/>
-              <a:defRPr sz="2000" kern="1200">
-                <a:solidFill>
-                  <a:schemeClr val="tx1">
-                    <a:tint val="75000"/>
-                  </a:schemeClr>
-                </a:solidFill>
-                <a:latin typeface="+mn-lt"/>
-                <a:ea typeface="+mn-ea"/>
-                <a:cs typeface="+mn-cs"/>
-              </a:defRPr>
-            </a:lvl7pPr>
-            <a:lvl8pPr marL="3200400" indent="0" algn="ctr" defTabSz="914400" rtl="0" eaLnBrk="1" latinLnBrk="0" hangingPunct="1">
-              <a:spcBef>
-                <a:spcPct val="20000"/>
-              </a:spcBef>
-              <a:buFont typeface="Arial" panose="020B0604020202020204" pitchFamily="34" charset="0"/>
-              <a:buNone/>
-              <a:defRPr sz="2000" kern="1200">
-                <a:solidFill>
-                  <a:schemeClr val="tx1">
-                    <a:tint val="75000"/>
-                  </a:schemeClr>
-                </a:solidFill>
-                <a:latin typeface="+mn-lt"/>
-                <a:ea typeface="+mn-ea"/>
-                <a:cs typeface="+mn-cs"/>
-              </a:defRPr>
-            </a:lvl8pPr>
-            <a:lvl9pPr marL="3657600" indent="0" algn="ctr" defTabSz="914400" rtl="0" eaLnBrk="1" latinLnBrk="0" hangingPunct="1">
-              <a:spcBef>
-                <a:spcPct val="20000"/>
-              </a:spcBef>
-              <a:buFont typeface="Arial" panose="020B0604020202020204" pitchFamily="34" charset="0"/>
-              <a:buNone/>
-              <a:defRPr sz="2000" kern="1200">
-                <a:solidFill>
-                  <a:schemeClr val="tx1">
-                    <a:tint val="75000"/>
-                  </a:schemeClr>
-                </a:solidFill>
-                <a:latin typeface="+mn-lt"/>
-                <a:ea typeface="+mn-ea"/>
-                <a:cs typeface="+mn-cs"/>
-              </a:defRPr>
-            </a:lvl9pPr>
-          </a:lstStyle>
-          <a:p>
-            <a:pPr lvl="1" algn="l"/>
-            <a:endParaRPr lang="en-IN" sz="4000" dirty="0">
-              <a:solidFill>
-                <a:srgbClr val="0055A0"/>
-              </a:solidFill>
-            </a:endParaRPr>
-          </a:p>
-          <a:p>
-            <a:pPr lvl="1" algn="l"/>
-            <a:r>
-              <a:rPr lang="en-IN" sz="4000" dirty="0">
-                <a:solidFill>
-                  <a:srgbClr val="0055A0"/>
-                </a:solidFill>
-              </a:rPr>
-              <a:t>Thanks!</a:t>
-            </a:r>
           </a:p>
         </p:txBody>
       </p:sp>
     </p:spTree>
     <p:extLst>
       <p:ext uri="{BB962C8B-B14F-4D97-AF65-F5344CB8AC3E}">
-        <p14:creationId xmlns:p14="http://schemas.microsoft.com/office/powerpoint/2010/main" val="3724216054"/>
+        <p14:creationId xmlns:p14="http://schemas.microsoft.com/office/powerpoint/2010/main" val="146618133"/>
+      </p:ext>
+    </p:extLst>
+  </p:cSld>
+  <p:clrMapOvr>
+    <a:masterClrMapping/>
+  </p:clrMapOvr>
+</p:sld>
+</file>
+
+<file path=ppt/slides/slide9.xml><?xml version="1.0" encoding="utf-8"?>
+<p:sld xmlns:a="http://schemas.openxmlformats.org/drawingml/2006/main" xmlns:r="http://schemas.openxmlformats.org/officeDocument/2006/relationships" xmlns:p="http://schemas.openxmlformats.org/presentationml/2006/main">
+  <p:cSld>
+    <p:spTree>
+      <p:nvGrpSpPr>
+        <p:cNvPr id="1" name=""/>
+        <p:cNvGrpSpPr/>
+        <p:nvPr/>
+      </p:nvGrpSpPr>
+      <p:grpSpPr>
+        <a:xfrm>
+          <a:off x="0" y="0"/>
+          <a:ext cx="0" cy="0"/>
+          <a:chOff x="0" y="0"/>
+          <a:chExt cx="0" cy="0"/>
+        </a:xfrm>
+      </p:grpSpPr>
+      <p:sp>
+        <p:nvSpPr>
+          <p:cNvPr id="2" name="Title 1">
+            <a:extLst>
+              <a:ext uri="{FF2B5EF4-FFF2-40B4-BE49-F238E27FC236}">
+                <a16:creationId xmlns:a16="http://schemas.microsoft.com/office/drawing/2014/main" id="{F6584AFD-6D6B-41BD-8AA7-E55CA8893D30}"/>
+              </a:ext>
+            </a:extLst>
+          </p:cNvPr>
+          <p:cNvSpPr>
+            <a:spLocks noGrp="1"/>
+          </p:cNvSpPr>
+          <p:nvPr>
+            <p:ph type="title"/>
+          </p:nvPr>
+        </p:nvSpPr>
+        <p:spPr/>
+        <p:txBody>
+          <a:bodyPr/>
+          <a:lstStyle/>
+          <a:p>
+            <a:endParaRPr lang="en-US"/>
+          </a:p>
+        </p:txBody>
+      </p:sp>
+      <p:sp>
+        <p:nvSpPr>
+          <p:cNvPr id="3" name="Content Placeholder 2">
+            <a:extLst>
+              <a:ext uri="{FF2B5EF4-FFF2-40B4-BE49-F238E27FC236}">
+                <a16:creationId xmlns:a16="http://schemas.microsoft.com/office/drawing/2014/main" id="{1DD175B5-E4E4-4BD1-8A11-20DED898F8EA}"/>
+              </a:ext>
+            </a:extLst>
+          </p:cNvPr>
+          <p:cNvSpPr>
+            <a:spLocks noGrp="1"/>
+          </p:cNvSpPr>
+          <p:nvPr>
+            <p:ph idx="1"/>
+          </p:nvPr>
+        </p:nvSpPr>
+        <p:spPr/>
+        <p:txBody>
+          <a:bodyPr/>
+          <a:lstStyle/>
+          <a:p>
+            <a:endParaRPr lang="en-US"/>
+          </a:p>
+        </p:txBody>
+      </p:sp>
+    </p:spTree>
+    <p:extLst>
+      <p:ext uri="{BB962C8B-B14F-4D97-AF65-F5344CB8AC3E}">
+        <p14:creationId xmlns:p14="http://schemas.microsoft.com/office/powerpoint/2010/main" val="1235205643"/>
       </p:ext>
     </p:extLst>
   </p:cSld>

--- a/Pravin Kumar/Vehicle Loan Default Prediction.pptx
+++ b/Pravin Kumar/Vehicle Loan Default Prediction.pptx
@@ -3795,7 +3795,29 @@
                   <a:srgbClr val="FF0000"/>
                 </a:solidFill>
               </a:rPr>
-              <a:t>Vishwanath Kannan</a:t>
+              <a:t>Krishnaraj Palanychamy</a:t>
+            </a:r>
+          </a:p>
+          <a:p>
+            <a:pPr algn="r"/>
+            <a:r>
+              <a:rPr lang="en-US" sz="2000" dirty="0">
+                <a:solidFill>
+                  <a:srgbClr val="FF0000"/>
+                </a:solidFill>
+              </a:rPr>
+              <a:t>Krishnamurthy S</a:t>
+            </a:r>
+          </a:p>
+          <a:p>
+            <a:pPr algn="r"/>
+            <a:r>
+              <a:rPr lang="en-US" sz="2000" dirty="0">
+                <a:solidFill>
+                  <a:srgbClr val="FF0000"/>
+                </a:solidFill>
+              </a:rPr>
+              <a:t>Prabhakaran S</a:t>
             </a:r>
           </a:p>
           <a:p>
@@ -3817,8 +3839,21 @@
                   <a:srgbClr val="FF0000"/>
                 </a:solidFill>
               </a:rPr>
-              <a:t>Krishnaraj Palanychamy</a:t>
-            </a:r>
+              <a:t>SR </a:t>
+            </a:r>
+            <a:r>
+              <a:rPr lang="en-US" sz="2000" dirty="0" err="1">
+                <a:solidFill>
+                  <a:srgbClr val="FF0000"/>
+                </a:solidFill>
+              </a:rPr>
+              <a:t>Abilash</a:t>
+            </a:r>
+            <a:endParaRPr lang="en-US" sz="2000" dirty="0">
+              <a:solidFill>
+                <a:srgbClr val="FF0000"/>
+              </a:solidFill>
+            </a:endParaRPr>
           </a:p>
           <a:p>
             <a:pPr algn="r"/>
@@ -3828,29 +3863,7 @@
                   <a:srgbClr val="FF0000"/>
                 </a:solidFill>
               </a:rPr>
-              <a:t>Prabhakaran S</a:t>
-            </a:r>
-          </a:p>
-          <a:p>
-            <a:pPr algn="r"/>
-            <a:r>
-              <a:rPr lang="en-US" sz="2000" dirty="0">
-                <a:solidFill>
-                  <a:srgbClr val="FF0000"/>
-                </a:solidFill>
-              </a:rPr>
-              <a:t>Krishnamurthy S</a:t>
-            </a:r>
-          </a:p>
-          <a:p>
-            <a:pPr algn="r"/>
-            <a:r>
-              <a:rPr lang="en-US" sz="2000" dirty="0">
-                <a:solidFill>
-                  <a:srgbClr val="FF0000"/>
-                </a:solidFill>
-              </a:rPr>
-              <a:t>Abhilash SR</a:t>
+              <a:t>Vishwanath Kannan</a:t>
             </a:r>
           </a:p>
         </p:txBody>

--- a/Pravin Kumar/Vehicle Loan Default Prediction.pptx
+++ b/Pravin Kumar/Vehicle Loan Default Prediction.pptx
@@ -5,19 +5,20 @@
     <p:sldMasterId id="2147483648" r:id="rId1"/>
   </p:sldMasterIdLst>
   <p:notesMasterIdLst>
-    <p:notesMasterId r:id="rId12"/>
+    <p:notesMasterId r:id="rId13"/>
   </p:notesMasterIdLst>
   <p:sldIdLst>
     <p:sldId id="328" r:id="rId2"/>
     <p:sldId id="329" r:id="rId3"/>
     <p:sldId id="332" r:id="rId4"/>
-    <p:sldId id="333" r:id="rId5"/>
-    <p:sldId id="330" r:id="rId6"/>
-    <p:sldId id="334" r:id="rId7"/>
-    <p:sldId id="331" r:id="rId8"/>
+    <p:sldId id="330" r:id="rId5"/>
+    <p:sldId id="333" r:id="rId6"/>
+    <p:sldId id="331" r:id="rId7"/>
+    <p:sldId id="334" r:id="rId8"/>
     <p:sldId id="335" r:id="rId9"/>
-    <p:sldId id="336" r:id="rId10"/>
-    <p:sldId id="263" r:id="rId11"/>
+    <p:sldId id="337" r:id="rId10"/>
+    <p:sldId id="336" r:id="rId11"/>
+    <p:sldId id="263" r:id="rId12"/>
   </p:sldIdLst>
   <p:sldSz cx="9144000" cy="6858000" type="screen4x3"/>
   <p:notesSz cx="6858000" cy="9144000"/>
@@ -3900,6 +3901,86 @@
       </p:grpSpPr>
       <p:sp>
         <p:nvSpPr>
+          <p:cNvPr id="2" name="Title 1">
+            <a:extLst>
+              <a:ext uri="{FF2B5EF4-FFF2-40B4-BE49-F238E27FC236}">
+                <a16:creationId xmlns:a16="http://schemas.microsoft.com/office/drawing/2014/main" id="{F6584AFD-6D6B-41BD-8AA7-E55CA8893D30}"/>
+              </a:ext>
+            </a:extLst>
+          </p:cNvPr>
+          <p:cNvSpPr>
+            <a:spLocks noGrp="1"/>
+          </p:cNvSpPr>
+          <p:nvPr>
+            <p:ph type="title"/>
+          </p:nvPr>
+        </p:nvSpPr>
+        <p:spPr/>
+        <p:txBody>
+          <a:bodyPr/>
+          <a:lstStyle/>
+          <a:p>
+            <a:endParaRPr lang="en-US"/>
+          </a:p>
+        </p:txBody>
+      </p:sp>
+      <p:sp>
+        <p:nvSpPr>
+          <p:cNvPr id="3" name="Content Placeholder 2">
+            <a:extLst>
+              <a:ext uri="{FF2B5EF4-FFF2-40B4-BE49-F238E27FC236}">
+                <a16:creationId xmlns:a16="http://schemas.microsoft.com/office/drawing/2014/main" id="{1DD175B5-E4E4-4BD1-8A11-20DED898F8EA}"/>
+              </a:ext>
+            </a:extLst>
+          </p:cNvPr>
+          <p:cNvSpPr>
+            <a:spLocks noGrp="1"/>
+          </p:cNvSpPr>
+          <p:nvPr>
+            <p:ph idx="1"/>
+          </p:nvPr>
+        </p:nvSpPr>
+        <p:spPr/>
+        <p:txBody>
+          <a:bodyPr/>
+          <a:lstStyle/>
+          <a:p>
+            <a:endParaRPr lang="en-US"/>
+          </a:p>
+        </p:txBody>
+      </p:sp>
+    </p:spTree>
+    <p:extLst>
+      <p:ext uri="{BB962C8B-B14F-4D97-AF65-F5344CB8AC3E}">
+        <p14:creationId xmlns:p14="http://schemas.microsoft.com/office/powerpoint/2010/main" val="1235205643"/>
+      </p:ext>
+    </p:extLst>
+  </p:cSld>
+  <p:clrMapOvr>
+    <a:masterClrMapping/>
+  </p:clrMapOvr>
+</p:sld>
+</file>
+
+<file path=ppt/slides/slide11.xml><?xml version="1.0" encoding="utf-8"?>
+<p:sld xmlns:a="http://schemas.openxmlformats.org/drawingml/2006/main" xmlns:r="http://schemas.openxmlformats.org/officeDocument/2006/relationships" xmlns:p="http://schemas.openxmlformats.org/presentationml/2006/main">
+  <p:cSld>
+    <p:spTree>
+      <p:nvGrpSpPr>
+        <p:cNvPr id="1" name=""/>
+        <p:cNvGrpSpPr/>
+        <p:nvPr/>
+      </p:nvGrpSpPr>
+      <p:grpSpPr>
+        <a:xfrm>
+          <a:off x="0" y="0"/>
+          <a:ext cx="0" cy="0"/>
+          <a:chOff x="0" y="0"/>
+          <a:chExt cx="0" cy="0"/>
+        </a:xfrm>
+      </p:grpSpPr>
+      <p:sp>
+        <p:nvSpPr>
           <p:cNvPr id="4" name="Round Diagonal Corner Rectangle 3"/>
           <p:cNvSpPr/>
           <p:nvPr/>
@@ -4748,7 +4829,10 @@
           <a:bodyPr/>
           <a:lstStyle/>
           <a:p>
-            <a:endParaRPr lang="en-US"/>
+            <a:r>
+              <a:rPr lang="en-US" dirty="0"/>
+              <a:t>Introduction</a:t>
+            </a:r>
           </a:p>
         </p:txBody>
       </p:sp>
@@ -4773,7 +4857,7 @@
           <a:bodyPr/>
           <a:lstStyle/>
           <a:p>
-            <a:endParaRPr lang="en-US"/>
+            <a:endParaRPr lang="en-US" dirty="0"/>
           </a:p>
         </p:txBody>
       </p:sp>
@@ -4791,86 +4875,6 @@
 </file>
 
 <file path=ppt/slides/slide4.xml><?xml version="1.0" encoding="utf-8"?>
-<p:sld xmlns:a="http://schemas.openxmlformats.org/drawingml/2006/main" xmlns:r="http://schemas.openxmlformats.org/officeDocument/2006/relationships" xmlns:p="http://schemas.openxmlformats.org/presentationml/2006/main">
-  <p:cSld>
-    <p:spTree>
-      <p:nvGrpSpPr>
-        <p:cNvPr id="1" name=""/>
-        <p:cNvGrpSpPr/>
-        <p:nvPr/>
-      </p:nvGrpSpPr>
-      <p:grpSpPr>
-        <a:xfrm>
-          <a:off x="0" y="0"/>
-          <a:ext cx="0" cy="0"/>
-          <a:chOff x="0" y="0"/>
-          <a:chExt cx="0" cy="0"/>
-        </a:xfrm>
-      </p:grpSpPr>
-      <p:sp>
-        <p:nvSpPr>
-          <p:cNvPr id="2" name="Title 1">
-            <a:extLst>
-              <a:ext uri="{FF2B5EF4-FFF2-40B4-BE49-F238E27FC236}">
-                <a16:creationId xmlns:a16="http://schemas.microsoft.com/office/drawing/2014/main" id="{E9542EDD-DD0D-4B59-816D-B4BDD445A2AC}"/>
-              </a:ext>
-            </a:extLst>
-          </p:cNvPr>
-          <p:cNvSpPr>
-            <a:spLocks noGrp="1"/>
-          </p:cNvSpPr>
-          <p:nvPr>
-            <p:ph type="title"/>
-          </p:nvPr>
-        </p:nvSpPr>
-        <p:spPr/>
-        <p:txBody>
-          <a:bodyPr/>
-          <a:lstStyle/>
-          <a:p>
-            <a:endParaRPr lang="en-US"/>
-          </a:p>
-        </p:txBody>
-      </p:sp>
-      <p:sp>
-        <p:nvSpPr>
-          <p:cNvPr id="3" name="Content Placeholder 2">
-            <a:extLst>
-              <a:ext uri="{FF2B5EF4-FFF2-40B4-BE49-F238E27FC236}">
-                <a16:creationId xmlns:a16="http://schemas.microsoft.com/office/drawing/2014/main" id="{80437BBC-4056-4081-B0BD-F5B6B2E3CC4F}"/>
-              </a:ext>
-            </a:extLst>
-          </p:cNvPr>
-          <p:cNvSpPr>
-            <a:spLocks noGrp="1"/>
-          </p:cNvSpPr>
-          <p:nvPr>
-            <p:ph idx="1"/>
-          </p:nvPr>
-        </p:nvSpPr>
-        <p:spPr/>
-        <p:txBody>
-          <a:bodyPr/>
-          <a:lstStyle/>
-          <a:p>
-            <a:endParaRPr lang="en-US"/>
-          </a:p>
-        </p:txBody>
-      </p:sp>
-    </p:spTree>
-    <p:extLst>
-      <p:ext uri="{BB962C8B-B14F-4D97-AF65-F5344CB8AC3E}">
-        <p14:creationId xmlns:p14="http://schemas.microsoft.com/office/powerpoint/2010/main" val="2221598392"/>
-      </p:ext>
-    </p:extLst>
-  </p:cSld>
-  <p:clrMapOvr>
-    <a:masterClrMapping/>
-  </p:clrMapOvr>
-</p:sld>
-</file>
-
-<file path=ppt/slides/slide5.xml><?xml version="1.0" encoding="utf-8"?>
 <p:sld xmlns:a="http://schemas.openxmlformats.org/drawingml/2006/main" xmlns:r="http://schemas.openxmlformats.org/officeDocument/2006/relationships" xmlns:p="http://schemas.openxmlformats.org/presentationml/2006/main">
   <p:cSld>
     <p:spTree>
@@ -5547,7 +5551,7 @@
 </p:sld>
 </file>
 
-<file path=ppt/slides/slide6.xml><?xml version="1.0" encoding="utf-8"?>
+<file path=ppt/slides/slide5.xml><?xml version="1.0" encoding="utf-8"?>
 <p:sld xmlns:a="http://schemas.openxmlformats.org/drawingml/2006/main" xmlns:r="http://schemas.openxmlformats.org/officeDocument/2006/relationships" xmlns:p="http://schemas.openxmlformats.org/presentationml/2006/main">
   <p:cSld>
     <p:spTree>
@@ -5569,7 +5573,7 @@
           <p:cNvPr id="2" name="Title 1">
             <a:extLst>
               <a:ext uri="{FF2B5EF4-FFF2-40B4-BE49-F238E27FC236}">
-                <a16:creationId xmlns:a16="http://schemas.microsoft.com/office/drawing/2014/main" id="{EB10B0E3-1E86-4F05-BFFE-8F51202448A9}"/>
+                <a16:creationId xmlns:a16="http://schemas.microsoft.com/office/drawing/2014/main" id="{E9542EDD-DD0D-4B59-816D-B4BDD445A2AC}"/>
               </a:ext>
             </a:extLst>
           </p:cNvPr>
@@ -5594,7 +5598,7 @@
           <p:cNvPr id="3" name="Content Placeholder 2">
             <a:extLst>
               <a:ext uri="{FF2B5EF4-FFF2-40B4-BE49-F238E27FC236}">
-                <a16:creationId xmlns:a16="http://schemas.microsoft.com/office/drawing/2014/main" id="{A293D2A9-1E06-4D1B-8150-7CF55B09A846}"/>
+                <a16:creationId xmlns:a16="http://schemas.microsoft.com/office/drawing/2014/main" id="{80437BBC-4056-4081-B0BD-F5B6B2E3CC4F}"/>
               </a:ext>
             </a:extLst>
           </p:cNvPr>
@@ -5617,7 +5621,7 @@
     </p:spTree>
     <p:extLst>
       <p:ext uri="{BB962C8B-B14F-4D97-AF65-F5344CB8AC3E}">
-        <p14:creationId xmlns:p14="http://schemas.microsoft.com/office/powerpoint/2010/main" val="942022588"/>
+        <p14:creationId xmlns:p14="http://schemas.microsoft.com/office/powerpoint/2010/main" val="2221598392"/>
       </p:ext>
     </p:extLst>
   </p:cSld>
@@ -5627,7 +5631,7 @@
 </p:sld>
 </file>
 
-<file path=ppt/slides/slide7.xml><?xml version="1.0" encoding="utf-8"?>
+<file path=ppt/slides/slide6.xml><?xml version="1.0" encoding="utf-8"?>
 <p:sld xmlns:a="http://schemas.openxmlformats.org/drawingml/2006/main" xmlns:r="http://schemas.openxmlformats.org/officeDocument/2006/relationships" xmlns:p="http://schemas.openxmlformats.org/presentationml/2006/main">
   <p:cSld>
     <p:spTree>
@@ -5979,23 +5983,7 @@
                   <a:srgbClr val="0055A0"/>
                 </a:solidFill>
               </a:rPr>
-              <a:t>Any follow-up </a:t>
-            </a:r>
-            <a:r>
-              <a:rPr lang="en-IN" sz="2400" dirty="0" err="1">
-                <a:solidFill>
-                  <a:srgbClr val="0055A0"/>
-                </a:solidFill>
-              </a:rPr>
-              <a:t>potentional</a:t>
-            </a:r>
-            <a:r>
-              <a:rPr lang="en-IN" sz="2400" dirty="0">
-                <a:solidFill>
-                  <a:srgbClr val="0055A0"/>
-                </a:solidFill>
-              </a:rPr>
-              <a:t> capstone project problems</a:t>
+              <a:t>Any follow-up protentional capstone project problems</a:t>
             </a:r>
           </a:p>
           <a:p>
@@ -6446,6 +6434,86 @@
 </p:sld>
 </file>
 
+<file path=ppt/slides/slide7.xml><?xml version="1.0" encoding="utf-8"?>
+<p:sld xmlns:a="http://schemas.openxmlformats.org/drawingml/2006/main" xmlns:r="http://schemas.openxmlformats.org/officeDocument/2006/relationships" xmlns:p="http://schemas.openxmlformats.org/presentationml/2006/main">
+  <p:cSld>
+    <p:spTree>
+      <p:nvGrpSpPr>
+        <p:cNvPr id="1" name=""/>
+        <p:cNvGrpSpPr/>
+        <p:nvPr/>
+      </p:nvGrpSpPr>
+      <p:grpSpPr>
+        <a:xfrm>
+          <a:off x="0" y="0"/>
+          <a:ext cx="0" cy="0"/>
+          <a:chOff x="0" y="0"/>
+          <a:chExt cx="0" cy="0"/>
+        </a:xfrm>
+      </p:grpSpPr>
+      <p:sp>
+        <p:nvSpPr>
+          <p:cNvPr id="2" name="Title 1">
+            <a:extLst>
+              <a:ext uri="{FF2B5EF4-FFF2-40B4-BE49-F238E27FC236}">
+                <a16:creationId xmlns:a16="http://schemas.microsoft.com/office/drawing/2014/main" id="{EB10B0E3-1E86-4F05-BFFE-8F51202448A9}"/>
+              </a:ext>
+            </a:extLst>
+          </p:cNvPr>
+          <p:cNvSpPr>
+            <a:spLocks noGrp="1"/>
+          </p:cNvSpPr>
+          <p:nvPr>
+            <p:ph type="title"/>
+          </p:nvPr>
+        </p:nvSpPr>
+        <p:spPr/>
+        <p:txBody>
+          <a:bodyPr/>
+          <a:lstStyle/>
+          <a:p>
+            <a:endParaRPr lang="en-US"/>
+          </a:p>
+        </p:txBody>
+      </p:sp>
+      <p:sp>
+        <p:nvSpPr>
+          <p:cNvPr id="3" name="Content Placeholder 2">
+            <a:extLst>
+              <a:ext uri="{FF2B5EF4-FFF2-40B4-BE49-F238E27FC236}">
+                <a16:creationId xmlns:a16="http://schemas.microsoft.com/office/drawing/2014/main" id="{A293D2A9-1E06-4D1B-8150-7CF55B09A846}"/>
+              </a:ext>
+            </a:extLst>
+          </p:cNvPr>
+          <p:cNvSpPr>
+            <a:spLocks noGrp="1"/>
+          </p:cNvSpPr>
+          <p:nvPr>
+            <p:ph idx="1"/>
+          </p:nvPr>
+        </p:nvSpPr>
+        <p:spPr/>
+        <p:txBody>
+          <a:bodyPr/>
+          <a:lstStyle/>
+          <a:p>
+            <a:endParaRPr lang="en-US"/>
+          </a:p>
+        </p:txBody>
+      </p:sp>
+    </p:spTree>
+    <p:extLst>
+      <p:ext uri="{BB962C8B-B14F-4D97-AF65-F5344CB8AC3E}">
+        <p14:creationId xmlns:p14="http://schemas.microsoft.com/office/powerpoint/2010/main" val="942022588"/>
+      </p:ext>
+    </p:extLst>
+  </p:cSld>
+  <p:clrMapOvr>
+    <a:masterClrMapping/>
+  </p:clrMapOvr>
+</p:sld>
+</file>
+
 <file path=ppt/slides/slide8.xml><?xml version="1.0" encoding="utf-8"?>
 <p:sld xmlns:a="http://schemas.openxmlformats.org/drawingml/2006/main" xmlns:r="http://schemas.openxmlformats.org/officeDocument/2006/relationships" xmlns:p="http://schemas.openxmlformats.org/presentationml/2006/main">
   <p:cSld>
@@ -6548,7 +6616,7 @@
           <p:cNvPr id="2" name="Title 1">
             <a:extLst>
               <a:ext uri="{FF2B5EF4-FFF2-40B4-BE49-F238E27FC236}">
-                <a16:creationId xmlns:a16="http://schemas.microsoft.com/office/drawing/2014/main" id="{F6584AFD-6D6B-41BD-8AA7-E55CA8893D30}"/>
+                <a16:creationId xmlns:a16="http://schemas.microsoft.com/office/drawing/2014/main" id="{541A397E-F577-49FF-BC80-010E4660590D}"/>
               </a:ext>
             </a:extLst>
           </p:cNvPr>
@@ -6573,7 +6641,7 @@
           <p:cNvPr id="3" name="Content Placeholder 2">
             <a:extLst>
               <a:ext uri="{FF2B5EF4-FFF2-40B4-BE49-F238E27FC236}">
-                <a16:creationId xmlns:a16="http://schemas.microsoft.com/office/drawing/2014/main" id="{1DD175B5-E4E4-4BD1-8A11-20DED898F8EA}"/>
+                <a16:creationId xmlns:a16="http://schemas.microsoft.com/office/drawing/2014/main" id="{4887195E-57E5-4EF2-9755-BE81F07132A4}"/>
               </a:ext>
             </a:extLst>
           </p:cNvPr>
@@ -6596,7 +6664,7 @@
     </p:spTree>
     <p:extLst>
       <p:ext uri="{BB962C8B-B14F-4D97-AF65-F5344CB8AC3E}">
-        <p14:creationId xmlns:p14="http://schemas.microsoft.com/office/powerpoint/2010/main" val="1235205643"/>
+        <p14:creationId xmlns:p14="http://schemas.microsoft.com/office/powerpoint/2010/main" val="3227524239"/>
       </p:ext>
     </p:extLst>
   </p:cSld>

--- a/Pravin Kumar/Vehicle Loan Default Prediction.pptx
+++ b/Pravin Kumar/Vehicle Loan Default Prediction.pptx
@@ -4577,7 +4577,7 @@
                   <a:srgbClr val="0055A0"/>
                 </a:solidFill>
               </a:rPr>
-              <a:t>The objective of this project is to predict whether it will be Payment default in the ﬁrst EMI on Vehicle Loan on due date or not using the Loan Default Prediction Dataset from Kaggle.</a:t>
+              <a:t>The objective of this project is to predict whether the customer will default their ﬁrst EMI on the Vehicle Loan on due date or not using the Loan Default Prediction Dataset from Kaggle.</a:t>
             </a:r>
           </a:p>
           <a:p>
@@ -4591,7 +4591,7 @@
                   <a:srgbClr val="0055A0"/>
                 </a:solidFill>
               </a:rPr>
-              <a:t>Finding out the critical features that to help him/the company to evaluating the probability of default of the customer</a:t>
+              <a:t>Finding out the critical features that to help him/the company to evaluating the probability of default of the customer, as well as prevent loosing out potential customers otherwise lost.</a:t>
             </a:r>
           </a:p>
           <a:p>

--- a/Pravin Kumar/Vehicle Loan Default Prediction.pptx
+++ b/Pravin Kumar/Vehicle Loan Default Prediction.pptx
@@ -9,8 +9,8 @@
   </p:notesMasterIdLst>
   <p:sldIdLst>
     <p:sldId id="328" r:id="rId2"/>
-    <p:sldId id="329" r:id="rId3"/>
-    <p:sldId id="332" r:id="rId4"/>
+    <p:sldId id="332" r:id="rId3"/>
+    <p:sldId id="329" r:id="rId4"/>
     <p:sldId id="330" r:id="rId5"/>
     <p:sldId id="333" r:id="rId6"/>
     <p:sldId id="331" r:id="rId7"/>
@@ -4300,6 +4300,116 @@
       </p:grpSpPr>
       <p:sp>
         <p:nvSpPr>
+          <p:cNvPr id="2" name="Title 1">
+            <a:extLst>
+              <a:ext uri="{FF2B5EF4-FFF2-40B4-BE49-F238E27FC236}">
+                <a16:creationId xmlns:a16="http://schemas.microsoft.com/office/drawing/2014/main" id="{543925F3-AEA9-4425-BE85-A907329B807D}"/>
+              </a:ext>
+            </a:extLst>
+          </p:cNvPr>
+          <p:cNvSpPr>
+            <a:spLocks noGrp="1"/>
+          </p:cNvSpPr>
+          <p:nvPr>
+            <p:ph type="title"/>
+          </p:nvPr>
+        </p:nvSpPr>
+        <p:spPr/>
+        <p:txBody>
+          <a:bodyPr/>
+          <a:lstStyle/>
+          <a:p>
+            <a:r>
+              <a:rPr lang="en-US" dirty="0"/>
+              <a:t>Introduction</a:t>
+            </a:r>
+          </a:p>
+        </p:txBody>
+      </p:sp>
+      <p:sp>
+        <p:nvSpPr>
+          <p:cNvPr id="3" name="Content Placeholder 2">
+            <a:extLst>
+              <a:ext uri="{FF2B5EF4-FFF2-40B4-BE49-F238E27FC236}">
+                <a16:creationId xmlns:a16="http://schemas.microsoft.com/office/drawing/2014/main" id="{58171DD3-3E42-48DF-95D4-3408C189D523}"/>
+              </a:ext>
+            </a:extLst>
+          </p:cNvPr>
+          <p:cNvSpPr>
+            <a:spLocks noGrp="1"/>
+          </p:cNvSpPr>
+          <p:nvPr>
+            <p:ph idx="1"/>
+          </p:nvPr>
+        </p:nvSpPr>
+        <p:spPr>
+          <a:xfrm>
+            <a:off x="457200" y="1295400"/>
+            <a:ext cx="8686800" cy="5562600"/>
+          </a:xfrm>
+        </p:spPr>
+        <p:txBody>
+          <a:bodyPr>
+            <a:normAutofit lnSpcReduction="10000"/>
+          </a:bodyPr>
+          <a:lstStyle/>
+          <a:p>
+            <a:r>
+              <a:rPr lang="en-US" dirty="0"/>
+              <a:t>People avail vehicle loan from banks to buy their dream cars. Car loans have taken off in India witnessing an increase in growth of 18-20% which is a huge increase in 2019.</a:t>
+            </a:r>
+          </a:p>
+          <a:p>
+            <a:r>
+              <a:rPr lang="en-US" dirty="0"/>
+              <a:t>Bank and vehicle finance companies are making this dream come true by providing the vehicle loan facility. </a:t>
+            </a:r>
+          </a:p>
+          <a:p>
+            <a:r>
+              <a:rPr lang="en-US" dirty="0"/>
+              <a:t>Financing a vehicle involves a lot of technicalities like the kind of vehicle to be financed, the route on which the vehicle will be plying, the operating expenses of the customer, etc</a:t>
+            </a:r>
+            <a:r>
+              <a:rPr lang="en-US"/>
+              <a:t>. </a:t>
+            </a:r>
+            <a:endParaRPr lang="en-US" dirty="0"/>
+          </a:p>
+        </p:txBody>
+      </p:sp>
+    </p:spTree>
+    <p:extLst>
+      <p:ext uri="{BB962C8B-B14F-4D97-AF65-F5344CB8AC3E}">
+        <p14:creationId xmlns:p14="http://schemas.microsoft.com/office/powerpoint/2010/main" val="3561413167"/>
+      </p:ext>
+    </p:extLst>
+  </p:cSld>
+  <p:clrMapOvr>
+    <a:masterClrMapping/>
+  </p:clrMapOvr>
+</p:sld>
+</file>
+
+<file path=ppt/slides/slide3.xml><?xml version="1.0" encoding="utf-8"?>
+<p:sld xmlns:a="http://schemas.openxmlformats.org/drawingml/2006/main" xmlns:r="http://schemas.openxmlformats.org/officeDocument/2006/relationships" xmlns:p="http://schemas.openxmlformats.org/presentationml/2006/main">
+  <p:cSld>
+    <p:spTree>
+      <p:nvGrpSpPr>
+        <p:cNvPr id="1" name=""/>
+        <p:cNvGrpSpPr/>
+        <p:nvPr/>
+      </p:nvGrpSpPr>
+      <p:grpSpPr>
+        <a:xfrm>
+          <a:off x="0" y="0"/>
+          <a:ext cx="0" cy="0"/>
+          <a:chOff x="0" y="0"/>
+          <a:chExt cx="0" cy="0"/>
+        </a:xfrm>
+      </p:grpSpPr>
+      <p:sp>
+        <p:nvSpPr>
           <p:cNvPr id="4" name="Round Diagonal Corner Rectangle 3"/>
           <p:cNvSpPr/>
           <p:nvPr/>
@@ -4788,89 +4898,6 @@
       </p:par>
     </p:tnLst>
   </p:timing>
-</p:sld>
-</file>
-
-<file path=ppt/slides/slide3.xml><?xml version="1.0" encoding="utf-8"?>
-<p:sld xmlns:a="http://schemas.openxmlformats.org/drawingml/2006/main" xmlns:r="http://schemas.openxmlformats.org/officeDocument/2006/relationships" xmlns:p="http://schemas.openxmlformats.org/presentationml/2006/main">
-  <p:cSld>
-    <p:spTree>
-      <p:nvGrpSpPr>
-        <p:cNvPr id="1" name=""/>
-        <p:cNvGrpSpPr/>
-        <p:nvPr/>
-      </p:nvGrpSpPr>
-      <p:grpSpPr>
-        <a:xfrm>
-          <a:off x="0" y="0"/>
-          <a:ext cx="0" cy="0"/>
-          <a:chOff x="0" y="0"/>
-          <a:chExt cx="0" cy="0"/>
-        </a:xfrm>
-      </p:grpSpPr>
-      <p:sp>
-        <p:nvSpPr>
-          <p:cNvPr id="2" name="Title 1">
-            <a:extLst>
-              <a:ext uri="{FF2B5EF4-FFF2-40B4-BE49-F238E27FC236}">
-                <a16:creationId xmlns:a16="http://schemas.microsoft.com/office/drawing/2014/main" id="{543925F3-AEA9-4425-BE85-A907329B807D}"/>
-              </a:ext>
-            </a:extLst>
-          </p:cNvPr>
-          <p:cNvSpPr>
-            <a:spLocks noGrp="1"/>
-          </p:cNvSpPr>
-          <p:nvPr>
-            <p:ph type="title"/>
-          </p:nvPr>
-        </p:nvSpPr>
-        <p:spPr/>
-        <p:txBody>
-          <a:bodyPr/>
-          <a:lstStyle/>
-          <a:p>
-            <a:r>
-              <a:rPr lang="en-US" dirty="0"/>
-              <a:t>Introduction</a:t>
-            </a:r>
-          </a:p>
-        </p:txBody>
-      </p:sp>
-      <p:sp>
-        <p:nvSpPr>
-          <p:cNvPr id="3" name="Content Placeholder 2">
-            <a:extLst>
-              <a:ext uri="{FF2B5EF4-FFF2-40B4-BE49-F238E27FC236}">
-                <a16:creationId xmlns:a16="http://schemas.microsoft.com/office/drawing/2014/main" id="{58171DD3-3E42-48DF-95D4-3408C189D523}"/>
-              </a:ext>
-            </a:extLst>
-          </p:cNvPr>
-          <p:cNvSpPr>
-            <a:spLocks noGrp="1"/>
-          </p:cNvSpPr>
-          <p:nvPr>
-            <p:ph idx="1"/>
-          </p:nvPr>
-        </p:nvSpPr>
-        <p:spPr/>
-        <p:txBody>
-          <a:bodyPr/>
-          <a:lstStyle/>
-          <a:p>
-            <a:endParaRPr lang="en-US" dirty="0"/>
-          </a:p>
-        </p:txBody>
-      </p:sp>
-    </p:spTree>
-    <p:extLst>
-      <p:ext uri="{BB962C8B-B14F-4D97-AF65-F5344CB8AC3E}">
-        <p14:creationId xmlns:p14="http://schemas.microsoft.com/office/powerpoint/2010/main" val="3561413167"/>
-      </p:ext>
-    </p:extLst>
-  </p:cSld>
-  <p:clrMapOvr>
-    <a:masterClrMapping/>
-  </p:clrMapOvr>
 </p:sld>
 </file>
 

--- a/Pravin Kumar/Vehicle Loan Default Prediction.pptx
+++ b/Pravin Kumar/Vehicle Loan Default Prediction.pptx
@@ -3796,18 +3796,26 @@
                   <a:srgbClr val="FF0000"/>
                 </a:solidFill>
               </a:rPr>
-              <a:t>Krishnaraj Palanychamy</a:t>
+              <a:t>Krishnamurthy S</a:t>
             </a:r>
           </a:p>
           <a:p>
             <a:pPr algn="r"/>
             <a:r>
+              <a:rPr lang="en-US" sz="2000" dirty="0" err="1">
+                <a:solidFill>
+                  <a:srgbClr val="FF0000"/>
+                </a:solidFill>
+              </a:rPr>
+              <a:t>Krishnaraj</a:t>
+            </a:r>
+            <a:r>
               <a:rPr lang="en-US" sz="2000" dirty="0">
                 <a:solidFill>
                   <a:srgbClr val="FF0000"/>
                 </a:solidFill>
               </a:rPr>
-              <a:t>Krishnamurthy S</a:t>
+              <a:t> Palanychamy</a:t>
             </a:r>
           </a:p>
           <a:p>
@@ -4350,7 +4358,7 @@
         </p:spPr>
         <p:txBody>
           <a:bodyPr>
-            <a:normAutofit lnSpcReduction="10000"/>
+            <a:normAutofit fontScale="85000" lnSpcReduction="10000"/>
           </a:bodyPr>
           <a:lstStyle/>
           <a:p>
@@ -4368,12 +4376,16 @@
           <a:p>
             <a:r>
               <a:rPr lang="en-US" dirty="0"/>
-              <a:t>Financing a vehicle involves a lot of technicalities like the kind of vehicle to be financed, the route on which the vehicle will be plying, the operating expenses of the customer, etc</a:t>
-            </a:r>
-            <a:r>
-              <a:rPr lang="en-US"/>
-              <a:t>. </a:t>
-            </a:r>
+              <a:t>Financing a vehicle involves a lot of technicalities like the kind of vehicle to be financed, the route on which the vehicle will be plying, the operating expenses of the customer, etc. </a:t>
+            </a:r>
+          </a:p>
+          <a:p>
+            <a:r>
+              <a:rPr lang="en-US" dirty="0"/>
+              <a:t>It is also being influenced by processing fee, loan clearance time, requirement of documentation and methodology being followed in computation of interest.</a:t>
+            </a:r>
+          </a:p>
+          <a:p>
             <a:endParaRPr lang="en-US" dirty="0"/>
           </a:p>
         </p:txBody>
@@ -4519,7 +4531,7 @@
         </p:spPr>
         <p:txBody>
           <a:bodyPr vert="horz" lIns="91440" tIns="45720" rIns="91440" bIns="45720" rtlCol="0">
-            <a:normAutofit/>
+            <a:normAutofit fontScale="92500" lnSpcReduction="20000"/>
           </a:bodyPr>
           <a:lstStyle>
             <a:lvl1pPr marL="0" indent="0" algn="ctr" defTabSz="914400" rtl="0" eaLnBrk="1" latinLnBrk="0" hangingPunct="1">
@@ -4684,10 +4696,10 @@
             <a:r>
               <a:rPr lang="en-IN" sz="2400" dirty="0">
                 <a:solidFill>
-                  <a:srgbClr val="0055A0"/>
+                  <a:schemeClr val="tx1"/>
                 </a:solidFill>
               </a:rPr>
-              <a:t>The objective of this project is to predict whether the customer will default their ﬁrst EMI on the Vehicle Loan on due date or not using the Loan Default Prediction Dataset from Kaggle.</a:t>
+              <a:t>The objective of this project is to predict whether the customer will default their ﬁrst EMI on the Vehicle Loan on due date or not .</a:t>
             </a:r>
           </a:p>
           <a:p>
@@ -4696,13 +4708,129 @@
               <a:buChar char="Ø"/>
             </a:pPr>
             <a:r>
+              <a:rPr lang="en-IN" sz="2400" dirty="0">
+                <a:solidFill>
+                  <a:schemeClr val="tx1"/>
+                </a:solidFill>
+              </a:rPr>
+              <a:t>The objective of this project is to predict whether the customer will default based on these critical features.</a:t>
+            </a:r>
+          </a:p>
+          <a:p>
+            <a:pPr marL="914400" lvl="1" indent="-457200" algn="l">
+              <a:buFont typeface="Arial" panose="020B0604020202020204" pitchFamily="34" charset="0"/>
+              <a:buChar char="•"/>
+            </a:pPr>
+            <a:r>
+              <a:rPr lang="en-US" dirty="0">
+                <a:solidFill>
+                  <a:schemeClr val="tx1"/>
+                </a:solidFill>
+              </a:rPr>
+              <a:t>To find out consumers’ awareness about vehicle finance activities </a:t>
+            </a:r>
+          </a:p>
+          <a:p>
+            <a:pPr marL="914400" lvl="1" indent="-457200" algn="l">
+              <a:buFont typeface="Arial" panose="020B0604020202020204" pitchFamily="34" charset="0"/>
+              <a:buChar char="•"/>
+            </a:pPr>
+            <a:r>
+              <a:rPr lang="en-US" dirty="0">
+                <a:solidFill>
+                  <a:schemeClr val="tx1"/>
+                </a:solidFill>
+              </a:rPr>
+              <a:t>  To identify reasons for availing of vehicle finance </a:t>
+            </a:r>
+          </a:p>
+          <a:p>
+            <a:pPr marL="914400" lvl="1" indent="-457200" algn="l">
+              <a:buFont typeface="Arial" panose="020B0604020202020204" pitchFamily="34" charset="0"/>
+              <a:buChar char="•"/>
+            </a:pPr>
+            <a:r>
+              <a:rPr lang="en-US" dirty="0">
+                <a:solidFill>
+                  <a:schemeClr val="tx1"/>
+                </a:solidFill>
+              </a:rPr>
+              <a:t>To find out problem faced by consumers in availing of vehicle finance</a:t>
+            </a:r>
+          </a:p>
+          <a:p>
+            <a:pPr marL="800100" lvl="1" indent="-342900" algn="l">
+              <a:buFont typeface="Wingdings" panose="05000000000000000000" pitchFamily="2" charset="2"/>
+              <a:buChar char="Ø"/>
+            </a:pPr>
+            <a:endParaRPr lang="en-IN" sz="2000" dirty="0">
+              <a:solidFill>
+                <a:schemeClr val="tx1"/>
+              </a:solidFill>
+            </a:endParaRPr>
+          </a:p>
+          <a:p>
+            <a:pPr marL="342900" indent="-342900" algn="l">
+              <a:buFont typeface="Wingdings" panose="05000000000000000000" pitchFamily="2" charset="2"/>
+              <a:buChar char="Ø"/>
+            </a:pPr>
+            <a:r>
               <a:rPr lang="en-US" sz="2400" dirty="0">
                 <a:solidFill>
-                  <a:srgbClr val="0055A0"/>
+                  <a:schemeClr val="tx1"/>
                 </a:solidFill>
               </a:rPr>
-              <a:t>Finding out the critical features that to help him/the company to evaluating the probability of default of the customer, as well as prevent loosing out potential customers otherwise lost.</a:t>
-            </a:r>
+              <a:t>Finding out the critical features that to help him/the company to evaluate the probability of default of the customer, as well as prevent loosing out potential customers otherwise lost.</a:t>
+            </a:r>
+          </a:p>
+          <a:p>
+            <a:pPr marL="342900" indent="-342900" algn="l">
+              <a:buFont typeface="Wingdings" panose="05000000000000000000" pitchFamily="2" charset="2"/>
+              <a:buChar char="Ø"/>
+            </a:pPr>
+            <a:r>
+              <a:rPr lang="en-US" sz="2400" dirty="0">
+                <a:solidFill>
+                  <a:schemeClr val="tx1"/>
+                </a:solidFill>
+              </a:rPr>
+              <a:t>Implementing a model that will help Banks to provide a better understanding about the customers and their status</a:t>
+            </a:r>
+          </a:p>
+          <a:p>
+            <a:pPr marL="342900" indent="-342900" algn="l">
+              <a:buFont typeface="Wingdings" panose="05000000000000000000" pitchFamily="2" charset="2"/>
+              <a:buChar char="Ø"/>
+            </a:pPr>
+            <a:r>
+              <a:rPr lang="en-US" sz="2400" dirty="0">
+                <a:solidFill>
+                  <a:schemeClr val="tx1"/>
+                </a:solidFill>
+              </a:rPr>
+              <a:t>Reducing the losses suffered by the banks by availing loans to </a:t>
+            </a:r>
+            <a:r>
+              <a:rPr lang="en-US" sz="2400">
+                <a:solidFill>
+                  <a:schemeClr val="tx1"/>
+                </a:solidFill>
+              </a:rPr>
+              <a:t>potential defaulters.</a:t>
+            </a:r>
+            <a:endParaRPr lang="en-US" sz="2400" dirty="0">
+              <a:solidFill>
+                <a:schemeClr val="tx1"/>
+              </a:solidFill>
+            </a:endParaRPr>
+          </a:p>
+          <a:p>
+            <a:pPr algn="l"/>
+            <a:endParaRPr lang="en-US" sz="2400" dirty="0">
+              <a:solidFill>
+                <a:srgbClr val="0055A0"/>
+              </a:solidFill>
+            </a:endParaRPr>
           </a:p>
           <a:p>
             <a:pPr marL="342900" indent="-342900" algn="l">
@@ -4856,6 +4984,300 @@
                                           <p:spTgt spid="30">
                                             <p:txEl>
                                               <p:pRg st="1" end="1"/>
+                                            </p:txEl>
+                                          </p:spTgt>
+                                        </p:tgtEl>
+                                        <p:attrNameLst>
+                                          <p:attrName>style.visibility</p:attrName>
+                                        </p:attrNameLst>
+                                      </p:cBhvr>
+                                      <p:to>
+                                        <p:strVal val="visible"/>
+                                      </p:to>
+                                    </p:set>
+                                  </p:childTnLst>
+                                </p:cTn>
+                              </p:par>
+                            </p:childTnLst>
+                          </p:cTn>
+                        </p:par>
+                      </p:childTnLst>
+                    </p:cTn>
+                  </p:par>
+                  <p:par>
+                    <p:cTn id="11" fill="hold">
+                      <p:stCondLst>
+                        <p:cond delay="indefinite"/>
+                      </p:stCondLst>
+                      <p:childTnLst>
+                        <p:par>
+                          <p:cTn id="12" fill="hold">
+                            <p:stCondLst>
+                              <p:cond delay="0"/>
+                            </p:stCondLst>
+                            <p:childTnLst>
+                              <p:par>
+                                <p:cTn id="13" presetID="1" presetClass="entr" presetSubtype="0" fill="hold" nodeType="clickEffect">
+                                  <p:stCondLst>
+                                    <p:cond delay="0"/>
+                                  </p:stCondLst>
+                                  <p:childTnLst>
+                                    <p:set>
+                                      <p:cBhvr>
+                                        <p:cTn id="14" dur="1" fill="hold">
+                                          <p:stCondLst>
+                                            <p:cond delay="0"/>
+                                          </p:stCondLst>
+                                        </p:cTn>
+                                        <p:tgtEl>
+                                          <p:spTgt spid="30">
+                                            <p:txEl>
+                                              <p:pRg st="2" end="2"/>
+                                            </p:txEl>
+                                          </p:spTgt>
+                                        </p:tgtEl>
+                                        <p:attrNameLst>
+                                          <p:attrName>style.visibility</p:attrName>
+                                        </p:attrNameLst>
+                                      </p:cBhvr>
+                                      <p:to>
+                                        <p:strVal val="visible"/>
+                                      </p:to>
+                                    </p:set>
+                                  </p:childTnLst>
+                                </p:cTn>
+                              </p:par>
+                            </p:childTnLst>
+                          </p:cTn>
+                        </p:par>
+                      </p:childTnLst>
+                    </p:cTn>
+                  </p:par>
+                  <p:par>
+                    <p:cTn id="15" fill="hold">
+                      <p:stCondLst>
+                        <p:cond delay="indefinite"/>
+                      </p:stCondLst>
+                      <p:childTnLst>
+                        <p:par>
+                          <p:cTn id="16" fill="hold">
+                            <p:stCondLst>
+                              <p:cond delay="0"/>
+                            </p:stCondLst>
+                            <p:childTnLst>
+                              <p:par>
+                                <p:cTn id="17" presetID="1" presetClass="entr" presetSubtype="0" fill="hold" nodeType="clickEffect">
+                                  <p:stCondLst>
+                                    <p:cond delay="0"/>
+                                  </p:stCondLst>
+                                  <p:childTnLst>
+                                    <p:set>
+                                      <p:cBhvr>
+                                        <p:cTn id="18" dur="1" fill="hold">
+                                          <p:stCondLst>
+                                            <p:cond delay="0"/>
+                                          </p:stCondLst>
+                                        </p:cTn>
+                                        <p:tgtEl>
+                                          <p:spTgt spid="30">
+                                            <p:txEl>
+                                              <p:pRg st="3" end="3"/>
+                                            </p:txEl>
+                                          </p:spTgt>
+                                        </p:tgtEl>
+                                        <p:attrNameLst>
+                                          <p:attrName>style.visibility</p:attrName>
+                                        </p:attrNameLst>
+                                      </p:cBhvr>
+                                      <p:to>
+                                        <p:strVal val="visible"/>
+                                      </p:to>
+                                    </p:set>
+                                  </p:childTnLst>
+                                </p:cTn>
+                              </p:par>
+                            </p:childTnLst>
+                          </p:cTn>
+                        </p:par>
+                      </p:childTnLst>
+                    </p:cTn>
+                  </p:par>
+                  <p:par>
+                    <p:cTn id="19" fill="hold">
+                      <p:stCondLst>
+                        <p:cond delay="indefinite"/>
+                      </p:stCondLst>
+                      <p:childTnLst>
+                        <p:par>
+                          <p:cTn id="20" fill="hold">
+                            <p:stCondLst>
+                              <p:cond delay="0"/>
+                            </p:stCondLst>
+                            <p:childTnLst>
+                              <p:par>
+                                <p:cTn id="21" presetID="1" presetClass="entr" presetSubtype="0" fill="hold" nodeType="clickEffect">
+                                  <p:stCondLst>
+                                    <p:cond delay="0"/>
+                                  </p:stCondLst>
+                                  <p:childTnLst>
+                                    <p:set>
+                                      <p:cBhvr>
+                                        <p:cTn id="22" dur="1" fill="hold">
+                                          <p:stCondLst>
+                                            <p:cond delay="0"/>
+                                          </p:stCondLst>
+                                        </p:cTn>
+                                        <p:tgtEl>
+                                          <p:spTgt spid="30">
+                                            <p:txEl>
+                                              <p:pRg st="4" end="4"/>
+                                            </p:txEl>
+                                          </p:spTgt>
+                                        </p:tgtEl>
+                                        <p:attrNameLst>
+                                          <p:attrName>style.visibility</p:attrName>
+                                        </p:attrNameLst>
+                                      </p:cBhvr>
+                                      <p:to>
+                                        <p:strVal val="visible"/>
+                                      </p:to>
+                                    </p:set>
+                                  </p:childTnLst>
+                                </p:cTn>
+                              </p:par>
+                            </p:childTnLst>
+                          </p:cTn>
+                        </p:par>
+                      </p:childTnLst>
+                    </p:cTn>
+                  </p:par>
+                  <p:par>
+                    <p:cTn id="23" fill="hold">
+                      <p:stCondLst>
+                        <p:cond delay="indefinite"/>
+                      </p:stCondLst>
+                      <p:childTnLst>
+                        <p:par>
+                          <p:cTn id="24" fill="hold">
+                            <p:stCondLst>
+                              <p:cond delay="0"/>
+                            </p:stCondLst>
+                            <p:childTnLst>
+                              <p:par>
+                                <p:cTn id="25" presetID="1" presetClass="entr" presetSubtype="0" fill="hold" nodeType="clickEffect">
+                                  <p:stCondLst>
+                                    <p:cond delay="0"/>
+                                  </p:stCondLst>
+                                  <p:childTnLst>
+                                    <p:set>
+                                      <p:cBhvr>
+                                        <p:cTn id="26" dur="1" fill="hold">
+                                          <p:stCondLst>
+                                            <p:cond delay="0"/>
+                                          </p:stCondLst>
+                                        </p:cTn>
+                                        <p:tgtEl>
+                                          <p:spTgt spid="30">
+                                            <p:txEl>
+                                              <p:pRg st="6" end="6"/>
+                                            </p:txEl>
+                                          </p:spTgt>
+                                        </p:tgtEl>
+                                        <p:attrNameLst>
+                                          <p:attrName>style.visibility</p:attrName>
+                                        </p:attrNameLst>
+                                      </p:cBhvr>
+                                      <p:to>
+                                        <p:strVal val="visible"/>
+                                      </p:to>
+                                    </p:set>
+                                  </p:childTnLst>
+                                </p:cTn>
+                              </p:par>
+                            </p:childTnLst>
+                          </p:cTn>
+                        </p:par>
+                      </p:childTnLst>
+                    </p:cTn>
+                  </p:par>
+                  <p:par>
+                    <p:cTn id="27" fill="hold">
+                      <p:stCondLst>
+                        <p:cond delay="indefinite"/>
+                      </p:stCondLst>
+                      <p:childTnLst>
+                        <p:par>
+                          <p:cTn id="28" fill="hold">
+                            <p:stCondLst>
+                              <p:cond delay="0"/>
+                            </p:stCondLst>
+                            <p:childTnLst>
+                              <p:par>
+                                <p:cTn id="29" presetID="1" presetClass="entr" presetSubtype="0" fill="hold" nodeType="clickEffect">
+                                  <p:stCondLst>
+                                    <p:cond delay="0"/>
+                                  </p:stCondLst>
+                                  <p:childTnLst>
+                                    <p:set>
+                                      <p:cBhvr>
+                                        <p:cTn id="30" dur="1" fill="hold">
+                                          <p:stCondLst>
+                                            <p:cond delay="0"/>
+                                          </p:stCondLst>
+                                        </p:cTn>
+                                        <p:tgtEl>
+                                          <p:spTgt spid="30">
+                                            <p:txEl>
+                                              <p:pRg st="7" end="7"/>
+                                            </p:txEl>
+                                          </p:spTgt>
+                                        </p:tgtEl>
+                                        <p:attrNameLst>
+                                          <p:attrName>style.visibility</p:attrName>
+                                        </p:attrNameLst>
+                                      </p:cBhvr>
+                                      <p:to>
+                                        <p:strVal val="visible"/>
+                                      </p:to>
+                                    </p:set>
+                                  </p:childTnLst>
+                                </p:cTn>
+                              </p:par>
+                            </p:childTnLst>
+                          </p:cTn>
+                        </p:par>
+                      </p:childTnLst>
+                    </p:cTn>
+                  </p:par>
+                  <p:par>
+                    <p:cTn id="31" fill="hold">
+                      <p:stCondLst>
+                        <p:cond delay="indefinite"/>
+                      </p:stCondLst>
+                      <p:childTnLst>
+                        <p:par>
+                          <p:cTn id="32" fill="hold">
+                            <p:stCondLst>
+                              <p:cond delay="0"/>
+                            </p:stCondLst>
+                            <p:childTnLst>
+                              <p:par>
+                                <p:cTn id="33" presetID="1" presetClass="entr" presetSubtype="0" fill="hold" nodeType="clickEffect">
+                                  <p:stCondLst>
+                                    <p:cond delay="0"/>
+                                  </p:stCondLst>
+                                  <p:childTnLst>
+                                    <p:set>
+                                      <p:cBhvr>
+                                        <p:cTn id="34" dur="1" fill="hold">
+                                          <p:stCondLst>
+                                            <p:cond delay="0"/>
+                                          </p:stCondLst>
+                                        </p:cTn>
+                                        <p:tgtEl>
+                                          <p:spTgt spid="30">
+                                            <p:txEl>
+                                              <p:pRg st="8" end="8"/>
                                             </p:txEl>
                                           </p:spTgt>
                                         </p:tgtEl>

--- a/Pravin Kumar/Vehicle Loan Default Prediction.pptx
+++ b/Pravin Kumar/Vehicle Loan Default Prediction.pptx
@@ -4531,7 +4531,7 @@
         </p:spPr>
         <p:txBody>
           <a:bodyPr vert="horz" lIns="91440" tIns="45720" rIns="91440" bIns="45720" rtlCol="0">
-            <a:normAutofit fontScale="92500" lnSpcReduction="20000"/>
+            <a:normAutofit fontScale="92500" lnSpcReduction="10000"/>
           </a:bodyPr>
           <a:lstStyle>
             <a:lvl1pPr marL="0" indent="0" algn="ctr" defTabSz="914400" rtl="0" eaLnBrk="1" latinLnBrk="0" hangingPunct="1">
@@ -4690,22 +4690,8 @@
           </a:lstStyle>
           <a:p>
             <a:pPr marL="342900" indent="-342900" algn="l">
-              <a:buFont typeface="Wingdings" panose="05000000000000000000" pitchFamily="2" charset="2"/>
-              <a:buChar char="Ø"/>
-            </a:pPr>
-            <a:r>
-              <a:rPr lang="en-IN" sz="2400" dirty="0">
-                <a:solidFill>
-                  <a:schemeClr val="tx1"/>
-                </a:solidFill>
-              </a:rPr>
-              <a:t>The objective of this project is to predict whether the customer will default their ﬁrst EMI on the Vehicle Loan on due date or not .</a:t>
-            </a:r>
-          </a:p>
-          <a:p>
-            <a:pPr marL="342900" indent="-342900" algn="l">
-              <a:buFont typeface="Wingdings" panose="05000000000000000000" pitchFamily="2" charset="2"/>
-              <a:buChar char="Ø"/>
+              <a:buFont typeface="Arial" panose="020B0604020202020204" pitchFamily="34" charset="0"/>
+              <a:buChar char="•"/>
             </a:pPr>
             <a:r>
               <a:rPr lang="en-IN" sz="2400" dirty="0">
@@ -4771,8 +4757,8 @@
           </a:p>
           <a:p>
             <a:pPr marL="342900" indent="-342900" algn="l">
-              <a:buFont typeface="Wingdings" panose="05000000000000000000" pitchFamily="2" charset="2"/>
-              <a:buChar char="Ø"/>
+              <a:buFont typeface="Arial" panose="020B0604020202020204" pitchFamily="34" charset="0"/>
+              <a:buChar char="•"/>
             </a:pPr>
             <a:r>
               <a:rPr lang="en-US" sz="2400" dirty="0">
@@ -4785,8 +4771,8 @@
           </a:p>
           <a:p>
             <a:pPr marL="342900" indent="-342900" algn="l">
-              <a:buFont typeface="Wingdings" panose="05000000000000000000" pitchFamily="2" charset="2"/>
-              <a:buChar char="Ø"/>
+              <a:buFont typeface="Arial" panose="020B0604020202020204" pitchFamily="34" charset="0"/>
+              <a:buChar char="•"/>
             </a:pPr>
             <a:r>
               <a:rPr lang="en-US" sz="2400" dirty="0">
@@ -4799,8 +4785,8 @@
           </a:p>
           <a:p>
             <a:pPr marL="342900" indent="-342900" algn="l">
-              <a:buFont typeface="Wingdings" panose="05000000000000000000" pitchFamily="2" charset="2"/>
-              <a:buChar char="Ø"/>
+              <a:buFont typeface="Arial" panose="020B0604020202020204" pitchFamily="34" charset="0"/>
+              <a:buChar char="•"/>
             </a:pPr>
             <a:r>
               <a:rPr lang="en-US" sz="2400" dirty="0">
@@ -4808,21 +4794,8 @@
                   <a:schemeClr val="tx1"/>
                 </a:solidFill>
               </a:rPr>
-              <a:t>Reducing the losses suffered by the banks by availing loans to </a:t>
-            </a:r>
-            <a:r>
-              <a:rPr lang="en-US" sz="2400">
-                <a:solidFill>
-                  <a:schemeClr val="tx1"/>
-                </a:solidFill>
-              </a:rPr>
-              <a:t>potential defaulters.</a:t>
-            </a:r>
-            <a:endParaRPr lang="en-US" sz="2400" dirty="0">
-              <a:solidFill>
-                <a:schemeClr val="tx1"/>
-              </a:solidFill>
-            </a:endParaRPr>
+              <a:t>Reducing the losses suffered by the banks by availing loans to potential defaulters.</a:t>
+            </a:r>
           </a:p>
           <a:p>
             <a:pPr algn="l"/>
@@ -5130,7 +5103,7 @@
                                         <p:tgtEl>
                                           <p:spTgt spid="30">
                                             <p:txEl>
-                                              <p:pRg st="4" end="4"/>
+                                              <p:pRg st="5" end="5"/>
                                             </p:txEl>
                                           </p:spTgt>
                                         </p:tgtEl>
@@ -5229,55 +5202,6 @@
                                           <p:spTgt spid="30">
                                             <p:txEl>
                                               <p:pRg st="7" end="7"/>
-                                            </p:txEl>
-                                          </p:spTgt>
-                                        </p:tgtEl>
-                                        <p:attrNameLst>
-                                          <p:attrName>style.visibility</p:attrName>
-                                        </p:attrNameLst>
-                                      </p:cBhvr>
-                                      <p:to>
-                                        <p:strVal val="visible"/>
-                                      </p:to>
-                                    </p:set>
-                                  </p:childTnLst>
-                                </p:cTn>
-                              </p:par>
-                            </p:childTnLst>
-                          </p:cTn>
-                        </p:par>
-                      </p:childTnLst>
-                    </p:cTn>
-                  </p:par>
-                  <p:par>
-                    <p:cTn id="31" fill="hold">
-                      <p:stCondLst>
-                        <p:cond delay="indefinite"/>
-                      </p:stCondLst>
-                      <p:childTnLst>
-                        <p:par>
-                          <p:cTn id="32" fill="hold">
-                            <p:stCondLst>
-                              <p:cond delay="0"/>
-                            </p:stCondLst>
-                            <p:childTnLst>
-                              <p:par>
-                                <p:cTn id="33" presetID="1" presetClass="entr" presetSubtype="0" fill="hold" nodeType="clickEffect">
-                                  <p:stCondLst>
-                                    <p:cond delay="0"/>
-                                  </p:stCondLst>
-                                  <p:childTnLst>
-                                    <p:set>
-                                      <p:cBhvr>
-                                        <p:cTn id="34" dur="1" fill="hold">
-                                          <p:stCondLst>
-                                            <p:cond delay="0"/>
-                                          </p:stCondLst>
-                                        </p:cTn>
-                                        <p:tgtEl>
-                                          <p:spTgt spid="30">
-                                            <p:txEl>
-                                              <p:pRg st="8" end="8"/>
                                             </p:txEl>
                                           </p:spTgt>
                                         </p:tgtEl>

--- a/Pravin Kumar/Vehicle Loan Default Prediction.pptx
+++ b/Pravin Kumar/Vehicle Loan Default Prediction.pptx
@@ -5,7 +5,7 @@
     <p:sldMasterId id="2147483648" r:id="rId1"/>
   </p:sldMasterIdLst>
   <p:notesMasterIdLst>
-    <p:notesMasterId r:id="rId13"/>
+    <p:notesMasterId r:id="rId12"/>
   </p:notesMasterIdLst>
   <p:sldIdLst>
     <p:sldId id="328" r:id="rId2"/>
@@ -14,11 +14,10 @@
     <p:sldId id="330" r:id="rId5"/>
     <p:sldId id="333" r:id="rId6"/>
     <p:sldId id="331" r:id="rId7"/>
-    <p:sldId id="334" r:id="rId8"/>
-    <p:sldId id="335" r:id="rId9"/>
-    <p:sldId id="337" r:id="rId10"/>
-    <p:sldId id="336" r:id="rId11"/>
-    <p:sldId id="263" r:id="rId12"/>
+    <p:sldId id="335" r:id="rId8"/>
+    <p:sldId id="337" r:id="rId9"/>
+    <p:sldId id="336" r:id="rId10"/>
+    <p:sldId id="263" r:id="rId11"/>
   </p:sldIdLst>
   <p:sldSz cx="9144000" cy="6858000" type="screen4x3"/>
   <p:notesSz cx="6858000" cy="9144000"/>
@@ -3883,86 +3882,6 @@
 </file>
 
 <file path=ppt/slides/slide10.xml><?xml version="1.0" encoding="utf-8"?>
-<p:sld xmlns:a="http://schemas.openxmlformats.org/drawingml/2006/main" xmlns:r="http://schemas.openxmlformats.org/officeDocument/2006/relationships" xmlns:p="http://schemas.openxmlformats.org/presentationml/2006/main">
-  <p:cSld>
-    <p:spTree>
-      <p:nvGrpSpPr>
-        <p:cNvPr id="1" name=""/>
-        <p:cNvGrpSpPr/>
-        <p:nvPr/>
-      </p:nvGrpSpPr>
-      <p:grpSpPr>
-        <a:xfrm>
-          <a:off x="0" y="0"/>
-          <a:ext cx="0" cy="0"/>
-          <a:chOff x="0" y="0"/>
-          <a:chExt cx="0" cy="0"/>
-        </a:xfrm>
-      </p:grpSpPr>
-      <p:sp>
-        <p:nvSpPr>
-          <p:cNvPr id="2" name="Title 1">
-            <a:extLst>
-              <a:ext uri="{FF2B5EF4-FFF2-40B4-BE49-F238E27FC236}">
-                <a16:creationId xmlns:a16="http://schemas.microsoft.com/office/drawing/2014/main" id="{F6584AFD-6D6B-41BD-8AA7-E55CA8893D30}"/>
-              </a:ext>
-            </a:extLst>
-          </p:cNvPr>
-          <p:cNvSpPr>
-            <a:spLocks noGrp="1"/>
-          </p:cNvSpPr>
-          <p:nvPr>
-            <p:ph type="title"/>
-          </p:nvPr>
-        </p:nvSpPr>
-        <p:spPr/>
-        <p:txBody>
-          <a:bodyPr/>
-          <a:lstStyle/>
-          <a:p>
-            <a:endParaRPr lang="en-US"/>
-          </a:p>
-        </p:txBody>
-      </p:sp>
-      <p:sp>
-        <p:nvSpPr>
-          <p:cNvPr id="3" name="Content Placeholder 2">
-            <a:extLst>
-              <a:ext uri="{FF2B5EF4-FFF2-40B4-BE49-F238E27FC236}">
-                <a16:creationId xmlns:a16="http://schemas.microsoft.com/office/drawing/2014/main" id="{1DD175B5-E4E4-4BD1-8A11-20DED898F8EA}"/>
-              </a:ext>
-            </a:extLst>
-          </p:cNvPr>
-          <p:cNvSpPr>
-            <a:spLocks noGrp="1"/>
-          </p:cNvSpPr>
-          <p:nvPr>
-            <p:ph idx="1"/>
-          </p:nvPr>
-        </p:nvSpPr>
-        <p:spPr/>
-        <p:txBody>
-          <a:bodyPr/>
-          <a:lstStyle/>
-          <a:p>
-            <a:endParaRPr lang="en-US"/>
-          </a:p>
-        </p:txBody>
-      </p:sp>
-    </p:spTree>
-    <p:extLst>
-      <p:ext uri="{BB962C8B-B14F-4D97-AF65-F5344CB8AC3E}">
-        <p14:creationId xmlns:p14="http://schemas.microsoft.com/office/powerpoint/2010/main" val="1235205643"/>
-      </p:ext>
-    </p:extLst>
-  </p:cSld>
-  <p:clrMapOvr>
-    <a:masterClrMapping/>
-  </p:clrMapOvr>
-</p:sld>
-</file>
-
-<file path=ppt/slides/slide11.xml><?xml version="1.0" encoding="utf-8"?>
 <p:sld xmlns:a="http://schemas.openxmlformats.org/drawingml/2006/main" xmlns:r="http://schemas.openxmlformats.org/officeDocument/2006/relationships" xmlns:p="http://schemas.openxmlformats.org/presentationml/2006/main">
   <p:cSld>
     <p:spTree>
@@ -5921,130 +5840,11 @@
               <a:buFont typeface="Wingdings" panose="05000000000000000000" pitchFamily="2" charset="2"/>
               <a:buChar char="Ø"/>
             </a:pPr>
-            <a:r>
-              <a:rPr lang="en-IN" sz="2400" dirty="0">
-                <a:solidFill>
-                  <a:srgbClr val="0055A0"/>
-                </a:solidFill>
-              </a:rPr>
-              <a:t>Algorithms considered with pros and cons</a:t>
-            </a:r>
-          </a:p>
-          <a:p>
-            <a:pPr marL="342900" indent="-342900" algn="l">
-              <a:buFont typeface="Wingdings" panose="05000000000000000000" pitchFamily="2" charset="2"/>
-              <a:buChar char="Ø"/>
-            </a:pPr>
-            <a:r>
-              <a:rPr lang="en-IN" sz="2400" dirty="0">
-                <a:solidFill>
-                  <a:srgbClr val="0055A0"/>
-                </a:solidFill>
-              </a:rPr>
-              <a:t>Solution architecture (technical and functional)</a:t>
-            </a:r>
-          </a:p>
-          <a:p>
-            <a:pPr marL="342900" indent="-342900" algn="l">
-              <a:buFont typeface="Wingdings" panose="05000000000000000000" pitchFamily="2" charset="2"/>
-              <a:buChar char="Ø"/>
-            </a:pPr>
-            <a:r>
-              <a:rPr lang="en-IN" sz="2400" dirty="0">
-                <a:solidFill>
-                  <a:srgbClr val="0055A0"/>
-                </a:solidFill>
-              </a:rPr>
-              <a:t>Results</a:t>
-            </a:r>
-          </a:p>
-          <a:p>
-            <a:pPr marL="342900" indent="-342900" algn="l">
-              <a:buFont typeface="Wingdings" panose="05000000000000000000" pitchFamily="2" charset="2"/>
-              <a:buChar char="Ø"/>
-            </a:pPr>
-            <a:r>
-              <a:rPr lang="en-IN" sz="2400" dirty="0">
-                <a:solidFill>
-                  <a:srgbClr val="0055A0"/>
-                </a:solidFill>
-              </a:rPr>
-              <a:t>How to take to production</a:t>
-            </a:r>
-          </a:p>
-          <a:p>
-            <a:pPr marL="342900" indent="-342900" algn="l">
-              <a:buFont typeface="Wingdings" panose="05000000000000000000" pitchFamily="2" charset="2"/>
-              <a:buChar char="Ø"/>
-            </a:pPr>
-            <a:r>
-              <a:rPr lang="en-IN" sz="2400" dirty="0">
-                <a:solidFill>
-                  <a:srgbClr val="0055A0"/>
-                </a:solidFill>
-              </a:rPr>
-              <a:t>Any follow-up protentional capstone project problems</a:t>
-            </a:r>
-          </a:p>
-          <a:p>
-            <a:pPr marL="342900" indent="-342900" algn="l">
-              <a:buFont typeface="Wingdings" panose="05000000000000000000" pitchFamily="2" charset="2"/>
-              <a:buChar char="Ø"/>
-            </a:pPr>
-            <a:r>
-              <a:rPr lang="en-IN" sz="2400" dirty="0">
-                <a:solidFill>
-                  <a:srgbClr val="0055A0"/>
-                </a:solidFill>
-              </a:rPr>
-              <a:t>Conclusions</a:t>
-            </a:r>
-          </a:p>
-          <a:p>
-            <a:pPr marL="342900" indent="-342900" algn="l">
-              <a:buFont typeface="Wingdings" panose="05000000000000000000" pitchFamily="2" charset="2"/>
-              <a:buChar char="Ø"/>
-            </a:pPr>
-            <a:r>
-              <a:rPr lang="en-IN" sz="2400" dirty="0">
-                <a:solidFill>
-                  <a:srgbClr val="0055A0"/>
-                </a:solidFill>
-              </a:rPr>
-              <a:t>Tentative time: 6 to 10 minutes</a:t>
-            </a:r>
-          </a:p>
-        </p:txBody>
-      </p:sp>
-      <p:sp>
-        <p:nvSpPr>
-          <p:cNvPr id="6" name="TextBox 5"/>
-          <p:cNvSpPr txBox="1"/>
-          <p:nvPr/>
-        </p:nvSpPr>
-        <p:spPr>
-          <a:xfrm>
-            <a:off x="454231" y="54114"/>
-            <a:ext cx="8537369" cy="707886"/>
-          </a:xfrm>
-          <a:prstGeom prst="rect">
-            <a:avLst/>
-          </a:prstGeom>
-          <a:noFill/>
-        </p:spPr>
-        <p:txBody>
-          <a:bodyPr wrap="square" rtlCol="0">
-            <a:spAutoFit/>
-          </a:bodyPr>
-          <a:lstStyle/>
-          <a:p>
-            <a:r>
-              <a:rPr lang="en-US" sz="4000">
-                <a:ea typeface="굴림" panose="020B0600000101010101" pitchFamily="34" charset="-127"/>
-              </a:rPr>
-              <a:t>Algorithms, Solution and Conclusions</a:t>
-            </a:r>
-            <a:endParaRPr lang="en-US" sz="4000" b="1" dirty="0"/>
+            <a:endParaRPr lang="en-IN" sz="2400" dirty="0">
+              <a:solidFill>
+                <a:srgbClr val="0055A0"/>
+              </a:solidFill>
+            </a:endParaRPr>
           </a:p>
         </p:txBody>
       </p:sp>
@@ -6079,10 +5879,15 @@
                             </p:stCondLst>
                             <p:childTnLst>
                               <p:par>
-                                <p:cTn id="5" presetID="1" presetClass="entr" presetSubtype="0" fill="hold" nodeType="clickEffect">
+                                <p:cTn id="5" presetID="1" presetClass="entr" presetSubtype="0" fill="hold" nodeType="clickEffect" nodePh="1">
                                   <p:stCondLst>
                                     <p:cond delay="0"/>
                                   </p:stCondLst>
+                                  <p:endCondLst>
+                                    <p:cond evt="begin" delay="0">
+                                      <p:tn val="5"/>
+                                    </p:cond>
+                                  </p:endCondLst>
                                   <p:childTnLst>
                                     <p:set>
                                       <p:cBhvr>
@@ -6095,300 +5900,6 @@
                                           <p:spTgt spid="30">
                                             <p:txEl>
                                               <p:pRg st="0" end="0"/>
-                                            </p:txEl>
-                                          </p:spTgt>
-                                        </p:tgtEl>
-                                        <p:attrNameLst>
-                                          <p:attrName>style.visibility</p:attrName>
-                                        </p:attrNameLst>
-                                      </p:cBhvr>
-                                      <p:to>
-                                        <p:strVal val="visible"/>
-                                      </p:to>
-                                    </p:set>
-                                  </p:childTnLst>
-                                </p:cTn>
-                              </p:par>
-                            </p:childTnLst>
-                          </p:cTn>
-                        </p:par>
-                      </p:childTnLst>
-                    </p:cTn>
-                  </p:par>
-                  <p:par>
-                    <p:cTn id="7" fill="hold">
-                      <p:stCondLst>
-                        <p:cond delay="indefinite"/>
-                      </p:stCondLst>
-                      <p:childTnLst>
-                        <p:par>
-                          <p:cTn id="8" fill="hold">
-                            <p:stCondLst>
-                              <p:cond delay="0"/>
-                            </p:stCondLst>
-                            <p:childTnLst>
-                              <p:par>
-                                <p:cTn id="9" presetID="1" presetClass="entr" presetSubtype="0" fill="hold" nodeType="clickEffect">
-                                  <p:stCondLst>
-                                    <p:cond delay="0"/>
-                                  </p:stCondLst>
-                                  <p:childTnLst>
-                                    <p:set>
-                                      <p:cBhvr>
-                                        <p:cTn id="10" dur="1" fill="hold">
-                                          <p:stCondLst>
-                                            <p:cond delay="0"/>
-                                          </p:stCondLst>
-                                        </p:cTn>
-                                        <p:tgtEl>
-                                          <p:spTgt spid="30">
-                                            <p:txEl>
-                                              <p:pRg st="1" end="1"/>
-                                            </p:txEl>
-                                          </p:spTgt>
-                                        </p:tgtEl>
-                                        <p:attrNameLst>
-                                          <p:attrName>style.visibility</p:attrName>
-                                        </p:attrNameLst>
-                                      </p:cBhvr>
-                                      <p:to>
-                                        <p:strVal val="visible"/>
-                                      </p:to>
-                                    </p:set>
-                                  </p:childTnLst>
-                                </p:cTn>
-                              </p:par>
-                            </p:childTnLst>
-                          </p:cTn>
-                        </p:par>
-                      </p:childTnLst>
-                    </p:cTn>
-                  </p:par>
-                  <p:par>
-                    <p:cTn id="11" fill="hold">
-                      <p:stCondLst>
-                        <p:cond delay="indefinite"/>
-                      </p:stCondLst>
-                      <p:childTnLst>
-                        <p:par>
-                          <p:cTn id="12" fill="hold">
-                            <p:stCondLst>
-                              <p:cond delay="0"/>
-                            </p:stCondLst>
-                            <p:childTnLst>
-                              <p:par>
-                                <p:cTn id="13" presetID="1" presetClass="entr" presetSubtype="0" fill="hold" nodeType="clickEffect">
-                                  <p:stCondLst>
-                                    <p:cond delay="0"/>
-                                  </p:stCondLst>
-                                  <p:childTnLst>
-                                    <p:set>
-                                      <p:cBhvr>
-                                        <p:cTn id="14" dur="1" fill="hold">
-                                          <p:stCondLst>
-                                            <p:cond delay="0"/>
-                                          </p:stCondLst>
-                                        </p:cTn>
-                                        <p:tgtEl>
-                                          <p:spTgt spid="30">
-                                            <p:txEl>
-                                              <p:pRg st="2" end="2"/>
-                                            </p:txEl>
-                                          </p:spTgt>
-                                        </p:tgtEl>
-                                        <p:attrNameLst>
-                                          <p:attrName>style.visibility</p:attrName>
-                                        </p:attrNameLst>
-                                      </p:cBhvr>
-                                      <p:to>
-                                        <p:strVal val="visible"/>
-                                      </p:to>
-                                    </p:set>
-                                  </p:childTnLst>
-                                </p:cTn>
-                              </p:par>
-                            </p:childTnLst>
-                          </p:cTn>
-                        </p:par>
-                      </p:childTnLst>
-                    </p:cTn>
-                  </p:par>
-                  <p:par>
-                    <p:cTn id="15" fill="hold">
-                      <p:stCondLst>
-                        <p:cond delay="indefinite"/>
-                      </p:stCondLst>
-                      <p:childTnLst>
-                        <p:par>
-                          <p:cTn id="16" fill="hold">
-                            <p:stCondLst>
-                              <p:cond delay="0"/>
-                            </p:stCondLst>
-                            <p:childTnLst>
-                              <p:par>
-                                <p:cTn id="17" presetID="1" presetClass="entr" presetSubtype="0" fill="hold" nodeType="clickEffect">
-                                  <p:stCondLst>
-                                    <p:cond delay="0"/>
-                                  </p:stCondLst>
-                                  <p:childTnLst>
-                                    <p:set>
-                                      <p:cBhvr>
-                                        <p:cTn id="18" dur="1" fill="hold">
-                                          <p:stCondLst>
-                                            <p:cond delay="0"/>
-                                          </p:stCondLst>
-                                        </p:cTn>
-                                        <p:tgtEl>
-                                          <p:spTgt spid="30">
-                                            <p:txEl>
-                                              <p:pRg st="3" end="3"/>
-                                            </p:txEl>
-                                          </p:spTgt>
-                                        </p:tgtEl>
-                                        <p:attrNameLst>
-                                          <p:attrName>style.visibility</p:attrName>
-                                        </p:attrNameLst>
-                                      </p:cBhvr>
-                                      <p:to>
-                                        <p:strVal val="visible"/>
-                                      </p:to>
-                                    </p:set>
-                                  </p:childTnLst>
-                                </p:cTn>
-                              </p:par>
-                            </p:childTnLst>
-                          </p:cTn>
-                        </p:par>
-                      </p:childTnLst>
-                    </p:cTn>
-                  </p:par>
-                  <p:par>
-                    <p:cTn id="19" fill="hold">
-                      <p:stCondLst>
-                        <p:cond delay="indefinite"/>
-                      </p:stCondLst>
-                      <p:childTnLst>
-                        <p:par>
-                          <p:cTn id="20" fill="hold">
-                            <p:stCondLst>
-                              <p:cond delay="0"/>
-                            </p:stCondLst>
-                            <p:childTnLst>
-                              <p:par>
-                                <p:cTn id="21" presetID="1" presetClass="entr" presetSubtype="0" fill="hold" nodeType="clickEffect">
-                                  <p:stCondLst>
-                                    <p:cond delay="0"/>
-                                  </p:stCondLst>
-                                  <p:childTnLst>
-                                    <p:set>
-                                      <p:cBhvr>
-                                        <p:cTn id="22" dur="1" fill="hold">
-                                          <p:stCondLst>
-                                            <p:cond delay="0"/>
-                                          </p:stCondLst>
-                                        </p:cTn>
-                                        <p:tgtEl>
-                                          <p:spTgt spid="30">
-                                            <p:txEl>
-                                              <p:pRg st="4" end="4"/>
-                                            </p:txEl>
-                                          </p:spTgt>
-                                        </p:tgtEl>
-                                        <p:attrNameLst>
-                                          <p:attrName>style.visibility</p:attrName>
-                                        </p:attrNameLst>
-                                      </p:cBhvr>
-                                      <p:to>
-                                        <p:strVal val="visible"/>
-                                      </p:to>
-                                    </p:set>
-                                  </p:childTnLst>
-                                </p:cTn>
-                              </p:par>
-                            </p:childTnLst>
-                          </p:cTn>
-                        </p:par>
-                      </p:childTnLst>
-                    </p:cTn>
-                  </p:par>
-                  <p:par>
-                    <p:cTn id="23" fill="hold">
-                      <p:stCondLst>
-                        <p:cond delay="indefinite"/>
-                      </p:stCondLst>
-                      <p:childTnLst>
-                        <p:par>
-                          <p:cTn id="24" fill="hold">
-                            <p:stCondLst>
-                              <p:cond delay="0"/>
-                            </p:stCondLst>
-                            <p:childTnLst>
-                              <p:par>
-                                <p:cTn id="25" presetID="1" presetClass="entr" presetSubtype="0" fill="hold" nodeType="clickEffect">
-                                  <p:stCondLst>
-                                    <p:cond delay="0"/>
-                                  </p:stCondLst>
-                                  <p:childTnLst>
-                                    <p:set>
-                                      <p:cBhvr>
-                                        <p:cTn id="26" dur="1" fill="hold">
-                                          <p:stCondLst>
-                                            <p:cond delay="0"/>
-                                          </p:stCondLst>
-                                        </p:cTn>
-                                        <p:tgtEl>
-                                          <p:spTgt spid="30">
-                                            <p:txEl>
-                                              <p:pRg st="5" end="5"/>
-                                            </p:txEl>
-                                          </p:spTgt>
-                                        </p:tgtEl>
-                                        <p:attrNameLst>
-                                          <p:attrName>style.visibility</p:attrName>
-                                        </p:attrNameLst>
-                                      </p:cBhvr>
-                                      <p:to>
-                                        <p:strVal val="visible"/>
-                                      </p:to>
-                                    </p:set>
-                                  </p:childTnLst>
-                                </p:cTn>
-                              </p:par>
-                            </p:childTnLst>
-                          </p:cTn>
-                        </p:par>
-                      </p:childTnLst>
-                    </p:cTn>
-                  </p:par>
-                  <p:par>
-                    <p:cTn id="27" fill="hold">
-                      <p:stCondLst>
-                        <p:cond delay="indefinite"/>
-                      </p:stCondLst>
-                      <p:childTnLst>
-                        <p:par>
-                          <p:cTn id="28" fill="hold">
-                            <p:stCondLst>
-                              <p:cond delay="0"/>
-                            </p:stCondLst>
-                            <p:childTnLst>
-                              <p:par>
-                                <p:cTn id="29" presetID="1" presetClass="entr" presetSubtype="0" fill="hold" nodeType="clickEffect">
-                                  <p:stCondLst>
-                                    <p:cond delay="0"/>
-                                  </p:stCondLst>
-                                  <p:childTnLst>
-                                    <p:set>
-                                      <p:cBhvr>
-                                        <p:cTn id="30" dur="1" fill="hold">
-                                          <p:stCondLst>
-                                            <p:cond delay="0"/>
-                                          </p:stCondLst>
-                                        </p:cTn>
-                                        <p:tgtEl>
-                                          <p:spTgt spid="30">
-                                            <p:txEl>
-                                              <p:pRg st="6" end="6"/>
                                             </p:txEl>
                                           </p:spTgt>
                                         </p:tgtEl>
@@ -6456,7 +5967,7 @@
           <p:cNvPr id="2" name="Title 1">
             <a:extLst>
               <a:ext uri="{FF2B5EF4-FFF2-40B4-BE49-F238E27FC236}">
-                <a16:creationId xmlns:a16="http://schemas.microsoft.com/office/drawing/2014/main" id="{EB10B0E3-1E86-4F05-BFFE-8F51202448A9}"/>
+                <a16:creationId xmlns:a16="http://schemas.microsoft.com/office/drawing/2014/main" id="{B6CDA166-D565-4795-B1AA-87976669D899}"/>
               </a:ext>
             </a:extLst>
           </p:cNvPr>
@@ -6467,44 +5978,422 @@
             <p:ph type="title"/>
           </p:nvPr>
         </p:nvSpPr>
-        <p:spPr/>
+        <p:spPr>
+          <a:xfrm>
+            <a:off x="457200" y="304800"/>
+            <a:ext cx="8229600" cy="1143000"/>
+          </a:xfrm>
+        </p:spPr>
         <p:txBody>
           <a:bodyPr/>
           <a:lstStyle/>
           <a:p>
-            <a:endParaRPr lang="en-US"/>
-          </a:p>
-        </p:txBody>
-      </p:sp>
-      <p:sp>
-        <p:nvSpPr>
-          <p:cNvPr id="3" name="Content Placeholder 2">
+            <a:r>
+              <a:rPr lang="en-US" dirty="0"/>
+              <a:t>Statistical significance of variables</a:t>
+            </a:r>
+          </a:p>
+        </p:txBody>
+      </p:sp>
+      <p:graphicFrame>
+        <p:nvGraphicFramePr>
+          <p:cNvPr id="4" name="Table 4">
             <a:extLst>
               <a:ext uri="{FF2B5EF4-FFF2-40B4-BE49-F238E27FC236}">
-                <a16:creationId xmlns:a16="http://schemas.microsoft.com/office/drawing/2014/main" id="{A293D2A9-1E06-4D1B-8150-7CF55B09A846}"/>
+                <a16:creationId xmlns:a16="http://schemas.microsoft.com/office/drawing/2014/main" id="{C31553A5-5FEC-47AD-B734-E5F229DAE130}"/>
               </a:ext>
             </a:extLst>
           </p:cNvPr>
-          <p:cNvSpPr>
-            <a:spLocks noGrp="1"/>
-          </p:cNvSpPr>
+          <p:cNvGraphicFramePr>
+            <a:graphicFrameLocks noGrp="1"/>
+          </p:cNvGraphicFramePr>
           <p:nvPr>
             <p:ph idx="1"/>
-          </p:nvPr>
-        </p:nvSpPr>
-        <p:spPr/>
-        <p:txBody>
-          <a:bodyPr/>
-          <a:lstStyle/>
-          <a:p>
-            <a:endParaRPr lang="en-US"/>
-          </a:p>
-        </p:txBody>
-      </p:sp>
+            <p:extLst>
+              <p:ext uri="{D42A27DB-BD31-4B8C-83A1-F6EECF244321}">
+                <p14:modId xmlns:p14="http://schemas.microsoft.com/office/powerpoint/2010/main" val="85047958"/>
+              </p:ext>
+            </p:extLst>
+          </p:nvPr>
+        </p:nvGraphicFramePr>
+        <p:xfrm>
+          <a:off x="457200" y="1600200"/>
+          <a:ext cx="8229600" cy="4572000"/>
+        </p:xfrm>
+        <a:graphic>
+          <a:graphicData uri="http://schemas.openxmlformats.org/drawingml/2006/table">
+            <a:tbl>
+              <a:tblPr firstRow="1" bandRow="1">
+                <a:tableStyleId>{5C22544A-7EE6-4342-B048-85BDC9FD1C3A}</a:tableStyleId>
+              </a:tblPr>
+              <a:tblGrid>
+                <a:gridCol w="4114800">
+                  <a:extLst>
+                    <a:ext uri="{9D8B030D-6E8A-4147-A177-3AD203B41FA5}">
+                      <a16:colId xmlns:a16="http://schemas.microsoft.com/office/drawing/2014/main" val="3658138492"/>
+                    </a:ext>
+                  </a:extLst>
+                </a:gridCol>
+                <a:gridCol w="4114800">
+                  <a:extLst>
+                    <a:ext uri="{9D8B030D-6E8A-4147-A177-3AD203B41FA5}">
+                      <a16:colId xmlns:a16="http://schemas.microsoft.com/office/drawing/2014/main" val="3593707040"/>
+                    </a:ext>
+                  </a:extLst>
+                </a:gridCol>
+              </a:tblGrid>
+              <a:tr h="370840">
+                <a:tc>
+                  <a:txBody>
+                    <a:bodyPr/>
+                    <a:lstStyle/>
+                    <a:p>
+                      <a:r>
+                        <a:rPr lang="en-IN" sz="2400" dirty="0"/>
+                        <a:t>Numerical</a:t>
+                      </a:r>
+                    </a:p>
+                  </a:txBody>
+                  <a:tcPr/>
+                </a:tc>
+                <a:tc>
+                  <a:txBody>
+                    <a:bodyPr/>
+                    <a:lstStyle/>
+                    <a:p>
+                      <a:r>
+                        <a:rPr lang="en-IN" sz="2400" dirty="0"/>
+                        <a:t>Categorical</a:t>
+                      </a:r>
+                    </a:p>
+                  </a:txBody>
+                  <a:tcPr/>
+                </a:tc>
+                <a:extLst>
+                  <a:ext uri="{0D108BD9-81ED-4DB2-BD59-A6C34878D82A}">
+                    <a16:rowId xmlns:a16="http://schemas.microsoft.com/office/drawing/2014/main" val="160021087"/>
+                  </a:ext>
+                </a:extLst>
+              </a:tr>
+              <a:tr h="370840">
+                <a:tc>
+                  <a:txBody>
+                    <a:bodyPr/>
+                    <a:lstStyle/>
+                    <a:p>
+                      <a:r>
+                        <a:rPr lang="en-IN" sz="2400" dirty="0"/>
+                        <a:t>Disbursed amount</a:t>
+                      </a:r>
+                    </a:p>
+                  </a:txBody>
+                  <a:tcPr/>
+                </a:tc>
+                <a:tc>
+                  <a:txBody>
+                    <a:bodyPr/>
+                    <a:lstStyle/>
+                    <a:p>
+                      <a:r>
+                        <a:rPr lang="en-IN" sz="2400" dirty="0"/>
+                        <a:t>No. of accounts</a:t>
+                      </a:r>
+                    </a:p>
+                  </a:txBody>
+                  <a:tcPr/>
+                </a:tc>
+                <a:extLst>
+                  <a:ext uri="{0D108BD9-81ED-4DB2-BD59-A6C34878D82A}">
+                    <a16:rowId xmlns:a16="http://schemas.microsoft.com/office/drawing/2014/main" val="323034610"/>
+                  </a:ext>
+                </a:extLst>
+              </a:tr>
+              <a:tr h="370840">
+                <a:tc>
+                  <a:txBody>
+                    <a:bodyPr/>
+                    <a:lstStyle/>
+                    <a:p>
+                      <a:r>
+                        <a:rPr lang="en-IN" sz="2400" dirty="0"/>
+                        <a:t>Asset cost</a:t>
+                      </a:r>
+                    </a:p>
+                  </a:txBody>
+                  <a:tcPr/>
+                </a:tc>
+                <a:tc>
+                  <a:txBody>
+                    <a:bodyPr/>
+                    <a:lstStyle/>
+                    <a:p>
+                      <a:r>
+                        <a:rPr lang="en-IN" sz="2400" dirty="0"/>
+                        <a:t>Active accounts</a:t>
+                      </a:r>
+                    </a:p>
+                  </a:txBody>
+                  <a:tcPr/>
+                </a:tc>
+                <a:extLst>
+                  <a:ext uri="{0D108BD9-81ED-4DB2-BD59-A6C34878D82A}">
+                    <a16:rowId xmlns:a16="http://schemas.microsoft.com/office/drawing/2014/main" val="2332941236"/>
+                  </a:ext>
+                </a:extLst>
+              </a:tr>
+              <a:tr h="370840">
+                <a:tc>
+                  <a:txBody>
+                    <a:bodyPr/>
+                    <a:lstStyle/>
+                    <a:p>
+                      <a:r>
+                        <a:rPr lang="en-IN" sz="2400" dirty="0"/>
+                        <a:t>loan-to-value ratio</a:t>
+                      </a:r>
+                    </a:p>
+                  </a:txBody>
+                  <a:tcPr/>
+                </a:tc>
+                <a:tc>
+                  <a:txBody>
+                    <a:bodyPr/>
+                    <a:lstStyle/>
+                    <a:p>
+                      <a:r>
+                        <a:rPr lang="en-IN" sz="2400" dirty="0"/>
+                        <a:t>Overdue accounts</a:t>
+                      </a:r>
+                    </a:p>
+                  </a:txBody>
+                  <a:tcPr/>
+                </a:tc>
+                <a:extLst>
+                  <a:ext uri="{0D108BD9-81ED-4DB2-BD59-A6C34878D82A}">
+                    <a16:rowId xmlns:a16="http://schemas.microsoft.com/office/drawing/2014/main" val="2130091456"/>
+                  </a:ext>
+                </a:extLst>
+              </a:tr>
+              <a:tr h="370840">
+                <a:tc>
+                  <a:txBody>
+                    <a:bodyPr/>
+                    <a:lstStyle/>
+                    <a:p>
+                      <a:r>
+                        <a:rPr lang="en-IN" sz="2400" dirty="0"/>
+                        <a:t>current-balance</a:t>
+                      </a:r>
+                    </a:p>
+                  </a:txBody>
+                  <a:tcPr/>
+                </a:tc>
+                <a:tc>
+                  <a:txBody>
+                    <a:bodyPr/>
+                    <a:lstStyle/>
+                    <a:p>
+                      <a:r>
+                        <a:rPr lang="en-IN" sz="2400" dirty="0"/>
+                        <a:t>Primary current balance</a:t>
+                      </a:r>
+                    </a:p>
+                  </a:txBody>
+                  <a:tcPr/>
+                </a:tc>
+                <a:extLst>
+                  <a:ext uri="{0D108BD9-81ED-4DB2-BD59-A6C34878D82A}">
+                    <a16:rowId xmlns:a16="http://schemas.microsoft.com/office/drawing/2014/main" val="16964432"/>
+                  </a:ext>
+                </a:extLst>
+              </a:tr>
+              <a:tr h="370840">
+                <a:tc>
+                  <a:txBody>
+                    <a:bodyPr/>
+                    <a:lstStyle/>
+                    <a:p>
+                      <a:r>
+                        <a:rPr lang="en-IN" sz="2400" dirty="0" err="1"/>
+                        <a:t>installment</a:t>
+                      </a:r>
+                      <a:r>
+                        <a:rPr lang="en-IN" sz="2400" dirty="0"/>
+                        <a:t>-amount</a:t>
+                      </a:r>
+                    </a:p>
+                  </a:txBody>
+                  <a:tcPr/>
+                </a:tc>
+                <a:tc>
+                  <a:txBody>
+                    <a:bodyPr/>
+                    <a:lstStyle/>
+                    <a:p>
+                      <a:r>
+                        <a:rPr lang="en-IN" sz="2400" dirty="0"/>
+                        <a:t>New accounts in last 6 months</a:t>
+                      </a:r>
+                    </a:p>
+                  </a:txBody>
+                  <a:tcPr/>
+                </a:tc>
+                <a:extLst>
+                  <a:ext uri="{0D108BD9-81ED-4DB2-BD59-A6C34878D82A}">
+                    <a16:rowId xmlns:a16="http://schemas.microsoft.com/office/drawing/2014/main" val="3877611599"/>
+                  </a:ext>
+                </a:extLst>
+              </a:tr>
+              <a:tr h="370840">
+                <a:tc>
+                  <a:txBody>
+                    <a:bodyPr/>
+                    <a:lstStyle/>
+                    <a:p>
+                      <a:endParaRPr lang="en-IN" sz="2400"/>
+                    </a:p>
+                  </a:txBody>
+                  <a:tcPr/>
+                </a:tc>
+                <a:tc>
+                  <a:txBody>
+                    <a:bodyPr/>
+                    <a:lstStyle/>
+                    <a:p>
+                      <a:r>
+                        <a:rPr lang="en-IN" sz="2400" dirty="0"/>
+                        <a:t>No of inquiries</a:t>
+                      </a:r>
+                    </a:p>
+                  </a:txBody>
+                  <a:tcPr/>
+                </a:tc>
+                <a:extLst>
+                  <a:ext uri="{0D108BD9-81ED-4DB2-BD59-A6C34878D82A}">
+                    <a16:rowId xmlns:a16="http://schemas.microsoft.com/office/drawing/2014/main" val="2266630915"/>
+                  </a:ext>
+                </a:extLst>
+              </a:tr>
+              <a:tr h="370840">
+                <a:tc>
+                  <a:txBody>
+                    <a:bodyPr/>
+                    <a:lstStyle/>
+                    <a:p>
+                      <a:endParaRPr lang="en-IN" sz="2400" dirty="0"/>
+                    </a:p>
+                  </a:txBody>
+                  <a:tcPr/>
+                </a:tc>
+                <a:tc>
+                  <a:txBody>
+                    <a:bodyPr/>
+                    <a:lstStyle/>
+                    <a:p>
+                      <a:r>
+                        <a:rPr lang="en-IN" sz="2400" dirty="0" err="1"/>
+                        <a:t>Avg</a:t>
+                      </a:r>
+                      <a:r>
+                        <a:rPr lang="en-IN" sz="2400" dirty="0"/>
+                        <a:t> Loan tenure</a:t>
+                      </a:r>
+                    </a:p>
+                  </a:txBody>
+                  <a:tcPr/>
+                </a:tc>
+                <a:extLst>
+                  <a:ext uri="{0D108BD9-81ED-4DB2-BD59-A6C34878D82A}">
+                    <a16:rowId xmlns:a16="http://schemas.microsoft.com/office/drawing/2014/main" val="1936936436"/>
+                  </a:ext>
+                </a:extLst>
+              </a:tr>
+              <a:tr h="370840">
+                <a:tc>
+                  <a:txBody>
+                    <a:bodyPr/>
+                    <a:lstStyle/>
+                    <a:p>
+                      <a:endParaRPr lang="en-IN" sz="2400"/>
+                    </a:p>
+                  </a:txBody>
+                  <a:tcPr/>
+                </a:tc>
+                <a:tc>
+                  <a:txBody>
+                    <a:bodyPr/>
+                    <a:lstStyle/>
+                    <a:p>
+                      <a:r>
+                        <a:rPr lang="en-IN" sz="2400" dirty="0"/>
+                        <a:t>Time_since_1st_loan</a:t>
+                      </a:r>
+                    </a:p>
+                  </a:txBody>
+                  <a:tcPr/>
+                </a:tc>
+                <a:extLst>
+                  <a:ext uri="{0D108BD9-81ED-4DB2-BD59-A6C34878D82A}">
+                    <a16:rowId xmlns:a16="http://schemas.microsoft.com/office/drawing/2014/main" val="3429131410"/>
+                  </a:ext>
+                </a:extLst>
+              </a:tr>
+              <a:tr h="370840">
+                <a:tc>
+                  <a:txBody>
+                    <a:bodyPr/>
+                    <a:lstStyle/>
+                    <a:p>
+                      <a:endParaRPr lang="en-IN" sz="2400"/>
+                    </a:p>
+                  </a:txBody>
+                  <a:tcPr/>
+                </a:tc>
+                <a:tc>
+                  <a:txBody>
+                    <a:bodyPr/>
+                    <a:lstStyle/>
+                    <a:p>
+                      <a:pPr marL="0" marR="0" lvl="0" indent="0" algn="l" defTabSz="914400" rtl="0" eaLnBrk="1" fontAlgn="auto" latinLnBrk="0" hangingPunct="1">
+                        <a:lnSpc>
+                          <a:spcPct val="100000"/>
+                        </a:lnSpc>
+                        <a:spcBef>
+                          <a:spcPts val="0"/>
+                        </a:spcBef>
+                        <a:spcAft>
+                          <a:spcPts val="0"/>
+                        </a:spcAft>
+                        <a:buClrTx/>
+                        <a:buSzTx/>
+                        <a:buFontTx/>
+                        <a:buNone/>
+                        <a:tabLst/>
+                        <a:defRPr/>
+                      </a:pPr>
+                      <a:r>
+                        <a:rPr lang="en-IN" sz="2400" dirty="0" err="1"/>
+                        <a:t>Age_at_disbursal</a:t>
+                      </a:r>
+                      <a:endParaRPr lang="en-IN" sz="2400" dirty="0"/>
+                    </a:p>
+                  </a:txBody>
+                  <a:tcPr/>
+                </a:tc>
+                <a:extLst>
+                  <a:ext uri="{0D108BD9-81ED-4DB2-BD59-A6C34878D82A}">
+                    <a16:rowId xmlns:a16="http://schemas.microsoft.com/office/drawing/2014/main" val="2041702499"/>
+                  </a:ext>
+                </a:extLst>
+              </a:tr>
+            </a:tbl>
+          </a:graphicData>
+        </a:graphic>
+      </p:graphicFrame>
     </p:spTree>
     <p:extLst>
       <p:ext uri="{BB962C8B-B14F-4D97-AF65-F5344CB8AC3E}">
-        <p14:creationId xmlns:p14="http://schemas.microsoft.com/office/powerpoint/2010/main" val="942022588"/>
+        <p14:creationId xmlns:p14="http://schemas.microsoft.com/office/powerpoint/2010/main" val="146618133"/>
       </p:ext>
     </p:extLst>
   </p:cSld>
@@ -6536,7 +6425,7 @@
           <p:cNvPr id="2" name="Title 1">
             <a:extLst>
               <a:ext uri="{FF2B5EF4-FFF2-40B4-BE49-F238E27FC236}">
-                <a16:creationId xmlns:a16="http://schemas.microsoft.com/office/drawing/2014/main" id="{B6CDA166-D565-4795-B1AA-87976669D899}"/>
+                <a16:creationId xmlns:a16="http://schemas.microsoft.com/office/drawing/2014/main" id="{541A397E-F577-49FF-BC80-010E4660590D}"/>
               </a:ext>
             </a:extLst>
           </p:cNvPr>
@@ -6552,7 +6441,10 @@
           <a:bodyPr/>
           <a:lstStyle/>
           <a:p>
-            <a:endParaRPr lang="en-US"/>
+            <a:r>
+              <a:rPr lang="en-US" dirty="0"/>
+              <a:t>Feature Engineering</a:t>
+            </a:r>
           </a:p>
         </p:txBody>
       </p:sp>
@@ -6561,7 +6453,7 @@
           <p:cNvPr id="3" name="Content Placeholder 2">
             <a:extLst>
               <a:ext uri="{FF2B5EF4-FFF2-40B4-BE49-F238E27FC236}">
-                <a16:creationId xmlns:a16="http://schemas.microsoft.com/office/drawing/2014/main" id="{1AD90108-7148-4F1B-A063-C3F518C6EC3F}"/>
+                <a16:creationId xmlns:a16="http://schemas.microsoft.com/office/drawing/2014/main" id="{4887195E-57E5-4EF2-9755-BE81F07132A4}"/>
               </a:ext>
             </a:extLst>
           </p:cNvPr>
@@ -6574,17 +6466,95 @@
         </p:nvSpPr>
         <p:spPr/>
         <p:txBody>
-          <a:bodyPr/>
+          <a:bodyPr>
+            <a:normAutofit/>
+          </a:bodyPr>
           <a:lstStyle/>
           <a:p>
-            <a:endParaRPr lang="en-US"/>
+            <a:pPr marL="0" indent="0">
+              <a:buNone/>
+            </a:pPr>
+            <a:r>
+              <a:rPr lang="en-IN" sz="2400" dirty="0"/>
+              <a:t>1. </a:t>
+            </a:r>
+            <a:r>
+              <a:rPr lang="en-IN" sz="2400" b="1" dirty="0"/>
+              <a:t>Transformations</a:t>
+            </a:r>
+            <a:r>
+              <a:rPr lang="en-IN" sz="2400" dirty="0"/>
+              <a:t> :</a:t>
+            </a:r>
+          </a:p>
+          <a:p>
+            <a:pPr marL="0" indent="0">
+              <a:buNone/>
+            </a:pPr>
+            <a:r>
+              <a:rPr lang="en-IN" sz="2400" dirty="0"/>
+              <a:t>Yes . Since the data is not normally distributed (Highly right skewed), We tried Log transform, Sqrt transform.</a:t>
+            </a:r>
+          </a:p>
+          <a:p>
+            <a:pPr marL="0" indent="0">
+              <a:buNone/>
+            </a:pPr>
+            <a:r>
+              <a:rPr lang="en-IN" sz="2400" dirty="0"/>
+              <a:t>2. </a:t>
+            </a:r>
+            <a:r>
+              <a:rPr lang="en-IN" sz="2400" b="1" dirty="0"/>
+              <a:t>Scaling the data </a:t>
+            </a:r>
+            <a:r>
+              <a:rPr lang="en-IN" sz="2400" dirty="0"/>
+              <a:t>:</a:t>
+            </a:r>
+          </a:p>
+          <a:p>
+            <a:pPr marL="0" indent="0">
+              <a:buNone/>
+            </a:pPr>
+            <a:r>
+              <a:rPr lang="en-IN" sz="2400" dirty="0"/>
+              <a:t>Yes, the data has been scaled.</a:t>
+            </a:r>
+          </a:p>
+          <a:p>
+            <a:pPr marL="0" indent="0">
+              <a:buNone/>
+            </a:pPr>
+            <a:r>
+              <a:rPr lang="en-IN" sz="2400" dirty="0"/>
+              <a:t>3. </a:t>
+            </a:r>
+            <a:r>
+              <a:rPr lang="en-IN" sz="2400" b="1" dirty="0"/>
+              <a:t>Dimensionality reduction </a:t>
+            </a:r>
+            <a:r>
+              <a:rPr lang="en-IN" sz="2400" dirty="0"/>
+              <a:t>:</a:t>
+            </a:r>
+          </a:p>
+          <a:p>
+            <a:pPr marL="0" indent="0">
+              <a:buNone/>
+            </a:pPr>
+            <a:r>
+              <a:rPr lang="en-IN" sz="2400" dirty="0"/>
+              <a:t> Since there is no multicollinearity in our data, We haven’t done PCA.</a:t>
+            </a:r>
+            <a:endParaRPr lang="en-US" sz="2400" dirty="0"/>
           </a:p>
         </p:txBody>
       </p:sp>
     </p:spTree>
     <p:extLst>
       <p:ext uri="{BB962C8B-B14F-4D97-AF65-F5344CB8AC3E}">
-        <p14:creationId xmlns:p14="http://schemas.microsoft.com/office/powerpoint/2010/main" val="146618133"/>
+        <p14:creationId xmlns:p14="http://schemas.microsoft.com/office/powerpoint/2010/main" val="3227524239"/>
       </p:ext>
     </p:extLst>
   </p:cSld>
@@ -6616,7 +6586,7 @@
           <p:cNvPr id="2" name="Title 1">
             <a:extLst>
               <a:ext uri="{FF2B5EF4-FFF2-40B4-BE49-F238E27FC236}">
-                <a16:creationId xmlns:a16="http://schemas.microsoft.com/office/drawing/2014/main" id="{541A397E-F577-49FF-BC80-010E4660590D}"/>
+                <a16:creationId xmlns:a16="http://schemas.microsoft.com/office/drawing/2014/main" id="{F6584AFD-6D6B-41BD-8AA7-E55CA8893D30}"/>
               </a:ext>
             </a:extLst>
           </p:cNvPr>
@@ -6632,7 +6602,10 @@
           <a:bodyPr/>
           <a:lstStyle/>
           <a:p>
-            <a:endParaRPr lang="en-US"/>
+            <a:r>
+              <a:rPr lang="en-US" dirty="0"/>
+              <a:t>Assumptions</a:t>
+            </a:r>
           </a:p>
         </p:txBody>
       </p:sp>
@@ -6641,7 +6614,7 @@
           <p:cNvPr id="3" name="Content Placeholder 2">
             <a:extLst>
               <a:ext uri="{FF2B5EF4-FFF2-40B4-BE49-F238E27FC236}">
-                <a16:creationId xmlns:a16="http://schemas.microsoft.com/office/drawing/2014/main" id="{4887195E-57E5-4EF2-9755-BE81F07132A4}"/>
+                <a16:creationId xmlns:a16="http://schemas.microsoft.com/office/drawing/2014/main" id="{1DD175B5-E4E4-4BD1-8A11-20DED898F8EA}"/>
               </a:ext>
             </a:extLst>
           </p:cNvPr>
@@ -6654,17 +6627,67 @@
         </p:nvSpPr>
         <p:spPr/>
         <p:txBody>
-          <a:bodyPr/>
+          <a:bodyPr>
+            <a:normAutofit/>
+          </a:bodyPr>
           <a:lstStyle/>
           <a:p>
-            <a:endParaRPr lang="en-US"/>
+            <a:r>
+              <a:rPr lang="en-IN" sz="2400" b="1" dirty="0"/>
+              <a:t>General Assumptions: </a:t>
+            </a:r>
+          </a:p>
+          <a:p>
+            <a:pPr marL="0" indent="0">
+              <a:buNone/>
+            </a:pPr>
+            <a:r>
+              <a:rPr lang="en-IN" sz="2400" dirty="0"/>
+              <a:t>      -&gt; No redundant data.</a:t>
+            </a:r>
+          </a:p>
+          <a:p>
+            <a:pPr marL="0" indent="0">
+              <a:buNone/>
+            </a:pPr>
+            <a:r>
+              <a:rPr lang="en-IN" sz="2400" b="1" dirty="0"/>
+              <a:t>      </a:t>
+            </a:r>
+            <a:r>
+              <a:rPr lang="en-IN" sz="2400" dirty="0"/>
+              <a:t>-&gt; Absence of Multicollinearity</a:t>
+            </a:r>
+          </a:p>
+          <a:p>
+            <a:r>
+              <a:rPr lang="en-IN" sz="2400" b="1" dirty="0"/>
+              <a:t>Naive Bayes</a:t>
+            </a:r>
+            <a:r>
+              <a:rPr lang="en-US" sz="2400" b="1" dirty="0"/>
+              <a:t> -  </a:t>
+            </a:r>
+            <a:r>
+              <a:rPr lang="en-US" sz="2400" dirty="0"/>
+              <a:t>Attributes are conditionally independent.</a:t>
+            </a:r>
+          </a:p>
+          <a:p>
+            <a:r>
+              <a:rPr lang="en-US" sz="2400" dirty="0"/>
+              <a:t>Decision Tree, Random Forest, KNN – No assumptions</a:t>
+            </a:r>
+          </a:p>
+          <a:p>
+            <a:endParaRPr lang="en-IN" sz="2400" b="1" dirty="0"/>
           </a:p>
         </p:txBody>
       </p:sp>
     </p:spTree>
     <p:extLst>
       <p:ext uri="{BB962C8B-B14F-4D97-AF65-F5344CB8AC3E}">
-        <p14:creationId xmlns:p14="http://schemas.microsoft.com/office/powerpoint/2010/main" val="3227524239"/>
+        <p14:creationId xmlns:p14="http://schemas.microsoft.com/office/powerpoint/2010/main" val="1235205643"/>
       </p:ext>
     </p:extLst>
   </p:cSld>

--- a/Pravin Kumar/Vehicle Loan Default Prediction.pptx
+++ b/Pravin Kumar/Vehicle Loan Default Prediction.pptx
@@ -4871,379 +4871,6 @@
   <p:clrMapOvr>
     <a:masterClrMapping/>
   </p:clrMapOvr>
-  <p:timing>
-    <p:tnLst>
-      <p:par>
-        <p:cTn id="1" dur="indefinite" restart="never" nodeType="tmRoot">
-          <p:childTnLst>
-            <p:seq concurrent="1" nextAc="seek">
-              <p:cTn id="2" dur="indefinite" nodeType="mainSeq">
-                <p:childTnLst>
-                  <p:par>
-                    <p:cTn id="3" fill="hold">
-                      <p:stCondLst>
-                        <p:cond delay="indefinite"/>
-                      </p:stCondLst>
-                      <p:childTnLst>
-                        <p:par>
-                          <p:cTn id="4" fill="hold">
-                            <p:stCondLst>
-                              <p:cond delay="0"/>
-                            </p:stCondLst>
-                            <p:childTnLst>
-                              <p:par>
-                                <p:cTn id="5" presetID="1" presetClass="entr" presetSubtype="0" fill="hold" nodeType="clickEffect">
-                                  <p:stCondLst>
-                                    <p:cond delay="0"/>
-                                  </p:stCondLst>
-                                  <p:childTnLst>
-                                    <p:set>
-                                      <p:cBhvr>
-                                        <p:cTn id="6" dur="1" fill="hold">
-                                          <p:stCondLst>
-                                            <p:cond delay="0"/>
-                                          </p:stCondLst>
-                                        </p:cTn>
-                                        <p:tgtEl>
-                                          <p:spTgt spid="30">
-                                            <p:txEl>
-                                              <p:pRg st="0" end="0"/>
-                                            </p:txEl>
-                                          </p:spTgt>
-                                        </p:tgtEl>
-                                        <p:attrNameLst>
-                                          <p:attrName>style.visibility</p:attrName>
-                                        </p:attrNameLst>
-                                      </p:cBhvr>
-                                      <p:to>
-                                        <p:strVal val="visible"/>
-                                      </p:to>
-                                    </p:set>
-                                  </p:childTnLst>
-                                </p:cTn>
-                              </p:par>
-                            </p:childTnLst>
-                          </p:cTn>
-                        </p:par>
-                      </p:childTnLst>
-                    </p:cTn>
-                  </p:par>
-                  <p:par>
-                    <p:cTn id="7" fill="hold">
-                      <p:stCondLst>
-                        <p:cond delay="indefinite"/>
-                      </p:stCondLst>
-                      <p:childTnLst>
-                        <p:par>
-                          <p:cTn id="8" fill="hold">
-                            <p:stCondLst>
-                              <p:cond delay="0"/>
-                            </p:stCondLst>
-                            <p:childTnLst>
-                              <p:par>
-                                <p:cTn id="9" presetID="1" presetClass="entr" presetSubtype="0" fill="hold" nodeType="clickEffect">
-                                  <p:stCondLst>
-                                    <p:cond delay="0"/>
-                                  </p:stCondLst>
-                                  <p:childTnLst>
-                                    <p:set>
-                                      <p:cBhvr>
-                                        <p:cTn id="10" dur="1" fill="hold">
-                                          <p:stCondLst>
-                                            <p:cond delay="0"/>
-                                          </p:stCondLst>
-                                        </p:cTn>
-                                        <p:tgtEl>
-                                          <p:spTgt spid="30">
-                                            <p:txEl>
-                                              <p:pRg st="1" end="1"/>
-                                            </p:txEl>
-                                          </p:spTgt>
-                                        </p:tgtEl>
-                                        <p:attrNameLst>
-                                          <p:attrName>style.visibility</p:attrName>
-                                        </p:attrNameLst>
-                                      </p:cBhvr>
-                                      <p:to>
-                                        <p:strVal val="visible"/>
-                                      </p:to>
-                                    </p:set>
-                                  </p:childTnLst>
-                                </p:cTn>
-                              </p:par>
-                            </p:childTnLst>
-                          </p:cTn>
-                        </p:par>
-                      </p:childTnLst>
-                    </p:cTn>
-                  </p:par>
-                  <p:par>
-                    <p:cTn id="11" fill="hold">
-                      <p:stCondLst>
-                        <p:cond delay="indefinite"/>
-                      </p:stCondLst>
-                      <p:childTnLst>
-                        <p:par>
-                          <p:cTn id="12" fill="hold">
-                            <p:stCondLst>
-                              <p:cond delay="0"/>
-                            </p:stCondLst>
-                            <p:childTnLst>
-                              <p:par>
-                                <p:cTn id="13" presetID="1" presetClass="entr" presetSubtype="0" fill="hold" nodeType="clickEffect">
-                                  <p:stCondLst>
-                                    <p:cond delay="0"/>
-                                  </p:stCondLst>
-                                  <p:childTnLst>
-                                    <p:set>
-                                      <p:cBhvr>
-                                        <p:cTn id="14" dur="1" fill="hold">
-                                          <p:stCondLst>
-                                            <p:cond delay="0"/>
-                                          </p:stCondLst>
-                                        </p:cTn>
-                                        <p:tgtEl>
-                                          <p:spTgt spid="30">
-                                            <p:txEl>
-                                              <p:pRg st="2" end="2"/>
-                                            </p:txEl>
-                                          </p:spTgt>
-                                        </p:tgtEl>
-                                        <p:attrNameLst>
-                                          <p:attrName>style.visibility</p:attrName>
-                                        </p:attrNameLst>
-                                      </p:cBhvr>
-                                      <p:to>
-                                        <p:strVal val="visible"/>
-                                      </p:to>
-                                    </p:set>
-                                  </p:childTnLst>
-                                </p:cTn>
-                              </p:par>
-                            </p:childTnLst>
-                          </p:cTn>
-                        </p:par>
-                      </p:childTnLst>
-                    </p:cTn>
-                  </p:par>
-                  <p:par>
-                    <p:cTn id="15" fill="hold">
-                      <p:stCondLst>
-                        <p:cond delay="indefinite"/>
-                      </p:stCondLst>
-                      <p:childTnLst>
-                        <p:par>
-                          <p:cTn id="16" fill="hold">
-                            <p:stCondLst>
-                              <p:cond delay="0"/>
-                            </p:stCondLst>
-                            <p:childTnLst>
-                              <p:par>
-                                <p:cTn id="17" presetID="1" presetClass="entr" presetSubtype="0" fill="hold" nodeType="clickEffect">
-                                  <p:stCondLst>
-                                    <p:cond delay="0"/>
-                                  </p:stCondLst>
-                                  <p:childTnLst>
-                                    <p:set>
-                                      <p:cBhvr>
-                                        <p:cTn id="18" dur="1" fill="hold">
-                                          <p:stCondLst>
-                                            <p:cond delay="0"/>
-                                          </p:stCondLst>
-                                        </p:cTn>
-                                        <p:tgtEl>
-                                          <p:spTgt spid="30">
-                                            <p:txEl>
-                                              <p:pRg st="3" end="3"/>
-                                            </p:txEl>
-                                          </p:spTgt>
-                                        </p:tgtEl>
-                                        <p:attrNameLst>
-                                          <p:attrName>style.visibility</p:attrName>
-                                        </p:attrNameLst>
-                                      </p:cBhvr>
-                                      <p:to>
-                                        <p:strVal val="visible"/>
-                                      </p:to>
-                                    </p:set>
-                                  </p:childTnLst>
-                                </p:cTn>
-                              </p:par>
-                            </p:childTnLst>
-                          </p:cTn>
-                        </p:par>
-                      </p:childTnLst>
-                    </p:cTn>
-                  </p:par>
-                  <p:par>
-                    <p:cTn id="19" fill="hold">
-                      <p:stCondLst>
-                        <p:cond delay="indefinite"/>
-                      </p:stCondLst>
-                      <p:childTnLst>
-                        <p:par>
-                          <p:cTn id="20" fill="hold">
-                            <p:stCondLst>
-                              <p:cond delay="0"/>
-                            </p:stCondLst>
-                            <p:childTnLst>
-                              <p:par>
-                                <p:cTn id="21" presetID="1" presetClass="entr" presetSubtype="0" fill="hold" nodeType="clickEffect">
-                                  <p:stCondLst>
-                                    <p:cond delay="0"/>
-                                  </p:stCondLst>
-                                  <p:childTnLst>
-                                    <p:set>
-                                      <p:cBhvr>
-                                        <p:cTn id="22" dur="1" fill="hold">
-                                          <p:stCondLst>
-                                            <p:cond delay="0"/>
-                                          </p:stCondLst>
-                                        </p:cTn>
-                                        <p:tgtEl>
-                                          <p:spTgt spid="30">
-                                            <p:txEl>
-                                              <p:pRg st="5" end="5"/>
-                                            </p:txEl>
-                                          </p:spTgt>
-                                        </p:tgtEl>
-                                        <p:attrNameLst>
-                                          <p:attrName>style.visibility</p:attrName>
-                                        </p:attrNameLst>
-                                      </p:cBhvr>
-                                      <p:to>
-                                        <p:strVal val="visible"/>
-                                      </p:to>
-                                    </p:set>
-                                  </p:childTnLst>
-                                </p:cTn>
-                              </p:par>
-                            </p:childTnLst>
-                          </p:cTn>
-                        </p:par>
-                      </p:childTnLst>
-                    </p:cTn>
-                  </p:par>
-                  <p:par>
-                    <p:cTn id="23" fill="hold">
-                      <p:stCondLst>
-                        <p:cond delay="indefinite"/>
-                      </p:stCondLst>
-                      <p:childTnLst>
-                        <p:par>
-                          <p:cTn id="24" fill="hold">
-                            <p:stCondLst>
-                              <p:cond delay="0"/>
-                            </p:stCondLst>
-                            <p:childTnLst>
-                              <p:par>
-                                <p:cTn id="25" presetID="1" presetClass="entr" presetSubtype="0" fill="hold" nodeType="clickEffect">
-                                  <p:stCondLst>
-                                    <p:cond delay="0"/>
-                                  </p:stCondLst>
-                                  <p:childTnLst>
-                                    <p:set>
-                                      <p:cBhvr>
-                                        <p:cTn id="26" dur="1" fill="hold">
-                                          <p:stCondLst>
-                                            <p:cond delay="0"/>
-                                          </p:stCondLst>
-                                        </p:cTn>
-                                        <p:tgtEl>
-                                          <p:spTgt spid="30">
-                                            <p:txEl>
-                                              <p:pRg st="6" end="6"/>
-                                            </p:txEl>
-                                          </p:spTgt>
-                                        </p:tgtEl>
-                                        <p:attrNameLst>
-                                          <p:attrName>style.visibility</p:attrName>
-                                        </p:attrNameLst>
-                                      </p:cBhvr>
-                                      <p:to>
-                                        <p:strVal val="visible"/>
-                                      </p:to>
-                                    </p:set>
-                                  </p:childTnLst>
-                                </p:cTn>
-                              </p:par>
-                            </p:childTnLst>
-                          </p:cTn>
-                        </p:par>
-                      </p:childTnLst>
-                    </p:cTn>
-                  </p:par>
-                  <p:par>
-                    <p:cTn id="27" fill="hold">
-                      <p:stCondLst>
-                        <p:cond delay="indefinite"/>
-                      </p:stCondLst>
-                      <p:childTnLst>
-                        <p:par>
-                          <p:cTn id="28" fill="hold">
-                            <p:stCondLst>
-                              <p:cond delay="0"/>
-                            </p:stCondLst>
-                            <p:childTnLst>
-                              <p:par>
-                                <p:cTn id="29" presetID="1" presetClass="entr" presetSubtype="0" fill="hold" nodeType="clickEffect">
-                                  <p:stCondLst>
-                                    <p:cond delay="0"/>
-                                  </p:stCondLst>
-                                  <p:childTnLst>
-                                    <p:set>
-                                      <p:cBhvr>
-                                        <p:cTn id="30" dur="1" fill="hold">
-                                          <p:stCondLst>
-                                            <p:cond delay="0"/>
-                                          </p:stCondLst>
-                                        </p:cTn>
-                                        <p:tgtEl>
-                                          <p:spTgt spid="30">
-                                            <p:txEl>
-                                              <p:pRg st="7" end="7"/>
-                                            </p:txEl>
-                                          </p:spTgt>
-                                        </p:tgtEl>
-                                        <p:attrNameLst>
-                                          <p:attrName>style.visibility</p:attrName>
-                                        </p:attrNameLst>
-                                      </p:cBhvr>
-                                      <p:to>
-                                        <p:strVal val="visible"/>
-                                      </p:to>
-                                    </p:set>
-                                  </p:childTnLst>
-                                </p:cTn>
-                              </p:par>
-                            </p:childTnLst>
-                          </p:cTn>
-                        </p:par>
-                      </p:childTnLst>
-                    </p:cTn>
-                  </p:par>
-                </p:childTnLst>
-              </p:cTn>
-              <p:prevCondLst>
-                <p:cond evt="onPrev" delay="0">
-                  <p:tgtEl>
-                    <p:sldTgt/>
-                  </p:tgtEl>
-                </p:cond>
-              </p:prevCondLst>
-              <p:nextCondLst>
-                <p:cond evt="onNext" delay="0">
-                  <p:tgtEl>
-                    <p:sldTgt/>
-                  </p:tgtEl>
-                </p:cond>
-              </p:nextCondLst>
-            </p:seq>
-          </p:childTnLst>
-        </p:cTn>
-      </p:par>
-    </p:tnLst>
-  </p:timing>
 </p:sld>
 </file>
 

--- a/Pravin Kumar/Vehicle Loan Default Prediction.pptx
+++ b/Pravin Kumar/Vehicle Loan Default Prediction.pptx
@@ -6011,14 +6011,14 @@
             <p:ph idx="1"/>
             <p:extLst>
               <p:ext uri="{D42A27DB-BD31-4B8C-83A1-F6EECF244321}">
-                <p14:modId xmlns:p14="http://schemas.microsoft.com/office/powerpoint/2010/main" val="85047958"/>
+                <p14:modId xmlns:p14="http://schemas.microsoft.com/office/powerpoint/2010/main" val="2173130277"/>
               </p:ext>
             </p:extLst>
           </p:nvPr>
         </p:nvGraphicFramePr>
         <p:xfrm>
           <a:off x="457200" y="1600200"/>
-          <a:ext cx="8229600" cy="4572000"/>
+          <a:ext cx="8229600" cy="3657600"/>
         </p:xfrm>
         <a:graphic>
           <a:graphicData uri="http://schemas.openxmlformats.org/drawingml/2006/table">
@@ -6195,7 +6195,7 @@
                     <a:p>
                       <a:r>
                         <a:rPr lang="en-IN" sz="2400" dirty="0"/>
-                        <a:t>Primary current balance</a:t>
+                        <a:t>New accounts in last 6 months</a:t>
                       </a:r>
                     </a:p>
                   </a:txBody>
@@ -6232,7 +6232,7 @@
                     <a:p>
                       <a:r>
                         <a:rPr lang="en-IN" sz="2400" dirty="0"/>
-                        <a:t>New accounts in last 6 months</a:t>
+                        <a:t>No of inquiries</a:t>
                       </a:r>
                     </a:p>
                   </a:txBody>
@@ -6250,37 +6250,27 @@
                     <a:bodyPr/>
                     <a:lstStyle/>
                     <a:p>
-                      <a:endParaRPr lang="en-IN" sz="2400"/>
-                    </a:p>
-                  </a:txBody>
-                  <a:tcPr/>
-                </a:tc>
-                <a:tc>
-                  <a:txBody>
-                    <a:bodyPr/>
-                    <a:lstStyle/>
-                    <a:p>
+                      <a:pPr marL="0" marR="0" lvl="0" indent="0" algn="l" defTabSz="914400" rtl="0" eaLnBrk="1" fontAlgn="auto" latinLnBrk="0" hangingPunct="1">
+                        <a:lnSpc>
+                          <a:spcPct val="100000"/>
+                        </a:lnSpc>
+                        <a:spcBef>
+                          <a:spcPts val="0"/>
+                        </a:spcBef>
+                        <a:spcAft>
+                          <a:spcPts val="0"/>
+                        </a:spcAft>
+                        <a:buClrTx/>
+                        <a:buSzTx/>
+                        <a:buFontTx/>
+                        <a:buNone/>
+                        <a:tabLst/>
+                        <a:defRPr/>
+                      </a:pPr>
                       <a:r>
                         <a:rPr lang="en-IN" sz="2400" dirty="0"/>
-                        <a:t>No of inquiries</a:t>
+                        <a:t>Primary current balance</a:t>
                       </a:r>
-                    </a:p>
-                  </a:txBody>
-                  <a:tcPr/>
-                </a:tc>
-                <a:extLst>
-                  <a:ext uri="{0D108BD9-81ED-4DB2-BD59-A6C34878D82A}">
-                    <a16:rowId xmlns:a16="http://schemas.microsoft.com/office/drawing/2014/main" val="2266630915"/>
-                  </a:ext>
-                </a:extLst>
-              </a:tr>
-              <a:tr h="370840">
-                <a:tc>
-                  <a:txBody>
-                    <a:bodyPr/>
-                    <a:lstStyle/>
-                    <a:p>
-                      <a:endParaRPr lang="en-IN" sz="2400" dirty="0"/>
                     </a:p>
                   </a:txBody>
                   <a:tcPr/>
@@ -6304,51 +6294,11 @@
                 </a:tc>
                 <a:extLst>
                   <a:ext uri="{0D108BD9-81ED-4DB2-BD59-A6C34878D82A}">
-                    <a16:rowId xmlns:a16="http://schemas.microsoft.com/office/drawing/2014/main" val="1936936436"/>
+                    <a16:rowId xmlns:a16="http://schemas.microsoft.com/office/drawing/2014/main" val="2266630915"/>
                   </a:ext>
                 </a:extLst>
               </a:tr>
               <a:tr h="370840">
-                <a:tc>
-                  <a:txBody>
-                    <a:bodyPr/>
-                    <a:lstStyle/>
-                    <a:p>
-                      <a:endParaRPr lang="en-IN" sz="2400"/>
-                    </a:p>
-                  </a:txBody>
-                  <a:tcPr/>
-                </a:tc>
-                <a:tc>
-                  <a:txBody>
-                    <a:bodyPr/>
-                    <a:lstStyle/>
-                    <a:p>
-                      <a:r>
-                        <a:rPr lang="en-IN" sz="2400" dirty="0"/>
-                        <a:t>Time_since_1st_loan</a:t>
-                      </a:r>
-                    </a:p>
-                  </a:txBody>
-                  <a:tcPr/>
-                </a:tc>
-                <a:extLst>
-                  <a:ext uri="{0D108BD9-81ED-4DB2-BD59-A6C34878D82A}">
-                    <a16:rowId xmlns:a16="http://schemas.microsoft.com/office/drawing/2014/main" val="3429131410"/>
-                  </a:ext>
-                </a:extLst>
-              </a:tr>
-              <a:tr h="370840">
-                <a:tc>
-                  <a:txBody>
-                    <a:bodyPr/>
-                    <a:lstStyle/>
-                    <a:p>
-                      <a:endParaRPr lang="en-IN" sz="2400"/>
-                    </a:p>
-                  </a:txBody>
-                  <a:tcPr/>
-                </a:tc>
                 <a:tc>
                   <a:txBody>
                     <a:bodyPr/>
@@ -6380,9 +6330,22 @@
                   </a:txBody>
                   <a:tcPr/>
                 </a:tc>
+                <a:tc>
+                  <a:txBody>
+                    <a:bodyPr/>
+                    <a:lstStyle/>
+                    <a:p>
+                      <a:r>
+                        <a:rPr lang="en-IN" sz="2400" dirty="0"/>
+                        <a:t>Time_since_1st_loan</a:t>
+                      </a:r>
+                    </a:p>
+                  </a:txBody>
+                  <a:tcPr/>
+                </a:tc>
                 <a:extLst>
                   <a:ext uri="{0D108BD9-81ED-4DB2-BD59-A6C34878D82A}">
-                    <a16:rowId xmlns:a16="http://schemas.microsoft.com/office/drawing/2014/main" val="2041702499"/>
+                    <a16:rowId xmlns:a16="http://schemas.microsoft.com/office/drawing/2014/main" val="1936936436"/>
                   </a:ext>
                 </a:extLst>
               </a:tr>

--- a/Pravin Kumar/Vehicle Loan Default Prediction.pptx
+++ b/Pravin Kumar/Vehicle Loan Default Prediction.pptx
@@ -5,19 +5,18 @@
     <p:sldMasterId id="2147483648" r:id="rId1"/>
   </p:sldMasterIdLst>
   <p:notesMasterIdLst>
-    <p:notesMasterId r:id="rId12"/>
+    <p:notesMasterId r:id="rId11"/>
   </p:notesMasterIdLst>
   <p:sldIdLst>
     <p:sldId id="328" r:id="rId2"/>
-    <p:sldId id="329" r:id="rId3"/>
-    <p:sldId id="332" r:id="rId4"/>
-    <p:sldId id="330" r:id="rId5"/>
-    <p:sldId id="333" r:id="rId6"/>
-    <p:sldId id="331" r:id="rId7"/>
-    <p:sldId id="335" r:id="rId8"/>
-    <p:sldId id="337" r:id="rId9"/>
-    <p:sldId id="336" r:id="rId10"/>
-    <p:sldId id="263" r:id="rId11"/>
+    <p:sldId id="332" r:id="rId3"/>
+    <p:sldId id="329" r:id="rId4"/>
+    <p:sldId id="257" r:id="rId5"/>
+    <p:sldId id="258" r:id="rId6"/>
+    <p:sldId id="335" r:id="rId7"/>
+    <p:sldId id="337" r:id="rId8"/>
+    <p:sldId id="336" r:id="rId9"/>
+    <p:sldId id="263" r:id="rId10"/>
   </p:sldIdLst>
   <p:sldSz cx="9144000" cy="6858000" type="screen4x3"/>
   <p:notesSz cx="6858000" cy="9144000"/>
@@ -3881,7 +3880,122 @@
 </p:sld>
 </file>
 
-<file path=ppt/slides/slide10.xml><?xml version="1.0" encoding="utf-8"?>
+<file path=ppt/slides/slide2.xml><?xml version="1.0" encoding="utf-8"?>
+<p:sld xmlns:a="http://schemas.openxmlformats.org/drawingml/2006/main" xmlns:r="http://schemas.openxmlformats.org/officeDocument/2006/relationships" xmlns:p="http://schemas.openxmlformats.org/presentationml/2006/main">
+  <p:cSld>
+    <p:spTree>
+      <p:nvGrpSpPr>
+        <p:cNvPr id="1" name=""/>
+        <p:cNvGrpSpPr/>
+        <p:nvPr/>
+      </p:nvGrpSpPr>
+      <p:grpSpPr>
+        <a:xfrm>
+          <a:off x="0" y="0"/>
+          <a:ext cx="0" cy="0"/>
+          <a:chOff x="0" y="0"/>
+          <a:chExt cx="0" cy="0"/>
+        </a:xfrm>
+      </p:grpSpPr>
+      <p:sp>
+        <p:nvSpPr>
+          <p:cNvPr id="2" name="Title 1">
+            <a:extLst>
+              <a:ext uri="{FF2B5EF4-FFF2-40B4-BE49-F238E27FC236}">
+                <a16:creationId xmlns:a16="http://schemas.microsoft.com/office/drawing/2014/main" id="{543925F3-AEA9-4425-BE85-A907329B807D}"/>
+              </a:ext>
+            </a:extLst>
+          </p:cNvPr>
+          <p:cNvSpPr>
+            <a:spLocks noGrp="1"/>
+          </p:cNvSpPr>
+          <p:nvPr>
+            <p:ph type="title"/>
+          </p:nvPr>
+        </p:nvSpPr>
+        <p:spPr/>
+        <p:txBody>
+          <a:bodyPr/>
+          <a:lstStyle/>
+          <a:p>
+            <a:pPr algn="l"/>
+            <a:r>
+              <a:rPr lang="en-US" dirty="0"/>
+              <a:t>Introduction</a:t>
+            </a:r>
+          </a:p>
+        </p:txBody>
+      </p:sp>
+      <p:sp>
+        <p:nvSpPr>
+          <p:cNvPr id="3" name="Content Placeholder 2">
+            <a:extLst>
+              <a:ext uri="{FF2B5EF4-FFF2-40B4-BE49-F238E27FC236}">
+                <a16:creationId xmlns:a16="http://schemas.microsoft.com/office/drawing/2014/main" id="{58171DD3-3E42-48DF-95D4-3408C189D523}"/>
+              </a:ext>
+            </a:extLst>
+          </p:cNvPr>
+          <p:cNvSpPr>
+            <a:spLocks noGrp="1"/>
+          </p:cNvSpPr>
+          <p:nvPr>
+            <p:ph idx="1"/>
+          </p:nvPr>
+        </p:nvSpPr>
+        <p:spPr>
+          <a:xfrm>
+            <a:off x="457200" y="1295400"/>
+            <a:ext cx="8686800" cy="5562600"/>
+          </a:xfrm>
+        </p:spPr>
+        <p:txBody>
+          <a:bodyPr>
+            <a:normAutofit fontScale="85000" lnSpcReduction="10000"/>
+          </a:bodyPr>
+          <a:lstStyle/>
+          <a:p>
+            <a:r>
+              <a:rPr lang="en-US" dirty="0"/>
+              <a:t>People avail vehicle loan from banks to buy their dream cars. Car loans have taken off in India witnessing an increase in growth of 18-20% which is a huge increase in 2019.</a:t>
+            </a:r>
+          </a:p>
+          <a:p>
+            <a:r>
+              <a:rPr lang="en-US" dirty="0"/>
+              <a:t>Bank and vehicle finance companies are making this dream come true by providing the vehicle loan facility. </a:t>
+            </a:r>
+          </a:p>
+          <a:p>
+            <a:r>
+              <a:rPr lang="en-US" dirty="0"/>
+              <a:t>Financing a vehicle involves a lot of technicalities like the kind of vehicle to be financed, the route on which the vehicle will be plying, the operating expenses of the customer, etc. </a:t>
+            </a:r>
+          </a:p>
+          <a:p>
+            <a:r>
+              <a:rPr lang="en-US" dirty="0"/>
+              <a:t>It is also being influenced by processing fee, loan clearance time, requirement of documentation and methodology being followed in computation of interest.</a:t>
+            </a:r>
+          </a:p>
+          <a:p>
+            <a:endParaRPr lang="en-US" dirty="0"/>
+          </a:p>
+        </p:txBody>
+      </p:sp>
+    </p:spTree>
+    <p:extLst>
+      <p:ext uri="{BB962C8B-B14F-4D97-AF65-F5344CB8AC3E}">
+        <p14:creationId xmlns:p14="http://schemas.microsoft.com/office/powerpoint/2010/main" val="3561413167"/>
+      </p:ext>
+    </p:extLst>
+  </p:cSld>
+  <p:clrMapOvr>
+    <a:masterClrMapping/>
+  </p:clrMapOvr>
+</p:sld>
+</file>
+
+<file path=ppt/slides/slide3.xml><?xml version="1.0" encoding="utf-8"?>
 <p:sld xmlns:a="http://schemas.openxmlformats.org/drawingml/2006/main" xmlns:r="http://schemas.openxmlformats.org/officeDocument/2006/relationships" xmlns:p="http://schemas.openxmlformats.org/presentationml/2006/main">
   <p:cSld>
     <p:spTree>
@@ -3992,7 +4106,7 @@
       </p:sp>
       <p:sp>
         <p:nvSpPr>
-          <p:cNvPr id="9" name="Content Placeholder 2"/>
+          <p:cNvPr id="30" name="Content Placeholder 2"/>
           <p:cNvSpPr txBox="1">
             <a:spLocks/>
           </p:cNvSpPr>
@@ -4000,8 +4114,8 @@
         </p:nvSpPr>
         <p:spPr>
           <a:xfrm>
-            <a:off x="3042062" y="1958439"/>
-            <a:ext cx="4730338" cy="1546761"/>
+            <a:off x="429658" y="980501"/>
+            <a:ext cx="8485742" cy="5648899"/>
           </a:xfrm>
           <a:prstGeom prst="rect">
             <a:avLst/>
@@ -4009,7 +4123,7 @@
         </p:spPr>
         <p:txBody>
           <a:bodyPr vert="horz" lIns="91440" tIns="45720" rIns="91440" bIns="45720" rtlCol="0">
-            <a:normAutofit/>
+            <a:normAutofit lnSpcReduction="10000"/>
           </a:bodyPr>
           <a:lstStyle>
             <a:lvl1pPr marL="0" indent="0" algn="ctr" defTabSz="914400" rtl="0" eaLnBrk="1" latinLnBrk="0" hangingPunct="1">
@@ -4167,351 +4281,121 @@
             </a:lvl9pPr>
           </a:lstStyle>
           <a:p>
-            <a:pPr lvl="1" algn="l"/>
-            <a:endParaRPr lang="en-IN" sz="4000" dirty="0">
+            <a:pPr marL="342900" indent="-342900" algn="l">
+              <a:buFont typeface="Arial" panose="020B0604020202020204" pitchFamily="34" charset="0"/>
+              <a:buChar char="•"/>
+            </a:pPr>
+            <a:r>
+              <a:rPr lang="en-IN" sz="2400" dirty="0">
+                <a:solidFill>
+                  <a:schemeClr val="tx1"/>
+                </a:solidFill>
+              </a:rPr>
+              <a:t>The objective of this project is to predict whether the customer will default based on these critical features.</a:t>
+            </a:r>
+          </a:p>
+          <a:p>
+            <a:pPr marL="914400" lvl="1" indent="-457200" algn="l">
+              <a:buFont typeface="Arial" panose="020B0604020202020204" pitchFamily="34" charset="0"/>
+              <a:buChar char="•"/>
+            </a:pPr>
+            <a:r>
+              <a:rPr lang="en-US" sz="2200" dirty="0">
+                <a:solidFill>
+                  <a:schemeClr val="tx1"/>
+                </a:solidFill>
+              </a:rPr>
+              <a:t>To find out consumers’ awareness about vehicle finance activities </a:t>
+            </a:r>
+          </a:p>
+          <a:p>
+            <a:pPr marL="914400" lvl="1" indent="-457200" algn="l">
+              <a:buFont typeface="Arial" panose="020B0604020202020204" pitchFamily="34" charset="0"/>
+              <a:buChar char="•"/>
+            </a:pPr>
+            <a:r>
+              <a:rPr lang="en-US" sz="2200" dirty="0">
+                <a:solidFill>
+                  <a:schemeClr val="tx1"/>
+                </a:solidFill>
+              </a:rPr>
+              <a:t>  To identify reasons for availing of vehicle finance </a:t>
+            </a:r>
+          </a:p>
+          <a:p>
+            <a:pPr marL="914400" lvl="1" indent="-457200" algn="l">
+              <a:buFont typeface="Arial" panose="020B0604020202020204" pitchFamily="34" charset="0"/>
+              <a:buChar char="•"/>
+            </a:pPr>
+            <a:r>
+              <a:rPr lang="en-US" sz="2200" dirty="0">
+                <a:solidFill>
+                  <a:schemeClr val="tx1"/>
+                </a:solidFill>
+              </a:rPr>
+              <a:t>To find out problem faced by consumers in availing of vehicle finance</a:t>
+            </a:r>
+          </a:p>
+          <a:p>
+            <a:pPr marL="800100" lvl="1" indent="-342900" algn="l">
+              <a:buFont typeface="Wingdings" panose="05000000000000000000" pitchFamily="2" charset="2"/>
+              <a:buChar char="Ø"/>
+            </a:pPr>
+            <a:endParaRPr lang="en-IN" sz="2000" dirty="0">
+              <a:solidFill>
+                <a:schemeClr val="tx1"/>
+              </a:solidFill>
+            </a:endParaRPr>
+          </a:p>
+          <a:p>
+            <a:pPr marL="342900" indent="-342900" algn="l">
+              <a:buFont typeface="Arial" panose="020B0604020202020204" pitchFamily="34" charset="0"/>
+              <a:buChar char="•"/>
+            </a:pPr>
+            <a:r>
+              <a:rPr lang="en-US" sz="2400" dirty="0">
+                <a:solidFill>
+                  <a:schemeClr val="tx1"/>
+                </a:solidFill>
+              </a:rPr>
+              <a:t>Finding out the critical features that to help him/the company to evaluate the probability of default of the customer, as well as prevent loosing out potential customers otherwise lost.</a:t>
+            </a:r>
+          </a:p>
+          <a:p>
+            <a:pPr marL="342900" indent="-342900" algn="l">
+              <a:buFont typeface="Arial" panose="020B0604020202020204" pitchFamily="34" charset="0"/>
+              <a:buChar char="•"/>
+            </a:pPr>
+            <a:r>
+              <a:rPr lang="en-US" sz="2400" dirty="0">
+                <a:solidFill>
+                  <a:schemeClr val="tx1"/>
+                </a:solidFill>
+              </a:rPr>
+              <a:t>Implementing a model that will help Banks to provide a better understanding about the customers and their status</a:t>
+            </a:r>
+          </a:p>
+          <a:p>
+            <a:pPr marL="342900" indent="-342900" algn="l">
+              <a:buFont typeface="Arial" panose="020B0604020202020204" pitchFamily="34" charset="0"/>
+              <a:buChar char="•"/>
+            </a:pPr>
+            <a:r>
+              <a:rPr lang="en-US" sz="2400" dirty="0">
+                <a:solidFill>
+                  <a:schemeClr val="tx1"/>
+                </a:solidFill>
+              </a:rPr>
+              <a:t>Reducing the losses suffered by the banks by availing loans to potential defaulters.</a:t>
+            </a:r>
+          </a:p>
+          <a:p>
+            <a:pPr algn="l"/>
+            <a:endParaRPr lang="en-US" sz="2400" dirty="0">
               <a:solidFill>
                 <a:srgbClr val="0055A0"/>
               </a:solidFill>
             </a:endParaRPr>
-          </a:p>
-          <a:p>
-            <a:pPr lvl="1" algn="l"/>
-            <a:r>
-              <a:rPr lang="en-IN" sz="4000" dirty="0">
-                <a:solidFill>
-                  <a:srgbClr val="0055A0"/>
-                </a:solidFill>
-              </a:rPr>
-              <a:t>Thanks!</a:t>
-            </a:r>
-          </a:p>
-        </p:txBody>
-      </p:sp>
-    </p:spTree>
-    <p:extLst>
-      <p:ext uri="{BB962C8B-B14F-4D97-AF65-F5344CB8AC3E}">
-        <p14:creationId xmlns:p14="http://schemas.microsoft.com/office/powerpoint/2010/main" val="3724216054"/>
-      </p:ext>
-    </p:extLst>
-  </p:cSld>
-  <p:clrMapOvr>
-    <a:masterClrMapping/>
-  </p:clrMapOvr>
-</p:sld>
-</file>
-
-<file path=ppt/slides/slide2.xml><?xml version="1.0" encoding="utf-8"?>
-<p:sld xmlns:a="http://schemas.openxmlformats.org/drawingml/2006/main" xmlns:r="http://schemas.openxmlformats.org/officeDocument/2006/relationships" xmlns:p="http://schemas.openxmlformats.org/presentationml/2006/main">
-  <p:cSld>
-    <p:spTree>
-      <p:nvGrpSpPr>
-        <p:cNvPr id="1" name=""/>
-        <p:cNvGrpSpPr/>
-        <p:nvPr/>
-      </p:nvGrpSpPr>
-      <p:grpSpPr>
-        <a:xfrm>
-          <a:off x="0" y="0"/>
-          <a:ext cx="0" cy="0"/>
-          <a:chOff x="0" y="0"/>
-          <a:chExt cx="0" cy="0"/>
-        </a:xfrm>
-      </p:grpSpPr>
-      <p:sp>
-        <p:nvSpPr>
-          <p:cNvPr id="4" name="Round Diagonal Corner Rectangle 3"/>
-          <p:cNvSpPr/>
-          <p:nvPr/>
-        </p:nvSpPr>
-        <p:spPr>
-          <a:xfrm>
-            <a:off x="45026" y="58880"/>
-            <a:ext cx="206087" cy="2209800"/>
-          </a:xfrm>
-          <a:prstGeom prst="round2DiagRect">
-            <a:avLst/>
-          </a:prstGeom>
-          <a:solidFill>
-            <a:srgbClr val="0070C0"/>
-          </a:solidFill>
-          <a:ln>
-            <a:solidFill>
-              <a:srgbClr val="0070C0"/>
-            </a:solidFill>
-          </a:ln>
-        </p:spPr>
-        <p:style>
-          <a:lnRef idx="2">
-            <a:schemeClr val="accent3"/>
-          </a:lnRef>
-          <a:fillRef idx="1">
-            <a:schemeClr val="lt1"/>
-          </a:fillRef>
-          <a:effectRef idx="0">
-            <a:schemeClr val="accent3"/>
-          </a:effectRef>
-          <a:fontRef idx="minor">
-            <a:schemeClr val="dk1"/>
-          </a:fontRef>
-        </p:style>
-        <p:txBody>
-          <a:bodyPr rtlCol="0" anchor="ctr"/>
-          <a:lstStyle/>
-          <a:p>
-            <a:pPr algn="ctr"/>
-            <a:endParaRPr lang="en-US"/>
-          </a:p>
-        </p:txBody>
-      </p:sp>
-      <p:sp>
-        <p:nvSpPr>
-          <p:cNvPr id="5" name="Round Diagonal Corner Rectangle 4"/>
-          <p:cNvSpPr/>
-          <p:nvPr/>
-        </p:nvSpPr>
-        <p:spPr>
-          <a:xfrm>
-            <a:off x="45026" y="2313700"/>
-            <a:ext cx="206087" cy="4461170"/>
-          </a:xfrm>
-          <a:prstGeom prst="round2DiagRect">
-            <a:avLst/>
-          </a:prstGeom>
-          <a:solidFill>
-            <a:srgbClr val="00B0F0"/>
-          </a:solidFill>
-          <a:ln>
-            <a:solidFill>
-              <a:srgbClr val="00B0F0"/>
-            </a:solidFill>
-          </a:ln>
-        </p:spPr>
-        <p:style>
-          <a:lnRef idx="2">
-            <a:schemeClr val="accent3"/>
-          </a:lnRef>
-          <a:fillRef idx="1">
-            <a:schemeClr val="lt1"/>
-          </a:fillRef>
-          <a:effectRef idx="0">
-            <a:schemeClr val="accent3"/>
-          </a:effectRef>
-          <a:fontRef idx="minor">
-            <a:schemeClr val="dk1"/>
-          </a:fontRef>
-        </p:style>
-        <p:txBody>
-          <a:bodyPr rtlCol="0" anchor="ctr"/>
-          <a:lstStyle/>
-          <a:p>
-            <a:pPr algn="ctr"/>
-            <a:endParaRPr lang="en-US"/>
-          </a:p>
-        </p:txBody>
-      </p:sp>
-      <p:sp>
-        <p:nvSpPr>
-          <p:cNvPr id="30" name="Content Placeholder 2"/>
-          <p:cNvSpPr txBox="1">
-            <a:spLocks/>
-          </p:cNvSpPr>
-          <p:nvPr/>
-        </p:nvSpPr>
-        <p:spPr>
-          <a:xfrm>
-            <a:off x="429658" y="980501"/>
-            <a:ext cx="8485742" cy="5648899"/>
-          </a:xfrm>
-          <a:prstGeom prst="rect">
-            <a:avLst/>
-          </a:prstGeom>
-        </p:spPr>
-        <p:txBody>
-          <a:bodyPr vert="horz" lIns="91440" tIns="45720" rIns="91440" bIns="45720" rtlCol="0">
-            <a:normAutofit/>
-          </a:bodyPr>
-          <a:lstStyle>
-            <a:lvl1pPr marL="0" indent="0" algn="ctr" defTabSz="914400" rtl="0" eaLnBrk="1" latinLnBrk="0" hangingPunct="1">
-              <a:spcBef>
-                <a:spcPct val="20000"/>
-              </a:spcBef>
-              <a:buFont typeface="Arial" panose="020B0604020202020204" pitchFamily="34" charset="0"/>
-              <a:buNone/>
-              <a:defRPr sz="3200" kern="1200">
-                <a:solidFill>
-                  <a:schemeClr val="tx1">
-                    <a:tint val="75000"/>
-                  </a:schemeClr>
-                </a:solidFill>
-                <a:latin typeface="+mn-lt"/>
-                <a:ea typeface="+mn-ea"/>
-                <a:cs typeface="+mn-cs"/>
-              </a:defRPr>
-            </a:lvl1pPr>
-            <a:lvl2pPr marL="457200" indent="0" algn="ctr" defTabSz="914400" rtl="0" eaLnBrk="1" latinLnBrk="0" hangingPunct="1">
-              <a:spcBef>
-                <a:spcPct val="20000"/>
-              </a:spcBef>
-              <a:buFont typeface="Arial" panose="020B0604020202020204" pitchFamily="34" charset="0"/>
-              <a:buNone/>
-              <a:defRPr sz="2800" kern="1200">
-                <a:solidFill>
-                  <a:schemeClr val="tx1">
-                    <a:tint val="75000"/>
-                  </a:schemeClr>
-                </a:solidFill>
-                <a:latin typeface="+mn-lt"/>
-                <a:ea typeface="+mn-ea"/>
-                <a:cs typeface="+mn-cs"/>
-              </a:defRPr>
-            </a:lvl2pPr>
-            <a:lvl3pPr marL="914400" indent="0" algn="ctr" defTabSz="914400" rtl="0" eaLnBrk="1" latinLnBrk="0" hangingPunct="1">
-              <a:spcBef>
-                <a:spcPct val="20000"/>
-              </a:spcBef>
-              <a:buFont typeface="Arial" panose="020B0604020202020204" pitchFamily="34" charset="0"/>
-              <a:buNone/>
-              <a:defRPr sz="2400" kern="1200">
-                <a:solidFill>
-                  <a:schemeClr val="tx1">
-                    <a:tint val="75000"/>
-                  </a:schemeClr>
-                </a:solidFill>
-                <a:latin typeface="+mn-lt"/>
-                <a:ea typeface="+mn-ea"/>
-                <a:cs typeface="+mn-cs"/>
-              </a:defRPr>
-            </a:lvl3pPr>
-            <a:lvl4pPr marL="1371600" indent="0" algn="ctr" defTabSz="914400" rtl="0" eaLnBrk="1" latinLnBrk="0" hangingPunct="1">
-              <a:spcBef>
-                <a:spcPct val="20000"/>
-              </a:spcBef>
-              <a:buFont typeface="Arial" panose="020B0604020202020204" pitchFamily="34" charset="0"/>
-              <a:buNone/>
-              <a:defRPr sz="2000" kern="1200">
-                <a:solidFill>
-                  <a:schemeClr val="tx1">
-                    <a:tint val="75000"/>
-                  </a:schemeClr>
-                </a:solidFill>
-                <a:latin typeface="+mn-lt"/>
-                <a:ea typeface="+mn-ea"/>
-                <a:cs typeface="+mn-cs"/>
-              </a:defRPr>
-            </a:lvl4pPr>
-            <a:lvl5pPr marL="1828800" indent="0" algn="ctr" defTabSz="914400" rtl="0" eaLnBrk="1" latinLnBrk="0" hangingPunct="1">
-              <a:spcBef>
-                <a:spcPct val="20000"/>
-              </a:spcBef>
-              <a:buFont typeface="Arial" panose="020B0604020202020204" pitchFamily="34" charset="0"/>
-              <a:buNone/>
-              <a:defRPr sz="2000" kern="1200">
-                <a:solidFill>
-                  <a:schemeClr val="tx1">
-                    <a:tint val="75000"/>
-                  </a:schemeClr>
-                </a:solidFill>
-                <a:latin typeface="+mn-lt"/>
-                <a:ea typeface="+mn-ea"/>
-                <a:cs typeface="+mn-cs"/>
-              </a:defRPr>
-            </a:lvl5pPr>
-            <a:lvl6pPr marL="2286000" indent="0" algn="ctr" defTabSz="914400" rtl="0" eaLnBrk="1" latinLnBrk="0" hangingPunct="1">
-              <a:spcBef>
-                <a:spcPct val="20000"/>
-              </a:spcBef>
-              <a:buFont typeface="Arial" panose="020B0604020202020204" pitchFamily="34" charset="0"/>
-              <a:buNone/>
-              <a:defRPr sz="2000" kern="1200">
-                <a:solidFill>
-                  <a:schemeClr val="tx1">
-                    <a:tint val="75000"/>
-                  </a:schemeClr>
-                </a:solidFill>
-                <a:latin typeface="+mn-lt"/>
-                <a:ea typeface="+mn-ea"/>
-                <a:cs typeface="+mn-cs"/>
-              </a:defRPr>
-            </a:lvl6pPr>
-            <a:lvl7pPr marL="2743200" indent="0" algn="ctr" defTabSz="914400" rtl="0" eaLnBrk="1" latinLnBrk="0" hangingPunct="1">
-              <a:spcBef>
-                <a:spcPct val="20000"/>
-              </a:spcBef>
-              <a:buFont typeface="Arial" panose="020B0604020202020204" pitchFamily="34" charset="0"/>
-              <a:buNone/>
-              <a:defRPr sz="2000" kern="1200">
-                <a:solidFill>
-                  <a:schemeClr val="tx1">
-                    <a:tint val="75000"/>
-                  </a:schemeClr>
-                </a:solidFill>
-                <a:latin typeface="+mn-lt"/>
-                <a:ea typeface="+mn-ea"/>
-                <a:cs typeface="+mn-cs"/>
-              </a:defRPr>
-            </a:lvl7pPr>
-            <a:lvl8pPr marL="3200400" indent="0" algn="ctr" defTabSz="914400" rtl="0" eaLnBrk="1" latinLnBrk="0" hangingPunct="1">
-              <a:spcBef>
-                <a:spcPct val="20000"/>
-              </a:spcBef>
-              <a:buFont typeface="Arial" panose="020B0604020202020204" pitchFamily="34" charset="0"/>
-              <a:buNone/>
-              <a:defRPr sz="2000" kern="1200">
-                <a:solidFill>
-                  <a:schemeClr val="tx1">
-                    <a:tint val="75000"/>
-                  </a:schemeClr>
-                </a:solidFill>
-                <a:latin typeface="+mn-lt"/>
-                <a:ea typeface="+mn-ea"/>
-                <a:cs typeface="+mn-cs"/>
-              </a:defRPr>
-            </a:lvl8pPr>
-            <a:lvl9pPr marL="3657600" indent="0" algn="ctr" defTabSz="914400" rtl="0" eaLnBrk="1" latinLnBrk="0" hangingPunct="1">
-              <a:spcBef>
-                <a:spcPct val="20000"/>
-              </a:spcBef>
-              <a:buFont typeface="Arial" panose="020B0604020202020204" pitchFamily="34" charset="0"/>
-              <a:buNone/>
-              <a:defRPr sz="2000" kern="1200">
-                <a:solidFill>
-                  <a:schemeClr val="tx1">
-                    <a:tint val="75000"/>
-                  </a:schemeClr>
-                </a:solidFill>
-                <a:latin typeface="+mn-lt"/>
-                <a:ea typeface="+mn-ea"/>
-                <a:cs typeface="+mn-cs"/>
-              </a:defRPr>
-            </a:lvl9pPr>
-          </a:lstStyle>
-          <a:p>
-            <a:pPr marL="342900" indent="-342900" algn="l">
-              <a:buFont typeface="Wingdings" panose="05000000000000000000" pitchFamily="2" charset="2"/>
-              <a:buChar char="Ø"/>
-            </a:pPr>
-            <a:r>
-              <a:rPr lang="en-IN" sz="2400" dirty="0">
-                <a:solidFill>
-                  <a:srgbClr val="0055A0"/>
-                </a:solidFill>
-              </a:rPr>
-              <a:t>The objective of this project is to predict whether the customer will default their ﬁrst EMI on the Vehicle Loan on due date or not using the Loan Default Prediction Dataset from Kaggle.</a:t>
-            </a:r>
-          </a:p>
-          <a:p>
-            <a:pPr marL="342900" indent="-342900" algn="l">
-              <a:buFont typeface="Wingdings" panose="05000000000000000000" pitchFamily="2" charset="2"/>
-              <a:buChar char="Ø"/>
-            </a:pPr>
-            <a:r>
-              <a:rPr lang="en-US" sz="2400" dirty="0">
-                <a:solidFill>
-                  <a:srgbClr val="0055A0"/>
-                </a:solidFill>
-              </a:rPr>
-              <a:t>Finding out the critical features that to help him/the company to evaluating the probability of default of the customer, as well as prevent loosing out potential customers otherwise lost.</a:t>
-            </a:r>
           </a:p>
           <a:p>
             <a:pPr marL="342900" indent="-342900" algn="l">
@@ -4573,217 +4457,6 @@
     <p:extLst>
       <p:ext uri="{BB962C8B-B14F-4D97-AF65-F5344CB8AC3E}">
         <p14:creationId xmlns:p14="http://schemas.microsoft.com/office/powerpoint/2010/main" val="3761210359"/>
-      </p:ext>
-    </p:extLst>
-  </p:cSld>
-  <p:clrMapOvr>
-    <a:masterClrMapping/>
-  </p:clrMapOvr>
-  <p:timing>
-    <p:tnLst>
-      <p:par>
-        <p:cTn id="1" dur="indefinite" restart="never" nodeType="tmRoot">
-          <p:childTnLst>
-            <p:seq concurrent="1" nextAc="seek">
-              <p:cTn id="2" dur="indefinite" nodeType="mainSeq">
-                <p:childTnLst>
-                  <p:par>
-                    <p:cTn id="3" fill="hold">
-                      <p:stCondLst>
-                        <p:cond delay="indefinite"/>
-                      </p:stCondLst>
-                      <p:childTnLst>
-                        <p:par>
-                          <p:cTn id="4" fill="hold">
-                            <p:stCondLst>
-                              <p:cond delay="0"/>
-                            </p:stCondLst>
-                            <p:childTnLst>
-                              <p:par>
-                                <p:cTn id="5" presetID="1" presetClass="entr" presetSubtype="0" fill="hold" nodeType="clickEffect">
-                                  <p:stCondLst>
-                                    <p:cond delay="0"/>
-                                  </p:stCondLst>
-                                  <p:childTnLst>
-                                    <p:set>
-                                      <p:cBhvr>
-                                        <p:cTn id="6" dur="1" fill="hold">
-                                          <p:stCondLst>
-                                            <p:cond delay="0"/>
-                                          </p:stCondLst>
-                                        </p:cTn>
-                                        <p:tgtEl>
-                                          <p:spTgt spid="30">
-                                            <p:txEl>
-                                              <p:pRg st="0" end="0"/>
-                                            </p:txEl>
-                                          </p:spTgt>
-                                        </p:tgtEl>
-                                        <p:attrNameLst>
-                                          <p:attrName>style.visibility</p:attrName>
-                                        </p:attrNameLst>
-                                      </p:cBhvr>
-                                      <p:to>
-                                        <p:strVal val="visible"/>
-                                      </p:to>
-                                    </p:set>
-                                  </p:childTnLst>
-                                </p:cTn>
-                              </p:par>
-                            </p:childTnLst>
-                          </p:cTn>
-                        </p:par>
-                      </p:childTnLst>
-                    </p:cTn>
-                  </p:par>
-                  <p:par>
-                    <p:cTn id="7" fill="hold">
-                      <p:stCondLst>
-                        <p:cond delay="indefinite"/>
-                      </p:stCondLst>
-                      <p:childTnLst>
-                        <p:par>
-                          <p:cTn id="8" fill="hold">
-                            <p:stCondLst>
-                              <p:cond delay="0"/>
-                            </p:stCondLst>
-                            <p:childTnLst>
-                              <p:par>
-                                <p:cTn id="9" presetID="1" presetClass="entr" presetSubtype="0" fill="hold" nodeType="clickEffect">
-                                  <p:stCondLst>
-                                    <p:cond delay="0"/>
-                                  </p:stCondLst>
-                                  <p:childTnLst>
-                                    <p:set>
-                                      <p:cBhvr>
-                                        <p:cTn id="10" dur="1" fill="hold">
-                                          <p:stCondLst>
-                                            <p:cond delay="0"/>
-                                          </p:stCondLst>
-                                        </p:cTn>
-                                        <p:tgtEl>
-                                          <p:spTgt spid="30">
-                                            <p:txEl>
-                                              <p:pRg st="1" end="1"/>
-                                            </p:txEl>
-                                          </p:spTgt>
-                                        </p:tgtEl>
-                                        <p:attrNameLst>
-                                          <p:attrName>style.visibility</p:attrName>
-                                        </p:attrNameLst>
-                                      </p:cBhvr>
-                                      <p:to>
-                                        <p:strVal val="visible"/>
-                                      </p:to>
-                                    </p:set>
-                                  </p:childTnLst>
-                                </p:cTn>
-                              </p:par>
-                            </p:childTnLst>
-                          </p:cTn>
-                        </p:par>
-                      </p:childTnLst>
-                    </p:cTn>
-                  </p:par>
-                </p:childTnLst>
-              </p:cTn>
-              <p:prevCondLst>
-                <p:cond evt="onPrev" delay="0">
-                  <p:tgtEl>
-                    <p:sldTgt/>
-                  </p:tgtEl>
-                </p:cond>
-              </p:prevCondLst>
-              <p:nextCondLst>
-                <p:cond evt="onNext" delay="0">
-                  <p:tgtEl>
-                    <p:sldTgt/>
-                  </p:tgtEl>
-                </p:cond>
-              </p:nextCondLst>
-            </p:seq>
-          </p:childTnLst>
-        </p:cTn>
-      </p:par>
-    </p:tnLst>
-  </p:timing>
-</p:sld>
-</file>
-
-<file path=ppt/slides/slide3.xml><?xml version="1.0" encoding="utf-8"?>
-<p:sld xmlns:a="http://schemas.openxmlformats.org/drawingml/2006/main" xmlns:r="http://schemas.openxmlformats.org/officeDocument/2006/relationships" xmlns:p="http://schemas.openxmlformats.org/presentationml/2006/main">
-  <p:cSld>
-    <p:spTree>
-      <p:nvGrpSpPr>
-        <p:cNvPr id="1" name=""/>
-        <p:cNvGrpSpPr/>
-        <p:nvPr/>
-      </p:nvGrpSpPr>
-      <p:grpSpPr>
-        <a:xfrm>
-          <a:off x="0" y="0"/>
-          <a:ext cx="0" cy="0"/>
-          <a:chOff x="0" y="0"/>
-          <a:chExt cx="0" cy="0"/>
-        </a:xfrm>
-      </p:grpSpPr>
-      <p:sp>
-        <p:nvSpPr>
-          <p:cNvPr id="2" name="Title 1">
-            <a:extLst>
-              <a:ext uri="{FF2B5EF4-FFF2-40B4-BE49-F238E27FC236}">
-                <a16:creationId xmlns:a16="http://schemas.microsoft.com/office/drawing/2014/main" id="{543925F3-AEA9-4425-BE85-A907329B807D}"/>
-              </a:ext>
-            </a:extLst>
-          </p:cNvPr>
-          <p:cNvSpPr>
-            <a:spLocks noGrp="1"/>
-          </p:cNvSpPr>
-          <p:nvPr>
-            <p:ph type="title"/>
-          </p:nvPr>
-        </p:nvSpPr>
-        <p:spPr/>
-        <p:txBody>
-          <a:bodyPr/>
-          <a:lstStyle/>
-          <a:p>
-            <a:r>
-              <a:rPr lang="en-US" dirty="0"/>
-              <a:t>Introduction</a:t>
-            </a:r>
-          </a:p>
-        </p:txBody>
-      </p:sp>
-      <p:sp>
-        <p:nvSpPr>
-          <p:cNvPr id="3" name="Content Placeholder 2">
-            <a:extLst>
-              <a:ext uri="{FF2B5EF4-FFF2-40B4-BE49-F238E27FC236}">
-                <a16:creationId xmlns:a16="http://schemas.microsoft.com/office/drawing/2014/main" id="{58171DD3-3E42-48DF-95D4-3408C189D523}"/>
-              </a:ext>
-            </a:extLst>
-          </p:cNvPr>
-          <p:cNvSpPr>
-            <a:spLocks noGrp="1"/>
-          </p:cNvSpPr>
-          <p:nvPr>
-            <p:ph idx="1"/>
-          </p:nvPr>
-        </p:nvSpPr>
-        <p:spPr/>
-        <p:txBody>
-          <a:bodyPr/>
-          <a:lstStyle/>
-          <a:p>
-            <a:endParaRPr lang="en-US" dirty="0"/>
-          </a:p>
-        </p:txBody>
-      </p:sp>
-    </p:spTree>
-    <p:extLst>
-      <p:ext uri="{BB962C8B-B14F-4D97-AF65-F5344CB8AC3E}">
-        <p14:creationId xmlns:p14="http://schemas.microsoft.com/office/powerpoint/2010/main" val="3561413167"/>
       </p:ext>
     </p:extLst>
   </p:cSld>
@@ -4812,661 +4485,190 @@
       </p:grpSpPr>
       <p:sp>
         <p:nvSpPr>
-          <p:cNvPr id="4" name="Round Diagonal Corner Rectangle 3"/>
-          <p:cNvSpPr/>
-          <p:nvPr/>
+          <p:cNvPr id="2" name="Title 1"/>
+          <p:cNvSpPr>
+            <a:spLocks noGrp="1"/>
+          </p:cNvSpPr>
+          <p:nvPr>
+            <p:ph type="title"/>
+          </p:nvPr>
         </p:nvSpPr>
         <p:spPr>
           <a:xfrm>
-            <a:off x="45026" y="58880"/>
-            <a:ext cx="206087" cy="2209800"/>
+            <a:off x="628650" y="457200"/>
+            <a:ext cx="7886700" cy="1590571"/>
           </a:xfrm>
-          <a:prstGeom prst="round2DiagRect">
-            <a:avLst/>
-          </a:prstGeom>
-          <a:solidFill>
-            <a:srgbClr val="0070C0"/>
-          </a:solidFill>
-          <a:ln>
-            <a:solidFill>
-              <a:srgbClr val="0070C0"/>
-            </a:solidFill>
-          </a:ln>
         </p:spPr>
-        <p:style>
-          <a:lnRef idx="2">
-            <a:schemeClr val="accent3"/>
-          </a:lnRef>
-          <a:fillRef idx="1">
-            <a:schemeClr val="lt1"/>
-          </a:fillRef>
-          <a:effectRef idx="0">
-            <a:schemeClr val="accent3"/>
-          </a:effectRef>
-          <a:fontRef idx="minor">
-            <a:schemeClr val="dk1"/>
-          </a:fontRef>
-        </p:style>
-        <p:txBody>
-          <a:bodyPr rtlCol="0" anchor="ctr"/>
-          <a:lstStyle/>
-          <a:p>
-            <a:pPr algn="ctr"/>
-            <a:endParaRPr lang="en-US"/>
-          </a:p>
-        </p:txBody>
-      </p:sp>
-      <p:sp>
-        <p:nvSpPr>
-          <p:cNvPr id="5" name="Round Diagonal Corner Rectangle 4"/>
-          <p:cNvSpPr/>
+        <p:txBody>
+          <a:bodyPr>
+            <a:normAutofit/>
+          </a:bodyPr>
+          <a:lstStyle/>
+          <a:p>
+            <a:pPr algn="l"/>
+            <a:r>
+              <a:rPr lang="en-IN" sz="1650" b="1" dirty="0">
+                <a:latin typeface="Arial Rounded MT Bold" panose="020F0704030504030204" pitchFamily="34" charset="0"/>
+              </a:rPr>
+              <a:t>Distribution plot on numerical features:</a:t>
+            </a:r>
+            <a:br>
+              <a:rPr lang="en-IN" sz="1650" b="1" dirty="0">
+                <a:latin typeface="Arial Rounded MT Bold" panose="020F0704030504030204" pitchFamily="34" charset="0"/>
+              </a:rPr>
+            </a:br>
+            <a:r>
+              <a:rPr lang="en-IN" sz="1400" dirty="0">
+                <a:latin typeface="+mn-lt"/>
+              </a:rPr>
+              <a:t>Here numerical features are used for distribution plot. Most of the numerical variable like Asset cost distribution, primary CB, disbursed amount follows right skewed distribution whereas LTV follows left skewed distribution. Because in case if the borrower defaults on the loan</a:t>
+            </a:r>
+            <a:br>
+              <a:rPr lang="en-IN" sz="1400" dirty="0">
+                <a:latin typeface="+mn-lt"/>
+              </a:rPr>
+            </a:br>
+            <a:r>
+              <a:rPr lang="en-IN" sz="1400" dirty="0">
+                <a:latin typeface="+mn-lt"/>
+              </a:rPr>
+              <a:t>the lender can reposes the collateral and collect the money by selling it off. They can recover the losses for defaulted loan.</a:t>
+            </a:r>
+            <a:endParaRPr lang="en-IN" sz="1400" dirty="0">
+              <a:latin typeface="Arial Rounded MT Bold" panose="020F0704030504030204" pitchFamily="34" charset="0"/>
+            </a:endParaRPr>
+          </a:p>
+        </p:txBody>
+      </p:sp>
+      <p:pic>
+        <p:nvPicPr>
+          <p:cNvPr id="7" name="Picture 6"/>
+          <p:cNvPicPr>
+            <a:picLocks noChangeAspect="1"/>
+          </p:cNvPicPr>
           <p:nvPr/>
-        </p:nvSpPr>
+        </p:nvPicPr>
+        <p:blipFill>
+          <a:blip r:embed="rId2">
+            <a:extLst>
+              <a:ext uri="{28A0092B-C50C-407E-A947-70E740481C1C}">
+                <a14:useLocalDpi xmlns:a14="http://schemas.microsoft.com/office/drawing/2010/main" val="0"/>
+              </a:ext>
+            </a:extLst>
+          </a:blip>
+          <a:stretch>
+            <a:fillRect/>
+          </a:stretch>
+        </p:blipFill>
         <p:spPr>
           <a:xfrm>
-            <a:off x="45026" y="2313700"/>
-            <a:ext cx="206087" cy="4461170"/>
-          </a:xfrm>
-          <a:prstGeom prst="round2DiagRect">
-            <a:avLst/>
-          </a:prstGeom>
-          <a:solidFill>
-            <a:srgbClr val="00B0F0"/>
-          </a:solidFill>
-          <a:ln>
-            <a:solidFill>
-              <a:srgbClr val="00B0F0"/>
-            </a:solidFill>
-          </a:ln>
-        </p:spPr>
-        <p:style>
-          <a:lnRef idx="2">
-            <a:schemeClr val="accent3"/>
-          </a:lnRef>
-          <a:fillRef idx="1">
-            <a:schemeClr val="lt1"/>
-          </a:fillRef>
-          <a:effectRef idx="0">
-            <a:schemeClr val="accent3"/>
-          </a:effectRef>
-          <a:fontRef idx="minor">
-            <a:schemeClr val="dk1"/>
-          </a:fontRef>
-        </p:style>
-        <p:txBody>
-          <a:bodyPr rtlCol="0" anchor="ctr"/>
-          <a:lstStyle/>
-          <a:p>
-            <a:pPr algn="ctr"/>
-            <a:endParaRPr lang="en-US"/>
-          </a:p>
-        </p:txBody>
-      </p:sp>
-      <p:sp>
-        <p:nvSpPr>
-          <p:cNvPr id="30" name="Content Placeholder 2"/>
-          <p:cNvSpPr txBox="1">
-            <a:spLocks/>
-          </p:cNvSpPr>
-          <p:nvPr/>
-        </p:nvSpPr>
-        <p:spPr>
-          <a:xfrm>
-            <a:off x="429658" y="980501"/>
-            <a:ext cx="8485742" cy="5648899"/>
+            <a:off x="484153" y="2103087"/>
+            <a:ext cx="3729706" cy="2366615"/>
           </a:xfrm>
           <a:prstGeom prst="rect">
             <a:avLst/>
           </a:prstGeom>
         </p:spPr>
-        <p:txBody>
-          <a:bodyPr vert="horz" lIns="91440" tIns="45720" rIns="91440" bIns="45720" rtlCol="0">
-            <a:normAutofit/>
-          </a:bodyPr>
-          <a:lstStyle>
-            <a:lvl1pPr marL="0" indent="0" algn="ctr" defTabSz="914400" rtl="0" eaLnBrk="1" latinLnBrk="0" hangingPunct="1">
-              <a:spcBef>
-                <a:spcPct val="20000"/>
-              </a:spcBef>
-              <a:buFont typeface="Arial" panose="020B0604020202020204" pitchFamily="34" charset="0"/>
-              <a:buNone/>
-              <a:defRPr sz="3200" kern="1200">
-                <a:solidFill>
-                  <a:schemeClr val="tx1">
-                    <a:tint val="75000"/>
-                  </a:schemeClr>
-                </a:solidFill>
-                <a:latin typeface="+mn-lt"/>
-                <a:ea typeface="+mn-ea"/>
-                <a:cs typeface="+mn-cs"/>
-              </a:defRPr>
-            </a:lvl1pPr>
-            <a:lvl2pPr marL="457200" indent="0" algn="ctr" defTabSz="914400" rtl="0" eaLnBrk="1" latinLnBrk="0" hangingPunct="1">
-              <a:spcBef>
-                <a:spcPct val="20000"/>
-              </a:spcBef>
-              <a:buFont typeface="Arial" panose="020B0604020202020204" pitchFamily="34" charset="0"/>
-              <a:buNone/>
-              <a:defRPr sz="2800" kern="1200">
-                <a:solidFill>
-                  <a:schemeClr val="tx1">
-                    <a:tint val="75000"/>
-                  </a:schemeClr>
-                </a:solidFill>
-                <a:latin typeface="+mn-lt"/>
-                <a:ea typeface="+mn-ea"/>
-                <a:cs typeface="+mn-cs"/>
-              </a:defRPr>
-            </a:lvl2pPr>
-            <a:lvl3pPr marL="914400" indent="0" algn="ctr" defTabSz="914400" rtl="0" eaLnBrk="1" latinLnBrk="0" hangingPunct="1">
-              <a:spcBef>
-                <a:spcPct val="20000"/>
-              </a:spcBef>
-              <a:buFont typeface="Arial" panose="020B0604020202020204" pitchFamily="34" charset="0"/>
-              <a:buNone/>
-              <a:defRPr sz="2400" kern="1200">
-                <a:solidFill>
-                  <a:schemeClr val="tx1">
-                    <a:tint val="75000"/>
-                  </a:schemeClr>
-                </a:solidFill>
-                <a:latin typeface="+mn-lt"/>
-                <a:ea typeface="+mn-ea"/>
-                <a:cs typeface="+mn-cs"/>
-              </a:defRPr>
-            </a:lvl3pPr>
-            <a:lvl4pPr marL="1371600" indent="0" algn="ctr" defTabSz="914400" rtl="0" eaLnBrk="1" latinLnBrk="0" hangingPunct="1">
-              <a:spcBef>
-                <a:spcPct val="20000"/>
-              </a:spcBef>
-              <a:buFont typeface="Arial" panose="020B0604020202020204" pitchFamily="34" charset="0"/>
-              <a:buNone/>
-              <a:defRPr sz="2000" kern="1200">
-                <a:solidFill>
-                  <a:schemeClr val="tx1">
-                    <a:tint val="75000"/>
-                  </a:schemeClr>
-                </a:solidFill>
-                <a:latin typeface="+mn-lt"/>
-                <a:ea typeface="+mn-ea"/>
-                <a:cs typeface="+mn-cs"/>
-              </a:defRPr>
-            </a:lvl4pPr>
-            <a:lvl5pPr marL="1828800" indent="0" algn="ctr" defTabSz="914400" rtl="0" eaLnBrk="1" latinLnBrk="0" hangingPunct="1">
-              <a:spcBef>
-                <a:spcPct val="20000"/>
-              </a:spcBef>
-              <a:buFont typeface="Arial" panose="020B0604020202020204" pitchFamily="34" charset="0"/>
-              <a:buNone/>
-              <a:defRPr sz="2000" kern="1200">
-                <a:solidFill>
-                  <a:schemeClr val="tx1">
-                    <a:tint val="75000"/>
-                  </a:schemeClr>
-                </a:solidFill>
-                <a:latin typeface="+mn-lt"/>
-                <a:ea typeface="+mn-ea"/>
-                <a:cs typeface="+mn-cs"/>
-              </a:defRPr>
-            </a:lvl5pPr>
-            <a:lvl6pPr marL="2286000" indent="0" algn="ctr" defTabSz="914400" rtl="0" eaLnBrk="1" latinLnBrk="0" hangingPunct="1">
-              <a:spcBef>
-                <a:spcPct val="20000"/>
-              </a:spcBef>
-              <a:buFont typeface="Arial" panose="020B0604020202020204" pitchFamily="34" charset="0"/>
-              <a:buNone/>
-              <a:defRPr sz="2000" kern="1200">
-                <a:solidFill>
-                  <a:schemeClr val="tx1">
-                    <a:tint val="75000"/>
-                  </a:schemeClr>
-                </a:solidFill>
-                <a:latin typeface="+mn-lt"/>
-                <a:ea typeface="+mn-ea"/>
-                <a:cs typeface="+mn-cs"/>
-              </a:defRPr>
-            </a:lvl6pPr>
-            <a:lvl7pPr marL="2743200" indent="0" algn="ctr" defTabSz="914400" rtl="0" eaLnBrk="1" latinLnBrk="0" hangingPunct="1">
-              <a:spcBef>
-                <a:spcPct val="20000"/>
-              </a:spcBef>
-              <a:buFont typeface="Arial" panose="020B0604020202020204" pitchFamily="34" charset="0"/>
-              <a:buNone/>
-              <a:defRPr sz="2000" kern="1200">
-                <a:solidFill>
-                  <a:schemeClr val="tx1">
-                    <a:tint val="75000"/>
-                  </a:schemeClr>
-                </a:solidFill>
-                <a:latin typeface="+mn-lt"/>
-                <a:ea typeface="+mn-ea"/>
-                <a:cs typeface="+mn-cs"/>
-              </a:defRPr>
-            </a:lvl7pPr>
-            <a:lvl8pPr marL="3200400" indent="0" algn="ctr" defTabSz="914400" rtl="0" eaLnBrk="1" latinLnBrk="0" hangingPunct="1">
-              <a:spcBef>
-                <a:spcPct val="20000"/>
-              </a:spcBef>
-              <a:buFont typeface="Arial" panose="020B0604020202020204" pitchFamily="34" charset="0"/>
-              <a:buNone/>
-              <a:defRPr sz="2000" kern="1200">
-                <a:solidFill>
-                  <a:schemeClr val="tx1">
-                    <a:tint val="75000"/>
-                  </a:schemeClr>
-                </a:solidFill>
-                <a:latin typeface="+mn-lt"/>
-                <a:ea typeface="+mn-ea"/>
-                <a:cs typeface="+mn-cs"/>
-              </a:defRPr>
-            </a:lvl8pPr>
-            <a:lvl9pPr marL="3657600" indent="0" algn="ctr" defTabSz="914400" rtl="0" eaLnBrk="1" latinLnBrk="0" hangingPunct="1">
-              <a:spcBef>
-                <a:spcPct val="20000"/>
-              </a:spcBef>
-              <a:buFont typeface="Arial" panose="020B0604020202020204" pitchFamily="34" charset="0"/>
-              <a:buNone/>
-              <a:defRPr sz="2000" kern="1200">
-                <a:solidFill>
-                  <a:schemeClr val="tx1">
-                    <a:tint val="75000"/>
-                  </a:schemeClr>
-                </a:solidFill>
-                <a:latin typeface="+mn-lt"/>
-                <a:ea typeface="+mn-ea"/>
-                <a:cs typeface="+mn-cs"/>
-              </a:defRPr>
-            </a:lvl9pPr>
-          </a:lstStyle>
-          <a:p>
-            <a:pPr marL="342900" indent="-342900" algn="l">
-              <a:buFont typeface="Wingdings" panose="05000000000000000000" pitchFamily="2" charset="2"/>
-              <a:buChar char="Ø"/>
-            </a:pPr>
-            <a:r>
-              <a:rPr lang="en-IN" sz="2400" dirty="0">
-                <a:solidFill>
-                  <a:srgbClr val="0055A0"/>
-                </a:solidFill>
-              </a:rPr>
-              <a:t>Suggested solution for the defined problem</a:t>
-            </a:r>
-          </a:p>
-          <a:p>
-            <a:pPr marL="342900" indent="-342900" algn="l">
-              <a:buFont typeface="Wingdings" panose="05000000000000000000" pitchFamily="2" charset="2"/>
-              <a:buChar char="Ø"/>
-            </a:pPr>
-            <a:r>
-              <a:rPr lang="en-IN" sz="2400" dirty="0">
-                <a:solidFill>
-                  <a:srgbClr val="0055A0"/>
-                </a:solidFill>
-              </a:rPr>
-              <a:t>Data sets considered</a:t>
-            </a:r>
-          </a:p>
-          <a:p>
-            <a:pPr marL="342900" indent="-342900" algn="l">
-              <a:buFont typeface="Wingdings" panose="05000000000000000000" pitchFamily="2" charset="2"/>
-              <a:buChar char="Ø"/>
-            </a:pPr>
-            <a:r>
-              <a:rPr lang="en-IN" sz="2400" dirty="0">
-                <a:solidFill>
-                  <a:srgbClr val="0055A0"/>
-                </a:solidFill>
-              </a:rPr>
-              <a:t>Exploratory data analytics done</a:t>
-            </a:r>
-          </a:p>
-          <a:p>
-            <a:pPr marL="342900" indent="-342900" algn="l">
-              <a:buFont typeface="Wingdings" panose="05000000000000000000" pitchFamily="2" charset="2"/>
-              <a:buChar char="Ø"/>
-            </a:pPr>
-            <a:r>
-              <a:rPr lang="en-IN" sz="2400" dirty="0">
-                <a:solidFill>
-                  <a:srgbClr val="0055A0"/>
-                </a:solidFill>
-              </a:rPr>
-              <a:t>Any challenges expected/addressed</a:t>
-            </a:r>
-          </a:p>
-          <a:p>
-            <a:pPr marL="342900" indent="-342900" algn="l">
-              <a:buFont typeface="Wingdings" panose="05000000000000000000" pitchFamily="2" charset="2"/>
-              <a:buChar char="Ø"/>
-            </a:pPr>
-            <a:r>
-              <a:rPr lang="en-IN" sz="2400" dirty="0">
-                <a:solidFill>
-                  <a:srgbClr val="0055A0"/>
-                </a:solidFill>
-              </a:rPr>
-              <a:t>Tentative time: 6-8 minutes</a:t>
-            </a:r>
-          </a:p>
-        </p:txBody>
-      </p:sp>
-      <p:sp>
-        <p:nvSpPr>
-          <p:cNvPr id="31" name="TextBox 30"/>
-          <p:cNvSpPr txBox="1"/>
+      </p:pic>
+      <p:pic>
+        <p:nvPicPr>
+          <p:cNvPr id="8" name="Picture 7"/>
+          <p:cNvPicPr>
+            <a:picLocks noChangeAspect="1"/>
+          </p:cNvPicPr>
           <p:nvPr/>
-        </p:nvSpPr>
+        </p:nvPicPr>
+        <p:blipFill>
+          <a:blip r:embed="rId3">
+            <a:extLst>
+              <a:ext uri="{28A0092B-C50C-407E-A947-70E740481C1C}">
+                <a14:useLocalDpi xmlns:a14="http://schemas.microsoft.com/office/drawing/2010/main" val="0"/>
+              </a:ext>
+            </a:extLst>
+          </a:blip>
+          <a:stretch>
+            <a:fillRect/>
+          </a:stretch>
+        </p:blipFill>
         <p:spPr>
           <a:xfrm>
-            <a:off x="454231" y="54114"/>
-            <a:ext cx="8537369" cy="707886"/>
+            <a:off x="4973274" y="2208503"/>
+            <a:ext cx="3686573" cy="2155782"/>
           </a:xfrm>
           <a:prstGeom prst="rect">
             <a:avLst/>
           </a:prstGeom>
-          <a:noFill/>
         </p:spPr>
-        <p:txBody>
-          <a:bodyPr wrap="square" rtlCol="0">
-            <a:spAutoFit/>
-          </a:bodyPr>
-          <a:lstStyle/>
-          <a:p>
-            <a:r>
-              <a:rPr lang="en-US" sz="4000">
-                <a:ea typeface="굴림" panose="020B0600000101010101" pitchFamily="34" charset="-127"/>
-              </a:rPr>
-              <a:t>Suggested Solution and EDA</a:t>
-            </a:r>
-            <a:endParaRPr lang="en-US" sz="4000" b="1" dirty="0"/>
-          </a:p>
-        </p:txBody>
-      </p:sp>
+      </p:pic>
+      <p:pic>
+        <p:nvPicPr>
+          <p:cNvPr id="10" name="Content Placeholder 9"/>
+          <p:cNvPicPr>
+            <a:picLocks noGrp="1" noChangeAspect="1"/>
+          </p:cNvPicPr>
+          <p:nvPr>
+            <p:ph idx="1"/>
+          </p:nvPr>
+        </p:nvPicPr>
+        <p:blipFill>
+          <a:blip r:embed="rId4">
+            <a:extLst>
+              <a:ext uri="{28A0092B-C50C-407E-A947-70E740481C1C}">
+                <a14:useLocalDpi xmlns:a14="http://schemas.microsoft.com/office/drawing/2010/main" val="0"/>
+              </a:ext>
+            </a:extLst>
+          </a:blip>
+          <a:stretch>
+            <a:fillRect/>
+          </a:stretch>
+        </p:blipFill>
+        <p:spPr>
+          <a:xfrm>
+            <a:off x="4891177" y="4419600"/>
+            <a:ext cx="3752959" cy="2155782"/>
+          </a:xfrm>
+        </p:spPr>
+      </p:pic>
+      <p:pic>
+        <p:nvPicPr>
+          <p:cNvPr id="11" name="Picture 10"/>
+          <p:cNvPicPr>
+            <a:picLocks noChangeAspect="1"/>
+          </p:cNvPicPr>
+          <p:nvPr/>
+        </p:nvPicPr>
+        <p:blipFill>
+          <a:blip r:embed="rId5">
+            <a:extLst>
+              <a:ext uri="{28A0092B-C50C-407E-A947-70E740481C1C}">
+                <a14:useLocalDpi xmlns:a14="http://schemas.microsoft.com/office/drawing/2010/main" val="0"/>
+              </a:ext>
+            </a:extLst>
+          </a:blip>
+          <a:stretch>
+            <a:fillRect/>
+          </a:stretch>
+        </p:blipFill>
+        <p:spPr>
+          <a:xfrm>
+            <a:off x="499864" y="4503481"/>
+            <a:ext cx="3762899" cy="2086827"/>
+          </a:xfrm>
+          <a:prstGeom prst="rect">
+            <a:avLst/>
+          </a:prstGeom>
+        </p:spPr>
+      </p:pic>
     </p:spTree>
     <p:extLst>
       <p:ext uri="{BB962C8B-B14F-4D97-AF65-F5344CB8AC3E}">
-        <p14:creationId xmlns:p14="http://schemas.microsoft.com/office/powerpoint/2010/main" val="1152539440"/>
+        <p14:creationId xmlns:p14="http://schemas.microsoft.com/office/powerpoint/2010/main" val="3383383383"/>
       </p:ext>
     </p:extLst>
   </p:cSld>
   <p:clrMapOvr>
     <a:masterClrMapping/>
   </p:clrMapOvr>
-  <p:timing>
-    <p:tnLst>
-      <p:par>
-        <p:cTn id="1" dur="indefinite" restart="never" nodeType="tmRoot">
-          <p:childTnLst>
-            <p:seq concurrent="1" nextAc="seek">
-              <p:cTn id="2" dur="indefinite" nodeType="mainSeq">
-                <p:childTnLst>
-                  <p:par>
-                    <p:cTn id="3" fill="hold">
-                      <p:stCondLst>
-                        <p:cond delay="indefinite"/>
-                      </p:stCondLst>
-                      <p:childTnLst>
-                        <p:par>
-                          <p:cTn id="4" fill="hold">
-                            <p:stCondLst>
-                              <p:cond delay="0"/>
-                            </p:stCondLst>
-                            <p:childTnLst>
-                              <p:par>
-                                <p:cTn id="5" presetID="1" presetClass="entr" presetSubtype="0" fill="hold" nodeType="clickEffect">
-                                  <p:stCondLst>
-                                    <p:cond delay="0"/>
-                                  </p:stCondLst>
-                                  <p:childTnLst>
-                                    <p:set>
-                                      <p:cBhvr>
-                                        <p:cTn id="6" dur="1" fill="hold">
-                                          <p:stCondLst>
-                                            <p:cond delay="0"/>
-                                          </p:stCondLst>
-                                        </p:cTn>
-                                        <p:tgtEl>
-                                          <p:spTgt spid="30">
-                                            <p:txEl>
-                                              <p:pRg st="0" end="0"/>
-                                            </p:txEl>
-                                          </p:spTgt>
-                                        </p:tgtEl>
-                                        <p:attrNameLst>
-                                          <p:attrName>style.visibility</p:attrName>
-                                        </p:attrNameLst>
-                                      </p:cBhvr>
-                                      <p:to>
-                                        <p:strVal val="visible"/>
-                                      </p:to>
-                                    </p:set>
-                                  </p:childTnLst>
-                                </p:cTn>
-                              </p:par>
-                            </p:childTnLst>
-                          </p:cTn>
-                        </p:par>
-                      </p:childTnLst>
-                    </p:cTn>
-                  </p:par>
-                  <p:par>
-                    <p:cTn id="7" fill="hold">
-                      <p:stCondLst>
-                        <p:cond delay="indefinite"/>
-                      </p:stCondLst>
-                      <p:childTnLst>
-                        <p:par>
-                          <p:cTn id="8" fill="hold">
-                            <p:stCondLst>
-                              <p:cond delay="0"/>
-                            </p:stCondLst>
-                            <p:childTnLst>
-                              <p:par>
-                                <p:cTn id="9" presetID="1" presetClass="entr" presetSubtype="0" fill="hold" nodeType="clickEffect">
-                                  <p:stCondLst>
-                                    <p:cond delay="0"/>
-                                  </p:stCondLst>
-                                  <p:childTnLst>
-                                    <p:set>
-                                      <p:cBhvr>
-                                        <p:cTn id="10" dur="1" fill="hold">
-                                          <p:stCondLst>
-                                            <p:cond delay="0"/>
-                                          </p:stCondLst>
-                                        </p:cTn>
-                                        <p:tgtEl>
-                                          <p:spTgt spid="30">
-                                            <p:txEl>
-                                              <p:pRg st="1" end="1"/>
-                                            </p:txEl>
-                                          </p:spTgt>
-                                        </p:tgtEl>
-                                        <p:attrNameLst>
-                                          <p:attrName>style.visibility</p:attrName>
-                                        </p:attrNameLst>
-                                      </p:cBhvr>
-                                      <p:to>
-                                        <p:strVal val="visible"/>
-                                      </p:to>
-                                    </p:set>
-                                  </p:childTnLst>
-                                </p:cTn>
-                              </p:par>
-                            </p:childTnLst>
-                          </p:cTn>
-                        </p:par>
-                      </p:childTnLst>
-                    </p:cTn>
-                  </p:par>
-                  <p:par>
-                    <p:cTn id="11" fill="hold">
-                      <p:stCondLst>
-                        <p:cond delay="indefinite"/>
-                      </p:stCondLst>
-                      <p:childTnLst>
-                        <p:par>
-                          <p:cTn id="12" fill="hold">
-                            <p:stCondLst>
-                              <p:cond delay="0"/>
-                            </p:stCondLst>
-                            <p:childTnLst>
-                              <p:par>
-                                <p:cTn id="13" presetID="1" presetClass="entr" presetSubtype="0" fill="hold" nodeType="clickEffect">
-                                  <p:stCondLst>
-                                    <p:cond delay="0"/>
-                                  </p:stCondLst>
-                                  <p:childTnLst>
-                                    <p:set>
-                                      <p:cBhvr>
-                                        <p:cTn id="14" dur="1" fill="hold">
-                                          <p:stCondLst>
-                                            <p:cond delay="0"/>
-                                          </p:stCondLst>
-                                        </p:cTn>
-                                        <p:tgtEl>
-                                          <p:spTgt spid="30">
-                                            <p:txEl>
-                                              <p:pRg st="2" end="2"/>
-                                            </p:txEl>
-                                          </p:spTgt>
-                                        </p:tgtEl>
-                                        <p:attrNameLst>
-                                          <p:attrName>style.visibility</p:attrName>
-                                        </p:attrNameLst>
-                                      </p:cBhvr>
-                                      <p:to>
-                                        <p:strVal val="visible"/>
-                                      </p:to>
-                                    </p:set>
-                                  </p:childTnLst>
-                                </p:cTn>
-                              </p:par>
-                            </p:childTnLst>
-                          </p:cTn>
-                        </p:par>
-                      </p:childTnLst>
-                    </p:cTn>
-                  </p:par>
-                  <p:par>
-                    <p:cTn id="15" fill="hold">
-                      <p:stCondLst>
-                        <p:cond delay="indefinite"/>
-                      </p:stCondLst>
-                      <p:childTnLst>
-                        <p:par>
-                          <p:cTn id="16" fill="hold">
-                            <p:stCondLst>
-                              <p:cond delay="0"/>
-                            </p:stCondLst>
-                            <p:childTnLst>
-                              <p:par>
-                                <p:cTn id="17" presetID="1" presetClass="entr" presetSubtype="0" fill="hold" nodeType="clickEffect">
-                                  <p:stCondLst>
-                                    <p:cond delay="0"/>
-                                  </p:stCondLst>
-                                  <p:childTnLst>
-                                    <p:set>
-                                      <p:cBhvr>
-                                        <p:cTn id="18" dur="1" fill="hold">
-                                          <p:stCondLst>
-                                            <p:cond delay="0"/>
-                                          </p:stCondLst>
-                                        </p:cTn>
-                                        <p:tgtEl>
-                                          <p:spTgt spid="30">
-                                            <p:txEl>
-                                              <p:pRg st="3" end="3"/>
-                                            </p:txEl>
-                                          </p:spTgt>
-                                        </p:tgtEl>
-                                        <p:attrNameLst>
-                                          <p:attrName>style.visibility</p:attrName>
-                                        </p:attrNameLst>
-                                      </p:cBhvr>
-                                      <p:to>
-                                        <p:strVal val="visible"/>
-                                      </p:to>
-                                    </p:set>
-                                  </p:childTnLst>
-                                </p:cTn>
-                              </p:par>
-                            </p:childTnLst>
-                          </p:cTn>
-                        </p:par>
-                      </p:childTnLst>
-                    </p:cTn>
-                  </p:par>
-                  <p:par>
-                    <p:cTn id="19" fill="hold">
-                      <p:stCondLst>
-                        <p:cond delay="indefinite"/>
-                      </p:stCondLst>
-                      <p:childTnLst>
-                        <p:par>
-                          <p:cTn id="20" fill="hold">
-                            <p:stCondLst>
-                              <p:cond delay="0"/>
-                            </p:stCondLst>
-                            <p:childTnLst>
-                              <p:par>
-                                <p:cTn id="21" presetID="1" presetClass="entr" presetSubtype="0" fill="hold" nodeType="clickEffect">
-                                  <p:stCondLst>
-                                    <p:cond delay="0"/>
-                                  </p:stCondLst>
-                                  <p:childTnLst>
-                                    <p:set>
-                                      <p:cBhvr>
-                                        <p:cTn id="22" dur="1" fill="hold">
-                                          <p:stCondLst>
-                                            <p:cond delay="0"/>
-                                          </p:stCondLst>
-                                        </p:cTn>
-                                        <p:tgtEl>
-                                          <p:spTgt spid="30">
-                                            <p:txEl>
-                                              <p:pRg st="4" end="4"/>
-                                            </p:txEl>
-                                          </p:spTgt>
-                                        </p:tgtEl>
-                                        <p:attrNameLst>
-                                          <p:attrName>style.visibility</p:attrName>
-                                        </p:attrNameLst>
-                                      </p:cBhvr>
-                                      <p:to>
-                                        <p:strVal val="visible"/>
-                                      </p:to>
-                                    </p:set>
-                                  </p:childTnLst>
-                                </p:cTn>
-                              </p:par>
-                            </p:childTnLst>
-                          </p:cTn>
-                        </p:par>
-                      </p:childTnLst>
-                    </p:cTn>
-                  </p:par>
-                </p:childTnLst>
-              </p:cTn>
-              <p:prevCondLst>
-                <p:cond evt="onPrev" delay="0">
-                  <p:tgtEl>
-                    <p:sldTgt/>
-                  </p:tgtEl>
-                </p:cond>
-              </p:prevCondLst>
-              <p:nextCondLst>
-                <p:cond evt="onNext" delay="0">
-                  <p:tgtEl>
-                    <p:sldTgt/>
-                  </p:tgtEl>
-                </p:cond>
-              </p:nextCondLst>
-            </p:seq>
-          </p:childTnLst>
-        </p:cTn>
-      </p:par>
-    </p:tnLst>
-  </p:timing>
 </p:sld>
 </file>
 
@@ -5489,58 +4691,267 @@
       </p:grpSpPr>
       <p:sp>
         <p:nvSpPr>
-          <p:cNvPr id="2" name="Title 1">
+          <p:cNvPr id="2" name="Title 1"/>
+          <p:cNvSpPr>
+            <a:spLocks noGrp="1"/>
+          </p:cNvSpPr>
+          <p:nvPr>
+            <p:ph type="title"/>
+          </p:nvPr>
+        </p:nvSpPr>
+        <p:spPr>
+          <a:xfrm>
+            <a:off x="439947" y="381000"/>
+            <a:ext cx="8119613" cy="1981200"/>
+          </a:xfrm>
+        </p:spPr>
+        <p:txBody>
+          <a:bodyPr>
+            <a:normAutofit fontScale="90000"/>
+          </a:bodyPr>
+          <a:lstStyle/>
+          <a:p>
+            <a:pPr algn="l"/>
+            <a:r>
+              <a:rPr lang="en-IN" sz="1800" dirty="0">
+                <a:latin typeface="Arial Rounded MT Bold" panose="020F0704030504030204" pitchFamily="34" charset="0"/>
+              </a:rPr>
+              <a:t>Plots on various features:</a:t>
+            </a:r>
+            <a:br>
+              <a:rPr lang="en-IN" sz="1800" dirty="0">
+                <a:latin typeface="Arial Rounded MT Bold" panose="020F0704030504030204" pitchFamily="34" charset="0"/>
+              </a:rPr>
+            </a:br>
+            <a:r>
+              <a:rPr lang="en-IN" sz="1800" dirty="0">
+                <a:latin typeface="+mn-lt"/>
+              </a:rPr>
+              <a:t> Count plot for employment type is compared with the loan defaulters here where most of the self employed are a non-loan defaulters. </a:t>
+            </a:r>
+            <a:r>
+              <a:rPr lang="en-IN" sz="1800" dirty="0" err="1">
+                <a:latin typeface="+mn-lt"/>
+              </a:rPr>
+              <a:t>Aadhar</a:t>
+            </a:r>
+            <a:r>
+              <a:rPr lang="en-IN" sz="1800" dirty="0">
+                <a:latin typeface="+mn-lt"/>
+              </a:rPr>
+              <a:t> and pan details compared with loan defaulters. Person with </a:t>
+            </a:r>
+            <a:r>
+              <a:rPr lang="en-IN" sz="1800" dirty="0" err="1">
+                <a:latin typeface="+mn-lt"/>
+              </a:rPr>
+              <a:t>aadhar</a:t>
+            </a:r>
+            <a:r>
+              <a:rPr lang="en-IN" sz="1800" dirty="0">
+                <a:latin typeface="+mn-lt"/>
+              </a:rPr>
+              <a:t> are a loan defaulter whereas its just opposite to Pan details. Significant features like disbursed amount and asset amount plotted with loan defaulters, here the distribution is almost same shows no correlation with the target variable.</a:t>
+            </a:r>
+            <a:br>
+              <a:rPr lang="en-IN" sz="1800" dirty="0">
+                <a:latin typeface="Arial Rounded MT Bold" panose="020F0704030504030204" pitchFamily="34" charset="0"/>
+              </a:rPr>
+            </a:br>
+            <a:br>
+              <a:rPr lang="en-IN" sz="1650" dirty="0">
+                <a:latin typeface="Arial Rounded MT Bold" panose="020F0704030504030204" pitchFamily="34" charset="0"/>
+              </a:rPr>
+            </a:br>
+            <a:endParaRPr lang="en-IN" sz="1650" dirty="0">
+              <a:latin typeface="Arial Rounded MT Bold" panose="020F0704030504030204" pitchFamily="34" charset="0"/>
+            </a:endParaRPr>
+          </a:p>
+        </p:txBody>
+      </p:sp>
+      <p:pic>
+        <p:nvPicPr>
+          <p:cNvPr id="4" name="Content Placeholder 3"/>
+          <p:cNvPicPr>
+            <a:picLocks noGrp="1" noChangeAspect="1"/>
+          </p:cNvPicPr>
+          <p:nvPr>
+            <p:ph idx="1"/>
+          </p:nvPr>
+        </p:nvPicPr>
+        <p:blipFill>
+          <a:blip r:embed="rId2">
             <a:extLst>
-              <a:ext uri="{FF2B5EF4-FFF2-40B4-BE49-F238E27FC236}">
-                <a16:creationId xmlns:a16="http://schemas.microsoft.com/office/drawing/2014/main" id="{E9542EDD-DD0D-4B59-816D-B4BDD445A2AC}"/>
+              <a:ext uri="{28A0092B-C50C-407E-A947-70E740481C1C}">
+                <a14:useLocalDpi xmlns:a14="http://schemas.microsoft.com/office/drawing/2010/main" val="0"/>
               </a:ext>
             </a:extLst>
-          </p:cNvPr>
-          <p:cNvSpPr>
-            <a:spLocks noGrp="1"/>
-          </p:cNvSpPr>
-          <p:nvPr>
-            <p:ph type="title"/>
-          </p:nvPr>
-        </p:nvSpPr>
-        <p:spPr/>
-        <p:txBody>
-          <a:bodyPr/>
-          <a:lstStyle/>
-          <a:p>
-            <a:endParaRPr lang="en-US"/>
-          </a:p>
-        </p:txBody>
-      </p:sp>
-      <p:sp>
-        <p:nvSpPr>
-          <p:cNvPr id="3" name="Content Placeholder 2">
+          </a:blip>
+          <a:stretch>
+            <a:fillRect/>
+          </a:stretch>
+        </p:blipFill>
+        <p:spPr>
+          <a:xfrm>
+            <a:off x="457036" y="2050628"/>
+            <a:ext cx="3052063" cy="2177370"/>
+          </a:xfrm>
+        </p:spPr>
+      </p:pic>
+      <p:pic>
+        <p:nvPicPr>
+          <p:cNvPr id="5" name="Picture 4"/>
+          <p:cNvPicPr>
+            <a:picLocks noChangeAspect="1"/>
+          </p:cNvPicPr>
+          <p:nvPr/>
+        </p:nvPicPr>
+        <p:blipFill>
+          <a:blip r:embed="rId3">
             <a:extLst>
-              <a:ext uri="{FF2B5EF4-FFF2-40B4-BE49-F238E27FC236}">
-                <a16:creationId xmlns:a16="http://schemas.microsoft.com/office/drawing/2014/main" id="{80437BBC-4056-4081-B0BD-F5B6B2E3CC4F}"/>
+              <a:ext uri="{28A0092B-C50C-407E-A947-70E740481C1C}">
+                <a14:useLocalDpi xmlns:a14="http://schemas.microsoft.com/office/drawing/2010/main" val="0"/>
               </a:ext>
             </a:extLst>
-          </p:cNvPr>
-          <p:cNvSpPr>
-            <a:spLocks noGrp="1"/>
-          </p:cNvSpPr>
-          <p:nvPr>
-            <p:ph idx="1"/>
-          </p:nvPr>
-        </p:nvSpPr>
-        <p:spPr/>
-        <p:txBody>
-          <a:bodyPr/>
-          <a:lstStyle/>
-          <a:p>
-            <a:endParaRPr lang="en-US"/>
-          </a:p>
-        </p:txBody>
-      </p:sp>
+          </a:blip>
+          <a:stretch>
+            <a:fillRect/>
+          </a:stretch>
+        </p:blipFill>
+        <p:spPr>
+          <a:xfrm>
+            <a:off x="3291853" y="2130876"/>
+            <a:ext cx="3034343" cy="2177370"/>
+          </a:xfrm>
+          <a:prstGeom prst="rect">
+            <a:avLst/>
+          </a:prstGeom>
+        </p:spPr>
+      </p:pic>
+      <p:pic>
+        <p:nvPicPr>
+          <p:cNvPr id="6" name="Picture 5"/>
+          <p:cNvPicPr>
+            <a:picLocks noChangeAspect="1"/>
+          </p:cNvPicPr>
+          <p:nvPr/>
+        </p:nvPicPr>
+        <p:blipFill>
+          <a:blip r:embed="rId4">
+            <a:extLst>
+              <a:ext uri="{28A0092B-C50C-407E-A947-70E740481C1C}">
+                <a14:useLocalDpi xmlns:a14="http://schemas.microsoft.com/office/drawing/2010/main" val="0"/>
+              </a:ext>
+            </a:extLst>
+          </a:blip>
+          <a:stretch>
+            <a:fillRect/>
+          </a:stretch>
+        </p:blipFill>
+        <p:spPr>
+          <a:xfrm>
+            <a:off x="6096990" y="2085148"/>
+            <a:ext cx="2835935" cy="2177370"/>
+          </a:xfrm>
+          <a:prstGeom prst="rect">
+            <a:avLst/>
+          </a:prstGeom>
+        </p:spPr>
+      </p:pic>
+      <p:pic>
+        <p:nvPicPr>
+          <p:cNvPr id="7" name="Picture 6"/>
+          <p:cNvPicPr>
+            <a:picLocks noChangeAspect="1"/>
+          </p:cNvPicPr>
+          <p:nvPr/>
+        </p:nvPicPr>
+        <p:blipFill>
+          <a:blip r:embed="rId5">
+            <a:extLst>
+              <a:ext uri="{28A0092B-C50C-407E-A947-70E740481C1C}">
+                <a14:useLocalDpi xmlns:a14="http://schemas.microsoft.com/office/drawing/2010/main" val="0"/>
+              </a:ext>
+            </a:extLst>
+          </a:blip>
+          <a:stretch>
+            <a:fillRect/>
+          </a:stretch>
+        </p:blipFill>
+        <p:spPr>
+          <a:xfrm>
+            <a:off x="590207" y="4522377"/>
+            <a:ext cx="2785722" cy="1989188"/>
+          </a:xfrm>
+          <a:prstGeom prst="rect">
+            <a:avLst/>
+          </a:prstGeom>
+        </p:spPr>
+      </p:pic>
+      <p:pic>
+        <p:nvPicPr>
+          <p:cNvPr id="11" name="Picture 10"/>
+          <p:cNvPicPr>
+            <a:picLocks noChangeAspect="1"/>
+          </p:cNvPicPr>
+          <p:nvPr/>
+        </p:nvPicPr>
+        <p:blipFill>
+          <a:blip r:embed="rId6">
+            <a:extLst>
+              <a:ext uri="{28A0092B-C50C-407E-A947-70E740481C1C}">
+                <a14:useLocalDpi xmlns:a14="http://schemas.microsoft.com/office/drawing/2010/main" val="0"/>
+              </a:ext>
+            </a:extLst>
+          </a:blip>
+          <a:stretch>
+            <a:fillRect/>
+          </a:stretch>
+        </p:blipFill>
+        <p:spPr>
+          <a:xfrm>
+            <a:off x="3294210" y="4476496"/>
+            <a:ext cx="2867440" cy="2035069"/>
+          </a:xfrm>
+          <a:prstGeom prst="rect">
+            <a:avLst/>
+          </a:prstGeom>
+        </p:spPr>
+      </p:pic>
+      <p:pic>
+        <p:nvPicPr>
+          <p:cNvPr id="12" name="Picture 11"/>
+          <p:cNvPicPr>
+            <a:picLocks noChangeAspect="1"/>
+          </p:cNvPicPr>
+          <p:nvPr/>
+        </p:nvPicPr>
+        <p:blipFill>
+          <a:blip r:embed="rId7">
+            <a:extLst>
+              <a:ext uri="{28A0092B-C50C-407E-A947-70E740481C1C}">
+                <a14:useLocalDpi xmlns:a14="http://schemas.microsoft.com/office/drawing/2010/main" val="0"/>
+              </a:ext>
+            </a:extLst>
+          </a:blip>
+          <a:stretch>
+            <a:fillRect/>
+          </a:stretch>
+        </p:blipFill>
+        <p:spPr>
+          <a:xfrm>
+            <a:off x="6202742" y="4353974"/>
+            <a:ext cx="2753750" cy="2131524"/>
+          </a:xfrm>
+          <a:prstGeom prst="rect">
+            <a:avLst/>
+          </a:prstGeom>
+        </p:spPr>
+      </p:pic>
     </p:spTree>
     <p:extLst>
       <p:ext uri="{BB962C8B-B14F-4D97-AF65-F5344CB8AC3E}">
-        <p14:creationId xmlns:p14="http://schemas.microsoft.com/office/powerpoint/2010/main" val="2221598392"/>
+        <p14:creationId xmlns:p14="http://schemas.microsoft.com/office/powerpoint/2010/main" val="2232089093"/>
       </p:ext>
     </p:extLst>
   </p:cSld>
@@ -5551,401 +4962,6 @@
 </file>
 
 <file path=ppt/slides/slide6.xml><?xml version="1.0" encoding="utf-8"?>
-<p:sld xmlns:a="http://schemas.openxmlformats.org/drawingml/2006/main" xmlns:r="http://schemas.openxmlformats.org/officeDocument/2006/relationships" xmlns:p="http://schemas.openxmlformats.org/presentationml/2006/main">
-  <p:cSld>
-    <p:spTree>
-      <p:nvGrpSpPr>
-        <p:cNvPr id="1" name=""/>
-        <p:cNvGrpSpPr/>
-        <p:nvPr/>
-      </p:nvGrpSpPr>
-      <p:grpSpPr>
-        <a:xfrm>
-          <a:off x="0" y="0"/>
-          <a:ext cx="0" cy="0"/>
-          <a:chOff x="0" y="0"/>
-          <a:chExt cx="0" cy="0"/>
-        </a:xfrm>
-      </p:grpSpPr>
-      <p:sp>
-        <p:nvSpPr>
-          <p:cNvPr id="4" name="Round Diagonal Corner Rectangle 3"/>
-          <p:cNvSpPr/>
-          <p:nvPr/>
-        </p:nvSpPr>
-        <p:spPr>
-          <a:xfrm>
-            <a:off x="45026" y="58880"/>
-            <a:ext cx="206087" cy="2209800"/>
-          </a:xfrm>
-          <a:prstGeom prst="round2DiagRect">
-            <a:avLst/>
-          </a:prstGeom>
-          <a:solidFill>
-            <a:srgbClr val="0070C0"/>
-          </a:solidFill>
-          <a:ln>
-            <a:solidFill>
-              <a:srgbClr val="0070C0"/>
-            </a:solidFill>
-          </a:ln>
-        </p:spPr>
-        <p:style>
-          <a:lnRef idx="2">
-            <a:schemeClr val="accent3"/>
-          </a:lnRef>
-          <a:fillRef idx="1">
-            <a:schemeClr val="lt1"/>
-          </a:fillRef>
-          <a:effectRef idx="0">
-            <a:schemeClr val="accent3"/>
-          </a:effectRef>
-          <a:fontRef idx="minor">
-            <a:schemeClr val="dk1"/>
-          </a:fontRef>
-        </p:style>
-        <p:txBody>
-          <a:bodyPr rtlCol="0" anchor="ctr"/>
-          <a:lstStyle/>
-          <a:p>
-            <a:pPr algn="ctr"/>
-            <a:endParaRPr lang="en-US"/>
-          </a:p>
-        </p:txBody>
-      </p:sp>
-      <p:sp>
-        <p:nvSpPr>
-          <p:cNvPr id="5" name="Round Diagonal Corner Rectangle 4"/>
-          <p:cNvSpPr/>
-          <p:nvPr/>
-        </p:nvSpPr>
-        <p:spPr>
-          <a:xfrm>
-            <a:off x="45026" y="2313700"/>
-            <a:ext cx="206087" cy="4461170"/>
-          </a:xfrm>
-          <a:prstGeom prst="round2DiagRect">
-            <a:avLst/>
-          </a:prstGeom>
-          <a:solidFill>
-            <a:srgbClr val="00B0F0"/>
-          </a:solidFill>
-          <a:ln>
-            <a:solidFill>
-              <a:srgbClr val="00B0F0"/>
-            </a:solidFill>
-          </a:ln>
-        </p:spPr>
-        <p:style>
-          <a:lnRef idx="2">
-            <a:schemeClr val="accent3"/>
-          </a:lnRef>
-          <a:fillRef idx="1">
-            <a:schemeClr val="lt1"/>
-          </a:fillRef>
-          <a:effectRef idx="0">
-            <a:schemeClr val="accent3"/>
-          </a:effectRef>
-          <a:fontRef idx="minor">
-            <a:schemeClr val="dk1"/>
-          </a:fontRef>
-        </p:style>
-        <p:txBody>
-          <a:bodyPr rtlCol="0" anchor="ctr"/>
-          <a:lstStyle/>
-          <a:p>
-            <a:pPr algn="ctr"/>
-            <a:endParaRPr lang="en-US"/>
-          </a:p>
-        </p:txBody>
-      </p:sp>
-      <p:sp>
-        <p:nvSpPr>
-          <p:cNvPr id="30" name="Content Placeholder 2"/>
-          <p:cNvSpPr txBox="1">
-            <a:spLocks/>
-          </p:cNvSpPr>
-          <p:nvPr/>
-        </p:nvSpPr>
-        <p:spPr>
-          <a:xfrm>
-            <a:off x="429658" y="980501"/>
-            <a:ext cx="8485742" cy="5648899"/>
-          </a:xfrm>
-          <a:prstGeom prst="rect">
-            <a:avLst/>
-          </a:prstGeom>
-        </p:spPr>
-        <p:txBody>
-          <a:bodyPr vert="horz" lIns="91440" tIns="45720" rIns="91440" bIns="45720" rtlCol="0">
-            <a:normAutofit/>
-          </a:bodyPr>
-          <a:lstStyle>
-            <a:lvl1pPr marL="0" indent="0" algn="ctr" defTabSz="914400" rtl="0" eaLnBrk="1" latinLnBrk="0" hangingPunct="1">
-              <a:spcBef>
-                <a:spcPct val="20000"/>
-              </a:spcBef>
-              <a:buFont typeface="Arial" panose="020B0604020202020204" pitchFamily="34" charset="0"/>
-              <a:buNone/>
-              <a:defRPr sz="3200" kern="1200">
-                <a:solidFill>
-                  <a:schemeClr val="tx1">
-                    <a:tint val="75000"/>
-                  </a:schemeClr>
-                </a:solidFill>
-                <a:latin typeface="+mn-lt"/>
-                <a:ea typeface="+mn-ea"/>
-                <a:cs typeface="+mn-cs"/>
-              </a:defRPr>
-            </a:lvl1pPr>
-            <a:lvl2pPr marL="457200" indent="0" algn="ctr" defTabSz="914400" rtl="0" eaLnBrk="1" latinLnBrk="0" hangingPunct="1">
-              <a:spcBef>
-                <a:spcPct val="20000"/>
-              </a:spcBef>
-              <a:buFont typeface="Arial" panose="020B0604020202020204" pitchFamily="34" charset="0"/>
-              <a:buNone/>
-              <a:defRPr sz="2800" kern="1200">
-                <a:solidFill>
-                  <a:schemeClr val="tx1">
-                    <a:tint val="75000"/>
-                  </a:schemeClr>
-                </a:solidFill>
-                <a:latin typeface="+mn-lt"/>
-                <a:ea typeface="+mn-ea"/>
-                <a:cs typeface="+mn-cs"/>
-              </a:defRPr>
-            </a:lvl2pPr>
-            <a:lvl3pPr marL="914400" indent="0" algn="ctr" defTabSz="914400" rtl="0" eaLnBrk="1" latinLnBrk="0" hangingPunct="1">
-              <a:spcBef>
-                <a:spcPct val="20000"/>
-              </a:spcBef>
-              <a:buFont typeface="Arial" panose="020B0604020202020204" pitchFamily="34" charset="0"/>
-              <a:buNone/>
-              <a:defRPr sz="2400" kern="1200">
-                <a:solidFill>
-                  <a:schemeClr val="tx1">
-                    <a:tint val="75000"/>
-                  </a:schemeClr>
-                </a:solidFill>
-                <a:latin typeface="+mn-lt"/>
-                <a:ea typeface="+mn-ea"/>
-                <a:cs typeface="+mn-cs"/>
-              </a:defRPr>
-            </a:lvl3pPr>
-            <a:lvl4pPr marL="1371600" indent="0" algn="ctr" defTabSz="914400" rtl="0" eaLnBrk="1" latinLnBrk="0" hangingPunct="1">
-              <a:spcBef>
-                <a:spcPct val="20000"/>
-              </a:spcBef>
-              <a:buFont typeface="Arial" panose="020B0604020202020204" pitchFamily="34" charset="0"/>
-              <a:buNone/>
-              <a:defRPr sz="2000" kern="1200">
-                <a:solidFill>
-                  <a:schemeClr val="tx1">
-                    <a:tint val="75000"/>
-                  </a:schemeClr>
-                </a:solidFill>
-                <a:latin typeface="+mn-lt"/>
-                <a:ea typeface="+mn-ea"/>
-                <a:cs typeface="+mn-cs"/>
-              </a:defRPr>
-            </a:lvl4pPr>
-            <a:lvl5pPr marL="1828800" indent="0" algn="ctr" defTabSz="914400" rtl="0" eaLnBrk="1" latinLnBrk="0" hangingPunct="1">
-              <a:spcBef>
-                <a:spcPct val="20000"/>
-              </a:spcBef>
-              <a:buFont typeface="Arial" panose="020B0604020202020204" pitchFamily="34" charset="0"/>
-              <a:buNone/>
-              <a:defRPr sz="2000" kern="1200">
-                <a:solidFill>
-                  <a:schemeClr val="tx1">
-                    <a:tint val="75000"/>
-                  </a:schemeClr>
-                </a:solidFill>
-                <a:latin typeface="+mn-lt"/>
-                <a:ea typeface="+mn-ea"/>
-                <a:cs typeface="+mn-cs"/>
-              </a:defRPr>
-            </a:lvl5pPr>
-            <a:lvl6pPr marL="2286000" indent="0" algn="ctr" defTabSz="914400" rtl="0" eaLnBrk="1" latinLnBrk="0" hangingPunct="1">
-              <a:spcBef>
-                <a:spcPct val="20000"/>
-              </a:spcBef>
-              <a:buFont typeface="Arial" panose="020B0604020202020204" pitchFamily="34" charset="0"/>
-              <a:buNone/>
-              <a:defRPr sz="2000" kern="1200">
-                <a:solidFill>
-                  <a:schemeClr val="tx1">
-                    <a:tint val="75000"/>
-                  </a:schemeClr>
-                </a:solidFill>
-                <a:latin typeface="+mn-lt"/>
-                <a:ea typeface="+mn-ea"/>
-                <a:cs typeface="+mn-cs"/>
-              </a:defRPr>
-            </a:lvl6pPr>
-            <a:lvl7pPr marL="2743200" indent="0" algn="ctr" defTabSz="914400" rtl="0" eaLnBrk="1" latinLnBrk="0" hangingPunct="1">
-              <a:spcBef>
-                <a:spcPct val="20000"/>
-              </a:spcBef>
-              <a:buFont typeface="Arial" panose="020B0604020202020204" pitchFamily="34" charset="0"/>
-              <a:buNone/>
-              <a:defRPr sz="2000" kern="1200">
-                <a:solidFill>
-                  <a:schemeClr val="tx1">
-                    <a:tint val="75000"/>
-                  </a:schemeClr>
-                </a:solidFill>
-                <a:latin typeface="+mn-lt"/>
-                <a:ea typeface="+mn-ea"/>
-                <a:cs typeface="+mn-cs"/>
-              </a:defRPr>
-            </a:lvl7pPr>
-            <a:lvl8pPr marL="3200400" indent="0" algn="ctr" defTabSz="914400" rtl="0" eaLnBrk="1" latinLnBrk="0" hangingPunct="1">
-              <a:spcBef>
-                <a:spcPct val="20000"/>
-              </a:spcBef>
-              <a:buFont typeface="Arial" panose="020B0604020202020204" pitchFamily="34" charset="0"/>
-              <a:buNone/>
-              <a:defRPr sz="2000" kern="1200">
-                <a:solidFill>
-                  <a:schemeClr val="tx1">
-                    <a:tint val="75000"/>
-                  </a:schemeClr>
-                </a:solidFill>
-                <a:latin typeface="+mn-lt"/>
-                <a:ea typeface="+mn-ea"/>
-                <a:cs typeface="+mn-cs"/>
-              </a:defRPr>
-            </a:lvl8pPr>
-            <a:lvl9pPr marL="3657600" indent="0" algn="ctr" defTabSz="914400" rtl="0" eaLnBrk="1" latinLnBrk="0" hangingPunct="1">
-              <a:spcBef>
-                <a:spcPct val="20000"/>
-              </a:spcBef>
-              <a:buFont typeface="Arial" panose="020B0604020202020204" pitchFamily="34" charset="0"/>
-              <a:buNone/>
-              <a:defRPr sz="2000" kern="1200">
-                <a:solidFill>
-                  <a:schemeClr val="tx1">
-                    <a:tint val="75000"/>
-                  </a:schemeClr>
-                </a:solidFill>
-                <a:latin typeface="+mn-lt"/>
-                <a:ea typeface="+mn-ea"/>
-                <a:cs typeface="+mn-cs"/>
-              </a:defRPr>
-            </a:lvl9pPr>
-          </a:lstStyle>
-          <a:p>
-            <a:pPr marL="342900" indent="-342900" algn="l">
-              <a:buFont typeface="Wingdings" panose="05000000000000000000" pitchFamily="2" charset="2"/>
-              <a:buChar char="Ø"/>
-            </a:pPr>
-            <a:endParaRPr lang="en-IN" sz="2400" dirty="0">
-              <a:solidFill>
-                <a:srgbClr val="0055A0"/>
-              </a:solidFill>
-            </a:endParaRPr>
-          </a:p>
-        </p:txBody>
-      </p:sp>
-    </p:spTree>
-    <p:extLst>
-      <p:ext uri="{BB962C8B-B14F-4D97-AF65-F5344CB8AC3E}">
-        <p14:creationId xmlns:p14="http://schemas.microsoft.com/office/powerpoint/2010/main" val="2389067596"/>
-      </p:ext>
-    </p:extLst>
-  </p:cSld>
-  <p:clrMapOvr>
-    <a:masterClrMapping/>
-  </p:clrMapOvr>
-  <p:timing>
-    <p:tnLst>
-      <p:par>
-        <p:cTn id="1" dur="indefinite" restart="never" nodeType="tmRoot">
-          <p:childTnLst>
-            <p:seq concurrent="1" nextAc="seek">
-              <p:cTn id="2" dur="indefinite" nodeType="mainSeq">
-                <p:childTnLst>
-                  <p:par>
-                    <p:cTn id="3" fill="hold">
-                      <p:stCondLst>
-                        <p:cond delay="indefinite"/>
-                      </p:stCondLst>
-                      <p:childTnLst>
-                        <p:par>
-                          <p:cTn id="4" fill="hold">
-                            <p:stCondLst>
-                              <p:cond delay="0"/>
-                            </p:stCondLst>
-                            <p:childTnLst>
-                              <p:par>
-                                <p:cTn id="5" presetID="1" presetClass="entr" presetSubtype="0" fill="hold" nodeType="clickEffect" nodePh="1">
-                                  <p:stCondLst>
-                                    <p:cond delay="0"/>
-                                  </p:stCondLst>
-                                  <p:endCondLst>
-                                    <p:cond evt="begin" delay="0">
-                                      <p:tn val="5"/>
-                                    </p:cond>
-                                  </p:endCondLst>
-                                  <p:childTnLst>
-                                    <p:set>
-                                      <p:cBhvr>
-                                        <p:cTn id="6" dur="1" fill="hold">
-                                          <p:stCondLst>
-                                            <p:cond delay="0"/>
-                                          </p:stCondLst>
-                                        </p:cTn>
-                                        <p:tgtEl>
-                                          <p:spTgt spid="30">
-                                            <p:txEl>
-                                              <p:pRg st="0" end="0"/>
-                                            </p:txEl>
-                                          </p:spTgt>
-                                        </p:tgtEl>
-                                        <p:attrNameLst>
-                                          <p:attrName>style.visibility</p:attrName>
-                                        </p:attrNameLst>
-                                      </p:cBhvr>
-                                      <p:to>
-                                        <p:strVal val="visible"/>
-                                      </p:to>
-                                    </p:set>
-                                  </p:childTnLst>
-                                </p:cTn>
-                              </p:par>
-                            </p:childTnLst>
-                          </p:cTn>
-                        </p:par>
-                      </p:childTnLst>
-                    </p:cTn>
-                  </p:par>
-                </p:childTnLst>
-              </p:cTn>
-              <p:prevCondLst>
-                <p:cond evt="onPrev" delay="0">
-                  <p:tgtEl>
-                    <p:sldTgt/>
-                  </p:tgtEl>
-                </p:cond>
-              </p:prevCondLst>
-              <p:nextCondLst>
-                <p:cond evt="onNext" delay="0">
-                  <p:tgtEl>
-                    <p:sldTgt/>
-                  </p:tgtEl>
-                </p:cond>
-              </p:nextCondLst>
-            </p:seq>
-          </p:childTnLst>
-        </p:cTn>
-      </p:par>
-    </p:tnLst>
-  </p:timing>
-</p:sld>
-</file>
-
-<file path=ppt/slides/slide7.xml><?xml version="1.0" encoding="utf-8"?>
 <p:sld xmlns:a="http://schemas.openxmlformats.org/drawingml/2006/main" xmlns:r="http://schemas.openxmlformats.org/officeDocument/2006/relationships" xmlns:p="http://schemas.openxmlformats.org/presentationml/2006/main">
   <p:cSld>
     <p:spTree>
@@ -6366,6 +5382,167 @@
 </p:sld>
 </file>
 
+<file path=ppt/slides/slide7.xml><?xml version="1.0" encoding="utf-8"?>
+<p:sld xmlns:a="http://schemas.openxmlformats.org/drawingml/2006/main" xmlns:r="http://schemas.openxmlformats.org/officeDocument/2006/relationships" xmlns:p="http://schemas.openxmlformats.org/presentationml/2006/main">
+  <p:cSld>
+    <p:spTree>
+      <p:nvGrpSpPr>
+        <p:cNvPr id="1" name=""/>
+        <p:cNvGrpSpPr/>
+        <p:nvPr/>
+      </p:nvGrpSpPr>
+      <p:grpSpPr>
+        <a:xfrm>
+          <a:off x="0" y="0"/>
+          <a:ext cx="0" cy="0"/>
+          <a:chOff x="0" y="0"/>
+          <a:chExt cx="0" cy="0"/>
+        </a:xfrm>
+      </p:grpSpPr>
+      <p:sp>
+        <p:nvSpPr>
+          <p:cNvPr id="2" name="Title 1">
+            <a:extLst>
+              <a:ext uri="{FF2B5EF4-FFF2-40B4-BE49-F238E27FC236}">
+                <a16:creationId xmlns:a16="http://schemas.microsoft.com/office/drawing/2014/main" id="{541A397E-F577-49FF-BC80-010E4660590D}"/>
+              </a:ext>
+            </a:extLst>
+          </p:cNvPr>
+          <p:cNvSpPr>
+            <a:spLocks noGrp="1"/>
+          </p:cNvSpPr>
+          <p:nvPr>
+            <p:ph type="title"/>
+          </p:nvPr>
+        </p:nvSpPr>
+        <p:spPr/>
+        <p:txBody>
+          <a:bodyPr/>
+          <a:lstStyle/>
+          <a:p>
+            <a:r>
+              <a:rPr lang="en-US" dirty="0"/>
+              <a:t>Feature Engineering</a:t>
+            </a:r>
+          </a:p>
+        </p:txBody>
+      </p:sp>
+      <p:sp>
+        <p:nvSpPr>
+          <p:cNvPr id="3" name="Content Placeholder 2">
+            <a:extLst>
+              <a:ext uri="{FF2B5EF4-FFF2-40B4-BE49-F238E27FC236}">
+                <a16:creationId xmlns:a16="http://schemas.microsoft.com/office/drawing/2014/main" id="{4887195E-57E5-4EF2-9755-BE81F07132A4}"/>
+              </a:ext>
+            </a:extLst>
+          </p:cNvPr>
+          <p:cNvSpPr>
+            <a:spLocks noGrp="1"/>
+          </p:cNvSpPr>
+          <p:nvPr>
+            <p:ph idx="1"/>
+          </p:nvPr>
+        </p:nvSpPr>
+        <p:spPr/>
+        <p:txBody>
+          <a:bodyPr>
+            <a:normAutofit/>
+          </a:bodyPr>
+          <a:lstStyle/>
+          <a:p>
+            <a:pPr marL="0" indent="0">
+              <a:buNone/>
+            </a:pPr>
+            <a:r>
+              <a:rPr lang="en-IN" sz="2400" dirty="0"/>
+              <a:t>1. </a:t>
+            </a:r>
+            <a:r>
+              <a:rPr lang="en-IN" sz="2400" b="1" dirty="0"/>
+              <a:t>Transformations</a:t>
+            </a:r>
+            <a:r>
+              <a:rPr lang="en-IN" sz="2400" dirty="0"/>
+              <a:t> :</a:t>
+            </a:r>
+          </a:p>
+          <a:p>
+            <a:pPr marL="0" indent="0">
+              <a:buNone/>
+            </a:pPr>
+            <a:r>
+              <a:rPr lang="en-IN" sz="2400" dirty="0"/>
+              <a:t>Yes . Since the data is not normally distributed (Highly right skewed), We tried Log transform, Sqrt transform.</a:t>
+            </a:r>
+          </a:p>
+          <a:p>
+            <a:pPr marL="0" indent="0">
+              <a:buNone/>
+            </a:pPr>
+            <a:r>
+              <a:rPr lang="en-IN" sz="2400" dirty="0"/>
+              <a:t>2. </a:t>
+            </a:r>
+            <a:r>
+              <a:rPr lang="en-IN" sz="2400" b="1" dirty="0"/>
+              <a:t>Scaling the data </a:t>
+            </a:r>
+            <a:r>
+              <a:rPr lang="en-IN" sz="2400" dirty="0"/>
+              <a:t>:</a:t>
+            </a:r>
+          </a:p>
+          <a:p>
+            <a:pPr marL="0" indent="0">
+              <a:buNone/>
+            </a:pPr>
+            <a:r>
+              <a:rPr lang="en-IN" sz="2400" dirty="0"/>
+              <a:t>Yes, the data has been scaled.</a:t>
+            </a:r>
+          </a:p>
+          <a:p>
+            <a:pPr marL="0" indent="0">
+              <a:buNone/>
+            </a:pPr>
+            <a:r>
+              <a:rPr lang="en-IN" sz="2400" dirty="0"/>
+              <a:t>3. </a:t>
+            </a:r>
+            <a:r>
+              <a:rPr lang="en-IN" sz="2400" b="1" dirty="0"/>
+              <a:t>Dimensionality reduction </a:t>
+            </a:r>
+            <a:r>
+              <a:rPr lang="en-IN" sz="2400" dirty="0"/>
+              <a:t>:</a:t>
+            </a:r>
+          </a:p>
+          <a:p>
+            <a:pPr marL="0" indent="0">
+              <a:buNone/>
+            </a:pPr>
+            <a:r>
+              <a:rPr lang="en-IN" sz="2400" dirty="0"/>
+              <a:t> Since there is no multicollinearity in our data, We haven’t done PCA.</a:t>
+            </a:r>
+            <a:endParaRPr lang="en-US" sz="2400" dirty="0"/>
+          </a:p>
+        </p:txBody>
+      </p:sp>
+    </p:spTree>
+    <p:extLst>
+      <p:ext uri="{BB962C8B-B14F-4D97-AF65-F5344CB8AC3E}">
+        <p14:creationId xmlns:p14="http://schemas.microsoft.com/office/powerpoint/2010/main" val="3227524239"/>
+      </p:ext>
+    </p:extLst>
+  </p:cSld>
+  <p:clrMapOvr>
+    <a:masterClrMapping/>
+  </p:clrMapOvr>
+</p:sld>
+</file>
+
 <file path=ppt/slides/slide8.xml><?xml version="1.0" encoding="utf-8"?>
 <p:sld xmlns:a="http://schemas.openxmlformats.org/drawingml/2006/main" xmlns:r="http://schemas.openxmlformats.org/officeDocument/2006/relationships" xmlns:p="http://schemas.openxmlformats.org/presentationml/2006/main">
   <p:cSld>
@@ -6388,7 +5565,7 @@
           <p:cNvPr id="2" name="Title 1">
             <a:extLst>
               <a:ext uri="{FF2B5EF4-FFF2-40B4-BE49-F238E27FC236}">
-                <a16:creationId xmlns:a16="http://schemas.microsoft.com/office/drawing/2014/main" id="{541A397E-F577-49FF-BC80-010E4660590D}"/>
+                <a16:creationId xmlns:a16="http://schemas.microsoft.com/office/drawing/2014/main" id="{F6584AFD-6D6B-41BD-8AA7-E55CA8893D30}"/>
               </a:ext>
             </a:extLst>
           </p:cNvPr>
@@ -6406,7 +5583,7 @@
           <a:p>
             <a:r>
               <a:rPr lang="en-US" dirty="0"/>
-              <a:t>Feature Engineering</a:t>
+              <a:t>Assumptions</a:t>
             </a:r>
           </a:p>
         </p:txBody>
@@ -6416,7 +5593,7 @@
           <p:cNvPr id="3" name="Content Placeholder 2">
             <a:extLst>
               <a:ext uri="{FF2B5EF4-FFF2-40B4-BE49-F238E27FC236}">
-                <a16:creationId xmlns:a16="http://schemas.microsoft.com/office/drawing/2014/main" id="{4887195E-57E5-4EF2-9755-BE81F07132A4}"/>
+                <a16:creationId xmlns:a16="http://schemas.microsoft.com/office/drawing/2014/main" id="{1DD175B5-E4E4-4BD1-8A11-20DED898F8EA}"/>
               </a:ext>
             </a:extLst>
           </p:cNvPr>
@@ -6434,90 +5611,62 @@
           </a:bodyPr>
           <a:lstStyle/>
           <a:p>
+            <a:r>
+              <a:rPr lang="en-IN" sz="2400" b="1" dirty="0"/>
+              <a:t>General Assumptions: </a:t>
+            </a:r>
+          </a:p>
+          <a:p>
             <a:pPr marL="0" indent="0">
               <a:buNone/>
             </a:pPr>
             <a:r>
               <a:rPr lang="en-IN" sz="2400" dirty="0"/>
-              <a:t>1. </a:t>
-            </a:r>
+              <a:t>      -&gt; No redundant data.</a:t>
+            </a:r>
+          </a:p>
+          <a:p>
+            <a:pPr marL="0" indent="0">
+              <a:buNone/>
+            </a:pPr>
             <a:r>
               <a:rPr lang="en-IN" sz="2400" b="1" dirty="0"/>
-              <a:t>Transformations</a:t>
+              <a:t>      </a:t>
             </a:r>
             <a:r>
               <a:rPr lang="en-IN" sz="2400" dirty="0"/>
-              <a:t> :</a:t>
-            </a:r>
-          </a:p>
-          <a:p>
-            <a:pPr marL="0" indent="0">
-              <a:buNone/>
-            </a:pPr>
-            <a:r>
-              <a:rPr lang="en-IN" sz="2400" dirty="0"/>
-              <a:t>Yes . Since the data is not normally distributed (Highly right skewed), We tried Log transform, Sqrt transform.</a:t>
-            </a:r>
-          </a:p>
-          <a:p>
-            <a:pPr marL="0" indent="0">
-              <a:buNone/>
-            </a:pPr>
-            <a:r>
-              <a:rPr lang="en-IN" sz="2400" dirty="0"/>
-              <a:t>2. </a:t>
-            </a:r>
+              <a:t>-&gt; Absence of Multicollinearity</a:t>
+            </a:r>
+          </a:p>
+          <a:p>
             <a:r>
               <a:rPr lang="en-IN" sz="2400" b="1" dirty="0"/>
-              <a:t>Scaling the data </a:t>
-            </a:r>
-            <a:r>
-              <a:rPr lang="en-IN" sz="2400" dirty="0"/>
-              <a:t>:</a:t>
-            </a:r>
-          </a:p>
-          <a:p>
-            <a:pPr marL="0" indent="0">
-              <a:buNone/>
-            </a:pPr>
-            <a:r>
-              <a:rPr lang="en-IN" sz="2400" dirty="0"/>
-              <a:t>Yes, the data has been scaled.</a:t>
-            </a:r>
-          </a:p>
-          <a:p>
-            <a:pPr marL="0" indent="0">
-              <a:buNone/>
-            </a:pPr>
-            <a:r>
-              <a:rPr lang="en-IN" sz="2400" dirty="0"/>
-              <a:t>3. </a:t>
-            </a:r>
-            <a:r>
-              <a:rPr lang="en-IN" sz="2400" b="1" dirty="0"/>
-              <a:t>Dimensionality reduction </a:t>
-            </a:r>
-            <a:r>
-              <a:rPr lang="en-IN" sz="2400" dirty="0"/>
-              <a:t>:</a:t>
-            </a:r>
-          </a:p>
-          <a:p>
-            <a:pPr marL="0" indent="0">
-              <a:buNone/>
-            </a:pPr>
-            <a:r>
-              <a:rPr lang="en-IN" sz="2400" dirty="0"/>
-              <a:t> Since there is no multicollinearity in our data, We haven’t done PCA.</a:t>
-            </a:r>
-            <a:endParaRPr lang="en-US" sz="2400" dirty="0"/>
+              <a:t>Naive Bayes</a:t>
+            </a:r>
+            <a:r>
+              <a:rPr lang="en-US" sz="2400" b="1" dirty="0"/>
+              <a:t> -  </a:t>
+            </a:r>
+            <a:r>
+              <a:rPr lang="en-US" sz="2400" dirty="0"/>
+              <a:t>Attributes are conditionally independent.</a:t>
+            </a:r>
+          </a:p>
+          <a:p>
+            <a:r>
+              <a:rPr lang="en-US" sz="2400" dirty="0"/>
+              <a:t>Decision Tree, Random Forest, KNN – No assumptions</a:t>
+            </a:r>
+          </a:p>
+          <a:p>
+            <a:endParaRPr lang="en-IN" sz="2400" b="1" dirty="0"/>
           </a:p>
         </p:txBody>
       </p:sp>
     </p:spTree>
     <p:extLst>
       <p:ext uri="{BB962C8B-B14F-4D97-AF65-F5344CB8AC3E}">
-        <p14:creationId xmlns:p14="http://schemas.microsoft.com/office/powerpoint/2010/main" val="3227524239"/>
+        <p14:creationId xmlns:p14="http://schemas.microsoft.com/office/powerpoint/2010/main" val="1235205643"/>
       </p:ext>
     </p:extLst>
   </p:cSld>
@@ -6546,111 +5695,297 @@
       </p:grpSpPr>
       <p:sp>
         <p:nvSpPr>
-          <p:cNvPr id="2" name="Title 1">
-            <a:extLst>
-              <a:ext uri="{FF2B5EF4-FFF2-40B4-BE49-F238E27FC236}">
-                <a16:creationId xmlns:a16="http://schemas.microsoft.com/office/drawing/2014/main" id="{F6584AFD-6D6B-41BD-8AA7-E55CA8893D30}"/>
-              </a:ext>
-            </a:extLst>
-          </p:cNvPr>
-          <p:cNvSpPr>
-            <a:spLocks noGrp="1"/>
-          </p:cNvSpPr>
-          <p:nvPr>
-            <p:ph type="title"/>
-          </p:nvPr>
-        </p:nvSpPr>
-        <p:spPr/>
-        <p:txBody>
-          <a:bodyPr/>
-          <a:lstStyle/>
-          <a:p>
-            <a:r>
-              <a:rPr lang="en-US" dirty="0"/>
-              <a:t>Assumptions</a:t>
-            </a:r>
-          </a:p>
-        </p:txBody>
-      </p:sp>
-      <p:sp>
-        <p:nvSpPr>
-          <p:cNvPr id="3" name="Content Placeholder 2">
-            <a:extLst>
-              <a:ext uri="{FF2B5EF4-FFF2-40B4-BE49-F238E27FC236}">
-                <a16:creationId xmlns:a16="http://schemas.microsoft.com/office/drawing/2014/main" id="{1DD175B5-E4E4-4BD1-8A11-20DED898F8EA}"/>
-              </a:ext>
-            </a:extLst>
-          </p:cNvPr>
-          <p:cNvSpPr>
-            <a:spLocks noGrp="1"/>
-          </p:cNvSpPr>
-          <p:nvPr>
-            <p:ph idx="1"/>
-          </p:nvPr>
-        </p:nvSpPr>
-        <p:spPr/>
-        <p:txBody>
-          <a:bodyPr>
+          <p:cNvPr id="4" name="Round Diagonal Corner Rectangle 3"/>
+          <p:cNvSpPr/>
+          <p:nvPr/>
+        </p:nvSpPr>
+        <p:spPr>
+          <a:xfrm>
+            <a:off x="45026" y="58880"/>
+            <a:ext cx="206087" cy="2209800"/>
+          </a:xfrm>
+          <a:prstGeom prst="round2DiagRect">
+            <a:avLst/>
+          </a:prstGeom>
+          <a:solidFill>
+            <a:srgbClr val="0070C0"/>
+          </a:solidFill>
+          <a:ln>
+            <a:solidFill>
+              <a:srgbClr val="0070C0"/>
+            </a:solidFill>
+          </a:ln>
+        </p:spPr>
+        <p:style>
+          <a:lnRef idx="2">
+            <a:schemeClr val="accent3"/>
+          </a:lnRef>
+          <a:fillRef idx="1">
+            <a:schemeClr val="lt1"/>
+          </a:fillRef>
+          <a:effectRef idx="0">
+            <a:schemeClr val="accent3"/>
+          </a:effectRef>
+          <a:fontRef idx="minor">
+            <a:schemeClr val="dk1"/>
+          </a:fontRef>
+        </p:style>
+        <p:txBody>
+          <a:bodyPr rtlCol="0" anchor="ctr"/>
+          <a:lstStyle/>
+          <a:p>
+            <a:pPr algn="ctr"/>
+            <a:endParaRPr lang="en-US"/>
+          </a:p>
+        </p:txBody>
+      </p:sp>
+      <p:sp>
+        <p:nvSpPr>
+          <p:cNvPr id="5" name="Round Diagonal Corner Rectangle 4"/>
+          <p:cNvSpPr/>
+          <p:nvPr/>
+        </p:nvSpPr>
+        <p:spPr>
+          <a:xfrm>
+            <a:off x="45026" y="2313700"/>
+            <a:ext cx="206087" cy="4461170"/>
+          </a:xfrm>
+          <a:prstGeom prst="round2DiagRect">
+            <a:avLst/>
+          </a:prstGeom>
+          <a:solidFill>
+            <a:srgbClr val="00B0F0"/>
+          </a:solidFill>
+          <a:ln>
+            <a:solidFill>
+              <a:srgbClr val="00B0F0"/>
+            </a:solidFill>
+          </a:ln>
+        </p:spPr>
+        <p:style>
+          <a:lnRef idx="2">
+            <a:schemeClr val="accent3"/>
+          </a:lnRef>
+          <a:fillRef idx="1">
+            <a:schemeClr val="lt1"/>
+          </a:fillRef>
+          <a:effectRef idx="0">
+            <a:schemeClr val="accent3"/>
+          </a:effectRef>
+          <a:fontRef idx="minor">
+            <a:schemeClr val="dk1"/>
+          </a:fontRef>
+        </p:style>
+        <p:txBody>
+          <a:bodyPr rtlCol="0" anchor="ctr"/>
+          <a:lstStyle/>
+          <a:p>
+            <a:pPr algn="ctr"/>
+            <a:endParaRPr lang="en-US"/>
+          </a:p>
+        </p:txBody>
+      </p:sp>
+      <p:sp>
+        <p:nvSpPr>
+          <p:cNvPr id="9" name="Content Placeholder 2"/>
+          <p:cNvSpPr txBox="1">
+            <a:spLocks/>
+          </p:cNvSpPr>
+          <p:nvPr/>
+        </p:nvSpPr>
+        <p:spPr>
+          <a:xfrm>
+            <a:off x="3042062" y="1958439"/>
+            <a:ext cx="4730338" cy="1546761"/>
+          </a:xfrm>
+          <a:prstGeom prst="rect">
+            <a:avLst/>
+          </a:prstGeom>
+        </p:spPr>
+        <p:txBody>
+          <a:bodyPr vert="horz" lIns="91440" tIns="45720" rIns="91440" bIns="45720" rtlCol="0">
             <a:normAutofit/>
           </a:bodyPr>
-          <a:lstStyle/>
-          <a:p>
-            <a:r>
-              <a:rPr lang="en-IN" sz="2400" b="1" dirty="0"/>
-              <a:t>General Assumptions: </a:t>
-            </a:r>
-          </a:p>
-          <a:p>
-            <a:pPr marL="0" indent="0">
-              <a:buNone/>
-            </a:pPr>
-            <a:r>
-              <a:rPr lang="en-IN" sz="2400" dirty="0"/>
-              <a:t>      -&gt; No redundant data.</a:t>
-            </a:r>
-          </a:p>
-          <a:p>
-            <a:pPr marL="0" indent="0">
-              <a:buNone/>
-            </a:pPr>
-            <a:r>
-              <a:rPr lang="en-IN" sz="2400" b="1" dirty="0"/>
-              <a:t>      </a:t>
-            </a:r>
-            <a:r>
-              <a:rPr lang="en-IN" sz="2400" dirty="0"/>
-              <a:t>-&gt; Absence of Multicollinearity</a:t>
-            </a:r>
-          </a:p>
-          <a:p>
-            <a:r>
-              <a:rPr lang="en-IN" sz="2400" b="1" dirty="0"/>
-              <a:t>Naive Bayes</a:t>
-            </a:r>
-            <a:r>
-              <a:rPr lang="en-US" sz="2400" b="1" dirty="0"/>
-              <a:t> -  </a:t>
-            </a:r>
-            <a:r>
-              <a:rPr lang="en-US" sz="2400" dirty="0"/>
-              <a:t>Attributes are conditionally independent.</a:t>
-            </a:r>
-          </a:p>
-          <a:p>
-            <a:r>
-              <a:rPr lang="en-US" sz="2400" dirty="0"/>
-              <a:t>Decision Tree, Random Forest, KNN – No assumptions</a:t>
-            </a:r>
-          </a:p>
-          <a:p>
-            <a:endParaRPr lang="en-IN" sz="2400" b="1" dirty="0"/>
+          <a:lstStyle>
+            <a:lvl1pPr marL="0" indent="0" algn="ctr" defTabSz="914400" rtl="0" eaLnBrk="1" latinLnBrk="0" hangingPunct="1">
+              <a:spcBef>
+                <a:spcPct val="20000"/>
+              </a:spcBef>
+              <a:buFont typeface="Arial" panose="020B0604020202020204" pitchFamily="34" charset="0"/>
+              <a:buNone/>
+              <a:defRPr sz="3200" kern="1200">
+                <a:solidFill>
+                  <a:schemeClr val="tx1">
+                    <a:tint val="75000"/>
+                  </a:schemeClr>
+                </a:solidFill>
+                <a:latin typeface="+mn-lt"/>
+                <a:ea typeface="+mn-ea"/>
+                <a:cs typeface="+mn-cs"/>
+              </a:defRPr>
+            </a:lvl1pPr>
+            <a:lvl2pPr marL="457200" indent="0" algn="ctr" defTabSz="914400" rtl="0" eaLnBrk="1" latinLnBrk="0" hangingPunct="1">
+              <a:spcBef>
+                <a:spcPct val="20000"/>
+              </a:spcBef>
+              <a:buFont typeface="Arial" panose="020B0604020202020204" pitchFamily="34" charset="0"/>
+              <a:buNone/>
+              <a:defRPr sz="2800" kern="1200">
+                <a:solidFill>
+                  <a:schemeClr val="tx1">
+                    <a:tint val="75000"/>
+                  </a:schemeClr>
+                </a:solidFill>
+                <a:latin typeface="+mn-lt"/>
+                <a:ea typeface="+mn-ea"/>
+                <a:cs typeface="+mn-cs"/>
+              </a:defRPr>
+            </a:lvl2pPr>
+            <a:lvl3pPr marL="914400" indent="0" algn="ctr" defTabSz="914400" rtl="0" eaLnBrk="1" latinLnBrk="0" hangingPunct="1">
+              <a:spcBef>
+                <a:spcPct val="20000"/>
+              </a:spcBef>
+              <a:buFont typeface="Arial" panose="020B0604020202020204" pitchFamily="34" charset="0"/>
+              <a:buNone/>
+              <a:defRPr sz="2400" kern="1200">
+                <a:solidFill>
+                  <a:schemeClr val="tx1">
+                    <a:tint val="75000"/>
+                  </a:schemeClr>
+                </a:solidFill>
+                <a:latin typeface="+mn-lt"/>
+                <a:ea typeface="+mn-ea"/>
+                <a:cs typeface="+mn-cs"/>
+              </a:defRPr>
+            </a:lvl3pPr>
+            <a:lvl4pPr marL="1371600" indent="0" algn="ctr" defTabSz="914400" rtl="0" eaLnBrk="1" latinLnBrk="0" hangingPunct="1">
+              <a:spcBef>
+                <a:spcPct val="20000"/>
+              </a:spcBef>
+              <a:buFont typeface="Arial" panose="020B0604020202020204" pitchFamily="34" charset="0"/>
+              <a:buNone/>
+              <a:defRPr sz="2000" kern="1200">
+                <a:solidFill>
+                  <a:schemeClr val="tx1">
+                    <a:tint val="75000"/>
+                  </a:schemeClr>
+                </a:solidFill>
+                <a:latin typeface="+mn-lt"/>
+                <a:ea typeface="+mn-ea"/>
+                <a:cs typeface="+mn-cs"/>
+              </a:defRPr>
+            </a:lvl4pPr>
+            <a:lvl5pPr marL="1828800" indent="0" algn="ctr" defTabSz="914400" rtl="0" eaLnBrk="1" latinLnBrk="0" hangingPunct="1">
+              <a:spcBef>
+                <a:spcPct val="20000"/>
+              </a:spcBef>
+              <a:buFont typeface="Arial" panose="020B0604020202020204" pitchFamily="34" charset="0"/>
+              <a:buNone/>
+              <a:defRPr sz="2000" kern="1200">
+                <a:solidFill>
+                  <a:schemeClr val="tx1">
+                    <a:tint val="75000"/>
+                  </a:schemeClr>
+                </a:solidFill>
+                <a:latin typeface="+mn-lt"/>
+                <a:ea typeface="+mn-ea"/>
+                <a:cs typeface="+mn-cs"/>
+              </a:defRPr>
+            </a:lvl5pPr>
+            <a:lvl6pPr marL="2286000" indent="0" algn="ctr" defTabSz="914400" rtl="0" eaLnBrk="1" latinLnBrk="0" hangingPunct="1">
+              <a:spcBef>
+                <a:spcPct val="20000"/>
+              </a:spcBef>
+              <a:buFont typeface="Arial" panose="020B0604020202020204" pitchFamily="34" charset="0"/>
+              <a:buNone/>
+              <a:defRPr sz="2000" kern="1200">
+                <a:solidFill>
+                  <a:schemeClr val="tx1">
+                    <a:tint val="75000"/>
+                  </a:schemeClr>
+                </a:solidFill>
+                <a:latin typeface="+mn-lt"/>
+                <a:ea typeface="+mn-ea"/>
+                <a:cs typeface="+mn-cs"/>
+              </a:defRPr>
+            </a:lvl6pPr>
+            <a:lvl7pPr marL="2743200" indent="0" algn="ctr" defTabSz="914400" rtl="0" eaLnBrk="1" latinLnBrk="0" hangingPunct="1">
+              <a:spcBef>
+                <a:spcPct val="20000"/>
+              </a:spcBef>
+              <a:buFont typeface="Arial" panose="020B0604020202020204" pitchFamily="34" charset="0"/>
+              <a:buNone/>
+              <a:defRPr sz="2000" kern="1200">
+                <a:solidFill>
+                  <a:schemeClr val="tx1">
+                    <a:tint val="75000"/>
+                  </a:schemeClr>
+                </a:solidFill>
+                <a:latin typeface="+mn-lt"/>
+                <a:ea typeface="+mn-ea"/>
+                <a:cs typeface="+mn-cs"/>
+              </a:defRPr>
+            </a:lvl7pPr>
+            <a:lvl8pPr marL="3200400" indent="0" algn="ctr" defTabSz="914400" rtl="0" eaLnBrk="1" latinLnBrk="0" hangingPunct="1">
+              <a:spcBef>
+                <a:spcPct val="20000"/>
+              </a:spcBef>
+              <a:buFont typeface="Arial" panose="020B0604020202020204" pitchFamily="34" charset="0"/>
+              <a:buNone/>
+              <a:defRPr sz="2000" kern="1200">
+                <a:solidFill>
+                  <a:schemeClr val="tx1">
+                    <a:tint val="75000"/>
+                  </a:schemeClr>
+                </a:solidFill>
+                <a:latin typeface="+mn-lt"/>
+                <a:ea typeface="+mn-ea"/>
+                <a:cs typeface="+mn-cs"/>
+              </a:defRPr>
+            </a:lvl8pPr>
+            <a:lvl9pPr marL="3657600" indent="0" algn="ctr" defTabSz="914400" rtl="0" eaLnBrk="1" latinLnBrk="0" hangingPunct="1">
+              <a:spcBef>
+                <a:spcPct val="20000"/>
+              </a:spcBef>
+              <a:buFont typeface="Arial" panose="020B0604020202020204" pitchFamily="34" charset="0"/>
+              <a:buNone/>
+              <a:defRPr sz="2000" kern="1200">
+                <a:solidFill>
+                  <a:schemeClr val="tx1">
+                    <a:tint val="75000"/>
+                  </a:schemeClr>
+                </a:solidFill>
+                <a:latin typeface="+mn-lt"/>
+                <a:ea typeface="+mn-ea"/>
+                <a:cs typeface="+mn-cs"/>
+              </a:defRPr>
+            </a:lvl9pPr>
+          </a:lstStyle>
+          <a:p>
+            <a:pPr lvl="1" algn="l"/>
+            <a:endParaRPr lang="en-IN" sz="4000" dirty="0">
+              <a:solidFill>
+                <a:srgbClr val="0055A0"/>
+              </a:solidFill>
+            </a:endParaRPr>
+          </a:p>
+          <a:p>
+            <a:pPr lvl="1" algn="l"/>
+            <a:r>
+              <a:rPr lang="en-IN" sz="4000" dirty="0">
+                <a:solidFill>
+                  <a:srgbClr val="0055A0"/>
+                </a:solidFill>
+              </a:rPr>
+              <a:t>Thanks!</a:t>
+            </a:r>
           </a:p>
         </p:txBody>
       </p:sp>
     </p:spTree>
     <p:extLst>
       <p:ext uri="{BB962C8B-B14F-4D97-AF65-F5344CB8AC3E}">
-        <p14:creationId xmlns:p14="http://schemas.microsoft.com/office/powerpoint/2010/main" val="1235205643"/>
+        <p14:creationId xmlns:p14="http://schemas.microsoft.com/office/powerpoint/2010/main" val="3724216054"/>
       </p:ext>
     </p:extLst>
   </p:cSld>

--- a/Pravin Kumar/Vehicle Loan Default Prediction.pptx
+++ b/Pravin Kumar/Vehicle Loan Default Prediction.pptx
@@ -4444,7 +4444,7 @@
           <a:lstStyle/>
           <a:p>
             <a:r>
-              <a:rPr lang="en-US" sz="4000">
+              <a:rPr lang="en-US" sz="4000" dirty="0">
                 <a:ea typeface="굴림" panose="020B0600000101010101" pitchFamily="34" charset="-127"/>
               </a:rPr>
               <a:t>Problem Definition</a:t>
@@ -4496,7 +4496,7 @@
         <p:spPr>
           <a:xfrm>
             <a:off x="628650" y="457200"/>
-            <a:ext cx="7886700" cy="1590571"/>
+            <a:ext cx="7886700" cy="1751303"/>
           </a:xfrm>
         </p:spPr>
         <p:txBody>
@@ -4507,9 +4507,7 @@
           <a:p>
             <a:pPr algn="l"/>
             <a:r>
-              <a:rPr lang="en-IN" sz="1650" b="1" dirty="0">
-                <a:latin typeface="Arial Rounded MT Bold" panose="020F0704030504030204" pitchFamily="34" charset="0"/>
-              </a:rPr>
+              <a:rPr lang="en-IN" sz="1650" dirty="0"/>
               <a:t>Distribution plot on numerical features:</a:t>
             </a:r>
             <a:br>
@@ -4713,9 +4711,7 @@
           <a:p>
             <a:pPr algn="l"/>
             <a:r>
-              <a:rPr lang="en-IN" sz="1800" dirty="0">
-                <a:latin typeface="Arial Rounded MT Bold" panose="020F0704030504030204" pitchFamily="34" charset="0"/>
-              </a:rPr>
+              <a:rPr lang="en-IN" sz="1800" dirty="0"/>
               <a:t>Plots on various features:</a:t>
             </a:r>
             <a:br>

--- a/Pravin Kumar/Vehicle Loan Default Prediction.pptx
+++ b/Pravin Kumar/Vehicle Loan Default Prediction.pptx
@@ -3742,7 +3742,7 @@
         </p:nvSpPr>
         <p:spPr>
           <a:xfrm>
-            <a:off x="6096000" y="3950495"/>
+            <a:off x="6248943" y="3947984"/>
             <a:ext cx="2088574" cy="523220"/>
           </a:xfrm>
           <a:prstGeom prst="rect">
@@ -3778,8 +3778,8 @@
         </p:nvSpPr>
         <p:spPr>
           <a:xfrm>
-            <a:off x="6218830" y="4451686"/>
-            <a:ext cx="2696570" cy="1938992"/>
+            <a:off x="6276195" y="4451686"/>
+            <a:ext cx="2696570" cy="1631216"/>
           </a:xfrm>
           <a:prstGeom prst="rect">
             <a:avLst/>
@@ -3838,29 +3838,6 @@
               </a:rPr>
               <a:t>Pravin Kumar S</a:t>
             </a:r>
-          </a:p>
-          <a:p>
-            <a:r>
-              <a:rPr lang="en-US" sz="2000" dirty="0">
-                <a:solidFill>
-                  <a:srgbClr val="FF0000"/>
-                </a:solidFill>
-              </a:rPr>
-              <a:t>SR </a:t>
-            </a:r>
-            <a:r>
-              <a:rPr lang="en-US" sz="2000" dirty="0" err="1">
-                <a:solidFill>
-                  <a:srgbClr val="FF0000"/>
-                </a:solidFill>
-              </a:rPr>
-              <a:t>Abilash</a:t>
-            </a:r>
-            <a:endParaRPr lang="en-US" sz="2000" dirty="0">
-              <a:solidFill>
-                <a:srgbClr val="FF0000"/>
-              </a:solidFill>
-            </a:endParaRPr>
           </a:p>
           <a:p>
             <a:r>
@@ -3888,7 +3865,7 @@
         </p:nvSpPr>
         <p:spPr>
           <a:xfrm>
-            <a:off x="917542" y="3945749"/>
+            <a:off x="609600" y="3947984"/>
             <a:ext cx="2362200" cy="523220"/>
           </a:xfrm>
           <a:prstGeom prst="rect">
@@ -3923,7 +3900,7 @@
         </p:nvSpPr>
         <p:spPr>
           <a:xfrm>
-            <a:off x="673355" y="4471203"/>
+            <a:off x="429168" y="4451686"/>
             <a:ext cx="1981200" cy="400110"/>
           </a:xfrm>
           <a:prstGeom prst="rect">

--- a/Pravin Kumar/Vehicle Loan Default Prediction.pptx
+++ b/Pravin Kumar/Vehicle Loan Default Prediction.pptx
@@ -5,23 +5,26 @@
     <p:sldMasterId id="2147483648" r:id="rId1"/>
   </p:sldMasterIdLst>
   <p:notesMasterIdLst>
-    <p:notesMasterId r:id="rId16"/>
+    <p:notesMasterId r:id="rId19"/>
   </p:notesMasterIdLst>
   <p:sldIdLst>
     <p:sldId id="328" r:id="rId2"/>
     <p:sldId id="332" r:id="rId3"/>
     <p:sldId id="329" r:id="rId4"/>
-    <p:sldId id="339" r:id="rId5"/>
-    <p:sldId id="330" r:id="rId6"/>
-    <p:sldId id="340" r:id="rId7"/>
-    <p:sldId id="257" r:id="rId8"/>
-    <p:sldId id="258" r:id="rId9"/>
-    <p:sldId id="259" r:id="rId10"/>
-    <p:sldId id="338" r:id="rId11"/>
-    <p:sldId id="335" r:id="rId12"/>
-    <p:sldId id="337" r:id="rId13"/>
-    <p:sldId id="336" r:id="rId14"/>
-    <p:sldId id="263" r:id="rId15"/>
+    <p:sldId id="345" r:id="rId5"/>
+    <p:sldId id="339" r:id="rId6"/>
+    <p:sldId id="341" r:id="rId7"/>
+    <p:sldId id="338" r:id="rId8"/>
+    <p:sldId id="348" r:id="rId9"/>
+    <p:sldId id="335" r:id="rId10"/>
+    <p:sldId id="343" r:id="rId11"/>
+    <p:sldId id="337" r:id="rId12"/>
+    <p:sldId id="346" r:id="rId13"/>
+    <p:sldId id="347" r:id="rId14"/>
+    <p:sldId id="342" r:id="rId15"/>
+    <p:sldId id="344" r:id="rId16"/>
+    <p:sldId id="336" r:id="rId17"/>
+    <p:sldId id="263" r:id="rId18"/>
   </p:sldIdLst>
   <p:sldSz cx="9144000" cy="6858000" type="screen4x3"/>
   <p:notesSz cx="6858000" cy="9144000"/>
@@ -141,7 +144,7 @@
 
 <file path=ppt/commentAuthors.xml><?xml version="1.0" encoding="utf-8"?>
 <p:cmAuthorLst xmlns:a="http://schemas.openxmlformats.org/drawingml/2006/main" xmlns:r="http://schemas.openxmlformats.org/officeDocument/2006/relationships" xmlns:p="http://schemas.openxmlformats.org/presentationml/2006/main">
-  <p:cmAuthor id="1" name="Pravin Kumar" initials="PK" lastIdx="1" clrIdx="0">
+  <p:cmAuthor id="1" name="Pravin Kumar" initials="PK" lastIdx="2" clrIdx="0">
     <p:extLst>
       <p:ext uri="{19B8F6BF-5375-455C-9EA6-DF929625EA0E}">
         <p15:presenceInfo xmlns:p15="http://schemas.microsoft.com/office/powerpoint/2012/main" userId="Pravin Kumar" providerId="None"/>
@@ -233,7 +236,7 @@
           <a:p>
             <a:fld id="{CA38C360-1451-4FAC-96AE-AED9435A5117}" type="datetimeFigureOut">
               <a:rPr lang="en-US" smtClean="0"/>
-              <a:t>1/18/2020</a:t>
+              <a:t>1/19/2020</a:t>
             </a:fld>
             <a:endParaRPr lang="en-US"/>
           </a:p>
@@ -679,7 +682,7 @@
           <a:p>
             <a:fld id="{A2D47140-E761-4776-BB05-B90A68E34D64}" type="datetimeFigureOut">
               <a:rPr lang="en-US" smtClean="0"/>
-              <a:t>1/18/2020</a:t>
+              <a:t>1/19/2020</a:t>
             </a:fld>
             <a:endParaRPr lang="en-US"/>
           </a:p>
@@ -847,7 +850,7 @@
           <a:p>
             <a:fld id="{A2D47140-E761-4776-BB05-B90A68E34D64}" type="datetimeFigureOut">
               <a:rPr lang="en-US" smtClean="0"/>
-              <a:t>1/18/2020</a:t>
+              <a:t>1/19/2020</a:t>
             </a:fld>
             <a:endParaRPr lang="en-US"/>
           </a:p>
@@ -1025,7 +1028,7 @@
           <a:p>
             <a:fld id="{A2D47140-E761-4776-BB05-B90A68E34D64}" type="datetimeFigureOut">
               <a:rPr lang="en-US" smtClean="0"/>
-              <a:t>1/18/2020</a:t>
+              <a:t>1/19/2020</a:t>
             </a:fld>
             <a:endParaRPr lang="en-US"/>
           </a:p>
@@ -1193,7 +1196,7 @@
           <a:p>
             <a:fld id="{A2D47140-E761-4776-BB05-B90A68E34D64}" type="datetimeFigureOut">
               <a:rPr lang="en-US" smtClean="0"/>
-              <a:t>1/18/2020</a:t>
+              <a:t>1/19/2020</a:t>
             </a:fld>
             <a:endParaRPr lang="en-US"/>
           </a:p>
@@ -1438,7 +1441,7 @@
           <a:p>
             <a:fld id="{A2D47140-E761-4776-BB05-B90A68E34D64}" type="datetimeFigureOut">
               <a:rPr lang="en-US" smtClean="0"/>
-              <a:t>1/18/2020</a:t>
+              <a:t>1/19/2020</a:t>
             </a:fld>
             <a:endParaRPr lang="en-US"/>
           </a:p>
@@ -1723,7 +1726,7 @@
           <a:p>
             <a:fld id="{A2D47140-E761-4776-BB05-B90A68E34D64}" type="datetimeFigureOut">
               <a:rPr lang="en-US" smtClean="0"/>
-              <a:t>1/18/2020</a:t>
+              <a:t>1/19/2020</a:t>
             </a:fld>
             <a:endParaRPr lang="en-US"/>
           </a:p>
@@ -2142,7 +2145,7 @@
           <a:p>
             <a:fld id="{A2D47140-E761-4776-BB05-B90A68E34D64}" type="datetimeFigureOut">
               <a:rPr lang="en-US" smtClean="0"/>
-              <a:t>1/18/2020</a:t>
+              <a:t>1/19/2020</a:t>
             </a:fld>
             <a:endParaRPr lang="en-US"/>
           </a:p>
@@ -2259,7 +2262,7 @@
           <a:p>
             <a:fld id="{A2D47140-E761-4776-BB05-B90A68E34D64}" type="datetimeFigureOut">
               <a:rPr lang="en-US" smtClean="0"/>
-              <a:t>1/18/2020</a:t>
+              <a:t>1/19/2020</a:t>
             </a:fld>
             <a:endParaRPr lang="en-US"/>
           </a:p>
@@ -2354,7 +2357,7 @@
           <a:p>
             <a:fld id="{A2D47140-E761-4776-BB05-B90A68E34D64}" type="datetimeFigureOut">
               <a:rPr lang="en-US" smtClean="0"/>
-              <a:t>1/18/2020</a:t>
+              <a:t>1/19/2020</a:t>
             </a:fld>
             <a:endParaRPr lang="en-US"/>
           </a:p>
@@ -2629,7 +2632,7 @@
           <a:p>
             <a:fld id="{A2D47140-E761-4776-BB05-B90A68E34D64}" type="datetimeFigureOut">
               <a:rPr lang="en-US" smtClean="0"/>
-              <a:t>1/18/2020</a:t>
+              <a:t>1/19/2020</a:t>
             </a:fld>
             <a:endParaRPr lang="en-US"/>
           </a:p>
@@ -2881,7 +2884,7 @@
           <a:p>
             <a:fld id="{A2D47140-E761-4776-BB05-B90A68E34D64}" type="datetimeFigureOut">
               <a:rPr lang="en-US" smtClean="0"/>
-              <a:t>1/18/2020</a:t>
+              <a:t>1/19/2020</a:t>
             </a:fld>
             <a:endParaRPr lang="en-US"/>
           </a:p>
@@ -3092,7 +3095,7 @@
           <a:p>
             <a:fld id="{A2D47140-E761-4776-BB05-B90A68E34D64}" type="datetimeFigureOut">
               <a:rPr lang="en-US" smtClean="0"/>
-              <a:t>1/18/2020</a:t>
+              <a:t>1/19/2020</a:t>
             </a:fld>
             <a:endParaRPr lang="en-US"/>
           </a:p>
@@ -3779,7 +3782,7 @@
         <p:spPr>
           <a:xfrm>
             <a:off x="6276195" y="4451686"/>
-            <a:ext cx="2696570" cy="1631216"/>
+            <a:ext cx="2696570" cy="1938992"/>
           </a:xfrm>
           <a:prstGeom prst="rect">
             <a:avLst/>
@@ -3791,6 +3794,16 @@
             <a:spAutoFit/>
           </a:bodyPr>
           <a:lstStyle/>
+          <a:p>
+            <a:r>
+              <a:rPr lang="en-US" sz="2000" dirty="0">
+                <a:solidFill>
+                  <a:srgbClr val="FF0000"/>
+                </a:solidFill>
+              </a:rPr>
+              <a:t>Abhilash SR</a:t>
+            </a:r>
+          </a:p>
           <a:p>
             <a:r>
               <a:rPr lang="en-US" sz="2000" dirty="0">
@@ -3948,6 +3961,5209 @@
 </file>
 
 <file path=ppt/slides/slide10.xml><?xml version="1.0" encoding="utf-8"?>
+<p:sld xmlns:a="http://schemas.openxmlformats.org/drawingml/2006/main" xmlns:r="http://schemas.openxmlformats.org/officeDocument/2006/relationships" xmlns:p="http://schemas.openxmlformats.org/presentationml/2006/main">
+  <p:cSld>
+    <p:spTree>
+      <p:nvGrpSpPr>
+        <p:cNvPr id="1" name=""/>
+        <p:cNvGrpSpPr/>
+        <p:nvPr/>
+      </p:nvGrpSpPr>
+      <p:grpSpPr>
+        <a:xfrm>
+          <a:off x="0" y="0"/>
+          <a:ext cx="0" cy="0"/>
+          <a:chOff x="0" y="0"/>
+          <a:chExt cx="0" cy="0"/>
+        </a:xfrm>
+      </p:grpSpPr>
+      <p:sp>
+        <p:nvSpPr>
+          <p:cNvPr id="2" name="Title 1">
+            <a:extLst>
+              <a:ext uri="{FF2B5EF4-FFF2-40B4-BE49-F238E27FC236}">
+                <a16:creationId xmlns:a16="http://schemas.microsoft.com/office/drawing/2014/main" id="{168D5C43-C110-4A95-B12A-AB80E88863DF}"/>
+              </a:ext>
+            </a:extLst>
+          </p:cNvPr>
+          <p:cNvSpPr>
+            <a:spLocks noGrp="1"/>
+          </p:cNvSpPr>
+          <p:nvPr>
+            <p:ph type="title"/>
+          </p:nvPr>
+        </p:nvSpPr>
+        <p:spPr/>
+        <p:txBody>
+          <a:bodyPr>
+            <a:normAutofit fontScale="90000"/>
+          </a:bodyPr>
+          <a:lstStyle/>
+          <a:p>
+            <a:pPr algn="l"/>
+            <a:r>
+              <a:rPr lang="en-US" dirty="0"/>
+              <a:t>Statistical significance of Categorical</a:t>
+            </a:r>
+            <a:br>
+              <a:rPr lang="en-US" dirty="0"/>
+            </a:br>
+            <a:r>
+              <a:rPr lang="en-US" dirty="0"/>
+              <a:t> variables</a:t>
+            </a:r>
+          </a:p>
+        </p:txBody>
+      </p:sp>
+      <p:pic>
+        <p:nvPicPr>
+          <p:cNvPr id="7" name="Picture 6">
+            <a:extLst>
+              <a:ext uri="{FF2B5EF4-FFF2-40B4-BE49-F238E27FC236}">
+                <a16:creationId xmlns:a16="http://schemas.microsoft.com/office/drawing/2014/main" id="{9C79AC15-9902-4529-B7CE-35210869A891}"/>
+              </a:ext>
+            </a:extLst>
+          </p:cNvPr>
+          <p:cNvPicPr>
+            <a:picLocks noChangeAspect="1"/>
+          </p:cNvPicPr>
+          <p:nvPr/>
+        </p:nvPicPr>
+        <p:blipFill>
+          <a:blip r:embed="rId2">
+            <a:extLst>
+              <a:ext uri="{28A0092B-C50C-407E-A947-70E740481C1C}">
+                <a14:useLocalDpi xmlns:a14="http://schemas.microsoft.com/office/drawing/2010/main" val="0"/>
+              </a:ext>
+            </a:extLst>
+          </a:blip>
+          <a:stretch>
+            <a:fillRect/>
+          </a:stretch>
+        </p:blipFill>
+        <p:spPr>
+          <a:xfrm>
+            <a:off x="1143000" y="1752600"/>
+            <a:ext cx="5905500" cy="4067175"/>
+          </a:xfrm>
+          <a:prstGeom prst="rect">
+            <a:avLst/>
+          </a:prstGeom>
+        </p:spPr>
+      </p:pic>
+    </p:spTree>
+    <p:extLst>
+      <p:ext uri="{BB962C8B-B14F-4D97-AF65-F5344CB8AC3E}">
+        <p14:creationId xmlns:p14="http://schemas.microsoft.com/office/powerpoint/2010/main" val="1178521976"/>
+      </p:ext>
+    </p:extLst>
+  </p:cSld>
+  <p:clrMapOvr>
+    <a:masterClrMapping/>
+  </p:clrMapOvr>
+</p:sld>
+</file>
+
+<file path=ppt/slides/slide11.xml><?xml version="1.0" encoding="utf-8"?>
+<p:sld xmlns:a="http://schemas.openxmlformats.org/drawingml/2006/main" xmlns:r="http://schemas.openxmlformats.org/officeDocument/2006/relationships" xmlns:p="http://schemas.openxmlformats.org/presentationml/2006/main">
+  <p:cSld>
+    <p:spTree>
+      <p:nvGrpSpPr>
+        <p:cNvPr id="1" name=""/>
+        <p:cNvGrpSpPr/>
+        <p:nvPr/>
+      </p:nvGrpSpPr>
+      <p:grpSpPr>
+        <a:xfrm>
+          <a:off x="0" y="0"/>
+          <a:ext cx="0" cy="0"/>
+          <a:chOff x="0" y="0"/>
+          <a:chExt cx="0" cy="0"/>
+        </a:xfrm>
+      </p:grpSpPr>
+      <p:sp>
+        <p:nvSpPr>
+          <p:cNvPr id="2" name="Title 1">
+            <a:extLst>
+              <a:ext uri="{FF2B5EF4-FFF2-40B4-BE49-F238E27FC236}">
+                <a16:creationId xmlns:a16="http://schemas.microsoft.com/office/drawing/2014/main" id="{541A397E-F577-49FF-BC80-010E4660590D}"/>
+              </a:ext>
+            </a:extLst>
+          </p:cNvPr>
+          <p:cNvSpPr>
+            <a:spLocks noGrp="1"/>
+          </p:cNvSpPr>
+          <p:nvPr>
+            <p:ph type="title"/>
+          </p:nvPr>
+        </p:nvSpPr>
+        <p:spPr/>
+        <p:txBody>
+          <a:bodyPr/>
+          <a:lstStyle/>
+          <a:p>
+            <a:pPr algn="l"/>
+            <a:r>
+              <a:rPr lang="en-US" dirty="0"/>
+              <a:t>Model Building</a:t>
+            </a:r>
+          </a:p>
+        </p:txBody>
+      </p:sp>
+      <p:sp>
+        <p:nvSpPr>
+          <p:cNvPr id="3" name="Content Placeholder 2">
+            <a:extLst>
+              <a:ext uri="{FF2B5EF4-FFF2-40B4-BE49-F238E27FC236}">
+                <a16:creationId xmlns:a16="http://schemas.microsoft.com/office/drawing/2014/main" id="{4887195E-57E5-4EF2-9755-BE81F07132A4}"/>
+              </a:ext>
+            </a:extLst>
+          </p:cNvPr>
+          <p:cNvSpPr>
+            <a:spLocks noGrp="1"/>
+          </p:cNvSpPr>
+          <p:nvPr>
+            <p:ph idx="1"/>
+          </p:nvPr>
+        </p:nvSpPr>
+        <p:spPr/>
+        <p:txBody>
+          <a:bodyPr>
+            <a:normAutofit lnSpcReduction="10000"/>
+          </a:bodyPr>
+          <a:lstStyle/>
+          <a:p>
+            <a:pPr marL="0" indent="0">
+              <a:buNone/>
+            </a:pPr>
+            <a:r>
+              <a:rPr lang="en-IN" sz="2400" dirty="0"/>
+              <a:t>1. </a:t>
+            </a:r>
+            <a:r>
+              <a:rPr lang="en-IN" sz="2400" b="1" dirty="0"/>
+              <a:t>Transformations</a:t>
+            </a:r>
+            <a:r>
+              <a:rPr lang="en-IN" sz="2400" dirty="0"/>
+              <a:t> :</a:t>
+            </a:r>
+          </a:p>
+          <a:p>
+            <a:pPr marL="0" indent="0">
+              <a:buNone/>
+            </a:pPr>
+            <a:r>
+              <a:rPr lang="en-IN" sz="2400" dirty="0"/>
+              <a:t>Yes . Since the data is not normally distributed (Highly right skewed), We tried Log transform, Sqrt transform.</a:t>
+            </a:r>
+          </a:p>
+          <a:p>
+            <a:pPr marL="0" indent="0">
+              <a:buNone/>
+            </a:pPr>
+            <a:r>
+              <a:rPr lang="en-IN" sz="2400" dirty="0"/>
+              <a:t>2. </a:t>
+            </a:r>
+            <a:r>
+              <a:rPr lang="en-IN" sz="2400" b="1" dirty="0"/>
+              <a:t>Scaling the data </a:t>
+            </a:r>
+            <a:r>
+              <a:rPr lang="en-IN" sz="2400" dirty="0"/>
+              <a:t>:</a:t>
+            </a:r>
+          </a:p>
+          <a:p>
+            <a:pPr marL="0" indent="0">
+              <a:buNone/>
+            </a:pPr>
+            <a:r>
+              <a:rPr lang="en-IN" sz="2400" dirty="0"/>
+              <a:t>Yes, the data has been scaled. Also used Robust Scaler.</a:t>
+            </a:r>
+          </a:p>
+          <a:p>
+            <a:pPr marL="0" indent="0">
+              <a:buNone/>
+            </a:pPr>
+            <a:r>
+              <a:rPr lang="en-IN" sz="2400" dirty="0"/>
+              <a:t>3. </a:t>
+            </a:r>
+            <a:r>
+              <a:rPr lang="en-IN" sz="2400" b="1" dirty="0"/>
+              <a:t>Dimensionality reduction </a:t>
+            </a:r>
+            <a:r>
+              <a:rPr lang="en-IN" sz="2400" dirty="0"/>
+              <a:t>:</a:t>
+            </a:r>
+          </a:p>
+          <a:p>
+            <a:pPr marL="0" indent="0">
+              <a:buNone/>
+            </a:pPr>
+            <a:r>
+              <a:rPr lang="en-US" sz="2400" dirty="0"/>
+              <a:t>Since there is no multicollinearity in our data presently(removed after checking VIF), We haven’t done PCA since resulted Principal Components was very low.</a:t>
+            </a:r>
+          </a:p>
+          <a:p>
+            <a:pPr marL="0" indent="0">
+              <a:buNone/>
+            </a:pPr>
+            <a:r>
+              <a:rPr lang="en-US" sz="2400" dirty="0"/>
+              <a:t>4. </a:t>
+            </a:r>
+            <a:r>
+              <a:rPr lang="en-US" sz="2400" b="1" dirty="0"/>
+              <a:t>Added New Column to Describe Missing Features of each Customers</a:t>
+            </a:r>
+            <a:endParaRPr lang="en-IN" sz="2400" dirty="0"/>
+          </a:p>
+        </p:txBody>
+      </p:sp>
+    </p:spTree>
+    <p:extLst>
+      <p:ext uri="{BB962C8B-B14F-4D97-AF65-F5344CB8AC3E}">
+        <p14:creationId xmlns:p14="http://schemas.microsoft.com/office/powerpoint/2010/main" val="3227524239"/>
+      </p:ext>
+    </p:extLst>
+  </p:cSld>
+  <p:clrMapOvr>
+    <a:masterClrMapping/>
+  </p:clrMapOvr>
+</p:sld>
+</file>
+
+<file path=ppt/slides/slide12.xml><?xml version="1.0" encoding="utf-8"?>
+<p:sld xmlns:a="http://schemas.openxmlformats.org/drawingml/2006/main" xmlns:r="http://schemas.openxmlformats.org/officeDocument/2006/relationships" xmlns:p="http://schemas.openxmlformats.org/presentationml/2006/main">
+  <p:cSld>
+    <p:spTree>
+      <p:nvGrpSpPr>
+        <p:cNvPr id="1" name=""/>
+        <p:cNvGrpSpPr/>
+        <p:nvPr/>
+      </p:nvGrpSpPr>
+      <p:grpSpPr>
+        <a:xfrm>
+          <a:off x="0" y="0"/>
+          <a:ext cx="0" cy="0"/>
+          <a:chOff x="0" y="0"/>
+          <a:chExt cx="0" cy="0"/>
+        </a:xfrm>
+      </p:grpSpPr>
+      <p:sp>
+        <p:nvSpPr>
+          <p:cNvPr id="2" name="Title 1">
+            <a:extLst>
+              <a:ext uri="{FF2B5EF4-FFF2-40B4-BE49-F238E27FC236}">
+                <a16:creationId xmlns:a16="http://schemas.microsoft.com/office/drawing/2014/main" id="{20E1D47B-9A0E-4170-9F9E-113AB958EC31}"/>
+              </a:ext>
+            </a:extLst>
+          </p:cNvPr>
+          <p:cNvSpPr>
+            <a:spLocks noGrp="1"/>
+          </p:cNvSpPr>
+          <p:nvPr>
+            <p:ph type="title"/>
+          </p:nvPr>
+        </p:nvSpPr>
+        <p:spPr/>
+        <p:txBody>
+          <a:bodyPr/>
+          <a:lstStyle/>
+          <a:p>
+            <a:r>
+              <a:rPr lang="en-US" dirty="0"/>
+              <a:t>Model Performances</a:t>
+            </a:r>
+          </a:p>
+        </p:txBody>
+      </p:sp>
+      <p:graphicFrame>
+        <p:nvGraphicFramePr>
+          <p:cNvPr id="4" name="Table 4">
+            <a:extLst>
+              <a:ext uri="{FF2B5EF4-FFF2-40B4-BE49-F238E27FC236}">
+                <a16:creationId xmlns:a16="http://schemas.microsoft.com/office/drawing/2014/main" id="{AEB6F42A-7961-4332-BF06-7CBB9C6ECE41}"/>
+              </a:ext>
+            </a:extLst>
+          </p:cNvPr>
+          <p:cNvGraphicFramePr>
+            <a:graphicFrameLocks noGrp="1"/>
+          </p:cNvGraphicFramePr>
+          <p:nvPr>
+            <p:ph idx="1"/>
+            <p:extLst>
+              <p:ext uri="{D42A27DB-BD31-4B8C-83A1-F6EECF244321}">
+                <p14:modId xmlns:p14="http://schemas.microsoft.com/office/powerpoint/2010/main" val="3921831480"/>
+              </p:ext>
+            </p:extLst>
+          </p:nvPr>
+        </p:nvGraphicFramePr>
+        <p:xfrm>
+          <a:off x="457201" y="1600200"/>
+          <a:ext cx="8381998" cy="4150000"/>
+        </p:xfrm>
+        <a:graphic>
+          <a:graphicData uri="http://schemas.openxmlformats.org/drawingml/2006/table">
+            <a:tbl>
+              <a:tblPr firstRow="1" bandRow="1">
+                <a:tableStyleId>{F5AB1C69-6EDB-4FF4-983F-18BD219EF322}</a:tableStyleId>
+              </a:tblPr>
+              <a:tblGrid>
+                <a:gridCol w="2133513">
+                  <a:extLst>
+                    <a:ext uri="{9D8B030D-6E8A-4147-A177-3AD203B41FA5}">
+                      <a16:colId xmlns:a16="http://schemas.microsoft.com/office/drawing/2014/main" val="1657084521"/>
+                    </a:ext>
+                  </a:extLst>
+                </a:gridCol>
+                <a:gridCol w="1249697">
+                  <a:extLst>
+                    <a:ext uri="{9D8B030D-6E8A-4147-A177-3AD203B41FA5}">
+                      <a16:colId xmlns:a16="http://schemas.microsoft.com/office/drawing/2014/main" val="1185174636"/>
+                    </a:ext>
+                  </a:extLst>
+                </a:gridCol>
+                <a:gridCol w="1249697">
+                  <a:extLst>
+                    <a:ext uri="{9D8B030D-6E8A-4147-A177-3AD203B41FA5}">
+                      <a16:colId xmlns:a16="http://schemas.microsoft.com/office/drawing/2014/main" val="2128370267"/>
+                    </a:ext>
+                  </a:extLst>
+                </a:gridCol>
+                <a:gridCol w="1249697">
+                  <a:extLst>
+                    <a:ext uri="{9D8B030D-6E8A-4147-A177-3AD203B41FA5}">
+                      <a16:colId xmlns:a16="http://schemas.microsoft.com/office/drawing/2014/main" val="993618554"/>
+                    </a:ext>
+                  </a:extLst>
+                </a:gridCol>
+                <a:gridCol w="1249697">
+                  <a:extLst>
+                    <a:ext uri="{9D8B030D-6E8A-4147-A177-3AD203B41FA5}">
+                      <a16:colId xmlns:a16="http://schemas.microsoft.com/office/drawing/2014/main" val="2408186948"/>
+                    </a:ext>
+                  </a:extLst>
+                </a:gridCol>
+                <a:gridCol w="1249697">
+                  <a:extLst>
+                    <a:ext uri="{9D8B030D-6E8A-4147-A177-3AD203B41FA5}">
+                      <a16:colId xmlns:a16="http://schemas.microsoft.com/office/drawing/2014/main" val="1527978452"/>
+                    </a:ext>
+                  </a:extLst>
+                </a:gridCol>
+              </a:tblGrid>
+              <a:tr h="438740">
+                <a:tc>
+                  <a:txBody>
+                    <a:bodyPr/>
+                    <a:lstStyle/>
+                    <a:p>
+                      <a:r>
+                        <a:rPr lang="en-US" dirty="0"/>
+                        <a:t>Model</a:t>
+                      </a:r>
+                    </a:p>
+                  </a:txBody>
+                  <a:tcPr/>
+                </a:tc>
+                <a:tc>
+                  <a:txBody>
+                    <a:bodyPr/>
+                    <a:lstStyle/>
+                    <a:p>
+                      <a:r>
+                        <a:rPr lang="en-US" dirty="0"/>
+                        <a:t>Train</a:t>
+                      </a:r>
+                    </a:p>
+                  </a:txBody>
+                  <a:tcPr/>
+                </a:tc>
+                <a:tc>
+                  <a:txBody>
+                    <a:bodyPr/>
+                    <a:lstStyle/>
+                    <a:p>
+                      <a:r>
+                        <a:rPr lang="en-US" dirty="0"/>
+                        <a:t>Test</a:t>
+                      </a:r>
+                    </a:p>
+                  </a:txBody>
+                  <a:tcPr/>
+                </a:tc>
+                <a:tc>
+                  <a:txBody>
+                    <a:bodyPr/>
+                    <a:lstStyle/>
+                    <a:p>
+                      <a:r>
+                        <a:rPr lang="en-US" dirty="0"/>
+                        <a:t>Precision</a:t>
+                      </a:r>
+                    </a:p>
+                  </a:txBody>
+                  <a:tcPr/>
+                </a:tc>
+                <a:tc>
+                  <a:txBody>
+                    <a:bodyPr/>
+                    <a:lstStyle/>
+                    <a:p>
+                      <a:r>
+                        <a:rPr lang="en-US" dirty="0"/>
+                        <a:t>Recall</a:t>
+                      </a:r>
+                    </a:p>
+                  </a:txBody>
+                  <a:tcPr/>
+                </a:tc>
+                <a:tc>
+                  <a:txBody>
+                    <a:bodyPr/>
+                    <a:lstStyle/>
+                    <a:p>
+                      <a:r>
+                        <a:rPr lang="en-US" dirty="0"/>
+                        <a:t>F1</a:t>
+                      </a:r>
+                    </a:p>
+                  </a:txBody>
+                  <a:tcPr/>
+                </a:tc>
+                <a:extLst>
+                  <a:ext uri="{0D108BD9-81ED-4DB2-BD59-A6C34878D82A}">
+                    <a16:rowId xmlns:a16="http://schemas.microsoft.com/office/drawing/2014/main" val="1938303565"/>
+                  </a:ext>
+                </a:extLst>
+              </a:tr>
+              <a:tr h="438740">
+                <a:tc>
+                  <a:txBody>
+                    <a:bodyPr/>
+                    <a:lstStyle/>
+                    <a:p>
+                      <a:r>
+                        <a:rPr lang="en-US" dirty="0"/>
+                        <a:t>Logistic</a:t>
+                      </a:r>
+                    </a:p>
+                  </a:txBody>
+                  <a:tcPr/>
+                </a:tc>
+                <a:tc>
+                  <a:txBody>
+                    <a:bodyPr/>
+                    <a:lstStyle/>
+                    <a:p>
+                      <a:r>
+                        <a:rPr lang="en-US" dirty="0"/>
+                        <a:t>0.621</a:t>
+                      </a:r>
+                    </a:p>
+                  </a:txBody>
+                  <a:tcPr/>
+                </a:tc>
+                <a:tc>
+                  <a:txBody>
+                    <a:bodyPr/>
+                    <a:lstStyle/>
+                    <a:p>
+                      <a:r>
+                        <a:rPr lang="en-US" dirty="0"/>
+                        <a:t>0.623</a:t>
+                      </a:r>
+                    </a:p>
+                  </a:txBody>
+                  <a:tcPr/>
+                </a:tc>
+                <a:tc>
+                  <a:txBody>
+                    <a:bodyPr/>
+                    <a:lstStyle/>
+                    <a:p>
+                      <a:r>
+                        <a:rPr lang="en-US" dirty="0"/>
+                        <a:t>0.304</a:t>
+                      </a:r>
+                    </a:p>
+                  </a:txBody>
+                  <a:tcPr/>
+                </a:tc>
+                <a:tc>
+                  <a:txBody>
+                    <a:bodyPr/>
+                    <a:lstStyle/>
+                    <a:p>
+                      <a:r>
+                        <a:rPr lang="en-US" dirty="0"/>
+                        <a:t>0.57</a:t>
+                      </a:r>
+                    </a:p>
+                  </a:txBody>
+                  <a:tcPr/>
+                </a:tc>
+                <a:tc>
+                  <a:txBody>
+                    <a:bodyPr/>
+                    <a:lstStyle/>
+                    <a:p>
+                      <a:r>
+                        <a:rPr lang="en-US" dirty="0"/>
+                        <a:t>0.397</a:t>
+                      </a:r>
+                    </a:p>
+                  </a:txBody>
+                  <a:tcPr/>
+                </a:tc>
+                <a:extLst>
+                  <a:ext uri="{0D108BD9-81ED-4DB2-BD59-A6C34878D82A}">
+                    <a16:rowId xmlns:a16="http://schemas.microsoft.com/office/drawing/2014/main" val="3892974591"/>
+                  </a:ext>
+                </a:extLst>
+              </a:tr>
+              <a:tr h="570320">
+                <a:tc>
+                  <a:txBody>
+                    <a:bodyPr/>
+                    <a:lstStyle/>
+                    <a:p>
+                      <a:r>
+                        <a:rPr lang="en-US" dirty="0"/>
+                        <a:t>Decision Tree (Entropy)</a:t>
+                      </a:r>
+                    </a:p>
+                  </a:txBody>
+                  <a:tcPr/>
+                </a:tc>
+                <a:tc>
+                  <a:txBody>
+                    <a:bodyPr/>
+                    <a:lstStyle/>
+                    <a:p>
+                      <a:r>
+                        <a:rPr lang="en-US" dirty="0"/>
+                        <a:t>1</a:t>
+                      </a:r>
+                    </a:p>
+                  </a:txBody>
+                  <a:tcPr/>
+                </a:tc>
+                <a:tc>
+                  <a:txBody>
+                    <a:bodyPr/>
+                    <a:lstStyle/>
+                    <a:p>
+                      <a:r>
+                        <a:rPr lang="en-US" dirty="0"/>
+                        <a:t>0.979</a:t>
+                      </a:r>
+                    </a:p>
+                  </a:txBody>
+                  <a:tcPr/>
+                </a:tc>
+                <a:tc>
+                  <a:txBody>
+                    <a:bodyPr/>
+                    <a:lstStyle/>
+                    <a:p>
+                      <a:r>
+                        <a:rPr lang="en-US" dirty="0"/>
+                        <a:t>0.94</a:t>
+                      </a:r>
+                    </a:p>
+                  </a:txBody>
+                  <a:tcPr/>
+                </a:tc>
+                <a:tc>
+                  <a:txBody>
+                    <a:bodyPr/>
+                    <a:lstStyle/>
+                    <a:p>
+                      <a:r>
+                        <a:rPr lang="en-US" dirty="0"/>
+                        <a:t>0.95</a:t>
+                      </a:r>
+                    </a:p>
+                  </a:txBody>
+                  <a:tcPr/>
+                </a:tc>
+                <a:tc>
+                  <a:txBody>
+                    <a:bodyPr/>
+                    <a:lstStyle/>
+                    <a:p>
+                      <a:r>
+                        <a:rPr lang="en-US" dirty="0"/>
+                        <a:t>0.9522</a:t>
+                      </a:r>
+                    </a:p>
+                  </a:txBody>
+                  <a:tcPr/>
+                </a:tc>
+                <a:extLst>
+                  <a:ext uri="{0D108BD9-81ED-4DB2-BD59-A6C34878D82A}">
+                    <a16:rowId xmlns:a16="http://schemas.microsoft.com/office/drawing/2014/main" val="3107171465"/>
+                  </a:ext>
+                </a:extLst>
+              </a:tr>
+              <a:tr h="438740">
+                <a:tc>
+                  <a:txBody>
+                    <a:bodyPr/>
+                    <a:lstStyle/>
+                    <a:p>
+                      <a:r>
+                        <a:rPr lang="en-US" dirty="0"/>
+                        <a:t>Decision Tree(Gini)</a:t>
+                      </a:r>
+                    </a:p>
+                  </a:txBody>
+                  <a:tcPr/>
+                </a:tc>
+                <a:tc>
+                  <a:txBody>
+                    <a:bodyPr/>
+                    <a:lstStyle/>
+                    <a:p>
+                      <a:r>
+                        <a:rPr lang="en-US" dirty="0"/>
+                        <a:t>1</a:t>
+                      </a:r>
+                    </a:p>
+                  </a:txBody>
+                  <a:tcPr/>
+                </a:tc>
+                <a:tc>
+                  <a:txBody>
+                    <a:bodyPr/>
+                    <a:lstStyle/>
+                    <a:p>
+                      <a:r>
+                        <a:rPr lang="en-US" dirty="0"/>
+                        <a:t>0.979</a:t>
+                      </a:r>
+                    </a:p>
+                  </a:txBody>
+                  <a:tcPr/>
+                </a:tc>
+                <a:tc>
+                  <a:txBody>
+                    <a:bodyPr/>
+                    <a:lstStyle/>
+                    <a:p>
+                      <a:r>
+                        <a:rPr lang="en-US" dirty="0"/>
+                        <a:t>0.945</a:t>
+                      </a:r>
+                    </a:p>
+                  </a:txBody>
+                  <a:tcPr/>
+                </a:tc>
+                <a:tc>
+                  <a:txBody>
+                    <a:bodyPr/>
+                    <a:lstStyle/>
+                    <a:p>
+                      <a:r>
+                        <a:rPr lang="en-US" dirty="0"/>
+                        <a:t>0.958</a:t>
+                      </a:r>
+                    </a:p>
+                  </a:txBody>
+                  <a:tcPr/>
+                </a:tc>
+                <a:tc>
+                  <a:txBody>
+                    <a:bodyPr/>
+                    <a:lstStyle/>
+                    <a:p>
+                      <a:r>
+                        <a:rPr lang="en-US" dirty="0"/>
+                        <a:t>0.952</a:t>
+                      </a:r>
+                    </a:p>
+                  </a:txBody>
+                  <a:tcPr/>
+                </a:tc>
+                <a:extLst>
+                  <a:ext uri="{0D108BD9-81ED-4DB2-BD59-A6C34878D82A}">
+                    <a16:rowId xmlns:a16="http://schemas.microsoft.com/office/drawing/2014/main" val="1403153597"/>
+                  </a:ext>
+                </a:extLst>
+              </a:tr>
+              <a:tr h="438740">
+                <a:tc>
+                  <a:txBody>
+                    <a:bodyPr/>
+                    <a:lstStyle/>
+                    <a:p>
+                      <a:r>
+                        <a:rPr lang="en-US" dirty="0"/>
+                        <a:t>Random Forest</a:t>
+                      </a:r>
+                    </a:p>
+                  </a:txBody>
+                  <a:tcPr/>
+                </a:tc>
+                <a:tc>
+                  <a:txBody>
+                    <a:bodyPr/>
+                    <a:lstStyle/>
+                    <a:p>
+                      <a:r>
+                        <a:rPr lang="en-US" dirty="0"/>
+                        <a:t>1</a:t>
+                      </a:r>
+                    </a:p>
+                  </a:txBody>
+                  <a:tcPr/>
+                </a:tc>
+                <a:tc>
+                  <a:txBody>
+                    <a:bodyPr/>
+                    <a:lstStyle/>
+                    <a:p>
+                      <a:r>
+                        <a:rPr lang="en-US" dirty="0"/>
+                        <a:t>0.953</a:t>
+                      </a:r>
+                    </a:p>
+                  </a:txBody>
+                  <a:tcPr/>
+                </a:tc>
+                <a:tc>
+                  <a:txBody>
+                    <a:bodyPr/>
+                    <a:lstStyle/>
+                    <a:p>
+                      <a:r>
+                        <a:rPr lang="en-US" dirty="0"/>
+                        <a:t>0.953</a:t>
+                      </a:r>
+                    </a:p>
+                  </a:txBody>
+                  <a:tcPr/>
+                </a:tc>
+                <a:tc>
+                  <a:txBody>
+                    <a:bodyPr/>
+                    <a:lstStyle/>
+                    <a:p>
+                      <a:r>
+                        <a:rPr lang="en-US" dirty="0"/>
+                        <a:t>0.827</a:t>
+                      </a:r>
+                    </a:p>
+                  </a:txBody>
+                  <a:tcPr/>
+                </a:tc>
+                <a:tc>
+                  <a:txBody>
+                    <a:bodyPr/>
+                    <a:lstStyle/>
+                    <a:p>
+                      <a:r>
+                        <a:rPr lang="en-US" dirty="0"/>
+                        <a:t>0.885</a:t>
+                      </a:r>
+                    </a:p>
+                  </a:txBody>
+                  <a:tcPr/>
+                </a:tc>
+                <a:extLst>
+                  <a:ext uri="{0D108BD9-81ED-4DB2-BD59-A6C34878D82A}">
+                    <a16:rowId xmlns:a16="http://schemas.microsoft.com/office/drawing/2014/main" val="1155146656"/>
+                  </a:ext>
+                </a:extLst>
+              </a:tr>
+              <a:tr h="438740">
+                <a:tc>
+                  <a:txBody>
+                    <a:bodyPr/>
+                    <a:lstStyle/>
+                    <a:p>
+                      <a:r>
+                        <a:rPr lang="en-US" dirty="0"/>
+                        <a:t>Naïve Bayes</a:t>
+                      </a:r>
+                    </a:p>
+                  </a:txBody>
+                  <a:tcPr/>
+                </a:tc>
+                <a:tc>
+                  <a:txBody>
+                    <a:bodyPr/>
+                    <a:lstStyle/>
+                    <a:p>
+                      <a:r>
+                        <a:rPr lang="en-US" dirty="0"/>
+                        <a:t>0.577</a:t>
+                      </a:r>
+                    </a:p>
+                  </a:txBody>
+                  <a:tcPr/>
+                </a:tc>
+                <a:tc>
+                  <a:txBody>
+                    <a:bodyPr/>
+                    <a:lstStyle/>
+                    <a:p>
+                      <a:r>
+                        <a:rPr lang="en-US" dirty="0"/>
+                        <a:t>0.583</a:t>
+                      </a:r>
+                    </a:p>
+                  </a:txBody>
+                  <a:tcPr/>
+                </a:tc>
+                <a:tc>
+                  <a:txBody>
+                    <a:bodyPr/>
+                    <a:lstStyle/>
+                    <a:p>
+                      <a:r>
+                        <a:rPr lang="en-US" dirty="0"/>
+                        <a:t>0.263</a:t>
+                      </a:r>
+                    </a:p>
+                  </a:txBody>
+                  <a:tcPr/>
+                </a:tc>
+                <a:tc>
+                  <a:txBody>
+                    <a:bodyPr/>
+                    <a:lstStyle/>
+                    <a:p>
+                      <a:r>
+                        <a:rPr lang="en-US" dirty="0"/>
+                        <a:t>0.512</a:t>
+                      </a:r>
+                    </a:p>
+                  </a:txBody>
+                  <a:tcPr/>
+                </a:tc>
+                <a:tc>
+                  <a:txBody>
+                    <a:bodyPr/>
+                    <a:lstStyle/>
+                    <a:p>
+                      <a:r>
+                        <a:rPr lang="en-US" dirty="0"/>
+                        <a:t>0.348</a:t>
+                      </a:r>
+                    </a:p>
+                  </a:txBody>
+                  <a:tcPr/>
+                </a:tc>
+                <a:extLst>
+                  <a:ext uri="{0D108BD9-81ED-4DB2-BD59-A6C34878D82A}">
+                    <a16:rowId xmlns:a16="http://schemas.microsoft.com/office/drawing/2014/main" val="410216595"/>
+                  </a:ext>
+                </a:extLst>
+              </a:tr>
+              <a:tr h="438740">
+                <a:tc>
+                  <a:txBody>
+                    <a:bodyPr/>
+                    <a:lstStyle/>
+                    <a:p>
+                      <a:r>
+                        <a:rPr lang="en-US" dirty="0"/>
+                        <a:t>Bagging Classifier</a:t>
+                      </a:r>
+                    </a:p>
+                  </a:txBody>
+                  <a:tcPr/>
+                </a:tc>
+                <a:tc>
+                  <a:txBody>
+                    <a:bodyPr/>
+                    <a:lstStyle/>
+                    <a:p>
+                      <a:r>
+                        <a:rPr lang="en-US" dirty="0"/>
+                        <a:t>0.999</a:t>
+                      </a:r>
+                    </a:p>
+                  </a:txBody>
+                  <a:tcPr/>
+                </a:tc>
+                <a:tc>
+                  <a:txBody>
+                    <a:bodyPr/>
+                    <a:lstStyle/>
+                    <a:p>
+                      <a:r>
+                        <a:rPr lang="en-US" dirty="0"/>
+                        <a:t>0.981</a:t>
+                      </a:r>
+                    </a:p>
+                  </a:txBody>
+                  <a:tcPr/>
+                </a:tc>
+                <a:tc>
+                  <a:txBody>
+                    <a:bodyPr/>
+                    <a:lstStyle/>
+                    <a:p>
+                      <a:r>
+                        <a:rPr lang="en-US" dirty="0"/>
+                        <a:t>0.964</a:t>
+                      </a:r>
+                    </a:p>
+                  </a:txBody>
+                  <a:tcPr/>
+                </a:tc>
+                <a:tc>
+                  <a:txBody>
+                    <a:bodyPr/>
+                    <a:lstStyle/>
+                    <a:p>
+                      <a:r>
+                        <a:rPr lang="en-US" dirty="0"/>
+                        <a:t>0.949</a:t>
+                      </a:r>
+                    </a:p>
+                  </a:txBody>
+                  <a:tcPr/>
+                </a:tc>
+                <a:tc>
+                  <a:txBody>
+                    <a:bodyPr/>
+                    <a:lstStyle/>
+                    <a:p>
+                      <a:r>
+                        <a:rPr lang="en-US" dirty="0"/>
+                        <a:t>0.9566</a:t>
+                      </a:r>
+                    </a:p>
+                  </a:txBody>
+                  <a:tcPr/>
+                </a:tc>
+                <a:extLst>
+                  <a:ext uri="{0D108BD9-81ED-4DB2-BD59-A6C34878D82A}">
+                    <a16:rowId xmlns:a16="http://schemas.microsoft.com/office/drawing/2014/main" val="1822664351"/>
+                  </a:ext>
+                </a:extLst>
+              </a:tr>
+              <a:tr h="438740">
+                <a:tc>
+                  <a:txBody>
+                    <a:bodyPr/>
+                    <a:lstStyle/>
+                    <a:p>
+                      <a:r>
+                        <a:rPr lang="en-US" dirty="0" err="1"/>
+                        <a:t>Adaboost</a:t>
+                      </a:r>
+                      <a:endParaRPr lang="en-US" dirty="0"/>
+                    </a:p>
+                  </a:txBody>
+                  <a:tcPr/>
+                </a:tc>
+                <a:tc>
+                  <a:txBody>
+                    <a:bodyPr/>
+                    <a:lstStyle/>
+                    <a:p>
+                      <a:r>
+                        <a:rPr lang="en-US" dirty="0"/>
+                        <a:t>0.885</a:t>
+                      </a:r>
+                    </a:p>
+                  </a:txBody>
+                  <a:tcPr/>
+                </a:tc>
+                <a:tc>
+                  <a:txBody>
+                    <a:bodyPr/>
+                    <a:lstStyle/>
+                    <a:p>
+                      <a:r>
+                        <a:rPr lang="en-US" dirty="0"/>
+                        <a:t>0.859</a:t>
+                      </a:r>
+                    </a:p>
+                  </a:txBody>
+                  <a:tcPr/>
+                </a:tc>
+                <a:tc>
+                  <a:txBody>
+                    <a:bodyPr/>
+                    <a:lstStyle/>
+                    <a:p>
+                      <a:r>
+                        <a:rPr lang="en-US" dirty="0"/>
+                        <a:t>0.636</a:t>
+                      </a:r>
+                    </a:p>
+                  </a:txBody>
+                  <a:tcPr/>
+                </a:tc>
+                <a:tc>
+                  <a:txBody>
+                    <a:bodyPr/>
+                    <a:lstStyle/>
+                    <a:p>
+                      <a:r>
+                        <a:rPr lang="en-US" dirty="0"/>
+                        <a:t>0.821</a:t>
+                      </a:r>
+                    </a:p>
+                  </a:txBody>
+                  <a:tcPr/>
+                </a:tc>
+                <a:tc>
+                  <a:txBody>
+                    <a:bodyPr/>
+                    <a:lstStyle/>
+                    <a:p>
+                      <a:r>
+                        <a:rPr lang="en-US" dirty="0"/>
+                        <a:t>0.717</a:t>
+                      </a:r>
+                    </a:p>
+                  </a:txBody>
+                  <a:tcPr/>
+                </a:tc>
+                <a:extLst>
+                  <a:ext uri="{0D108BD9-81ED-4DB2-BD59-A6C34878D82A}">
+                    <a16:rowId xmlns:a16="http://schemas.microsoft.com/office/drawing/2014/main" val="1826938473"/>
+                  </a:ext>
+                </a:extLst>
+              </a:tr>
+              <a:tr h="438740">
+                <a:tc>
+                  <a:txBody>
+                    <a:bodyPr/>
+                    <a:lstStyle/>
+                    <a:p>
+                      <a:r>
+                        <a:rPr lang="en-US" dirty="0" err="1">
+                          <a:solidFill>
+                            <a:schemeClr val="tx1"/>
+                          </a:solidFill>
+                        </a:rPr>
+                        <a:t>XGBoost</a:t>
+                      </a:r>
+                      <a:endParaRPr lang="en-US" dirty="0">
+                        <a:solidFill>
+                          <a:schemeClr val="tx1"/>
+                        </a:solidFill>
+                      </a:endParaRPr>
+                    </a:p>
+                  </a:txBody>
+                  <a:tcPr>
+                    <a:solidFill>
+                      <a:srgbClr val="66FF99"/>
+                    </a:solidFill>
+                  </a:tcPr>
+                </a:tc>
+                <a:tc>
+                  <a:txBody>
+                    <a:bodyPr/>
+                    <a:lstStyle/>
+                    <a:p>
+                      <a:r>
+                        <a:rPr lang="en-US" dirty="0">
+                          <a:solidFill>
+                            <a:schemeClr val="tx1"/>
+                          </a:solidFill>
+                        </a:rPr>
+                        <a:t>0.962</a:t>
+                      </a:r>
+                    </a:p>
+                  </a:txBody>
+                  <a:tcPr>
+                    <a:solidFill>
+                      <a:srgbClr val="66FF99"/>
+                    </a:solidFill>
+                  </a:tcPr>
+                </a:tc>
+                <a:tc>
+                  <a:txBody>
+                    <a:bodyPr/>
+                    <a:lstStyle/>
+                    <a:p>
+                      <a:r>
+                        <a:rPr lang="en-US" dirty="0">
+                          <a:solidFill>
+                            <a:schemeClr val="tx1"/>
+                          </a:solidFill>
+                        </a:rPr>
+                        <a:t>0.955</a:t>
+                      </a:r>
+                    </a:p>
+                  </a:txBody>
+                  <a:tcPr>
+                    <a:solidFill>
+                      <a:srgbClr val="66FF99"/>
+                    </a:solidFill>
+                  </a:tcPr>
+                </a:tc>
+                <a:tc>
+                  <a:txBody>
+                    <a:bodyPr/>
+                    <a:lstStyle/>
+                    <a:p>
+                      <a:r>
+                        <a:rPr lang="en-US" dirty="0">
+                          <a:solidFill>
+                            <a:schemeClr val="tx1"/>
+                          </a:solidFill>
+                        </a:rPr>
+                        <a:t>0.927</a:t>
+                      </a:r>
+                    </a:p>
+                  </a:txBody>
+                  <a:tcPr>
+                    <a:solidFill>
+                      <a:srgbClr val="66FF99"/>
+                    </a:solidFill>
+                  </a:tcPr>
+                </a:tc>
+                <a:tc>
+                  <a:txBody>
+                    <a:bodyPr/>
+                    <a:lstStyle/>
+                    <a:p>
+                      <a:r>
+                        <a:rPr lang="en-US" dirty="0">
+                          <a:solidFill>
+                            <a:schemeClr val="tx1"/>
+                          </a:solidFill>
+                        </a:rPr>
+                        <a:t>0.862</a:t>
+                      </a:r>
+                    </a:p>
+                  </a:txBody>
+                  <a:tcPr>
+                    <a:solidFill>
+                      <a:srgbClr val="66FF99"/>
+                    </a:solidFill>
+                  </a:tcPr>
+                </a:tc>
+                <a:tc>
+                  <a:txBody>
+                    <a:bodyPr/>
+                    <a:lstStyle/>
+                    <a:p>
+                      <a:r>
+                        <a:rPr lang="en-US" dirty="0">
+                          <a:solidFill>
+                            <a:schemeClr val="tx1"/>
+                          </a:solidFill>
+                        </a:rPr>
+                        <a:t>0.893</a:t>
+                      </a:r>
+                    </a:p>
+                  </a:txBody>
+                  <a:tcPr>
+                    <a:solidFill>
+                      <a:srgbClr val="66FF99"/>
+                    </a:solidFill>
+                  </a:tcPr>
+                </a:tc>
+                <a:extLst>
+                  <a:ext uri="{0D108BD9-81ED-4DB2-BD59-A6C34878D82A}">
+                    <a16:rowId xmlns:a16="http://schemas.microsoft.com/office/drawing/2014/main" val="1448204331"/>
+                  </a:ext>
+                </a:extLst>
+              </a:tr>
+            </a:tbl>
+          </a:graphicData>
+        </a:graphic>
+      </p:graphicFrame>
+    </p:spTree>
+    <p:extLst>
+      <p:ext uri="{BB962C8B-B14F-4D97-AF65-F5344CB8AC3E}">
+        <p14:creationId xmlns:p14="http://schemas.microsoft.com/office/powerpoint/2010/main" val="2053038504"/>
+      </p:ext>
+    </p:extLst>
+  </p:cSld>
+  <p:clrMapOvr>
+    <a:masterClrMapping/>
+  </p:clrMapOvr>
+</p:sld>
+</file>
+
+<file path=ppt/slides/slide13.xml><?xml version="1.0" encoding="utf-8"?>
+<p:sld xmlns:a="http://schemas.openxmlformats.org/drawingml/2006/main" xmlns:r="http://schemas.openxmlformats.org/officeDocument/2006/relationships" xmlns:p="http://schemas.openxmlformats.org/presentationml/2006/main">
+  <p:cSld>
+    <p:spTree>
+      <p:nvGrpSpPr>
+        <p:cNvPr id="1" name=""/>
+        <p:cNvGrpSpPr/>
+        <p:nvPr/>
+      </p:nvGrpSpPr>
+      <p:grpSpPr>
+        <a:xfrm>
+          <a:off x="0" y="0"/>
+          <a:ext cx="0" cy="0"/>
+          <a:chOff x="0" y="0"/>
+          <a:chExt cx="0" cy="0"/>
+        </a:xfrm>
+      </p:grpSpPr>
+      <p:sp>
+        <p:nvSpPr>
+          <p:cNvPr id="2" name="Title 1">
+            <a:extLst>
+              <a:ext uri="{FF2B5EF4-FFF2-40B4-BE49-F238E27FC236}">
+                <a16:creationId xmlns:a16="http://schemas.microsoft.com/office/drawing/2014/main" id="{2906E813-8F0D-4D44-A3B8-A76A846C582A}"/>
+              </a:ext>
+            </a:extLst>
+          </p:cNvPr>
+          <p:cNvSpPr>
+            <a:spLocks noGrp="1"/>
+          </p:cNvSpPr>
+          <p:nvPr>
+            <p:ph type="title"/>
+          </p:nvPr>
+        </p:nvSpPr>
+        <p:spPr/>
+        <p:txBody>
+          <a:bodyPr/>
+          <a:lstStyle/>
+          <a:p>
+            <a:r>
+              <a:rPr lang="en-US" dirty="0" err="1"/>
+              <a:t>XGBoost</a:t>
+            </a:r>
+            <a:r>
+              <a:rPr lang="en-US" dirty="0"/>
+              <a:t> Model Performance</a:t>
+            </a:r>
+          </a:p>
+        </p:txBody>
+      </p:sp>
+      <p:sp>
+        <p:nvSpPr>
+          <p:cNvPr id="7" name="Text Placeholder 6">
+            <a:extLst>
+              <a:ext uri="{FF2B5EF4-FFF2-40B4-BE49-F238E27FC236}">
+                <a16:creationId xmlns:a16="http://schemas.microsoft.com/office/drawing/2014/main" id="{ABFA3A39-00E9-4A65-BB6A-C7F78752BE15}"/>
+              </a:ext>
+            </a:extLst>
+          </p:cNvPr>
+          <p:cNvSpPr>
+            <a:spLocks noGrp="1"/>
+          </p:cNvSpPr>
+          <p:nvPr>
+            <p:ph type="body" idx="1"/>
+          </p:nvPr>
+        </p:nvSpPr>
+        <p:spPr/>
+        <p:txBody>
+          <a:bodyPr/>
+          <a:lstStyle/>
+          <a:p>
+            <a:r>
+              <a:rPr lang="en-US" dirty="0"/>
+              <a:t>Confusion Matrix</a:t>
+            </a:r>
+          </a:p>
+        </p:txBody>
+      </p:sp>
+      <p:graphicFrame>
+        <p:nvGraphicFramePr>
+          <p:cNvPr id="4" name="Table 4">
+            <a:extLst>
+              <a:ext uri="{FF2B5EF4-FFF2-40B4-BE49-F238E27FC236}">
+                <a16:creationId xmlns:a16="http://schemas.microsoft.com/office/drawing/2014/main" id="{4F85D3A2-AFA9-4DE1-988B-964830537F24}"/>
+              </a:ext>
+            </a:extLst>
+          </p:cNvPr>
+          <p:cNvGraphicFramePr>
+            <a:graphicFrameLocks noGrp="1"/>
+          </p:cNvGraphicFramePr>
+          <p:nvPr>
+            <p:ph sz="half" idx="2"/>
+            <p:extLst>
+              <p:ext uri="{D42A27DB-BD31-4B8C-83A1-F6EECF244321}">
+                <p14:modId xmlns:p14="http://schemas.microsoft.com/office/powerpoint/2010/main" val="3168859117"/>
+              </p:ext>
+            </p:extLst>
+          </p:nvPr>
+        </p:nvGraphicFramePr>
+        <p:xfrm>
+          <a:off x="457200" y="2720010"/>
+          <a:ext cx="3810000" cy="2602877"/>
+        </p:xfrm>
+        <a:graphic>
+          <a:graphicData uri="http://schemas.openxmlformats.org/drawingml/2006/table">
+            <a:tbl>
+              <a:tblPr firstRow="1" bandRow="1">
+                <a:tableStyleId>{F5AB1C69-6EDB-4FF4-983F-18BD219EF322}</a:tableStyleId>
+              </a:tblPr>
+              <a:tblGrid>
+                <a:gridCol w="1219448">
+                  <a:extLst>
+                    <a:ext uri="{9D8B030D-6E8A-4147-A177-3AD203B41FA5}">
+                      <a16:colId xmlns:a16="http://schemas.microsoft.com/office/drawing/2014/main" val="1747037047"/>
+                    </a:ext>
+                  </a:extLst>
+                </a:gridCol>
+                <a:gridCol w="1320552">
+                  <a:extLst>
+                    <a:ext uri="{9D8B030D-6E8A-4147-A177-3AD203B41FA5}">
+                      <a16:colId xmlns:a16="http://schemas.microsoft.com/office/drawing/2014/main" val="3759939217"/>
+                    </a:ext>
+                  </a:extLst>
+                </a:gridCol>
+                <a:gridCol w="1270000">
+                  <a:extLst>
+                    <a:ext uri="{9D8B030D-6E8A-4147-A177-3AD203B41FA5}">
+                      <a16:colId xmlns:a16="http://schemas.microsoft.com/office/drawing/2014/main" val="2048566706"/>
+                    </a:ext>
+                  </a:extLst>
+                </a:gridCol>
+              </a:tblGrid>
+              <a:tr h="872060">
+                <a:tc>
+                  <a:txBody>
+                    <a:bodyPr/>
+                    <a:lstStyle/>
+                    <a:p>
+                      <a:endParaRPr lang="en-US" dirty="0"/>
+                    </a:p>
+                  </a:txBody>
+                  <a:tcPr marL="67336" marR="67336">
+                    <a:noFill/>
+                  </a:tcPr>
+                </a:tc>
+                <a:tc>
+                  <a:txBody>
+                    <a:bodyPr/>
+                    <a:lstStyle/>
+                    <a:p>
+                      <a:r>
+                        <a:rPr lang="en-US" dirty="0"/>
+                        <a:t>Actual Defaulters</a:t>
+                      </a:r>
+                    </a:p>
+                  </a:txBody>
+                  <a:tcPr marL="67336" marR="67336"/>
+                </a:tc>
+                <a:tc>
+                  <a:txBody>
+                    <a:bodyPr/>
+                    <a:lstStyle/>
+                    <a:p>
+                      <a:pPr marL="0" marR="0" lvl="0" indent="0" algn="l" defTabSz="914400" rtl="0" eaLnBrk="1" fontAlgn="auto" latinLnBrk="0" hangingPunct="1">
+                        <a:lnSpc>
+                          <a:spcPct val="100000"/>
+                        </a:lnSpc>
+                        <a:spcBef>
+                          <a:spcPts val="0"/>
+                        </a:spcBef>
+                        <a:spcAft>
+                          <a:spcPts val="0"/>
+                        </a:spcAft>
+                        <a:buClrTx/>
+                        <a:buSzTx/>
+                        <a:buFontTx/>
+                        <a:buNone/>
+                        <a:tabLst/>
+                        <a:defRPr/>
+                      </a:pPr>
+                      <a:r>
+                        <a:rPr lang="en-US" dirty="0"/>
+                        <a:t>Predicted Non-Defaulters</a:t>
+                      </a:r>
+                    </a:p>
+                  </a:txBody>
+                  <a:tcPr marL="67336" marR="67336"/>
+                </a:tc>
+                <a:extLst>
+                  <a:ext uri="{0D108BD9-81ED-4DB2-BD59-A6C34878D82A}">
+                    <a16:rowId xmlns:a16="http://schemas.microsoft.com/office/drawing/2014/main" val="2521175390"/>
+                  </a:ext>
+                </a:extLst>
+              </a:tr>
+              <a:tr h="774077">
+                <a:tc>
+                  <a:txBody>
+                    <a:bodyPr/>
+                    <a:lstStyle/>
+                    <a:p>
+                      <a:pPr marL="0" marR="0" lvl="0" indent="0" algn="l" defTabSz="914400" rtl="0" eaLnBrk="1" fontAlgn="auto" latinLnBrk="0" hangingPunct="1">
+                        <a:lnSpc>
+                          <a:spcPct val="100000"/>
+                        </a:lnSpc>
+                        <a:spcBef>
+                          <a:spcPts val="0"/>
+                        </a:spcBef>
+                        <a:spcAft>
+                          <a:spcPts val="0"/>
+                        </a:spcAft>
+                        <a:buClrTx/>
+                        <a:buSzTx/>
+                        <a:buFontTx/>
+                        <a:buNone/>
+                        <a:tabLst/>
+                        <a:defRPr/>
+                      </a:pPr>
+                      <a:r>
+                        <a:rPr lang="en-US" dirty="0"/>
+                        <a:t>Predicted Defaulters</a:t>
+                      </a:r>
+                    </a:p>
+                  </a:txBody>
+                  <a:tcPr marL="67336" marR="67336">
+                    <a:solidFill>
+                      <a:schemeClr val="accent3">
+                        <a:lumMod val="60000"/>
+                        <a:lumOff val="40000"/>
+                      </a:schemeClr>
+                    </a:solidFill>
+                  </a:tcPr>
+                </a:tc>
+                <a:tc>
+                  <a:txBody>
+                    <a:bodyPr/>
+                    <a:lstStyle/>
+                    <a:p>
+                      <a:r>
+                        <a:rPr lang="en-US" dirty="0"/>
+                        <a:t>13096</a:t>
+                      </a:r>
+                    </a:p>
+                  </a:txBody>
+                  <a:tcPr marL="67336" marR="67336"/>
+                </a:tc>
+                <a:tc>
+                  <a:txBody>
+                    <a:bodyPr/>
+                    <a:lstStyle/>
+                    <a:p>
+                      <a:r>
+                        <a:rPr lang="en-US" dirty="0"/>
+                        <a:t>1027</a:t>
+                      </a:r>
+                    </a:p>
+                  </a:txBody>
+                  <a:tcPr marL="67336" marR="67336"/>
+                </a:tc>
+                <a:extLst>
+                  <a:ext uri="{0D108BD9-81ED-4DB2-BD59-A6C34878D82A}">
+                    <a16:rowId xmlns:a16="http://schemas.microsoft.com/office/drawing/2014/main" val="2895640592"/>
+                  </a:ext>
+                </a:extLst>
+              </a:tr>
+              <a:tr h="872060">
+                <a:tc>
+                  <a:txBody>
+                    <a:bodyPr/>
+                    <a:lstStyle/>
+                    <a:p>
+                      <a:pPr marL="0" marR="0" lvl="0" indent="0" algn="l" defTabSz="914400" rtl="0" eaLnBrk="1" fontAlgn="auto" latinLnBrk="0" hangingPunct="1">
+                        <a:lnSpc>
+                          <a:spcPct val="100000"/>
+                        </a:lnSpc>
+                        <a:spcBef>
+                          <a:spcPts val="0"/>
+                        </a:spcBef>
+                        <a:spcAft>
+                          <a:spcPts val="0"/>
+                        </a:spcAft>
+                        <a:buClrTx/>
+                        <a:buSzTx/>
+                        <a:buFontTx/>
+                        <a:buNone/>
+                        <a:tabLst/>
+                        <a:defRPr/>
+                      </a:pPr>
+                      <a:r>
+                        <a:rPr lang="en-US" dirty="0"/>
+                        <a:t>Predicted Non-Defaulters</a:t>
+                      </a:r>
+                    </a:p>
+                  </a:txBody>
+                  <a:tcPr marL="67336" marR="67336">
+                    <a:solidFill>
+                      <a:schemeClr val="accent3">
+                        <a:lumMod val="60000"/>
+                        <a:lumOff val="40000"/>
+                      </a:schemeClr>
+                    </a:solidFill>
+                  </a:tcPr>
+                </a:tc>
+                <a:tc>
+                  <a:txBody>
+                    <a:bodyPr/>
+                    <a:lstStyle/>
+                    <a:p>
+                      <a:r>
+                        <a:rPr lang="en-US" dirty="0"/>
+                        <a:t>2095</a:t>
+                      </a:r>
+                    </a:p>
+                  </a:txBody>
+                  <a:tcPr marL="67336" marR="67336"/>
+                </a:tc>
+                <a:tc>
+                  <a:txBody>
+                    <a:bodyPr/>
+                    <a:lstStyle/>
+                    <a:p>
+                      <a:r>
+                        <a:rPr lang="en-US" dirty="0"/>
+                        <a:t>53729</a:t>
+                      </a:r>
+                    </a:p>
+                  </a:txBody>
+                  <a:tcPr marL="67336" marR="67336"/>
+                </a:tc>
+                <a:extLst>
+                  <a:ext uri="{0D108BD9-81ED-4DB2-BD59-A6C34878D82A}">
+                    <a16:rowId xmlns:a16="http://schemas.microsoft.com/office/drawing/2014/main" val="3855748636"/>
+                  </a:ext>
+                </a:extLst>
+              </a:tr>
+            </a:tbl>
+          </a:graphicData>
+        </a:graphic>
+      </p:graphicFrame>
+      <p:sp>
+        <p:nvSpPr>
+          <p:cNvPr id="8" name="Text Placeholder 7">
+            <a:extLst>
+              <a:ext uri="{FF2B5EF4-FFF2-40B4-BE49-F238E27FC236}">
+                <a16:creationId xmlns:a16="http://schemas.microsoft.com/office/drawing/2014/main" id="{1D056199-CD3C-43FA-8671-9D8D103A072E}"/>
+              </a:ext>
+            </a:extLst>
+          </p:cNvPr>
+          <p:cNvSpPr>
+            <a:spLocks noGrp="1"/>
+          </p:cNvSpPr>
+          <p:nvPr>
+            <p:ph type="body" sz="quarter" idx="3"/>
+          </p:nvPr>
+        </p:nvSpPr>
+        <p:spPr/>
+        <p:txBody>
+          <a:bodyPr/>
+          <a:lstStyle/>
+          <a:p>
+            <a:r>
+              <a:rPr lang="en-US" dirty="0"/>
+              <a:t>ROC-AUC Curve</a:t>
+            </a:r>
+          </a:p>
+        </p:txBody>
+      </p:sp>
+      <p:pic>
+        <p:nvPicPr>
+          <p:cNvPr id="13" name="Picture 12">
+            <a:extLst>
+              <a:ext uri="{FF2B5EF4-FFF2-40B4-BE49-F238E27FC236}">
+                <a16:creationId xmlns:a16="http://schemas.microsoft.com/office/drawing/2014/main" id="{AC257CB2-00E6-491A-9E77-CDC6C5DD279F}"/>
+              </a:ext>
+            </a:extLst>
+          </p:cNvPr>
+          <p:cNvPicPr>
+            <a:picLocks noChangeAspect="1"/>
+          </p:cNvPicPr>
+          <p:nvPr/>
+        </p:nvPicPr>
+        <p:blipFill>
+          <a:blip r:embed="rId2">
+            <a:extLst>
+              <a:ext uri="{28A0092B-C50C-407E-A947-70E740481C1C}">
+                <a14:useLocalDpi xmlns:a14="http://schemas.microsoft.com/office/drawing/2010/main" val="0"/>
+              </a:ext>
+            </a:extLst>
+          </a:blip>
+          <a:stretch>
+            <a:fillRect/>
+          </a:stretch>
+        </p:blipFill>
+        <p:spPr>
+          <a:xfrm>
+            <a:off x="4876802" y="2590800"/>
+            <a:ext cx="3752850" cy="2819400"/>
+          </a:xfrm>
+          <a:prstGeom prst="rect">
+            <a:avLst/>
+          </a:prstGeom>
+        </p:spPr>
+      </p:pic>
+    </p:spTree>
+    <p:extLst>
+      <p:ext uri="{BB962C8B-B14F-4D97-AF65-F5344CB8AC3E}">
+        <p14:creationId xmlns:p14="http://schemas.microsoft.com/office/powerpoint/2010/main" val="2056242082"/>
+      </p:ext>
+    </p:extLst>
+  </p:cSld>
+  <p:clrMapOvr>
+    <a:masterClrMapping/>
+  </p:clrMapOvr>
+</p:sld>
+</file>
+
+<file path=ppt/slides/slide14.xml><?xml version="1.0" encoding="utf-8"?>
+<p:sld xmlns:a="http://schemas.openxmlformats.org/drawingml/2006/main" xmlns:r="http://schemas.openxmlformats.org/officeDocument/2006/relationships" xmlns:p="http://schemas.openxmlformats.org/presentationml/2006/main">
+  <p:cSld>
+    <p:spTree>
+      <p:nvGrpSpPr>
+        <p:cNvPr id="1" name=""/>
+        <p:cNvGrpSpPr/>
+        <p:nvPr/>
+      </p:nvGrpSpPr>
+      <p:grpSpPr>
+        <a:xfrm>
+          <a:off x="0" y="0"/>
+          <a:ext cx="0" cy="0"/>
+          <a:chOff x="0" y="0"/>
+          <a:chExt cx="0" cy="0"/>
+        </a:xfrm>
+      </p:grpSpPr>
+      <p:sp>
+        <p:nvSpPr>
+          <p:cNvPr id="2" name="Title 1">
+            <a:extLst>
+              <a:ext uri="{FF2B5EF4-FFF2-40B4-BE49-F238E27FC236}">
+                <a16:creationId xmlns:a16="http://schemas.microsoft.com/office/drawing/2014/main" id="{7863B317-01DC-4D57-9B51-1C2B5EE23F68}"/>
+              </a:ext>
+            </a:extLst>
+          </p:cNvPr>
+          <p:cNvSpPr>
+            <a:spLocks noGrp="1"/>
+          </p:cNvSpPr>
+          <p:nvPr>
+            <p:ph type="title"/>
+          </p:nvPr>
+        </p:nvSpPr>
+        <p:spPr/>
+        <p:txBody>
+          <a:bodyPr/>
+          <a:lstStyle/>
+          <a:p>
+            <a:pPr algn="l"/>
+            <a:r>
+              <a:rPr lang="en-US" dirty="0"/>
+              <a:t>Business Interpretations</a:t>
+            </a:r>
+          </a:p>
+        </p:txBody>
+      </p:sp>
+      <p:pic>
+        <p:nvPicPr>
+          <p:cNvPr id="5" name="Content Placeholder 4">
+            <a:extLst>
+              <a:ext uri="{FF2B5EF4-FFF2-40B4-BE49-F238E27FC236}">
+                <a16:creationId xmlns:a16="http://schemas.microsoft.com/office/drawing/2014/main" id="{96992848-4908-46FD-A577-971B59C40B22}"/>
+              </a:ext>
+            </a:extLst>
+          </p:cNvPr>
+          <p:cNvPicPr>
+            <a:picLocks noGrp="1" noChangeAspect="1"/>
+          </p:cNvPicPr>
+          <p:nvPr>
+            <p:ph idx="1"/>
+          </p:nvPr>
+        </p:nvPicPr>
+        <p:blipFill>
+          <a:blip r:embed="rId2">
+            <a:extLst>
+              <a:ext uri="{28A0092B-C50C-407E-A947-70E740481C1C}">
+                <a14:useLocalDpi xmlns:a14="http://schemas.microsoft.com/office/drawing/2010/main" val="0"/>
+              </a:ext>
+            </a:extLst>
+          </a:blip>
+          <a:stretch>
+            <a:fillRect/>
+          </a:stretch>
+        </p:blipFill>
+        <p:spPr>
+          <a:xfrm>
+            <a:off x="1828800" y="1295400"/>
+            <a:ext cx="5867400" cy="5178246"/>
+          </a:xfrm>
+        </p:spPr>
+      </p:pic>
+    </p:spTree>
+    <p:extLst>
+      <p:ext uri="{BB962C8B-B14F-4D97-AF65-F5344CB8AC3E}">
+        <p14:creationId xmlns:p14="http://schemas.microsoft.com/office/powerpoint/2010/main" val="3506829362"/>
+      </p:ext>
+    </p:extLst>
+  </p:cSld>
+  <p:clrMapOvr>
+    <a:masterClrMapping/>
+  </p:clrMapOvr>
+</p:sld>
+</file>
+
+<file path=ppt/slides/slide15.xml><?xml version="1.0" encoding="utf-8"?>
+<p:sld xmlns:a="http://schemas.openxmlformats.org/drawingml/2006/main" xmlns:r="http://schemas.openxmlformats.org/officeDocument/2006/relationships" xmlns:p="http://schemas.openxmlformats.org/presentationml/2006/main">
+  <p:cSld>
+    <p:spTree>
+      <p:nvGrpSpPr>
+        <p:cNvPr id="1" name=""/>
+        <p:cNvGrpSpPr/>
+        <p:nvPr/>
+      </p:nvGrpSpPr>
+      <p:grpSpPr>
+        <a:xfrm>
+          <a:off x="0" y="0"/>
+          <a:ext cx="0" cy="0"/>
+          <a:chOff x="0" y="0"/>
+          <a:chExt cx="0" cy="0"/>
+        </a:xfrm>
+      </p:grpSpPr>
+      <p:sp>
+        <p:nvSpPr>
+          <p:cNvPr id="2" name="Title 1">
+            <a:extLst>
+              <a:ext uri="{FF2B5EF4-FFF2-40B4-BE49-F238E27FC236}">
+                <a16:creationId xmlns:a16="http://schemas.microsoft.com/office/drawing/2014/main" id="{93E48B16-F83B-42AA-9112-061FC8864E3F}"/>
+              </a:ext>
+            </a:extLst>
+          </p:cNvPr>
+          <p:cNvSpPr>
+            <a:spLocks noGrp="1"/>
+          </p:cNvSpPr>
+          <p:nvPr>
+            <p:ph type="title"/>
+          </p:nvPr>
+        </p:nvSpPr>
+        <p:spPr/>
+        <p:txBody>
+          <a:bodyPr/>
+          <a:lstStyle/>
+          <a:p>
+            <a:r>
+              <a:rPr lang="en-US" dirty="0"/>
+              <a:t>Return On Investment</a:t>
+            </a:r>
+          </a:p>
+        </p:txBody>
+      </p:sp>
+      <p:sp>
+        <p:nvSpPr>
+          <p:cNvPr id="3" name="Content Placeholder 2">
+            <a:extLst>
+              <a:ext uri="{FF2B5EF4-FFF2-40B4-BE49-F238E27FC236}">
+                <a16:creationId xmlns:a16="http://schemas.microsoft.com/office/drawing/2014/main" id="{B3E990F1-3675-4CB6-BF81-7989FA909C95}"/>
+              </a:ext>
+            </a:extLst>
+          </p:cNvPr>
+          <p:cNvSpPr>
+            <a:spLocks noGrp="1"/>
+          </p:cNvSpPr>
+          <p:nvPr>
+            <p:ph idx="1"/>
+          </p:nvPr>
+        </p:nvSpPr>
+        <p:spPr/>
+        <p:txBody>
+          <a:bodyPr/>
+          <a:lstStyle/>
+          <a:p>
+            <a:endParaRPr lang="en-US"/>
+          </a:p>
+        </p:txBody>
+      </p:sp>
+    </p:spTree>
+    <p:extLst>
+      <p:ext uri="{BB962C8B-B14F-4D97-AF65-F5344CB8AC3E}">
+        <p14:creationId xmlns:p14="http://schemas.microsoft.com/office/powerpoint/2010/main" val="2810613978"/>
+      </p:ext>
+    </p:extLst>
+  </p:cSld>
+  <p:clrMapOvr>
+    <a:masterClrMapping/>
+  </p:clrMapOvr>
+</p:sld>
+</file>
+
+<file path=ppt/slides/slide16.xml><?xml version="1.0" encoding="utf-8"?>
+<p:sld xmlns:a="http://schemas.openxmlformats.org/drawingml/2006/main" xmlns:r="http://schemas.openxmlformats.org/officeDocument/2006/relationships" xmlns:p="http://schemas.openxmlformats.org/presentationml/2006/main">
+  <p:cSld>
+    <p:spTree>
+      <p:nvGrpSpPr>
+        <p:cNvPr id="1" name=""/>
+        <p:cNvGrpSpPr/>
+        <p:nvPr/>
+      </p:nvGrpSpPr>
+      <p:grpSpPr>
+        <a:xfrm>
+          <a:off x="0" y="0"/>
+          <a:ext cx="0" cy="0"/>
+          <a:chOff x="0" y="0"/>
+          <a:chExt cx="0" cy="0"/>
+        </a:xfrm>
+      </p:grpSpPr>
+      <p:sp>
+        <p:nvSpPr>
+          <p:cNvPr id="4" name="Title 1">
+            <a:extLst>
+              <a:ext uri="{FF2B5EF4-FFF2-40B4-BE49-F238E27FC236}">
+                <a16:creationId xmlns:a16="http://schemas.microsoft.com/office/drawing/2014/main" id="{A148EF26-8D46-4B15-973B-75E03A95CDAE}"/>
+              </a:ext>
+            </a:extLst>
+          </p:cNvPr>
+          <p:cNvSpPr txBox="1">
+            <a:spLocks/>
+          </p:cNvSpPr>
+          <p:nvPr/>
+        </p:nvSpPr>
+        <p:spPr>
+          <a:xfrm>
+            <a:off x="685800" y="3657600"/>
+            <a:ext cx="8229600" cy="1143000"/>
+          </a:xfrm>
+          <a:prstGeom prst="rect">
+            <a:avLst/>
+          </a:prstGeom>
+        </p:spPr>
+        <p:txBody>
+          <a:bodyPr vert="horz" lIns="91440" tIns="45720" rIns="91440" bIns="45720" rtlCol="0" anchor="ctr">
+            <a:normAutofit/>
+          </a:bodyPr>
+          <a:lstStyle>
+            <a:lvl1pPr algn="ctr" defTabSz="914400" rtl="0" eaLnBrk="1" latinLnBrk="0" hangingPunct="1">
+              <a:spcBef>
+                <a:spcPct val="0"/>
+              </a:spcBef>
+              <a:buNone/>
+              <a:defRPr sz="4400" kern="1200">
+                <a:solidFill>
+                  <a:schemeClr val="tx1"/>
+                </a:solidFill>
+                <a:latin typeface="+mj-lt"/>
+                <a:ea typeface="+mj-ea"/>
+                <a:cs typeface="+mj-cs"/>
+              </a:defRPr>
+            </a:lvl1pPr>
+          </a:lstStyle>
+          <a:p>
+            <a:pPr algn="l"/>
+            <a:r>
+              <a:rPr lang="en-US" dirty="0"/>
+              <a:t>Reference</a:t>
+            </a:r>
+          </a:p>
+        </p:txBody>
+      </p:sp>
+      <p:sp>
+        <p:nvSpPr>
+          <p:cNvPr id="5" name="Content Placeholder 2">
+            <a:extLst>
+              <a:ext uri="{FF2B5EF4-FFF2-40B4-BE49-F238E27FC236}">
+                <a16:creationId xmlns:a16="http://schemas.microsoft.com/office/drawing/2014/main" id="{AC2B98C8-1410-4EE3-98A2-9AA56034D000}"/>
+              </a:ext>
+            </a:extLst>
+          </p:cNvPr>
+          <p:cNvSpPr txBox="1">
+            <a:spLocks/>
+          </p:cNvSpPr>
+          <p:nvPr/>
+        </p:nvSpPr>
+        <p:spPr>
+          <a:xfrm>
+            <a:off x="685800" y="4724400"/>
+            <a:ext cx="8229600" cy="4525963"/>
+          </a:xfrm>
+          <a:prstGeom prst="rect">
+            <a:avLst/>
+          </a:prstGeom>
+        </p:spPr>
+        <p:txBody>
+          <a:bodyPr vert="horz" lIns="91440" tIns="45720" rIns="91440" bIns="45720" rtlCol="0">
+            <a:normAutofit/>
+          </a:bodyPr>
+          <a:lstStyle>
+            <a:lvl1pPr marL="342900" indent="-342900" algn="l" defTabSz="914400" rtl="0" eaLnBrk="1" latinLnBrk="0" hangingPunct="1">
+              <a:spcBef>
+                <a:spcPct val="20000"/>
+              </a:spcBef>
+              <a:buFont typeface="Arial" panose="020B0604020202020204" pitchFamily="34" charset="0"/>
+              <a:buChar char="•"/>
+              <a:defRPr sz="3200" kern="1200">
+                <a:solidFill>
+                  <a:schemeClr val="tx1"/>
+                </a:solidFill>
+                <a:latin typeface="+mn-lt"/>
+                <a:ea typeface="+mn-ea"/>
+                <a:cs typeface="+mn-cs"/>
+              </a:defRPr>
+            </a:lvl1pPr>
+            <a:lvl2pPr marL="742950" indent="-285750" algn="l" defTabSz="914400" rtl="0" eaLnBrk="1" latinLnBrk="0" hangingPunct="1">
+              <a:spcBef>
+                <a:spcPct val="20000"/>
+              </a:spcBef>
+              <a:buFont typeface="Arial" panose="020B0604020202020204" pitchFamily="34" charset="0"/>
+              <a:buChar char="–"/>
+              <a:defRPr sz="2800" kern="1200">
+                <a:solidFill>
+                  <a:schemeClr val="tx1"/>
+                </a:solidFill>
+                <a:latin typeface="+mn-lt"/>
+                <a:ea typeface="+mn-ea"/>
+                <a:cs typeface="+mn-cs"/>
+              </a:defRPr>
+            </a:lvl2pPr>
+            <a:lvl3pPr marL="1143000" indent="-228600" algn="l" defTabSz="914400" rtl="0" eaLnBrk="1" latinLnBrk="0" hangingPunct="1">
+              <a:spcBef>
+                <a:spcPct val="20000"/>
+              </a:spcBef>
+              <a:buFont typeface="Arial" panose="020B0604020202020204" pitchFamily="34" charset="0"/>
+              <a:buChar char="•"/>
+              <a:defRPr sz="2400" kern="1200">
+                <a:solidFill>
+                  <a:schemeClr val="tx1"/>
+                </a:solidFill>
+                <a:latin typeface="+mn-lt"/>
+                <a:ea typeface="+mn-ea"/>
+                <a:cs typeface="+mn-cs"/>
+              </a:defRPr>
+            </a:lvl3pPr>
+            <a:lvl4pPr marL="1600200" indent="-228600" algn="l" defTabSz="914400" rtl="0" eaLnBrk="1" latinLnBrk="0" hangingPunct="1">
+              <a:spcBef>
+                <a:spcPct val="20000"/>
+              </a:spcBef>
+              <a:buFont typeface="Arial" panose="020B0604020202020204" pitchFamily="34" charset="0"/>
+              <a:buChar char="–"/>
+              <a:defRPr sz="2000" kern="1200">
+                <a:solidFill>
+                  <a:schemeClr val="tx1"/>
+                </a:solidFill>
+                <a:latin typeface="+mn-lt"/>
+                <a:ea typeface="+mn-ea"/>
+                <a:cs typeface="+mn-cs"/>
+              </a:defRPr>
+            </a:lvl4pPr>
+            <a:lvl5pPr marL="2057400" indent="-228600" algn="l" defTabSz="914400" rtl="0" eaLnBrk="1" latinLnBrk="0" hangingPunct="1">
+              <a:spcBef>
+                <a:spcPct val="20000"/>
+              </a:spcBef>
+              <a:buFont typeface="Arial" panose="020B0604020202020204" pitchFamily="34" charset="0"/>
+              <a:buChar char="»"/>
+              <a:defRPr sz="2000" kern="1200">
+                <a:solidFill>
+                  <a:schemeClr val="tx1"/>
+                </a:solidFill>
+                <a:latin typeface="+mn-lt"/>
+                <a:ea typeface="+mn-ea"/>
+                <a:cs typeface="+mn-cs"/>
+              </a:defRPr>
+            </a:lvl5pPr>
+            <a:lvl6pPr marL="2514600" indent="-228600" algn="l" defTabSz="914400" rtl="0" eaLnBrk="1" latinLnBrk="0" hangingPunct="1">
+              <a:spcBef>
+                <a:spcPct val="20000"/>
+              </a:spcBef>
+              <a:buFont typeface="Arial" panose="020B0604020202020204" pitchFamily="34" charset="0"/>
+              <a:buChar char="•"/>
+              <a:defRPr sz="2000" kern="1200">
+                <a:solidFill>
+                  <a:schemeClr val="tx1"/>
+                </a:solidFill>
+                <a:latin typeface="+mn-lt"/>
+                <a:ea typeface="+mn-ea"/>
+                <a:cs typeface="+mn-cs"/>
+              </a:defRPr>
+            </a:lvl6pPr>
+            <a:lvl7pPr marL="2971800" indent="-228600" algn="l" defTabSz="914400" rtl="0" eaLnBrk="1" latinLnBrk="0" hangingPunct="1">
+              <a:spcBef>
+                <a:spcPct val="20000"/>
+              </a:spcBef>
+              <a:buFont typeface="Arial" panose="020B0604020202020204" pitchFamily="34" charset="0"/>
+              <a:buChar char="•"/>
+              <a:defRPr sz="2000" kern="1200">
+                <a:solidFill>
+                  <a:schemeClr val="tx1"/>
+                </a:solidFill>
+                <a:latin typeface="+mn-lt"/>
+                <a:ea typeface="+mn-ea"/>
+                <a:cs typeface="+mn-cs"/>
+              </a:defRPr>
+            </a:lvl7pPr>
+            <a:lvl8pPr marL="3429000" indent="-228600" algn="l" defTabSz="914400" rtl="0" eaLnBrk="1" latinLnBrk="0" hangingPunct="1">
+              <a:spcBef>
+                <a:spcPct val="20000"/>
+              </a:spcBef>
+              <a:buFont typeface="Arial" panose="020B0604020202020204" pitchFamily="34" charset="0"/>
+              <a:buChar char="•"/>
+              <a:defRPr sz="2000" kern="1200">
+                <a:solidFill>
+                  <a:schemeClr val="tx1"/>
+                </a:solidFill>
+                <a:latin typeface="+mn-lt"/>
+                <a:ea typeface="+mn-ea"/>
+                <a:cs typeface="+mn-cs"/>
+              </a:defRPr>
+            </a:lvl8pPr>
+            <a:lvl9pPr marL="3886200" indent="-228600" algn="l" defTabSz="914400" rtl="0" eaLnBrk="1" latinLnBrk="0" hangingPunct="1">
+              <a:spcBef>
+                <a:spcPct val="20000"/>
+              </a:spcBef>
+              <a:buFont typeface="Arial" panose="020B0604020202020204" pitchFamily="34" charset="0"/>
+              <a:buChar char="•"/>
+              <a:defRPr sz="2000" kern="1200">
+                <a:solidFill>
+                  <a:schemeClr val="tx1"/>
+                </a:solidFill>
+                <a:latin typeface="+mn-lt"/>
+                <a:ea typeface="+mn-ea"/>
+                <a:cs typeface="+mn-cs"/>
+              </a:defRPr>
+            </a:lvl9pPr>
+          </a:lstStyle>
+          <a:p>
+            <a:pPr marL="0" indent="0">
+              <a:buNone/>
+            </a:pPr>
+            <a:r>
+              <a:rPr lang="en-US" sz="2400" dirty="0">
+                <a:hlinkClick r:id="rId2"/>
+              </a:rPr>
+              <a:t>https://github.com/xavierigneous/Vehicle-Loan-Default-Prediction</a:t>
+            </a:r>
+            <a:endParaRPr lang="en-IN" sz="2400" b="1" dirty="0"/>
+          </a:p>
+        </p:txBody>
+      </p:sp>
+      <p:sp>
+        <p:nvSpPr>
+          <p:cNvPr id="7" name="Content Placeholder 6">
+            <a:extLst>
+              <a:ext uri="{FF2B5EF4-FFF2-40B4-BE49-F238E27FC236}">
+                <a16:creationId xmlns:a16="http://schemas.microsoft.com/office/drawing/2014/main" id="{8FC1742B-D2AE-440E-B4EA-446A6837B24B}"/>
+              </a:ext>
+            </a:extLst>
+          </p:cNvPr>
+          <p:cNvSpPr>
+            <a:spLocks noGrp="1"/>
+          </p:cNvSpPr>
+          <p:nvPr>
+            <p:ph idx="1"/>
+          </p:nvPr>
+        </p:nvSpPr>
+        <p:spPr/>
+        <p:txBody>
+          <a:bodyPr/>
+          <a:lstStyle/>
+          <a:p>
+            <a:endParaRPr lang="en-US"/>
+          </a:p>
+        </p:txBody>
+      </p:sp>
+      <p:sp>
+        <p:nvSpPr>
+          <p:cNvPr id="9" name="Title 8">
+            <a:extLst>
+              <a:ext uri="{FF2B5EF4-FFF2-40B4-BE49-F238E27FC236}">
+                <a16:creationId xmlns:a16="http://schemas.microsoft.com/office/drawing/2014/main" id="{F9AAB911-1E5B-46EB-98FA-6392317384B4}"/>
+              </a:ext>
+            </a:extLst>
+          </p:cNvPr>
+          <p:cNvSpPr>
+            <a:spLocks noGrp="1"/>
+          </p:cNvSpPr>
+          <p:nvPr>
+            <p:ph type="title"/>
+          </p:nvPr>
+        </p:nvSpPr>
+        <p:spPr/>
+        <p:txBody>
+          <a:bodyPr/>
+          <a:lstStyle/>
+          <a:p>
+            <a:endParaRPr lang="en-US"/>
+          </a:p>
+        </p:txBody>
+      </p:sp>
+    </p:spTree>
+    <p:extLst>
+      <p:ext uri="{BB962C8B-B14F-4D97-AF65-F5344CB8AC3E}">
+        <p14:creationId xmlns:p14="http://schemas.microsoft.com/office/powerpoint/2010/main" val="1235205643"/>
+      </p:ext>
+    </p:extLst>
+  </p:cSld>
+  <p:clrMapOvr>
+    <a:masterClrMapping/>
+  </p:clrMapOvr>
+</p:sld>
+</file>
+
+<file path=ppt/slides/slide17.xml><?xml version="1.0" encoding="utf-8"?>
+<p:sld xmlns:a="http://schemas.openxmlformats.org/drawingml/2006/main" xmlns:r="http://schemas.openxmlformats.org/officeDocument/2006/relationships" xmlns:p="http://schemas.openxmlformats.org/presentationml/2006/main">
+  <p:cSld>
+    <p:spTree>
+      <p:nvGrpSpPr>
+        <p:cNvPr id="1" name=""/>
+        <p:cNvGrpSpPr/>
+        <p:nvPr/>
+      </p:nvGrpSpPr>
+      <p:grpSpPr>
+        <a:xfrm>
+          <a:off x="0" y="0"/>
+          <a:ext cx="0" cy="0"/>
+          <a:chOff x="0" y="0"/>
+          <a:chExt cx="0" cy="0"/>
+        </a:xfrm>
+      </p:grpSpPr>
+      <p:sp>
+        <p:nvSpPr>
+          <p:cNvPr id="4" name="Round Diagonal Corner Rectangle 3"/>
+          <p:cNvSpPr/>
+          <p:nvPr/>
+        </p:nvSpPr>
+        <p:spPr>
+          <a:xfrm>
+            <a:off x="45026" y="58880"/>
+            <a:ext cx="206087" cy="2209800"/>
+          </a:xfrm>
+          <a:prstGeom prst="round2DiagRect">
+            <a:avLst/>
+          </a:prstGeom>
+          <a:solidFill>
+            <a:srgbClr val="0070C0"/>
+          </a:solidFill>
+          <a:ln>
+            <a:solidFill>
+              <a:srgbClr val="0070C0"/>
+            </a:solidFill>
+          </a:ln>
+        </p:spPr>
+        <p:style>
+          <a:lnRef idx="2">
+            <a:schemeClr val="accent3"/>
+          </a:lnRef>
+          <a:fillRef idx="1">
+            <a:schemeClr val="lt1"/>
+          </a:fillRef>
+          <a:effectRef idx="0">
+            <a:schemeClr val="accent3"/>
+          </a:effectRef>
+          <a:fontRef idx="minor">
+            <a:schemeClr val="dk1"/>
+          </a:fontRef>
+        </p:style>
+        <p:txBody>
+          <a:bodyPr rtlCol="0" anchor="ctr"/>
+          <a:lstStyle/>
+          <a:p>
+            <a:pPr algn="ctr"/>
+            <a:endParaRPr lang="en-US"/>
+          </a:p>
+        </p:txBody>
+      </p:sp>
+      <p:sp>
+        <p:nvSpPr>
+          <p:cNvPr id="5" name="Round Diagonal Corner Rectangle 4"/>
+          <p:cNvSpPr/>
+          <p:nvPr/>
+        </p:nvSpPr>
+        <p:spPr>
+          <a:xfrm>
+            <a:off x="45026" y="2313700"/>
+            <a:ext cx="206087" cy="4461170"/>
+          </a:xfrm>
+          <a:prstGeom prst="round2DiagRect">
+            <a:avLst/>
+          </a:prstGeom>
+          <a:solidFill>
+            <a:srgbClr val="00B0F0"/>
+          </a:solidFill>
+          <a:ln>
+            <a:solidFill>
+              <a:srgbClr val="00B0F0"/>
+            </a:solidFill>
+          </a:ln>
+        </p:spPr>
+        <p:style>
+          <a:lnRef idx="2">
+            <a:schemeClr val="accent3"/>
+          </a:lnRef>
+          <a:fillRef idx="1">
+            <a:schemeClr val="lt1"/>
+          </a:fillRef>
+          <a:effectRef idx="0">
+            <a:schemeClr val="accent3"/>
+          </a:effectRef>
+          <a:fontRef idx="minor">
+            <a:schemeClr val="dk1"/>
+          </a:fontRef>
+        </p:style>
+        <p:txBody>
+          <a:bodyPr rtlCol="0" anchor="ctr"/>
+          <a:lstStyle/>
+          <a:p>
+            <a:pPr algn="ctr"/>
+            <a:endParaRPr lang="en-US"/>
+          </a:p>
+        </p:txBody>
+      </p:sp>
+      <p:sp>
+        <p:nvSpPr>
+          <p:cNvPr id="9" name="Content Placeholder 2"/>
+          <p:cNvSpPr txBox="1">
+            <a:spLocks/>
+          </p:cNvSpPr>
+          <p:nvPr/>
+        </p:nvSpPr>
+        <p:spPr>
+          <a:xfrm>
+            <a:off x="3042062" y="1958439"/>
+            <a:ext cx="4730338" cy="1546761"/>
+          </a:xfrm>
+          <a:prstGeom prst="rect">
+            <a:avLst/>
+          </a:prstGeom>
+        </p:spPr>
+        <p:txBody>
+          <a:bodyPr vert="horz" lIns="91440" tIns="45720" rIns="91440" bIns="45720" rtlCol="0">
+            <a:normAutofit/>
+          </a:bodyPr>
+          <a:lstStyle>
+            <a:lvl1pPr marL="0" indent="0" algn="ctr" defTabSz="914400" rtl="0" eaLnBrk="1" latinLnBrk="0" hangingPunct="1">
+              <a:spcBef>
+                <a:spcPct val="20000"/>
+              </a:spcBef>
+              <a:buFont typeface="Arial" panose="020B0604020202020204" pitchFamily="34" charset="0"/>
+              <a:buNone/>
+              <a:defRPr sz="3200" kern="1200">
+                <a:solidFill>
+                  <a:schemeClr val="tx1">
+                    <a:tint val="75000"/>
+                  </a:schemeClr>
+                </a:solidFill>
+                <a:latin typeface="+mn-lt"/>
+                <a:ea typeface="+mn-ea"/>
+                <a:cs typeface="+mn-cs"/>
+              </a:defRPr>
+            </a:lvl1pPr>
+            <a:lvl2pPr marL="457200" indent="0" algn="ctr" defTabSz="914400" rtl="0" eaLnBrk="1" latinLnBrk="0" hangingPunct="1">
+              <a:spcBef>
+                <a:spcPct val="20000"/>
+              </a:spcBef>
+              <a:buFont typeface="Arial" panose="020B0604020202020204" pitchFamily="34" charset="0"/>
+              <a:buNone/>
+              <a:defRPr sz="2800" kern="1200">
+                <a:solidFill>
+                  <a:schemeClr val="tx1">
+                    <a:tint val="75000"/>
+                  </a:schemeClr>
+                </a:solidFill>
+                <a:latin typeface="+mn-lt"/>
+                <a:ea typeface="+mn-ea"/>
+                <a:cs typeface="+mn-cs"/>
+              </a:defRPr>
+            </a:lvl2pPr>
+            <a:lvl3pPr marL="914400" indent="0" algn="ctr" defTabSz="914400" rtl="0" eaLnBrk="1" latinLnBrk="0" hangingPunct="1">
+              <a:spcBef>
+                <a:spcPct val="20000"/>
+              </a:spcBef>
+              <a:buFont typeface="Arial" panose="020B0604020202020204" pitchFamily="34" charset="0"/>
+              <a:buNone/>
+              <a:defRPr sz="2400" kern="1200">
+                <a:solidFill>
+                  <a:schemeClr val="tx1">
+                    <a:tint val="75000"/>
+                  </a:schemeClr>
+                </a:solidFill>
+                <a:latin typeface="+mn-lt"/>
+                <a:ea typeface="+mn-ea"/>
+                <a:cs typeface="+mn-cs"/>
+              </a:defRPr>
+            </a:lvl3pPr>
+            <a:lvl4pPr marL="1371600" indent="0" algn="ctr" defTabSz="914400" rtl="0" eaLnBrk="1" latinLnBrk="0" hangingPunct="1">
+              <a:spcBef>
+                <a:spcPct val="20000"/>
+              </a:spcBef>
+              <a:buFont typeface="Arial" panose="020B0604020202020204" pitchFamily="34" charset="0"/>
+              <a:buNone/>
+              <a:defRPr sz="2000" kern="1200">
+                <a:solidFill>
+                  <a:schemeClr val="tx1">
+                    <a:tint val="75000"/>
+                  </a:schemeClr>
+                </a:solidFill>
+                <a:latin typeface="+mn-lt"/>
+                <a:ea typeface="+mn-ea"/>
+                <a:cs typeface="+mn-cs"/>
+              </a:defRPr>
+            </a:lvl4pPr>
+            <a:lvl5pPr marL="1828800" indent="0" algn="ctr" defTabSz="914400" rtl="0" eaLnBrk="1" latinLnBrk="0" hangingPunct="1">
+              <a:spcBef>
+                <a:spcPct val="20000"/>
+              </a:spcBef>
+              <a:buFont typeface="Arial" panose="020B0604020202020204" pitchFamily="34" charset="0"/>
+              <a:buNone/>
+              <a:defRPr sz="2000" kern="1200">
+                <a:solidFill>
+                  <a:schemeClr val="tx1">
+                    <a:tint val="75000"/>
+                  </a:schemeClr>
+                </a:solidFill>
+                <a:latin typeface="+mn-lt"/>
+                <a:ea typeface="+mn-ea"/>
+                <a:cs typeface="+mn-cs"/>
+              </a:defRPr>
+            </a:lvl5pPr>
+            <a:lvl6pPr marL="2286000" indent="0" algn="ctr" defTabSz="914400" rtl="0" eaLnBrk="1" latinLnBrk="0" hangingPunct="1">
+              <a:spcBef>
+                <a:spcPct val="20000"/>
+              </a:spcBef>
+              <a:buFont typeface="Arial" panose="020B0604020202020204" pitchFamily="34" charset="0"/>
+              <a:buNone/>
+              <a:defRPr sz="2000" kern="1200">
+                <a:solidFill>
+                  <a:schemeClr val="tx1">
+                    <a:tint val="75000"/>
+                  </a:schemeClr>
+                </a:solidFill>
+                <a:latin typeface="+mn-lt"/>
+                <a:ea typeface="+mn-ea"/>
+                <a:cs typeface="+mn-cs"/>
+              </a:defRPr>
+            </a:lvl6pPr>
+            <a:lvl7pPr marL="2743200" indent="0" algn="ctr" defTabSz="914400" rtl="0" eaLnBrk="1" latinLnBrk="0" hangingPunct="1">
+              <a:spcBef>
+                <a:spcPct val="20000"/>
+              </a:spcBef>
+              <a:buFont typeface="Arial" panose="020B0604020202020204" pitchFamily="34" charset="0"/>
+              <a:buNone/>
+              <a:defRPr sz="2000" kern="1200">
+                <a:solidFill>
+                  <a:schemeClr val="tx1">
+                    <a:tint val="75000"/>
+                  </a:schemeClr>
+                </a:solidFill>
+                <a:latin typeface="+mn-lt"/>
+                <a:ea typeface="+mn-ea"/>
+                <a:cs typeface="+mn-cs"/>
+              </a:defRPr>
+            </a:lvl7pPr>
+            <a:lvl8pPr marL="3200400" indent="0" algn="ctr" defTabSz="914400" rtl="0" eaLnBrk="1" latinLnBrk="0" hangingPunct="1">
+              <a:spcBef>
+                <a:spcPct val="20000"/>
+              </a:spcBef>
+              <a:buFont typeface="Arial" panose="020B0604020202020204" pitchFamily="34" charset="0"/>
+              <a:buNone/>
+              <a:defRPr sz="2000" kern="1200">
+                <a:solidFill>
+                  <a:schemeClr val="tx1">
+                    <a:tint val="75000"/>
+                  </a:schemeClr>
+                </a:solidFill>
+                <a:latin typeface="+mn-lt"/>
+                <a:ea typeface="+mn-ea"/>
+                <a:cs typeface="+mn-cs"/>
+              </a:defRPr>
+            </a:lvl8pPr>
+            <a:lvl9pPr marL="3657600" indent="0" algn="ctr" defTabSz="914400" rtl="0" eaLnBrk="1" latinLnBrk="0" hangingPunct="1">
+              <a:spcBef>
+                <a:spcPct val="20000"/>
+              </a:spcBef>
+              <a:buFont typeface="Arial" panose="020B0604020202020204" pitchFamily="34" charset="0"/>
+              <a:buNone/>
+              <a:defRPr sz="2000" kern="1200">
+                <a:solidFill>
+                  <a:schemeClr val="tx1">
+                    <a:tint val="75000"/>
+                  </a:schemeClr>
+                </a:solidFill>
+                <a:latin typeface="+mn-lt"/>
+                <a:ea typeface="+mn-ea"/>
+                <a:cs typeface="+mn-cs"/>
+              </a:defRPr>
+            </a:lvl9pPr>
+          </a:lstStyle>
+          <a:p>
+            <a:pPr lvl="1" algn="l"/>
+            <a:endParaRPr lang="en-IN" sz="4000" dirty="0">
+              <a:solidFill>
+                <a:srgbClr val="0055A0"/>
+              </a:solidFill>
+            </a:endParaRPr>
+          </a:p>
+          <a:p>
+            <a:pPr lvl="1" algn="l"/>
+            <a:r>
+              <a:rPr lang="en-IN" sz="4000" dirty="0">
+                <a:solidFill>
+                  <a:srgbClr val="0055A0"/>
+                </a:solidFill>
+              </a:rPr>
+              <a:t>Thank You</a:t>
+            </a:r>
+          </a:p>
+        </p:txBody>
+      </p:sp>
+    </p:spTree>
+    <p:extLst>
+      <p:ext uri="{BB962C8B-B14F-4D97-AF65-F5344CB8AC3E}">
+        <p14:creationId xmlns:p14="http://schemas.microsoft.com/office/powerpoint/2010/main" val="3724216054"/>
+      </p:ext>
+    </p:extLst>
+  </p:cSld>
+  <p:clrMapOvr>
+    <a:masterClrMapping/>
+  </p:clrMapOvr>
+</p:sld>
+</file>
+
+<file path=ppt/slides/slide2.xml><?xml version="1.0" encoding="utf-8"?>
+<p:sld xmlns:a="http://schemas.openxmlformats.org/drawingml/2006/main" xmlns:r="http://schemas.openxmlformats.org/officeDocument/2006/relationships" xmlns:p="http://schemas.openxmlformats.org/presentationml/2006/main">
+  <p:cSld>
+    <p:spTree>
+      <p:nvGrpSpPr>
+        <p:cNvPr id="1" name=""/>
+        <p:cNvGrpSpPr/>
+        <p:nvPr/>
+      </p:nvGrpSpPr>
+      <p:grpSpPr>
+        <a:xfrm>
+          <a:off x="0" y="0"/>
+          <a:ext cx="0" cy="0"/>
+          <a:chOff x="0" y="0"/>
+          <a:chExt cx="0" cy="0"/>
+        </a:xfrm>
+      </p:grpSpPr>
+      <p:sp>
+        <p:nvSpPr>
+          <p:cNvPr id="2" name="Title 1">
+            <a:extLst>
+              <a:ext uri="{FF2B5EF4-FFF2-40B4-BE49-F238E27FC236}">
+                <a16:creationId xmlns:a16="http://schemas.microsoft.com/office/drawing/2014/main" id="{543925F3-AEA9-4425-BE85-A907329B807D}"/>
+              </a:ext>
+            </a:extLst>
+          </p:cNvPr>
+          <p:cNvSpPr>
+            <a:spLocks noGrp="1"/>
+          </p:cNvSpPr>
+          <p:nvPr>
+            <p:ph type="title"/>
+          </p:nvPr>
+        </p:nvSpPr>
+        <p:spPr/>
+        <p:txBody>
+          <a:bodyPr>
+            <a:normAutofit/>
+          </a:bodyPr>
+          <a:lstStyle/>
+          <a:p>
+            <a:pPr algn="l"/>
+            <a:r>
+              <a:rPr lang="en-US" sz="4000" dirty="0"/>
+              <a:t>A</a:t>
+            </a:r>
+          </a:p>
+        </p:txBody>
+      </p:sp>
+      <p:sp>
+        <p:nvSpPr>
+          <p:cNvPr id="3" name="Content Placeholder 2">
+            <a:extLst>
+              <a:ext uri="{FF2B5EF4-FFF2-40B4-BE49-F238E27FC236}">
+                <a16:creationId xmlns:a16="http://schemas.microsoft.com/office/drawing/2014/main" id="{58171DD3-3E42-48DF-95D4-3408C189D523}"/>
+              </a:ext>
+            </a:extLst>
+          </p:cNvPr>
+          <p:cNvSpPr>
+            <a:spLocks noGrp="1"/>
+          </p:cNvSpPr>
+          <p:nvPr>
+            <p:ph idx="1"/>
+          </p:nvPr>
+        </p:nvSpPr>
+        <p:spPr>
+          <a:xfrm>
+            <a:off x="457200" y="1295400"/>
+            <a:ext cx="8686800" cy="5562600"/>
+          </a:xfrm>
+        </p:spPr>
+        <p:txBody>
+          <a:bodyPr>
+            <a:normAutofit/>
+          </a:bodyPr>
+          <a:lstStyle/>
+          <a:p>
+            <a:r>
+              <a:rPr lang="en-US" sz="2400" dirty="0"/>
+              <a:t>People avail vehicle loan from banks to buy their dream cars. Car loans have taken off in India witnessing an increase in growth of 18-20% which is a huge increase in 2019.</a:t>
+            </a:r>
+          </a:p>
+          <a:p>
+            <a:r>
+              <a:rPr lang="en-US" sz="2400" dirty="0"/>
+              <a:t>Bank and vehicle finance companies are making this dream come true by providing the vehicle loan facility.</a:t>
+            </a:r>
+          </a:p>
+          <a:p>
+            <a:r>
+              <a:rPr lang="en-US" sz="2400" dirty="0"/>
+              <a:t>Indian Banks has lost 200 Crore Rupees each year due to defaulters.</a:t>
+            </a:r>
+          </a:p>
+          <a:p>
+            <a:r>
+              <a:rPr lang="en-US" sz="2400" dirty="0"/>
+              <a:t>Financing a vehicle involves a lot of technicalities like the kind of vehicle to be financed, the route on which the vehicle will be plying, the operating expenses of the customer, etc. </a:t>
+            </a:r>
+          </a:p>
+          <a:p>
+            <a:r>
+              <a:rPr lang="en-US" sz="2400" dirty="0"/>
+              <a:t>It is also being influenced by processing fee, loan clearance time, requirement of documentation and methodology being followed in computation of interest.</a:t>
+            </a:r>
+          </a:p>
+          <a:p>
+            <a:endParaRPr lang="en-US" sz="2800" dirty="0"/>
+          </a:p>
+          <a:p>
+            <a:endParaRPr lang="en-US" dirty="0"/>
+          </a:p>
+        </p:txBody>
+      </p:sp>
+    </p:spTree>
+    <p:extLst>
+      <p:ext uri="{BB962C8B-B14F-4D97-AF65-F5344CB8AC3E}">
+        <p14:creationId xmlns:p14="http://schemas.microsoft.com/office/powerpoint/2010/main" val="3561413167"/>
+      </p:ext>
+    </p:extLst>
+  </p:cSld>
+  <p:clrMapOvr>
+    <a:masterClrMapping/>
+  </p:clrMapOvr>
+</p:sld>
+</file>
+
+<file path=ppt/slides/slide3.xml><?xml version="1.0" encoding="utf-8"?>
+<p:sld xmlns:a="http://schemas.openxmlformats.org/drawingml/2006/main" xmlns:r="http://schemas.openxmlformats.org/officeDocument/2006/relationships" xmlns:p="http://schemas.openxmlformats.org/presentationml/2006/main">
+  <p:cSld>
+    <p:spTree>
+      <p:nvGrpSpPr>
+        <p:cNvPr id="1" name=""/>
+        <p:cNvGrpSpPr/>
+        <p:nvPr/>
+      </p:nvGrpSpPr>
+      <p:grpSpPr>
+        <a:xfrm>
+          <a:off x="0" y="0"/>
+          <a:ext cx="0" cy="0"/>
+          <a:chOff x="0" y="0"/>
+          <a:chExt cx="0" cy="0"/>
+        </a:xfrm>
+      </p:grpSpPr>
+      <p:sp>
+        <p:nvSpPr>
+          <p:cNvPr id="4" name="Round Diagonal Corner Rectangle 3"/>
+          <p:cNvSpPr/>
+          <p:nvPr/>
+        </p:nvSpPr>
+        <p:spPr>
+          <a:xfrm>
+            <a:off x="45026" y="58880"/>
+            <a:ext cx="206087" cy="2209800"/>
+          </a:xfrm>
+          <a:prstGeom prst="round2DiagRect">
+            <a:avLst/>
+          </a:prstGeom>
+          <a:solidFill>
+            <a:srgbClr val="0070C0"/>
+          </a:solidFill>
+          <a:ln>
+            <a:solidFill>
+              <a:srgbClr val="0070C0"/>
+            </a:solidFill>
+          </a:ln>
+        </p:spPr>
+        <p:style>
+          <a:lnRef idx="2">
+            <a:schemeClr val="accent3"/>
+          </a:lnRef>
+          <a:fillRef idx="1">
+            <a:schemeClr val="lt1"/>
+          </a:fillRef>
+          <a:effectRef idx="0">
+            <a:schemeClr val="accent3"/>
+          </a:effectRef>
+          <a:fontRef idx="minor">
+            <a:schemeClr val="dk1"/>
+          </a:fontRef>
+        </p:style>
+        <p:txBody>
+          <a:bodyPr rtlCol="0" anchor="ctr"/>
+          <a:lstStyle/>
+          <a:p>
+            <a:pPr algn="ctr"/>
+            <a:endParaRPr lang="en-US"/>
+          </a:p>
+        </p:txBody>
+      </p:sp>
+      <p:sp>
+        <p:nvSpPr>
+          <p:cNvPr id="5" name="Round Diagonal Corner Rectangle 4"/>
+          <p:cNvSpPr/>
+          <p:nvPr/>
+        </p:nvSpPr>
+        <p:spPr>
+          <a:xfrm>
+            <a:off x="45026" y="2313700"/>
+            <a:ext cx="206087" cy="4461170"/>
+          </a:xfrm>
+          <a:prstGeom prst="round2DiagRect">
+            <a:avLst/>
+          </a:prstGeom>
+          <a:solidFill>
+            <a:srgbClr val="00B0F0"/>
+          </a:solidFill>
+          <a:ln>
+            <a:solidFill>
+              <a:srgbClr val="00B0F0"/>
+            </a:solidFill>
+          </a:ln>
+        </p:spPr>
+        <p:style>
+          <a:lnRef idx="2">
+            <a:schemeClr val="accent3"/>
+          </a:lnRef>
+          <a:fillRef idx="1">
+            <a:schemeClr val="lt1"/>
+          </a:fillRef>
+          <a:effectRef idx="0">
+            <a:schemeClr val="accent3"/>
+          </a:effectRef>
+          <a:fontRef idx="minor">
+            <a:schemeClr val="dk1"/>
+          </a:fontRef>
+        </p:style>
+        <p:txBody>
+          <a:bodyPr rtlCol="0" anchor="ctr"/>
+          <a:lstStyle/>
+          <a:p>
+            <a:pPr algn="ctr"/>
+            <a:endParaRPr lang="en-US"/>
+          </a:p>
+        </p:txBody>
+      </p:sp>
+      <p:sp>
+        <p:nvSpPr>
+          <p:cNvPr id="30" name="Content Placeholder 2"/>
+          <p:cNvSpPr txBox="1">
+            <a:spLocks/>
+          </p:cNvSpPr>
+          <p:nvPr/>
+        </p:nvSpPr>
+        <p:spPr>
+          <a:xfrm>
+            <a:off x="429658" y="980501"/>
+            <a:ext cx="8485742" cy="5648899"/>
+          </a:xfrm>
+          <a:prstGeom prst="rect">
+            <a:avLst/>
+          </a:prstGeom>
+        </p:spPr>
+        <p:txBody>
+          <a:bodyPr vert="horz" lIns="91440" tIns="45720" rIns="91440" bIns="45720" rtlCol="0">
+            <a:normAutofit/>
+          </a:bodyPr>
+          <a:lstStyle>
+            <a:lvl1pPr marL="0" indent="0" algn="ctr" defTabSz="914400" rtl="0" eaLnBrk="1" latinLnBrk="0" hangingPunct="1">
+              <a:spcBef>
+                <a:spcPct val="20000"/>
+              </a:spcBef>
+              <a:buFont typeface="Arial" panose="020B0604020202020204" pitchFamily="34" charset="0"/>
+              <a:buNone/>
+              <a:defRPr sz="3200" kern="1200">
+                <a:solidFill>
+                  <a:schemeClr val="tx1">
+                    <a:tint val="75000"/>
+                  </a:schemeClr>
+                </a:solidFill>
+                <a:latin typeface="+mn-lt"/>
+                <a:ea typeface="+mn-ea"/>
+                <a:cs typeface="+mn-cs"/>
+              </a:defRPr>
+            </a:lvl1pPr>
+            <a:lvl2pPr marL="457200" indent="0" algn="ctr" defTabSz="914400" rtl="0" eaLnBrk="1" latinLnBrk="0" hangingPunct="1">
+              <a:spcBef>
+                <a:spcPct val="20000"/>
+              </a:spcBef>
+              <a:buFont typeface="Arial" panose="020B0604020202020204" pitchFamily="34" charset="0"/>
+              <a:buNone/>
+              <a:defRPr sz="2800" kern="1200">
+                <a:solidFill>
+                  <a:schemeClr val="tx1">
+                    <a:tint val="75000"/>
+                  </a:schemeClr>
+                </a:solidFill>
+                <a:latin typeface="+mn-lt"/>
+                <a:ea typeface="+mn-ea"/>
+                <a:cs typeface="+mn-cs"/>
+              </a:defRPr>
+            </a:lvl2pPr>
+            <a:lvl3pPr marL="914400" indent="0" algn="ctr" defTabSz="914400" rtl="0" eaLnBrk="1" latinLnBrk="0" hangingPunct="1">
+              <a:spcBef>
+                <a:spcPct val="20000"/>
+              </a:spcBef>
+              <a:buFont typeface="Arial" panose="020B0604020202020204" pitchFamily="34" charset="0"/>
+              <a:buNone/>
+              <a:defRPr sz="2400" kern="1200">
+                <a:solidFill>
+                  <a:schemeClr val="tx1">
+                    <a:tint val="75000"/>
+                  </a:schemeClr>
+                </a:solidFill>
+                <a:latin typeface="+mn-lt"/>
+                <a:ea typeface="+mn-ea"/>
+                <a:cs typeface="+mn-cs"/>
+              </a:defRPr>
+            </a:lvl3pPr>
+            <a:lvl4pPr marL="1371600" indent="0" algn="ctr" defTabSz="914400" rtl="0" eaLnBrk="1" latinLnBrk="0" hangingPunct="1">
+              <a:spcBef>
+                <a:spcPct val="20000"/>
+              </a:spcBef>
+              <a:buFont typeface="Arial" panose="020B0604020202020204" pitchFamily="34" charset="0"/>
+              <a:buNone/>
+              <a:defRPr sz="2000" kern="1200">
+                <a:solidFill>
+                  <a:schemeClr val="tx1">
+                    <a:tint val="75000"/>
+                  </a:schemeClr>
+                </a:solidFill>
+                <a:latin typeface="+mn-lt"/>
+                <a:ea typeface="+mn-ea"/>
+                <a:cs typeface="+mn-cs"/>
+              </a:defRPr>
+            </a:lvl4pPr>
+            <a:lvl5pPr marL="1828800" indent="0" algn="ctr" defTabSz="914400" rtl="0" eaLnBrk="1" latinLnBrk="0" hangingPunct="1">
+              <a:spcBef>
+                <a:spcPct val="20000"/>
+              </a:spcBef>
+              <a:buFont typeface="Arial" panose="020B0604020202020204" pitchFamily="34" charset="0"/>
+              <a:buNone/>
+              <a:defRPr sz="2000" kern="1200">
+                <a:solidFill>
+                  <a:schemeClr val="tx1">
+                    <a:tint val="75000"/>
+                  </a:schemeClr>
+                </a:solidFill>
+                <a:latin typeface="+mn-lt"/>
+                <a:ea typeface="+mn-ea"/>
+                <a:cs typeface="+mn-cs"/>
+              </a:defRPr>
+            </a:lvl5pPr>
+            <a:lvl6pPr marL="2286000" indent="0" algn="ctr" defTabSz="914400" rtl="0" eaLnBrk="1" latinLnBrk="0" hangingPunct="1">
+              <a:spcBef>
+                <a:spcPct val="20000"/>
+              </a:spcBef>
+              <a:buFont typeface="Arial" panose="020B0604020202020204" pitchFamily="34" charset="0"/>
+              <a:buNone/>
+              <a:defRPr sz="2000" kern="1200">
+                <a:solidFill>
+                  <a:schemeClr val="tx1">
+                    <a:tint val="75000"/>
+                  </a:schemeClr>
+                </a:solidFill>
+                <a:latin typeface="+mn-lt"/>
+                <a:ea typeface="+mn-ea"/>
+                <a:cs typeface="+mn-cs"/>
+              </a:defRPr>
+            </a:lvl6pPr>
+            <a:lvl7pPr marL="2743200" indent="0" algn="ctr" defTabSz="914400" rtl="0" eaLnBrk="1" latinLnBrk="0" hangingPunct="1">
+              <a:spcBef>
+                <a:spcPct val="20000"/>
+              </a:spcBef>
+              <a:buFont typeface="Arial" panose="020B0604020202020204" pitchFamily="34" charset="0"/>
+              <a:buNone/>
+              <a:defRPr sz="2000" kern="1200">
+                <a:solidFill>
+                  <a:schemeClr val="tx1">
+                    <a:tint val="75000"/>
+                  </a:schemeClr>
+                </a:solidFill>
+                <a:latin typeface="+mn-lt"/>
+                <a:ea typeface="+mn-ea"/>
+                <a:cs typeface="+mn-cs"/>
+              </a:defRPr>
+            </a:lvl7pPr>
+            <a:lvl8pPr marL="3200400" indent="0" algn="ctr" defTabSz="914400" rtl="0" eaLnBrk="1" latinLnBrk="0" hangingPunct="1">
+              <a:spcBef>
+                <a:spcPct val="20000"/>
+              </a:spcBef>
+              <a:buFont typeface="Arial" panose="020B0604020202020204" pitchFamily="34" charset="0"/>
+              <a:buNone/>
+              <a:defRPr sz="2000" kern="1200">
+                <a:solidFill>
+                  <a:schemeClr val="tx1">
+                    <a:tint val="75000"/>
+                  </a:schemeClr>
+                </a:solidFill>
+                <a:latin typeface="+mn-lt"/>
+                <a:ea typeface="+mn-ea"/>
+                <a:cs typeface="+mn-cs"/>
+              </a:defRPr>
+            </a:lvl8pPr>
+            <a:lvl9pPr marL="3657600" indent="0" algn="ctr" defTabSz="914400" rtl="0" eaLnBrk="1" latinLnBrk="0" hangingPunct="1">
+              <a:spcBef>
+                <a:spcPct val="20000"/>
+              </a:spcBef>
+              <a:buFont typeface="Arial" panose="020B0604020202020204" pitchFamily="34" charset="0"/>
+              <a:buNone/>
+              <a:defRPr sz="2000" kern="1200">
+                <a:solidFill>
+                  <a:schemeClr val="tx1">
+                    <a:tint val="75000"/>
+                  </a:schemeClr>
+                </a:solidFill>
+                <a:latin typeface="+mn-lt"/>
+                <a:ea typeface="+mn-ea"/>
+                <a:cs typeface="+mn-cs"/>
+              </a:defRPr>
+            </a:lvl9pPr>
+          </a:lstStyle>
+          <a:p>
+            <a:pPr algn="l"/>
+            <a:r>
+              <a:rPr lang="en-IN" sz="2400" dirty="0">
+                <a:solidFill>
+                  <a:schemeClr val="tx1"/>
+                </a:solidFill>
+              </a:rPr>
+              <a:t>Reduce bad loans by filtering out potential defaulting customers and identify potential non-defaulters so as to offer good LTV for their loan.</a:t>
+            </a:r>
+          </a:p>
+          <a:p>
+            <a:pPr algn="l"/>
+            <a:r>
+              <a:rPr lang="en-IN" sz="2400" dirty="0">
+                <a:solidFill>
+                  <a:schemeClr val="tx1"/>
+                </a:solidFill>
+              </a:rPr>
+              <a:t>We are using ML algorithms to predict whether up to a statistical degree whether or not he/she will default in his/her first EMI payment.</a:t>
+            </a:r>
+          </a:p>
+          <a:p>
+            <a:pPr algn="l"/>
+            <a:endParaRPr lang="en-US" sz="2400" dirty="0">
+              <a:solidFill>
+                <a:srgbClr val="0055A0"/>
+              </a:solidFill>
+            </a:endParaRPr>
+          </a:p>
+          <a:p>
+            <a:pPr marL="342900" indent="-342900" algn="l">
+              <a:buFont typeface="Wingdings" panose="05000000000000000000" pitchFamily="2" charset="2"/>
+              <a:buChar char="Ø"/>
+            </a:pPr>
+            <a:endParaRPr lang="en-IN" sz="2400" dirty="0">
+              <a:solidFill>
+                <a:srgbClr val="0055A0"/>
+              </a:solidFill>
+            </a:endParaRPr>
+          </a:p>
+          <a:p>
+            <a:pPr marL="342900" indent="-342900" algn="l">
+              <a:buFont typeface="Wingdings" panose="05000000000000000000" pitchFamily="2" charset="2"/>
+              <a:buChar char="Ø"/>
+            </a:pPr>
+            <a:endParaRPr lang="en-IN" sz="2400" dirty="0">
+              <a:solidFill>
+                <a:srgbClr val="0055A0"/>
+              </a:solidFill>
+            </a:endParaRPr>
+          </a:p>
+        </p:txBody>
+      </p:sp>
+      <p:sp>
+        <p:nvSpPr>
+          <p:cNvPr id="31" name="TextBox 30"/>
+          <p:cNvSpPr txBox="1"/>
+          <p:nvPr/>
+        </p:nvSpPr>
+        <p:spPr>
+          <a:xfrm>
+            <a:off x="454231" y="54114"/>
+            <a:ext cx="8537369" cy="707886"/>
+          </a:xfrm>
+          <a:prstGeom prst="rect">
+            <a:avLst/>
+          </a:prstGeom>
+          <a:noFill/>
+        </p:spPr>
+        <p:txBody>
+          <a:bodyPr wrap="square" rtlCol="0">
+            <a:spAutoFit/>
+          </a:bodyPr>
+          <a:lstStyle/>
+          <a:p>
+            <a:r>
+              <a:rPr lang="en-US" sz="4000" dirty="0">
+                <a:ea typeface="굴림" panose="020B0600000101010101" pitchFamily="34" charset="-127"/>
+              </a:rPr>
+              <a:t>Problem Definition</a:t>
+            </a:r>
+            <a:endParaRPr lang="en-US" sz="4000" b="1" dirty="0"/>
+          </a:p>
+        </p:txBody>
+      </p:sp>
+    </p:spTree>
+    <p:extLst>
+      <p:ext uri="{BB962C8B-B14F-4D97-AF65-F5344CB8AC3E}">
+        <p14:creationId xmlns:p14="http://schemas.microsoft.com/office/powerpoint/2010/main" val="3761210359"/>
+      </p:ext>
+    </p:extLst>
+  </p:cSld>
+  <p:clrMapOvr>
+    <a:masterClrMapping/>
+  </p:clrMapOvr>
+</p:sld>
+</file>
+
+<file path=ppt/slides/slide4.xml><?xml version="1.0" encoding="utf-8"?>
+<p:sld xmlns:a="http://schemas.openxmlformats.org/drawingml/2006/main" xmlns:r="http://schemas.openxmlformats.org/officeDocument/2006/relationships" xmlns:p="http://schemas.openxmlformats.org/presentationml/2006/main">
+  <p:cSld>
+    <p:spTree>
+      <p:nvGrpSpPr>
+        <p:cNvPr id="1" name=""/>
+        <p:cNvGrpSpPr/>
+        <p:nvPr/>
+      </p:nvGrpSpPr>
+      <p:grpSpPr>
+        <a:xfrm>
+          <a:off x="0" y="0"/>
+          <a:ext cx="0" cy="0"/>
+          <a:chOff x="0" y="0"/>
+          <a:chExt cx="0" cy="0"/>
+        </a:xfrm>
+      </p:grpSpPr>
+      <p:sp>
+        <p:nvSpPr>
+          <p:cNvPr id="2" name="Title 1">
+            <a:extLst>
+              <a:ext uri="{FF2B5EF4-FFF2-40B4-BE49-F238E27FC236}">
+                <a16:creationId xmlns:a16="http://schemas.microsoft.com/office/drawing/2014/main" id="{6554B3E5-1E2A-4F3B-BF92-E14A084BFE31}"/>
+              </a:ext>
+            </a:extLst>
+          </p:cNvPr>
+          <p:cNvSpPr>
+            <a:spLocks noGrp="1"/>
+          </p:cNvSpPr>
+          <p:nvPr>
+            <p:ph type="title"/>
+          </p:nvPr>
+        </p:nvSpPr>
+        <p:spPr/>
+        <p:txBody>
+          <a:bodyPr/>
+          <a:lstStyle/>
+          <a:p>
+            <a:r>
+              <a:rPr lang="en-US" dirty="0"/>
+              <a:t>EMI Payment Schedule</a:t>
+            </a:r>
+          </a:p>
+        </p:txBody>
+      </p:sp>
+      <p:pic>
+        <p:nvPicPr>
+          <p:cNvPr id="5" name="Picture 4">
+            <a:extLst>
+              <a:ext uri="{FF2B5EF4-FFF2-40B4-BE49-F238E27FC236}">
+                <a16:creationId xmlns:a16="http://schemas.microsoft.com/office/drawing/2014/main" id="{0C5FAFC3-B732-46E5-BE57-28ADA7A8D3EC}"/>
+              </a:ext>
+            </a:extLst>
+          </p:cNvPr>
+          <p:cNvPicPr>
+            <a:picLocks noChangeAspect="1"/>
+          </p:cNvPicPr>
+          <p:nvPr/>
+        </p:nvPicPr>
+        <p:blipFill>
+          <a:blip r:embed="rId2">
+            <a:extLst>
+              <a:ext uri="{28A0092B-C50C-407E-A947-70E740481C1C}">
+                <a14:useLocalDpi xmlns:a14="http://schemas.microsoft.com/office/drawing/2010/main" val="0"/>
+              </a:ext>
+            </a:extLst>
+          </a:blip>
+          <a:stretch>
+            <a:fillRect/>
+          </a:stretch>
+        </p:blipFill>
+        <p:spPr>
+          <a:xfrm>
+            <a:off x="457200" y="1981200"/>
+            <a:ext cx="8534400" cy="3625764"/>
+          </a:xfrm>
+          <a:prstGeom prst="rect">
+            <a:avLst/>
+          </a:prstGeom>
+        </p:spPr>
+      </p:pic>
+      <p:sp>
+        <p:nvSpPr>
+          <p:cNvPr id="6" name="TextBox 5">
+            <a:extLst>
+              <a:ext uri="{FF2B5EF4-FFF2-40B4-BE49-F238E27FC236}">
+                <a16:creationId xmlns:a16="http://schemas.microsoft.com/office/drawing/2014/main" id="{6AA5EF8A-071B-4DF0-8C38-150D0C7B26FF}"/>
+              </a:ext>
+            </a:extLst>
+          </p:cNvPr>
+          <p:cNvSpPr txBox="1"/>
+          <p:nvPr/>
+        </p:nvSpPr>
+        <p:spPr>
+          <a:xfrm>
+            <a:off x="3579663" y="5715000"/>
+            <a:ext cx="2289473" cy="338554"/>
+          </a:xfrm>
+          <a:prstGeom prst="rect">
+            <a:avLst/>
+          </a:prstGeom>
+          <a:noFill/>
+        </p:spPr>
+        <p:txBody>
+          <a:bodyPr wrap="none" rtlCol="0">
+            <a:spAutoFit/>
+          </a:bodyPr>
+          <a:lstStyle/>
+          <a:p>
+            <a:r>
+              <a:rPr lang="en-US" sz="1600" dirty="0"/>
+              <a:t>Source: emicalculator.net</a:t>
+            </a:r>
+          </a:p>
+        </p:txBody>
+      </p:sp>
+    </p:spTree>
+    <p:extLst>
+      <p:ext uri="{BB962C8B-B14F-4D97-AF65-F5344CB8AC3E}">
+        <p14:creationId xmlns:p14="http://schemas.microsoft.com/office/powerpoint/2010/main" val="436299623"/>
+      </p:ext>
+    </p:extLst>
+  </p:cSld>
+  <p:clrMapOvr>
+    <a:masterClrMapping/>
+  </p:clrMapOvr>
+</p:sld>
+</file>
+
+<file path=ppt/slides/slide5.xml><?xml version="1.0" encoding="utf-8"?>
+<p:sld xmlns:a="http://schemas.openxmlformats.org/drawingml/2006/main" xmlns:r="http://schemas.openxmlformats.org/officeDocument/2006/relationships" xmlns:p="http://schemas.openxmlformats.org/presentationml/2006/main">
+  <p:cSld>
+    <p:spTree>
+      <p:nvGrpSpPr>
+        <p:cNvPr id="1" name=""/>
+        <p:cNvGrpSpPr/>
+        <p:nvPr/>
+      </p:nvGrpSpPr>
+      <p:grpSpPr>
+        <a:xfrm>
+          <a:off x="0" y="0"/>
+          <a:ext cx="0" cy="0"/>
+          <a:chOff x="0" y="0"/>
+          <a:chExt cx="0" cy="0"/>
+        </a:xfrm>
+      </p:grpSpPr>
+      <p:sp>
+        <p:nvSpPr>
+          <p:cNvPr id="4" name="Round Diagonal Corner Rectangle 3"/>
+          <p:cNvSpPr/>
+          <p:nvPr/>
+        </p:nvSpPr>
+        <p:spPr>
+          <a:xfrm>
+            <a:off x="45026" y="58880"/>
+            <a:ext cx="206087" cy="2209800"/>
+          </a:xfrm>
+          <a:prstGeom prst="round2DiagRect">
+            <a:avLst/>
+          </a:prstGeom>
+          <a:solidFill>
+            <a:srgbClr val="0070C0"/>
+          </a:solidFill>
+          <a:ln>
+            <a:solidFill>
+              <a:srgbClr val="0070C0"/>
+            </a:solidFill>
+          </a:ln>
+        </p:spPr>
+        <p:style>
+          <a:lnRef idx="2">
+            <a:schemeClr val="accent3"/>
+          </a:lnRef>
+          <a:fillRef idx="1">
+            <a:schemeClr val="lt1"/>
+          </a:fillRef>
+          <a:effectRef idx="0">
+            <a:schemeClr val="accent3"/>
+          </a:effectRef>
+          <a:fontRef idx="minor">
+            <a:schemeClr val="dk1"/>
+          </a:fontRef>
+        </p:style>
+        <p:txBody>
+          <a:bodyPr rtlCol="0" anchor="ctr"/>
+          <a:lstStyle/>
+          <a:p>
+            <a:pPr algn="ctr"/>
+            <a:endParaRPr lang="en-US"/>
+          </a:p>
+        </p:txBody>
+      </p:sp>
+      <p:sp>
+        <p:nvSpPr>
+          <p:cNvPr id="5" name="Round Diagonal Corner Rectangle 4"/>
+          <p:cNvSpPr/>
+          <p:nvPr/>
+        </p:nvSpPr>
+        <p:spPr>
+          <a:xfrm>
+            <a:off x="45026" y="2313700"/>
+            <a:ext cx="206087" cy="4461170"/>
+          </a:xfrm>
+          <a:prstGeom prst="round2DiagRect">
+            <a:avLst/>
+          </a:prstGeom>
+          <a:solidFill>
+            <a:srgbClr val="00B0F0"/>
+          </a:solidFill>
+          <a:ln>
+            <a:solidFill>
+              <a:srgbClr val="00B0F0"/>
+            </a:solidFill>
+          </a:ln>
+        </p:spPr>
+        <p:style>
+          <a:lnRef idx="2">
+            <a:schemeClr val="accent3"/>
+          </a:lnRef>
+          <a:fillRef idx="1">
+            <a:schemeClr val="lt1"/>
+          </a:fillRef>
+          <a:effectRef idx="0">
+            <a:schemeClr val="accent3"/>
+          </a:effectRef>
+          <a:fontRef idx="minor">
+            <a:schemeClr val="dk1"/>
+          </a:fontRef>
+        </p:style>
+        <p:txBody>
+          <a:bodyPr rtlCol="0" anchor="ctr"/>
+          <a:lstStyle/>
+          <a:p>
+            <a:pPr algn="ctr"/>
+            <a:endParaRPr lang="en-US"/>
+          </a:p>
+        </p:txBody>
+      </p:sp>
+      <p:sp>
+        <p:nvSpPr>
+          <p:cNvPr id="6" name="TextBox 5"/>
+          <p:cNvSpPr txBox="1"/>
+          <p:nvPr/>
+        </p:nvSpPr>
+        <p:spPr>
+          <a:xfrm>
+            <a:off x="457200" y="751820"/>
+            <a:ext cx="8001000" cy="523220"/>
+          </a:xfrm>
+          <a:prstGeom prst="rect">
+            <a:avLst/>
+          </a:prstGeom>
+          <a:noFill/>
+        </p:spPr>
+        <p:txBody>
+          <a:bodyPr wrap="square" rtlCol="0">
+            <a:spAutoFit/>
+          </a:bodyPr>
+          <a:lstStyle/>
+          <a:p>
+            <a:r>
+              <a:rPr lang="en-US" sz="2800" b="1" dirty="0">
+                <a:latin typeface="+mj-lt"/>
+                <a:cs typeface="Times New Roman" pitchFamily="18" charset="0"/>
+              </a:rPr>
+              <a:t>Data Dictionary:</a:t>
+            </a:r>
+          </a:p>
+        </p:txBody>
+      </p:sp>
+      <p:sp>
+        <p:nvSpPr>
+          <p:cNvPr id="9" name="TextBox 8"/>
+          <p:cNvSpPr txBox="1"/>
+          <p:nvPr/>
+        </p:nvSpPr>
+        <p:spPr>
+          <a:xfrm>
+            <a:off x="518562" y="1275040"/>
+            <a:ext cx="8305800" cy="2862322"/>
+          </a:xfrm>
+          <a:prstGeom prst="rect">
+            <a:avLst/>
+          </a:prstGeom>
+          <a:noFill/>
+        </p:spPr>
+        <p:txBody>
+          <a:bodyPr wrap="square" rtlCol="0">
+            <a:spAutoFit/>
+          </a:bodyPr>
+          <a:lstStyle/>
+          <a:p>
+            <a:r>
+              <a:rPr lang="en-US" dirty="0">
+                <a:hlinkClick r:id="rId2"/>
+              </a:rPr>
+              <a:t>https://www.kaggle.com/mamtadhaker/lt-vehicle-loan-default-prediction</a:t>
+            </a:r>
+            <a:endParaRPr lang="en-US" dirty="0"/>
+          </a:p>
+          <a:p>
+            <a:endParaRPr lang="en-US" dirty="0"/>
+          </a:p>
+          <a:p>
+            <a:r>
+              <a:rPr lang="en-US" dirty="0"/>
+              <a:t>The Dataset contains 233154 Rows and 41 Columns</a:t>
+            </a:r>
+          </a:p>
+          <a:p>
+            <a:pPr marL="285750" indent="-285750">
+              <a:buFont typeface="Arial" pitchFamily="34" charset="0"/>
+              <a:buChar char="•"/>
+            </a:pPr>
+            <a:r>
+              <a:rPr lang="en-US" dirty="0"/>
+              <a:t>14 Numerical columns,2 </a:t>
+            </a:r>
+            <a:r>
+              <a:rPr lang="en-US" dirty="0" err="1"/>
+              <a:t>Datetype</a:t>
+            </a:r>
+            <a:r>
+              <a:rPr lang="en-US" dirty="0"/>
+              <a:t> columns and 25 Categorical columns</a:t>
+            </a:r>
+          </a:p>
+          <a:p>
+            <a:pPr marL="285750" indent="-285750">
+              <a:buFont typeface="Arial" pitchFamily="34" charset="0"/>
+              <a:buChar char="•"/>
+            </a:pPr>
+            <a:r>
+              <a:rPr lang="en-US" dirty="0"/>
+              <a:t>The Only column with missing values is Employment Type. It has 7661 missing values which is about 3.3%  of the data </a:t>
+            </a:r>
+          </a:p>
+          <a:p>
+            <a:pPr marL="285750" indent="-285750">
+              <a:buFont typeface="Arial" pitchFamily="34" charset="0"/>
+              <a:buChar char="•"/>
+            </a:pPr>
+            <a:r>
+              <a:rPr lang="en-US" dirty="0"/>
+              <a:t>Current Balance has 1,50,000 Entries as zero, out of which 70,000 entries have applied for their first loan </a:t>
+            </a:r>
+          </a:p>
+          <a:p>
+            <a:pPr marL="285750" indent="-285750">
+              <a:buFont typeface="Arial" pitchFamily="34" charset="0"/>
+              <a:buChar char="•"/>
+            </a:pPr>
+            <a:endParaRPr lang="en-US" dirty="0"/>
+          </a:p>
+          <a:p>
+            <a:endParaRPr lang="en-US" dirty="0"/>
+          </a:p>
+        </p:txBody>
+      </p:sp>
+    </p:spTree>
+    <p:extLst>
+      <p:ext uri="{BB962C8B-B14F-4D97-AF65-F5344CB8AC3E}">
+        <p14:creationId xmlns:p14="http://schemas.microsoft.com/office/powerpoint/2010/main" val="1338971478"/>
+      </p:ext>
+    </p:extLst>
+  </p:cSld>
+  <p:clrMapOvr>
+    <a:masterClrMapping/>
+  </p:clrMapOvr>
+</p:sld>
+</file>
+
+<file path=ppt/slides/slide6.xml><?xml version="1.0" encoding="utf-8"?>
+<p:sld xmlns:a="http://schemas.openxmlformats.org/drawingml/2006/main" xmlns:r="http://schemas.openxmlformats.org/officeDocument/2006/relationships" xmlns:p="http://schemas.openxmlformats.org/presentationml/2006/main">
+  <p:cSld>
+    <p:spTree>
+      <p:nvGrpSpPr>
+        <p:cNvPr id="1" name=""/>
+        <p:cNvGrpSpPr/>
+        <p:nvPr/>
+      </p:nvGrpSpPr>
+      <p:grpSpPr>
+        <a:xfrm>
+          <a:off x="0" y="0"/>
+          <a:ext cx="0" cy="0"/>
+          <a:chOff x="0" y="0"/>
+          <a:chExt cx="0" cy="0"/>
+        </a:xfrm>
+      </p:grpSpPr>
+      <p:sp>
+        <p:nvSpPr>
+          <p:cNvPr id="8" name="Rectangle 7">
+            <a:extLst>
+              <a:ext uri="{FF2B5EF4-FFF2-40B4-BE49-F238E27FC236}">
+                <a16:creationId xmlns:a16="http://schemas.microsoft.com/office/drawing/2014/main" id="{6B76ED2D-1144-44C7-9F17-5B20C2E4FBC4}"/>
+              </a:ext>
+            </a:extLst>
+          </p:cNvPr>
+          <p:cNvSpPr/>
+          <p:nvPr/>
+        </p:nvSpPr>
+        <p:spPr>
+          <a:xfrm>
+            <a:off x="533400" y="457200"/>
+            <a:ext cx="1904999" cy="2863647"/>
+          </a:xfrm>
+          <a:prstGeom prst="rect">
+            <a:avLst/>
+          </a:prstGeom>
+          <a:solidFill>
+            <a:schemeClr val="bg1">
+              <a:lumMod val="95000"/>
+            </a:schemeClr>
+          </a:solidFill>
+          <a:ln>
+            <a:noFill/>
+          </a:ln>
+        </p:spPr>
+        <p:style>
+          <a:lnRef idx="2">
+            <a:schemeClr val="accent1">
+              <a:shade val="50000"/>
+            </a:schemeClr>
+          </a:lnRef>
+          <a:fillRef idx="1">
+            <a:schemeClr val="accent1"/>
+          </a:fillRef>
+          <a:effectRef idx="0">
+            <a:schemeClr val="accent1"/>
+          </a:effectRef>
+          <a:fontRef idx="minor">
+            <a:schemeClr val="lt1"/>
+          </a:fontRef>
+        </p:style>
+        <p:txBody>
+          <a:bodyPr numCol="1" rtlCol="0" anchor="t"/>
+          <a:lstStyle>
+            <a:defPPr>
+              <a:defRPr lang="en-US"/>
+            </a:defPPr>
+            <a:lvl1pPr marL="0" algn="l" defTabSz="914400" rtl="0" eaLnBrk="1" latinLnBrk="0" hangingPunct="1">
+              <a:defRPr sz="1800" kern="1200">
+                <a:solidFill>
+                  <a:schemeClr val="lt1"/>
+                </a:solidFill>
+                <a:latin typeface="+mn-lt"/>
+                <a:ea typeface="+mn-ea"/>
+                <a:cs typeface="+mn-cs"/>
+              </a:defRPr>
+            </a:lvl1pPr>
+            <a:lvl2pPr marL="457200" algn="l" defTabSz="914400" rtl="0" eaLnBrk="1" latinLnBrk="0" hangingPunct="1">
+              <a:defRPr sz="1800" kern="1200">
+                <a:solidFill>
+                  <a:schemeClr val="lt1"/>
+                </a:solidFill>
+                <a:latin typeface="+mn-lt"/>
+                <a:ea typeface="+mn-ea"/>
+                <a:cs typeface="+mn-cs"/>
+              </a:defRPr>
+            </a:lvl2pPr>
+            <a:lvl3pPr marL="914400" algn="l" defTabSz="914400" rtl="0" eaLnBrk="1" latinLnBrk="0" hangingPunct="1">
+              <a:defRPr sz="1800" kern="1200">
+                <a:solidFill>
+                  <a:schemeClr val="lt1"/>
+                </a:solidFill>
+                <a:latin typeface="+mn-lt"/>
+                <a:ea typeface="+mn-ea"/>
+                <a:cs typeface="+mn-cs"/>
+              </a:defRPr>
+            </a:lvl3pPr>
+            <a:lvl4pPr marL="1371600" algn="l" defTabSz="914400" rtl="0" eaLnBrk="1" latinLnBrk="0" hangingPunct="1">
+              <a:defRPr sz="1800" kern="1200">
+                <a:solidFill>
+                  <a:schemeClr val="lt1"/>
+                </a:solidFill>
+                <a:latin typeface="+mn-lt"/>
+                <a:ea typeface="+mn-ea"/>
+                <a:cs typeface="+mn-cs"/>
+              </a:defRPr>
+            </a:lvl4pPr>
+            <a:lvl5pPr marL="1828800" algn="l" defTabSz="914400" rtl="0" eaLnBrk="1" latinLnBrk="0" hangingPunct="1">
+              <a:defRPr sz="1800" kern="1200">
+                <a:solidFill>
+                  <a:schemeClr val="lt1"/>
+                </a:solidFill>
+                <a:latin typeface="+mn-lt"/>
+                <a:ea typeface="+mn-ea"/>
+                <a:cs typeface="+mn-cs"/>
+              </a:defRPr>
+            </a:lvl5pPr>
+            <a:lvl6pPr marL="2286000" algn="l" defTabSz="914400" rtl="0" eaLnBrk="1" latinLnBrk="0" hangingPunct="1">
+              <a:defRPr sz="1800" kern="1200">
+                <a:solidFill>
+                  <a:schemeClr val="lt1"/>
+                </a:solidFill>
+                <a:latin typeface="+mn-lt"/>
+                <a:ea typeface="+mn-ea"/>
+                <a:cs typeface="+mn-cs"/>
+              </a:defRPr>
+            </a:lvl6pPr>
+            <a:lvl7pPr marL="2743200" algn="l" defTabSz="914400" rtl="0" eaLnBrk="1" latinLnBrk="0" hangingPunct="1">
+              <a:defRPr sz="1800" kern="1200">
+                <a:solidFill>
+                  <a:schemeClr val="lt1"/>
+                </a:solidFill>
+                <a:latin typeface="+mn-lt"/>
+                <a:ea typeface="+mn-ea"/>
+                <a:cs typeface="+mn-cs"/>
+              </a:defRPr>
+            </a:lvl7pPr>
+            <a:lvl8pPr marL="3200400" algn="l" defTabSz="914400" rtl="0" eaLnBrk="1" latinLnBrk="0" hangingPunct="1">
+              <a:defRPr sz="1800" kern="1200">
+                <a:solidFill>
+                  <a:schemeClr val="lt1"/>
+                </a:solidFill>
+                <a:latin typeface="+mn-lt"/>
+                <a:ea typeface="+mn-ea"/>
+                <a:cs typeface="+mn-cs"/>
+              </a:defRPr>
+            </a:lvl8pPr>
+            <a:lvl9pPr marL="3657600" algn="l" defTabSz="914400" rtl="0" eaLnBrk="1" latinLnBrk="0" hangingPunct="1">
+              <a:defRPr sz="1800" kern="1200">
+                <a:solidFill>
+                  <a:schemeClr val="lt1"/>
+                </a:solidFill>
+                <a:latin typeface="+mn-lt"/>
+                <a:ea typeface="+mn-ea"/>
+                <a:cs typeface="+mn-cs"/>
+              </a:defRPr>
+            </a:lvl9pPr>
+          </a:lstStyle>
+          <a:p>
+            <a:r>
+              <a:rPr lang="en-US" sz="1600" b="1" u="sng" dirty="0">
+                <a:solidFill>
+                  <a:srgbClr val="326D89"/>
+                </a:solidFill>
+              </a:rPr>
+              <a:t>Current Loan</a:t>
+            </a:r>
+          </a:p>
+          <a:p>
+            <a:endParaRPr lang="en-US" sz="1600" b="1" u="sng" dirty="0">
+              <a:solidFill>
+                <a:srgbClr val="326D89"/>
+              </a:solidFill>
+            </a:endParaRPr>
+          </a:p>
+          <a:p>
+            <a:r>
+              <a:rPr lang="en-US" sz="1600" dirty="0">
+                <a:solidFill>
+                  <a:srgbClr val="326D89"/>
+                </a:solidFill>
+              </a:rPr>
+              <a:t>Disbursed Amount</a:t>
+            </a:r>
+          </a:p>
+          <a:p>
+            <a:r>
+              <a:rPr lang="en-US" sz="1600" dirty="0">
+                <a:solidFill>
+                  <a:srgbClr val="326D89"/>
+                </a:solidFill>
+              </a:rPr>
+              <a:t>Asset Cost</a:t>
+            </a:r>
+          </a:p>
+          <a:p>
+            <a:r>
+              <a:rPr lang="en-US" sz="1600" dirty="0">
+                <a:solidFill>
+                  <a:srgbClr val="326D89"/>
+                </a:solidFill>
+              </a:rPr>
+              <a:t>Loan to Asset ratio(</a:t>
+            </a:r>
+            <a:r>
+              <a:rPr lang="en-US" sz="1600" dirty="0" err="1">
+                <a:solidFill>
+                  <a:srgbClr val="326D89"/>
+                </a:solidFill>
+              </a:rPr>
+              <a:t>ltv</a:t>
+            </a:r>
+            <a:r>
+              <a:rPr lang="en-US" sz="1600" dirty="0">
+                <a:solidFill>
+                  <a:srgbClr val="326D89"/>
+                </a:solidFill>
+              </a:rPr>
+              <a:t>)</a:t>
+            </a:r>
+          </a:p>
+        </p:txBody>
+      </p:sp>
+      <p:sp>
+        <p:nvSpPr>
+          <p:cNvPr id="9" name="Rectangle 8">
+            <a:extLst>
+              <a:ext uri="{FF2B5EF4-FFF2-40B4-BE49-F238E27FC236}">
+                <a16:creationId xmlns:a16="http://schemas.microsoft.com/office/drawing/2014/main" id="{862F720A-8399-4F72-94F3-C7C925E7ECF0}"/>
+              </a:ext>
+            </a:extLst>
+          </p:cNvPr>
+          <p:cNvSpPr/>
+          <p:nvPr/>
+        </p:nvSpPr>
+        <p:spPr>
+          <a:xfrm>
+            <a:off x="6781799" y="391214"/>
+            <a:ext cx="1988141" cy="2863647"/>
+          </a:xfrm>
+          <a:prstGeom prst="rect">
+            <a:avLst/>
+          </a:prstGeom>
+          <a:solidFill>
+            <a:schemeClr val="bg1">
+              <a:lumMod val="95000"/>
+            </a:schemeClr>
+          </a:solidFill>
+          <a:ln>
+            <a:noFill/>
+          </a:ln>
+        </p:spPr>
+        <p:style>
+          <a:lnRef idx="2">
+            <a:schemeClr val="accent1">
+              <a:shade val="50000"/>
+            </a:schemeClr>
+          </a:lnRef>
+          <a:fillRef idx="1">
+            <a:schemeClr val="accent1"/>
+          </a:fillRef>
+          <a:effectRef idx="0">
+            <a:schemeClr val="accent1"/>
+          </a:effectRef>
+          <a:fontRef idx="minor">
+            <a:schemeClr val="lt1"/>
+          </a:fontRef>
+        </p:style>
+        <p:txBody>
+          <a:bodyPr numCol="1" rtlCol="0" anchor="t"/>
+          <a:lstStyle>
+            <a:defPPr>
+              <a:defRPr lang="en-US"/>
+            </a:defPPr>
+            <a:lvl1pPr marL="0" algn="l" defTabSz="914400" rtl="0" eaLnBrk="1" latinLnBrk="0" hangingPunct="1">
+              <a:defRPr sz="1800" kern="1200">
+                <a:solidFill>
+                  <a:schemeClr val="lt1"/>
+                </a:solidFill>
+                <a:latin typeface="+mn-lt"/>
+                <a:ea typeface="+mn-ea"/>
+                <a:cs typeface="+mn-cs"/>
+              </a:defRPr>
+            </a:lvl1pPr>
+            <a:lvl2pPr marL="457200" algn="l" defTabSz="914400" rtl="0" eaLnBrk="1" latinLnBrk="0" hangingPunct="1">
+              <a:defRPr sz="1800" kern="1200">
+                <a:solidFill>
+                  <a:schemeClr val="lt1"/>
+                </a:solidFill>
+                <a:latin typeface="+mn-lt"/>
+                <a:ea typeface="+mn-ea"/>
+                <a:cs typeface="+mn-cs"/>
+              </a:defRPr>
+            </a:lvl2pPr>
+            <a:lvl3pPr marL="914400" algn="l" defTabSz="914400" rtl="0" eaLnBrk="1" latinLnBrk="0" hangingPunct="1">
+              <a:defRPr sz="1800" kern="1200">
+                <a:solidFill>
+                  <a:schemeClr val="lt1"/>
+                </a:solidFill>
+                <a:latin typeface="+mn-lt"/>
+                <a:ea typeface="+mn-ea"/>
+                <a:cs typeface="+mn-cs"/>
+              </a:defRPr>
+            </a:lvl3pPr>
+            <a:lvl4pPr marL="1371600" algn="l" defTabSz="914400" rtl="0" eaLnBrk="1" latinLnBrk="0" hangingPunct="1">
+              <a:defRPr sz="1800" kern="1200">
+                <a:solidFill>
+                  <a:schemeClr val="lt1"/>
+                </a:solidFill>
+                <a:latin typeface="+mn-lt"/>
+                <a:ea typeface="+mn-ea"/>
+                <a:cs typeface="+mn-cs"/>
+              </a:defRPr>
+            </a:lvl4pPr>
+            <a:lvl5pPr marL="1828800" algn="l" defTabSz="914400" rtl="0" eaLnBrk="1" latinLnBrk="0" hangingPunct="1">
+              <a:defRPr sz="1800" kern="1200">
+                <a:solidFill>
+                  <a:schemeClr val="lt1"/>
+                </a:solidFill>
+                <a:latin typeface="+mn-lt"/>
+                <a:ea typeface="+mn-ea"/>
+                <a:cs typeface="+mn-cs"/>
+              </a:defRPr>
+            </a:lvl5pPr>
+            <a:lvl6pPr marL="2286000" algn="l" defTabSz="914400" rtl="0" eaLnBrk="1" latinLnBrk="0" hangingPunct="1">
+              <a:defRPr sz="1800" kern="1200">
+                <a:solidFill>
+                  <a:schemeClr val="lt1"/>
+                </a:solidFill>
+                <a:latin typeface="+mn-lt"/>
+                <a:ea typeface="+mn-ea"/>
+                <a:cs typeface="+mn-cs"/>
+              </a:defRPr>
+            </a:lvl6pPr>
+            <a:lvl7pPr marL="2743200" algn="l" defTabSz="914400" rtl="0" eaLnBrk="1" latinLnBrk="0" hangingPunct="1">
+              <a:defRPr sz="1800" kern="1200">
+                <a:solidFill>
+                  <a:schemeClr val="lt1"/>
+                </a:solidFill>
+                <a:latin typeface="+mn-lt"/>
+                <a:ea typeface="+mn-ea"/>
+                <a:cs typeface="+mn-cs"/>
+              </a:defRPr>
+            </a:lvl7pPr>
+            <a:lvl8pPr marL="3200400" algn="l" defTabSz="914400" rtl="0" eaLnBrk="1" latinLnBrk="0" hangingPunct="1">
+              <a:defRPr sz="1800" kern="1200">
+                <a:solidFill>
+                  <a:schemeClr val="lt1"/>
+                </a:solidFill>
+                <a:latin typeface="+mn-lt"/>
+                <a:ea typeface="+mn-ea"/>
+                <a:cs typeface="+mn-cs"/>
+              </a:defRPr>
+            </a:lvl8pPr>
+            <a:lvl9pPr marL="3657600" algn="l" defTabSz="914400" rtl="0" eaLnBrk="1" latinLnBrk="0" hangingPunct="1">
+              <a:defRPr sz="1800" kern="1200">
+                <a:solidFill>
+                  <a:schemeClr val="lt1"/>
+                </a:solidFill>
+                <a:latin typeface="+mn-lt"/>
+                <a:ea typeface="+mn-ea"/>
+                <a:cs typeface="+mn-cs"/>
+              </a:defRPr>
+            </a:lvl9pPr>
+          </a:lstStyle>
+          <a:p>
+            <a:r>
+              <a:rPr lang="en-US" sz="1600" b="1" u="sng" dirty="0">
+                <a:solidFill>
+                  <a:srgbClr val="326D89"/>
+                </a:solidFill>
+              </a:rPr>
+              <a:t>Bureau Information</a:t>
+            </a:r>
+          </a:p>
+          <a:p>
+            <a:endParaRPr lang="en-US" sz="1600" b="1" u="sng" dirty="0">
+              <a:solidFill>
+                <a:srgbClr val="326D89"/>
+              </a:solidFill>
+            </a:endParaRPr>
+          </a:p>
+          <a:p>
+            <a:r>
+              <a:rPr lang="en-US" sz="1600" dirty="0">
+                <a:solidFill>
+                  <a:srgbClr val="326D89"/>
+                </a:solidFill>
+              </a:rPr>
+              <a:t>CNS Score Description</a:t>
+            </a:r>
+          </a:p>
+          <a:p>
+            <a:endParaRPr lang="en-US" sz="1600" dirty="0">
+              <a:solidFill>
+                <a:srgbClr val="326D89"/>
+              </a:solidFill>
+            </a:endParaRPr>
+          </a:p>
+          <a:p>
+            <a:r>
+              <a:rPr lang="en-US" sz="1600" dirty="0">
+                <a:solidFill>
+                  <a:srgbClr val="326D89"/>
+                </a:solidFill>
+              </a:rPr>
+              <a:t>CNS Score </a:t>
+            </a:r>
+          </a:p>
+        </p:txBody>
+      </p:sp>
+      <p:sp>
+        <p:nvSpPr>
+          <p:cNvPr id="10" name="Rectangle 9">
+            <a:extLst>
+              <a:ext uri="{FF2B5EF4-FFF2-40B4-BE49-F238E27FC236}">
+                <a16:creationId xmlns:a16="http://schemas.microsoft.com/office/drawing/2014/main" id="{77A53343-2FCA-44AB-9265-07C7EE959A0D}"/>
+              </a:ext>
+            </a:extLst>
+          </p:cNvPr>
+          <p:cNvSpPr/>
+          <p:nvPr/>
+        </p:nvSpPr>
+        <p:spPr>
+          <a:xfrm>
+            <a:off x="4670781" y="457197"/>
+            <a:ext cx="1988141" cy="2863647"/>
+          </a:xfrm>
+          <a:prstGeom prst="rect">
+            <a:avLst/>
+          </a:prstGeom>
+          <a:solidFill>
+            <a:schemeClr val="bg1">
+              <a:lumMod val="95000"/>
+            </a:schemeClr>
+          </a:solidFill>
+          <a:ln>
+            <a:noFill/>
+          </a:ln>
+        </p:spPr>
+        <p:style>
+          <a:lnRef idx="2">
+            <a:schemeClr val="accent1">
+              <a:shade val="50000"/>
+            </a:schemeClr>
+          </a:lnRef>
+          <a:fillRef idx="1">
+            <a:schemeClr val="accent1"/>
+          </a:fillRef>
+          <a:effectRef idx="0">
+            <a:schemeClr val="accent1"/>
+          </a:effectRef>
+          <a:fontRef idx="minor">
+            <a:schemeClr val="lt1"/>
+          </a:fontRef>
+        </p:style>
+        <p:txBody>
+          <a:bodyPr numCol="1" rtlCol="0" anchor="t"/>
+          <a:lstStyle>
+            <a:defPPr>
+              <a:defRPr lang="en-US"/>
+            </a:defPPr>
+            <a:lvl1pPr marL="0" algn="l" defTabSz="914400" rtl="0" eaLnBrk="1" latinLnBrk="0" hangingPunct="1">
+              <a:defRPr sz="1800" kern="1200">
+                <a:solidFill>
+                  <a:schemeClr val="lt1"/>
+                </a:solidFill>
+                <a:latin typeface="+mn-lt"/>
+                <a:ea typeface="+mn-ea"/>
+                <a:cs typeface="+mn-cs"/>
+              </a:defRPr>
+            </a:lvl1pPr>
+            <a:lvl2pPr marL="457200" algn="l" defTabSz="914400" rtl="0" eaLnBrk="1" latinLnBrk="0" hangingPunct="1">
+              <a:defRPr sz="1800" kern="1200">
+                <a:solidFill>
+                  <a:schemeClr val="lt1"/>
+                </a:solidFill>
+                <a:latin typeface="+mn-lt"/>
+                <a:ea typeface="+mn-ea"/>
+                <a:cs typeface="+mn-cs"/>
+              </a:defRPr>
+            </a:lvl2pPr>
+            <a:lvl3pPr marL="914400" algn="l" defTabSz="914400" rtl="0" eaLnBrk="1" latinLnBrk="0" hangingPunct="1">
+              <a:defRPr sz="1800" kern="1200">
+                <a:solidFill>
+                  <a:schemeClr val="lt1"/>
+                </a:solidFill>
+                <a:latin typeface="+mn-lt"/>
+                <a:ea typeface="+mn-ea"/>
+                <a:cs typeface="+mn-cs"/>
+              </a:defRPr>
+            </a:lvl3pPr>
+            <a:lvl4pPr marL="1371600" algn="l" defTabSz="914400" rtl="0" eaLnBrk="1" latinLnBrk="0" hangingPunct="1">
+              <a:defRPr sz="1800" kern="1200">
+                <a:solidFill>
+                  <a:schemeClr val="lt1"/>
+                </a:solidFill>
+                <a:latin typeface="+mn-lt"/>
+                <a:ea typeface="+mn-ea"/>
+                <a:cs typeface="+mn-cs"/>
+              </a:defRPr>
+            </a:lvl4pPr>
+            <a:lvl5pPr marL="1828800" algn="l" defTabSz="914400" rtl="0" eaLnBrk="1" latinLnBrk="0" hangingPunct="1">
+              <a:defRPr sz="1800" kern="1200">
+                <a:solidFill>
+                  <a:schemeClr val="lt1"/>
+                </a:solidFill>
+                <a:latin typeface="+mn-lt"/>
+                <a:ea typeface="+mn-ea"/>
+                <a:cs typeface="+mn-cs"/>
+              </a:defRPr>
+            </a:lvl5pPr>
+            <a:lvl6pPr marL="2286000" algn="l" defTabSz="914400" rtl="0" eaLnBrk="1" latinLnBrk="0" hangingPunct="1">
+              <a:defRPr sz="1800" kern="1200">
+                <a:solidFill>
+                  <a:schemeClr val="lt1"/>
+                </a:solidFill>
+                <a:latin typeface="+mn-lt"/>
+                <a:ea typeface="+mn-ea"/>
+                <a:cs typeface="+mn-cs"/>
+              </a:defRPr>
+            </a:lvl6pPr>
+            <a:lvl7pPr marL="2743200" algn="l" defTabSz="914400" rtl="0" eaLnBrk="1" latinLnBrk="0" hangingPunct="1">
+              <a:defRPr sz="1800" kern="1200">
+                <a:solidFill>
+                  <a:schemeClr val="lt1"/>
+                </a:solidFill>
+                <a:latin typeface="+mn-lt"/>
+                <a:ea typeface="+mn-ea"/>
+                <a:cs typeface="+mn-cs"/>
+              </a:defRPr>
+            </a:lvl7pPr>
+            <a:lvl8pPr marL="3200400" algn="l" defTabSz="914400" rtl="0" eaLnBrk="1" latinLnBrk="0" hangingPunct="1">
+              <a:defRPr sz="1800" kern="1200">
+                <a:solidFill>
+                  <a:schemeClr val="lt1"/>
+                </a:solidFill>
+                <a:latin typeface="+mn-lt"/>
+                <a:ea typeface="+mn-ea"/>
+                <a:cs typeface="+mn-cs"/>
+              </a:defRPr>
+            </a:lvl8pPr>
+            <a:lvl9pPr marL="3657600" algn="l" defTabSz="914400" rtl="0" eaLnBrk="1" latinLnBrk="0" hangingPunct="1">
+              <a:defRPr sz="1800" kern="1200">
+                <a:solidFill>
+                  <a:schemeClr val="lt1"/>
+                </a:solidFill>
+                <a:latin typeface="+mn-lt"/>
+                <a:ea typeface="+mn-ea"/>
+                <a:cs typeface="+mn-cs"/>
+              </a:defRPr>
+            </a:lvl9pPr>
+          </a:lstStyle>
+          <a:p>
+            <a:r>
+              <a:rPr lang="en-US" sz="1600" b="1" u="sng" dirty="0">
+                <a:solidFill>
+                  <a:srgbClr val="326D89"/>
+                </a:solidFill>
+              </a:rPr>
+              <a:t>Primary Account Information</a:t>
+            </a:r>
+          </a:p>
+          <a:p>
+            <a:r>
+              <a:rPr lang="en-US" sz="1600" dirty="0" err="1">
+                <a:solidFill>
+                  <a:srgbClr val="326D89"/>
+                </a:solidFill>
+              </a:rPr>
+              <a:t>Pri</a:t>
+            </a:r>
+            <a:r>
+              <a:rPr lang="en-US" sz="1600" dirty="0">
+                <a:solidFill>
+                  <a:srgbClr val="326D89"/>
+                </a:solidFill>
+              </a:rPr>
+              <a:t>. No. of Accounts</a:t>
+            </a:r>
+          </a:p>
+          <a:p>
+            <a:r>
+              <a:rPr lang="en-US" sz="1600" dirty="0" err="1">
+                <a:solidFill>
+                  <a:srgbClr val="326D89"/>
+                </a:solidFill>
+              </a:rPr>
+              <a:t>Pri</a:t>
+            </a:r>
+            <a:r>
+              <a:rPr lang="en-US" sz="1600" dirty="0">
+                <a:solidFill>
+                  <a:srgbClr val="326D89"/>
+                </a:solidFill>
+              </a:rPr>
+              <a:t>. Active Account</a:t>
+            </a:r>
+          </a:p>
+          <a:p>
+            <a:r>
+              <a:rPr lang="en-US" sz="1600" dirty="0" err="1">
+                <a:solidFill>
+                  <a:srgbClr val="326D89"/>
+                </a:solidFill>
+              </a:rPr>
+              <a:t>Pri</a:t>
+            </a:r>
+            <a:r>
+              <a:rPr lang="en-US" sz="1600" dirty="0">
+                <a:solidFill>
+                  <a:srgbClr val="326D89"/>
+                </a:solidFill>
+              </a:rPr>
+              <a:t>. Overdue Account</a:t>
+            </a:r>
+          </a:p>
+          <a:p>
+            <a:r>
+              <a:rPr lang="en-US" sz="1600" dirty="0" err="1">
+                <a:solidFill>
+                  <a:srgbClr val="326D89"/>
+                </a:solidFill>
+              </a:rPr>
+              <a:t>Pri</a:t>
+            </a:r>
+            <a:r>
+              <a:rPr lang="en-US" sz="1600" dirty="0">
+                <a:solidFill>
+                  <a:srgbClr val="326D89"/>
+                </a:solidFill>
+              </a:rPr>
+              <a:t>. Current Balance</a:t>
+            </a:r>
+          </a:p>
+          <a:p>
+            <a:r>
+              <a:rPr lang="en-US" sz="1600" dirty="0" err="1">
+                <a:solidFill>
+                  <a:srgbClr val="326D89"/>
+                </a:solidFill>
+              </a:rPr>
+              <a:t>Pri</a:t>
+            </a:r>
+            <a:r>
+              <a:rPr lang="en-US" sz="1600" dirty="0">
+                <a:solidFill>
+                  <a:srgbClr val="326D89"/>
+                </a:solidFill>
+              </a:rPr>
+              <a:t>. Sanctioned Balance</a:t>
+            </a:r>
+          </a:p>
+          <a:p>
+            <a:r>
+              <a:rPr lang="en-US" sz="1600" dirty="0" err="1">
+                <a:solidFill>
+                  <a:srgbClr val="326D89"/>
+                </a:solidFill>
+              </a:rPr>
+              <a:t>Pri</a:t>
+            </a:r>
+            <a:r>
+              <a:rPr lang="en-US" sz="1600" dirty="0">
+                <a:solidFill>
+                  <a:srgbClr val="326D89"/>
+                </a:solidFill>
+              </a:rPr>
+              <a:t> Disbursed Amount</a:t>
+            </a:r>
+          </a:p>
+          <a:p>
+            <a:r>
+              <a:rPr lang="en-US" sz="1600" dirty="0" err="1">
+                <a:solidFill>
+                  <a:srgbClr val="326D89"/>
+                </a:solidFill>
+              </a:rPr>
+              <a:t>Pri</a:t>
+            </a:r>
+            <a:r>
+              <a:rPr lang="en-US" sz="1600" dirty="0">
+                <a:solidFill>
+                  <a:srgbClr val="326D89"/>
+                </a:solidFill>
+              </a:rPr>
+              <a:t> Installment Amount</a:t>
+            </a:r>
+          </a:p>
+          <a:p>
+            <a:endParaRPr lang="en-US" sz="1600" dirty="0">
+              <a:solidFill>
+                <a:srgbClr val="326D89"/>
+              </a:solidFill>
+            </a:endParaRPr>
+          </a:p>
+        </p:txBody>
+      </p:sp>
+      <p:sp>
+        <p:nvSpPr>
+          <p:cNvPr id="11" name="Rectangle 10">
+            <a:extLst>
+              <a:ext uri="{FF2B5EF4-FFF2-40B4-BE49-F238E27FC236}">
+                <a16:creationId xmlns:a16="http://schemas.microsoft.com/office/drawing/2014/main" id="{68BE3264-6004-4608-9AFF-19326E0EDDFE}"/>
+              </a:ext>
+            </a:extLst>
+          </p:cNvPr>
+          <p:cNvSpPr/>
+          <p:nvPr/>
+        </p:nvSpPr>
+        <p:spPr>
+          <a:xfrm>
+            <a:off x="2533811" y="457196"/>
+            <a:ext cx="1988141" cy="2863647"/>
+          </a:xfrm>
+          <a:prstGeom prst="rect">
+            <a:avLst/>
+          </a:prstGeom>
+          <a:solidFill>
+            <a:schemeClr val="bg1">
+              <a:lumMod val="95000"/>
+            </a:schemeClr>
+          </a:solidFill>
+          <a:ln>
+            <a:noFill/>
+          </a:ln>
+        </p:spPr>
+        <p:style>
+          <a:lnRef idx="2">
+            <a:schemeClr val="accent1">
+              <a:shade val="50000"/>
+            </a:schemeClr>
+          </a:lnRef>
+          <a:fillRef idx="1">
+            <a:schemeClr val="accent1"/>
+          </a:fillRef>
+          <a:effectRef idx="0">
+            <a:schemeClr val="accent1"/>
+          </a:effectRef>
+          <a:fontRef idx="minor">
+            <a:schemeClr val="lt1"/>
+          </a:fontRef>
+        </p:style>
+        <p:txBody>
+          <a:bodyPr numCol="1" rtlCol="0" anchor="t"/>
+          <a:lstStyle>
+            <a:defPPr>
+              <a:defRPr lang="en-US"/>
+            </a:defPPr>
+            <a:lvl1pPr marL="0" algn="l" defTabSz="914400" rtl="0" eaLnBrk="1" latinLnBrk="0" hangingPunct="1">
+              <a:defRPr sz="1800" kern="1200">
+                <a:solidFill>
+                  <a:schemeClr val="lt1"/>
+                </a:solidFill>
+                <a:latin typeface="+mn-lt"/>
+                <a:ea typeface="+mn-ea"/>
+                <a:cs typeface="+mn-cs"/>
+              </a:defRPr>
+            </a:lvl1pPr>
+            <a:lvl2pPr marL="457200" algn="l" defTabSz="914400" rtl="0" eaLnBrk="1" latinLnBrk="0" hangingPunct="1">
+              <a:defRPr sz="1800" kern="1200">
+                <a:solidFill>
+                  <a:schemeClr val="lt1"/>
+                </a:solidFill>
+                <a:latin typeface="+mn-lt"/>
+                <a:ea typeface="+mn-ea"/>
+                <a:cs typeface="+mn-cs"/>
+              </a:defRPr>
+            </a:lvl2pPr>
+            <a:lvl3pPr marL="914400" algn="l" defTabSz="914400" rtl="0" eaLnBrk="1" latinLnBrk="0" hangingPunct="1">
+              <a:defRPr sz="1800" kern="1200">
+                <a:solidFill>
+                  <a:schemeClr val="lt1"/>
+                </a:solidFill>
+                <a:latin typeface="+mn-lt"/>
+                <a:ea typeface="+mn-ea"/>
+                <a:cs typeface="+mn-cs"/>
+              </a:defRPr>
+            </a:lvl3pPr>
+            <a:lvl4pPr marL="1371600" algn="l" defTabSz="914400" rtl="0" eaLnBrk="1" latinLnBrk="0" hangingPunct="1">
+              <a:defRPr sz="1800" kern="1200">
+                <a:solidFill>
+                  <a:schemeClr val="lt1"/>
+                </a:solidFill>
+                <a:latin typeface="+mn-lt"/>
+                <a:ea typeface="+mn-ea"/>
+                <a:cs typeface="+mn-cs"/>
+              </a:defRPr>
+            </a:lvl4pPr>
+            <a:lvl5pPr marL="1828800" algn="l" defTabSz="914400" rtl="0" eaLnBrk="1" latinLnBrk="0" hangingPunct="1">
+              <a:defRPr sz="1800" kern="1200">
+                <a:solidFill>
+                  <a:schemeClr val="lt1"/>
+                </a:solidFill>
+                <a:latin typeface="+mn-lt"/>
+                <a:ea typeface="+mn-ea"/>
+                <a:cs typeface="+mn-cs"/>
+              </a:defRPr>
+            </a:lvl5pPr>
+            <a:lvl6pPr marL="2286000" algn="l" defTabSz="914400" rtl="0" eaLnBrk="1" latinLnBrk="0" hangingPunct="1">
+              <a:defRPr sz="1800" kern="1200">
+                <a:solidFill>
+                  <a:schemeClr val="lt1"/>
+                </a:solidFill>
+                <a:latin typeface="+mn-lt"/>
+                <a:ea typeface="+mn-ea"/>
+                <a:cs typeface="+mn-cs"/>
+              </a:defRPr>
+            </a:lvl6pPr>
+            <a:lvl7pPr marL="2743200" algn="l" defTabSz="914400" rtl="0" eaLnBrk="1" latinLnBrk="0" hangingPunct="1">
+              <a:defRPr sz="1800" kern="1200">
+                <a:solidFill>
+                  <a:schemeClr val="lt1"/>
+                </a:solidFill>
+                <a:latin typeface="+mn-lt"/>
+                <a:ea typeface="+mn-ea"/>
+                <a:cs typeface="+mn-cs"/>
+              </a:defRPr>
+            </a:lvl7pPr>
+            <a:lvl8pPr marL="3200400" algn="l" defTabSz="914400" rtl="0" eaLnBrk="1" latinLnBrk="0" hangingPunct="1">
+              <a:defRPr sz="1800" kern="1200">
+                <a:solidFill>
+                  <a:schemeClr val="lt1"/>
+                </a:solidFill>
+                <a:latin typeface="+mn-lt"/>
+                <a:ea typeface="+mn-ea"/>
+                <a:cs typeface="+mn-cs"/>
+              </a:defRPr>
+            </a:lvl8pPr>
+            <a:lvl9pPr marL="3657600" algn="l" defTabSz="914400" rtl="0" eaLnBrk="1" latinLnBrk="0" hangingPunct="1">
+              <a:defRPr sz="1800" kern="1200">
+                <a:solidFill>
+                  <a:schemeClr val="lt1"/>
+                </a:solidFill>
+                <a:latin typeface="+mn-lt"/>
+                <a:ea typeface="+mn-ea"/>
+                <a:cs typeface="+mn-cs"/>
+              </a:defRPr>
+            </a:lvl9pPr>
+          </a:lstStyle>
+          <a:p>
+            <a:pPr algn="just"/>
+            <a:r>
+              <a:rPr lang="en-US" sz="1600" b="1" u="sng" dirty="0">
+                <a:solidFill>
+                  <a:srgbClr val="326D89"/>
+                </a:solidFill>
+              </a:rPr>
+              <a:t>Document Submitted</a:t>
+            </a:r>
+          </a:p>
+          <a:p>
+            <a:pPr algn="just"/>
+            <a:endParaRPr lang="en-US" sz="1600" b="1" u="sng" dirty="0">
+              <a:solidFill>
+                <a:srgbClr val="326D89"/>
+              </a:solidFill>
+            </a:endParaRPr>
+          </a:p>
+          <a:p>
+            <a:pPr algn="just"/>
+            <a:r>
+              <a:rPr lang="en-US" sz="1600" dirty="0">
+                <a:solidFill>
+                  <a:srgbClr val="326D89"/>
+                </a:solidFill>
+              </a:rPr>
+              <a:t>Aadhar Flag</a:t>
+            </a:r>
+          </a:p>
+          <a:p>
+            <a:pPr algn="just"/>
+            <a:r>
+              <a:rPr lang="en-US" sz="1600" dirty="0">
+                <a:solidFill>
+                  <a:srgbClr val="326D89"/>
+                </a:solidFill>
+              </a:rPr>
+              <a:t>Passport Flag</a:t>
+            </a:r>
+          </a:p>
+          <a:p>
+            <a:pPr algn="just"/>
+            <a:r>
+              <a:rPr lang="en-US" sz="1600" dirty="0">
+                <a:solidFill>
+                  <a:srgbClr val="326D89"/>
+                </a:solidFill>
+              </a:rPr>
+              <a:t>Driving License Flag</a:t>
+            </a:r>
+          </a:p>
+          <a:p>
+            <a:pPr algn="just"/>
+            <a:r>
+              <a:rPr lang="en-US" sz="1600" dirty="0">
+                <a:solidFill>
+                  <a:srgbClr val="326D89"/>
+                </a:solidFill>
+              </a:rPr>
+              <a:t>Mobile No </a:t>
+            </a:r>
+            <a:r>
+              <a:rPr lang="en-US" sz="1600" dirty="0" err="1">
+                <a:solidFill>
+                  <a:srgbClr val="326D89"/>
+                </a:solidFill>
+              </a:rPr>
+              <a:t>Avl</a:t>
+            </a:r>
+            <a:r>
+              <a:rPr lang="en-US" sz="1600" dirty="0">
+                <a:solidFill>
+                  <a:srgbClr val="326D89"/>
+                </a:solidFill>
+              </a:rPr>
+              <a:t>. Flag</a:t>
+            </a:r>
+          </a:p>
+          <a:p>
+            <a:pPr algn="just"/>
+            <a:r>
+              <a:rPr lang="en-US" sz="1600" dirty="0">
+                <a:solidFill>
+                  <a:srgbClr val="326D89"/>
+                </a:solidFill>
+              </a:rPr>
+              <a:t>PAN Flag</a:t>
+            </a:r>
+          </a:p>
+          <a:p>
+            <a:pPr algn="just"/>
+            <a:r>
+              <a:rPr lang="en-US" sz="1600" dirty="0">
+                <a:solidFill>
+                  <a:srgbClr val="326D89"/>
+                </a:solidFill>
+              </a:rPr>
+              <a:t>Voter ID Flag</a:t>
+            </a:r>
+          </a:p>
+        </p:txBody>
+      </p:sp>
+      <p:sp>
+        <p:nvSpPr>
+          <p:cNvPr id="17" name="Rectangle 16">
+            <a:extLst>
+              <a:ext uri="{FF2B5EF4-FFF2-40B4-BE49-F238E27FC236}">
+                <a16:creationId xmlns:a16="http://schemas.microsoft.com/office/drawing/2014/main" id="{D21BE189-1936-4E66-8042-B9D4C6E51D0B}"/>
+              </a:ext>
+            </a:extLst>
+          </p:cNvPr>
+          <p:cNvSpPr/>
+          <p:nvPr/>
+        </p:nvSpPr>
+        <p:spPr>
+          <a:xfrm>
+            <a:off x="536542" y="3429001"/>
+            <a:ext cx="1904999" cy="3254420"/>
+          </a:xfrm>
+          <a:prstGeom prst="rect">
+            <a:avLst/>
+          </a:prstGeom>
+          <a:solidFill>
+            <a:schemeClr val="bg1">
+              <a:lumMod val="95000"/>
+            </a:schemeClr>
+          </a:solidFill>
+          <a:ln>
+            <a:noFill/>
+          </a:ln>
+        </p:spPr>
+        <p:style>
+          <a:lnRef idx="2">
+            <a:schemeClr val="accent1">
+              <a:shade val="50000"/>
+            </a:schemeClr>
+          </a:lnRef>
+          <a:fillRef idx="1">
+            <a:schemeClr val="accent1"/>
+          </a:fillRef>
+          <a:effectRef idx="0">
+            <a:schemeClr val="accent1"/>
+          </a:effectRef>
+          <a:fontRef idx="minor">
+            <a:schemeClr val="lt1"/>
+          </a:fontRef>
+        </p:style>
+        <p:txBody>
+          <a:bodyPr numCol="1" rtlCol="0" anchor="t"/>
+          <a:lstStyle>
+            <a:defPPr>
+              <a:defRPr lang="en-US"/>
+            </a:defPPr>
+            <a:lvl1pPr marL="0" algn="l" defTabSz="914400" rtl="0" eaLnBrk="1" latinLnBrk="0" hangingPunct="1">
+              <a:defRPr sz="1800" kern="1200">
+                <a:solidFill>
+                  <a:schemeClr val="lt1"/>
+                </a:solidFill>
+                <a:latin typeface="+mn-lt"/>
+                <a:ea typeface="+mn-ea"/>
+                <a:cs typeface="+mn-cs"/>
+              </a:defRPr>
+            </a:lvl1pPr>
+            <a:lvl2pPr marL="457200" algn="l" defTabSz="914400" rtl="0" eaLnBrk="1" latinLnBrk="0" hangingPunct="1">
+              <a:defRPr sz="1800" kern="1200">
+                <a:solidFill>
+                  <a:schemeClr val="lt1"/>
+                </a:solidFill>
+                <a:latin typeface="+mn-lt"/>
+                <a:ea typeface="+mn-ea"/>
+                <a:cs typeface="+mn-cs"/>
+              </a:defRPr>
+            </a:lvl2pPr>
+            <a:lvl3pPr marL="914400" algn="l" defTabSz="914400" rtl="0" eaLnBrk="1" latinLnBrk="0" hangingPunct="1">
+              <a:defRPr sz="1800" kern="1200">
+                <a:solidFill>
+                  <a:schemeClr val="lt1"/>
+                </a:solidFill>
+                <a:latin typeface="+mn-lt"/>
+                <a:ea typeface="+mn-ea"/>
+                <a:cs typeface="+mn-cs"/>
+              </a:defRPr>
+            </a:lvl3pPr>
+            <a:lvl4pPr marL="1371600" algn="l" defTabSz="914400" rtl="0" eaLnBrk="1" latinLnBrk="0" hangingPunct="1">
+              <a:defRPr sz="1800" kern="1200">
+                <a:solidFill>
+                  <a:schemeClr val="lt1"/>
+                </a:solidFill>
+                <a:latin typeface="+mn-lt"/>
+                <a:ea typeface="+mn-ea"/>
+                <a:cs typeface="+mn-cs"/>
+              </a:defRPr>
+            </a:lvl4pPr>
+            <a:lvl5pPr marL="1828800" algn="l" defTabSz="914400" rtl="0" eaLnBrk="1" latinLnBrk="0" hangingPunct="1">
+              <a:defRPr sz="1800" kern="1200">
+                <a:solidFill>
+                  <a:schemeClr val="lt1"/>
+                </a:solidFill>
+                <a:latin typeface="+mn-lt"/>
+                <a:ea typeface="+mn-ea"/>
+                <a:cs typeface="+mn-cs"/>
+              </a:defRPr>
+            </a:lvl5pPr>
+            <a:lvl6pPr marL="2286000" algn="l" defTabSz="914400" rtl="0" eaLnBrk="1" latinLnBrk="0" hangingPunct="1">
+              <a:defRPr sz="1800" kern="1200">
+                <a:solidFill>
+                  <a:schemeClr val="lt1"/>
+                </a:solidFill>
+                <a:latin typeface="+mn-lt"/>
+                <a:ea typeface="+mn-ea"/>
+                <a:cs typeface="+mn-cs"/>
+              </a:defRPr>
+            </a:lvl6pPr>
+            <a:lvl7pPr marL="2743200" algn="l" defTabSz="914400" rtl="0" eaLnBrk="1" latinLnBrk="0" hangingPunct="1">
+              <a:defRPr sz="1800" kern="1200">
+                <a:solidFill>
+                  <a:schemeClr val="lt1"/>
+                </a:solidFill>
+                <a:latin typeface="+mn-lt"/>
+                <a:ea typeface="+mn-ea"/>
+                <a:cs typeface="+mn-cs"/>
+              </a:defRPr>
+            </a:lvl7pPr>
+            <a:lvl8pPr marL="3200400" algn="l" defTabSz="914400" rtl="0" eaLnBrk="1" latinLnBrk="0" hangingPunct="1">
+              <a:defRPr sz="1800" kern="1200">
+                <a:solidFill>
+                  <a:schemeClr val="lt1"/>
+                </a:solidFill>
+                <a:latin typeface="+mn-lt"/>
+                <a:ea typeface="+mn-ea"/>
+                <a:cs typeface="+mn-cs"/>
+              </a:defRPr>
+            </a:lvl8pPr>
+            <a:lvl9pPr marL="3657600" algn="l" defTabSz="914400" rtl="0" eaLnBrk="1" latinLnBrk="0" hangingPunct="1">
+              <a:defRPr sz="1800" kern="1200">
+                <a:solidFill>
+                  <a:schemeClr val="lt1"/>
+                </a:solidFill>
+                <a:latin typeface="+mn-lt"/>
+                <a:ea typeface="+mn-ea"/>
+                <a:cs typeface="+mn-cs"/>
+              </a:defRPr>
+            </a:lvl9pPr>
+          </a:lstStyle>
+          <a:p>
+            <a:r>
+              <a:rPr lang="en-US" sz="1600" b="1" u="sng" dirty="0">
+                <a:solidFill>
+                  <a:srgbClr val="326D89"/>
+                </a:solidFill>
+              </a:rPr>
+              <a:t>Disbursing Bank Information</a:t>
+            </a:r>
+          </a:p>
+          <a:p>
+            <a:endParaRPr lang="en-US" sz="1600" b="1" u="sng" dirty="0">
+              <a:solidFill>
+                <a:srgbClr val="326D89"/>
+              </a:solidFill>
+            </a:endParaRPr>
+          </a:p>
+          <a:p>
+            <a:r>
+              <a:rPr lang="en-US" sz="1600" dirty="0">
+                <a:solidFill>
+                  <a:srgbClr val="326D89"/>
+                </a:solidFill>
+              </a:rPr>
+              <a:t>Branch ID</a:t>
+            </a:r>
+            <a:br>
+              <a:rPr lang="en-US" sz="1600" dirty="0">
+                <a:solidFill>
+                  <a:srgbClr val="326D89"/>
+                </a:solidFill>
+              </a:rPr>
+            </a:br>
+            <a:r>
+              <a:rPr lang="en-US" sz="1600" dirty="0">
+                <a:solidFill>
+                  <a:srgbClr val="326D89"/>
+                </a:solidFill>
+              </a:rPr>
+              <a:t>Supplier ID</a:t>
+            </a:r>
+          </a:p>
+          <a:p>
+            <a:r>
+              <a:rPr lang="en-US" sz="1600" dirty="0">
+                <a:solidFill>
+                  <a:srgbClr val="326D89"/>
+                </a:solidFill>
+              </a:rPr>
+              <a:t>Manufacture ID</a:t>
+            </a:r>
+            <a:br>
+              <a:rPr lang="en-US" sz="1600" dirty="0">
+                <a:solidFill>
+                  <a:srgbClr val="326D89"/>
+                </a:solidFill>
+              </a:rPr>
+            </a:br>
+            <a:r>
+              <a:rPr lang="en-US" sz="1600" dirty="0">
+                <a:solidFill>
+                  <a:srgbClr val="326D89"/>
+                </a:solidFill>
+              </a:rPr>
+              <a:t>Current PINCODE ID</a:t>
+            </a:r>
+          </a:p>
+          <a:p>
+            <a:r>
+              <a:rPr lang="en-US" sz="1600" dirty="0">
+                <a:solidFill>
+                  <a:srgbClr val="326D89"/>
+                </a:solidFill>
+              </a:rPr>
+              <a:t>State ID</a:t>
+            </a:r>
+          </a:p>
+          <a:p>
+            <a:r>
+              <a:rPr lang="en-US" sz="1600" dirty="0">
+                <a:solidFill>
+                  <a:srgbClr val="326D89"/>
+                </a:solidFill>
+              </a:rPr>
+              <a:t>Employee Code ID</a:t>
+            </a:r>
+          </a:p>
+          <a:p>
+            <a:r>
+              <a:rPr lang="en-US" sz="1600" dirty="0">
+                <a:solidFill>
+                  <a:srgbClr val="326D89"/>
+                </a:solidFill>
+              </a:rPr>
+              <a:t>Mo</a:t>
+            </a:r>
+          </a:p>
+        </p:txBody>
+      </p:sp>
+      <p:sp>
+        <p:nvSpPr>
+          <p:cNvPr id="18" name="Rectangle 17">
+            <a:extLst>
+              <a:ext uri="{FF2B5EF4-FFF2-40B4-BE49-F238E27FC236}">
+                <a16:creationId xmlns:a16="http://schemas.microsoft.com/office/drawing/2014/main" id="{29B30E89-4E6D-4B0B-B633-47F191BA09D5}"/>
+              </a:ext>
+            </a:extLst>
+          </p:cNvPr>
+          <p:cNvSpPr/>
+          <p:nvPr/>
+        </p:nvSpPr>
+        <p:spPr>
+          <a:xfrm>
+            <a:off x="6777999" y="3412106"/>
+            <a:ext cx="1988141" cy="3254420"/>
+          </a:xfrm>
+          <a:prstGeom prst="rect">
+            <a:avLst/>
+          </a:prstGeom>
+          <a:solidFill>
+            <a:schemeClr val="bg1">
+              <a:lumMod val="95000"/>
+            </a:schemeClr>
+          </a:solidFill>
+          <a:ln>
+            <a:noFill/>
+          </a:ln>
+        </p:spPr>
+        <p:style>
+          <a:lnRef idx="2">
+            <a:schemeClr val="accent1">
+              <a:shade val="50000"/>
+            </a:schemeClr>
+          </a:lnRef>
+          <a:fillRef idx="1">
+            <a:schemeClr val="accent1"/>
+          </a:fillRef>
+          <a:effectRef idx="0">
+            <a:schemeClr val="accent1"/>
+          </a:effectRef>
+          <a:fontRef idx="minor">
+            <a:schemeClr val="lt1"/>
+          </a:fontRef>
+        </p:style>
+        <p:txBody>
+          <a:bodyPr numCol="1" rtlCol="0" anchor="t"/>
+          <a:lstStyle>
+            <a:defPPr>
+              <a:defRPr lang="en-US"/>
+            </a:defPPr>
+            <a:lvl1pPr marL="0" algn="l" defTabSz="914400" rtl="0" eaLnBrk="1" latinLnBrk="0" hangingPunct="1">
+              <a:defRPr sz="1800" kern="1200">
+                <a:solidFill>
+                  <a:schemeClr val="lt1"/>
+                </a:solidFill>
+                <a:latin typeface="+mn-lt"/>
+                <a:ea typeface="+mn-ea"/>
+                <a:cs typeface="+mn-cs"/>
+              </a:defRPr>
+            </a:lvl1pPr>
+            <a:lvl2pPr marL="457200" algn="l" defTabSz="914400" rtl="0" eaLnBrk="1" latinLnBrk="0" hangingPunct="1">
+              <a:defRPr sz="1800" kern="1200">
+                <a:solidFill>
+                  <a:schemeClr val="lt1"/>
+                </a:solidFill>
+                <a:latin typeface="+mn-lt"/>
+                <a:ea typeface="+mn-ea"/>
+                <a:cs typeface="+mn-cs"/>
+              </a:defRPr>
+            </a:lvl2pPr>
+            <a:lvl3pPr marL="914400" algn="l" defTabSz="914400" rtl="0" eaLnBrk="1" latinLnBrk="0" hangingPunct="1">
+              <a:defRPr sz="1800" kern="1200">
+                <a:solidFill>
+                  <a:schemeClr val="lt1"/>
+                </a:solidFill>
+                <a:latin typeface="+mn-lt"/>
+                <a:ea typeface="+mn-ea"/>
+                <a:cs typeface="+mn-cs"/>
+              </a:defRPr>
+            </a:lvl3pPr>
+            <a:lvl4pPr marL="1371600" algn="l" defTabSz="914400" rtl="0" eaLnBrk="1" latinLnBrk="0" hangingPunct="1">
+              <a:defRPr sz="1800" kern="1200">
+                <a:solidFill>
+                  <a:schemeClr val="lt1"/>
+                </a:solidFill>
+                <a:latin typeface="+mn-lt"/>
+                <a:ea typeface="+mn-ea"/>
+                <a:cs typeface="+mn-cs"/>
+              </a:defRPr>
+            </a:lvl4pPr>
+            <a:lvl5pPr marL="1828800" algn="l" defTabSz="914400" rtl="0" eaLnBrk="1" latinLnBrk="0" hangingPunct="1">
+              <a:defRPr sz="1800" kern="1200">
+                <a:solidFill>
+                  <a:schemeClr val="lt1"/>
+                </a:solidFill>
+                <a:latin typeface="+mn-lt"/>
+                <a:ea typeface="+mn-ea"/>
+                <a:cs typeface="+mn-cs"/>
+              </a:defRPr>
+            </a:lvl5pPr>
+            <a:lvl6pPr marL="2286000" algn="l" defTabSz="914400" rtl="0" eaLnBrk="1" latinLnBrk="0" hangingPunct="1">
+              <a:defRPr sz="1800" kern="1200">
+                <a:solidFill>
+                  <a:schemeClr val="lt1"/>
+                </a:solidFill>
+                <a:latin typeface="+mn-lt"/>
+                <a:ea typeface="+mn-ea"/>
+                <a:cs typeface="+mn-cs"/>
+              </a:defRPr>
+            </a:lvl6pPr>
+            <a:lvl7pPr marL="2743200" algn="l" defTabSz="914400" rtl="0" eaLnBrk="1" latinLnBrk="0" hangingPunct="1">
+              <a:defRPr sz="1800" kern="1200">
+                <a:solidFill>
+                  <a:schemeClr val="lt1"/>
+                </a:solidFill>
+                <a:latin typeface="+mn-lt"/>
+                <a:ea typeface="+mn-ea"/>
+                <a:cs typeface="+mn-cs"/>
+              </a:defRPr>
+            </a:lvl7pPr>
+            <a:lvl8pPr marL="3200400" algn="l" defTabSz="914400" rtl="0" eaLnBrk="1" latinLnBrk="0" hangingPunct="1">
+              <a:defRPr sz="1800" kern="1200">
+                <a:solidFill>
+                  <a:schemeClr val="lt1"/>
+                </a:solidFill>
+                <a:latin typeface="+mn-lt"/>
+                <a:ea typeface="+mn-ea"/>
+                <a:cs typeface="+mn-cs"/>
+              </a:defRPr>
+            </a:lvl8pPr>
+            <a:lvl9pPr marL="3657600" algn="l" defTabSz="914400" rtl="0" eaLnBrk="1" latinLnBrk="0" hangingPunct="1">
+              <a:defRPr sz="1800" kern="1200">
+                <a:solidFill>
+                  <a:schemeClr val="lt1"/>
+                </a:solidFill>
+                <a:latin typeface="+mn-lt"/>
+                <a:ea typeface="+mn-ea"/>
+                <a:cs typeface="+mn-cs"/>
+              </a:defRPr>
+            </a:lvl9pPr>
+          </a:lstStyle>
+          <a:p>
+            <a:r>
+              <a:rPr lang="en-US" sz="1600" b="1" u="sng" dirty="0">
+                <a:solidFill>
+                  <a:srgbClr val="326D89"/>
+                </a:solidFill>
+              </a:rPr>
+              <a:t>Other Customer Information</a:t>
+            </a:r>
+          </a:p>
+          <a:p>
+            <a:endParaRPr lang="en-US" sz="1600" dirty="0">
+              <a:solidFill>
+                <a:srgbClr val="326D89"/>
+              </a:solidFill>
+            </a:endParaRPr>
+          </a:p>
+          <a:p>
+            <a:r>
+              <a:rPr lang="en-US" sz="1600" dirty="0">
+                <a:solidFill>
+                  <a:srgbClr val="326D89"/>
+                </a:solidFill>
+              </a:rPr>
+              <a:t>Date of Birth</a:t>
+            </a:r>
+          </a:p>
+          <a:p>
+            <a:r>
+              <a:rPr lang="en-US" sz="1600" dirty="0">
+                <a:solidFill>
+                  <a:srgbClr val="326D89"/>
+                </a:solidFill>
+              </a:rPr>
+              <a:t>New Accounts In Last 6 months</a:t>
+            </a:r>
+          </a:p>
+          <a:p>
+            <a:r>
+              <a:rPr lang="en-US" sz="1600" dirty="0">
+                <a:solidFill>
+                  <a:srgbClr val="326D89"/>
+                </a:solidFill>
+              </a:rPr>
+              <a:t>Delinquent Accounts in 6 months</a:t>
+            </a:r>
+          </a:p>
+          <a:p>
+            <a:r>
+              <a:rPr lang="en-US" sz="1600" dirty="0">
+                <a:solidFill>
+                  <a:srgbClr val="326D89"/>
+                </a:solidFill>
+              </a:rPr>
+              <a:t>No Of Inquires</a:t>
+            </a:r>
+          </a:p>
+          <a:p>
+            <a:r>
+              <a:rPr lang="en-US" sz="1600" dirty="0">
+                <a:solidFill>
+                  <a:srgbClr val="326D89"/>
+                </a:solidFill>
+              </a:rPr>
+              <a:t>Loan Default (Target Variable)</a:t>
+            </a:r>
+          </a:p>
+          <a:p>
+            <a:endParaRPr lang="en-US" sz="1600" dirty="0">
+              <a:solidFill>
+                <a:srgbClr val="326D89"/>
+              </a:solidFill>
+            </a:endParaRPr>
+          </a:p>
+        </p:txBody>
+      </p:sp>
+      <p:sp>
+        <p:nvSpPr>
+          <p:cNvPr id="19" name="Rectangle 18">
+            <a:extLst>
+              <a:ext uri="{FF2B5EF4-FFF2-40B4-BE49-F238E27FC236}">
+                <a16:creationId xmlns:a16="http://schemas.microsoft.com/office/drawing/2014/main" id="{3B4B5FDC-15C9-42D5-9D47-D1AF784A1D75}"/>
+              </a:ext>
+            </a:extLst>
+          </p:cNvPr>
+          <p:cNvSpPr/>
+          <p:nvPr/>
+        </p:nvSpPr>
+        <p:spPr>
+          <a:xfrm>
+            <a:off x="4693664" y="3429000"/>
+            <a:ext cx="1998022" cy="3254420"/>
+          </a:xfrm>
+          <a:prstGeom prst="rect">
+            <a:avLst/>
+          </a:prstGeom>
+          <a:solidFill>
+            <a:schemeClr val="bg1">
+              <a:lumMod val="95000"/>
+            </a:schemeClr>
+          </a:solidFill>
+          <a:ln>
+            <a:noFill/>
+          </a:ln>
+        </p:spPr>
+        <p:style>
+          <a:lnRef idx="2">
+            <a:schemeClr val="accent1">
+              <a:shade val="50000"/>
+            </a:schemeClr>
+          </a:lnRef>
+          <a:fillRef idx="1">
+            <a:schemeClr val="accent1"/>
+          </a:fillRef>
+          <a:effectRef idx="0">
+            <a:schemeClr val="accent1"/>
+          </a:effectRef>
+          <a:fontRef idx="minor">
+            <a:schemeClr val="lt1"/>
+          </a:fontRef>
+        </p:style>
+        <p:txBody>
+          <a:bodyPr numCol="1" rtlCol="0" anchor="t"/>
+          <a:lstStyle>
+            <a:defPPr>
+              <a:defRPr lang="en-US"/>
+            </a:defPPr>
+            <a:lvl1pPr marL="0" algn="l" defTabSz="914400" rtl="0" eaLnBrk="1" latinLnBrk="0" hangingPunct="1">
+              <a:defRPr sz="1800" kern="1200">
+                <a:solidFill>
+                  <a:schemeClr val="lt1"/>
+                </a:solidFill>
+                <a:latin typeface="+mn-lt"/>
+                <a:ea typeface="+mn-ea"/>
+                <a:cs typeface="+mn-cs"/>
+              </a:defRPr>
+            </a:lvl1pPr>
+            <a:lvl2pPr marL="457200" algn="l" defTabSz="914400" rtl="0" eaLnBrk="1" latinLnBrk="0" hangingPunct="1">
+              <a:defRPr sz="1800" kern="1200">
+                <a:solidFill>
+                  <a:schemeClr val="lt1"/>
+                </a:solidFill>
+                <a:latin typeface="+mn-lt"/>
+                <a:ea typeface="+mn-ea"/>
+                <a:cs typeface="+mn-cs"/>
+              </a:defRPr>
+            </a:lvl2pPr>
+            <a:lvl3pPr marL="914400" algn="l" defTabSz="914400" rtl="0" eaLnBrk="1" latinLnBrk="0" hangingPunct="1">
+              <a:defRPr sz="1800" kern="1200">
+                <a:solidFill>
+                  <a:schemeClr val="lt1"/>
+                </a:solidFill>
+                <a:latin typeface="+mn-lt"/>
+                <a:ea typeface="+mn-ea"/>
+                <a:cs typeface="+mn-cs"/>
+              </a:defRPr>
+            </a:lvl3pPr>
+            <a:lvl4pPr marL="1371600" algn="l" defTabSz="914400" rtl="0" eaLnBrk="1" latinLnBrk="0" hangingPunct="1">
+              <a:defRPr sz="1800" kern="1200">
+                <a:solidFill>
+                  <a:schemeClr val="lt1"/>
+                </a:solidFill>
+                <a:latin typeface="+mn-lt"/>
+                <a:ea typeface="+mn-ea"/>
+                <a:cs typeface="+mn-cs"/>
+              </a:defRPr>
+            </a:lvl4pPr>
+            <a:lvl5pPr marL="1828800" algn="l" defTabSz="914400" rtl="0" eaLnBrk="1" latinLnBrk="0" hangingPunct="1">
+              <a:defRPr sz="1800" kern="1200">
+                <a:solidFill>
+                  <a:schemeClr val="lt1"/>
+                </a:solidFill>
+                <a:latin typeface="+mn-lt"/>
+                <a:ea typeface="+mn-ea"/>
+                <a:cs typeface="+mn-cs"/>
+              </a:defRPr>
+            </a:lvl5pPr>
+            <a:lvl6pPr marL="2286000" algn="l" defTabSz="914400" rtl="0" eaLnBrk="1" latinLnBrk="0" hangingPunct="1">
+              <a:defRPr sz="1800" kern="1200">
+                <a:solidFill>
+                  <a:schemeClr val="lt1"/>
+                </a:solidFill>
+                <a:latin typeface="+mn-lt"/>
+                <a:ea typeface="+mn-ea"/>
+                <a:cs typeface="+mn-cs"/>
+              </a:defRPr>
+            </a:lvl6pPr>
+            <a:lvl7pPr marL="2743200" algn="l" defTabSz="914400" rtl="0" eaLnBrk="1" latinLnBrk="0" hangingPunct="1">
+              <a:defRPr sz="1800" kern="1200">
+                <a:solidFill>
+                  <a:schemeClr val="lt1"/>
+                </a:solidFill>
+                <a:latin typeface="+mn-lt"/>
+                <a:ea typeface="+mn-ea"/>
+                <a:cs typeface="+mn-cs"/>
+              </a:defRPr>
+            </a:lvl7pPr>
+            <a:lvl8pPr marL="3200400" algn="l" defTabSz="914400" rtl="0" eaLnBrk="1" latinLnBrk="0" hangingPunct="1">
+              <a:defRPr sz="1800" kern="1200">
+                <a:solidFill>
+                  <a:schemeClr val="lt1"/>
+                </a:solidFill>
+                <a:latin typeface="+mn-lt"/>
+                <a:ea typeface="+mn-ea"/>
+                <a:cs typeface="+mn-cs"/>
+              </a:defRPr>
+            </a:lvl8pPr>
+            <a:lvl9pPr marL="3657600" algn="l" defTabSz="914400" rtl="0" eaLnBrk="1" latinLnBrk="0" hangingPunct="1">
+              <a:defRPr sz="1800" kern="1200">
+                <a:solidFill>
+                  <a:schemeClr val="lt1"/>
+                </a:solidFill>
+                <a:latin typeface="+mn-lt"/>
+                <a:ea typeface="+mn-ea"/>
+                <a:cs typeface="+mn-cs"/>
+              </a:defRPr>
+            </a:lvl9pPr>
+          </a:lstStyle>
+          <a:p>
+            <a:r>
+              <a:rPr lang="en-US" sz="1600" b="1" u="sng" dirty="0">
+                <a:solidFill>
+                  <a:srgbClr val="326D89"/>
+                </a:solidFill>
+              </a:rPr>
+              <a:t>Secondary Account Information</a:t>
+            </a:r>
+          </a:p>
+          <a:p>
+            <a:r>
+              <a:rPr lang="en-US" sz="1600" dirty="0">
+                <a:solidFill>
+                  <a:srgbClr val="326D89"/>
+                </a:solidFill>
+              </a:rPr>
+              <a:t>Sec. Number of Accounts</a:t>
+            </a:r>
+          </a:p>
+          <a:p>
+            <a:r>
+              <a:rPr lang="en-US" sz="1600" dirty="0">
+                <a:solidFill>
+                  <a:srgbClr val="326D89"/>
+                </a:solidFill>
+              </a:rPr>
+              <a:t>Sec. Active Account</a:t>
+            </a:r>
+          </a:p>
+          <a:p>
+            <a:r>
+              <a:rPr lang="en-US" sz="1600" dirty="0">
+                <a:solidFill>
+                  <a:srgbClr val="326D89"/>
+                </a:solidFill>
+              </a:rPr>
+              <a:t>Sec. Overdue Account</a:t>
+            </a:r>
+          </a:p>
+          <a:p>
+            <a:r>
+              <a:rPr lang="en-US" sz="1600" dirty="0">
+                <a:solidFill>
+                  <a:srgbClr val="326D89"/>
+                </a:solidFill>
+              </a:rPr>
+              <a:t>Sec. Current Balance</a:t>
+            </a:r>
+          </a:p>
+          <a:p>
+            <a:r>
+              <a:rPr lang="en-US" sz="1600" dirty="0">
+                <a:solidFill>
+                  <a:srgbClr val="326D89"/>
+                </a:solidFill>
+              </a:rPr>
+              <a:t>Sec. Sanctioned Balance</a:t>
+            </a:r>
+          </a:p>
+          <a:p>
+            <a:r>
+              <a:rPr lang="en-US" sz="1600" dirty="0">
+                <a:solidFill>
+                  <a:srgbClr val="326D89"/>
+                </a:solidFill>
+              </a:rPr>
+              <a:t>Sec Disbursed Amount</a:t>
+            </a:r>
+          </a:p>
+          <a:p>
+            <a:r>
+              <a:rPr lang="en-US" sz="1600" dirty="0">
+                <a:solidFill>
+                  <a:srgbClr val="326D89"/>
+                </a:solidFill>
+              </a:rPr>
+              <a:t>Sec Installment Amount</a:t>
+            </a:r>
+          </a:p>
+          <a:p>
+            <a:endParaRPr lang="en-US" sz="1600" dirty="0">
+              <a:solidFill>
+                <a:srgbClr val="326D89"/>
+              </a:solidFill>
+            </a:endParaRPr>
+          </a:p>
+        </p:txBody>
+      </p:sp>
+      <p:sp>
+        <p:nvSpPr>
+          <p:cNvPr id="20" name="Rectangle 19">
+            <a:extLst>
+              <a:ext uri="{FF2B5EF4-FFF2-40B4-BE49-F238E27FC236}">
+                <a16:creationId xmlns:a16="http://schemas.microsoft.com/office/drawing/2014/main" id="{948F9920-C081-44C5-9586-A0B571A7CFD6}"/>
+              </a:ext>
+            </a:extLst>
+          </p:cNvPr>
+          <p:cNvSpPr/>
+          <p:nvPr/>
+        </p:nvSpPr>
+        <p:spPr>
+          <a:xfrm>
+            <a:off x="2574658" y="3437859"/>
+            <a:ext cx="1988141" cy="3245561"/>
+          </a:xfrm>
+          <a:prstGeom prst="rect">
+            <a:avLst/>
+          </a:prstGeom>
+          <a:solidFill>
+            <a:schemeClr val="bg1">
+              <a:lumMod val="95000"/>
+            </a:schemeClr>
+          </a:solidFill>
+          <a:ln>
+            <a:noFill/>
+          </a:ln>
+        </p:spPr>
+        <p:style>
+          <a:lnRef idx="2">
+            <a:schemeClr val="accent1">
+              <a:shade val="50000"/>
+            </a:schemeClr>
+          </a:lnRef>
+          <a:fillRef idx="1">
+            <a:schemeClr val="accent1"/>
+          </a:fillRef>
+          <a:effectRef idx="0">
+            <a:schemeClr val="accent1"/>
+          </a:effectRef>
+          <a:fontRef idx="minor">
+            <a:schemeClr val="lt1"/>
+          </a:fontRef>
+        </p:style>
+        <p:txBody>
+          <a:bodyPr numCol="1" rtlCol="0" anchor="t"/>
+          <a:lstStyle>
+            <a:defPPr>
+              <a:defRPr lang="en-US"/>
+            </a:defPPr>
+            <a:lvl1pPr marL="0" algn="l" defTabSz="914400" rtl="0" eaLnBrk="1" latinLnBrk="0" hangingPunct="1">
+              <a:defRPr sz="1800" kern="1200">
+                <a:solidFill>
+                  <a:schemeClr val="lt1"/>
+                </a:solidFill>
+                <a:latin typeface="+mn-lt"/>
+                <a:ea typeface="+mn-ea"/>
+                <a:cs typeface="+mn-cs"/>
+              </a:defRPr>
+            </a:lvl1pPr>
+            <a:lvl2pPr marL="457200" algn="l" defTabSz="914400" rtl="0" eaLnBrk="1" latinLnBrk="0" hangingPunct="1">
+              <a:defRPr sz="1800" kern="1200">
+                <a:solidFill>
+                  <a:schemeClr val="lt1"/>
+                </a:solidFill>
+                <a:latin typeface="+mn-lt"/>
+                <a:ea typeface="+mn-ea"/>
+                <a:cs typeface="+mn-cs"/>
+              </a:defRPr>
+            </a:lvl2pPr>
+            <a:lvl3pPr marL="914400" algn="l" defTabSz="914400" rtl="0" eaLnBrk="1" latinLnBrk="0" hangingPunct="1">
+              <a:defRPr sz="1800" kern="1200">
+                <a:solidFill>
+                  <a:schemeClr val="lt1"/>
+                </a:solidFill>
+                <a:latin typeface="+mn-lt"/>
+                <a:ea typeface="+mn-ea"/>
+                <a:cs typeface="+mn-cs"/>
+              </a:defRPr>
+            </a:lvl3pPr>
+            <a:lvl4pPr marL="1371600" algn="l" defTabSz="914400" rtl="0" eaLnBrk="1" latinLnBrk="0" hangingPunct="1">
+              <a:defRPr sz="1800" kern="1200">
+                <a:solidFill>
+                  <a:schemeClr val="lt1"/>
+                </a:solidFill>
+                <a:latin typeface="+mn-lt"/>
+                <a:ea typeface="+mn-ea"/>
+                <a:cs typeface="+mn-cs"/>
+              </a:defRPr>
+            </a:lvl4pPr>
+            <a:lvl5pPr marL="1828800" algn="l" defTabSz="914400" rtl="0" eaLnBrk="1" latinLnBrk="0" hangingPunct="1">
+              <a:defRPr sz="1800" kern="1200">
+                <a:solidFill>
+                  <a:schemeClr val="lt1"/>
+                </a:solidFill>
+                <a:latin typeface="+mn-lt"/>
+                <a:ea typeface="+mn-ea"/>
+                <a:cs typeface="+mn-cs"/>
+              </a:defRPr>
+            </a:lvl5pPr>
+            <a:lvl6pPr marL="2286000" algn="l" defTabSz="914400" rtl="0" eaLnBrk="1" latinLnBrk="0" hangingPunct="1">
+              <a:defRPr sz="1800" kern="1200">
+                <a:solidFill>
+                  <a:schemeClr val="lt1"/>
+                </a:solidFill>
+                <a:latin typeface="+mn-lt"/>
+                <a:ea typeface="+mn-ea"/>
+                <a:cs typeface="+mn-cs"/>
+              </a:defRPr>
+            </a:lvl6pPr>
+            <a:lvl7pPr marL="2743200" algn="l" defTabSz="914400" rtl="0" eaLnBrk="1" latinLnBrk="0" hangingPunct="1">
+              <a:defRPr sz="1800" kern="1200">
+                <a:solidFill>
+                  <a:schemeClr val="lt1"/>
+                </a:solidFill>
+                <a:latin typeface="+mn-lt"/>
+                <a:ea typeface="+mn-ea"/>
+                <a:cs typeface="+mn-cs"/>
+              </a:defRPr>
+            </a:lvl7pPr>
+            <a:lvl8pPr marL="3200400" algn="l" defTabSz="914400" rtl="0" eaLnBrk="1" latinLnBrk="0" hangingPunct="1">
+              <a:defRPr sz="1800" kern="1200">
+                <a:solidFill>
+                  <a:schemeClr val="lt1"/>
+                </a:solidFill>
+                <a:latin typeface="+mn-lt"/>
+                <a:ea typeface="+mn-ea"/>
+                <a:cs typeface="+mn-cs"/>
+              </a:defRPr>
+            </a:lvl8pPr>
+            <a:lvl9pPr marL="3657600" algn="l" defTabSz="914400" rtl="0" eaLnBrk="1" latinLnBrk="0" hangingPunct="1">
+              <a:defRPr sz="1800" kern="1200">
+                <a:solidFill>
+                  <a:schemeClr val="lt1"/>
+                </a:solidFill>
+                <a:latin typeface="+mn-lt"/>
+                <a:ea typeface="+mn-ea"/>
+                <a:cs typeface="+mn-cs"/>
+              </a:defRPr>
+            </a:lvl9pPr>
+          </a:lstStyle>
+          <a:p>
+            <a:r>
+              <a:rPr lang="en-US" sz="1600" b="1" u="sng" dirty="0">
+                <a:solidFill>
+                  <a:srgbClr val="326D89"/>
+                </a:solidFill>
+              </a:rPr>
+              <a:t>Date Information</a:t>
+            </a:r>
+          </a:p>
+          <a:p>
+            <a:endParaRPr lang="en-US" sz="1600" dirty="0">
+              <a:solidFill>
+                <a:srgbClr val="326D89"/>
+              </a:solidFill>
+            </a:endParaRPr>
+          </a:p>
+          <a:p>
+            <a:r>
+              <a:rPr lang="en-US" sz="1600" dirty="0">
+                <a:solidFill>
+                  <a:srgbClr val="326D89"/>
+                </a:solidFill>
+              </a:rPr>
+              <a:t>Disbursal Date</a:t>
+            </a:r>
+          </a:p>
+          <a:p>
+            <a:endParaRPr lang="en-US" sz="1600" dirty="0">
+              <a:solidFill>
+                <a:srgbClr val="326D89"/>
+              </a:solidFill>
+            </a:endParaRPr>
+          </a:p>
+          <a:p>
+            <a:r>
+              <a:rPr lang="en-US" sz="1600" dirty="0">
+                <a:solidFill>
+                  <a:srgbClr val="326D89"/>
+                </a:solidFill>
+              </a:rPr>
+              <a:t>Credit History Length</a:t>
+            </a:r>
+          </a:p>
+          <a:p>
+            <a:endParaRPr lang="en-US" sz="1600" dirty="0">
+              <a:solidFill>
+                <a:srgbClr val="326D89"/>
+              </a:solidFill>
+            </a:endParaRPr>
+          </a:p>
+          <a:p>
+            <a:r>
+              <a:rPr lang="en-US" sz="1600" dirty="0">
+                <a:solidFill>
+                  <a:srgbClr val="326D89"/>
+                </a:solidFill>
+              </a:rPr>
+              <a:t>Average Account Age</a:t>
+            </a:r>
+          </a:p>
+          <a:p>
+            <a:endParaRPr lang="en-US" sz="1600" dirty="0">
+              <a:solidFill>
+                <a:srgbClr val="326D89"/>
+              </a:solidFill>
+            </a:endParaRPr>
+          </a:p>
+          <a:p>
+            <a:endParaRPr lang="en-US" sz="1600" dirty="0">
+              <a:solidFill>
+                <a:srgbClr val="326D89"/>
+              </a:solidFill>
+            </a:endParaRPr>
+          </a:p>
+        </p:txBody>
+      </p:sp>
+    </p:spTree>
+    <p:extLst>
+      <p:ext uri="{BB962C8B-B14F-4D97-AF65-F5344CB8AC3E}">
+        <p14:creationId xmlns:p14="http://schemas.microsoft.com/office/powerpoint/2010/main" val="1164540472"/>
+      </p:ext>
+    </p:extLst>
+  </p:cSld>
+  <p:clrMapOvr>
+    <a:masterClrMapping/>
+  </p:clrMapOvr>
+</p:sld>
+</file>
+
+<file path=ppt/slides/slide7.xml><?xml version="1.0" encoding="utf-8"?>
 <p:sld xmlns:a="http://schemas.openxmlformats.org/drawingml/2006/main" xmlns:r="http://schemas.openxmlformats.org/officeDocument/2006/relationships" xmlns:p="http://schemas.openxmlformats.org/presentationml/2006/main">
   <p:cSld>
     <p:spTree>
@@ -4115,3472 +9331,6 @@
 </p:sld>
 </file>
 
-<file path=ppt/slides/slide11.xml><?xml version="1.0" encoding="utf-8"?>
-<p:sld xmlns:a="http://schemas.openxmlformats.org/drawingml/2006/main" xmlns:r="http://schemas.openxmlformats.org/officeDocument/2006/relationships" xmlns:p="http://schemas.openxmlformats.org/presentationml/2006/main">
-  <p:cSld>
-    <p:spTree>
-      <p:nvGrpSpPr>
-        <p:cNvPr id="1" name=""/>
-        <p:cNvGrpSpPr/>
-        <p:nvPr/>
-      </p:nvGrpSpPr>
-      <p:grpSpPr>
-        <a:xfrm>
-          <a:off x="0" y="0"/>
-          <a:ext cx="0" cy="0"/>
-          <a:chOff x="0" y="0"/>
-          <a:chExt cx="0" cy="0"/>
-        </a:xfrm>
-      </p:grpSpPr>
-      <p:sp>
-        <p:nvSpPr>
-          <p:cNvPr id="2" name="Title 1">
-            <a:extLst>
-              <a:ext uri="{FF2B5EF4-FFF2-40B4-BE49-F238E27FC236}">
-                <a16:creationId xmlns:a16="http://schemas.microsoft.com/office/drawing/2014/main" id="{B6CDA166-D565-4795-B1AA-87976669D899}"/>
-              </a:ext>
-            </a:extLst>
-          </p:cNvPr>
-          <p:cNvSpPr>
-            <a:spLocks noGrp="1"/>
-          </p:cNvSpPr>
-          <p:nvPr>
-            <p:ph type="title"/>
-          </p:nvPr>
-        </p:nvSpPr>
-        <p:spPr>
-          <a:xfrm>
-            <a:off x="457200" y="304800"/>
-            <a:ext cx="8229600" cy="1143000"/>
-          </a:xfrm>
-        </p:spPr>
-        <p:txBody>
-          <a:bodyPr/>
-          <a:lstStyle/>
-          <a:p>
-            <a:pPr algn="l"/>
-            <a:r>
-              <a:rPr lang="en-US" dirty="0"/>
-              <a:t>Statistical significance of variables</a:t>
-            </a:r>
-          </a:p>
-        </p:txBody>
-      </p:sp>
-      <p:graphicFrame>
-        <p:nvGraphicFramePr>
-          <p:cNvPr id="4" name="Table 4">
-            <a:extLst>
-              <a:ext uri="{FF2B5EF4-FFF2-40B4-BE49-F238E27FC236}">
-                <a16:creationId xmlns:a16="http://schemas.microsoft.com/office/drawing/2014/main" id="{C31553A5-5FEC-47AD-B734-E5F229DAE130}"/>
-              </a:ext>
-            </a:extLst>
-          </p:cNvPr>
-          <p:cNvGraphicFramePr>
-            <a:graphicFrameLocks noGrp="1"/>
-          </p:cNvGraphicFramePr>
-          <p:nvPr>
-            <p:ph idx="1"/>
-            <p:extLst>
-              <p:ext uri="{D42A27DB-BD31-4B8C-83A1-F6EECF244321}">
-                <p14:modId xmlns:p14="http://schemas.microsoft.com/office/powerpoint/2010/main" val="2492861082"/>
-              </p:ext>
-            </p:extLst>
-          </p:nvPr>
-        </p:nvGraphicFramePr>
-        <p:xfrm>
-          <a:off x="457200" y="1600200"/>
-          <a:ext cx="8229600" cy="4114800"/>
-        </p:xfrm>
-        <a:graphic>
-          <a:graphicData uri="http://schemas.openxmlformats.org/drawingml/2006/table">
-            <a:tbl>
-              <a:tblPr firstRow="1" bandRow="1">
-                <a:tableStyleId>{5C22544A-7EE6-4342-B048-85BDC9FD1C3A}</a:tableStyleId>
-              </a:tblPr>
-              <a:tblGrid>
-                <a:gridCol w="4114800">
-                  <a:extLst>
-                    <a:ext uri="{9D8B030D-6E8A-4147-A177-3AD203B41FA5}">
-                      <a16:colId xmlns:a16="http://schemas.microsoft.com/office/drawing/2014/main" val="3658138492"/>
-                    </a:ext>
-                  </a:extLst>
-                </a:gridCol>
-                <a:gridCol w="4114800">
-                  <a:extLst>
-                    <a:ext uri="{9D8B030D-6E8A-4147-A177-3AD203B41FA5}">
-                      <a16:colId xmlns:a16="http://schemas.microsoft.com/office/drawing/2014/main" val="3593707040"/>
-                    </a:ext>
-                  </a:extLst>
-                </a:gridCol>
-              </a:tblGrid>
-              <a:tr h="370840">
-                <a:tc>
-                  <a:txBody>
-                    <a:bodyPr/>
-                    <a:lstStyle/>
-                    <a:p>
-                      <a:r>
-                        <a:rPr lang="en-IN" sz="2400" dirty="0"/>
-                        <a:t>Numerical</a:t>
-                      </a:r>
-                    </a:p>
-                  </a:txBody>
-                  <a:tcPr/>
-                </a:tc>
-                <a:tc>
-                  <a:txBody>
-                    <a:bodyPr/>
-                    <a:lstStyle/>
-                    <a:p>
-                      <a:r>
-                        <a:rPr lang="en-IN" sz="2400" dirty="0"/>
-                        <a:t>Categorical</a:t>
-                      </a:r>
-                    </a:p>
-                  </a:txBody>
-                  <a:tcPr/>
-                </a:tc>
-                <a:extLst>
-                  <a:ext uri="{0D108BD9-81ED-4DB2-BD59-A6C34878D82A}">
-                    <a16:rowId xmlns:a16="http://schemas.microsoft.com/office/drawing/2014/main" val="160021087"/>
-                  </a:ext>
-                </a:extLst>
-              </a:tr>
-              <a:tr h="370840">
-                <a:tc>
-                  <a:txBody>
-                    <a:bodyPr/>
-                    <a:lstStyle/>
-                    <a:p>
-                      <a:r>
-                        <a:rPr lang="en-IN" sz="2400" dirty="0"/>
-                        <a:t>Disbursed amount</a:t>
-                      </a:r>
-                    </a:p>
-                  </a:txBody>
-                  <a:tcPr/>
-                </a:tc>
-                <a:tc>
-                  <a:txBody>
-                    <a:bodyPr/>
-                    <a:lstStyle/>
-                    <a:p>
-                      <a:r>
-                        <a:rPr lang="en-IN" sz="2400" dirty="0"/>
-                        <a:t>No. of accounts</a:t>
-                      </a:r>
-                    </a:p>
-                  </a:txBody>
-                  <a:tcPr/>
-                </a:tc>
-                <a:extLst>
-                  <a:ext uri="{0D108BD9-81ED-4DB2-BD59-A6C34878D82A}">
-                    <a16:rowId xmlns:a16="http://schemas.microsoft.com/office/drawing/2014/main" val="323034610"/>
-                  </a:ext>
-                </a:extLst>
-              </a:tr>
-              <a:tr h="370840">
-                <a:tc>
-                  <a:txBody>
-                    <a:bodyPr/>
-                    <a:lstStyle/>
-                    <a:p>
-                      <a:r>
-                        <a:rPr lang="en-IN" sz="2400" dirty="0"/>
-                        <a:t>Asset cost</a:t>
-                      </a:r>
-                    </a:p>
-                  </a:txBody>
-                  <a:tcPr/>
-                </a:tc>
-                <a:tc>
-                  <a:txBody>
-                    <a:bodyPr/>
-                    <a:lstStyle/>
-                    <a:p>
-                      <a:r>
-                        <a:rPr lang="en-IN" sz="2400" dirty="0"/>
-                        <a:t>Active accounts</a:t>
-                      </a:r>
-                    </a:p>
-                  </a:txBody>
-                  <a:tcPr/>
-                </a:tc>
-                <a:extLst>
-                  <a:ext uri="{0D108BD9-81ED-4DB2-BD59-A6C34878D82A}">
-                    <a16:rowId xmlns:a16="http://schemas.microsoft.com/office/drawing/2014/main" val="2332941236"/>
-                  </a:ext>
-                </a:extLst>
-              </a:tr>
-              <a:tr h="370840">
-                <a:tc>
-                  <a:txBody>
-                    <a:bodyPr/>
-                    <a:lstStyle/>
-                    <a:p>
-                      <a:r>
-                        <a:rPr lang="en-IN" sz="2400" dirty="0"/>
-                        <a:t>loan-to-value ratio</a:t>
-                      </a:r>
-                    </a:p>
-                  </a:txBody>
-                  <a:tcPr/>
-                </a:tc>
-                <a:tc>
-                  <a:txBody>
-                    <a:bodyPr/>
-                    <a:lstStyle/>
-                    <a:p>
-                      <a:r>
-                        <a:rPr lang="en-IN" sz="2400" dirty="0"/>
-                        <a:t>Overdue accounts</a:t>
-                      </a:r>
-                    </a:p>
-                  </a:txBody>
-                  <a:tcPr/>
-                </a:tc>
-                <a:extLst>
-                  <a:ext uri="{0D108BD9-81ED-4DB2-BD59-A6C34878D82A}">
-                    <a16:rowId xmlns:a16="http://schemas.microsoft.com/office/drawing/2014/main" val="2130091456"/>
-                  </a:ext>
-                </a:extLst>
-              </a:tr>
-              <a:tr h="370840">
-                <a:tc>
-                  <a:txBody>
-                    <a:bodyPr/>
-                    <a:lstStyle/>
-                    <a:p>
-                      <a:r>
-                        <a:rPr lang="en-IN" sz="2400" dirty="0"/>
-                        <a:t>current-balance</a:t>
-                      </a:r>
-                    </a:p>
-                  </a:txBody>
-                  <a:tcPr/>
-                </a:tc>
-                <a:tc>
-                  <a:txBody>
-                    <a:bodyPr/>
-                    <a:lstStyle/>
-                    <a:p>
-                      <a:r>
-                        <a:rPr lang="en-IN" sz="2400" dirty="0"/>
-                        <a:t>New accounts in last 6 months</a:t>
-                      </a:r>
-                    </a:p>
-                  </a:txBody>
-                  <a:tcPr/>
-                </a:tc>
-                <a:extLst>
-                  <a:ext uri="{0D108BD9-81ED-4DB2-BD59-A6C34878D82A}">
-                    <a16:rowId xmlns:a16="http://schemas.microsoft.com/office/drawing/2014/main" val="16964432"/>
-                  </a:ext>
-                </a:extLst>
-              </a:tr>
-              <a:tr h="370840">
-                <a:tc>
-                  <a:txBody>
-                    <a:bodyPr/>
-                    <a:lstStyle/>
-                    <a:p>
-                      <a:r>
-                        <a:rPr lang="en-IN" sz="2400" dirty="0" err="1"/>
-                        <a:t>installment</a:t>
-                      </a:r>
-                      <a:r>
-                        <a:rPr lang="en-IN" sz="2400" dirty="0"/>
-                        <a:t>-amount</a:t>
-                      </a:r>
-                    </a:p>
-                  </a:txBody>
-                  <a:tcPr/>
-                </a:tc>
-                <a:tc>
-                  <a:txBody>
-                    <a:bodyPr/>
-                    <a:lstStyle/>
-                    <a:p>
-                      <a:r>
-                        <a:rPr lang="en-IN" sz="2400" dirty="0"/>
-                        <a:t>No of inquiries</a:t>
-                      </a:r>
-                    </a:p>
-                  </a:txBody>
-                  <a:tcPr/>
-                </a:tc>
-                <a:extLst>
-                  <a:ext uri="{0D108BD9-81ED-4DB2-BD59-A6C34878D82A}">
-                    <a16:rowId xmlns:a16="http://schemas.microsoft.com/office/drawing/2014/main" val="3877611599"/>
-                  </a:ext>
-                </a:extLst>
-              </a:tr>
-              <a:tr h="370840">
-                <a:tc>
-                  <a:txBody>
-                    <a:bodyPr/>
-                    <a:lstStyle/>
-                    <a:p>
-                      <a:pPr marL="0" marR="0" lvl="0" indent="0" algn="l" defTabSz="914400" rtl="0" eaLnBrk="1" fontAlgn="auto" latinLnBrk="0" hangingPunct="1">
-                        <a:lnSpc>
-                          <a:spcPct val="100000"/>
-                        </a:lnSpc>
-                        <a:spcBef>
-                          <a:spcPts val="0"/>
-                        </a:spcBef>
-                        <a:spcAft>
-                          <a:spcPts val="0"/>
-                        </a:spcAft>
-                        <a:buClrTx/>
-                        <a:buSzTx/>
-                        <a:buFontTx/>
-                        <a:buNone/>
-                        <a:tabLst/>
-                        <a:defRPr/>
-                      </a:pPr>
-                      <a:r>
-                        <a:rPr lang="en-IN" sz="2400" dirty="0"/>
-                        <a:t>Primary current balance</a:t>
-                      </a:r>
-                    </a:p>
-                  </a:txBody>
-                  <a:tcPr/>
-                </a:tc>
-                <a:tc>
-                  <a:txBody>
-                    <a:bodyPr/>
-                    <a:lstStyle/>
-                    <a:p>
-                      <a:r>
-                        <a:rPr lang="en-IN" sz="2400" dirty="0" err="1"/>
-                        <a:t>Avg</a:t>
-                      </a:r>
-                      <a:r>
-                        <a:rPr lang="en-IN" sz="2400" dirty="0"/>
-                        <a:t> Loan tenure</a:t>
-                      </a:r>
-                    </a:p>
-                  </a:txBody>
-                  <a:tcPr/>
-                </a:tc>
-                <a:extLst>
-                  <a:ext uri="{0D108BD9-81ED-4DB2-BD59-A6C34878D82A}">
-                    <a16:rowId xmlns:a16="http://schemas.microsoft.com/office/drawing/2014/main" val="2266630915"/>
-                  </a:ext>
-                </a:extLst>
-              </a:tr>
-              <a:tr h="370840">
-                <a:tc>
-                  <a:txBody>
-                    <a:bodyPr/>
-                    <a:lstStyle/>
-                    <a:p>
-                      <a:pPr marL="0" marR="0" lvl="0" indent="0" algn="l" defTabSz="914400" rtl="0" eaLnBrk="1" fontAlgn="auto" latinLnBrk="0" hangingPunct="1">
-                        <a:lnSpc>
-                          <a:spcPct val="100000"/>
-                        </a:lnSpc>
-                        <a:spcBef>
-                          <a:spcPts val="0"/>
-                        </a:spcBef>
-                        <a:spcAft>
-                          <a:spcPts val="0"/>
-                        </a:spcAft>
-                        <a:buClrTx/>
-                        <a:buSzTx/>
-                        <a:buFontTx/>
-                        <a:buNone/>
-                        <a:tabLst/>
-                        <a:defRPr/>
-                      </a:pPr>
-                      <a:r>
-                        <a:rPr lang="en-IN" sz="2400" dirty="0" err="1"/>
-                        <a:t>Age_at_disbursal</a:t>
-                      </a:r>
-                      <a:endParaRPr lang="en-IN" sz="2400" dirty="0"/>
-                    </a:p>
-                  </a:txBody>
-                  <a:tcPr/>
-                </a:tc>
-                <a:tc>
-                  <a:txBody>
-                    <a:bodyPr/>
-                    <a:lstStyle/>
-                    <a:p>
-                      <a:r>
-                        <a:rPr lang="en-IN" sz="2400" dirty="0"/>
-                        <a:t>Time_since_1st_loan</a:t>
-                      </a:r>
-                    </a:p>
-                  </a:txBody>
-                  <a:tcPr/>
-                </a:tc>
-                <a:extLst>
-                  <a:ext uri="{0D108BD9-81ED-4DB2-BD59-A6C34878D82A}">
-                    <a16:rowId xmlns:a16="http://schemas.microsoft.com/office/drawing/2014/main" val="1936936436"/>
-                  </a:ext>
-                </a:extLst>
-              </a:tr>
-              <a:tr h="370840">
-                <a:tc>
-                  <a:txBody>
-                    <a:bodyPr/>
-                    <a:lstStyle/>
-                    <a:p>
-                      <a:pPr marL="0" marR="0" lvl="0" indent="0" algn="l" defTabSz="914400" rtl="0" eaLnBrk="1" fontAlgn="auto" latinLnBrk="0" hangingPunct="1">
-                        <a:lnSpc>
-                          <a:spcPct val="100000"/>
-                        </a:lnSpc>
-                        <a:spcBef>
-                          <a:spcPts val="0"/>
-                        </a:spcBef>
-                        <a:spcAft>
-                          <a:spcPts val="0"/>
-                        </a:spcAft>
-                        <a:buClrTx/>
-                        <a:buSzTx/>
-                        <a:buFontTx/>
-                        <a:buNone/>
-                        <a:tabLst/>
-                        <a:defRPr/>
-                      </a:pPr>
-                      <a:endParaRPr lang="en-IN" sz="2400" dirty="0"/>
-                    </a:p>
-                  </a:txBody>
-                  <a:tcPr/>
-                </a:tc>
-                <a:tc>
-                  <a:txBody>
-                    <a:bodyPr/>
-                    <a:lstStyle/>
-                    <a:p>
-                      <a:r>
-                        <a:rPr lang="en-IN" sz="2400" dirty="0"/>
-                        <a:t>Aadhar Flag</a:t>
-                      </a:r>
-                    </a:p>
-                  </a:txBody>
-                  <a:tcPr/>
-                </a:tc>
-                <a:extLst>
-                  <a:ext uri="{0D108BD9-81ED-4DB2-BD59-A6C34878D82A}">
-                    <a16:rowId xmlns:a16="http://schemas.microsoft.com/office/drawing/2014/main" val="122713326"/>
-                  </a:ext>
-                </a:extLst>
-              </a:tr>
-            </a:tbl>
-          </a:graphicData>
-        </a:graphic>
-      </p:graphicFrame>
-    </p:spTree>
-    <p:extLst>
-      <p:ext uri="{BB962C8B-B14F-4D97-AF65-F5344CB8AC3E}">
-        <p14:creationId xmlns:p14="http://schemas.microsoft.com/office/powerpoint/2010/main" val="146618133"/>
-      </p:ext>
-    </p:extLst>
-  </p:cSld>
-  <p:clrMapOvr>
-    <a:masterClrMapping/>
-  </p:clrMapOvr>
-</p:sld>
-</file>
-
-<file path=ppt/slides/slide12.xml><?xml version="1.0" encoding="utf-8"?>
-<p:sld xmlns:a="http://schemas.openxmlformats.org/drawingml/2006/main" xmlns:r="http://schemas.openxmlformats.org/officeDocument/2006/relationships" xmlns:p="http://schemas.openxmlformats.org/presentationml/2006/main">
-  <p:cSld>
-    <p:spTree>
-      <p:nvGrpSpPr>
-        <p:cNvPr id="1" name=""/>
-        <p:cNvGrpSpPr/>
-        <p:nvPr/>
-      </p:nvGrpSpPr>
-      <p:grpSpPr>
-        <a:xfrm>
-          <a:off x="0" y="0"/>
-          <a:ext cx="0" cy="0"/>
-          <a:chOff x="0" y="0"/>
-          <a:chExt cx="0" cy="0"/>
-        </a:xfrm>
-      </p:grpSpPr>
-      <p:sp>
-        <p:nvSpPr>
-          <p:cNvPr id="2" name="Title 1">
-            <a:extLst>
-              <a:ext uri="{FF2B5EF4-FFF2-40B4-BE49-F238E27FC236}">
-                <a16:creationId xmlns:a16="http://schemas.microsoft.com/office/drawing/2014/main" id="{541A397E-F577-49FF-BC80-010E4660590D}"/>
-              </a:ext>
-            </a:extLst>
-          </p:cNvPr>
-          <p:cNvSpPr>
-            <a:spLocks noGrp="1"/>
-          </p:cNvSpPr>
-          <p:nvPr>
-            <p:ph type="title"/>
-          </p:nvPr>
-        </p:nvSpPr>
-        <p:spPr/>
-        <p:txBody>
-          <a:bodyPr/>
-          <a:lstStyle/>
-          <a:p>
-            <a:pPr algn="l"/>
-            <a:r>
-              <a:rPr lang="en-US" dirty="0"/>
-              <a:t>Feature Engineering</a:t>
-            </a:r>
-          </a:p>
-        </p:txBody>
-      </p:sp>
-      <p:sp>
-        <p:nvSpPr>
-          <p:cNvPr id="3" name="Content Placeholder 2">
-            <a:extLst>
-              <a:ext uri="{FF2B5EF4-FFF2-40B4-BE49-F238E27FC236}">
-                <a16:creationId xmlns:a16="http://schemas.microsoft.com/office/drawing/2014/main" id="{4887195E-57E5-4EF2-9755-BE81F07132A4}"/>
-              </a:ext>
-            </a:extLst>
-          </p:cNvPr>
-          <p:cNvSpPr>
-            <a:spLocks noGrp="1"/>
-          </p:cNvSpPr>
-          <p:nvPr>
-            <p:ph idx="1"/>
-          </p:nvPr>
-        </p:nvSpPr>
-        <p:spPr/>
-        <p:txBody>
-          <a:bodyPr>
-            <a:normAutofit/>
-          </a:bodyPr>
-          <a:lstStyle/>
-          <a:p>
-            <a:pPr marL="0" indent="0">
-              <a:buNone/>
-            </a:pPr>
-            <a:r>
-              <a:rPr lang="en-IN" sz="2400" dirty="0"/>
-              <a:t>1. </a:t>
-            </a:r>
-            <a:r>
-              <a:rPr lang="en-IN" sz="2400" b="1" dirty="0"/>
-              <a:t>Transformations</a:t>
-            </a:r>
-            <a:r>
-              <a:rPr lang="en-IN" sz="2400" dirty="0"/>
-              <a:t> :</a:t>
-            </a:r>
-          </a:p>
-          <a:p>
-            <a:pPr marL="0" indent="0">
-              <a:buNone/>
-            </a:pPr>
-            <a:r>
-              <a:rPr lang="en-IN" sz="2400" dirty="0"/>
-              <a:t>Yes . Since the data is not normally distributed (Highly right skewed), We tried Log transform, Sqrt transform.</a:t>
-            </a:r>
-          </a:p>
-          <a:p>
-            <a:pPr marL="0" indent="0">
-              <a:buNone/>
-            </a:pPr>
-            <a:r>
-              <a:rPr lang="en-IN" sz="2400" dirty="0"/>
-              <a:t>2. </a:t>
-            </a:r>
-            <a:r>
-              <a:rPr lang="en-IN" sz="2400" b="1" dirty="0"/>
-              <a:t>Scaling the data </a:t>
-            </a:r>
-            <a:r>
-              <a:rPr lang="en-IN" sz="2400" dirty="0"/>
-              <a:t>:</a:t>
-            </a:r>
-          </a:p>
-          <a:p>
-            <a:pPr marL="0" indent="0">
-              <a:buNone/>
-            </a:pPr>
-            <a:r>
-              <a:rPr lang="en-IN" sz="2400" dirty="0"/>
-              <a:t>Yes, the data has been scaled.</a:t>
-            </a:r>
-          </a:p>
-          <a:p>
-            <a:pPr marL="0" indent="0">
-              <a:buNone/>
-            </a:pPr>
-            <a:r>
-              <a:rPr lang="en-IN" sz="2400" dirty="0"/>
-              <a:t>3. </a:t>
-            </a:r>
-            <a:r>
-              <a:rPr lang="en-IN" sz="2400" b="1" dirty="0"/>
-              <a:t>Dimensionality reduction </a:t>
-            </a:r>
-            <a:r>
-              <a:rPr lang="en-IN" sz="2400" dirty="0"/>
-              <a:t>:</a:t>
-            </a:r>
-          </a:p>
-          <a:p>
-            <a:pPr marL="0" indent="0">
-              <a:buNone/>
-            </a:pPr>
-            <a:r>
-              <a:rPr lang="en-US" sz="2400" dirty="0"/>
-              <a:t>Since there is no multicollinearity in our data presently(removed after checking VIF), We haven’t done PCA.</a:t>
-            </a:r>
-            <a:endParaRPr lang="en-IN" sz="2400" dirty="0"/>
-          </a:p>
-        </p:txBody>
-      </p:sp>
-    </p:spTree>
-    <p:extLst>
-      <p:ext uri="{BB962C8B-B14F-4D97-AF65-F5344CB8AC3E}">
-        <p14:creationId xmlns:p14="http://schemas.microsoft.com/office/powerpoint/2010/main" val="3227524239"/>
-      </p:ext>
-    </p:extLst>
-  </p:cSld>
-  <p:clrMapOvr>
-    <a:masterClrMapping/>
-  </p:clrMapOvr>
-</p:sld>
-</file>
-
-<file path=ppt/slides/slide13.xml><?xml version="1.0" encoding="utf-8"?>
-<p:sld xmlns:a="http://schemas.openxmlformats.org/drawingml/2006/main" xmlns:r="http://schemas.openxmlformats.org/officeDocument/2006/relationships" xmlns:p="http://schemas.openxmlformats.org/presentationml/2006/main">
-  <p:cSld>
-    <p:spTree>
-      <p:nvGrpSpPr>
-        <p:cNvPr id="1" name=""/>
-        <p:cNvGrpSpPr/>
-        <p:nvPr/>
-      </p:nvGrpSpPr>
-      <p:grpSpPr>
-        <a:xfrm>
-          <a:off x="0" y="0"/>
-          <a:ext cx="0" cy="0"/>
-          <a:chOff x="0" y="0"/>
-          <a:chExt cx="0" cy="0"/>
-        </a:xfrm>
-      </p:grpSpPr>
-      <p:sp>
-        <p:nvSpPr>
-          <p:cNvPr id="2" name="Title 1">
-            <a:extLst>
-              <a:ext uri="{FF2B5EF4-FFF2-40B4-BE49-F238E27FC236}">
-                <a16:creationId xmlns:a16="http://schemas.microsoft.com/office/drawing/2014/main" id="{F6584AFD-6D6B-41BD-8AA7-E55CA8893D30}"/>
-              </a:ext>
-            </a:extLst>
-          </p:cNvPr>
-          <p:cNvSpPr>
-            <a:spLocks noGrp="1"/>
-          </p:cNvSpPr>
-          <p:nvPr>
-            <p:ph type="title"/>
-          </p:nvPr>
-        </p:nvSpPr>
-        <p:spPr>
-          <a:xfrm>
-            <a:off x="696798" y="228600"/>
-            <a:ext cx="8229600" cy="1143000"/>
-          </a:xfrm>
-        </p:spPr>
-        <p:txBody>
-          <a:bodyPr/>
-          <a:lstStyle/>
-          <a:p>
-            <a:pPr algn="l"/>
-            <a:r>
-              <a:rPr lang="en-US" dirty="0"/>
-              <a:t>Assumptions</a:t>
-            </a:r>
-          </a:p>
-        </p:txBody>
-      </p:sp>
-      <p:sp>
-        <p:nvSpPr>
-          <p:cNvPr id="3" name="Content Placeholder 2">
-            <a:extLst>
-              <a:ext uri="{FF2B5EF4-FFF2-40B4-BE49-F238E27FC236}">
-                <a16:creationId xmlns:a16="http://schemas.microsoft.com/office/drawing/2014/main" id="{1DD175B5-E4E4-4BD1-8A11-20DED898F8EA}"/>
-              </a:ext>
-            </a:extLst>
-          </p:cNvPr>
-          <p:cNvSpPr>
-            <a:spLocks noGrp="1"/>
-          </p:cNvSpPr>
-          <p:nvPr>
-            <p:ph idx="1"/>
-          </p:nvPr>
-        </p:nvSpPr>
-        <p:spPr>
-          <a:xfrm>
-            <a:off x="446988" y="1295400"/>
-            <a:ext cx="8229600" cy="2362200"/>
-          </a:xfrm>
-        </p:spPr>
-        <p:txBody>
-          <a:bodyPr>
-            <a:normAutofit/>
-          </a:bodyPr>
-          <a:lstStyle/>
-          <a:p>
-            <a:r>
-              <a:rPr lang="en-IN" sz="2400" b="1" dirty="0"/>
-              <a:t>General Assumptions: </a:t>
-            </a:r>
-          </a:p>
-          <a:p>
-            <a:pPr marL="0" indent="0">
-              <a:buNone/>
-            </a:pPr>
-            <a:r>
-              <a:rPr lang="en-IN" sz="2400" dirty="0"/>
-              <a:t>      1. No redundant data.</a:t>
-            </a:r>
-          </a:p>
-          <a:p>
-            <a:pPr marL="0" indent="0">
-              <a:buNone/>
-            </a:pPr>
-            <a:r>
-              <a:rPr lang="en-IN" sz="2400" b="1" dirty="0"/>
-              <a:t>      </a:t>
-            </a:r>
-            <a:r>
-              <a:rPr lang="en-IN" sz="2400" dirty="0"/>
-              <a:t>2.  Absence of Multicollinearity</a:t>
-            </a:r>
-          </a:p>
-          <a:p>
-            <a:r>
-              <a:rPr lang="en-IN" sz="2400" b="1" dirty="0"/>
-              <a:t>Naive Bayes</a:t>
-            </a:r>
-            <a:r>
-              <a:rPr lang="en-US" sz="2400" b="1" dirty="0"/>
-              <a:t> -  </a:t>
-            </a:r>
-            <a:r>
-              <a:rPr lang="en-US" sz="2400" dirty="0"/>
-              <a:t>Attributes are conditionally independent.</a:t>
-            </a:r>
-          </a:p>
-          <a:p>
-            <a:r>
-              <a:rPr lang="en-US" sz="2400" dirty="0"/>
-              <a:t>Decision Tree, Random Forest, KNN – No assumptions</a:t>
-            </a:r>
-          </a:p>
-          <a:p>
-            <a:endParaRPr lang="en-IN" sz="2400" b="1" dirty="0"/>
-          </a:p>
-        </p:txBody>
-      </p:sp>
-      <p:sp>
-        <p:nvSpPr>
-          <p:cNvPr id="4" name="Title 1">
-            <a:extLst>
-              <a:ext uri="{FF2B5EF4-FFF2-40B4-BE49-F238E27FC236}">
-                <a16:creationId xmlns:a16="http://schemas.microsoft.com/office/drawing/2014/main" id="{A148EF26-8D46-4B15-973B-75E03A95CDAE}"/>
-              </a:ext>
-            </a:extLst>
-          </p:cNvPr>
-          <p:cNvSpPr txBox="1">
-            <a:spLocks/>
-          </p:cNvSpPr>
-          <p:nvPr/>
-        </p:nvSpPr>
-        <p:spPr>
-          <a:xfrm>
-            <a:off x="685800" y="3657600"/>
-            <a:ext cx="8229600" cy="1143000"/>
-          </a:xfrm>
-          <a:prstGeom prst="rect">
-            <a:avLst/>
-          </a:prstGeom>
-        </p:spPr>
-        <p:txBody>
-          <a:bodyPr vert="horz" lIns="91440" tIns="45720" rIns="91440" bIns="45720" rtlCol="0" anchor="ctr">
-            <a:normAutofit/>
-          </a:bodyPr>
-          <a:lstStyle>
-            <a:lvl1pPr algn="ctr" defTabSz="914400" rtl="0" eaLnBrk="1" latinLnBrk="0" hangingPunct="1">
-              <a:spcBef>
-                <a:spcPct val="0"/>
-              </a:spcBef>
-              <a:buNone/>
-              <a:defRPr sz="4400" kern="1200">
-                <a:solidFill>
-                  <a:schemeClr val="tx1"/>
-                </a:solidFill>
-                <a:latin typeface="+mj-lt"/>
-                <a:ea typeface="+mj-ea"/>
-                <a:cs typeface="+mj-cs"/>
-              </a:defRPr>
-            </a:lvl1pPr>
-          </a:lstStyle>
-          <a:p>
-            <a:pPr algn="l"/>
-            <a:r>
-              <a:rPr lang="en-US" dirty="0"/>
-              <a:t>Reference</a:t>
-            </a:r>
-          </a:p>
-        </p:txBody>
-      </p:sp>
-      <p:sp>
-        <p:nvSpPr>
-          <p:cNvPr id="5" name="Content Placeholder 2">
-            <a:extLst>
-              <a:ext uri="{FF2B5EF4-FFF2-40B4-BE49-F238E27FC236}">
-                <a16:creationId xmlns:a16="http://schemas.microsoft.com/office/drawing/2014/main" id="{AC2B98C8-1410-4EE3-98A2-9AA56034D000}"/>
-              </a:ext>
-            </a:extLst>
-          </p:cNvPr>
-          <p:cNvSpPr txBox="1">
-            <a:spLocks/>
-          </p:cNvSpPr>
-          <p:nvPr/>
-        </p:nvSpPr>
-        <p:spPr>
-          <a:xfrm>
-            <a:off x="685800" y="4724400"/>
-            <a:ext cx="8229600" cy="4525963"/>
-          </a:xfrm>
-          <a:prstGeom prst="rect">
-            <a:avLst/>
-          </a:prstGeom>
-        </p:spPr>
-        <p:txBody>
-          <a:bodyPr vert="horz" lIns="91440" tIns="45720" rIns="91440" bIns="45720" rtlCol="0">
-            <a:normAutofit/>
-          </a:bodyPr>
-          <a:lstStyle>
-            <a:lvl1pPr marL="342900" indent="-342900" algn="l" defTabSz="914400" rtl="0" eaLnBrk="1" latinLnBrk="0" hangingPunct="1">
-              <a:spcBef>
-                <a:spcPct val="20000"/>
-              </a:spcBef>
-              <a:buFont typeface="Arial" panose="020B0604020202020204" pitchFamily="34" charset="0"/>
-              <a:buChar char="•"/>
-              <a:defRPr sz="3200" kern="1200">
-                <a:solidFill>
-                  <a:schemeClr val="tx1"/>
-                </a:solidFill>
-                <a:latin typeface="+mn-lt"/>
-                <a:ea typeface="+mn-ea"/>
-                <a:cs typeface="+mn-cs"/>
-              </a:defRPr>
-            </a:lvl1pPr>
-            <a:lvl2pPr marL="742950" indent="-285750" algn="l" defTabSz="914400" rtl="0" eaLnBrk="1" latinLnBrk="0" hangingPunct="1">
-              <a:spcBef>
-                <a:spcPct val="20000"/>
-              </a:spcBef>
-              <a:buFont typeface="Arial" panose="020B0604020202020204" pitchFamily="34" charset="0"/>
-              <a:buChar char="–"/>
-              <a:defRPr sz="2800" kern="1200">
-                <a:solidFill>
-                  <a:schemeClr val="tx1"/>
-                </a:solidFill>
-                <a:latin typeface="+mn-lt"/>
-                <a:ea typeface="+mn-ea"/>
-                <a:cs typeface="+mn-cs"/>
-              </a:defRPr>
-            </a:lvl2pPr>
-            <a:lvl3pPr marL="1143000" indent="-228600" algn="l" defTabSz="914400" rtl="0" eaLnBrk="1" latinLnBrk="0" hangingPunct="1">
-              <a:spcBef>
-                <a:spcPct val="20000"/>
-              </a:spcBef>
-              <a:buFont typeface="Arial" panose="020B0604020202020204" pitchFamily="34" charset="0"/>
-              <a:buChar char="•"/>
-              <a:defRPr sz="2400" kern="1200">
-                <a:solidFill>
-                  <a:schemeClr val="tx1"/>
-                </a:solidFill>
-                <a:latin typeface="+mn-lt"/>
-                <a:ea typeface="+mn-ea"/>
-                <a:cs typeface="+mn-cs"/>
-              </a:defRPr>
-            </a:lvl3pPr>
-            <a:lvl4pPr marL="1600200" indent="-228600" algn="l" defTabSz="914400" rtl="0" eaLnBrk="1" latinLnBrk="0" hangingPunct="1">
-              <a:spcBef>
-                <a:spcPct val="20000"/>
-              </a:spcBef>
-              <a:buFont typeface="Arial" panose="020B0604020202020204" pitchFamily="34" charset="0"/>
-              <a:buChar char="–"/>
-              <a:defRPr sz="2000" kern="1200">
-                <a:solidFill>
-                  <a:schemeClr val="tx1"/>
-                </a:solidFill>
-                <a:latin typeface="+mn-lt"/>
-                <a:ea typeface="+mn-ea"/>
-                <a:cs typeface="+mn-cs"/>
-              </a:defRPr>
-            </a:lvl4pPr>
-            <a:lvl5pPr marL="2057400" indent="-228600" algn="l" defTabSz="914400" rtl="0" eaLnBrk="1" latinLnBrk="0" hangingPunct="1">
-              <a:spcBef>
-                <a:spcPct val="20000"/>
-              </a:spcBef>
-              <a:buFont typeface="Arial" panose="020B0604020202020204" pitchFamily="34" charset="0"/>
-              <a:buChar char="»"/>
-              <a:defRPr sz="2000" kern="1200">
-                <a:solidFill>
-                  <a:schemeClr val="tx1"/>
-                </a:solidFill>
-                <a:latin typeface="+mn-lt"/>
-                <a:ea typeface="+mn-ea"/>
-                <a:cs typeface="+mn-cs"/>
-              </a:defRPr>
-            </a:lvl5pPr>
-            <a:lvl6pPr marL="2514600" indent="-228600" algn="l" defTabSz="914400" rtl="0" eaLnBrk="1" latinLnBrk="0" hangingPunct="1">
-              <a:spcBef>
-                <a:spcPct val="20000"/>
-              </a:spcBef>
-              <a:buFont typeface="Arial" panose="020B0604020202020204" pitchFamily="34" charset="0"/>
-              <a:buChar char="•"/>
-              <a:defRPr sz="2000" kern="1200">
-                <a:solidFill>
-                  <a:schemeClr val="tx1"/>
-                </a:solidFill>
-                <a:latin typeface="+mn-lt"/>
-                <a:ea typeface="+mn-ea"/>
-                <a:cs typeface="+mn-cs"/>
-              </a:defRPr>
-            </a:lvl6pPr>
-            <a:lvl7pPr marL="2971800" indent="-228600" algn="l" defTabSz="914400" rtl="0" eaLnBrk="1" latinLnBrk="0" hangingPunct="1">
-              <a:spcBef>
-                <a:spcPct val="20000"/>
-              </a:spcBef>
-              <a:buFont typeface="Arial" panose="020B0604020202020204" pitchFamily="34" charset="0"/>
-              <a:buChar char="•"/>
-              <a:defRPr sz="2000" kern="1200">
-                <a:solidFill>
-                  <a:schemeClr val="tx1"/>
-                </a:solidFill>
-                <a:latin typeface="+mn-lt"/>
-                <a:ea typeface="+mn-ea"/>
-                <a:cs typeface="+mn-cs"/>
-              </a:defRPr>
-            </a:lvl7pPr>
-            <a:lvl8pPr marL="3429000" indent="-228600" algn="l" defTabSz="914400" rtl="0" eaLnBrk="1" latinLnBrk="0" hangingPunct="1">
-              <a:spcBef>
-                <a:spcPct val="20000"/>
-              </a:spcBef>
-              <a:buFont typeface="Arial" panose="020B0604020202020204" pitchFamily="34" charset="0"/>
-              <a:buChar char="•"/>
-              <a:defRPr sz="2000" kern="1200">
-                <a:solidFill>
-                  <a:schemeClr val="tx1"/>
-                </a:solidFill>
-                <a:latin typeface="+mn-lt"/>
-                <a:ea typeface="+mn-ea"/>
-                <a:cs typeface="+mn-cs"/>
-              </a:defRPr>
-            </a:lvl8pPr>
-            <a:lvl9pPr marL="3886200" indent="-228600" algn="l" defTabSz="914400" rtl="0" eaLnBrk="1" latinLnBrk="0" hangingPunct="1">
-              <a:spcBef>
-                <a:spcPct val="20000"/>
-              </a:spcBef>
-              <a:buFont typeface="Arial" panose="020B0604020202020204" pitchFamily="34" charset="0"/>
-              <a:buChar char="•"/>
-              <a:defRPr sz="2000" kern="1200">
-                <a:solidFill>
-                  <a:schemeClr val="tx1"/>
-                </a:solidFill>
-                <a:latin typeface="+mn-lt"/>
-                <a:ea typeface="+mn-ea"/>
-                <a:cs typeface="+mn-cs"/>
-              </a:defRPr>
-            </a:lvl9pPr>
-          </a:lstStyle>
-          <a:p>
-            <a:pPr marL="0" indent="0">
-              <a:buNone/>
-            </a:pPr>
-            <a:r>
-              <a:rPr lang="en-US" sz="2400" dirty="0">
-                <a:hlinkClick r:id="rId2"/>
-              </a:rPr>
-              <a:t>https://github.com/xavierigneous/Vehicle-Loan-Default-Prediction</a:t>
-            </a:r>
-            <a:endParaRPr lang="en-IN" sz="2400" b="1" dirty="0"/>
-          </a:p>
-        </p:txBody>
-      </p:sp>
-    </p:spTree>
-    <p:extLst>
-      <p:ext uri="{BB962C8B-B14F-4D97-AF65-F5344CB8AC3E}">
-        <p14:creationId xmlns:p14="http://schemas.microsoft.com/office/powerpoint/2010/main" val="1235205643"/>
-      </p:ext>
-    </p:extLst>
-  </p:cSld>
-  <p:clrMapOvr>
-    <a:masterClrMapping/>
-  </p:clrMapOvr>
-</p:sld>
-</file>
-
-<file path=ppt/slides/slide14.xml><?xml version="1.0" encoding="utf-8"?>
-<p:sld xmlns:a="http://schemas.openxmlformats.org/drawingml/2006/main" xmlns:r="http://schemas.openxmlformats.org/officeDocument/2006/relationships" xmlns:p="http://schemas.openxmlformats.org/presentationml/2006/main">
-  <p:cSld>
-    <p:spTree>
-      <p:nvGrpSpPr>
-        <p:cNvPr id="1" name=""/>
-        <p:cNvGrpSpPr/>
-        <p:nvPr/>
-      </p:nvGrpSpPr>
-      <p:grpSpPr>
-        <a:xfrm>
-          <a:off x="0" y="0"/>
-          <a:ext cx="0" cy="0"/>
-          <a:chOff x="0" y="0"/>
-          <a:chExt cx="0" cy="0"/>
-        </a:xfrm>
-      </p:grpSpPr>
-      <p:sp>
-        <p:nvSpPr>
-          <p:cNvPr id="4" name="Round Diagonal Corner Rectangle 3"/>
-          <p:cNvSpPr/>
-          <p:nvPr/>
-        </p:nvSpPr>
-        <p:spPr>
-          <a:xfrm>
-            <a:off x="45026" y="58880"/>
-            <a:ext cx="206087" cy="2209800"/>
-          </a:xfrm>
-          <a:prstGeom prst="round2DiagRect">
-            <a:avLst/>
-          </a:prstGeom>
-          <a:solidFill>
-            <a:srgbClr val="0070C0"/>
-          </a:solidFill>
-          <a:ln>
-            <a:solidFill>
-              <a:srgbClr val="0070C0"/>
-            </a:solidFill>
-          </a:ln>
-        </p:spPr>
-        <p:style>
-          <a:lnRef idx="2">
-            <a:schemeClr val="accent3"/>
-          </a:lnRef>
-          <a:fillRef idx="1">
-            <a:schemeClr val="lt1"/>
-          </a:fillRef>
-          <a:effectRef idx="0">
-            <a:schemeClr val="accent3"/>
-          </a:effectRef>
-          <a:fontRef idx="minor">
-            <a:schemeClr val="dk1"/>
-          </a:fontRef>
-        </p:style>
-        <p:txBody>
-          <a:bodyPr rtlCol="0" anchor="ctr"/>
-          <a:lstStyle/>
-          <a:p>
-            <a:pPr algn="ctr"/>
-            <a:endParaRPr lang="en-US"/>
-          </a:p>
-        </p:txBody>
-      </p:sp>
-      <p:sp>
-        <p:nvSpPr>
-          <p:cNvPr id="5" name="Round Diagonal Corner Rectangle 4"/>
-          <p:cNvSpPr/>
-          <p:nvPr/>
-        </p:nvSpPr>
-        <p:spPr>
-          <a:xfrm>
-            <a:off x="45026" y="2313700"/>
-            <a:ext cx="206087" cy="4461170"/>
-          </a:xfrm>
-          <a:prstGeom prst="round2DiagRect">
-            <a:avLst/>
-          </a:prstGeom>
-          <a:solidFill>
-            <a:srgbClr val="00B0F0"/>
-          </a:solidFill>
-          <a:ln>
-            <a:solidFill>
-              <a:srgbClr val="00B0F0"/>
-            </a:solidFill>
-          </a:ln>
-        </p:spPr>
-        <p:style>
-          <a:lnRef idx="2">
-            <a:schemeClr val="accent3"/>
-          </a:lnRef>
-          <a:fillRef idx="1">
-            <a:schemeClr val="lt1"/>
-          </a:fillRef>
-          <a:effectRef idx="0">
-            <a:schemeClr val="accent3"/>
-          </a:effectRef>
-          <a:fontRef idx="minor">
-            <a:schemeClr val="dk1"/>
-          </a:fontRef>
-        </p:style>
-        <p:txBody>
-          <a:bodyPr rtlCol="0" anchor="ctr"/>
-          <a:lstStyle/>
-          <a:p>
-            <a:pPr algn="ctr"/>
-            <a:endParaRPr lang="en-US"/>
-          </a:p>
-        </p:txBody>
-      </p:sp>
-      <p:sp>
-        <p:nvSpPr>
-          <p:cNvPr id="9" name="Content Placeholder 2"/>
-          <p:cNvSpPr txBox="1">
-            <a:spLocks/>
-          </p:cNvSpPr>
-          <p:nvPr/>
-        </p:nvSpPr>
-        <p:spPr>
-          <a:xfrm>
-            <a:off x="3042062" y="1958439"/>
-            <a:ext cx="4730338" cy="1546761"/>
-          </a:xfrm>
-          <a:prstGeom prst="rect">
-            <a:avLst/>
-          </a:prstGeom>
-        </p:spPr>
-        <p:txBody>
-          <a:bodyPr vert="horz" lIns="91440" tIns="45720" rIns="91440" bIns="45720" rtlCol="0">
-            <a:normAutofit/>
-          </a:bodyPr>
-          <a:lstStyle>
-            <a:lvl1pPr marL="0" indent="0" algn="ctr" defTabSz="914400" rtl="0" eaLnBrk="1" latinLnBrk="0" hangingPunct="1">
-              <a:spcBef>
-                <a:spcPct val="20000"/>
-              </a:spcBef>
-              <a:buFont typeface="Arial" panose="020B0604020202020204" pitchFamily="34" charset="0"/>
-              <a:buNone/>
-              <a:defRPr sz="3200" kern="1200">
-                <a:solidFill>
-                  <a:schemeClr val="tx1">
-                    <a:tint val="75000"/>
-                  </a:schemeClr>
-                </a:solidFill>
-                <a:latin typeface="+mn-lt"/>
-                <a:ea typeface="+mn-ea"/>
-                <a:cs typeface="+mn-cs"/>
-              </a:defRPr>
-            </a:lvl1pPr>
-            <a:lvl2pPr marL="457200" indent="0" algn="ctr" defTabSz="914400" rtl="0" eaLnBrk="1" latinLnBrk="0" hangingPunct="1">
-              <a:spcBef>
-                <a:spcPct val="20000"/>
-              </a:spcBef>
-              <a:buFont typeface="Arial" panose="020B0604020202020204" pitchFamily="34" charset="0"/>
-              <a:buNone/>
-              <a:defRPr sz="2800" kern="1200">
-                <a:solidFill>
-                  <a:schemeClr val="tx1">
-                    <a:tint val="75000"/>
-                  </a:schemeClr>
-                </a:solidFill>
-                <a:latin typeface="+mn-lt"/>
-                <a:ea typeface="+mn-ea"/>
-                <a:cs typeface="+mn-cs"/>
-              </a:defRPr>
-            </a:lvl2pPr>
-            <a:lvl3pPr marL="914400" indent="0" algn="ctr" defTabSz="914400" rtl="0" eaLnBrk="1" latinLnBrk="0" hangingPunct="1">
-              <a:spcBef>
-                <a:spcPct val="20000"/>
-              </a:spcBef>
-              <a:buFont typeface="Arial" panose="020B0604020202020204" pitchFamily="34" charset="0"/>
-              <a:buNone/>
-              <a:defRPr sz="2400" kern="1200">
-                <a:solidFill>
-                  <a:schemeClr val="tx1">
-                    <a:tint val="75000"/>
-                  </a:schemeClr>
-                </a:solidFill>
-                <a:latin typeface="+mn-lt"/>
-                <a:ea typeface="+mn-ea"/>
-                <a:cs typeface="+mn-cs"/>
-              </a:defRPr>
-            </a:lvl3pPr>
-            <a:lvl4pPr marL="1371600" indent="0" algn="ctr" defTabSz="914400" rtl="0" eaLnBrk="1" latinLnBrk="0" hangingPunct="1">
-              <a:spcBef>
-                <a:spcPct val="20000"/>
-              </a:spcBef>
-              <a:buFont typeface="Arial" panose="020B0604020202020204" pitchFamily="34" charset="0"/>
-              <a:buNone/>
-              <a:defRPr sz="2000" kern="1200">
-                <a:solidFill>
-                  <a:schemeClr val="tx1">
-                    <a:tint val="75000"/>
-                  </a:schemeClr>
-                </a:solidFill>
-                <a:latin typeface="+mn-lt"/>
-                <a:ea typeface="+mn-ea"/>
-                <a:cs typeface="+mn-cs"/>
-              </a:defRPr>
-            </a:lvl4pPr>
-            <a:lvl5pPr marL="1828800" indent="0" algn="ctr" defTabSz="914400" rtl="0" eaLnBrk="1" latinLnBrk="0" hangingPunct="1">
-              <a:spcBef>
-                <a:spcPct val="20000"/>
-              </a:spcBef>
-              <a:buFont typeface="Arial" panose="020B0604020202020204" pitchFamily="34" charset="0"/>
-              <a:buNone/>
-              <a:defRPr sz="2000" kern="1200">
-                <a:solidFill>
-                  <a:schemeClr val="tx1">
-                    <a:tint val="75000"/>
-                  </a:schemeClr>
-                </a:solidFill>
-                <a:latin typeface="+mn-lt"/>
-                <a:ea typeface="+mn-ea"/>
-                <a:cs typeface="+mn-cs"/>
-              </a:defRPr>
-            </a:lvl5pPr>
-            <a:lvl6pPr marL="2286000" indent="0" algn="ctr" defTabSz="914400" rtl="0" eaLnBrk="1" latinLnBrk="0" hangingPunct="1">
-              <a:spcBef>
-                <a:spcPct val="20000"/>
-              </a:spcBef>
-              <a:buFont typeface="Arial" panose="020B0604020202020204" pitchFamily="34" charset="0"/>
-              <a:buNone/>
-              <a:defRPr sz="2000" kern="1200">
-                <a:solidFill>
-                  <a:schemeClr val="tx1">
-                    <a:tint val="75000"/>
-                  </a:schemeClr>
-                </a:solidFill>
-                <a:latin typeface="+mn-lt"/>
-                <a:ea typeface="+mn-ea"/>
-                <a:cs typeface="+mn-cs"/>
-              </a:defRPr>
-            </a:lvl6pPr>
-            <a:lvl7pPr marL="2743200" indent="0" algn="ctr" defTabSz="914400" rtl="0" eaLnBrk="1" latinLnBrk="0" hangingPunct="1">
-              <a:spcBef>
-                <a:spcPct val="20000"/>
-              </a:spcBef>
-              <a:buFont typeface="Arial" panose="020B0604020202020204" pitchFamily="34" charset="0"/>
-              <a:buNone/>
-              <a:defRPr sz="2000" kern="1200">
-                <a:solidFill>
-                  <a:schemeClr val="tx1">
-                    <a:tint val="75000"/>
-                  </a:schemeClr>
-                </a:solidFill>
-                <a:latin typeface="+mn-lt"/>
-                <a:ea typeface="+mn-ea"/>
-                <a:cs typeface="+mn-cs"/>
-              </a:defRPr>
-            </a:lvl7pPr>
-            <a:lvl8pPr marL="3200400" indent="0" algn="ctr" defTabSz="914400" rtl="0" eaLnBrk="1" latinLnBrk="0" hangingPunct="1">
-              <a:spcBef>
-                <a:spcPct val="20000"/>
-              </a:spcBef>
-              <a:buFont typeface="Arial" panose="020B0604020202020204" pitchFamily="34" charset="0"/>
-              <a:buNone/>
-              <a:defRPr sz="2000" kern="1200">
-                <a:solidFill>
-                  <a:schemeClr val="tx1">
-                    <a:tint val="75000"/>
-                  </a:schemeClr>
-                </a:solidFill>
-                <a:latin typeface="+mn-lt"/>
-                <a:ea typeface="+mn-ea"/>
-                <a:cs typeface="+mn-cs"/>
-              </a:defRPr>
-            </a:lvl8pPr>
-            <a:lvl9pPr marL="3657600" indent="0" algn="ctr" defTabSz="914400" rtl="0" eaLnBrk="1" latinLnBrk="0" hangingPunct="1">
-              <a:spcBef>
-                <a:spcPct val="20000"/>
-              </a:spcBef>
-              <a:buFont typeface="Arial" panose="020B0604020202020204" pitchFamily="34" charset="0"/>
-              <a:buNone/>
-              <a:defRPr sz="2000" kern="1200">
-                <a:solidFill>
-                  <a:schemeClr val="tx1">
-                    <a:tint val="75000"/>
-                  </a:schemeClr>
-                </a:solidFill>
-                <a:latin typeface="+mn-lt"/>
-                <a:ea typeface="+mn-ea"/>
-                <a:cs typeface="+mn-cs"/>
-              </a:defRPr>
-            </a:lvl9pPr>
-          </a:lstStyle>
-          <a:p>
-            <a:pPr lvl="1" algn="l"/>
-            <a:endParaRPr lang="en-IN" sz="4000" dirty="0">
-              <a:solidFill>
-                <a:srgbClr val="0055A0"/>
-              </a:solidFill>
-            </a:endParaRPr>
-          </a:p>
-          <a:p>
-            <a:pPr lvl="1" algn="l"/>
-            <a:r>
-              <a:rPr lang="en-IN" sz="4000" dirty="0">
-                <a:solidFill>
-                  <a:srgbClr val="0055A0"/>
-                </a:solidFill>
-              </a:rPr>
-              <a:t>Thank You</a:t>
-            </a:r>
-          </a:p>
-        </p:txBody>
-      </p:sp>
-    </p:spTree>
-    <p:extLst>
-      <p:ext uri="{BB962C8B-B14F-4D97-AF65-F5344CB8AC3E}">
-        <p14:creationId xmlns:p14="http://schemas.microsoft.com/office/powerpoint/2010/main" val="3724216054"/>
-      </p:ext>
-    </p:extLst>
-  </p:cSld>
-  <p:clrMapOvr>
-    <a:masterClrMapping/>
-  </p:clrMapOvr>
-</p:sld>
-</file>
-
-<file path=ppt/slides/slide2.xml><?xml version="1.0" encoding="utf-8"?>
-<p:sld xmlns:a="http://schemas.openxmlformats.org/drawingml/2006/main" xmlns:r="http://schemas.openxmlformats.org/officeDocument/2006/relationships" xmlns:p="http://schemas.openxmlformats.org/presentationml/2006/main">
-  <p:cSld>
-    <p:spTree>
-      <p:nvGrpSpPr>
-        <p:cNvPr id="1" name=""/>
-        <p:cNvGrpSpPr/>
-        <p:nvPr/>
-      </p:nvGrpSpPr>
-      <p:grpSpPr>
-        <a:xfrm>
-          <a:off x="0" y="0"/>
-          <a:ext cx="0" cy="0"/>
-          <a:chOff x="0" y="0"/>
-          <a:chExt cx="0" cy="0"/>
-        </a:xfrm>
-      </p:grpSpPr>
-      <p:sp>
-        <p:nvSpPr>
-          <p:cNvPr id="2" name="Title 1">
-            <a:extLst>
-              <a:ext uri="{FF2B5EF4-FFF2-40B4-BE49-F238E27FC236}">
-                <a16:creationId xmlns:a16="http://schemas.microsoft.com/office/drawing/2014/main" id="{543925F3-AEA9-4425-BE85-A907329B807D}"/>
-              </a:ext>
-            </a:extLst>
-          </p:cNvPr>
-          <p:cNvSpPr>
-            <a:spLocks noGrp="1"/>
-          </p:cNvSpPr>
-          <p:nvPr>
-            <p:ph type="title"/>
-          </p:nvPr>
-        </p:nvSpPr>
-        <p:spPr/>
-        <p:txBody>
-          <a:bodyPr>
-            <a:normAutofit/>
-          </a:bodyPr>
-          <a:lstStyle/>
-          <a:p>
-            <a:pPr algn="l"/>
-            <a:r>
-              <a:rPr lang="en-US" sz="4000" dirty="0"/>
-              <a:t>Introduction</a:t>
-            </a:r>
-          </a:p>
-        </p:txBody>
-      </p:sp>
-      <p:sp>
-        <p:nvSpPr>
-          <p:cNvPr id="3" name="Content Placeholder 2">
-            <a:extLst>
-              <a:ext uri="{FF2B5EF4-FFF2-40B4-BE49-F238E27FC236}">
-                <a16:creationId xmlns:a16="http://schemas.microsoft.com/office/drawing/2014/main" id="{58171DD3-3E42-48DF-95D4-3408C189D523}"/>
-              </a:ext>
-            </a:extLst>
-          </p:cNvPr>
-          <p:cNvSpPr>
-            <a:spLocks noGrp="1"/>
-          </p:cNvSpPr>
-          <p:nvPr>
-            <p:ph idx="1"/>
-          </p:nvPr>
-        </p:nvSpPr>
-        <p:spPr>
-          <a:xfrm>
-            <a:off x="457200" y="1295400"/>
-            <a:ext cx="8686800" cy="5562600"/>
-          </a:xfrm>
-        </p:spPr>
-        <p:txBody>
-          <a:bodyPr>
-            <a:normAutofit/>
-          </a:bodyPr>
-          <a:lstStyle/>
-          <a:p>
-            <a:r>
-              <a:rPr lang="en-US" sz="2400" dirty="0"/>
-              <a:t>People avail vehicle loan from banks to buy their dream cars. Car loans have taken off in India witnessing an increase in growth of 18-20% which is a huge increase in 2019.</a:t>
-            </a:r>
-          </a:p>
-          <a:p>
-            <a:r>
-              <a:rPr lang="en-US" sz="2400" dirty="0"/>
-              <a:t>Bank and vehicle finance companies are making this dream come true by providing the vehicle loan facility.</a:t>
-            </a:r>
-          </a:p>
-          <a:p>
-            <a:r>
-              <a:rPr lang="en-US" sz="2400" dirty="0"/>
-              <a:t>Indian Banks has lost 200 Crore Rupees each year due to defaulters.</a:t>
-            </a:r>
-          </a:p>
-          <a:p>
-            <a:r>
-              <a:rPr lang="en-US" sz="2400" dirty="0"/>
-              <a:t>Financing a vehicle involves a lot of technicalities like the kind of vehicle to be financed, the route on which the vehicle will be plying, the operating expenses of the customer, etc. </a:t>
-            </a:r>
-          </a:p>
-          <a:p>
-            <a:r>
-              <a:rPr lang="en-US" sz="2400" dirty="0"/>
-              <a:t>It is also being influenced by processing fee, loan clearance time, requirement of documentation and methodology being followed in computation of interest.</a:t>
-            </a:r>
-          </a:p>
-          <a:p>
-            <a:endParaRPr lang="en-US" sz="2800" dirty="0"/>
-          </a:p>
-          <a:p>
-            <a:endParaRPr lang="en-US" dirty="0"/>
-          </a:p>
-        </p:txBody>
-      </p:sp>
-    </p:spTree>
-    <p:extLst>
-      <p:ext uri="{BB962C8B-B14F-4D97-AF65-F5344CB8AC3E}">
-        <p14:creationId xmlns:p14="http://schemas.microsoft.com/office/powerpoint/2010/main" val="3561413167"/>
-      </p:ext>
-    </p:extLst>
-  </p:cSld>
-  <p:clrMapOvr>
-    <a:masterClrMapping/>
-  </p:clrMapOvr>
-</p:sld>
-</file>
-
-<file path=ppt/slides/slide3.xml><?xml version="1.0" encoding="utf-8"?>
-<p:sld xmlns:a="http://schemas.openxmlformats.org/drawingml/2006/main" xmlns:r="http://schemas.openxmlformats.org/officeDocument/2006/relationships" xmlns:p="http://schemas.openxmlformats.org/presentationml/2006/main">
-  <p:cSld>
-    <p:spTree>
-      <p:nvGrpSpPr>
-        <p:cNvPr id="1" name=""/>
-        <p:cNvGrpSpPr/>
-        <p:nvPr/>
-      </p:nvGrpSpPr>
-      <p:grpSpPr>
-        <a:xfrm>
-          <a:off x="0" y="0"/>
-          <a:ext cx="0" cy="0"/>
-          <a:chOff x="0" y="0"/>
-          <a:chExt cx="0" cy="0"/>
-        </a:xfrm>
-      </p:grpSpPr>
-      <p:sp>
-        <p:nvSpPr>
-          <p:cNvPr id="4" name="Round Diagonal Corner Rectangle 3"/>
-          <p:cNvSpPr/>
-          <p:nvPr/>
-        </p:nvSpPr>
-        <p:spPr>
-          <a:xfrm>
-            <a:off x="45026" y="58880"/>
-            <a:ext cx="206087" cy="2209800"/>
-          </a:xfrm>
-          <a:prstGeom prst="round2DiagRect">
-            <a:avLst/>
-          </a:prstGeom>
-          <a:solidFill>
-            <a:srgbClr val="0070C0"/>
-          </a:solidFill>
-          <a:ln>
-            <a:solidFill>
-              <a:srgbClr val="0070C0"/>
-            </a:solidFill>
-          </a:ln>
-        </p:spPr>
-        <p:style>
-          <a:lnRef idx="2">
-            <a:schemeClr val="accent3"/>
-          </a:lnRef>
-          <a:fillRef idx="1">
-            <a:schemeClr val="lt1"/>
-          </a:fillRef>
-          <a:effectRef idx="0">
-            <a:schemeClr val="accent3"/>
-          </a:effectRef>
-          <a:fontRef idx="minor">
-            <a:schemeClr val="dk1"/>
-          </a:fontRef>
-        </p:style>
-        <p:txBody>
-          <a:bodyPr rtlCol="0" anchor="ctr"/>
-          <a:lstStyle/>
-          <a:p>
-            <a:pPr algn="ctr"/>
-            <a:endParaRPr lang="en-US"/>
-          </a:p>
-        </p:txBody>
-      </p:sp>
-      <p:sp>
-        <p:nvSpPr>
-          <p:cNvPr id="5" name="Round Diagonal Corner Rectangle 4"/>
-          <p:cNvSpPr/>
-          <p:nvPr/>
-        </p:nvSpPr>
-        <p:spPr>
-          <a:xfrm>
-            <a:off x="45026" y="2313700"/>
-            <a:ext cx="206087" cy="4461170"/>
-          </a:xfrm>
-          <a:prstGeom prst="round2DiagRect">
-            <a:avLst/>
-          </a:prstGeom>
-          <a:solidFill>
-            <a:srgbClr val="00B0F0"/>
-          </a:solidFill>
-          <a:ln>
-            <a:solidFill>
-              <a:srgbClr val="00B0F0"/>
-            </a:solidFill>
-          </a:ln>
-        </p:spPr>
-        <p:style>
-          <a:lnRef idx="2">
-            <a:schemeClr val="accent3"/>
-          </a:lnRef>
-          <a:fillRef idx="1">
-            <a:schemeClr val="lt1"/>
-          </a:fillRef>
-          <a:effectRef idx="0">
-            <a:schemeClr val="accent3"/>
-          </a:effectRef>
-          <a:fontRef idx="minor">
-            <a:schemeClr val="dk1"/>
-          </a:fontRef>
-        </p:style>
-        <p:txBody>
-          <a:bodyPr rtlCol="0" anchor="ctr"/>
-          <a:lstStyle/>
-          <a:p>
-            <a:pPr algn="ctr"/>
-            <a:endParaRPr lang="en-US"/>
-          </a:p>
-        </p:txBody>
-      </p:sp>
-      <p:sp>
-        <p:nvSpPr>
-          <p:cNvPr id="30" name="Content Placeholder 2"/>
-          <p:cNvSpPr txBox="1">
-            <a:spLocks/>
-          </p:cNvSpPr>
-          <p:nvPr/>
-        </p:nvSpPr>
-        <p:spPr>
-          <a:xfrm>
-            <a:off x="429658" y="980501"/>
-            <a:ext cx="8485742" cy="5648899"/>
-          </a:xfrm>
-          <a:prstGeom prst="rect">
-            <a:avLst/>
-          </a:prstGeom>
-        </p:spPr>
-        <p:txBody>
-          <a:bodyPr vert="horz" lIns="91440" tIns="45720" rIns="91440" bIns="45720" rtlCol="0">
-            <a:normAutofit/>
-          </a:bodyPr>
-          <a:lstStyle>
-            <a:lvl1pPr marL="0" indent="0" algn="ctr" defTabSz="914400" rtl="0" eaLnBrk="1" latinLnBrk="0" hangingPunct="1">
-              <a:spcBef>
-                <a:spcPct val="20000"/>
-              </a:spcBef>
-              <a:buFont typeface="Arial" panose="020B0604020202020204" pitchFamily="34" charset="0"/>
-              <a:buNone/>
-              <a:defRPr sz="3200" kern="1200">
-                <a:solidFill>
-                  <a:schemeClr val="tx1">
-                    <a:tint val="75000"/>
-                  </a:schemeClr>
-                </a:solidFill>
-                <a:latin typeface="+mn-lt"/>
-                <a:ea typeface="+mn-ea"/>
-                <a:cs typeface="+mn-cs"/>
-              </a:defRPr>
-            </a:lvl1pPr>
-            <a:lvl2pPr marL="457200" indent="0" algn="ctr" defTabSz="914400" rtl="0" eaLnBrk="1" latinLnBrk="0" hangingPunct="1">
-              <a:spcBef>
-                <a:spcPct val="20000"/>
-              </a:spcBef>
-              <a:buFont typeface="Arial" panose="020B0604020202020204" pitchFamily="34" charset="0"/>
-              <a:buNone/>
-              <a:defRPr sz="2800" kern="1200">
-                <a:solidFill>
-                  <a:schemeClr val="tx1">
-                    <a:tint val="75000"/>
-                  </a:schemeClr>
-                </a:solidFill>
-                <a:latin typeface="+mn-lt"/>
-                <a:ea typeface="+mn-ea"/>
-                <a:cs typeface="+mn-cs"/>
-              </a:defRPr>
-            </a:lvl2pPr>
-            <a:lvl3pPr marL="914400" indent="0" algn="ctr" defTabSz="914400" rtl="0" eaLnBrk="1" latinLnBrk="0" hangingPunct="1">
-              <a:spcBef>
-                <a:spcPct val="20000"/>
-              </a:spcBef>
-              <a:buFont typeface="Arial" panose="020B0604020202020204" pitchFamily="34" charset="0"/>
-              <a:buNone/>
-              <a:defRPr sz="2400" kern="1200">
-                <a:solidFill>
-                  <a:schemeClr val="tx1">
-                    <a:tint val="75000"/>
-                  </a:schemeClr>
-                </a:solidFill>
-                <a:latin typeface="+mn-lt"/>
-                <a:ea typeface="+mn-ea"/>
-                <a:cs typeface="+mn-cs"/>
-              </a:defRPr>
-            </a:lvl3pPr>
-            <a:lvl4pPr marL="1371600" indent="0" algn="ctr" defTabSz="914400" rtl="0" eaLnBrk="1" latinLnBrk="0" hangingPunct="1">
-              <a:spcBef>
-                <a:spcPct val="20000"/>
-              </a:spcBef>
-              <a:buFont typeface="Arial" panose="020B0604020202020204" pitchFamily="34" charset="0"/>
-              <a:buNone/>
-              <a:defRPr sz="2000" kern="1200">
-                <a:solidFill>
-                  <a:schemeClr val="tx1">
-                    <a:tint val="75000"/>
-                  </a:schemeClr>
-                </a:solidFill>
-                <a:latin typeface="+mn-lt"/>
-                <a:ea typeface="+mn-ea"/>
-                <a:cs typeface="+mn-cs"/>
-              </a:defRPr>
-            </a:lvl4pPr>
-            <a:lvl5pPr marL="1828800" indent="0" algn="ctr" defTabSz="914400" rtl="0" eaLnBrk="1" latinLnBrk="0" hangingPunct="1">
-              <a:spcBef>
-                <a:spcPct val="20000"/>
-              </a:spcBef>
-              <a:buFont typeface="Arial" panose="020B0604020202020204" pitchFamily="34" charset="0"/>
-              <a:buNone/>
-              <a:defRPr sz="2000" kern="1200">
-                <a:solidFill>
-                  <a:schemeClr val="tx1">
-                    <a:tint val="75000"/>
-                  </a:schemeClr>
-                </a:solidFill>
-                <a:latin typeface="+mn-lt"/>
-                <a:ea typeface="+mn-ea"/>
-                <a:cs typeface="+mn-cs"/>
-              </a:defRPr>
-            </a:lvl5pPr>
-            <a:lvl6pPr marL="2286000" indent="0" algn="ctr" defTabSz="914400" rtl="0" eaLnBrk="1" latinLnBrk="0" hangingPunct="1">
-              <a:spcBef>
-                <a:spcPct val="20000"/>
-              </a:spcBef>
-              <a:buFont typeface="Arial" panose="020B0604020202020204" pitchFamily="34" charset="0"/>
-              <a:buNone/>
-              <a:defRPr sz="2000" kern="1200">
-                <a:solidFill>
-                  <a:schemeClr val="tx1">
-                    <a:tint val="75000"/>
-                  </a:schemeClr>
-                </a:solidFill>
-                <a:latin typeface="+mn-lt"/>
-                <a:ea typeface="+mn-ea"/>
-                <a:cs typeface="+mn-cs"/>
-              </a:defRPr>
-            </a:lvl6pPr>
-            <a:lvl7pPr marL="2743200" indent="0" algn="ctr" defTabSz="914400" rtl="0" eaLnBrk="1" latinLnBrk="0" hangingPunct="1">
-              <a:spcBef>
-                <a:spcPct val="20000"/>
-              </a:spcBef>
-              <a:buFont typeface="Arial" panose="020B0604020202020204" pitchFamily="34" charset="0"/>
-              <a:buNone/>
-              <a:defRPr sz="2000" kern="1200">
-                <a:solidFill>
-                  <a:schemeClr val="tx1">
-                    <a:tint val="75000"/>
-                  </a:schemeClr>
-                </a:solidFill>
-                <a:latin typeface="+mn-lt"/>
-                <a:ea typeface="+mn-ea"/>
-                <a:cs typeface="+mn-cs"/>
-              </a:defRPr>
-            </a:lvl7pPr>
-            <a:lvl8pPr marL="3200400" indent="0" algn="ctr" defTabSz="914400" rtl="0" eaLnBrk="1" latinLnBrk="0" hangingPunct="1">
-              <a:spcBef>
-                <a:spcPct val="20000"/>
-              </a:spcBef>
-              <a:buFont typeface="Arial" panose="020B0604020202020204" pitchFamily="34" charset="0"/>
-              <a:buNone/>
-              <a:defRPr sz="2000" kern="1200">
-                <a:solidFill>
-                  <a:schemeClr val="tx1">
-                    <a:tint val="75000"/>
-                  </a:schemeClr>
-                </a:solidFill>
-                <a:latin typeface="+mn-lt"/>
-                <a:ea typeface="+mn-ea"/>
-                <a:cs typeface="+mn-cs"/>
-              </a:defRPr>
-            </a:lvl8pPr>
-            <a:lvl9pPr marL="3657600" indent="0" algn="ctr" defTabSz="914400" rtl="0" eaLnBrk="1" latinLnBrk="0" hangingPunct="1">
-              <a:spcBef>
-                <a:spcPct val="20000"/>
-              </a:spcBef>
-              <a:buFont typeface="Arial" panose="020B0604020202020204" pitchFamily="34" charset="0"/>
-              <a:buNone/>
-              <a:defRPr sz="2000" kern="1200">
-                <a:solidFill>
-                  <a:schemeClr val="tx1">
-                    <a:tint val="75000"/>
-                  </a:schemeClr>
-                </a:solidFill>
-                <a:latin typeface="+mn-lt"/>
-                <a:ea typeface="+mn-ea"/>
-                <a:cs typeface="+mn-cs"/>
-              </a:defRPr>
-            </a:lvl9pPr>
-          </a:lstStyle>
-          <a:p>
-            <a:pPr algn="l"/>
-            <a:r>
-              <a:rPr lang="en-IN" sz="2400" dirty="0">
-                <a:solidFill>
-                  <a:srgbClr val="0055A0"/>
-                </a:solidFill>
-              </a:rPr>
-              <a:t>Reduce bad loans by filtering out potential defaulting customers and identify potential non-defaulters so as to offer good LTV for their loan.</a:t>
-            </a:r>
-          </a:p>
-          <a:p>
-            <a:pPr algn="l"/>
-            <a:r>
-              <a:rPr lang="en-IN" sz="2400">
-                <a:solidFill>
-                  <a:srgbClr val="0055A0"/>
-                </a:solidFill>
-              </a:rPr>
-              <a:t>We are using ML algorithms to predict whether up to a statistical degree whether he default in his first EMI payment or not.</a:t>
-            </a:r>
-          </a:p>
-          <a:p>
-            <a:pPr algn="l"/>
-            <a:endParaRPr lang="en-US" sz="2400" dirty="0">
-              <a:solidFill>
-                <a:srgbClr val="0055A0"/>
-              </a:solidFill>
-            </a:endParaRPr>
-          </a:p>
-          <a:p>
-            <a:pPr marL="342900" indent="-342900" algn="l">
-              <a:buFont typeface="Wingdings" panose="05000000000000000000" pitchFamily="2" charset="2"/>
-              <a:buChar char="Ø"/>
-            </a:pPr>
-            <a:endParaRPr lang="en-IN" sz="2400" dirty="0">
-              <a:solidFill>
-                <a:srgbClr val="0055A0"/>
-              </a:solidFill>
-            </a:endParaRPr>
-          </a:p>
-          <a:p>
-            <a:pPr marL="342900" indent="-342900" algn="l">
-              <a:buFont typeface="Wingdings" panose="05000000000000000000" pitchFamily="2" charset="2"/>
-              <a:buChar char="Ø"/>
-            </a:pPr>
-            <a:endParaRPr lang="en-IN" sz="2400" dirty="0">
-              <a:solidFill>
-                <a:srgbClr val="0055A0"/>
-              </a:solidFill>
-            </a:endParaRPr>
-          </a:p>
-        </p:txBody>
-      </p:sp>
-      <p:sp>
-        <p:nvSpPr>
-          <p:cNvPr id="31" name="TextBox 30"/>
-          <p:cNvSpPr txBox="1"/>
-          <p:nvPr/>
-        </p:nvSpPr>
-        <p:spPr>
-          <a:xfrm>
-            <a:off x="454231" y="54114"/>
-            <a:ext cx="8537369" cy="707886"/>
-          </a:xfrm>
-          <a:prstGeom prst="rect">
-            <a:avLst/>
-          </a:prstGeom>
-          <a:noFill/>
-        </p:spPr>
-        <p:txBody>
-          <a:bodyPr wrap="square" rtlCol="0">
-            <a:spAutoFit/>
-          </a:bodyPr>
-          <a:lstStyle/>
-          <a:p>
-            <a:r>
-              <a:rPr lang="en-US" sz="4000" dirty="0">
-                <a:ea typeface="굴림" panose="020B0600000101010101" pitchFamily="34" charset="-127"/>
-              </a:rPr>
-              <a:t>Problem Definition</a:t>
-            </a:r>
-            <a:endParaRPr lang="en-US" sz="4000" b="1" dirty="0"/>
-          </a:p>
-        </p:txBody>
-      </p:sp>
-    </p:spTree>
-    <p:extLst>
-      <p:ext uri="{BB962C8B-B14F-4D97-AF65-F5344CB8AC3E}">
-        <p14:creationId xmlns:p14="http://schemas.microsoft.com/office/powerpoint/2010/main" val="3761210359"/>
-      </p:ext>
-    </p:extLst>
-  </p:cSld>
-  <p:clrMapOvr>
-    <a:masterClrMapping/>
-  </p:clrMapOvr>
-</p:sld>
-</file>
-
-<file path=ppt/slides/slide4.xml><?xml version="1.0" encoding="utf-8"?>
-<p:sld xmlns:a="http://schemas.openxmlformats.org/drawingml/2006/main" xmlns:r="http://schemas.openxmlformats.org/officeDocument/2006/relationships" xmlns:p="http://schemas.openxmlformats.org/presentationml/2006/main">
-  <p:cSld>
-    <p:spTree>
-      <p:nvGrpSpPr>
-        <p:cNvPr id="1" name=""/>
-        <p:cNvGrpSpPr/>
-        <p:nvPr/>
-      </p:nvGrpSpPr>
-      <p:grpSpPr>
-        <a:xfrm>
-          <a:off x="0" y="0"/>
-          <a:ext cx="0" cy="0"/>
-          <a:chOff x="0" y="0"/>
-          <a:chExt cx="0" cy="0"/>
-        </a:xfrm>
-      </p:grpSpPr>
-      <p:sp>
-        <p:nvSpPr>
-          <p:cNvPr id="4" name="Round Diagonal Corner Rectangle 3"/>
-          <p:cNvSpPr/>
-          <p:nvPr/>
-        </p:nvSpPr>
-        <p:spPr>
-          <a:xfrm>
-            <a:off x="45026" y="58880"/>
-            <a:ext cx="206087" cy="2209800"/>
-          </a:xfrm>
-          <a:prstGeom prst="round2DiagRect">
-            <a:avLst/>
-          </a:prstGeom>
-          <a:solidFill>
-            <a:srgbClr val="0070C0"/>
-          </a:solidFill>
-          <a:ln>
-            <a:solidFill>
-              <a:srgbClr val="0070C0"/>
-            </a:solidFill>
-          </a:ln>
-        </p:spPr>
-        <p:style>
-          <a:lnRef idx="2">
-            <a:schemeClr val="accent3"/>
-          </a:lnRef>
-          <a:fillRef idx="1">
-            <a:schemeClr val="lt1"/>
-          </a:fillRef>
-          <a:effectRef idx="0">
-            <a:schemeClr val="accent3"/>
-          </a:effectRef>
-          <a:fontRef idx="minor">
-            <a:schemeClr val="dk1"/>
-          </a:fontRef>
-        </p:style>
-        <p:txBody>
-          <a:bodyPr rtlCol="0" anchor="ctr"/>
-          <a:lstStyle/>
-          <a:p>
-            <a:pPr algn="ctr"/>
-            <a:endParaRPr lang="en-US"/>
-          </a:p>
-        </p:txBody>
-      </p:sp>
-      <p:sp>
-        <p:nvSpPr>
-          <p:cNvPr id="5" name="Round Diagonal Corner Rectangle 4"/>
-          <p:cNvSpPr/>
-          <p:nvPr/>
-        </p:nvSpPr>
-        <p:spPr>
-          <a:xfrm>
-            <a:off x="45026" y="2313700"/>
-            <a:ext cx="206087" cy="4461170"/>
-          </a:xfrm>
-          <a:prstGeom prst="round2DiagRect">
-            <a:avLst/>
-          </a:prstGeom>
-          <a:solidFill>
-            <a:srgbClr val="00B0F0"/>
-          </a:solidFill>
-          <a:ln>
-            <a:solidFill>
-              <a:srgbClr val="00B0F0"/>
-            </a:solidFill>
-          </a:ln>
-        </p:spPr>
-        <p:style>
-          <a:lnRef idx="2">
-            <a:schemeClr val="accent3"/>
-          </a:lnRef>
-          <a:fillRef idx="1">
-            <a:schemeClr val="lt1"/>
-          </a:fillRef>
-          <a:effectRef idx="0">
-            <a:schemeClr val="accent3"/>
-          </a:effectRef>
-          <a:fontRef idx="minor">
-            <a:schemeClr val="dk1"/>
-          </a:fontRef>
-        </p:style>
-        <p:txBody>
-          <a:bodyPr rtlCol="0" anchor="ctr"/>
-          <a:lstStyle/>
-          <a:p>
-            <a:pPr algn="ctr"/>
-            <a:endParaRPr lang="en-US"/>
-          </a:p>
-        </p:txBody>
-      </p:sp>
-      <p:sp>
-        <p:nvSpPr>
-          <p:cNvPr id="6" name="TextBox 5"/>
-          <p:cNvSpPr txBox="1"/>
-          <p:nvPr/>
-        </p:nvSpPr>
-        <p:spPr>
-          <a:xfrm>
-            <a:off x="457200" y="751820"/>
-            <a:ext cx="8001000" cy="523220"/>
-          </a:xfrm>
-          <a:prstGeom prst="rect">
-            <a:avLst/>
-          </a:prstGeom>
-          <a:noFill/>
-        </p:spPr>
-        <p:txBody>
-          <a:bodyPr wrap="square" rtlCol="0">
-            <a:spAutoFit/>
-          </a:bodyPr>
-          <a:lstStyle/>
-          <a:p>
-            <a:r>
-              <a:rPr lang="en-US" sz="2800" b="1" dirty="0">
-                <a:latin typeface="+mj-lt"/>
-                <a:cs typeface="Times New Roman" pitchFamily="18" charset="0"/>
-              </a:rPr>
-              <a:t>Data Dictionary:</a:t>
-            </a:r>
-          </a:p>
-        </p:txBody>
-      </p:sp>
-      <p:sp>
-        <p:nvSpPr>
-          <p:cNvPr id="9" name="TextBox 8"/>
-          <p:cNvSpPr txBox="1"/>
-          <p:nvPr/>
-        </p:nvSpPr>
-        <p:spPr>
-          <a:xfrm>
-            <a:off x="518562" y="1275040"/>
-            <a:ext cx="8305800" cy="2862322"/>
-          </a:xfrm>
-          <a:prstGeom prst="rect">
-            <a:avLst/>
-          </a:prstGeom>
-          <a:noFill/>
-        </p:spPr>
-        <p:txBody>
-          <a:bodyPr wrap="square" rtlCol="0">
-            <a:spAutoFit/>
-          </a:bodyPr>
-          <a:lstStyle/>
-          <a:p>
-            <a:r>
-              <a:rPr lang="en-US" dirty="0">
-                <a:hlinkClick r:id="rId2"/>
-              </a:rPr>
-              <a:t>https://www.kaggle.com/mamtadhaker/lt-vehicle-loan-default-prediction</a:t>
-            </a:r>
-            <a:endParaRPr lang="en-US" dirty="0"/>
-          </a:p>
-          <a:p>
-            <a:endParaRPr lang="en-US" dirty="0"/>
-          </a:p>
-          <a:p>
-            <a:r>
-              <a:rPr lang="en-US" dirty="0"/>
-              <a:t>The Dataset contains 233154 Rows and 41 Columns</a:t>
-            </a:r>
-          </a:p>
-          <a:p>
-            <a:pPr marL="285750" indent="-285750">
-              <a:buFont typeface="Arial" pitchFamily="34" charset="0"/>
-              <a:buChar char="•"/>
-            </a:pPr>
-            <a:r>
-              <a:rPr lang="en-US" dirty="0"/>
-              <a:t>14 Numerical columns,2 </a:t>
-            </a:r>
-            <a:r>
-              <a:rPr lang="en-US" dirty="0" err="1"/>
-              <a:t>Datetype</a:t>
-            </a:r>
-            <a:r>
-              <a:rPr lang="en-US" dirty="0"/>
-              <a:t> columns and 25 Categorical columns</a:t>
-            </a:r>
-          </a:p>
-          <a:p>
-            <a:pPr marL="285750" indent="-285750">
-              <a:buFont typeface="Arial" pitchFamily="34" charset="0"/>
-              <a:buChar char="•"/>
-            </a:pPr>
-            <a:r>
-              <a:rPr lang="en-US" dirty="0"/>
-              <a:t>The Only column with missing values is Employment Type. It has 7661 missing values which is about 3.3%  of the data </a:t>
-            </a:r>
-          </a:p>
-          <a:p>
-            <a:pPr marL="285750" indent="-285750">
-              <a:buFont typeface="Arial" pitchFamily="34" charset="0"/>
-              <a:buChar char="•"/>
-            </a:pPr>
-            <a:r>
-              <a:rPr lang="en-US" dirty="0"/>
-              <a:t>Current Balance has 1,50,000 Entries as zero, out of which 70,000 entries have applied for their first loan </a:t>
-            </a:r>
-          </a:p>
-          <a:p>
-            <a:pPr marL="285750" indent="-285750">
-              <a:buFont typeface="Arial" pitchFamily="34" charset="0"/>
-              <a:buChar char="•"/>
-            </a:pPr>
-            <a:endParaRPr lang="en-US" dirty="0"/>
-          </a:p>
-          <a:p>
-            <a:endParaRPr lang="en-US" dirty="0"/>
-          </a:p>
-        </p:txBody>
-      </p:sp>
-      <p:sp>
-        <p:nvSpPr>
-          <p:cNvPr id="8" name="TextBox 7"/>
-          <p:cNvSpPr txBox="1"/>
-          <p:nvPr/>
-        </p:nvSpPr>
-        <p:spPr>
-          <a:xfrm>
-            <a:off x="536237" y="3783419"/>
-            <a:ext cx="8277682" cy="1754326"/>
-          </a:xfrm>
-          <a:prstGeom prst="rect">
-            <a:avLst/>
-          </a:prstGeom>
-          <a:noFill/>
-        </p:spPr>
-        <p:txBody>
-          <a:bodyPr wrap="square" rtlCol="0">
-            <a:spAutoFit/>
-          </a:bodyPr>
-          <a:lstStyle/>
-          <a:p>
-            <a:r>
-              <a:rPr lang="en-US" dirty="0"/>
-              <a:t>There are few possible columns which can be requested to better predict the data , namely –</a:t>
-            </a:r>
-          </a:p>
-          <a:p>
-            <a:pPr marL="342900" indent="-342900">
-              <a:buFont typeface="+mj-lt"/>
-              <a:buAutoNum type="arabicPeriod"/>
-            </a:pPr>
-            <a:r>
-              <a:rPr lang="en-US" dirty="0"/>
-              <a:t>Interest Rate : The Interest rate which is charged for the current Loan.</a:t>
-            </a:r>
-          </a:p>
-          <a:p>
-            <a:pPr marL="342900" indent="-342900">
-              <a:buFont typeface="+mj-lt"/>
-              <a:buAutoNum type="arabicPeriod"/>
-            </a:pPr>
-            <a:r>
-              <a:rPr lang="en-US" dirty="0"/>
-              <a:t>Total Previous loan : Total Amount of loan which was availed by the customer before taking the current loan.</a:t>
-            </a:r>
-          </a:p>
-          <a:p>
-            <a:pPr marL="342900" indent="-342900">
-              <a:buFont typeface="+mj-lt"/>
-              <a:buAutoNum type="arabicPeriod"/>
-            </a:pPr>
-            <a:r>
-              <a:rPr lang="en-US" dirty="0"/>
-              <a:t>Age of the vehicle : zero for new vehicle and no of years if it’s a used vehicle.</a:t>
-            </a:r>
-          </a:p>
-        </p:txBody>
-      </p:sp>
-    </p:spTree>
-    <p:extLst>
-      <p:ext uri="{BB962C8B-B14F-4D97-AF65-F5344CB8AC3E}">
-        <p14:creationId xmlns:p14="http://schemas.microsoft.com/office/powerpoint/2010/main" val="1338971478"/>
-      </p:ext>
-    </p:extLst>
-  </p:cSld>
-  <p:clrMapOvr>
-    <a:masterClrMapping/>
-  </p:clrMapOvr>
-</p:sld>
-</file>
-
-<file path=ppt/slides/slide5.xml><?xml version="1.0" encoding="utf-8"?>
-<p:sld xmlns:a="http://schemas.openxmlformats.org/drawingml/2006/main" xmlns:r="http://schemas.openxmlformats.org/officeDocument/2006/relationships" xmlns:p="http://schemas.openxmlformats.org/presentationml/2006/main">
-  <p:cSld>
-    <p:spTree>
-      <p:nvGrpSpPr>
-        <p:cNvPr id="1" name=""/>
-        <p:cNvGrpSpPr/>
-        <p:nvPr/>
-      </p:nvGrpSpPr>
-      <p:grpSpPr>
-        <a:xfrm>
-          <a:off x="0" y="0"/>
-          <a:ext cx="0" cy="0"/>
-          <a:chOff x="0" y="0"/>
-          <a:chExt cx="0" cy="0"/>
-        </a:xfrm>
-      </p:grpSpPr>
-      <p:graphicFrame>
-        <p:nvGraphicFramePr>
-          <p:cNvPr id="4" name="Table 3"/>
-          <p:cNvGraphicFramePr>
-            <a:graphicFrameLocks noGrp="1"/>
-          </p:cNvGraphicFramePr>
-          <p:nvPr/>
-        </p:nvGraphicFramePr>
-        <p:xfrm>
-          <a:off x="1488275" y="1787604"/>
-          <a:ext cx="6096000" cy="3774440"/>
-        </p:xfrm>
-        <a:graphic>
-          <a:graphicData uri="http://schemas.openxmlformats.org/drawingml/2006/table">
-            <a:tbl>
-              <a:tblPr firstRow="1" bandRow="1">
-                <a:tableStyleId>{5C22544A-7EE6-4342-B048-85BDC9FD1C3A}</a:tableStyleId>
-              </a:tblPr>
-              <a:tblGrid>
-                <a:gridCol w="3048000">
-                  <a:extLst>
-                    <a:ext uri="{9D8B030D-6E8A-4147-A177-3AD203B41FA5}">
-                      <a16:colId xmlns:a16="http://schemas.microsoft.com/office/drawing/2014/main" val="20000"/>
-                    </a:ext>
-                  </a:extLst>
-                </a:gridCol>
-                <a:gridCol w="3048000">
-                  <a:extLst>
-                    <a:ext uri="{9D8B030D-6E8A-4147-A177-3AD203B41FA5}">
-                      <a16:colId xmlns:a16="http://schemas.microsoft.com/office/drawing/2014/main" val="20001"/>
-                    </a:ext>
-                  </a:extLst>
-                </a:gridCol>
-              </a:tblGrid>
-              <a:tr h="370840">
-                <a:tc>
-                  <a:txBody>
-                    <a:bodyPr/>
-                    <a:lstStyle/>
-                    <a:p>
-                      <a:r>
-                        <a:rPr lang="en-US" dirty="0"/>
-                        <a:t>Column Name</a:t>
-                      </a:r>
-                    </a:p>
-                  </a:txBody>
-                  <a:tcPr/>
-                </a:tc>
-                <a:tc>
-                  <a:txBody>
-                    <a:bodyPr/>
-                    <a:lstStyle/>
-                    <a:p>
-                      <a:r>
-                        <a:rPr lang="en-US" dirty="0"/>
-                        <a:t>Description</a:t>
-                      </a:r>
-                    </a:p>
-                  </a:txBody>
-                  <a:tcPr/>
-                </a:tc>
-                <a:extLst>
-                  <a:ext uri="{0D108BD9-81ED-4DB2-BD59-A6C34878D82A}">
-                    <a16:rowId xmlns:a16="http://schemas.microsoft.com/office/drawing/2014/main" val="10000"/>
-                  </a:ext>
-                </a:extLst>
-              </a:tr>
-              <a:tr h="370840">
-                <a:tc>
-                  <a:txBody>
-                    <a:bodyPr/>
-                    <a:lstStyle/>
-                    <a:p>
-                      <a:pPr algn="ctr"/>
-                      <a:r>
-                        <a:rPr lang="en-US" dirty="0"/>
-                        <a:t>Disbursed</a:t>
-                      </a:r>
-                      <a:r>
-                        <a:rPr lang="en-US" baseline="0" dirty="0"/>
-                        <a:t> Amount</a:t>
-                      </a:r>
-                      <a:endParaRPr lang="en-US" dirty="0"/>
-                    </a:p>
-                  </a:txBody>
-                  <a:tcPr/>
-                </a:tc>
-                <a:tc>
-                  <a:txBody>
-                    <a:bodyPr/>
-                    <a:lstStyle/>
-                    <a:p>
-                      <a:pPr marL="0" marR="0" indent="0" algn="ctr" defTabSz="914400" rtl="0" eaLnBrk="1" fontAlgn="b" latinLnBrk="0" hangingPunct="1">
-                        <a:lnSpc>
-                          <a:spcPct val="100000"/>
-                        </a:lnSpc>
-                        <a:spcBef>
-                          <a:spcPts val="0"/>
-                        </a:spcBef>
-                        <a:spcAft>
-                          <a:spcPts val="0"/>
-                        </a:spcAft>
-                        <a:buClrTx/>
-                        <a:buSzTx/>
-                        <a:buFontTx/>
-                        <a:buNone/>
-                        <a:tabLst/>
-                        <a:defRPr/>
-                      </a:pPr>
-                      <a:r>
-                        <a:rPr lang="en-US" sz="1800" kern="1200" dirty="0">
-                          <a:solidFill>
-                            <a:schemeClr val="dk1"/>
-                          </a:solidFill>
-                          <a:latin typeface="+mn-lt"/>
-                          <a:ea typeface="+mn-ea"/>
-                          <a:cs typeface="+mn-cs"/>
-                        </a:rPr>
-                        <a:t>Amount of Loan disbursed</a:t>
-                      </a:r>
-                    </a:p>
-                  </a:txBody>
-                  <a:tcPr marL="7620" marR="7620" marT="7620" marB="0" anchor="ctr"/>
-                </a:tc>
-                <a:extLst>
-                  <a:ext uri="{0D108BD9-81ED-4DB2-BD59-A6C34878D82A}">
-                    <a16:rowId xmlns:a16="http://schemas.microsoft.com/office/drawing/2014/main" val="10001"/>
-                  </a:ext>
-                </a:extLst>
-              </a:tr>
-              <a:tr h="370840">
-                <a:tc>
-                  <a:txBody>
-                    <a:bodyPr/>
-                    <a:lstStyle/>
-                    <a:p>
-                      <a:pPr algn="ctr"/>
-                      <a:r>
-                        <a:rPr lang="en-US" dirty="0"/>
-                        <a:t>Asset Cost</a:t>
-                      </a:r>
-                    </a:p>
-                  </a:txBody>
-                  <a:tcPr/>
-                </a:tc>
-                <a:tc>
-                  <a:txBody>
-                    <a:bodyPr/>
-                    <a:lstStyle/>
-                    <a:p>
-                      <a:pPr algn="ctr"/>
-                      <a:r>
-                        <a:rPr lang="en-US" dirty="0"/>
-                        <a:t>Cost of the Vehicle</a:t>
-                      </a:r>
-                    </a:p>
-                  </a:txBody>
-                  <a:tcPr/>
-                </a:tc>
-                <a:extLst>
-                  <a:ext uri="{0D108BD9-81ED-4DB2-BD59-A6C34878D82A}">
-                    <a16:rowId xmlns:a16="http://schemas.microsoft.com/office/drawing/2014/main" val="10002"/>
-                  </a:ext>
-                </a:extLst>
-              </a:tr>
-              <a:tr h="370840">
-                <a:tc>
-                  <a:txBody>
-                    <a:bodyPr/>
-                    <a:lstStyle/>
-                    <a:p>
-                      <a:pPr algn="ctr"/>
-                      <a:r>
-                        <a:rPr lang="en-US" dirty="0"/>
-                        <a:t>LTV</a:t>
-                      </a:r>
-                    </a:p>
-                  </a:txBody>
-                  <a:tcPr/>
-                </a:tc>
-                <a:tc>
-                  <a:txBody>
-                    <a:bodyPr/>
-                    <a:lstStyle/>
-                    <a:p>
-                      <a:pPr algn="ctr"/>
-                      <a:r>
-                        <a:rPr lang="en-US" dirty="0"/>
-                        <a:t>Loan to Asset</a:t>
-                      </a:r>
-                      <a:r>
-                        <a:rPr lang="en-US" baseline="0" dirty="0"/>
-                        <a:t> Value Ratio</a:t>
-                      </a:r>
-                      <a:endParaRPr lang="en-US" dirty="0"/>
-                    </a:p>
-                  </a:txBody>
-                  <a:tcPr/>
-                </a:tc>
-                <a:extLst>
-                  <a:ext uri="{0D108BD9-81ED-4DB2-BD59-A6C34878D82A}">
-                    <a16:rowId xmlns:a16="http://schemas.microsoft.com/office/drawing/2014/main" val="10003"/>
-                  </a:ext>
-                </a:extLst>
-              </a:tr>
-              <a:tr h="370840">
-                <a:tc>
-                  <a:txBody>
-                    <a:bodyPr/>
-                    <a:lstStyle/>
-                    <a:p>
-                      <a:pPr algn="ctr"/>
-                      <a:r>
-                        <a:rPr lang="en-US" dirty="0"/>
-                        <a:t>Primary Current Balance</a:t>
-                      </a:r>
-                    </a:p>
-                  </a:txBody>
-                  <a:tcPr/>
-                </a:tc>
-                <a:tc>
-                  <a:txBody>
-                    <a:bodyPr/>
-                    <a:lstStyle/>
-                    <a:p>
-                      <a:pPr algn="ctr"/>
-                      <a:r>
-                        <a:rPr lang="en-US" dirty="0"/>
-                        <a:t>Total</a:t>
-                      </a:r>
-                      <a:r>
-                        <a:rPr lang="en-US" baseline="0" dirty="0"/>
-                        <a:t> Outstanding Amount of Loan at Disbursement</a:t>
-                      </a:r>
-                      <a:endParaRPr lang="en-US" dirty="0"/>
-                    </a:p>
-                  </a:txBody>
-                  <a:tcPr/>
-                </a:tc>
-                <a:extLst>
-                  <a:ext uri="{0D108BD9-81ED-4DB2-BD59-A6C34878D82A}">
-                    <a16:rowId xmlns:a16="http://schemas.microsoft.com/office/drawing/2014/main" val="10004"/>
-                  </a:ext>
-                </a:extLst>
-              </a:tr>
-              <a:tr h="370840">
-                <a:tc>
-                  <a:txBody>
-                    <a:bodyPr/>
-                    <a:lstStyle/>
-                    <a:p>
-                      <a:pPr algn="ctr"/>
-                      <a:r>
-                        <a:rPr lang="en-US" dirty="0"/>
-                        <a:t>Installment Amount</a:t>
-                      </a:r>
-                    </a:p>
-                  </a:txBody>
-                  <a:tcPr/>
-                </a:tc>
-                <a:tc>
-                  <a:txBody>
-                    <a:bodyPr/>
-                    <a:lstStyle/>
-                    <a:p>
-                      <a:pPr algn="ctr"/>
-                      <a:r>
-                        <a:rPr lang="en-US" dirty="0"/>
-                        <a:t>EMI</a:t>
-                      </a:r>
-                      <a:r>
-                        <a:rPr lang="en-US" baseline="0" dirty="0"/>
-                        <a:t> Amount of the Loan</a:t>
-                      </a:r>
-                      <a:endParaRPr lang="en-US" dirty="0"/>
-                    </a:p>
-                  </a:txBody>
-                  <a:tcPr/>
-                </a:tc>
-                <a:extLst>
-                  <a:ext uri="{0D108BD9-81ED-4DB2-BD59-A6C34878D82A}">
-                    <a16:rowId xmlns:a16="http://schemas.microsoft.com/office/drawing/2014/main" val="10005"/>
-                  </a:ext>
-                </a:extLst>
-              </a:tr>
-              <a:tr h="370840">
-                <a:tc>
-                  <a:txBody>
-                    <a:bodyPr/>
-                    <a:lstStyle/>
-                    <a:p>
-                      <a:pPr algn="ctr"/>
-                      <a:r>
-                        <a:rPr lang="en-US" baseline="0" dirty="0"/>
-                        <a:t>Age at disbursal</a:t>
-                      </a:r>
-                    </a:p>
-                  </a:txBody>
-                  <a:tcPr/>
-                </a:tc>
-                <a:tc>
-                  <a:txBody>
-                    <a:bodyPr/>
-                    <a:lstStyle/>
-                    <a:p>
-                      <a:pPr algn="ctr"/>
-                      <a:r>
-                        <a:rPr lang="en-US" dirty="0"/>
-                        <a:t>Age of</a:t>
-                      </a:r>
-                      <a:r>
-                        <a:rPr lang="en-US" baseline="0" dirty="0"/>
-                        <a:t> the customer when loan was disbursed</a:t>
-                      </a:r>
-                      <a:endParaRPr lang="en-US" dirty="0"/>
-                    </a:p>
-                  </a:txBody>
-                  <a:tcPr/>
-                </a:tc>
-                <a:extLst>
-                  <a:ext uri="{0D108BD9-81ED-4DB2-BD59-A6C34878D82A}">
-                    <a16:rowId xmlns:a16="http://schemas.microsoft.com/office/drawing/2014/main" val="10006"/>
-                  </a:ext>
-                </a:extLst>
-              </a:tr>
-              <a:tr h="370840">
-                <a:tc>
-                  <a:txBody>
-                    <a:bodyPr/>
-                    <a:lstStyle/>
-                    <a:p>
-                      <a:pPr algn="ctr"/>
-                      <a:r>
-                        <a:rPr lang="en-US" dirty="0"/>
-                        <a:t>Delinquent</a:t>
-                      </a:r>
-                      <a:r>
-                        <a:rPr lang="en-US" baseline="0" dirty="0"/>
-                        <a:t> Accounts in last six months</a:t>
-                      </a:r>
-                      <a:endParaRPr lang="en-US" dirty="0"/>
-                    </a:p>
-                  </a:txBody>
-                  <a:tcPr/>
-                </a:tc>
-                <a:tc>
-                  <a:txBody>
-                    <a:bodyPr/>
-                    <a:lstStyle/>
-                    <a:p>
-                      <a:pPr algn="ctr"/>
-                      <a:r>
-                        <a:rPr lang="en-US" dirty="0"/>
-                        <a:t>Loan Defaulted in last</a:t>
-                      </a:r>
-                      <a:r>
-                        <a:rPr lang="en-US" baseline="0" dirty="0"/>
-                        <a:t> six months</a:t>
-                      </a:r>
-                      <a:endParaRPr lang="en-US" dirty="0"/>
-                    </a:p>
-                  </a:txBody>
-                  <a:tcPr/>
-                </a:tc>
-                <a:extLst>
-                  <a:ext uri="{0D108BD9-81ED-4DB2-BD59-A6C34878D82A}">
-                    <a16:rowId xmlns:a16="http://schemas.microsoft.com/office/drawing/2014/main" val="10007"/>
-                  </a:ext>
-                </a:extLst>
-              </a:tr>
-            </a:tbl>
-          </a:graphicData>
-        </a:graphic>
-      </p:graphicFrame>
-      <p:sp>
-        <p:nvSpPr>
-          <p:cNvPr id="5" name="TextBox 4"/>
-          <p:cNvSpPr txBox="1"/>
-          <p:nvPr/>
-        </p:nvSpPr>
-        <p:spPr>
-          <a:xfrm>
-            <a:off x="3962400" y="1141086"/>
-            <a:ext cx="1147750" cy="369332"/>
-          </a:xfrm>
-          <a:prstGeom prst="rect">
-            <a:avLst/>
-          </a:prstGeom>
-          <a:noFill/>
-        </p:spPr>
-        <p:txBody>
-          <a:bodyPr wrap="none" rtlCol="0">
-            <a:spAutoFit/>
-          </a:bodyPr>
-          <a:lstStyle/>
-          <a:p>
-            <a:r>
-              <a:rPr lang="en-US" dirty="0"/>
-              <a:t>Numerical</a:t>
-            </a:r>
-          </a:p>
-        </p:txBody>
-      </p:sp>
-      <p:sp>
-        <p:nvSpPr>
-          <p:cNvPr id="6" name="TextBox 5"/>
-          <p:cNvSpPr txBox="1"/>
-          <p:nvPr/>
-        </p:nvSpPr>
-        <p:spPr>
-          <a:xfrm>
-            <a:off x="838200" y="457200"/>
-            <a:ext cx="3240374" cy="461665"/>
-          </a:xfrm>
-          <a:prstGeom prst="rect">
-            <a:avLst/>
-          </a:prstGeom>
-          <a:noFill/>
-        </p:spPr>
-        <p:txBody>
-          <a:bodyPr wrap="none" rtlCol="0">
-            <a:spAutoFit/>
-          </a:bodyPr>
-          <a:lstStyle/>
-          <a:p>
-            <a:r>
-              <a:rPr lang="en-US" sz="2400" b="1" dirty="0"/>
-              <a:t>Description of Columns:</a:t>
-            </a:r>
-          </a:p>
-        </p:txBody>
-      </p:sp>
-    </p:spTree>
-    <p:extLst>
-      <p:ext uri="{BB962C8B-B14F-4D97-AF65-F5344CB8AC3E}">
-        <p14:creationId xmlns:p14="http://schemas.microsoft.com/office/powerpoint/2010/main" val="3651703389"/>
-      </p:ext>
-    </p:extLst>
-  </p:cSld>
-  <p:clrMapOvr>
-    <a:masterClrMapping/>
-  </p:clrMapOvr>
-</p:sld>
-</file>
-
-<file path=ppt/slides/slide6.xml><?xml version="1.0" encoding="utf-8"?>
-<p:sld xmlns:a="http://schemas.openxmlformats.org/drawingml/2006/main" xmlns:r="http://schemas.openxmlformats.org/officeDocument/2006/relationships" xmlns:p="http://schemas.openxmlformats.org/presentationml/2006/main">
-  <p:cSld>
-    <p:spTree>
-      <p:nvGrpSpPr>
-        <p:cNvPr id="1" name=""/>
-        <p:cNvGrpSpPr/>
-        <p:nvPr/>
-      </p:nvGrpSpPr>
-      <p:grpSpPr>
-        <a:xfrm>
-          <a:off x="0" y="0"/>
-          <a:ext cx="0" cy="0"/>
-          <a:chOff x="0" y="0"/>
-          <a:chExt cx="0" cy="0"/>
-        </a:xfrm>
-      </p:grpSpPr>
-      <p:sp>
-        <p:nvSpPr>
-          <p:cNvPr id="4" name="TextBox 3"/>
-          <p:cNvSpPr txBox="1"/>
-          <p:nvPr/>
-        </p:nvSpPr>
-        <p:spPr>
-          <a:xfrm>
-            <a:off x="3776133" y="211203"/>
-            <a:ext cx="1228093" cy="369332"/>
-          </a:xfrm>
-          <a:prstGeom prst="rect">
-            <a:avLst/>
-          </a:prstGeom>
-          <a:noFill/>
-        </p:spPr>
-        <p:txBody>
-          <a:bodyPr wrap="none" rtlCol="0">
-            <a:spAutoFit/>
-          </a:bodyPr>
-          <a:lstStyle/>
-          <a:p>
-            <a:r>
-              <a:rPr lang="en-US" dirty="0"/>
-              <a:t>Categorical</a:t>
-            </a:r>
-          </a:p>
-        </p:txBody>
-      </p:sp>
-      <p:graphicFrame>
-        <p:nvGraphicFramePr>
-          <p:cNvPr id="5" name="Table 4"/>
-          <p:cNvGraphicFramePr>
-            <a:graphicFrameLocks noGrp="1"/>
-          </p:cNvGraphicFramePr>
-          <p:nvPr/>
-        </p:nvGraphicFramePr>
-        <p:xfrm>
-          <a:off x="1342179" y="762000"/>
-          <a:ext cx="6096000" cy="5610860"/>
-        </p:xfrm>
-        <a:graphic>
-          <a:graphicData uri="http://schemas.openxmlformats.org/drawingml/2006/table">
-            <a:tbl>
-              <a:tblPr firstRow="1" bandRow="1">
-                <a:tableStyleId>{5C22544A-7EE6-4342-B048-85BDC9FD1C3A}</a:tableStyleId>
-              </a:tblPr>
-              <a:tblGrid>
-                <a:gridCol w="3048000">
-                  <a:extLst>
-                    <a:ext uri="{9D8B030D-6E8A-4147-A177-3AD203B41FA5}">
-                      <a16:colId xmlns:a16="http://schemas.microsoft.com/office/drawing/2014/main" val="20000"/>
-                    </a:ext>
-                  </a:extLst>
-                </a:gridCol>
-                <a:gridCol w="3048000">
-                  <a:extLst>
-                    <a:ext uri="{9D8B030D-6E8A-4147-A177-3AD203B41FA5}">
-                      <a16:colId xmlns:a16="http://schemas.microsoft.com/office/drawing/2014/main" val="20001"/>
-                    </a:ext>
-                  </a:extLst>
-                </a:gridCol>
-              </a:tblGrid>
-              <a:tr h="370840">
-                <a:tc>
-                  <a:txBody>
-                    <a:bodyPr/>
-                    <a:lstStyle/>
-                    <a:p>
-                      <a:r>
-                        <a:rPr lang="en-US" dirty="0"/>
-                        <a:t>Column Name</a:t>
-                      </a:r>
-                    </a:p>
-                  </a:txBody>
-                  <a:tcPr/>
-                </a:tc>
-                <a:tc>
-                  <a:txBody>
-                    <a:bodyPr/>
-                    <a:lstStyle/>
-                    <a:p>
-                      <a:r>
-                        <a:rPr lang="en-US" dirty="0"/>
-                        <a:t>Description</a:t>
-                      </a:r>
-                    </a:p>
-                  </a:txBody>
-                  <a:tcPr/>
-                </a:tc>
-                <a:extLst>
-                  <a:ext uri="{0D108BD9-81ED-4DB2-BD59-A6C34878D82A}">
-                    <a16:rowId xmlns:a16="http://schemas.microsoft.com/office/drawing/2014/main" val="10000"/>
-                  </a:ext>
-                </a:extLst>
-              </a:tr>
-              <a:tr h="370840">
-                <a:tc>
-                  <a:txBody>
-                    <a:bodyPr/>
-                    <a:lstStyle/>
-                    <a:p>
-                      <a:pPr algn="ctr"/>
-                      <a:r>
-                        <a:rPr lang="en-US" dirty="0"/>
-                        <a:t>Number</a:t>
-                      </a:r>
-                      <a:r>
-                        <a:rPr lang="en-US" baseline="0" dirty="0"/>
-                        <a:t> of accounts</a:t>
-                      </a:r>
-                      <a:endParaRPr lang="en-US" dirty="0"/>
-                    </a:p>
-                  </a:txBody>
-                  <a:tcPr/>
-                </a:tc>
-                <a:tc>
-                  <a:txBody>
-                    <a:bodyPr/>
-                    <a:lstStyle/>
-                    <a:p>
-                      <a:pPr marL="0" marR="0" indent="0" algn="ctr" defTabSz="914400" rtl="0" eaLnBrk="1" fontAlgn="b" latinLnBrk="0" hangingPunct="1">
-                        <a:lnSpc>
-                          <a:spcPct val="100000"/>
-                        </a:lnSpc>
-                        <a:spcBef>
-                          <a:spcPts val="0"/>
-                        </a:spcBef>
-                        <a:spcAft>
-                          <a:spcPts val="0"/>
-                        </a:spcAft>
-                        <a:buClrTx/>
-                        <a:buSzTx/>
-                        <a:buFontTx/>
-                        <a:buNone/>
-                        <a:tabLst/>
-                        <a:defRPr/>
-                      </a:pPr>
-                      <a:r>
-                        <a:rPr lang="en-US" sz="1800" kern="1200" dirty="0">
-                          <a:solidFill>
-                            <a:schemeClr val="dk1"/>
-                          </a:solidFill>
-                          <a:latin typeface="+mn-lt"/>
-                          <a:ea typeface="+mn-ea"/>
-                          <a:cs typeface="+mn-cs"/>
-                        </a:rPr>
-                        <a:t>Total number of accounts</a:t>
-                      </a:r>
-                      <a:r>
-                        <a:rPr lang="en-US" sz="1800" kern="1200" baseline="0" dirty="0">
-                          <a:solidFill>
-                            <a:schemeClr val="dk1"/>
-                          </a:solidFill>
-                          <a:latin typeface="+mn-lt"/>
-                          <a:ea typeface="+mn-ea"/>
-                          <a:cs typeface="+mn-cs"/>
-                        </a:rPr>
-                        <a:t> of the customer</a:t>
-                      </a:r>
-                      <a:endParaRPr lang="en-US" sz="1800" kern="1200" dirty="0">
-                        <a:solidFill>
-                          <a:schemeClr val="dk1"/>
-                        </a:solidFill>
-                        <a:latin typeface="+mn-lt"/>
-                        <a:ea typeface="+mn-ea"/>
-                        <a:cs typeface="+mn-cs"/>
-                      </a:endParaRPr>
-                    </a:p>
-                  </a:txBody>
-                  <a:tcPr marL="7620" marR="7620" marT="7620" marB="0" anchor="ctr"/>
-                </a:tc>
-                <a:extLst>
-                  <a:ext uri="{0D108BD9-81ED-4DB2-BD59-A6C34878D82A}">
-                    <a16:rowId xmlns:a16="http://schemas.microsoft.com/office/drawing/2014/main" val="10001"/>
-                  </a:ext>
-                </a:extLst>
-              </a:tr>
-              <a:tr h="370840">
-                <a:tc>
-                  <a:txBody>
-                    <a:bodyPr/>
-                    <a:lstStyle/>
-                    <a:p>
-                      <a:pPr algn="ctr"/>
-                      <a:r>
-                        <a:rPr lang="en-US" dirty="0"/>
-                        <a:t>Active Accounts</a:t>
-                      </a:r>
-                    </a:p>
-                  </a:txBody>
-                  <a:tcPr/>
-                </a:tc>
-                <a:tc>
-                  <a:txBody>
-                    <a:bodyPr/>
-                    <a:lstStyle/>
-                    <a:p>
-                      <a:pPr algn="ctr"/>
-                      <a:r>
-                        <a:rPr lang="en-US" dirty="0"/>
-                        <a:t>Loan accounts at time of disbursements</a:t>
-                      </a:r>
-                    </a:p>
-                  </a:txBody>
-                  <a:tcPr/>
-                </a:tc>
-                <a:extLst>
-                  <a:ext uri="{0D108BD9-81ED-4DB2-BD59-A6C34878D82A}">
-                    <a16:rowId xmlns:a16="http://schemas.microsoft.com/office/drawing/2014/main" val="10002"/>
-                  </a:ext>
-                </a:extLst>
-              </a:tr>
-              <a:tr h="370840">
-                <a:tc>
-                  <a:txBody>
-                    <a:bodyPr/>
-                    <a:lstStyle/>
-                    <a:p>
-                      <a:pPr algn="ctr"/>
-                      <a:r>
-                        <a:rPr lang="en-US" dirty="0"/>
-                        <a:t>Overdue</a:t>
-                      </a:r>
-                      <a:r>
-                        <a:rPr lang="en-US" baseline="0" dirty="0"/>
-                        <a:t> Accounts</a:t>
-                      </a:r>
-                      <a:endParaRPr lang="en-US" dirty="0"/>
-                    </a:p>
-                  </a:txBody>
-                  <a:tcPr/>
-                </a:tc>
-                <a:tc>
-                  <a:txBody>
-                    <a:bodyPr/>
-                    <a:lstStyle/>
-                    <a:p>
-                      <a:pPr algn="ctr"/>
-                      <a:r>
-                        <a:rPr lang="en-US" dirty="0"/>
-                        <a:t>Count</a:t>
-                      </a:r>
-                      <a:r>
-                        <a:rPr lang="en-US" baseline="0" dirty="0"/>
-                        <a:t> of overdue accounts at time of disbursement</a:t>
-                      </a:r>
-                      <a:endParaRPr lang="en-US" dirty="0"/>
-                    </a:p>
-                  </a:txBody>
-                  <a:tcPr/>
-                </a:tc>
-                <a:extLst>
-                  <a:ext uri="{0D108BD9-81ED-4DB2-BD59-A6C34878D82A}">
-                    <a16:rowId xmlns:a16="http://schemas.microsoft.com/office/drawing/2014/main" val="10003"/>
-                  </a:ext>
-                </a:extLst>
-              </a:tr>
-              <a:tr h="370840">
-                <a:tc>
-                  <a:txBody>
-                    <a:bodyPr/>
-                    <a:lstStyle/>
-                    <a:p>
-                      <a:pPr algn="ctr"/>
-                      <a:r>
-                        <a:rPr lang="en-US" sz="1800" b="0" i="0" kern="1200" dirty="0">
-                          <a:solidFill>
-                            <a:schemeClr val="dk1"/>
-                          </a:solidFill>
-                          <a:effectLst/>
-                          <a:latin typeface="+mn-lt"/>
-                          <a:ea typeface="+mn-ea"/>
-                          <a:cs typeface="+mn-cs"/>
-                        </a:rPr>
-                        <a:t>New accounts in last 6 months</a:t>
-                      </a:r>
-                      <a:endParaRPr lang="en-US" dirty="0"/>
-                    </a:p>
-                  </a:txBody>
-                  <a:tcPr/>
-                </a:tc>
-                <a:tc>
-                  <a:txBody>
-                    <a:bodyPr/>
-                    <a:lstStyle/>
-                    <a:p>
-                      <a:pPr algn="ctr"/>
-                      <a:r>
-                        <a:rPr lang="en-US" dirty="0"/>
-                        <a:t>New loan taken by customer</a:t>
-                      </a:r>
-                      <a:r>
-                        <a:rPr lang="en-US" baseline="0" dirty="0"/>
-                        <a:t> in last 6 months</a:t>
-                      </a:r>
-                      <a:endParaRPr lang="en-US" dirty="0"/>
-                    </a:p>
-                  </a:txBody>
-                  <a:tcPr/>
-                </a:tc>
-                <a:extLst>
-                  <a:ext uri="{0D108BD9-81ED-4DB2-BD59-A6C34878D82A}">
-                    <a16:rowId xmlns:a16="http://schemas.microsoft.com/office/drawing/2014/main" val="10004"/>
-                  </a:ext>
-                </a:extLst>
-              </a:tr>
-              <a:tr h="370840">
-                <a:tc>
-                  <a:txBody>
-                    <a:bodyPr/>
-                    <a:lstStyle/>
-                    <a:p>
-                      <a:pPr algn="ctr"/>
-                      <a:r>
-                        <a:rPr lang="en-US" sz="1800" b="0" i="0" kern="1200" dirty="0">
-                          <a:solidFill>
-                            <a:schemeClr val="dk1"/>
-                          </a:solidFill>
-                          <a:effectLst/>
-                          <a:latin typeface="+mn-lt"/>
-                          <a:ea typeface="+mn-ea"/>
-                          <a:cs typeface="+mn-cs"/>
-                        </a:rPr>
-                        <a:t>No of inquiries</a:t>
-                      </a:r>
-                      <a:endParaRPr lang="en-US" dirty="0"/>
-                    </a:p>
-                  </a:txBody>
-                  <a:tcPr/>
-                </a:tc>
-                <a:tc>
-                  <a:txBody>
-                    <a:bodyPr/>
-                    <a:lstStyle/>
-                    <a:p>
-                      <a:pPr algn="ctr"/>
-                      <a:r>
-                        <a:rPr lang="en-US" dirty="0"/>
-                        <a:t>Enquiries</a:t>
-                      </a:r>
-                      <a:r>
-                        <a:rPr lang="en-US" baseline="0" dirty="0"/>
-                        <a:t> done by customer for the loan</a:t>
-                      </a:r>
-                      <a:endParaRPr lang="en-US" dirty="0"/>
-                    </a:p>
-                  </a:txBody>
-                  <a:tcPr/>
-                </a:tc>
-                <a:extLst>
-                  <a:ext uri="{0D108BD9-81ED-4DB2-BD59-A6C34878D82A}">
-                    <a16:rowId xmlns:a16="http://schemas.microsoft.com/office/drawing/2014/main" val="10005"/>
-                  </a:ext>
-                </a:extLst>
-              </a:tr>
-              <a:tr h="370840">
-                <a:tc>
-                  <a:txBody>
-                    <a:bodyPr/>
-                    <a:lstStyle/>
-                    <a:p>
-                      <a:pPr algn="ctr"/>
-                      <a:r>
-                        <a:rPr lang="en-US" sz="1800" b="0" i="0" kern="1200" dirty="0">
-                          <a:solidFill>
-                            <a:schemeClr val="dk1"/>
-                          </a:solidFill>
-                          <a:effectLst/>
-                          <a:latin typeface="+mn-lt"/>
-                          <a:ea typeface="+mn-ea"/>
-                          <a:cs typeface="+mn-cs"/>
-                        </a:rPr>
-                        <a:t>Average Loan tenure</a:t>
-                      </a:r>
-                      <a:endParaRPr lang="en-US" dirty="0"/>
-                    </a:p>
-                  </a:txBody>
-                  <a:tcPr/>
-                </a:tc>
-                <a:tc>
-                  <a:txBody>
-                    <a:bodyPr/>
-                    <a:lstStyle/>
-                    <a:p>
-                      <a:pPr algn="ctr"/>
-                      <a:r>
-                        <a:rPr lang="en-US" dirty="0"/>
-                        <a:t>Average</a:t>
-                      </a:r>
-                      <a:r>
-                        <a:rPr lang="en-US" baseline="0" dirty="0"/>
-                        <a:t> period of loan in months</a:t>
-                      </a:r>
-                    </a:p>
-                  </a:txBody>
-                  <a:tcPr/>
-                </a:tc>
-                <a:extLst>
-                  <a:ext uri="{0D108BD9-81ED-4DB2-BD59-A6C34878D82A}">
-                    <a16:rowId xmlns:a16="http://schemas.microsoft.com/office/drawing/2014/main" val="10006"/>
-                  </a:ext>
-                </a:extLst>
-              </a:tr>
-              <a:tr h="370840">
-                <a:tc>
-                  <a:txBody>
-                    <a:bodyPr/>
-                    <a:lstStyle/>
-                    <a:p>
-                      <a:pPr algn="ctr"/>
-                      <a:r>
-                        <a:rPr lang="en-US" sz="1800" b="0" i="0" kern="1200" dirty="0">
-                          <a:solidFill>
-                            <a:schemeClr val="dk1"/>
-                          </a:solidFill>
-                          <a:effectLst/>
-                          <a:latin typeface="+mn-lt"/>
-                          <a:ea typeface="+mn-ea"/>
-                          <a:cs typeface="+mn-cs"/>
-                        </a:rPr>
-                        <a:t>Time_since_1st_loan</a:t>
-                      </a:r>
-                      <a:endParaRPr lang="en-US" dirty="0"/>
-                    </a:p>
-                  </a:txBody>
-                  <a:tcPr/>
-                </a:tc>
-                <a:tc>
-                  <a:txBody>
-                    <a:bodyPr/>
-                    <a:lstStyle/>
-                    <a:p>
-                      <a:pPr algn="ctr"/>
-                      <a:r>
-                        <a:rPr lang="en-US" dirty="0"/>
-                        <a:t>Time since first</a:t>
-                      </a:r>
-                      <a:r>
-                        <a:rPr lang="en-US" baseline="0" dirty="0"/>
-                        <a:t> loan in months</a:t>
-                      </a:r>
-                      <a:endParaRPr lang="en-US" dirty="0"/>
-                    </a:p>
-                  </a:txBody>
-                  <a:tcPr/>
-                </a:tc>
-                <a:extLst>
-                  <a:ext uri="{0D108BD9-81ED-4DB2-BD59-A6C34878D82A}">
-                    <a16:rowId xmlns:a16="http://schemas.microsoft.com/office/drawing/2014/main" val="10007"/>
-                  </a:ext>
-                </a:extLst>
-              </a:tr>
-              <a:tr h="370840">
-                <a:tc>
-                  <a:txBody>
-                    <a:bodyPr/>
-                    <a:lstStyle/>
-                    <a:p>
-                      <a:pPr algn="ctr"/>
-                      <a:r>
-                        <a:rPr lang="en-US" sz="1800" b="0" i="0" kern="1200" dirty="0" err="1">
-                          <a:solidFill>
-                            <a:schemeClr val="dk1"/>
-                          </a:solidFill>
-                          <a:effectLst/>
-                          <a:latin typeface="+mn-lt"/>
-                          <a:ea typeface="+mn-ea"/>
-                          <a:cs typeface="+mn-cs"/>
-                        </a:rPr>
-                        <a:t>Aadhar</a:t>
-                      </a:r>
-                      <a:r>
-                        <a:rPr lang="en-US" sz="1800" b="0" i="0" kern="1200" dirty="0">
-                          <a:solidFill>
-                            <a:schemeClr val="dk1"/>
-                          </a:solidFill>
-                          <a:effectLst/>
-                          <a:latin typeface="+mn-lt"/>
-                          <a:ea typeface="+mn-ea"/>
-                          <a:cs typeface="+mn-cs"/>
-                        </a:rPr>
-                        <a:t> Flag</a:t>
-                      </a:r>
-                      <a:endParaRPr lang="en-US" dirty="0"/>
-                    </a:p>
-                  </a:txBody>
-                  <a:tcPr/>
-                </a:tc>
-                <a:tc>
-                  <a:txBody>
-                    <a:bodyPr/>
-                    <a:lstStyle/>
-                    <a:p>
-                      <a:pPr algn="ctr"/>
-                      <a:r>
-                        <a:rPr lang="en-US" dirty="0"/>
-                        <a:t>If </a:t>
-                      </a:r>
-                      <a:r>
-                        <a:rPr lang="en-US" dirty="0" err="1"/>
-                        <a:t>Aadhar</a:t>
-                      </a:r>
-                      <a:r>
-                        <a:rPr lang="en-US" baseline="0" dirty="0"/>
-                        <a:t> was shared-Flag 1</a:t>
-                      </a:r>
-                      <a:endParaRPr lang="en-US" dirty="0"/>
-                    </a:p>
-                  </a:txBody>
-                  <a:tcPr/>
-                </a:tc>
-                <a:extLst>
-                  <a:ext uri="{0D108BD9-81ED-4DB2-BD59-A6C34878D82A}">
-                    <a16:rowId xmlns:a16="http://schemas.microsoft.com/office/drawing/2014/main" val="10008"/>
-                  </a:ext>
-                </a:extLst>
-              </a:tr>
-              <a:tr h="370840">
-                <a:tc>
-                  <a:txBody>
-                    <a:bodyPr/>
-                    <a:lstStyle/>
-                    <a:p>
-                      <a:pPr algn="ctr"/>
-                      <a:r>
-                        <a:rPr lang="en-US" dirty="0"/>
-                        <a:t>Passport</a:t>
-                      </a:r>
-                      <a:r>
-                        <a:rPr lang="en-US" baseline="0" dirty="0"/>
-                        <a:t> Flag</a:t>
-                      </a:r>
-                      <a:endParaRPr lang="en-US" dirty="0"/>
-                    </a:p>
-                  </a:txBody>
-                  <a:tcPr/>
-                </a:tc>
-                <a:tc>
-                  <a:txBody>
-                    <a:bodyPr/>
-                    <a:lstStyle/>
-                    <a:p>
-                      <a:pPr marL="0" marR="0" indent="0" algn="ctr" defTabSz="914400" rtl="0" eaLnBrk="1" fontAlgn="auto" latinLnBrk="0" hangingPunct="1">
-                        <a:lnSpc>
-                          <a:spcPct val="100000"/>
-                        </a:lnSpc>
-                        <a:spcBef>
-                          <a:spcPts val="0"/>
-                        </a:spcBef>
-                        <a:spcAft>
-                          <a:spcPts val="0"/>
-                        </a:spcAft>
-                        <a:buClrTx/>
-                        <a:buSzTx/>
-                        <a:buFontTx/>
-                        <a:buNone/>
-                        <a:tabLst/>
-                        <a:defRPr/>
-                      </a:pPr>
-                      <a:r>
-                        <a:rPr lang="en-US" dirty="0"/>
-                        <a:t>If passport </a:t>
-                      </a:r>
-                      <a:r>
-                        <a:rPr lang="en-US" baseline="0" dirty="0"/>
-                        <a:t>was shared-Flag 1</a:t>
-                      </a:r>
-                      <a:endParaRPr lang="en-US" dirty="0"/>
-                    </a:p>
-                  </a:txBody>
-                  <a:tcPr/>
-                </a:tc>
-                <a:extLst>
-                  <a:ext uri="{0D108BD9-81ED-4DB2-BD59-A6C34878D82A}">
-                    <a16:rowId xmlns:a16="http://schemas.microsoft.com/office/drawing/2014/main" val="10009"/>
-                  </a:ext>
-                </a:extLst>
-              </a:tr>
-              <a:tr h="370840">
-                <a:tc>
-                  <a:txBody>
-                    <a:bodyPr/>
-                    <a:lstStyle/>
-                    <a:p>
-                      <a:pPr algn="ctr"/>
-                      <a:r>
-                        <a:rPr lang="en-US" dirty="0"/>
-                        <a:t>PAN Flag</a:t>
-                      </a:r>
-                    </a:p>
-                  </a:txBody>
-                  <a:tcPr/>
-                </a:tc>
-                <a:tc>
-                  <a:txBody>
-                    <a:bodyPr/>
-                    <a:lstStyle/>
-                    <a:p>
-                      <a:pPr marL="0" marR="0" indent="0" algn="ctr" defTabSz="914400" rtl="0" eaLnBrk="1" fontAlgn="auto" latinLnBrk="0" hangingPunct="1">
-                        <a:lnSpc>
-                          <a:spcPct val="100000"/>
-                        </a:lnSpc>
-                        <a:spcBef>
-                          <a:spcPts val="0"/>
-                        </a:spcBef>
-                        <a:spcAft>
-                          <a:spcPts val="0"/>
-                        </a:spcAft>
-                        <a:buClrTx/>
-                        <a:buSzTx/>
-                        <a:buFontTx/>
-                        <a:buNone/>
-                        <a:tabLst/>
-                        <a:defRPr/>
-                      </a:pPr>
-                      <a:r>
-                        <a:rPr lang="en-US" dirty="0"/>
-                        <a:t>If PAN </a:t>
-                      </a:r>
-                      <a:r>
-                        <a:rPr lang="en-US" baseline="0" dirty="0"/>
-                        <a:t>was shared-Flag 1</a:t>
-                      </a:r>
-                      <a:endParaRPr lang="en-US" dirty="0"/>
-                    </a:p>
-                  </a:txBody>
-                  <a:tcPr/>
-                </a:tc>
-                <a:extLst>
-                  <a:ext uri="{0D108BD9-81ED-4DB2-BD59-A6C34878D82A}">
-                    <a16:rowId xmlns:a16="http://schemas.microsoft.com/office/drawing/2014/main" val="10010"/>
-                  </a:ext>
-                </a:extLst>
-              </a:tr>
-            </a:tbl>
-          </a:graphicData>
-        </a:graphic>
-      </p:graphicFrame>
-    </p:spTree>
-    <p:extLst>
-      <p:ext uri="{BB962C8B-B14F-4D97-AF65-F5344CB8AC3E}">
-        <p14:creationId xmlns:p14="http://schemas.microsoft.com/office/powerpoint/2010/main" val="2401624301"/>
-      </p:ext>
-    </p:extLst>
-  </p:cSld>
-  <p:clrMapOvr>
-    <a:masterClrMapping/>
-  </p:clrMapOvr>
-</p:sld>
-</file>
-
-<file path=ppt/slides/slide7.xml><?xml version="1.0" encoding="utf-8"?>
-<p:sld xmlns:a="http://schemas.openxmlformats.org/drawingml/2006/main" xmlns:r="http://schemas.openxmlformats.org/officeDocument/2006/relationships" xmlns:p="http://schemas.openxmlformats.org/presentationml/2006/main">
-  <p:cSld>
-    <p:spTree>
-      <p:nvGrpSpPr>
-        <p:cNvPr id="1" name=""/>
-        <p:cNvGrpSpPr/>
-        <p:nvPr/>
-      </p:nvGrpSpPr>
-      <p:grpSpPr>
-        <a:xfrm>
-          <a:off x="0" y="0"/>
-          <a:ext cx="0" cy="0"/>
-          <a:chOff x="0" y="0"/>
-          <a:chExt cx="0" cy="0"/>
-        </a:xfrm>
-      </p:grpSpPr>
-      <p:sp>
-        <p:nvSpPr>
-          <p:cNvPr id="2" name="Title 1"/>
-          <p:cNvSpPr>
-            <a:spLocks noGrp="1"/>
-          </p:cNvSpPr>
-          <p:nvPr>
-            <p:ph type="title"/>
-          </p:nvPr>
-        </p:nvSpPr>
-        <p:spPr>
-          <a:xfrm>
-            <a:off x="628650" y="428919"/>
-            <a:ext cx="7886700" cy="1724269"/>
-          </a:xfrm>
-        </p:spPr>
-        <p:txBody>
-          <a:bodyPr>
-            <a:normAutofit fontScale="90000"/>
-          </a:bodyPr>
-          <a:lstStyle/>
-          <a:p>
-            <a:pPr algn="l"/>
-            <a:r>
-              <a:rPr lang="en-IN" sz="2700" dirty="0"/>
-              <a:t>Distribution plot on numerical features:</a:t>
-            </a:r>
-            <a:br>
-              <a:rPr lang="en-IN" sz="1800" b="1" dirty="0"/>
-            </a:br>
-            <a:r>
-              <a:rPr lang="en-IN" sz="1600" dirty="0">
-                <a:latin typeface="+mn-lt"/>
-              </a:rPr>
-              <a:t>Here numerical features are used for distribution plot. Most of the numerical variable like Asset cost distribution, primary CB, disbursed amount follows right skewed distribution whereas LTV follows left skewed distribution. Because in case if the borrower defaults on the loan</a:t>
-            </a:r>
-            <a:br>
-              <a:rPr lang="en-IN" sz="1600" dirty="0">
-                <a:latin typeface="+mn-lt"/>
-              </a:rPr>
-            </a:br>
-            <a:r>
-              <a:rPr lang="en-IN" sz="1600" dirty="0">
-                <a:latin typeface="+mn-lt"/>
-              </a:rPr>
-              <a:t>the lender can reposes the collateral and collect the money by selling it off. They can recover the losses for defaulted loan.</a:t>
-            </a:r>
-          </a:p>
-        </p:txBody>
-      </p:sp>
-      <p:pic>
-        <p:nvPicPr>
-          <p:cNvPr id="7" name="Picture 6"/>
-          <p:cNvPicPr>
-            <a:picLocks noChangeAspect="1"/>
-          </p:cNvPicPr>
-          <p:nvPr/>
-        </p:nvPicPr>
-        <p:blipFill>
-          <a:blip r:embed="rId2">
-            <a:extLst>
-              <a:ext uri="{28A0092B-C50C-407E-A947-70E740481C1C}">
-                <a14:useLocalDpi xmlns:a14="http://schemas.microsoft.com/office/drawing/2010/main" val="0"/>
-              </a:ext>
-            </a:extLst>
-          </a:blip>
-          <a:stretch>
-            <a:fillRect/>
-          </a:stretch>
-        </p:blipFill>
-        <p:spPr>
-          <a:xfrm>
-            <a:off x="484153" y="2196919"/>
-            <a:ext cx="3729706" cy="2366615"/>
-          </a:xfrm>
-          <a:prstGeom prst="rect">
-            <a:avLst/>
-          </a:prstGeom>
-        </p:spPr>
-      </p:pic>
-      <p:pic>
-        <p:nvPicPr>
-          <p:cNvPr id="8" name="Picture 7"/>
-          <p:cNvPicPr>
-            <a:picLocks noChangeAspect="1"/>
-          </p:cNvPicPr>
-          <p:nvPr/>
-        </p:nvPicPr>
-        <p:blipFill>
-          <a:blip r:embed="rId3">
-            <a:extLst>
-              <a:ext uri="{28A0092B-C50C-407E-A947-70E740481C1C}">
-                <a14:useLocalDpi xmlns:a14="http://schemas.microsoft.com/office/drawing/2010/main" val="0"/>
-              </a:ext>
-            </a:extLst>
-          </a:blip>
-          <a:stretch>
-            <a:fillRect/>
-          </a:stretch>
-        </p:blipFill>
-        <p:spPr>
-          <a:xfrm>
-            <a:off x="4945378" y="2332173"/>
-            <a:ext cx="3686573" cy="2155782"/>
-          </a:xfrm>
-          <a:prstGeom prst="rect">
-            <a:avLst/>
-          </a:prstGeom>
-        </p:spPr>
-      </p:pic>
-      <p:pic>
-        <p:nvPicPr>
-          <p:cNvPr id="10" name="Content Placeholder 9"/>
-          <p:cNvPicPr>
-            <a:picLocks noGrp="1" noChangeAspect="1"/>
-          </p:cNvPicPr>
-          <p:nvPr>
-            <p:ph idx="1"/>
-          </p:nvPr>
-        </p:nvPicPr>
-        <p:blipFill>
-          <a:blip r:embed="rId4">
-            <a:extLst>
-              <a:ext uri="{28A0092B-C50C-407E-A947-70E740481C1C}">
-                <a14:useLocalDpi xmlns:a14="http://schemas.microsoft.com/office/drawing/2010/main" val="0"/>
-              </a:ext>
-            </a:extLst>
-          </a:blip>
-          <a:stretch>
-            <a:fillRect/>
-          </a:stretch>
-        </p:blipFill>
-        <p:spPr>
-          <a:xfrm>
-            <a:off x="4904532" y="4563534"/>
-            <a:ext cx="3752959" cy="2155782"/>
-          </a:xfrm>
-        </p:spPr>
-      </p:pic>
-      <p:pic>
-        <p:nvPicPr>
-          <p:cNvPr id="11" name="Picture 10"/>
-          <p:cNvPicPr>
-            <a:picLocks noChangeAspect="1"/>
-          </p:cNvPicPr>
-          <p:nvPr/>
-        </p:nvPicPr>
-        <p:blipFill>
-          <a:blip r:embed="rId5">
-            <a:extLst>
-              <a:ext uri="{28A0092B-C50C-407E-A947-70E740481C1C}">
-                <a14:useLocalDpi xmlns:a14="http://schemas.microsoft.com/office/drawing/2010/main" val="0"/>
-              </a:ext>
-            </a:extLst>
-          </a:blip>
-          <a:stretch>
-            <a:fillRect/>
-          </a:stretch>
-        </p:blipFill>
-        <p:spPr>
-          <a:xfrm>
-            <a:off x="499864" y="4648200"/>
-            <a:ext cx="3762899" cy="2086827"/>
-          </a:xfrm>
-          <a:prstGeom prst="rect">
-            <a:avLst/>
-          </a:prstGeom>
-        </p:spPr>
-      </p:pic>
-    </p:spTree>
-    <p:extLst>
-      <p:ext uri="{BB962C8B-B14F-4D97-AF65-F5344CB8AC3E}">
-        <p14:creationId xmlns:p14="http://schemas.microsoft.com/office/powerpoint/2010/main" val="3383383383"/>
-      </p:ext>
-    </p:extLst>
-  </p:cSld>
-  <p:clrMapOvr>
-    <a:masterClrMapping/>
-  </p:clrMapOvr>
-</p:sld>
-</file>
-
 <file path=ppt/slides/slide8.xml><?xml version="1.0" encoding="utf-8"?>
 <p:sld xmlns:a="http://schemas.openxmlformats.org/drawingml/2006/main" xmlns:r="http://schemas.openxmlformats.org/officeDocument/2006/relationships" xmlns:p="http://schemas.openxmlformats.org/presentationml/2006/main">
   <p:cSld>
@@ -7600,7 +9350,13 @@
       </p:grpSpPr>
       <p:sp>
         <p:nvSpPr>
-          <p:cNvPr id="2" name="Title 1"/>
+          <p:cNvPr id="2" name="Title 1">
+            <a:extLst>
+              <a:ext uri="{FF2B5EF4-FFF2-40B4-BE49-F238E27FC236}">
+                <a16:creationId xmlns:a16="http://schemas.microsoft.com/office/drawing/2014/main" id="{48316611-B69E-44E8-B5BD-3681594EDEF9}"/>
+              </a:ext>
+            </a:extLst>
+          </p:cNvPr>
           <p:cNvSpPr>
             <a:spLocks noGrp="1"/>
           </p:cNvSpPr>
@@ -7608,72 +9364,27 @@
             <p:ph type="title"/>
           </p:nvPr>
         </p:nvSpPr>
-        <p:spPr>
-          <a:xfrm>
-            <a:off x="439947" y="533400"/>
-            <a:ext cx="8119613" cy="1600200"/>
-          </a:xfrm>
-        </p:spPr>
-        <p:txBody>
-          <a:bodyPr>
-            <a:normAutofit fontScale="90000"/>
-          </a:bodyPr>
+        <p:spPr/>
+        <p:txBody>
+          <a:bodyPr/>
           <a:lstStyle/>
           <a:p>
-            <a:pPr algn="l"/>
-            <a:r>
-              <a:rPr lang="en-IN" sz="2700" dirty="0"/>
-              <a:t>Plots on various features:</a:t>
-            </a:r>
-            <a:br>
-              <a:rPr lang="en-IN" sz="2800" dirty="0">
-                <a:latin typeface="Arial Rounded MT Bold" panose="020F0704030504030204" pitchFamily="34" charset="0"/>
-              </a:rPr>
-            </a:br>
-            <a:r>
-              <a:rPr lang="en-IN" sz="1800" dirty="0">
-                <a:latin typeface="+mn-lt"/>
-              </a:rPr>
-              <a:t> Count plot for employment type is compared with the loan defaulters here where most of the self employed are a non-loan defaulters. </a:t>
-            </a:r>
-            <a:r>
-              <a:rPr lang="en-IN" sz="1800" dirty="0" err="1">
-                <a:latin typeface="+mn-lt"/>
-              </a:rPr>
-              <a:t>Aadhar</a:t>
-            </a:r>
-            <a:r>
-              <a:rPr lang="en-IN" sz="1800" dirty="0">
-                <a:latin typeface="+mn-lt"/>
-              </a:rPr>
-              <a:t> and pan details compared with loan defaulters. Person with </a:t>
-            </a:r>
-            <a:r>
-              <a:rPr lang="en-IN" sz="1800" dirty="0" err="1">
-                <a:latin typeface="+mn-lt"/>
-              </a:rPr>
-              <a:t>aadhar</a:t>
-            </a:r>
-            <a:r>
-              <a:rPr lang="en-IN" sz="1800" dirty="0">
-                <a:latin typeface="+mn-lt"/>
-              </a:rPr>
-              <a:t> are a loan defaulter whereas its just opposite to Pan details. </a:t>
-            </a:r>
-            <a:br>
-              <a:rPr lang="en-IN" sz="2800" dirty="0">
-                <a:latin typeface="Arial Rounded MT Bold" panose="020F0704030504030204" pitchFamily="34" charset="0"/>
-              </a:rPr>
-            </a:br>
-            <a:endParaRPr lang="en-IN" sz="1600" dirty="0">
-              <a:latin typeface="Arial Rounded MT Bold" panose="020F0704030504030204" pitchFamily="34" charset="0"/>
-            </a:endParaRPr>
+            <a:r>
+              <a:rPr lang="en-US" dirty="0"/>
+              <a:t>Branch With The Active Users</a:t>
+            </a:r>
           </a:p>
         </p:txBody>
       </p:sp>
       <p:pic>
         <p:nvPicPr>
-          <p:cNvPr id="4" name="Content Placeholder 3"/>
+          <p:cNvPr id="5" name="Content Placeholder 4">
+            <a:extLst>
+              <a:ext uri="{FF2B5EF4-FFF2-40B4-BE49-F238E27FC236}">
+                <a16:creationId xmlns:a16="http://schemas.microsoft.com/office/drawing/2014/main" id="{DD559673-C11A-49CE-AA4D-DB3A8C4D3FBC}"/>
+              </a:ext>
+            </a:extLst>
+          </p:cNvPr>
           <p:cNvPicPr>
             <a:picLocks noGrp="1" noChangeAspect="1"/>
           </p:cNvPicPr>
@@ -7695,105 +9406,15 @@
         </p:blipFill>
         <p:spPr>
           <a:xfrm>
-            <a:off x="457036" y="1802130"/>
-            <a:ext cx="3715993" cy="2177370"/>
+            <a:off x="329541" y="1600200"/>
+            <a:ext cx="8662059" cy="4698664"/>
           </a:xfrm>
-        </p:spPr>
-      </p:pic>
-      <p:pic>
-        <p:nvPicPr>
-          <p:cNvPr id="5" name="Picture 4"/>
-          <p:cNvPicPr>
-            <a:picLocks noChangeAspect="1"/>
-          </p:cNvPicPr>
-          <p:nvPr/>
-        </p:nvPicPr>
-        <p:blipFill>
-          <a:blip r:embed="rId3">
-            <a:extLst>
-              <a:ext uri="{28A0092B-C50C-407E-A947-70E740481C1C}">
-                <a14:useLocalDpi xmlns:a14="http://schemas.microsoft.com/office/drawing/2010/main" val="0"/>
-              </a:ext>
-            </a:extLst>
-          </a:blip>
-          <a:stretch>
-            <a:fillRect/>
-          </a:stretch>
-        </p:blipFill>
-        <p:spPr>
-          <a:xfrm>
-            <a:off x="4964364" y="3933890"/>
-            <a:ext cx="3595196" cy="2177370"/>
-          </a:xfrm>
-          <a:prstGeom prst="rect">
-            <a:avLst/>
-          </a:prstGeom>
-        </p:spPr>
-      </p:pic>
-      <p:pic>
-        <p:nvPicPr>
-          <p:cNvPr id="6" name="Picture 5"/>
-          <p:cNvPicPr>
-            <a:picLocks noChangeAspect="1"/>
-          </p:cNvPicPr>
-          <p:nvPr/>
-        </p:nvPicPr>
-        <p:blipFill>
-          <a:blip r:embed="rId4">
-            <a:extLst>
-              <a:ext uri="{28A0092B-C50C-407E-A947-70E740481C1C}">
-                <a14:useLocalDpi xmlns:a14="http://schemas.microsoft.com/office/drawing/2010/main" val="0"/>
-              </a:ext>
-            </a:extLst>
-          </a:blip>
-          <a:stretch>
-            <a:fillRect/>
-          </a:stretch>
-        </p:blipFill>
-        <p:spPr>
-          <a:xfrm>
-            <a:off x="4719187" y="1779326"/>
-            <a:ext cx="4015058" cy="2177370"/>
-          </a:xfrm>
-          <a:prstGeom prst="rect">
-            <a:avLst/>
-          </a:prstGeom>
-        </p:spPr>
-      </p:pic>
-      <p:pic>
-        <p:nvPicPr>
-          <p:cNvPr id="7" name="Picture 6"/>
-          <p:cNvPicPr>
-            <a:picLocks noChangeAspect="1"/>
-          </p:cNvPicPr>
-          <p:nvPr/>
-        </p:nvPicPr>
-        <p:blipFill>
-          <a:blip r:embed="rId5">
-            <a:extLst>
-              <a:ext uri="{28A0092B-C50C-407E-A947-70E740481C1C}">
-                <a14:useLocalDpi xmlns:a14="http://schemas.microsoft.com/office/drawing/2010/main" val="0"/>
-              </a:ext>
-            </a:extLst>
-          </a:blip>
-          <a:stretch>
-            <a:fillRect/>
-          </a:stretch>
-        </p:blipFill>
-        <p:spPr>
-          <a:xfrm>
-            <a:off x="671994" y="3933890"/>
-            <a:ext cx="3518124" cy="1989188"/>
-          </a:xfrm>
-          <a:prstGeom prst="rect">
-            <a:avLst/>
-          </a:prstGeom>
         </p:spPr>
       </p:pic>
     </p:spTree>
     <p:extLst>
       <p:ext uri="{BB962C8B-B14F-4D97-AF65-F5344CB8AC3E}">
-        <p14:creationId xmlns:p14="http://schemas.microsoft.com/office/powerpoint/2010/main" val="2232089093"/>
+        <p14:creationId xmlns:p14="http://schemas.microsoft.com/office/powerpoint/2010/main" val="4268796527"/>
       </p:ext>
     </p:extLst>
   </p:cSld>
@@ -7822,7 +9443,13 @@
       </p:grpSpPr>
       <p:sp>
         <p:nvSpPr>
-          <p:cNvPr id="2" name="Title 1"/>
+          <p:cNvPr id="2" name="Title 1">
+            <a:extLst>
+              <a:ext uri="{FF2B5EF4-FFF2-40B4-BE49-F238E27FC236}">
+                <a16:creationId xmlns:a16="http://schemas.microsoft.com/office/drawing/2014/main" id="{B6CDA166-D565-4795-B1AA-87976669D899}"/>
+              </a:ext>
+            </a:extLst>
+          </p:cNvPr>
           <p:cNvSpPr>
             <a:spLocks noGrp="1"/>
           </p:cNvSpPr>
@@ -7832,8 +9459,8 @@
         </p:nvSpPr>
         <p:spPr>
           <a:xfrm>
-            <a:off x="628650" y="457200"/>
-            <a:ext cx="8134350" cy="1459298"/>
+            <a:off x="460342" y="304800"/>
+            <a:ext cx="8229600" cy="1143000"/>
           </a:xfrm>
         </p:spPr>
         <p:txBody>
@@ -7843,49 +9470,26 @@
           <a:lstStyle/>
           <a:p>
             <a:pPr algn="l"/>
-            <a:br>
-              <a:rPr lang="en-IN" sz="2700" dirty="0"/>
-            </a:br>
-            <a:r>
-              <a:rPr lang="en-IN" sz="2700" dirty="0"/>
-              <a:t>Box plot on significant feature:</a:t>
-            </a:r>
-            <a:br>
-              <a:rPr lang="en-IN" sz="1650" dirty="0">
-                <a:latin typeface="Arial Rounded MT Bold" panose="020F0704030504030204" pitchFamily="34" charset="0"/>
-              </a:rPr>
-            </a:br>
-            <a:br>
-              <a:rPr lang="en-IN" sz="1650" dirty="0">
-                <a:latin typeface="Arial Rounded MT Bold" panose="020F0704030504030204" pitchFamily="34" charset="0"/>
-              </a:rPr>
-            </a:br>
-            <a:r>
-              <a:rPr lang="en-IN" sz="2000" dirty="0">
-                <a:latin typeface="+mn-lt"/>
-              </a:rPr>
-              <a:t>Significant features like disbursed amount and asset amount plotted with loan defaulters, here the distribution is almost same shows no correlation with the target variable.</a:t>
-            </a:r>
-            <a:br>
-              <a:rPr lang="en-IN" sz="2000" dirty="0">
-                <a:latin typeface="+mn-lt"/>
-              </a:rPr>
-            </a:br>
-            <a:endParaRPr lang="en-IN" sz="2000" dirty="0">
-              <a:latin typeface="+mn-lt"/>
-            </a:endParaRPr>
+            <a:r>
+              <a:rPr lang="en-US" dirty="0"/>
+              <a:t>Statistical significance of Numerical variables</a:t>
+            </a:r>
           </a:p>
         </p:txBody>
       </p:sp>
       <p:pic>
         <p:nvPicPr>
-          <p:cNvPr id="4" name="Content Placeholder 3"/>
+          <p:cNvPr id="11" name="Content Placeholder 6">
+            <a:extLst>
+              <a:ext uri="{FF2B5EF4-FFF2-40B4-BE49-F238E27FC236}">
+                <a16:creationId xmlns:a16="http://schemas.microsoft.com/office/drawing/2014/main" id="{E7EC1792-3B33-4C45-817B-61AB29A10F8E}"/>
+              </a:ext>
+            </a:extLst>
+          </p:cNvPr>
           <p:cNvPicPr>
-            <a:picLocks noGrp="1" noChangeAspect="1"/>
+            <a:picLocks noChangeAspect="1"/>
           </p:cNvPicPr>
-          <p:nvPr>
-            <p:ph idx="1"/>
-          </p:nvPr>
+          <p:nvPr/>
         </p:nvPicPr>
         <p:blipFill>
           <a:blip r:embed="rId2">
@@ -7901,99 +9505,18 @@
         </p:blipFill>
         <p:spPr>
           <a:xfrm>
-            <a:off x="628650" y="1916498"/>
-            <a:ext cx="3434392" cy="2050930"/>
-          </a:xfrm>
-        </p:spPr>
-      </p:pic>
-      <p:pic>
-        <p:nvPicPr>
-          <p:cNvPr id="5" name="Picture 4"/>
-          <p:cNvPicPr>
-            <a:picLocks noChangeAspect="1"/>
-          </p:cNvPicPr>
-          <p:nvPr/>
-        </p:nvPicPr>
-        <p:blipFill>
-          <a:blip r:embed="rId3">
-            <a:extLst>
-              <a:ext uri="{28A0092B-C50C-407E-A947-70E740481C1C}">
-                <a14:useLocalDpi xmlns:a14="http://schemas.microsoft.com/office/drawing/2010/main" val="0"/>
-              </a:ext>
-            </a:extLst>
-          </a:blip>
-          <a:stretch>
-            <a:fillRect/>
-          </a:stretch>
-        </p:blipFill>
-        <p:spPr>
-          <a:xfrm>
-            <a:off x="4787660" y="1834192"/>
-            <a:ext cx="3202557" cy="2093297"/>
+            <a:off x="1219200" y="1828800"/>
+            <a:ext cx="5905500" cy="4067175"/>
           </a:xfrm>
           <a:prstGeom prst="rect">
             <a:avLst/>
           </a:prstGeom>
         </p:spPr>
       </p:pic>
-      <p:sp>
-        <p:nvSpPr>
-          <p:cNvPr id="6" name="Rectangle 5"/>
-          <p:cNvSpPr/>
-          <p:nvPr/>
-        </p:nvSpPr>
-        <p:spPr>
-          <a:xfrm>
-            <a:off x="517585" y="4273541"/>
-            <a:ext cx="7142672" cy="2123658"/>
-          </a:xfrm>
-          <a:prstGeom prst="rect">
-            <a:avLst/>
-          </a:prstGeom>
-        </p:spPr>
-        <p:txBody>
-          <a:bodyPr wrap="square">
-            <a:spAutoFit/>
-          </a:bodyPr>
-          <a:lstStyle/>
-          <a:p>
-            <a:r>
-              <a:rPr lang="en-IN" sz="2400" dirty="0"/>
-              <a:t>Multi collinearity check:</a:t>
-            </a:r>
-          </a:p>
-          <a:p>
-            <a:endParaRPr lang="en-IN" dirty="0"/>
-          </a:p>
-          <a:p>
-            <a:pPr marL="214313" indent="-214313">
-              <a:buFont typeface="Arial" panose="020B0604020202020204" pitchFamily="34" charset="0"/>
-              <a:buChar char="•"/>
-            </a:pPr>
-            <a:r>
-              <a:rPr lang="en-IN" dirty="0"/>
-              <a:t>Multi collinearity check is performed.</a:t>
-            </a:r>
-          </a:p>
-          <a:p>
-            <a:endParaRPr lang="en-IN" dirty="0"/>
-          </a:p>
-          <a:p>
-            <a:pPr marL="214313" indent="-214313">
-              <a:buFont typeface="Arial" panose="020B0604020202020204" pitchFamily="34" charset="0"/>
-              <a:buChar char="•"/>
-            </a:pPr>
-            <a:r>
-              <a:rPr lang="en-IN" dirty="0"/>
-              <a:t> Features like primary disbursed amount, secondary sanctioned amount and secondary disbursed amount is highly correlated with target variable.</a:t>
-            </a:r>
-          </a:p>
-        </p:txBody>
-      </p:sp>
     </p:spTree>
     <p:extLst>
       <p:ext uri="{BB962C8B-B14F-4D97-AF65-F5344CB8AC3E}">
-        <p14:creationId xmlns:p14="http://schemas.microsoft.com/office/powerpoint/2010/main" val="4214860241"/>
+        <p14:creationId xmlns:p14="http://schemas.microsoft.com/office/powerpoint/2010/main" val="146618133"/>
       </p:ext>
     </p:extLst>
   </p:cSld>

--- a/Pravin Kumar/Vehicle Loan Default Prediction.pptx
+++ b/Pravin Kumar/Vehicle Loan Default Prediction.pptx
@@ -22,8 +22,8 @@
     <p:sldId id="346" r:id="rId13"/>
     <p:sldId id="347" r:id="rId14"/>
     <p:sldId id="342" r:id="rId15"/>
-    <p:sldId id="344" r:id="rId16"/>
-    <p:sldId id="336" r:id="rId17"/>
+    <p:sldId id="340" r:id="rId16"/>
+    <p:sldId id="349" r:id="rId17"/>
     <p:sldId id="263" r:id="rId18"/>
   </p:sldIdLst>
   <p:sldSz cx="9144000" cy="6858000" type="screen4x3"/>
@@ -4277,6 +4277,7 @@
           <a:bodyPr/>
           <a:lstStyle/>
           <a:p>
+            <a:pPr algn="l"/>
             <a:r>
               <a:rPr lang="en-US" dirty="0"/>
               <a:t>Model Performances</a:t>
@@ -5233,6 +5234,7 @@
           <a:bodyPr/>
           <a:lstStyle/>
           <a:p>
+            <a:pPr algn="l"/>
             <a:r>
               <a:rPr lang="en-US" dirty="0" err="1"/>
               <a:t>XGBoost</a:t>
@@ -5725,7 +5727,7 @@
           <p:cNvPr id="2" name="Title 1">
             <a:extLst>
               <a:ext uri="{FF2B5EF4-FFF2-40B4-BE49-F238E27FC236}">
-                <a16:creationId xmlns:a16="http://schemas.microsoft.com/office/drawing/2014/main" id="{93E48B16-F83B-42AA-9112-061FC8864E3F}"/>
+                <a16:creationId xmlns:a16="http://schemas.microsoft.com/office/drawing/2014/main" id="{358846E5-A069-435E-B653-C6820D7243D5}"/>
               </a:ext>
             </a:extLst>
           </p:cNvPr>
@@ -5741,42 +5743,393 @@
           <a:bodyPr/>
           <a:lstStyle/>
           <a:p>
-            <a:r>
-              <a:rPr lang="en-US" dirty="0"/>
-              <a:t>Return On Investment</a:t>
-            </a:r>
-          </a:p>
-        </p:txBody>
-      </p:sp>
-      <p:sp>
-        <p:nvSpPr>
-          <p:cNvPr id="3" name="Content Placeholder 2">
+            <a:pPr algn="l"/>
+            <a:r>
+              <a:rPr lang="en-IN" dirty="0"/>
+              <a:t>Profit Generated from Loans</a:t>
+            </a:r>
+          </a:p>
+        </p:txBody>
+      </p:sp>
+      <p:sp>
+        <p:nvSpPr>
+          <p:cNvPr id="6" name="Rectangle 5">
             <a:extLst>
               <a:ext uri="{FF2B5EF4-FFF2-40B4-BE49-F238E27FC236}">
-                <a16:creationId xmlns:a16="http://schemas.microsoft.com/office/drawing/2014/main" id="{B3E990F1-3675-4CB6-BF81-7989FA909C95}"/>
+                <a16:creationId xmlns:a16="http://schemas.microsoft.com/office/drawing/2014/main" id="{FD18AD3C-3831-443B-B3AB-E4A0D2FC0924}"/>
               </a:ext>
             </a:extLst>
           </p:cNvPr>
-          <p:cNvSpPr>
-            <a:spLocks noGrp="1"/>
-          </p:cNvSpPr>
-          <p:nvPr>
-            <p:ph idx="1"/>
-          </p:nvPr>
-        </p:nvSpPr>
-        <p:spPr/>
-        <p:txBody>
-          <a:bodyPr/>
+          <p:cNvSpPr/>
+          <p:nvPr/>
+        </p:nvSpPr>
+        <p:spPr>
+          <a:xfrm>
+            <a:off x="2791544" y="4174993"/>
+            <a:ext cx="2655493" cy="707886"/>
+          </a:xfrm>
+          <a:prstGeom prst="rect">
+            <a:avLst/>
+          </a:prstGeom>
+          <a:noFill/>
+        </p:spPr>
+        <p:txBody>
+          <a:bodyPr wrap="square" lIns="91440" tIns="45720" rIns="91440" bIns="45720">
+            <a:spAutoFit/>
+          </a:bodyPr>
           <a:lstStyle/>
           <a:p>
-            <a:endParaRPr lang="en-US"/>
+            <a:pPr algn="ctr"/>
+            <a:r>
+              <a:rPr lang="en-US" sz="4000" dirty="0">
+                <a:ln w="0"/>
+              </a:rPr>
+              <a:t>Rs. 1180</a:t>
+            </a:r>
+          </a:p>
+        </p:txBody>
+      </p:sp>
+      <p:sp>
+        <p:nvSpPr>
+          <p:cNvPr id="7" name="Rectangle 6">
+            <a:extLst>
+              <a:ext uri="{FF2B5EF4-FFF2-40B4-BE49-F238E27FC236}">
+                <a16:creationId xmlns:a16="http://schemas.microsoft.com/office/drawing/2014/main" id="{DCACD85D-4EB6-4676-B00E-681FE3FAF1F0}"/>
+              </a:ext>
+            </a:extLst>
+          </p:cNvPr>
+          <p:cNvSpPr/>
+          <p:nvPr/>
+        </p:nvSpPr>
+        <p:spPr>
+          <a:xfrm>
+            <a:off x="1673138" y="5401379"/>
+            <a:ext cx="2292523" cy="707886"/>
+          </a:xfrm>
+          <a:prstGeom prst="rect">
+            <a:avLst/>
+          </a:prstGeom>
+          <a:noFill/>
+        </p:spPr>
+        <p:txBody>
+          <a:bodyPr wrap="square" lIns="91440" tIns="45720" rIns="91440" bIns="45720">
+            <a:spAutoFit/>
+          </a:bodyPr>
+          <a:lstStyle/>
+          <a:p>
+            <a:pPr algn="ctr"/>
+            <a:r>
+              <a:rPr lang="en-US" sz="4000" b="0" cap="none" spc="0" dirty="0">
+                <a:ln w="0"/>
+                <a:solidFill>
+                  <a:schemeClr val="tx1"/>
+                </a:solidFill>
+              </a:rPr>
+              <a:t>Rs. 717</a:t>
+            </a:r>
+          </a:p>
+        </p:txBody>
+      </p:sp>
+      <p:sp>
+        <p:nvSpPr>
+          <p:cNvPr id="8" name="Rectangle 7">
+            <a:extLst>
+              <a:ext uri="{FF2B5EF4-FFF2-40B4-BE49-F238E27FC236}">
+                <a16:creationId xmlns:a16="http://schemas.microsoft.com/office/drawing/2014/main" id="{61088C8E-2249-45C8-8CDF-CE68B154CD05}"/>
+              </a:ext>
+            </a:extLst>
+          </p:cNvPr>
+          <p:cNvSpPr/>
+          <p:nvPr/>
+        </p:nvSpPr>
+        <p:spPr>
+          <a:xfrm>
+            <a:off x="4295696" y="5401379"/>
+            <a:ext cx="2292522" cy="707886"/>
+          </a:xfrm>
+          <a:prstGeom prst="rect">
+            <a:avLst/>
+          </a:prstGeom>
+          <a:noFill/>
+        </p:spPr>
+        <p:txBody>
+          <a:bodyPr wrap="square" lIns="91440" tIns="45720" rIns="91440" bIns="45720">
+            <a:spAutoFit/>
+          </a:bodyPr>
+          <a:lstStyle/>
+          <a:p>
+            <a:pPr algn="ctr"/>
+            <a:r>
+              <a:rPr lang="en-US" sz="4000" b="0" cap="none" spc="0" dirty="0">
+                <a:ln w="0"/>
+                <a:solidFill>
+                  <a:schemeClr val="tx1"/>
+                </a:solidFill>
+              </a:rPr>
+              <a:t>Rs. 463</a:t>
+            </a:r>
+          </a:p>
+        </p:txBody>
+      </p:sp>
+      <p:sp>
+        <p:nvSpPr>
+          <p:cNvPr id="13" name="TextBox 12">
+            <a:extLst>
+              <a:ext uri="{FF2B5EF4-FFF2-40B4-BE49-F238E27FC236}">
+                <a16:creationId xmlns:a16="http://schemas.microsoft.com/office/drawing/2014/main" id="{6F5756B0-2790-4545-B543-A525FE11F074}"/>
+              </a:ext>
+            </a:extLst>
+          </p:cNvPr>
+          <p:cNvSpPr txBox="1"/>
+          <p:nvPr/>
+        </p:nvSpPr>
+        <p:spPr>
+          <a:xfrm>
+            <a:off x="6622877" y="5262880"/>
+            <a:ext cx="2292523" cy="1200329"/>
+          </a:xfrm>
+          <a:prstGeom prst="rect">
+            <a:avLst/>
+          </a:prstGeom>
+          <a:noFill/>
+        </p:spPr>
+        <p:txBody>
+          <a:bodyPr wrap="square" rtlCol="0">
+            <a:spAutoFit/>
+          </a:bodyPr>
+          <a:lstStyle/>
+          <a:p>
+            <a:r>
+              <a:rPr lang="en-IN" sz="2400" dirty="0"/>
+              <a:t>Interest Part of EMI, which is the Bank’s Income</a:t>
+            </a:r>
+          </a:p>
+        </p:txBody>
+      </p:sp>
+      <p:cxnSp>
+        <p:nvCxnSpPr>
+          <p:cNvPr id="15" name="Straight Arrow Connector 14">
+            <a:extLst>
+              <a:ext uri="{FF2B5EF4-FFF2-40B4-BE49-F238E27FC236}">
+                <a16:creationId xmlns:a16="http://schemas.microsoft.com/office/drawing/2014/main" id="{8A39F778-A356-4A7C-A759-E387C4B32737}"/>
+              </a:ext>
+            </a:extLst>
+          </p:cNvPr>
+          <p:cNvCxnSpPr/>
+          <p:nvPr/>
+        </p:nvCxnSpPr>
+        <p:spPr>
+          <a:xfrm flipH="1">
+            <a:off x="2819400" y="5018671"/>
+            <a:ext cx="762000" cy="315329"/>
+          </a:xfrm>
+          <a:prstGeom prst="straightConnector1">
+            <a:avLst/>
+          </a:prstGeom>
+          <a:ln w="57150">
+            <a:tailEnd type="triangle"/>
+          </a:ln>
+        </p:spPr>
+        <p:style>
+          <a:lnRef idx="1">
+            <a:schemeClr val="accent1"/>
+          </a:lnRef>
+          <a:fillRef idx="0">
+            <a:schemeClr val="accent1"/>
+          </a:fillRef>
+          <a:effectRef idx="0">
+            <a:schemeClr val="accent1"/>
+          </a:effectRef>
+          <a:fontRef idx="minor">
+            <a:schemeClr val="tx1"/>
+          </a:fontRef>
+        </p:style>
+      </p:cxnSp>
+      <p:cxnSp>
+        <p:nvCxnSpPr>
+          <p:cNvPr id="16" name="Straight Arrow Connector 15">
+            <a:extLst>
+              <a:ext uri="{FF2B5EF4-FFF2-40B4-BE49-F238E27FC236}">
+                <a16:creationId xmlns:a16="http://schemas.microsoft.com/office/drawing/2014/main" id="{EA094331-8DF9-4DC8-A1F8-A208300B6373}"/>
+              </a:ext>
+            </a:extLst>
+          </p:cNvPr>
+          <p:cNvCxnSpPr>
+            <a:cxnSpLocks/>
+          </p:cNvCxnSpPr>
+          <p:nvPr/>
+        </p:nvCxnSpPr>
+        <p:spPr>
+          <a:xfrm>
+            <a:off x="4803861" y="5013406"/>
+            <a:ext cx="762000" cy="315329"/>
+          </a:xfrm>
+          <a:prstGeom prst="straightConnector1">
+            <a:avLst/>
+          </a:prstGeom>
+          <a:ln w="57150">
+            <a:tailEnd type="triangle"/>
+          </a:ln>
+        </p:spPr>
+        <p:style>
+          <a:lnRef idx="1">
+            <a:schemeClr val="accent1"/>
+          </a:lnRef>
+          <a:fillRef idx="0">
+            <a:schemeClr val="accent1"/>
+          </a:fillRef>
+          <a:effectRef idx="0">
+            <a:schemeClr val="accent1"/>
+          </a:effectRef>
+          <a:fontRef idx="minor">
+            <a:schemeClr val="tx1"/>
+          </a:fontRef>
+        </p:style>
+      </p:cxnSp>
+      <p:sp>
+        <p:nvSpPr>
+          <p:cNvPr id="17" name="TextBox 16">
+            <a:extLst>
+              <a:ext uri="{FF2B5EF4-FFF2-40B4-BE49-F238E27FC236}">
+                <a16:creationId xmlns:a16="http://schemas.microsoft.com/office/drawing/2014/main" id="{855F9FF2-EB6B-4619-B84B-7369A43C3C5A}"/>
+              </a:ext>
+            </a:extLst>
+          </p:cNvPr>
+          <p:cNvSpPr txBox="1"/>
+          <p:nvPr/>
+        </p:nvSpPr>
+        <p:spPr>
+          <a:xfrm>
+            <a:off x="377738" y="5328735"/>
+            <a:ext cx="1603462" cy="830997"/>
+          </a:xfrm>
+          <a:prstGeom prst="rect">
+            <a:avLst/>
+          </a:prstGeom>
+          <a:noFill/>
+        </p:spPr>
+        <p:txBody>
+          <a:bodyPr wrap="square" rtlCol="0">
+            <a:spAutoFit/>
+          </a:bodyPr>
+          <a:lstStyle/>
+          <a:p>
+            <a:r>
+              <a:rPr lang="en-IN" sz="2400" dirty="0"/>
+              <a:t>Principal Part of EMI</a:t>
+            </a:r>
+          </a:p>
+        </p:txBody>
+      </p:sp>
+      <p:sp>
+        <p:nvSpPr>
+          <p:cNvPr id="18" name="TextBox 17">
+            <a:extLst>
+              <a:ext uri="{FF2B5EF4-FFF2-40B4-BE49-F238E27FC236}">
+                <a16:creationId xmlns:a16="http://schemas.microsoft.com/office/drawing/2014/main" id="{189F691A-BB1F-41A6-BFF0-8829636123DB}"/>
+              </a:ext>
+            </a:extLst>
+          </p:cNvPr>
+          <p:cNvSpPr txBox="1"/>
+          <p:nvPr/>
+        </p:nvSpPr>
+        <p:spPr>
+          <a:xfrm flipH="1">
+            <a:off x="5500362" y="4400213"/>
+            <a:ext cx="3191518" cy="461665"/>
+          </a:xfrm>
+          <a:prstGeom prst="rect">
+            <a:avLst/>
+          </a:prstGeom>
+          <a:noFill/>
+        </p:spPr>
+        <p:txBody>
+          <a:bodyPr wrap="square" rtlCol="0">
+            <a:spAutoFit/>
+          </a:bodyPr>
+          <a:lstStyle/>
+          <a:p>
+            <a:r>
+              <a:rPr lang="en-IN" sz="2400" dirty="0"/>
+              <a:t>Monthly EMI Amount</a:t>
+            </a:r>
+          </a:p>
+        </p:txBody>
+      </p:sp>
+      <p:pic>
+        <p:nvPicPr>
+          <p:cNvPr id="20" name="Picture 19">
+            <a:extLst>
+              <a:ext uri="{FF2B5EF4-FFF2-40B4-BE49-F238E27FC236}">
+                <a16:creationId xmlns:a16="http://schemas.microsoft.com/office/drawing/2014/main" id="{3DA46839-A62D-4D2A-975F-98D8A7169EE5}"/>
+              </a:ext>
+            </a:extLst>
+          </p:cNvPr>
+          <p:cNvPicPr>
+            <a:picLocks noChangeAspect="1"/>
+          </p:cNvPicPr>
+          <p:nvPr/>
+        </p:nvPicPr>
+        <p:blipFill>
+          <a:blip r:embed="rId2">
+            <a:extLst>
+              <a:ext uri="{28A0092B-C50C-407E-A947-70E740481C1C}">
+                <a14:useLocalDpi xmlns:a14="http://schemas.microsoft.com/office/drawing/2010/main" val="0"/>
+              </a:ext>
+            </a:extLst>
+          </a:blip>
+          <a:stretch>
+            <a:fillRect/>
+          </a:stretch>
+        </p:blipFill>
+        <p:spPr>
+          <a:xfrm>
+            <a:off x="457200" y="2764329"/>
+            <a:ext cx="8309062" cy="1339134"/>
+          </a:xfrm>
+          <a:prstGeom prst="rect">
+            <a:avLst/>
+          </a:prstGeom>
+        </p:spPr>
+      </p:pic>
+      <p:sp>
+        <p:nvSpPr>
+          <p:cNvPr id="21" name="Rectangle 20">
+            <a:extLst>
+              <a:ext uri="{FF2B5EF4-FFF2-40B4-BE49-F238E27FC236}">
+                <a16:creationId xmlns:a16="http://schemas.microsoft.com/office/drawing/2014/main" id="{4B7D9176-998E-4D90-BEF3-FDDAA10F7AA8}"/>
+              </a:ext>
+            </a:extLst>
+          </p:cNvPr>
+          <p:cNvSpPr/>
+          <p:nvPr/>
+        </p:nvSpPr>
+        <p:spPr>
+          <a:xfrm>
+            <a:off x="1885134" y="1944439"/>
+            <a:ext cx="5373731" cy="461665"/>
+          </a:xfrm>
+          <a:prstGeom prst="rect">
+            <a:avLst/>
+          </a:prstGeom>
+        </p:spPr>
+        <p:txBody>
+          <a:bodyPr wrap="square">
+            <a:spAutoFit/>
+          </a:bodyPr>
+          <a:lstStyle/>
+          <a:p>
+            <a:r>
+              <a:rPr lang="en-IN" sz="2400" dirty="0"/>
+              <a:t>Median Sanctioned Amount -&gt; Rs. 55553</a:t>
+            </a:r>
           </a:p>
         </p:txBody>
       </p:sp>
     </p:spTree>
     <p:extLst>
       <p:ext uri="{BB962C8B-B14F-4D97-AF65-F5344CB8AC3E}">
-        <p14:creationId xmlns:p14="http://schemas.microsoft.com/office/powerpoint/2010/main" val="2810613978"/>
+        <p14:creationId xmlns:p14="http://schemas.microsoft.com/office/powerpoint/2010/main" val="383388422"/>
       </p:ext>
     </p:extLst>
   </p:cSld>
@@ -5805,265 +6158,10 @@
       </p:grpSpPr>
       <p:sp>
         <p:nvSpPr>
-          <p:cNvPr id="4" name="Title 1">
+          <p:cNvPr id="2" name="Title 1">
             <a:extLst>
               <a:ext uri="{FF2B5EF4-FFF2-40B4-BE49-F238E27FC236}">
-                <a16:creationId xmlns:a16="http://schemas.microsoft.com/office/drawing/2014/main" id="{A148EF26-8D46-4B15-973B-75E03A95CDAE}"/>
-              </a:ext>
-            </a:extLst>
-          </p:cNvPr>
-          <p:cNvSpPr txBox="1">
-            <a:spLocks/>
-          </p:cNvSpPr>
-          <p:nvPr/>
-        </p:nvSpPr>
-        <p:spPr>
-          <a:xfrm>
-            <a:off x="685800" y="3657600"/>
-            <a:ext cx="8229600" cy="1143000"/>
-          </a:xfrm>
-          <a:prstGeom prst="rect">
-            <a:avLst/>
-          </a:prstGeom>
-        </p:spPr>
-        <p:txBody>
-          <a:bodyPr vert="horz" lIns="91440" tIns="45720" rIns="91440" bIns="45720" rtlCol="0" anchor="ctr">
-            <a:normAutofit/>
-          </a:bodyPr>
-          <a:lstStyle>
-            <a:lvl1pPr algn="ctr" defTabSz="914400" rtl="0" eaLnBrk="1" latinLnBrk="0" hangingPunct="1">
-              <a:spcBef>
-                <a:spcPct val="0"/>
-              </a:spcBef>
-              <a:buNone/>
-              <a:defRPr sz="4400" kern="1200">
-                <a:solidFill>
-                  <a:schemeClr val="tx1"/>
-                </a:solidFill>
-                <a:latin typeface="+mj-lt"/>
-                <a:ea typeface="+mj-ea"/>
-                <a:cs typeface="+mj-cs"/>
-              </a:defRPr>
-            </a:lvl1pPr>
-          </a:lstStyle>
-          <a:p>
-            <a:pPr algn="l"/>
-            <a:r>
-              <a:rPr lang="en-US" dirty="0"/>
-              <a:t>Reference</a:t>
-            </a:r>
-          </a:p>
-        </p:txBody>
-      </p:sp>
-      <p:sp>
-        <p:nvSpPr>
-          <p:cNvPr id="5" name="Content Placeholder 2">
-            <a:extLst>
-              <a:ext uri="{FF2B5EF4-FFF2-40B4-BE49-F238E27FC236}">
-                <a16:creationId xmlns:a16="http://schemas.microsoft.com/office/drawing/2014/main" id="{AC2B98C8-1410-4EE3-98A2-9AA56034D000}"/>
-              </a:ext>
-            </a:extLst>
-          </p:cNvPr>
-          <p:cNvSpPr txBox="1">
-            <a:spLocks/>
-          </p:cNvSpPr>
-          <p:nvPr/>
-        </p:nvSpPr>
-        <p:spPr>
-          <a:xfrm>
-            <a:off x="685800" y="4724400"/>
-            <a:ext cx="8229600" cy="4525963"/>
-          </a:xfrm>
-          <a:prstGeom prst="rect">
-            <a:avLst/>
-          </a:prstGeom>
-        </p:spPr>
-        <p:txBody>
-          <a:bodyPr vert="horz" lIns="91440" tIns="45720" rIns="91440" bIns="45720" rtlCol="0">
-            <a:normAutofit/>
-          </a:bodyPr>
-          <a:lstStyle>
-            <a:lvl1pPr marL="342900" indent="-342900" algn="l" defTabSz="914400" rtl="0" eaLnBrk="1" latinLnBrk="0" hangingPunct="1">
-              <a:spcBef>
-                <a:spcPct val="20000"/>
-              </a:spcBef>
-              <a:buFont typeface="Arial" panose="020B0604020202020204" pitchFamily="34" charset="0"/>
-              <a:buChar char="•"/>
-              <a:defRPr sz="3200" kern="1200">
-                <a:solidFill>
-                  <a:schemeClr val="tx1"/>
-                </a:solidFill>
-                <a:latin typeface="+mn-lt"/>
-                <a:ea typeface="+mn-ea"/>
-                <a:cs typeface="+mn-cs"/>
-              </a:defRPr>
-            </a:lvl1pPr>
-            <a:lvl2pPr marL="742950" indent="-285750" algn="l" defTabSz="914400" rtl="0" eaLnBrk="1" latinLnBrk="0" hangingPunct="1">
-              <a:spcBef>
-                <a:spcPct val="20000"/>
-              </a:spcBef>
-              <a:buFont typeface="Arial" panose="020B0604020202020204" pitchFamily="34" charset="0"/>
-              <a:buChar char="–"/>
-              <a:defRPr sz="2800" kern="1200">
-                <a:solidFill>
-                  <a:schemeClr val="tx1"/>
-                </a:solidFill>
-                <a:latin typeface="+mn-lt"/>
-                <a:ea typeface="+mn-ea"/>
-                <a:cs typeface="+mn-cs"/>
-              </a:defRPr>
-            </a:lvl2pPr>
-            <a:lvl3pPr marL="1143000" indent="-228600" algn="l" defTabSz="914400" rtl="0" eaLnBrk="1" latinLnBrk="0" hangingPunct="1">
-              <a:spcBef>
-                <a:spcPct val="20000"/>
-              </a:spcBef>
-              <a:buFont typeface="Arial" panose="020B0604020202020204" pitchFamily="34" charset="0"/>
-              <a:buChar char="•"/>
-              <a:defRPr sz="2400" kern="1200">
-                <a:solidFill>
-                  <a:schemeClr val="tx1"/>
-                </a:solidFill>
-                <a:latin typeface="+mn-lt"/>
-                <a:ea typeface="+mn-ea"/>
-                <a:cs typeface="+mn-cs"/>
-              </a:defRPr>
-            </a:lvl3pPr>
-            <a:lvl4pPr marL="1600200" indent="-228600" algn="l" defTabSz="914400" rtl="0" eaLnBrk="1" latinLnBrk="0" hangingPunct="1">
-              <a:spcBef>
-                <a:spcPct val="20000"/>
-              </a:spcBef>
-              <a:buFont typeface="Arial" panose="020B0604020202020204" pitchFamily="34" charset="0"/>
-              <a:buChar char="–"/>
-              <a:defRPr sz="2000" kern="1200">
-                <a:solidFill>
-                  <a:schemeClr val="tx1"/>
-                </a:solidFill>
-                <a:latin typeface="+mn-lt"/>
-                <a:ea typeface="+mn-ea"/>
-                <a:cs typeface="+mn-cs"/>
-              </a:defRPr>
-            </a:lvl4pPr>
-            <a:lvl5pPr marL="2057400" indent="-228600" algn="l" defTabSz="914400" rtl="0" eaLnBrk="1" latinLnBrk="0" hangingPunct="1">
-              <a:spcBef>
-                <a:spcPct val="20000"/>
-              </a:spcBef>
-              <a:buFont typeface="Arial" panose="020B0604020202020204" pitchFamily="34" charset="0"/>
-              <a:buChar char="»"/>
-              <a:defRPr sz="2000" kern="1200">
-                <a:solidFill>
-                  <a:schemeClr val="tx1"/>
-                </a:solidFill>
-                <a:latin typeface="+mn-lt"/>
-                <a:ea typeface="+mn-ea"/>
-                <a:cs typeface="+mn-cs"/>
-              </a:defRPr>
-            </a:lvl5pPr>
-            <a:lvl6pPr marL="2514600" indent="-228600" algn="l" defTabSz="914400" rtl="0" eaLnBrk="1" latinLnBrk="0" hangingPunct="1">
-              <a:spcBef>
-                <a:spcPct val="20000"/>
-              </a:spcBef>
-              <a:buFont typeface="Arial" panose="020B0604020202020204" pitchFamily="34" charset="0"/>
-              <a:buChar char="•"/>
-              <a:defRPr sz="2000" kern="1200">
-                <a:solidFill>
-                  <a:schemeClr val="tx1"/>
-                </a:solidFill>
-                <a:latin typeface="+mn-lt"/>
-                <a:ea typeface="+mn-ea"/>
-                <a:cs typeface="+mn-cs"/>
-              </a:defRPr>
-            </a:lvl6pPr>
-            <a:lvl7pPr marL="2971800" indent="-228600" algn="l" defTabSz="914400" rtl="0" eaLnBrk="1" latinLnBrk="0" hangingPunct="1">
-              <a:spcBef>
-                <a:spcPct val="20000"/>
-              </a:spcBef>
-              <a:buFont typeface="Arial" panose="020B0604020202020204" pitchFamily="34" charset="0"/>
-              <a:buChar char="•"/>
-              <a:defRPr sz="2000" kern="1200">
-                <a:solidFill>
-                  <a:schemeClr val="tx1"/>
-                </a:solidFill>
-                <a:latin typeface="+mn-lt"/>
-                <a:ea typeface="+mn-ea"/>
-                <a:cs typeface="+mn-cs"/>
-              </a:defRPr>
-            </a:lvl7pPr>
-            <a:lvl8pPr marL="3429000" indent="-228600" algn="l" defTabSz="914400" rtl="0" eaLnBrk="1" latinLnBrk="0" hangingPunct="1">
-              <a:spcBef>
-                <a:spcPct val="20000"/>
-              </a:spcBef>
-              <a:buFont typeface="Arial" panose="020B0604020202020204" pitchFamily="34" charset="0"/>
-              <a:buChar char="•"/>
-              <a:defRPr sz="2000" kern="1200">
-                <a:solidFill>
-                  <a:schemeClr val="tx1"/>
-                </a:solidFill>
-                <a:latin typeface="+mn-lt"/>
-                <a:ea typeface="+mn-ea"/>
-                <a:cs typeface="+mn-cs"/>
-              </a:defRPr>
-            </a:lvl8pPr>
-            <a:lvl9pPr marL="3886200" indent="-228600" algn="l" defTabSz="914400" rtl="0" eaLnBrk="1" latinLnBrk="0" hangingPunct="1">
-              <a:spcBef>
-                <a:spcPct val="20000"/>
-              </a:spcBef>
-              <a:buFont typeface="Arial" panose="020B0604020202020204" pitchFamily="34" charset="0"/>
-              <a:buChar char="•"/>
-              <a:defRPr sz="2000" kern="1200">
-                <a:solidFill>
-                  <a:schemeClr val="tx1"/>
-                </a:solidFill>
-                <a:latin typeface="+mn-lt"/>
-                <a:ea typeface="+mn-ea"/>
-                <a:cs typeface="+mn-cs"/>
-              </a:defRPr>
-            </a:lvl9pPr>
-          </a:lstStyle>
-          <a:p>
-            <a:pPr marL="0" indent="0">
-              <a:buNone/>
-            </a:pPr>
-            <a:r>
-              <a:rPr lang="en-US" sz="2400" dirty="0">
-                <a:hlinkClick r:id="rId2"/>
-              </a:rPr>
-              <a:t>https://github.com/xavierigneous/Vehicle-Loan-Default-Prediction</a:t>
-            </a:r>
-            <a:endParaRPr lang="en-IN" sz="2400" b="1" dirty="0"/>
-          </a:p>
-        </p:txBody>
-      </p:sp>
-      <p:sp>
-        <p:nvSpPr>
-          <p:cNvPr id="7" name="Content Placeholder 6">
-            <a:extLst>
-              <a:ext uri="{FF2B5EF4-FFF2-40B4-BE49-F238E27FC236}">
-                <a16:creationId xmlns:a16="http://schemas.microsoft.com/office/drawing/2014/main" id="{8FC1742B-D2AE-440E-B4EA-446A6837B24B}"/>
-              </a:ext>
-            </a:extLst>
-          </p:cNvPr>
-          <p:cNvSpPr>
-            <a:spLocks noGrp="1"/>
-          </p:cNvSpPr>
-          <p:nvPr>
-            <p:ph idx="1"/>
-          </p:nvPr>
-        </p:nvSpPr>
-        <p:spPr/>
-        <p:txBody>
-          <a:bodyPr/>
-          <a:lstStyle/>
-          <a:p>
-            <a:endParaRPr lang="en-US"/>
-          </a:p>
-        </p:txBody>
-      </p:sp>
-      <p:sp>
-        <p:nvSpPr>
-          <p:cNvPr id="9" name="Title 8">
-            <a:extLst>
-              <a:ext uri="{FF2B5EF4-FFF2-40B4-BE49-F238E27FC236}">
-                <a16:creationId xmlns:a16="http://schemas.microsoft.com/office/drawing/2014/main" id="{F9AAB911-1E5B-46EB-98FA-6392317384B4}"/>
+                <a16:creationId xmlns:a16="http://schemas.microsoft.com/office/drawing/2014/main" id="{B1F3D8B8-B0DB-4879-9792-06D33CC8A986}"/>
               </a:ext>
             </a:extLst>
           </p:cNvPr>
@@ -6079,14 +6177,607 @@
           <a:bodyPr/>
           <a:lstStyle/>
           <a:p>
-            <a:endParaRPr lang="en-US"/>
+            <a:pPr algn="l"/>
+            <a:r>
+              <a:rPr lang="en-IN" dirty="0"/>
+              <a:t>Return on Investment</a:t>
+            </a:r>
+          </a:p>
+        </p:txBody>
+      </p:sp>
+      <p:pic>
+        <p:nvPicPr>
+          <p:cNvPr id="9" name="Content Placeholder 8">
+            <a:extLst>
+              <a:ext uri="{FF2B5EF4-FFF2-40B4-BE49-F238E27FC236}">
+                <a16:creationId xmlns:a16="http://schemas.microsoft.com/office/drawing/2014/main" id="{F5AA86DD-DAB8-4549-BA60-6045B095C2AA}"/>
+              </a:ext>
+            </a:extLst>
+          </p:cNvPr>
+          <p:cNvPicPr>
+            <a:picLocks noGrp="1" noChangeAspect="1"/>
+          </p:cNvPicPr>
+          <p:nvPr>
+            <p:ph idx="1"/>
+          </p:nvPr>
+        </p:nvPicPr>
+        <p:blipFill rotWithShape="1">
+          <a:blip r:embed="rId2">
+            <a:extLst>
+              <a:ext uri="{28A0092B-C50C-407E-A947-70E740481C1C}">
+                <a14:useLocalDpi xmlns:a14="http://schemas.microsoft.com/office/drawing/2010/main" val="0"/>
+              </a:ext>
+            </a:extLst>
+          </a:blip>
+          <a:srcRect l="-20455" t="-3226" r="16761" b="3226"/>
+          <a:stretch/>
+        </p:blipFill>
+        <p:spPr>
+          <a:xfrm>
+            <a:off x="576290" y="1608934"/>
+            <a:ext cx="3912366" cy="2658265"/>
+          </a:xfrm>
+        </p:spPr>
+      </p:pic>
+      <p:sp>
+        <p:nvSpPr>
+          <p:cNvPr id="10" name="TextBox 9">
+            <a:extLst>
+              <a:ext uri="{FF2B5EF4-FFF2-40B4-BE49-F238E27FC236}">
+                <a16:creationId xmlns:a16="http://schemas.microsoft.com/office/drawing/2014/main" id="{AD74470A-AA01-4BEC-A42B-420E352EE3BC}"/>
+              </a:ext>
+            </a:extLst>
+          </p:cNvPr>
+          <p:cNvSpPr txBox="1"/>
+          <p:nvPr/>
+        </p:nvSpPr>
+        <p:spPr>
+          <a:xfrm>
+            <a:off x="304800" y="2753400"/>
+            <a:ext cx="1295400" cy="369332"/>
+          </a:xfrm>
+          <a:prstGeom prst="rect">
+            <a:avLst/>
+          </a:prstGeom>
+          <a:noFill/>
+        </p:spPr>
+        <p:txBody>
+          <a:bodyPr wrap="square" rtlCol="0">
+            <a:spAutoFit/>
+          </a:bodyPr>
+          <a:lstStyle/>
+          <a:p>
+            <a:r>
+              <a:rPr lang="en-IN" dirty="0"/>
+              <a:t>Predicted</a:t>
+            </a:r>
+          </a:p>
+        </p:txBody>
+      </p:sp>
+      <p:sp>
+        <p:nvSpPr>
+          <p:cNvPr id="11" name="TextBox 10">
+            <a:extLst>
+              <a:ext uri="{FF2B5EF4-FFF2-40B4-BE49-F238E27FC236}">
+                <a16:creationId xmlns:a16="http://schemas.microsoft.com/office/drawing/2014/main" id="{C307768B-AD3D-44C8-AD13-74604959CE5F}"/>
+              </a:ext>
+            </a:extLst>
+          </p:cNvPr>
+          <p:cNvSpPr txBox="1"/>
+          <p:nvPr/>
+        </p:nvSpPr>
+        <p:spPr>
+          <a:xfrm>
+            <a:off x="2532473" y="1268342"/>
+            <a:ext cx="1143000" cy="369332"/>
+          </a:xfrm>
+          <a:prstGeom prst="rect">
+            <a:avLst/>
+          </a:prstGeom>
+          <a:noFill/>
+        </p:spPr>
+        <p:txBody>
+          <a:bodyPr wrap="square" rtlCol="0">
+            <a:spAutoFit/>
+          </a:bodyPr>
+          <a:lstStyle/>
+          <a:p>
+            <a:r>
+              <a:rPr lang="en-IN" dirty="0"/>
+              <a:t>Actual</a:t>
+            </a:r>
+          </a:p>
+        </p:txBody>
+      </p:sp>
+      <p:sp>
+        <p:nvSpPr>
+          <p:cNvPr id="12" name="Arrow: Down 11">
+            <a:extLst>
+              <a:ext uri="{FF2B5EF4-FFF2-40B4-BE49-F238E27FC236}">
+                <a16:creationId xmlns:a16="http://schemas.microsoft.com/office/drawing/2014/main" id="{53B69323-B851-46DC-B87A-7A2C37C40977}"/>
+              </a:ext>
+            </a:extLst>
+          </p:cNvPr>
+          <p:cNvSpPr/>
+          <p:nvPr/>
+        </p:nvSpPr>
+        <p:spPr>
+          <a:xfrm rot="16200000">
+            <a:off x="4657427" y="1875401"/>
+            <a:ext cx="523955" cy="694809"/>
+          </a:xfrm>
+          <a:prstGeom prst="downArrow">
+            <a:avLst/>
+          </a:prstGeom>
+          <a:solidFill>
+            <a:schemeClr val="accent4">
+              <a:lumMod val="20000"/>
+              <a:lumOff val="80000"/>
+            </a:schemeClr>
+          </a:solidFill>
+          <a:ln>
+            <a:solidFill>
+              <a:schemeClr val="tx1"/>
+            </a:solidFill>
+          </a:ln>
+        </p:spPr>
+        <p:style>
+          <a:lnRef idx="2">
+            <a:schemeClr val="accent1">
+              <a:shade val="50000"/>
+            </a:schemeClr>
+          </a:lnRef>
+          <a:fillRef idx="1">
+            <a:schemeClr val="accent1"/>
+          </a:fillRef>
+          <a:effectRef idx="0">
+            <a:schemeClr val="accent1"/>
+          </a:effectRef>
+          <a:fontRef idx="minor">
+            <a:schemeClr val="lt1"/>
+          </a:fontRef>
+        </p:style>
+        <p:txBody>
+          <a:bodyPr rtlCol="0" anchor="ctr"/>
+          <a:lstStyle/>
+          <a:p>
+            <a:pPr algn="ctr"/>
+            <a:endParaRPr lang="en-IN"/>
+          </a:p>
+        </p:txBody>
+      </p:sp>
+      <p:sp>
+        <p:nvSpPr>
+          <p:cNvPr id="14" name="TextBox 13">
+            <a:extLst>
+              <a:ext uri="{FF2B5EF4-FFF2-40B4-BE49-F238E27FC236}">
+                <a16:creationId xmlns:a16="http://schemas.microsoft.com/office/drawing/2014/main" id="{275B8D16-817C-41ED-9342-82B623CED41A}"/>
+              </a:ext>
+            </a:extLst>
+          </p:cNvPr>
+          <p:cNvSpPr txBox="1"/>
+          <p:nvPr/>
+        </p:nvSpPr>
+        <p:spPr>
+          <a:xfrm>
+            <a:off x="5266809" y="1788811"/>
+            <a:ext cx="2057400" cy="923330"/>
+          </a:xfrm>
+          <a:prstGeom prst="rect">
+            <a:avLst/>
+          </a:prstGeom>
+          <a:noFill/>
+        </p:spPr>
+        <p:txBody>
+          <a:bodyPr wrap="square" rtlCol="0">
+            <a:spAutoFit/>
+          </a:bodyPr>
+          <a:lstStyle/>
+          <a:p>
+            <a:r>
+              <a:rPr lang="en-IN" dirty="0"/>
+              <a:t>Potential Customers that are excluded by our model. </a:t>
+            </a:r>
+          </a:p>
+        </p:txBody>
+      </p:sp>
+      <p:pic>
+        <p:nvPicPr>
+          <p:cNvPr id="18" name="Graphic 17" descr="Sad face with no fill">
+            <a:extLst>
+              <a:ext uri="{FF2B5EF4-FFF2-40B4-BE49-F238E27FC236}">
+                <a16:creationId xmlns:a16="http://schemas.microsoft.com/office/drawing/2014/main" id="{26FB4329-8984-400D-913B-0C61A95A4220}"/>
+              </a:ext>
+            </a:extLst>
+          </p:cNvPr>
+          <p:cNvPicPr>
+            <a:picLocks noChangeAspect="1"/>
+          </p:cNvPicPr>
+          <p:nvPr/>
+        </p:nvPicPr>
+        <p:blipFill>
+          <a:blip r:embed="rId3">
+            <a:extLst>
+              <a:ext uri="{28A0092B-C50C-407E-A947-70E740481C1C}">
+                <a14:useLocalDpi xmlns:a14="http://schemas.microsoft.com/office/drawing/2010/main" val="0"/>
+              </a:ext>
+              <a:ext uri="{96DAC541-7B7A-43D3-8B79-37D633B846F1}">
+                <asvg:svgBlip xmlns:asvg="http://schemas.microsoft.com/office/drawing/2016/SVG/main" r:embed="rId4"/>
+              </a:ext>
+            </a:extLst>
+          </a:blip>
+          <a:stretch>
+            <a:fillRect/>
+          </a:stretch>
+        </p:blipFill>
+        <p:spPr>
+          <a:xfrm>
+            <a:off x="7272258" y="1912656"/>
+            <a:ext cx="614680" cy="614680"/>
+          </a:xfrm>
+          <a:prstGeom prst="rect">
+            <a:avLst/>
+          </a:prstGeom>
+        </p:spPr>
+      </p:pic>
+      <p:sp>
+        <p:nvSpPr>
+          <p:cNvPr id="19" name="TextBox 18">
+            <a:extLst>
+              <a:ext uri="{FF2B5EF4-FFF2-40B4-BE49-F238E27FC236}">
+                <a16:creationId xmlns:a16="http://schemas.microsoft.com/office/drawing/2014/main" id="{01E3125A-8B69-4194-8C27-19AE07FCA50F}"/>
+              </a:ext>
+            </a:extLst>
+          </p:cNvPr>
+          <p:cNvSpPr txBox="1"/>
+          <p:nvPr/>
+        </p:nvSpPr>
+        <p:spPr>
+          <a:xfrm>
+            <a:off x="1759743" y="4994167"/>
+            <a:ext cx="1662113" cy="1200329"/>
+          </a:xfrm>
+          <a:prstGeom prst="rect">
+            <a:avLst/>
+          </a:prstGeom>
+          <a:noFill/>
+        </p:spPr>
+        <p:txBody>
+          <a:bodyPr wrap="square" rtlCol="0">
+            <a:spAutoFit/>
+          </a:bodyPr>
+          <a:lstStyle/>
+          <a:p>
+            <a:r>
+              <a:rPr lang="en-IN" dirty="0"/>
+              <a:t>Non-Potential Customers that are given loan by our model. </a:t>
+            </a:r>
+          </a:p>
+        </p:txBody>
+      </p:sp>
+      <p:sp>
+        <p:nvSpPr>
+          <p:cNvPr id="22" name="Arrow: Right 21">
+            <a:extLst>
+              <a:ext uri="{FF2B5EF4-FFF2-40B4-BE49-F238E27FC236}">
+                <a16:creationId xmlns:a16="http://schemas.microsoft.com/office/drawing/2014/main" id="{6C4625CE-100F-4F79-B484-EA999EED0875}"/>
+              </a:ext>
+            </a:extLst>
+          </p:cNvPr>
+          <p:cNvSpPr/>
+          <p:nvPr/>
+        </p:nvSpPr>
+        <p:spPr>
+          <a:xfrm rot="5400000">
+            <a:off x="2166967" y="4410792"/>
+            <a:ext cx="633350" cy="533400"/>
+          </a:xfrm>
+          <a:prstGeom prst="rightArrow">
+            <a:avLst/>
+          </a:prstGeom>
+          <a:solidFill>
+            <a:schemeClr val="accent4">
+              <a:lumMod val="20000"/>
+              <a:lumOff val="80000"/>
+            </a:schemeClr>
+          </a:solidFill>
+          <a:ln>
+            <a:solidFill>
+              <a:schemeClr val="tx1"/>
+            </a:solidFill>
+          </a:ln>
+        </p:spPr>
+        <p:style>
+          <a:lnRef idx="2">
+            <a:schemeClr val="accent1">
+              <a:shade val="50000"/>
+            </a:schemeClr>
+          </a:lnRef>
+          <a:fillRef idx="1">
+            <a:schemeClr val="accent1"/>
+          </a:fillRef>
+          <a:effectRef idx="0">
+            <a:schemeClr val="accent1"/>
+          </a:effectRef>
+          <a:fontRef idx="minor">
+            <a:schemeClr val="lt1"/>
+          </a:fontRef>
+        </p:style>
+        <p:txBody>
+          <a:bodyPr rtlCol="0" anchor="ctr"/>
+          <a:lstStyle/>
+          <a:p>
+            <a:pPr algn="ctr"/>
+            <a:endParaRPr lang="en-IN"/>
+          </a:p>
+        </p:txBody>
+      </p:sp>
+      <p:sp>
+        <p:nvSpPr>
+          <p:cNvPr id="25" name="TextBox 24">
+            <a:extLst>
+              <a:ext uri="{FF2B5EF4-FFF2-40B4-BE49-F238E27FC236}">
+                <a16:creationId xmlns:a16="http://schemas.microsoft.com/office/drawing/2014/main" id="{B276EECC-DBC6-4397-B9FC-E82139369D80}"/>
+              </a:ext>
+            </a:extLst>
+          </p:cNvPr>
+          <p:cNvSpPr txBox="1"/>
+          <p:nvPr/>
+        </p:nvSpPr>
+        <p:spPr>
+          <a:xfrm>
+            <a:off x="4554700" y="3474217"/>
+            <a:ext cx="3744595" cy="923330"/>
+          </a:xfrm>
+          <a:prstGeom prst="rect">
+            <a:avLst/>
+          </a:prstGeom>
+          <a:noFill/>
+        </p:spPr>
+        <p:txBody>
+          <a:bodyPr wrap="square" rtlCol="0">
+            <a:spAutoFit/>
+          </a:bodyPr>
+          <a:lstStyle/>
+          <a:p>
+            <a:r>
+              <a:rPr lang="en-IN" dirty="0"/>
+              <a:t>Without model -&gt; 2,53,52,028(Profit)</a:t>
+            </a:r>
+          </a:p>
+          <a:p>
+            <a:r>
+              <a:rPr lang="en-IN" dirty="0"/>
+              <a:t>                                   - 70,33,433(Loss)</a:t>
+            </a:r>
+          </a:p>
+          <a:p>
+            <a:r>
+              <a:rPr lang="en-IN" dirty="0"/>
+              <a:t>           Net Profit = 1,83,18,595 </a:t>
+            </a:r>
+          </a:p>
+        </p:txBody>
+      </p:sp>
+      <p:sp>
+        <p:nvSpPr>
+          <p:cNvPr id="26" name="TextBox 25">
+            <a:extLst>
+              <a:ext uri="{FF2B5EF4-FFF2-40B4-BE49-F238E27FC236}">
+                <a16:creationId xmlns:a16="http://schemas.microsoft.com/office/drawing/2014/main" id="{5FCC1AEF-745F-49D8-A974-03DD7A149A23}"/>
+              </a:ext>
+            </a:extLst>
+          </p:cNvPr>
+          <p:cNvSpPr txBox="1"/>
+          <p:nvPr/>
+        </p:nvSpPr>
+        <p:spPr>
+          <a:xfrm>
+            <a:off x="4572000" y="4548197"/>
+            <a:ext cx="3709036" cy="1200329"/>
+          </a:xfrm>
+          <a:prstGeom prst="rect">
+            <a:avLst/>
+          </a:prstGeom>
+          <a:noFill/>
+        </p:spPr>
+        <p:txBody>
+          <a:bodyPr wrap="square" rtlCol="0">
+            <a:spAutoFit/>
+          </a:bodyPr>
+          <a:lstStyle/>
+          <a:p>
+            <a:r>
+              <a:rPr lang="en-IN" dirty="0"/>
+              <a:t>With our model -&gt; 2,48,76,527(Profit)</a:t>
+            </a:r>
+          </a:p>
+          <a:p>
+            <a:r>
+              <a:rPr lang="en-IN" dirty="0"/>
+              <a:t>                                  - 9,69,985 (Loss)</a:t>
+            </a:r>
+          </a:p>
+          <a:p>
+            <a:r>
+              <a:rPr lang="en-IN" dirty="0"/>
+              <a:t>                                  - 4,75,501 (Loss)</a:t>
+            </a:r>
+          </a:p>
+          <a:p>
+            <a:r>
+              <a:rPr lang="en-IN" dirty="0"/>
+              <a:t>            Net Profit = 2,34,31,041</a:t>
+            </a:r>
+          </a:p>
+        </p:txBody>
+      </p:sp>
+      <p:sp>
+        <p:nvSpPr>
+          <p:cNvPr id="27" name="TextBox 26">
+            <a:extLst>
+              <a:ext uri="{FF2B5EF4-FFF2-40B4-BE49-F238E27FC236}">
+                <a16:creationId xmlns:a16="http://schemas.microsoft.com/office/drawing/2014/main" id="{F04EBBC6-AB0E-44EE-B3C9-CE931090977F}"/>
+              </a:ext>
+            </a:extLst>
+          </p:cNvPr>
+          <p:cNvSpPr txBox="1"/>
+          <p:nvPr/>
+        </p:nvSpPr>
+        <p:spPr>
+          <a:xfrm>
+            <a:off x="4597717" y="5949731"/>
+            <a:ext cx="3657601" cy="646331"/>
+          </a:xfrm>
+          <a:prstGeom prst="rect">
+            <a:avLst/>
+          </a:prstGeom>
+          <a:noFill/>
+        </p:spPr>
+        <p:txBody>
+          <a:bodyPr wrap="square" rtlCol="0">
+            <a:spAutoFit/>
+          </a:bodyPr>
+          <a:lstStyle/>
+          <a:p>
+            <a:r>
+              <a:rPr lang="en-IN" dirty="0"/>
+              <a:t>50,00,000 more profit. </a:t>
+            </a:r>
+          </a:p>
+          <a:p>
+            <a:r>
+              <a:rPr lang="en-IN" dirty="0"/>
+              <a:t>% profit increased = 0.167 </a:t>
+            </a:r>
+          </a:p>
+        </p:txBody>
+      </p:sp>
+      <p:pic>
+        <p:nvPicPr>
+          <p:cNvPr id="29" name="Graphic 28" descr="Angel face with no fill">
+            <a:extLst>
+              <a:ext uri="{FF2B5EF4-FFF2-40B4-BE49-F238E27FC236}">
+                <a16:creationId xmlns:a16="http://schemas.microsoft.com/office/drawing/2014/main" id="{0CBE8A73-E052-488C-9A26-23BA84C63E67}"/>
+              </a:ext>
+            </a:extLst>
+          </p:cNvPr>
+          <p:cNvPicPr>
+            <a:picLocks noChangeAspect="1"/>
+          </p:cNvPicPr>
+          <p:nvPr/>
+        </p:nvPicPr>
+        <p:blipFill>
+          <a:blip r:embed="rId5">
+            <a:extLst>
+              <a:ext uri="{28A0092B-C50C-407E-A947-70E740481C1C}">
+                <a14:useLocalDpi xmlns:a14="http://schemas.microsoft.com/office/drawing/2010/main" val="0"/>
+              </a:ext>
+              <a:ext uri="{96DAC541-7B7A-43D3-8B79-37D633B846F1}">
+                <asvg:svgBlip xmlns:asvg="http://schemas.microsoft.com/office/drawing/2016/SVG/main" r:embed="rId6"/>
+              </a:ext>
+            </a:extLst>
+          </a:blip>
+          <a:stretch>
+            <a:fillRect/>
+          </a:stretch>
+        </p:blipFill>
+        <p:spPr>
+          <a:xfrm>
+            <a:off x="7241778" y="5949731"/>
+            <a:ext cx="570486" cy="569761"/>
+          </a:xfrm>
+          <a:prstGeom prst="rect">
+            <a:avLst/>
+          </a:prstGeom>
+        </p:spPr>
+      </p:pic>
+      <p:pic>
+        <p:nvPicPr>
+          <p:cNvPr id="31" name="Graphic 30" descr="Devil face with solid fill">
+            <a:extLst>
+              <a:ext uri="{FF2B5EF4-FFF2-40B4-BE49-F238E27FC236}">
+                <a16:creationId xmlns:a16="http://schemas.microsoft.com/office/drawing/2014/main" id="{E42F9A00-0E17-46A8-846D-65F39610C231}"/>
+              </a:ext>
+            </a:extLst>
+          </p:cNvPr>
+          <p:cNvPicPr>
+            <a:picLocks noChangeAspect="1"/>
+          </p:cNvPicPr>
+          <p:nvPr/>
+        </p:nvPicPr>
+        <p:blipFill>
+          <a:blip r:embed="rId7">
+            <a:extLst>
+              <a:ext uri="{28A0092B-C50C-407E-A947-70E740481C1C}">
+                <a14:useLocalDpi xmlns:a14="http://schemas.microsoft.com/office/drawing/2010/main" val="0"/>
+              </a:ext>
+              <a:ext uri="{96DAC541-7B7A-43D3-8B79-37D633B846F1}">
+                <asvg:svgBlip xmlns:asvg="http://schemas.microsoft.com/office/drawing/2016/SVG/main" r:embed="rId8"/>
+              </a:ext>
+            </a:extLst>
+          </a:blip>
+          <a:stretch>
+            <a:fillRect/>
+          </a:stretch>
+        </p:blipFill>
+        <p:spPr>
+          <a:xfrm>
+            <a:off x="1222515" y="4994167"/>
+            <a:ext cx="537228" cy="537228"/>
+          </a:xfrm>
+          <a:prstGeom prst="rect">
+            <a:avLst/>
+          </a:prstGeom>
+        </p:spPr>
+      </p:pic>
+      <p:sp>
+        <p:nvSpPr>
+          <p:cNvPr id="33" name="TextBox 32">
+            <a:extLst>
+              <a:ext uri="{FF2B5EF4-FFF2-40B4-BE49-F238E27FC236}">
+                <a16:creationId xmlns:a16="http://schemas.microsoft.com/office/drawing/2014/main" id="{CF58B55D-9828-4570-BFF5-4491A91EE976}"/>
+              </a:ext>
+            </a:extLst>
+          </p:cNvPr>
+          <p:cNvSpPr txBox="1"/>
+          <p:nvPr/>
+        </p:nvSpPr>
+        <p:spPr>
+          <a:xfrm>
+            <a:off x="4597718" y="2862792"/>
+            <a:ext cx="4241482" cy="369332"/>
+          </a:xfrm>
+          <a:prstGeom prst="rect">
+            <a:avLst/>
+          </a:prstGeom>
+          <a:noFill/>
+        </p:spPr>
+        <p:txBody>
+          <a:bodyPr wrap="square" rtlCol="0">
+            <a:spAutoFit/>
+          </a:bodyPr>
+          <a:lstStyle/>
+          <a:p>
+            <a:r>
+              <a:rPr lang="en-IN" dirty="0">
+                <a:effectLst>
+                  <a:outerShdw blurRad="38100" dist="38100" dir="2700000" algn="tl">
+                    <a:srgbClr val="000000">
+                      <a:alpha val="43137"/>
+                    </a:srgbClr>
+                  </a:outerShdw>
+                </a:effectLst>
+              </a:rPr>
+              <a:t>Bank’s income from one borrower : Rs 463</a:t>
+            </a:r>
           </a:p>
         </p:txBody>
       </p:sp>
     </p:spTree>
     <p:extLst>
       <p:ext uri="{BB962C8B-B14F-4D97-AF65-F5344CB8AC3E}">
-        <p14:creationId xmlns:p14="http://schemas.microsoft.com/office/powerpoint/2010/main" val="1235205643"/>
+        <p14:creationId xmlns:p14="http://schemas.microsoft.com/office/powerpoint/2010/main" val="1175105444"/>
       </p:ext>
     </p:extLst>
   </p:cSld>
@@ -6448,7 +7139,12 @@
             <p:ph type="title"/>
           </p:nvPr>
         </p:nvSpPr>
-        <p:spPr/>
+        <p:spPr>
+          <a:xfrm>
+            <a:off x="457200" y="261938"/>
+            <a:ext cx="8229600" cy="804862"/>
+          </a:xfrm>
+        </p:spPr>
         <p:txBody>
           <a:bodyPr>
             <a:normAutofit/>
@@ -6458,7 +7154,7 @@
             <a:pPr algn="l"/>
             <a:r>
               <a:rPr lang="en-US" sz="4000" dirty="0"/>
-              <a:t>A</a:t>
+              <a:t>Abstract</a:t>
             </a:r>
           </a:p>
         </p:txBody>
@@ -6958,13 +7654,21 @@
             <p:ph type="title"/>
           </p:nvPr>
         </p:nvSpPr>
-        <p:spPr/>
-        <p:txBody>
-          <a:bodyPr/>
+        <p:spPr>
+          <a:xfrm>
+            <a:off x="457200" y="224230"/>
+            <a:ext cx="8229600" cy="1143000"/>
+          </a:xfrm>
+        </p:spPr>
+        <p:txBody>
+          <a:bodyPr>
+            <a:normAutofit/>
+          </a:bodyPr>
           <a:lstStyle/>
           <a:p>
-            <a:r>
-              <a:rPr lang="en-US" dirty="0"/>
+            <a:pPr algn="l"/>
+            <a:r>
+              <a:rPr lang="en-US" sz="4000" dirty="0"/>
               <a:t>EMI Payment Schedule</a:t>
             </a:r>
           </a:p>
@@ -6998,7 +7702,7 @@
         </p:blipFill>
         <p:spPr>
           <a:xfrm>
-            <a:off x="457200" y="1981200"/>
+            <a:off x="490194" y="1406509"/>
             <a:ext cx="8534400" cy="3625764"/>
           </a:xfrm>
           <a:prstGeom prst="rect">
@@ -7020,7 +7724,7 @@
         </p:nvSpPr>
         <p:spPr>
           <a:xfrm>
-            <a:off x="3579663" y="5715000"/>
+            <a:off x="3612657" y="5415355"/>
             <a:ext cx="2289473" cy="338554"/>
           </a:xfrm>
           <a:prstGeom prst="rect">
@@ -7171,7 +7875,7 @@
         </p:nvSpPr>
         <p:spPr>
           <a:xfrm>
-            <a:off x="457200" y="751820"/>
+            <a:off x="512277" y="740822"/>
             <a:ext cx="8001000" cy="523220"/>
           </a:xfrm>
           <a:prstGeom prst="rect">
@@ -7186,7 +7890,7 @@
           <a:lstStyle/>
           <a:p>
             <a:r>
-              <a:rPr lang="en-US" sz="2800" b="1" dirty="0">
+              <a:rPr lang="en-US" sz="2800" dirty="0">
                 <a:latin typeface="+mj-lt"/>
                 <a:cs typeface="Times New Roman" pitchFamily="18" charset="0"/>
               </a:rPr>
@@ -7203,8 +7907,8 @@
         </p:nvSpPr>
         <p:spPr>
           <a:xfrm>
-            <a:off x="518562" y="1275040"/>
-            <a:ext cx="8305800" cy="2862322"/>
+            <a:off x="505207" y="1283746"/>
+            <a:ext cx="8305800" cy="2585323"/>
           </a:xfrm>
           <a:prstGeom prst="rect">
             <a:avLst/>
@@ -7279,8 +7983,177 @@
             </a:pPr>
             <a:endParaRPr lang="en-US" dirty="0"/>
           </a:p>
-          <a:p>
-            <a:endParaRPr lang="en-US" dirty="0"/>
+        </p:txBody>
+      </p:sp>
+      <p:sp>
+        <p:nvSpPr>
+          <p:cNvPr id="7" name="Content Placeholder 2">
+            <a:extLst>
+              <a:ext uri="{FF2B5EF4-FFF2-40B4-BE49-F238E27FC236}">
+                <a16:creationId xmlns:a16="http://schemas.microsoft.com/office/drawing/2014/main" id="{1DDE3352-AC10-4EAF-AB65-0A3C22FD43BC}"/>
+              </a:ext>
+            </a:extLst>
+          </p:cNvPr>
+          <p:cNvSpPr txBox="1">
+            <a:spLocks/>
+          </p:cNvSpPr>
+          <p:nvPr/>
+        </p:nvSpPr>
+        <p:spPr>
+          <a:xfrm>
+            <a:off x="685800" y="4724400"/>
+            <a:ext cx="8229600" cy="4525963"/>
+          </a:xfrm>
+          <a:prstGeom prst="rect">
+            <a:avLst/>
+          </a:prstGeom>
+        </p:spPr>
+        <p:txBody>
+          <a:bodyPr vert="horz" lIns="91440" tIns="45720" rIns="91440" bIns="45720" rtlCol="0">
+            <a:normAutofit/>
+          </a:bodyPr>
+          <a:lstStyle>
+            <a:lvl1pPr marL="342900" indent="-342900" algn="l" defTabSz="914400" rtl="0" eaLnBrk="1" latinLnBrk="0" hangingPunct="1">
+              <a:spcBef>
+                <a:spcPct val="20000"/>
+              </a:spcBef>
+              <a:buFont typeface="Arial" panose="020B0604020202020204" pitchFamily="34" charset="0"/>
+              <a:buChar char="•"/>
+              <a:defRPr sz="3200" kern="1200">
+                <a:solidFill>
+                  <a:schemeClr val="tx1"/>
+                </a:solidFill>
+                <a:latin typeface="+mn-lt"/>
+                <a:ea typeface="+mn-ea"/>
+                <a:cs typeface="+mn-cs"/>
+              </a:defRPr>
+            </a:lvl1pPr>
+            <a:lvl2pPr marL="742950" indent="-285750" algn="l" defTabSz="914400" rtl="0" eaLnBrk="1" latinLnBrk="0" hangingPunct="1">
+              <a:spcBef>
+                <a:spcPct val="20000"/>
+              </a:spcBef>
+              <a:buFont typeface="Arial" panose="020B0604020202020204" pitchFamily="34" charset="0"/>
+              <a:buChar char="–"/>
+              <a:defRPr sz="2800" kern="1200">
+                <a:solidFill>
+                  <a:schemeClr val="tx1"/>
+                </a:solidFill>
+                <a:latin typeface="+mn-lt"/>
+                <a:ea typeface="+mn-ea"/>
+                <a:cs typeface="+mn-cs"/>
+              </a:defRPr>
+            </a:lvl2pPr>
+            <a:lvl3pPr marL="1143000" indent="-228600" algn="l" defTabSz="914400" rtl="0" eaLnBrk="1" latinLnBrk="0" hangingPunct="1">
+              <a:spcBef>
+                <a:spcPct val="20000"/>
+              </a:spcBef>
+              <a:buFont typeface="Arial" panose="020B0604020202020204" pitchFamily="34" charset="0"/>
+              <a:buChar char="•"/>
+              <a:defRPr sz="2400" kern="1200">
+                <a:solidFill>
+                  <a:schemeClr val="tx1"/>
+                </a:solidFill>
+                <a:latin typeface="+mn-lt"/>
+                <a:ea typeface="+mn-ea"/>
+                <a:cs typeface="+mn-cs"/>
+              </a:defRPr>
+            </a:lvl3pPr>
+            <a:lvl4pPr marL="1600200" indent="-228600" algn="l" defTabSz="914400" rtl="0" eaLnBrk="1" latinLnBrk="0" hangingPunct="1">
+              <a:spcBef>
+                <a:spcPct val="20000"/>
+              </a:spcBef>
+              <a:buFont typeface="Arial" panose="020B0604020202020204" pitchFamily="34" charset="0"/>
+              <a:buChar char="–"/>
+              <a:defRPr sz="2000" kern="1200">
+                <a:solidFill>
+                  <a:schemeClr val="tx1"/>
+                </a:solidFill>
+                <a:latin typeface="+mn-lt"/>
+                <a:ea typeface="+mn-ea"/>
+                <a:cs typeface="+mn-cs"/>
+              </a:defRPr>
+            </a:lvl4pPr>
+            <a:lvl5pPr marL="2057400" indent="-228600" algn="l" defTabSz="914400" rtl="0" eaLnBrk="1" latinLnBrk="0" hangingPunct="1">
+              <a:spcBef>
+                <a:spcPct val="20000"/>
+              </a:spcBef>
+              <a:buFont typeface="Arial" panose="020B0604020202020204" pitchFamily="34" charset="0"/>
+              <a:buChar char="»"/>
+              <a:defRPr sz="2000" kern="1200">
+                <a:solidFill>
+                  <a:schemeClr val="tx1"/>
+                </a:solidFill>
+                <a:latin typeface="+mn-lt"/>
+                <a:ea typeface="+mn-ea"/>
+                <a:cs typeface="+mn-cs"/>
+              </a:defRPr>
+            </a:lvl5pPr>
+            <a:lvl6pPr marL="2514600" indent="-228600" algn="l" defTabSz="914400" rtl="0" eaLnBrk="1" latinLnBrk="0" hangingPunct="1">
+              <a:spcBef>
+                <a:spcPct val="20000"/>
+              </a:spcBef>
+              <a:buFont typeface="Arial" panose="020B0604020202020204" pitchFamily="34" charset="0"/>
+              <a:buChar char="•"/>
+              <a:defRPr sz="2000" kern="1200">
+                <a:solidFill>
+                  <a:schemeClr val="tx1"/>
+                </a:solidFill>
+                <a:latin typeface="+mn-lt"/>
+                <a:ea typeface="+mn-ea"/>
+                <a:cs typeface="+mn-cs"/>
+              </a:defRPr>
+            </a:lvl6pPr>
+            <a:lvl7pPr marL="2971800" indent="-228600" algn="l" defTabSz="914400" rtl="0" eaLnBrk="1" latinLnBrk="0" hangingPunct="1">
+              <a:spcBef>
+                <a:spcPct val="20000"/>
+              </a:spcBef>
+              <a:buFont typeface="Arial" panose="020B0604020202020204" pitchFamily="34" charset="0"/>
+              <a:buChar char="•"/>
+              <a:defRPr sz="2000" kern="1200">
+                <a:solidFill>
+                  <a:schemeClr val="tx1"/>
+                </a:solidFill>
+                <a:latin typeface="+mn-lt"/>
+                <a:ea typeface="+mn-ea"/>
+                <a:cs typeface="+mn-cs"/>
+              </a:defRPr>
+            </a:lvl7pPr>
+            <a:lvl8pPr marL="3429000" indent="-228600" algn="l" defTabSz="914400" rtl="0" eaLnBrk="1" latinLnBrk="0" hangingPunct="1">
+              <a:spcBef>
+                <a:spcPct val="20000"/>
+              </a:spcBef>
+              <a:buFont typeface="Arial" panose="020B0604020202020204" pitchFamily="34" charset="0"/>
+              <a:buChar char="•"/>
+              <a:defRPr sz="2000" kern="1200">
+                <a:solidFill>
+                  <a:schemeClr val="tx1"/>
+                </a:solidFill>
+                <a:latin typeface="+mn-lt"/>
+                <a:ea typeface="+mn-ea"/>
+                <a:cs typeface="+mn-cs"/>
+              </a:defRPr>
+            </a:lvl8pPr>
+            <a:lvl9pPr marL="3886200" indent="-228600" algn="l" defTabSz="914400" rtl="0" eaLnBrk="1" latinLnBrk="0" hangingPunct="1">
+              <a:spcBef>
+                <a:spcPct val="20000"/>
+              </a:spcBef>
+              <a:buFont typeface="Arial" panose="020B0604020202020204" pitchFamily="34" charset="0"/>
+              <a:buChar char="•"/>
+              <a:defRPr sz="2000" kern="1200">
+                <a:solidFill>
+                  <a:schemeClr val="tx1"/>
+                </a:solidFill>
+                <a:latin typeface="+mn-lt"/>
+                <a:ea typeface="+mn-ea"/>
+                <a:cs typeface="+mn-cs"/>
+              </a:defRPr>
+            </a:lvl9pPr>
+          </a:lstStyle>
+          <a:p>
+            <a:pPr marL="0" indent="0">
+              <a:buNone/>
+            </a:pPr>
+            <a:endParaRPr lang="en-IN" sz="2400" b="1" dirty="0"/>
           </a:p>
         </p:txBody>
       </p:sp>
@@ -9203,6 +10076,7 @@
           </a:bodyPr>
           <a:lstStyle/>
           <a:p>
+            <a:pPr algn="l"/>
             <a:r>
               <a:rPr lang="en-US" dirty="0"/>
               <a:t>Loan Default from Employment Type</a:t>
@@ -9369,9 +10243,14 @@
           <a:bodyPr/>
           <a:lstStyle/>
           <a:p>
+            <a:pPr algn="l"/>
+            <a:r>
+              <a:rPr lang="en-US" sz="4000" dirty="0"/>
+              <a:t>Branch</a:t>
+            </a:r>
             <a:r>
               <a:rPr lang="en-US" dirty="0"/>
-              <a:t>Branch With The Active Users</a:t>
+              <a:t> With The Active Users</a:t>
             </a:r>
           </a:p>
         </p:txBody>

--- a/Pravin Kumar/Vehicle Loan Default Prediction.pptx
+++ b/Pravin Kumar/Vehicle Loan Default Prediction.pptx
@@ -236,7 +236,7 @@
           <a:p>
             <a:fld id="{CA38C360-1451-4FAC-96AE-AED9435A5117}" type="datetimeFigureOut">
               <a:rPr lang="en-US" smtClean="0"/>
-              <a:t>1/19/2020</a:t>
+              <a:t>1/20/2020</a:t>
             </a:fld>
             <a:endParaRPr lang="en-US"/>
           </a:p>
@@ -682,7 +682,7 @@
           <a:p>
             <a:fld id="{A2D47140-E761-4776-BB05-B90A68E34D64}" type="datetimeFigureOut">
               <a:rPr lang="en-US" smtClean="0"/>
-              <a:t>1/19/2020</a:t>
+              <a:t>1/20/2020</a:t>
             </a:fld>
             <a:endParaRPr lang="en-US"/>
           </a:p>
@@ -850,7 +850,7 @@
           <a:p>
             <a:fld id="{A2D47140-E761-4776-BB05-B90A68E34D64}" type="datetimeFigureOut">
               <a:rPr lang="en-US" smtClean="0"/>
-              <a:t>1/19/2020</a:t>
+              <a:t>1/20/2020</a:t>
             </a:fld>
             <a:endParaRPr lang="en-US"/>
           </a:p>
@@ -1028,7 +1028,7 @@
           <a:p>
             <a:fld id="{A2D47140-E761-4776-BB05-B90A68E34D64}" type="datetimeFigureOut">
               <a:rPr lang="en-US" smtClean="0"/>
-              <a:t>1/19/2020</a:t>
+              <a:t>1/20/2020</a:t>
             </a:fld>
             <a:endParaRPr lang="en-US"/>
           </a:p>
@@ -1196,7 +1196,7 @@
           <a:p>
             <a:fld id="{A2D47140-E761-4776-BB05-B90A68E34D64}" type="datetimeFigureOut">
               <a:rPr lang="en-US" smtClean="0"/>
-              <a:t>1/19/2020</a:t>
+              <a:t>1/20/2020</a:t>
             </a:fld>
             <a:endParaRPr lang="en-US"/>
           </a:p>
@@ -1441,7 +1441,7 @@
           <a:p>
             <a:fld id="{A2D47140-E761-4776-BB05-B90A68E34D64}" type="datetimeFigureOut">
               <a:rPr lang="en-US" smtClean="0"/>
-              <a:t>1/19/2020</a:t>
+              <a:t>1/20/2020</a:t>
             </a:fld>
             <a:endParaRPr lang="en-US"/>
           </a:p>
@@ -1726,7 +1726,7 @@
           <a:p>
             <a:fld id="{A2D47140-E761-4776-BB05-B90A68E34D64}" type="datetimeFigureOut">
               <a:rPr lang="en-US" smtClean="0"/>
-              <a:t>1/19/2020</a:t>
+              <a:t>1/20/2020</a:t>
             </a:fld>
             <a:endParaRPr lang="en-US"/>
           </a:p>
@@ -2145,7 +2145,7 @@
           <a:p>
             <a:fld id="{A2D47140-E761-4776-BB05-B90A68E34D64}" type="datetimeFigureOut">
               <a:rPr lang="en-US" smtClean="0"/>
-              <a:t>1/19/2020</a:t>
+              <a:t>1/20/2020</a:t>
             </a:fld>
             <a:endParaRPr lang="en-US"/>
           </a:p>
@@ -2262,7 +2262,7 @@
           <a:p>
             <a:fld id="{A2D47140-E761-4776-BB05-B90A68E34D64}" type="datetimeFigureOut">
               <a:rPr lang="en-US" smtClean="0"/>
-              <a:t>1/19/2020</a:t>
+              <a:t>1/20/2020</a:t>
             </a:fld>
             <a:endParaRPr lang="en-US"/>
           </a:p>
@@ -2357,7 +2357,7 @@
           <a:p>
             <a:fld id="{A2D47140-E761-4776-BB05-B90A68E34D64}" type="datetimeFigureOut">
               <a:rPr lang="en-US" smtClean="0"/>
-              <a:t>1/19/2020</a:t>
+              <a:t>1/20/2020</a:t>
             </a:fld>
             <a:endParaRPr lang="en-US"/>
           </a:p>
@@ -2632,7 +2632,7 @@
           <a:p>
             <a:fld id="{A2D47140-E761-4776-BB05-B90A68E34D64}" type="datetimeFigureOut">
               <a:rPr lang="en-US" smtClean="0"/>
-              <a:t>1/19/2020</a:t>
+              <a:t>1/20/2020</a:t>
             </a:fld>
             <a:endParaRPr lang="en-US"/>
           </a:p>
@@ -2884,7 +2884,7 @@
           <a:p>
             <a:fld id="{A2D47140-E761-4776-BB05-B90A68E34D64}" type="datetimeFigureOut">
               <a:rPr lang="en-US" smtClean="0"/>
-              <a:t>1/19/2020</a:t>
+              <a:t>1/20/2020</a:t>
             </a:fld>
             <a:endParaRPr lang="en-US"/>
           </a:p>
@@ -3095,7 +3095,7 @@
           <a:p>
             <a:fld id="{A2D47140-E761-4776-BB05-B90A68E34D64}" type="datetimeFigureOut">
               <a:rPr lang="en-US" smtClean="0"/>
-              <a:t>1/19/2020</a:t>
+              <a:t>1/20/2020</a:t>
             </a:fld>
             <a:endParaRPr lang="en-US"/>
           </a:p>
@@ -4043,7 +4043,7 @@
         </p:blipFill>
         <p:spPr>
           <a:xfrm>
-            <a:off x="1143000" y="1752600"/>
+            <a:off x="1143000" y="1447800"/>
             <a:ext cx="5905500" cy="4067175"/>
           </a:xfrm>
           <a:prstGeom prst="rect">
@@ -4301,7 +4301,7 @@
             <p:ph idx="1"/>
             <p:extLst>
               <p:ext uri="{D42A27DB-BD31-4B8C-83A1-F6EECF244321}">
-                <p14:modId xmlns:p14="http://schemas.microsoft.com/office/powerpoint/2010/main" val="3921831480"/>
+                <p14:modId xmlns:p14="http://schemas.microsoft.com/office/powerpoint/2010/main" val="1212845904"/>
               </p:ext>
             </p:extLst>
           </p:nvPr>
@@ -5048,11 +5048,7 @@
                     <a:lstStyle/>
                     <a:p>
                       <a:r>
-                        <a:rPr lang="en-US" dirty="0" err="1">
-                          <a:solidFill>
-                            <a:schemeClr val="tx1"/>
-                          </a:solidFill>
-                        </a:rPr>
+                        <a:rPr lang="en-US" dirty="0" err="1"/>
                         <a:t>XGBoost</a:t>
                       </a:r>
                       <a:endParaRPr lang="en-US" dirty="0">
@@ -5064,7 +5060,7 @@
                   </a:txBody>
                   <a:tcPr>
                     <a:solidFill>
-                      <a:srgbClr val="66FF99"/>
+                      <a:schemeClr val="accent6"/>
                     </a:solidFill>
                   </a:tcPr>
                 </a:tc>
@@ -5074,18 +5070,19 @@
                     <a:lstStyle/>
                     <a:p>
                       <a:r>
-                        <a:rPr lang="en-US" dirty="0">
-                          <a:solidFill>
-                            <a:schemeClr val="tx1"/>
-                          </a:solidFill>
-                        </a:rPr>
+                        <a:rPr lang="en-US" dirty="0"/>
                         <a:t>0.962</a:t>
                       </a:r>
+                      <a:endParaRPr lang="en-US" dirty="0">
+                        <a:solidFill>
+                          <a:schemeClr val="tx1"/>
+                        </a:solidFill>
+                      </a:endParaRPr>
                     </a:p>
                   </a:txBody>
                   <a:tcPr>
                     <a:solidFill>
-                      <a:srgbClr val="66FF99"/>
+                      <a:schemeClr val="accent6"/>
                     </a:solidFill>
                   </a:tcPr>
                 </a:tc>
@@ -5095,18 +5092,19 @@
                     <a:lstStyle/>
                     <a:p>
                       <a:r>
-                        <a:rPr lang="en-US" dirty="0">
-                          <a:solidFill>
-                            <a:schemeClr val="tx1"/>
-                          </a:solidFill>
-                        </a:rPr>
+                        <a:rPr lang="en-US" dirty="0"/>
                         <a:t>0.955</a:t>
                       </a:r>
+                      <a:endParaRPr lang="en-US" dirty="0">
+                        <a:solidFill>
+                          <a:schemeClr val="tx1"/>
+                        </a:solidFill>
+                      </a:endParaRPr>
                     </a:p>
                   </a:txBody>
                   <a:tcPr>
                     <a:solidFill>
-                      <a:srgbClr val="66FF99"/>
+                      <a:schemeClr val="accent6"/>
                     </a:solidFill>
                   </a:tcPr>
                 </a:tc>
@@ -5116,18 +5114,19 @@
                     <a:lstStyle/>
                     <a:p>
                       <a:r>
-                        <a:rPr lang="en-US" dirty="0">
-                          <a:solidFill>
-                            <a:schemeClr val="tx1"/>
-                          </a:solidFill>
-                        </a:rPr>
+                        <a:rPr lang="en-US" dirty="0"/>
                         <a:t>0.927</a:t>
                       </a:r>
+                      <a:endParaRPr lang="en-US" dirty="0">
+                        <a:solidFill>
+                          <a:schemeClr val="tx1"/>
+                        </a:solidFill>
+                      </a:endParaRPr>
                     </a:p>
                   </a:txBody>
                   <a:tcPr>
                     <a:solidFill>
-                      <a:srgbClr val="66FF99"/>
+                      <a:schemeClr val="accent6"/>
                     </a:solidFill>
                   </a:tcPr>
                 </a:tc>
@@ -5137,18 +5136,19 @@
                     <a:lstStyle/>
                     <a:p>
                       <a:r>
-                        <a:rPr lang="en-US" dirty="0">
-                          <a:solidFill>
-                            <a:schemeClr val="tx1"/>
-                          </a:solidFill>
-                        </a:rPr>
+                        <a:rPr lang="en-US" dirty="0"/>
                         <a:t>0.862</a:t>
                       </a:r>
+                      <a:endParaRPr lang="en-US" dirty="0">
+                        <a:solidFill>
+                          <a:schemeClr val="tx1"/>
+                        </a:solidFill>
+                      </a:endParaRPr>
                     </a:p>
                   </a:txBody>
                   <a:tcPr>
                     <a:solidFill>
-                      <a:srgbClr val="66FF99"/>
+                      <a:schemeClr val="accent6"/>
                     </a:solidFill>
                   </a:tcPr>
                 </a:tc>
@@ -5158,18 +5158,19 @@
                     <a:lstStyle/>
                     <a:p>
                       <a:r>
-                        <a:rPr lang="en-US" dirty="0">
-                          <a:solidFill>
-                            <a:schemeClr val="tx1"/>
-                          </a:solidFill>
-                        </a:rPr>
+                        <a:rPr lang="en-US" dirty="0"/>
                         <a:t>0.893</a:t>
                       </a:r>
+                      <a:endParaRPr lang="en-US" dirty="0">
+                        <a:solidFill>
+                          <a:schemeClr val="tx1"/>
+                        </a:solidFill>
+                      </a:endParaRPr>
                     </a:p>
                   </a:txBody>
                   <a:tcPr>
                     <a:solidFill>
-                      <a:srgbClr val="66FF99"/>
+                      <a:schemeClr val="accent6"/>
                     </a:solidFill>
                   </a:tcPr>
                 </a:tc>
@@ -6172,7 +6173,12 @@
             <p:ph type="title"/>
           </p:nvPr>
         </p:nvSpPr>
-        <p:spPr/>
+        <p:spPr>
+          <a:xfrm>
+            <a:off x="329366" y="78796"/>
+            <a:ext cx="8229600" cy="1143000"/>
+          </a:xfrm>
+        </p:spPr>
         <p:txBody>
           <a:bodyPr/>
           <a:lstStyle/>
@@ -6181,75 +6187,6 @@
             <a:r>
               <a:rPr lang="en-IN" dirty="0"/>
               <a:t>Return on Investment</a:t>
-            </a:r>
-          </a:p>
-        </p:txBody>
-      </p:sp>
-      <p:pic>
-        <p:nvPicPr>
-          <p:cNvPr id="9" name="Content Placeholder 8">
-            <a:extLst>
-              <a:ext uri="{FF2B5EF4-FFF2-40B4-BE49-F238E27FC236}">
-                <a16:creationId xmlns:a16="http://schemas.microsoft.com/office/drawing/2014/main" id="{F5AA86DD-DAB8-4549-BA60-6045B095C2AA}"/>
-              </a:ext>
-            </a:extLst>
-          </p:cNvPr>
-          <p:cNvPicPr>
-            <a:picLocks noGrp="1" noChangeAspect="1"/>
-          </p:cNvPicPr>
-          <p:nvPr>
-            <p:ph idx="1"/>
-          </p:nvPr>
-        </p:nvPicPr>
-        <p:blipFill rotWithShape="1">
-          <a:blip r:embed="rId2">
-            <a:extLst>
-              <a:ext uri="{28A0092B-C50C-407E-A947-70E740481C1C}">
-                <a14:useLocalDpi xmlns:a14="http://schemas.microsoft.com/office/drawing/2010/main" val="0"/>
-              </a:ext>
-            </a:extLst>
-          </a:blip>
-          <a:srcRect l="-20455" t="-3226" r="16761" b="3226"/>
-          <a:stretch/>
-        </p:blipFill>
-        <p:spPr>
-          <a:xfrm>
-            <a:off x="576290" y="1608934"/>
-            <a:ext cx="3912366" cy="2658265"/>
-          </a:xfrm>
-        </p:spPr>
-      </p:pic>
-      <p:sp>
-        <p:nvSpPr>
-          <p:cNvPr id="10" name="TextBox 9">
-            <a:extLst>
-              <a:ext uri="{FF2B5EF4-FFF2-40B4-BE49-F238E27FC236}">
-                <a16:creationId xmlns:a16="http://schemas.microsoft.com/office/drawing/2014/main" id="{AD74470A-AA01-4BEC-A42B-420E352EE3BC}"/>
-              </a:ext>
-            </a:extLst>
-          </p:cNvPr>
-          <p:cNvSpPr txBox="1"/>
-          <p:nvPr/>
-        </p:nvSpPr>
-        <p:spPr>
-          <a:xfrm>
-            <a:off x="304800" y="2753400"/>
-            <a:ext cx="1295400" cy="369332"/>
-          </a:xfrm>
-          <a:prstGeom prst="rect">
-            <a:avLst/>
-          </a:prstGeom>
-          <a:noFill/>
-        </p:spPr>
-        <p:txBody>
-          <a:bodyPr wrap="square" rtlCol="0">
-            <a:spAutoFit/>
-          </a:bodyPr>
-          <a:lstStyle/>
-          <a:p>
-            <a:r>
-              <a:rPr lang="en-IN" dirty="0"/>
-              <a:t>Predicted</a:t>
             </a:r>
           </a:p>
         </p:txBody>
@@ -6303,7 +6240,7 @@
         </p:nvSpPr>
         <p:spPr>
           <a:xfrm rot="16200000">
-            <a:off x="4657427" y="1875401"/>
+            <a:off x="4593510" y="2085682"/>
             <a:ext cx="523955" cy="694809"/>
           </a:xfrm>
           <a:prstGeom prst="downArrow">
@@ -6360,7 +6297,7 @@
         </p:nvSpPr>
         <p:spPr>
           <a:xfrm>
-            <a:off x="5266809" y="1788811"/>
+            <a:off x="5251098" y="1912656"/>
             <a:ext cx="2057400" cy="923330"/>
           </a:xfrm>
           <a:prstGeom prst="rect">
@@ -6396,13 +6333,13 @@
           <p:nvPr/>
         </p:nvPicPr>
         <p:blipFill>
-          <a:blip r:embed="rId3">
+          <a:blip r:embed="rId2">
             <a:extLst>
               <a:ext uri="{28A0092B-C50C-407E-A947-70E740481C1C}">
                 <a14:useLocalDpi xmlns:a14="http://schemas.microsoft.com/office/drawing/2010/main" val="0"/>
               </a:ext>
               <a:ext uri="{96DAC541-7B7A-43D3-8B79-37D633B846F1}">
-                <asvg:svgBlip xmlns:asvg="http://schemas.microsoft.com/office/drawing/2016/SVG/main" r:embed="rId4"/>
+                <asvg:svgBlip xmlns:asvg="http://schemas.microsoft.com/office/drawing/2016/SVG/main" r:embed="rId3"/>
               </a:ext>
             </a:extLst>
           </a:blip>
@@ -6412,7 +6349,7 @@
         </p:blipFill>
         <p:spPr>
           <a:xfrm>
-            <a:off x="7272258" y="1912656"/>
+            <a:off x="7293343" y="2080384"/>
             <a:ext cx="614680" cy="614680"/>
           </a:xfrm>
           <a:prstGeom prst="rect">
@@ -6434,7 +6371,7 @@
         </p:nvSpPr>
         <p:spPr>
           <a:xfrm>
-            <a:off x="1759743" y="4994167"/>
+            <a:off x="1759743" y="4662616"/>
             <a:ext cx="1662113" cy="1200329"/>
           </a:xfrm>
           <a:prstGeom prst="rect">
@@ -6469,7 +6406,7 @@
         </p:nvSpPr>
         <p:spPr>
           <a:xfrm rot="5400000">
-            <a:off x="2166967" y="4410792"/>
+            <a:off x="2083625" y="4061630"/>
             <a:ext cx="633350" cy="533400"/>
           </a:xfrm>
           <a:prstGeom prst="rightArrow">
@@ -6668,13 +6605,13 @@
           <p:nvPr/>
         </p:nvPicPr>
         <p:blipFill>
-          <a:blip r:embed="rId5">
+          <a:blip r:embed="rId4">
             <a:extLst>
               <a:ext uri="{28A0092B-C50C-407E-A947-70E740481C1C}">
                 <a14:useLocalDpi xmlns:a14="http://schemas.microsoft.com/office/drawing/2010/main" val="0"/>
               </a:ext>
               <a:ext uri="{96DAC541-7B7A-43D3-8B79-37D633B846F1}">
-                <asvg:svgBlip xmlns:asvg="http://schemas.microsoft.com/office/drawing/2016/SVG/main" r:embed="rId6"/>
+                <asvg:svgBlip xmlns:asvg="http://schemas.microsoft.com/office/drawing/2016/SVG/main" r:embed="rId5"/>
               </a:ext>
             </a:extLst>
           </a:blip>
@@ -6707,13 +6644,13 @@
           <p:nvPr/>
         </p:nvPicPr>
         <p:blipFill>
-          <a:blip r:embed="rId7">
+          <a:blip r:embed="rId6">
             <a:extLst>
               <a:ext uri="{28A0092B-C50C-407E-A947-70E740481C1C}">
                 <a14:useLocalDpi xmlns:a14="http://schemas.microsoft.com/office/drawing/2010/main" val="0"/>
               </a:ext>
               <a:ext uri="{96DAC541-7B7A-43D3-8B79-37D633B846F1}">
-                <asvg:svgBlip xmlns:asvg="http://schemas.microsoft.com/office/drawing/2016/SVG/main" r:embed="rId8"/>
+                <asvg:svgBlip xmlns:asvg="http://schemas.microsoft.com/office/drawing/2016/SVG/main" r:embed="rId7"/>
               </a:ext>
             </a:extLst>
           </a:blip>
@@ -6723,7 +6660,7 @@
         </p:blipFill>
         <p:spPr>
           <a:xfrm>
-            <a:off x="1222515" y="4994167"/>
+            <a:off x="1222515" y="4725553"/>
             <a:ext cx="537228" cy="537228"/>
           </a:xfrm>
           <a:prstGeom prst="rect">
@@ -6774,6 +6711,265 @@
           </a:p>
         </p:txBody>
       </p:sp>
+      <p:graphicFrame>
+        <p:nvGraphicFramePr>
+          <p:cNvPr id="20" name="Table 4">
+            <a:extLst>
+              <a:ext uri="{FF2B5EF4-FFF2-40B4-BE49-F238E27FC236}">
+                <a16:creationId xmlns:a16="http://schemas.microsoft.com/office/drawing/2014/main" id="{6C2CA38F-50AA-4FFA-85D4-D6957A70BBEB}"/>
+              </a:ext>
+            </a:extLst>
+          </p:cNvPr>
+          <p:cNvGraphicFramePr>
+            <a:graphicFrameLocks/>
+          </p:cNvGraphicFramePr>
+          <p:nvPr>
+            <p:extLst>
+              <p:ext uri="{D42A27DB-BD31-4B8C-83A1-F6EECF244321}">
+                <p14:modId xmlns:p14="http://schemas.microsoft.com/office/powerpoint/2010/main" val="4117929123"/>
+              </p:ext>
+            </p:extLst>
+          </p:nvPr>
+        </p:nvGraphicFramePr>
+        <p:xfrm>
+          <a:off x="762000" y="1221796"/>
+          <a:ext cx="3682166" cy="2712162"/>
+        </p:xfrm>
+        <a:graphic>
+          <a:graphicData uri="http://schemas.openxmlformats.org/drawingml/2006/table">
+            <a:tbl>
+              <a:tblPr firstRow="1" bandRow="1">
+                <a:tableStyleId>{F5AB1C69-6EDB-4FF4-983F-18BD219EF322}</a:tableStyleId>
+              </a:tblPr>
+              <a:tblGrid>
+                <a:gridCol w="1178533">
+                  <a:extLst>
+                    <a:ext uri="{9D8B030D-6E8A-4147-A177-3AD203B41FA5}">
+                      <a16:colId xmlns:a16="http://schemas.microsoft.com/office/drawing/2014/main" val="1747037047"/>
+                    </a:ext>
+                  </a:extLst>
+                </a:gridCol>
+                <a:gridCol w="1276245">
+                  <a:extLst>
+                    <a:ext uri="{9D8B030D-6E8A-4147-A177-3AD203B41FA5}">
+                      <a16:colId xmlns:a16="http://schemas.microsoft.com/office/drawing/2014/main" val="3759939217"/>
+                    </a:ext>
+                  </a:extLst>
+                </a:gridCol>
+                <a:gridCol w="1227388">
+                  <a:extLst>
+                    <a:ext uri="{9D8B030D-6E8A-4147-A177-3AD203B41FA5}">
+                      <a16:colId xmlns:a16="http://schemas.microsoft.com/office/drawing/2014/main" val="2048566706"/>
+                    </a:ext>
+                  </a:extLst>
+                </a:gridCol>
+              </a:tblGrid>
+              <a:tr h="893761">
+                <a:tc>
+                  <a:txBody>
+                    <a:bodyPr/>
+                    <a:lstStyle/>
+                    <a:p>
+                      <a:endParaRPr lang="en-US" dirty="0"/>
+                    </a:p>
+                  </a:txBody>
+                  <a:tcPr marL="67336" marR="67336">
+                    <a:noFill/>
+                  </a:tcPr>
+                </a:tc>
+                <a:tc>
+                  <a:txBody>
+                    <a:bodyPr/>
+                    <a:lstStyle/>
+                    <a:p>
+                      <a:r>
+                        <a:rPr lang="en-US" dirty="0"/>
+                        <a:t>Actual Defaulters</a:t>
+                      </a:r>
+                    </a:p>
+                  </a:txBody>
+                  <a:tcPr marL="67336" marR="67336"/>
+                </a:tc>
+                <a:tc>
+                  <a:txBody>
+                    <a:bodyPr/>
+                    <a:lstStyle/>
+                    <a:p>
+                      <a:pPr marL="0" marR="0" lvl="0" indent="0" algn="l" defTabSz="914400" rtl="0" eaLnBrk="1" fontAlgn="auto" latinLnBrk="0" hangingPunct="1">
+                        <a:lnSpc>
+                          <a:spcPct val="100000"/>
+                        </a:lnSpc>
+                        <a:spcBef>
+                          <a:spcPts val="0"/>
+                        </a:spcBef>
+                        <a:spcAft>
+                          <a:spcPts val="0"/>
+                        </a:spcAft>
+                        <a:buClrTx/>
+                        <a:buSzTx/>
+                        <a:buFontTx/>
+                        <a:buNone/>
+                        <a:tabLst/>
+                        <a:defRPr/>
+                      </a:pPr>
+                      <a:r>
+                        <a:rPr lang="en-US" dirty="0"/>
+                        <a:t>Predicted Non-Defaulters</a:t>
+                      </a:r>
+                    </a:p>
+                  </a:txBody>
+                  <a:tcPr marL="67336" marR="67336"/>
+                </a:tc>
+                <a:extLst>
+                  <a:ext uri="{0D108BD9-81ED-4DB2-BD59-A6C34878D82A}">
+                    <a16:rowId xmlns:a16="http://schemas.microsoft.com/office/drawing/2014/main" val="2521175390"/>
+                  </a:ext>
+                </a:extLst>
+              </a:tr>
+              <a:tr h="781636">
+                <a:tc>
+                  <a:txBody>
+                    <a:bodyPr/>
+                    <a:lstStyle/>
+                    <a:p>
+                      <a:pPr marL="0" marR="0" lvl="0" indent="0" algn="l" defTabSz="914400" rtl="0" eaLnBrk="1" fontAlgn="auto" latinLnBrk="0" hangingPunct="1">
+                        <a:lnSpc>
+                          <a:spcPct val="100000"/>
+                        </a:lnSpc>
+                        <a:spcBef>
+                          <a:spcPts val="0"/>
+                        </a:spcBef>
+                        <a:spcAft>
+                          <a:spcPts val="0"/>
+                        </a:spcAft>
+                        <a:buClrTx/>
+                        <a:buSzTx/>
+                        <a:buFontTx/>
+                        <a:buNone/>
+                        <a:tabLst/>
+                        <a:defRPr/>
+                      </a:pPr>
+                      <a:r>
+                        <a:rPr lang="en-US" dirty="0"/>
+                        <a:t>Predicted Defaulters</a:t>
+                      </a:r>
+                    </a:p>
+                  </a:txBody>
+                  <a:tcPr marL="67336" marR="67336">
+                    <a:solidFill>
+                      <a:schemeClr val="accent3">
+                        <a:lumMod val="60000"/>
+                        <a:lumOff val="40000"/>
+                      </a:schemeClr>
+                    </a:solidFill>
+                  </a:tcPr>
+                </a:tc>
+                <a:tc>
+                  <a:txBody>
+                    <a:bodyPr/>
+                    <a:lstStyle/>
+                    <a:p>
+                      <a:r>
+                        <a:rPr lang="en-US" dirty="0"/>
+                        <a:t>13096</a:t>
+                      </a:r>
+                    </a:p>
+                  </a:txBody>
+                  <a:tcPr marL="67336" marR="67336"/>
+                </a:tc>
+                <a:tc>
+                  <a:txBody>
+                    <a:bodyPr/>
+                    <a:lstStyle/>
+                    <a:p>
+                      <a:r>
+                        <a:rPr lang="en-US" dirty="0"/>
+                        <a:t>1027</a:t>
+                      </a:r>
+                    </a:p>
+                  </a:txBody>
+                  <a:tcPr marL="67336" marR="67336"/>
+                </a:tc>
+                <a:extLst>
+                  <a:ext uri="{0D108BD9-81ED-4DB2-BD59-A6C34878D82A}">
+                    <a16:rowId xmlns:a16="http://schemas.microsoft.com/office/drawing/2014/main" val="2895640592"/>
+                  </a:ext>
+                </a:extLst>
+              </a:tr>
+              <a:tr h="1016126">
+                <a:tc>
+                  <a:txBody>
+                    <a:bodyPr/>
+                    <a:lstStyle/>
+                    <a:p>
+                      <a:pPr marL="0" marR="0" lvl="0" indent="0" algn="l" defTabSz="914400" rtl="0" eaLnBrk="1" fontAlgn="auto" latinLnBrk="0" hangingPunct="1">
+                        <a:lnSpc>
+                          <a:spcPct val="100000"/>
+                        </a:lnSpc>
+                        <a:spcBef>
+                          <a:spcPts val="0"/>
+                        </a:spcBef>
+                        <a:spcAft>
+                          <a:spcPts val="0"/>
+                        </a:spcAft>
+                        <a:buClrTx/>
+                        <a:buSzTx/>
+                        <a:buFontTx/>
+                        <a:buNone/>
+                        <a:tabLst/>
+                        <a:defRPr/>
+                      </a:pPr>
+                      <a:r>
+                        <a:rPr lang="en-US" dirty="0"/>
+                        <a:t>Predicted Non-Defaulters</a:t>
+                      </a:r>
+                    </a:p>
+                  </a:txBody>
+                  <a:tcPr marL="67336" marR="67336">
+                    <a:solidFill>
+                      <a:schemeClr val="accent3">
+                        <a:lumMod val="60000"/>
+                        <a:lumOff val="40000"/>
+                      </a:schemeClr>
+                    </a:solidFill>
+                  </a:tcPr>
+                </a:tc>
+                <a:tc>
+                  <a:txBody>
+                    <a:bodyPr/>
+                    <a:lstStyle/>
+                    <a:p>
+                      <a:r>
+                        <a:rPr lang="en-US" dirty="0"/>
+                        <a:t>2095</a:t>
+                      </a:r>
+                    </a:p>
+                  </a:txBody>
+                  <a:tcPr marL="67336" marR="67336"/>
+                </a:tc>
+                <a:tc>
+                  <a:txBody>
+                    <a:bodyPr/>
+                    <a:lstStyle/>
+                    <a:p>
+                      <a:r>
+                        <a:rPr lang="en-US" dirty="0"/>
+                        <a:t>53729</a:t>
+                      </a:r>
+                    </a:p>
+                  </a:txBody>
+                  <a:tcPr marL="67336" marR="67336"/>
+                </a:tc>
+                <a:extLst>
+                  <a:ext uri="{0D108BD9-81ED-4DB2-BD59-A6C34878D82A}">
+                    <a16:rowId xmlns:a16="http://schemas.microsoft.com/office/drawing/2014/main" val="3855748636"/>
+                  </a:ext>
+                </a:extLst>
+              </a:tr>
+            </a:tbl>
+          </a:graphicData>
+        </a:graphic>
+      </p:graphicFrame>
     </p:spTree>
     <p:extLst>
       <p:ext uri="{BB962C8B-B14F-4D97-AF65-F5344CB8AC3E}">

--- a/Pravin Kumar/Vehicle Loan Default Prediction.pptx
+++ b/Pravin Kumar/Vehicle Loan Default Prediction.pptx
@@ -240,7 +240,7 @@
           <a:p>
             <a:fld id="{CA38C360-1451-4FAC-96AE-AED9435A5117}" type="datetimeFigureOut">
               <a:rPr lang="en-US" smtClean="0"/>
-              <a:t>1/20/2020</a:t>
+              <a:t>1/21/2020</a:t>
             </a:fld>
             <a:endParaRPr lang="en-US"/>
           </a:p>
@@ -686,7 +686,7 @@
           <a:p>
             <a:fld id="{A2D47140-E761-4776-BB05-B90A68E34D64}" type="datetimeFigureOut">
               <a:rPr lang="en-US" smtClean="0"/>
-              <a:t>1/20/2020</a:t>
+              <a:t>1/21/2020</a:t>
             </a:fld>
             <a:endParaRPr lang="en-US"/>
           </a:p>
@@ -854,7 +854,7 @@
           <a:p>
             <a:fld id="{A2D47140-E761-4776-BB05-B90A68E34D64}" type="datetimeFigureOut">
               <a:rPr lang="en-US" smtClean="0"/>
-              <a:t>1/20/2020</a:t>
+              <a:t>1/21/2020</a:t>
             </a:fld>
             <a:endParaRPr lang="en-US"/>
           </a:p>
@@ -1032,7 +1032,7 @@
           <a:p>
             <a:fld id="{A2D47140-E761-4776-BB05-B90A68E34D64}" type="datetimeFigureOut">
               <a:rPr lang="en-US" smtClean="0"/>
-              <a:t>1/20/2020</a:t>
+              <a:t>1/21/2020</a:t>
             </a:fld>
             <a:endParaRPr lang="en-US"/>
           </a:p>
@@ -1887,7 +1887,7 @@
           <a:p>
             <a:fld id="{A2D47140-E761-4776-BB05-B90A68E34D64}" type="datetimeFigureOut">
               <a:rPr lang="en-US" smtClean="0"/>
-              <a:t>1/20/2020</a:t>
+              <a:t>1/21/2020</a:t>
             </a:fld>
             <a:endParaRPr lang="en-US"/>
           </a:p>
@@ -2057,7 +2057,7 @@
           <a:p>
             <a:fld id="{A2D47140-E761-4776-BB05-B90A68E34D64}" type="datetimeFigureOut">
               <a:rPr lang="en-US" smtClean="0"/>
-              <a:t>1/20/2020</a:t>
+              <a:t>1/21/2020</a:t>
             </a:fld>
             <a:endParaRPr lang="en-US"/>
           </a:p>
@@ -2304,7 +2304,7 @@
           <a:p>
             <a:fld id="{A2D47140-E761-4776-BB05-B90A68E34D64}" type="datetimeFigureOut">
               <a:rPr lang="en-US" smtClean="0"/>
-              <a:t>1/20/2020</a:t>
+              <a:t>1/21/2020</a:t>
             </a:fld>
             <a:endParaRPr lang="en-US"/>
           </a:p>
@@ -2601,7 +2601,7 @@
           <a:p>
             <a:fld id="{A2D47140-E761-4776-BB05-B90A68E34D64}" type="datetimeFigureOut">
               <a:rPr lang="en-US" smtClean="0"/>
-              <a:t>1/20/2020</a:t>
+              <a:t>1/21/2020</a:t>
             </a:fld>
             <a:endParaRPr lang="en-US"/>
           </a:p>
@@ -2980,7 +2980,7 @@
           <a:p>
             <a:fld id="{A2D47140-E761-4776-BB05-B90A68E34D64}" type="datetimeFigureOut">
               <a:rPr lang="en-US" smtClean="0"/>
-              <a:t>1/20/2020</a:t>
+              <a:t>1/21/2020</a:t>
             </a:fld>
             <a:endParaRPr lang="en-US"/>
           </a:p>
@@ -3103,7 +3103,7 @@
           <a:p>
             <a:fld id="{A2D47140-E761-4776-BB05-B90A68E34D64}" type="datetimeFigureOut">
               <a:rPr lang="en-US" smtClean="0"/>
-              <a:t>1/20/2020</a:t>
+              <a:t>1/21/2020</a:t>
             </a:fld>
             <a:endParaRPr lang="en-US"/>
           </a:p>
@@ -3198,7 +3198,7 @@
           <a:p>
             <a:fld id="{A2D47140-E761-4776-BB05-B90A68E34D64}" type="datetimeFigureOut">
               <a:rPr lang="en-US" smtClean="0"/>
-              <a:t>1/20/2020</a:t>
+              <a:t>1/21/2020</a:t>
             </a:fld>
             <a:endParaRPr lang="en-US"/>
           </a:p>
@@ -3453,7 +3453,7 @@
           <a:p>
             <a:fld id="{A2D47140-E761-4776-BB05-B90A68E34D64}" type="datetimeFigureOut">
               <a:rPr lang="en-US" smtClean="0"/>
-              <a:t>1/20/2020</a:t>
+              <a:t>1/21/2020</a:t>
             </a:fld>
             <a:endParaRPr lang="en-US"/>
           </a:p>
@@ -3621,7 +3621,7 @@
           <a:p>
             <a:fld id="{A2D47140-E761-4776-BB05-B90A68E34D64}" type="datetimeFigureOut">
               <a:rPr lang="en-US" smtClean="0"/>
-              <a:t>1/20/2020</a:t>
+              <a:t>1/21/2020</a:t>
             </a:fld>
             <a:endParaRPr lang="en-US"/>
           </a:p>
@@ -3884,7 +3884,7 @@
           <a:p>
             <a:fld id="{A2D47140-E761-4776-BB05-B90A68E34D64}" type="datetimeFigureOut">
               <a:rPr lang="en-US" smtClean="0"/>
-              <a:t>1/20/2020</a:t>
+              <a:t>1/21/2020</a:t>
             </a:fld>
             <a:endParaRPr lang="en-US"/>
           </a:p>
@@ -4135,7 +4135,7 @@
           <a:p>
             <a:fld id="{A2D47140-E761-4776-BB05-B90A68E34D64}" type="datetimeFigureOut">
               <a:rPr lang="en-US" smtClean="0"/>
-              <a:t>1/20/2020</a:t>
+              <a:t>1/21/2020</a:t>
             </a:fld>
             <a:endParaRPr lang="en-US"/>
           </a:p>
@@ -4449,7 +4449,7 @@
           <a:p>
             <a:fld id="{A2D47140-E761-4776-BB05-B90A68E34D64}" type="datetimeFigureOut">
               <a:rPr lang="en-US" smtClean="0"/>
-              <a:t>1/20/2020</a:t>
+              <a:t>1/21/2020</a:t>
             </a:fld>
             <a:endParaRPr lang="en-US"/>
           </a:p>
@@ -4782,7 +4782,7 @@
           <a:p>
             <a:fld id="{A2D47140-E761-4776-BB05-B90A68E34D64}" type="datetimeFigureOut">
               <a:rPr lang="en-US" smtClean="0"/>
-              <a:t>1/20/2020</a:t>
+              <a:t>1/21/2020</a:t>
             </a:fld>
             <a:endParaRPr lang="en-US"/>
           </a:p>
@@ -5096,7 +5096,7 @@
           <a:p>
             <a:fld id="{A2D47140-E761-4776-BB05-B90A68E34D64}" type="datetimeFigureOut">
               <a:rPr lang="en-US" smtClean="0"/>
-              <a:t>1/20/2020</a:t>
+              <a:t>1/21/2020</a:t>
             </a:fld>
             <a:endParaRPr lang="en-US"/>
           </a:p>
@@ -5489,7 +5489,7 @@
           <a:p>
             <a:fld id="{A2D47140-E761-4776-BB05-B90A68E34D64}" type="datetimeFigureOut">
               <a:rPr lang="en-US" smtClean="0"/>
-              <a:t>1/20/2020</a:t>
+              <a:t>1/21/2020</a:t>
             </a:fld>
             <a:endParaRPr lang="en-US"/>
           </a:p>
@@ -5659,7 +5659,7 @@
           <a:p>
             <a:fld id="{A2D47140-E761-4776-BB05-B90A68E34D64}" type="datetimeFigureOut">
               <a:rPr lang="en-US" smtClean="0"/>
-              <a:t>1/20/2020</a:t>
+              <a:t>1/21/2020</a:t>
             </a:fld>
             <a:endParaRPr lang="en-US"/>
           </a:p>
@@ -5839,7 +5839,7 @@
           <a:p>
             <a:fld id="{A2D47140-E761-4776-BB05-B90A68E34D64}" type="datetimeFigureOut">
               <a:rPr lang="en-US" smtClean="0"/>
-              <a:t>1/20/2020</a:t>
+              <a:t>1/21/2020</a:t>
             </a:fld>
             <a:endParaRPr lang="en-US"/>
           </a:p>
@@ -6084,7 +6084,7 @@
           <a:p>
             <a:fld id="{A2D47140-E761-4776-BB05-B90A68E34D64}" type="datetimeFigureOut">
               <a:rPr lang="en-US" smtClean="0"/>
-              <a:t>1/20/2020</a:t>
+              <a:t>1/21/2020</a:t>
             </a:fld>
             <a:endParaRPr lang="en-US"/>
           </a:p>
@@ -6369,7 +6369,7 @@
           <a:p>
             <a:fld id="{A2D47140-E761-4776-BB05-B90A68E34D64}" type="datetimeFigureOut">
               <a:rPr lang="en-US" smtClean="0"/>
-              <a:t>1/20/2020</a:t>
+              <a:t>1/21/2020</a:t>
             </a:fld>
             <a:endParaRPr lang="en-US"/>
           </a:p>
@@ -6788,7 +6788,7 @@
           <a:p>
             <a:fld id="{A2D47140-E761-4776-BB05-B90A68E34D64}" type="datetimeFigureOut">
               <a:rPr lang="en-US" smtClean="0"/>
-              <a:t>1/20/2020</a:t>
+              <a:t>1/21/2020</a:t>
             </a:fld>
             <a:endParaRPr lang="en-US"/>
           </a:p>
@@ -6905,7 +6905,7 @@
           <a:p>
             <a:fld id="{A2D47140-E761-4776-BB05-B90A68E34D64}" type="datetimeFigureOut">
               <a:rPr lang="en-US" smtClean="0"/>
-              <a:t>1/20/2020</a:t>
+              <a:t>1/21/2020</a:t>
             </a:fld>
             <a:endParaRPr lang="en-US"/>
           </a:p>
@@ -7000,7 +7000,7 @@
           <a:p>
             <a:fld id="{A2D47140-E761-4776-BB05-B90A68E34D64}" type="datetimeFigureOut">
               <a:rPr lang="en-US" smtClean="0"/>
-              <a:t>1/20/2020</a:t>
+              <a:t>1/21/2020</a:t>
             </a:fld>
             <a:endParaRPr lang="en-US"/>
           </a:p>
@@ -7275,7 +7275,7 @@
           <a:p>
             <a:fld id="{A2D47140-E761-4776-BB05-B90A68E34D64}" type="datetimeFigureOut">
               <a:rPr lang="en-US" smtClean="0"/>
-              <a:t>1/20/2020</a:t>
+              <a:t>1/21/2020</a:t>
             </a:fld>
             <a:endParaRPr lang="en-US"/>
           </a:p>
@@ -7527,7 +7527,7 @@
           <a:p>
             <a:fld id="{A2D47140-E761-4776-BB05-B90A68E34D64}" type="datetimeFigureOut">
               <a:rPr lang="en-US" smtClean="0"/>
-              <a:t>1/20/2020</a:t>
+              <a:t>1/21/2020</a:t>
             </a:fld>
             <a:endParaRPr lang="en-US"/>
           </a:p>
@@ -7738,7 +7738,7 @@
           <a:p>
             <a:fld id="{A2D47140-E761-4776-BB05-B90A68E34D64}" type="datetimeFigureOut">
               <a:rPr lang="en-US" smtClean="0"/>
-              <a:t>1/20/2020</a:t>
+              <a:t>1/21/2020</a:t>
             </a:fld>
             <a:endParaRPr lang="en-US"/>
           </a:p>
@@ -8982,7 +8982,7 @@
           <a:p>
             <a:fld id="{A2D47140-E761-4776-BB05-B90A68E34D64}" type="datetimeFigureOut">
               <a:rPr lang="en-US" smtClean="0"/>
-              <a:t>1/20/2020</a:t>
+              <a:t>1/21/2020</a:t>
             </a:fld>
             <a:endParaRPr lang="en-US"/>
           </a:p>
@@ -15156,8 +15156,8 @@
         </p:nvSpPr>
         <p:spPr>
           <a:xfrm>
-            <a:off x="1885134" y="1944439"/>
-            <a:ext cx="5373731" cy="461665"/>
+            <a:off x="1924865" y="1524000"/>
+            <a:ext cx="5373731" cy="830997"/>
           </a:xfrm>
           <a:prstGeom prst="rect">
             <a:avLst/>
@@ -15172,6 +15172,12 @@
             <a:r>
               <a:rPr lang="en-IN" sz="2400" dirty="0"/>
               <a:t>Median Sanctioned Amount -&gt; Rs. 55553</a:t>
+            </a:r>
+          </a:p>
+          <a:p>
+            <a:r>
+              <a:rPr lang="en-IN" sz="2400" dirty="0"/>
+              <a:t>Tenure -&gt; 5 years</a:t>
             </a:r>
           </a:p>
         </p:txBody>
@@ -15236,41 +15242,6 @@
             <a:r>
               <a:rPr lang="en-IN" dirty="0"/>
               <a:t>Return on Investment</a:t>
-            </a:r>
-          </a:p>
-        </p:txBody>
-      </p:sp>
-      <p:sp>
-        <p:nvSpPr>
-          <p:cNvPr id="11" name="TextBox 10">
-            <a:extLst>
-              <a:ext uri="{FF2B5EF4-FFF2-40B4-BE49-F238E27FC236}">
-                <a16:creationId xmlns:a16="http://schemas.microsoft.com/office/drawing/2014/main" id="{C307768B-AD3D-44C8-AD13-74604959CE5F}"/>
-              </a:ext>
-            </a:extLst>
-          </p:cNvPr>
-          <p:cNvSpPr txBox="1"/>
-          <p:nvPr/>
-        </p:nvSpPr>
-        <p:spPr>
-          <a:xfrm>
-            <a:off x="2532473" y="1268342"/>
-            <a:ext cx="1143000" cy="369332"/>
-          </a:xfrm>
-          <a:prstGeom prst="rect">
-            <a:avLst/>
-          </a:prstGeom>
-          <a:noFill/>
-        </p:spPr>
-        <p:txBody>
-          <a:bodyPr wrap="square" rtlCol="0">
-            <a:spAutoFit/>
-          </a:bodyPr>
-          <a:lstStyle/>
-          <a:p>
-            <a:r>
-              <a:rPr lang="en-IN" dirty="0"/>
-              <a:t>Actual</a:t>
             </a:r>
           </a:p>
         </p:txBody>
@@ -15634,7 +15605,7 @@
           <a:p>
             <a:r>
               <a:rPr lang="en-IN" dirty="0"/>
-              <a:t>% income increased = 0.167 </a:t>
+              <a:t>% income increased = 16.7 </a:t>
             </a:r>
           </a:p>
         </p:txBody>
@@ -15671,7 +15642,7 @@
         <p:spPr>
           <a:xfrm>
             <a:off x="7353073" y="6026301"/>
-            <a:ext cx="570486" cy="569761"/>
+            <a:ext cx="539176" cy="569761"/>
           </a:xfrm>
           <a:prstGeom prst="rect">
             <a:avLst/>
@@ -15775,13 +15746,13 @@
           <p:nvPr>
             <p:extLst>
               <p:ext uri="{D42A27DB-BD31-4B8C-83A1-F6EECF244321}">
-                <p14:modId xmlns:p14="http://schemas.microsoft.com/office/powerpoint/2010/main" val="375687417"/>
+                <p14:modId xmlns:p14="http://schemas.microsoft.com/office/powerpoint/2010/main" val="3243016089"/>
               </p:ext>
             </p:extLst>
           </p:nvPr>
         </p:nvGraphicFramePr>
         <p:xfrm>
-          <a:off x="585034" y="1221796"/>
+          <a:off x="470733" y="1087324"/>
           <a:ext cx="3859133" cy="2691523"/>
         </p:xfrm>
         <a:graphic>
@@ -16367,6 +16338,460 @@
   <p:clrMapOvr>
     <a:masterClrMapping/>
   </p:clrMapOvr>
+  <p:timing>
+    <p:tnLst>
+      <p:par>
+        <p:cTn id="1" dur="indefinite" restart="never" nodeType="tmRoot">
+          <p:childTnLst>
+            <p:seq concurrent="1" nextAc="seek">
+              <p:cTn id="2" dur="indefinite" nodeType="mainSeq">
+                <p:childTnLst>
+                  <p:par>
+                    <p:cTn id="3" fill="hold">
+                      <p:stCondLst>
+                        <p:cond delay="indefinite"/>
+                      </p:stCondLst>
+                      <p:childTnLst>
+                        <p:par>
+                          <p:cTn id="4" fill="hold">
+                            <p:stCondLst>
+                              <p:cond delay="0"/>
+                            </p:stCondLst>
+                            <p:childTnLst>
+                              <p:par>
+                                <p:cTn id="5" presetID="1" presetClass="entr" presetSubtype="0" fill="hold" nodeType="clickEffect">
+                                  <p:stCondLst>
+                                    <p:cond delay="0"/>
+                                  </p:stCondLst>
+                                  <p:childTnLst>
+                                    <p:set>
+                                      <p:cBhvr>
+                                        <p:cTn id="6" dur="1" fill="hold">
+                                          <p:stCondLst>
+                                            <p:cond delay="0"/>
+                                          </p:stCondLst>
+                                        </p:cTn>
+                                        <p:tgtEl>
+                                          <p:spTgt spid="20"/>
+                                        </p:tgtEl>
+                                        <p:attrNameLst>
+                                          <p:attrName>style.visibility</p:attrName>
+                                        </p:attrNameLst>
+                                      </p:cBhvr>
+                                      <p:to>
+                                        <p:strVal val="visible"/>
+                                      </p:to>
+                                    </p:set>
+                                  </p:childTnLst>
+                                </p:cTn>
+                              </p:par>
+                            </p:childTnLst>
+                          </p:cTn>
+                        </p:par>
+                      </p:childTnLst>
+                    </p:cTn>
+                  </p:par>
+                  <p:par>
+                    <p:cTn id="7" fill="hold">
+                      <p:stCondLst>
+                        <p:cond delay="indefinite"/>
+                      </p:stCondLst>
+                      <p:childTnLst>
+                        <p:par>
+                          <p:cTn id="8" fill="hold">
+                            <p:stCondLst>
+                              <p:cond delay="0"/>
+                            </p:stCondLst>
+                            <p:childTnLst>
+                              <p:par>
+                                <p:cTn id="9" presetID="1" presetClass="entr" presetSubtype="0" fill="hold" grpId="0" nodeType="clickEffect">
+                                  <p:stCondLst>
+                                    <p:cond delay="0"/>
+                                  </p:stCondLst>
+                                  <p:childTnLst>
+                                    <p:set>
+                                      <p:cBhvr>
+                                        <p:cTn id="10" dur="1" fill="hold">
+                                          <p:stCondLst>
+                                            <p:cond delay="0"/>
+                                          </p:stCondLst>
+                                        </p:cTn>
+                                        <p:tgtEl>
+                                          <p:spTgt spid="12"/>
+                                        </p:tgtEl>
+                                        <p:attrNameLst>
+                                          <p:attrName>style.visibility</p:attrName>
+                                        </p:attrNameLst>
+                                      </p:cBhvr>
+                                      <p:to>
+                                        <p:strVal val="visible"/>
+                                      </p:to>
+                                    </p:set>
+                                  </p:childTnLst>
+                                </p:cTn>
+                              </p:par>
+                              <p:par>
+                                <p:cTn id="11" presetID="1" presetClass="entr" presetSubtype="0" fill="hold" grpId="0" nodeType="withEffect">
+                                  <p:stCondLst>
+                                    <p:cond delay="0"/>
+                                  </p:stCondLst>
+                                  <p:childTnLst>
+                                    <p:set>
+                                      <p:cBhvr>
+                                        <p:cTn id="12" dur="1" fill="hold">
+                                          <p:stCondLst>
+                                            <p:cond delay="0"/>
+                                          </p:stCondLst>
+                                        </p:cTn>
+                                        <p:tgtEl>
+                                          <p:spTgt spid="14"/>
+                                        </p:tgtEl>
+                                        <p:attrNameLst>
+                                          <p:attrName>style.visibility</p:attrName>
+                                        </p:attrNameLst>
+                                      </p:cBhvr>
+                                      <p:to>
+                                        <p:strVal val="visible"/>
+                                      </p:to>
+                                    </p:set>
+                                  </p:childTnLst>
+                                </p:cTn>
+                              </p:par>
+                              <p:par>
+                                <p:cTn id="13" presetID="1" presetClass="entr" presetSubtype="0" fill="hold" nodeType="withEffect">
+                                  <p:stCondLst>
+                                    <p:cond delay="0"/>
+                                  </p:stCondLst>
+                                  <p:childTnLst>
+                                    <p:set>
+                                      <p:cBhvr>
+                                        <p:cTn id="14" dur="1" fill="hold">
+                                          <p:stCondLst>
+                                            <p:cond delay="0"/>
+                                          </p:stCondLst>
+                                        </p:cTn>
+                                        <p:tgtEl>
+                                          <p:spTgt spid="18"/>
+                                        </p:tgtEl>
+                                        <p:attrNameLst>
+                                          <p:attrName>style.visibility</p:attrName>
+                                        </p:attrNameLst>
+                                      </p:cBhvr>
+                                      <p:to>
+                                        <p:strVal val="visible"/>
+                                      </p:to>
+                                    </p:set>
+                                  </p:childTnLst>
+                                </p:cTn>
+                              </p:par>
+                            </p:childTnLst>
+                          </p:cTn>
+                        </p:par>
+                      </p:childTnLst>
+                    </p:cTn>
+                  </p:par>
+                  <p:par>
+                    <p:cTn id="15" fill="hold">
+                      <p:stCondLst>
+                        <p:cond delay="indefinite"/>
+                      </p:stCondLst>
+                      <p:childTnLst>
+                        <p:par>
+                          <p:cTn id="16" fill="hold">
+                            <p:stCondLst>
+                              <p:cond delay="0"/>
+                            </p:stCondLst>
+                            <p:childTnLst>
+                              <p:par>
+                                <p:cTn id="17" presetID="1" presetClass="entr" presetSubtype="0" fill="hold" grpId="0" nodeType="clickEffect">
+                                  <p:stCondLst>
+                                    <p:cond delay="0"/>
+                                  </p:stCondLst>
+                                  <p:childTnLst>
+                                    <p:set>
+                                      <p:cBhvr>
+                                        <p:cTn id="18" dur="1" fill="hold">
+                                          <p:stCondLst>
+                                            <p:cond delay="0"/>
+                                          </p:stCondLst>
+                                        </p:cTn>
+                                        <p:tgtEl>
+                                          <p:spTgt spid="19"/>
+                                        </p:tgtEl>
+                                        <p:attrNameLst>
+                                          <p:attrName>style.visibility</p:attrName>
+                                        </p:attrNameLst>
+                                      </p:cBhvr>
+                                      <p:to>
+                                        <p:strVal val="visible"/>
+                                      </p:to>
+                                    </p:set>
+                                  </p:childTnLst>
+                                </p:cTn>
+                              </p:par>
+                              <p:par>
+                                <p:cTn id="19" presetID="1" presetClass="entr" presetSubtype="0" fill="hold" nodeType="withEffect">
+                                  <p:stCondLst>
+                                    <p:cond delay="0"/>
+                                  </p:stCondLst>
+                                  <p:childTnLst>
+                                    <p:set>
+                                      <p:cBhvr>
+                                        <p:cTn id="20" dur="1" fill="hold">
+                                          <p:stCondLst>
+                                            <p:cond delay="0"/>
+                                          </p:stCondLst>
+                                        </p:cTn>
+                                        <p:tgtEl>
+                                          <p:spTgt spid="31"/>
+                                        </p:tgtEl>
+                                        <p:attrNameLst>
+                                          <p:attrName>style.visibility</p:attrName>
+                                        </p:attrNameLst>
+                                      </p:cBhvr>
+                                      <p:to>
+                                        <p:strVal val="visible"/>
+                                      </p:to>
+                                    </p:set>
+                                  </p:childTnLst>
+                                </p:cTn>
+                              </p:par>
+                              <p:par>
+                                <p:cTn id="21" presetID="1" presetClass="entr" presetSubtype="0" fill="hold" grpId="0" nodeType="withEffect">
+                                  <p:stCondLst>
+                                    <p:cond delay="0"/>
+                                  </p:stCondLst>
+                                  <p:childTnLst>
+                                    <p:set>
+                                      <p:cBhvr>
+                                        <p:cTn id="22" dur="1" fill="hold">
+                                          <p:stCondLst>
+                                            <p:cond delay="0"/>
+                                          </p:stCondLst>
+                                        </p:cTn>
+                                        <p:tgtEl>
+                                          <p:spTgt spid="22"/>
+                                        </p:tgtEl>
+                                        <p:attrNameLst>
+                                          <p:attrName>style.visibility</p:attrName>
+                                        </p:attrNameLst>
+                                      </p:cBhvr>
+                                      <p:to>
+                                        <p:strVal val="visible"/>
+                                      </p:to>
+                                    </p:set>
+                                  </p:childTnLst>
+                                </p:cTn>
+                              </p:par>
+                            </p:childTnLst>
+                          </p:cTn>
+                        </p:par>
+                      </p:childTnLst>
+                    </p:cTn>
+                  </p:par>
+                  <p:par>
+                    <p:cTn id="23" fill="hold">
+                      <p:stCondLst>
+                        <p:cond delay="indefinite"/>
+                      </p:stCondLst>
+                      <p:childTnLst>
+                        <p:par>
+                          <p:cTn id="24" fill="hold">
+                            <p:stCondLst>
+                              <p:cond delay="0"/>
+                            </p:stCondLst>
+                            <p:childTnLst>
+                              <p:par>
+                                <p:cTn id="25" presetID="1" presetClass="entr" presetSubtype="0" fill="hold" grpId="0" nodeType="clickEffect">
+                                  <p:stCondLst>
+                                    <p:cond delay="0"/>
+                                  </p:stCondLst>
+                                  <p:childTnLst>
+                                    <p:set>
+                                      <p:cBhvr>
+                                        <p:cTn id="26" dur="1" fill="hold">
+                                          <p:stCondLst>
+                                            <p:cond delay="0"/>
+                                          </p:stCondLst>
+                                        </p:cTn>
+                                        <p:tgtEl>
+                                          <p:spTgt spid="33"/>
+                                        </p:tgtEl>
+                                        <p:attrNameLst>
+                                          <p:attrName>style.visibility</p:attrName>
+                                        </p:attrNameLst>
+                                      </p:cBhvr>
+                                      <p:to>
+                                        <p:strVal val="visible"/>
+                                      </p:to>
+                                    </p:set>
+                                  </p:childTnLst>
+                                </p:cTn>
+                              </p:par>
+                              <p:par>
+                                <p:cTn id="27" presetID="1" presetClass="entr" presetSubtype="0" fill="hold" grpId="0" nodeType="withEffect">
+                                  <p:stCondLst>
+                                    <p:cond delay="0"/>
+                                  </p:stCondLst>
+                                  <p:childTnLst>
+                                    <p:set>
+                                      <p:cBhvr>
+                                        <p:cTn id="28" dur="1" fill="hold">
+                                          <p:stCondLst>
+                                            <p:cond delay="0"/>
+                                          </p:stCondLst>
+                                        </p:cTn>
+                                        <p:tgtEl>
+                                          <p:spTgt spid="25"/>
+                                        </p:tgtEl>
+                                        <p:attrNameLst>
+                                          <p:attrName>style.visibility</p:attrName>
+                                        </p:attrNameLst>
+                                      </p:cBhvr>
+                                      <p:to>
+                                        <p:strVal val="visible"/>
+                                      </p:to>
+                                    </p:set>
+                                  </p:childTnLst>
+                                </p:cTn>
+                              </p:par>
+                              <p:par>
+                                <p:cTn id="29" presetID="1" presetClass="entr" presetSubtype="0" fill="hold" grpId="0" nodeType="withEffect">
+                                  <p:stCondLst>
+                                    <p:cond delay="0"/>
+                                  </p:stCondLst>
+                                  <p:childTnLst>
+                                    <p:set>
+                                      <p:cBhvr>
+                                        <p:cTn id="30" dur="1" fill="hold">
+                                          <p:stCondLst>
+                                            <p:cond delay="0"/>
+                                          </p:stCondLst>
+                                        </p:cTn>
+                                        <p:tgtEl>
+                                          <p:spTgt spid="26"/>
+                                        </p:tgtEl>
+                                        <p:attrNameLst>
+                                          <p:attrName>style.visibility</p:attrName>
+                                        </p:attrNameLst>
+                                      </p:cBhvr>
+                                      <p:to>
+                                        <p:strVal val="visible"/>
+                                      </p:to>
+                                    </p:set>
+                                  </p:childTnLst>
+                                </p:cTn>
+                              </p:par>
+                            </p:childTnLst>
+                          </p:cTn>
+                        </p:par>
+                      </p:childTnLst>
+                    </p:cTn>
+                  </p:par>
+                  <p:par>
+                    <p:cTn id="31" fill="hold">
+                      <p:stCondLst>
+                        <p:cond delay="indefinite"/>
+                      </p:stCondLst>
+                      <p:childTnLst>
+                        <p:par>
+                          <p:cTn id="32" fill="hold">
+                            <p:stCondLst>
+                              <p:cond delay="0"/>
+                            </p:stCondLst>
+                            <p:childTnLst>
+                              <p:par>
+                                <p:cTn id="33" presetID="1" presetClass="entr" presetSubtype="0" fill="hold" nodeType="clickEffect">
+                                  <p:stCondLst>
+                                    <p:cond delay="0"/>
+                                  </p:stCondLst>
+                                  <p:childTnLst>
+                                    <p:set>
+                                      <p:cBhvr>
+                                        <p:cTn id="34" dur="1" fill="hold">
+                                          <p:stCondLst>
+                                            <p:cond delay="0"/>
+                                          </p:stCondLst>
+                                        </p:cTn>
+                                        <p:tgtEl>
+                                          <p:spTgt spid="29"/>
+                                        </p:tgtEl>
+                                        <p:attrNameLst>
+                                          <p:attrName>style.visibility</p:attrName>
+                                        </p:attrNameLst>
+                                      </p:cBhvr>
+                                      <p:to>
+                                        <p:strVal val="visible"/>
+                                      </p:to>
+                                    </p:set>
+                                  </p:childTnLst>
+                                </p:cTn>
+                              </p:par>
+                              <p:par>
+                                <p:cTn id="35" presetID="1" presetClass="entr" presetSubtype="0" fill="hold" grpId="0" nodeType="withEffect">
+                                  <p:stCondLst>
+                                    <p:cond delay="0"/>
+                                  </p:stCondLst>
+                                  <p:childTnLst>
+                                    <p:set>
+                                      <p:cBhvr>
+                                        <p:cTn id="36" dur="1" fill="hold">
+                                          <p:stCondLst>
+                                            <p:cond delay="0"/>
+                                          </p:stCondLst>
+                                        </p:cTn>
+                                        <p:tgtEl>
+                                          <p:spTgt spid="27"/>
+                                        </p:tgtEl>
+                                        <p:attrNameLst>
+                                          <p:attrName>style.visibility</p:attrName>
+                                        </p:attrNameLst>
+                                      </p:cBhvr>
+                                      <p:to>
+                                        <p:strVal val="visible"/>
+                                      </p:to>
+                                    </p:set>
+                                  </p:childTnLst>
+                                </p:cTn>
+                              </p:par>
+                            </p:childTnLst>
+                          </p:cTn>
+                        </p:par>
+                      </p:childTnLst>
+                    </p:cTn>
+                  </p:par>
+                </p:childTnLst>
+              </p:cTn>
+              <p:prevCondLst>
+                <p:cond evt="onPrev" delay="0">
+                  <p:tgtEl>
+                    <p:sldTgt/>
+                  </p:tgtEl>
+                </p:cond>
+              </p:prevCondLst>
+              <p:nextCondLst>
+                <p:cond evt="onNext" delay="0">
+                  <p:tgtEl>
+                    <p:sldTgt/>
+                  </p:tgtEl>
+                </p:cond>
+              </p:nextCondLst>
+            </p:seq>
+          </p:childTnLst>
+        </p:cTn>
+      </p:par>
+    </p:tnLst>
+    <p:bldLst>
+      <p:bldP spid="12" grpId="0" animBg="1"/>
+      <p:bldP spid="14" grpId="0"/>
+      <p:bldP spid="19" grpId="0"/>
+      <p:bldP spid="22" grpId="0" animBg="1"/>
+      <p:bldP spid="25" grpId="0"/>
+      <p:bldP spid="26" grpId="0"/>
+      <p:bldP spid="27" grpId="0"/>
+      <p:bldP spid="33" grpId="0"/>
+    </p:bldLst>
+  </p:timing>
 </p:sld>
 </file>
 
@@ -17505,7 +17930,7 @@
         <p:spPr>
           <a:xfrm>
             <a:off x="505207" y="1283746"/>
-            <a:ext cx="8305800" cy="2585323"/>
+            <a:ext cx="8305800" cy="2862322"/>
           </a:xfrm>
           <a:prstGeom prst="rect">
             <a:avLst/>
@@ -17530,6 +17955,22 @@
             <a:endParaRPr lang="en-US" dirty="0"/>
           </a:p>
           <a:p>
+            <a:endParaRPr lang="en-US" dirty="0"/>
+          </a:p>
+          <a:p>
+            <a:pPr marL="285750" indent="-285750">
+              <a:buFont typeface="Arial" panose="020B0604020202020204" pitchFamily="34" charset="0"/>
+              <a:buChar char="•"/>
+            </a:pPr>
+            <a:r>
+              <a:rPr lang="en-US" dirty="0"/>
+              <a:t>The dataset is collected from the period 2013 to 2018</a:t>
+            </a:r>
+          </a:p>
+          <a:p>
+            <a:endParaRPr lang="en-US" dirty="0"/>
+          </a:p>
+          <a:p>
             <a:r>
               <a:rPr lang="en-US" dirty="0"/>
               <a:t>The Dataset contains 233154 Rows and 41 Columns</a:t>
@@ -17542,15 +17983,7 @@
             </a:pPr>
             <a:r>
               <a:rPr lang="en-US" dirty="0"/>
-              <a:t>14 Numerical columns,2 </a:t>
-            </a:r>
-            <a:r>
-              <a:rPr lang="en-US" dirty="0" err="1"/>
-              <a:t>Datetype</a:t>
-            </a:r>
-            <a:r>
-              <a:rPr lang="en-US" dirty="0"/>
-              <a:t> columns and 25 Categorical columns</a:t>
+              <a:t>14 Numerical columns,2 Date type columns and 25 Categorical columns</a:t>
             </a:r>
           </a:p>
           <a:p>
@@ -17561,16 +17994,6 @@
             <a:r>
               <a:rPr lang="en-US" dirty="0"/>
               <a:t>The Only column with missing values is Employment Type. It has 7661 missing values which is about 3.3%  of the data </a:t>
-            </a:r>
-          </a:p>
-          <a:p>
-            <a:pPr marL="285750" indent="-285750">
-              <a:buFont typeface="Arial" pitchFamily="34" charset="0"/>
-              <a:buChar char="•"/>
-            </a:pPr>
-            <a:r>
-              <a:rPr lang="en-US" dirty="0"/>
-              <a:t>Current Balance has 1,50,000 Entries as zero, out of which 70,000 entries have applied for their first loan </a:t>
             </a:r>
           </a:p>
           <a:p>
